--- a/Project Proposal.pptx
+++ b/Project Proposal.pptx
@@ -1137,8 +1137,13 @@
         <a:p>
           <a:r>
             <a:rPr lang="en-US" dirty="0"/>
-            <a:t>Removal of outliers by Isolation forest algorithm</a:t>
+            <a:t>Removal of outliers by Isolation forest algorithm </a:t>
           </a:r>
+          <a:r>
+            <a:rPr lang="en-US"/>
+            <a:t>(optional) </a:t>
+          </a:r>
+          <a:endParaRPr lang="en-US" dirty="0"/>
         </a:p>
       </dgm:t>
     </dgm:pt>
@@ -1363,7 +1368,7 @@
       <dgm:spPr/>
     </dgm:pt>
     <dgm:pt modelId="{05D1771C-699E-4237-8064-66B75FFFF0FE}" type="pres">
-      <dgm:prSet presAssocID="{8CEC3D21-D031-4BAA-9E6A-D0522E6B2300}" presName="entireBox" presStyleLbl="node1" presStyleIdx="0" presStyleCnt="4"/>
+      <dgm:prSet presAssocID="{8CEC3D21-D031-4BAA-9E6A-D0522E6B2300}" presName="entireBox" presStyleLbl="node1" presStyleIdx="0" presStyleCnt="4" custLinFactNeighborY="-663"/>
       <dgm:spPr/>
     </dgm:pt>
     <dgm:pt modelId="{602BD1D0-36BC-4130-996D-4C1C7111E4DD}" type="pres">
@@ -1578,7 +1583,7 @@
       </dsp:nvSpPr>
       <dsp:spPr>
         <a:xfrm>
-          <a:off x="0" y="3963893"/>
+          <a:off x="0" y="3958144"/>
           <a:ext cx="9601200" cy="867203"/>
         </a:xfrm>
         <a:prstGeom prst="rect">
@@ -1639,12 +1644,17 @@
           </a:pPr>
           <a:r>
             <a:rPr lang="en-US" sz="1700" kern="1200" dirty="0"/>
-            <a:t>Removal of outliers by Isolation forest algorithm</a:t>
+            <a:t>Removal of outliers by Isolation forest algorithm </a:t>
           </a:r>
+          <a:r>
+            <a:rPr lang="en-US" sz="1700" kern="1200"/>
+            <a:t>(optional) </a:t>
+          </a:r>
+          <a:endParaRPr lang="en-US" sz="1700" kern="1200" dirty="0"/>
         </a:p>
       </dsp:txBody>
       <dsp:txXfrm>
-        <a:off x="0" y="3963893"/>
+        <a:off x="0" y="3958144"/>
         <a:ext cx="9601200" cy="468289"/>
       </dsp:txXfrm>
     </dsp:sp>
@@ -8114,7 +8124,7 @@
             <p:ph idx="1"/>
             <p:extLst>
               <p:ext uri="{D42A27DB-BD31-4B8C-83A1-F6EECF244321}">
-                <p14:modId xmlns:p14="http://schemas.microsoft.com/office/powerpoint/2010/main" val="936206946"/>
+                <p14:modId xmlns:p14="http://schemas.microsoft.com/office/powerpoint/2010/main" val="1058950861"/>
               </p:ext>
             </p:extLst>
           </p:nvPr>

--- a/Project Proposal.pptx
+++ b/Project Proposal.pptx
@@ -8199,8 +8199,8 @@
         </p:blipFill>
         <p:spPr>
           <a:xfrm>
-            <a:off x="3858919" y="272845"/>
-            <a:ext cx="5637667" cy="2959773"/>
+            <a:off x="3064878" y="90349"/>
+            <a:ext cx="6359341" cy="3338651"/>
           </a:xfrm>
           <a:prstGeom prst="rect">
             <a:avLst/>
@@ -8209,10 +8209,10 @@
       </p:pic>
       <p:pic>
         <p:nvPicPr>
-          <p:cNvPr id="7" name="Grafik 6">
+          <p:cNvPr id="2" name="Grafik 1">
             <a:extLst>
               <a:ext uri="{FF2B5EF4-FFF2-40B4-BE49-F238E27FC236}">
-                <a16:creationId xmlns:a16="http://schemas.microsoft.com/office/drawing/2014/main" id="{AD610867-6C5E-4E95-9E4B-68A9DB01ABFE}"/>
+                <a16:creationId xmlns:a16="http://schemas.microsoft.com/office/drawing/2014/main" id="{BCD64FB6-228F-49CB-8290-92F3773CD804}"/>
               </a:ext>
             </a:extLst>
           </p:cNvPr>
@@ -8229,8 +8229,8 @@
         </p:blipFill>
         <p:spPr>
           <a:xfrm>
-            <a:off x="3858919" y="3232618"/>
-            <a:ext cx="5637665" cy="2959773"/>
+            <a:off x="3064878" y="3429000"/>
+            <a:ext cx="6359341" cy="3322431"/>
           </a:xfrm>
           <a:prstGeom prst="rect">
             <a:avLst/>

--- a/Project Proposal.pptx
+++ b/Project Proposal.pptx
@@ -1178,7 +1178,7 @@
         <a:p>
           <a:r>
             <a:rPr lang="en-US" dirty="0"/>
-            <a:t>2430</a:t>
+            <a:t>2511</a:t>
           </a:r>
         </a:p>
       </dgm:t>
@@ -1376,7 +1376,7 @@
       <dgm:spPr/>
     </dgm:pt>
     <dgm:pt modelId="{D47E33B8-8BA6-4011-ACEC-3853B3788D87}" type="pres">
-      <dgm:prSet presAssocID="{584CD710-C724-49CC-9AFF-5018992DA3A1}" presName="childTextBox" presStyleLbl="fgAccFollowNode1" presStyleIdx="0" presStyleCnt="8">
+      <dgm:prSet presAssocID="{584CD710-C724-49CC-9AFF-5018992DA3A1}" presName="childTextBox" presStyleLbl="fgAccFollowNode1" presStyleIdx="0" presStyleCnt="8" custLinFactNeighborY="1442">
         <dgm:presLayoutVars>
           <dgm:bulletEnabled val="1"/>
         </dgm:presLayoutVars>
@@ -1665,7 +1665,7 @@
       </dsp:nvSpPr>
       <dsp:spPr>
         <a:xfrm>
-          <a:off x="0" y="4414839"/>
+          <a:off x="0" y="4420591"/>
           <a:ext cx="4800600" cy="398913"/>
         </a:xfrm>
         <a:prstGeom prst="rect">
@@ -1728,12 +1728,12 @@
           </a:pPr>
           <a:r>
             <a:rPr lang="en-US" sz="2500" kern="1200" dirty="0"/>
-            <a:t>2430</a:t>
+            <a:t>2511</a:t>
           </a:r>
         </a:p>
       </dsp:txBody>
       <dsp:txXfrm>
-        <a:off x="0" y="4414839"/>
+        <a:off x="0" y="4420591"/>
         <a:ext cx="4800600" cy="398913"/>
       </dsp:txXfrm>
     </dsp:sp>
@@ -8124,7 +8124,7 @@
             <p:ph idx="1"/>
             <p:extLst>
               <p:ext uri="{D42A27DB-BD31-4B8C-83A1-F6EECF244321}">
-                <p14:modId xmlns:p14="http://schemas.microsoft.com/office/powerpoint/2010/main" val="1058950861"/>
+                <p14:modId xmlns:p14="http://schemas.microsoft.com/office/powerpoint/2010/main" val="2170336254"/>
               </p:ext>
             </p:extLst>
           </p:nvPr>

--- a/Project Proposal.pptx
+++ b/Project Proposal.pptx
@@ -10,6 +10,8 @@
     <p:sldId id="260" r:id="rId4"/>
     <p:sldId id="263" r:id="rId5"/>
     <p:sldId id="262" r:id="rId6"/>
+    <p:sldId id="264" r:id="rId7"/>
+    <p:sldId id="265" r:id="rId8"/>
   </p:sldIdLst>
   <p:sldSz cx="12192000" cy="6858000"/>
   <p:notesSz cx="6858000" cy="9144000"/>
@@ -864,6 +866,1844 @@
   <dgm:styleLbl name="fgShp">
     <dgm:fillClrLst meth="repeat">
       <a:schemeClr val="accent4">
+        <a:tint val="40000"/>
+      </a:schemeClr>
+    </dgm:fillClrLst>
+    <dgm:linClrLst meth="repeat">
+      <a:schemeClr val="lt1"/>
+    </dgm:linClrLst>
+    <dgm:effectClrLst/>
+    <dgm:txLinClrLst/>
+    <dgm:txFillClrLst meth="repeat">
+      <a:schemeClr val="dk1"/>
+    </dgm:txFillClrLst>
+    <dgm:txEffectClrLst/>
+  </dgm:styleLbl>
+  <dgm:styleLbl name="revTx">
+    <dgm:fillClrLst meth="repeat">
+      <a:schemeClr val="lt1">
+        <a:alpha val="0"/>
+      </a:schemeClr>
+    </dgm:fillClrLst>
+    <dgm:linClrLst meth="repeat">
+      <a:schemeClr val="dk1">
+        <a:alpha val="0"/>
+      </a:schemeClr>
+    </dgm:linClrLst>
+    <dgm:effectClrLst/>
+    <dgm:txLinClrLst/>
+    <dgm:txFillClrLst meth="repeat">
+      <a:schemeClr val="tx1"/>
+    </dgm:txFillClrLst>
+    <dgm:txEffectClrLst/>
+  </dgm:styleLbl>
+</dgm:colorsDef>
+</file>
+
+<file path=ppt/diagrams/colors2.xml><?xml version="1.0" encoding="utf-8"?>
+<dgm:colorsDef xmlns:dgm="http://schemas.openxmlformats.org/drawingml/2006/diagram" xmlns:a="http://schemas.openxmlformats.org/drawingml/2006/main" uniqueId="urn:microsoft.com/office/officeart/2005/8/colors/colorful1">
+  <dgm:title val=""/>
+  <dgm:desc val=""/>
+  <dgm:catLst>
+    <dgm:cat type="colorful" pri="10100"/>
+  </dgm:catLst>
+  <dgm:styleLbl name="node0">
+    <dgm:fillClrLst meth="repeat">
+      <a:schemeClr val="accent1"/>
+    </dgm:fillClrLst>
+    <dgm:linClrLst meth="repeat">
+      <a:schemeClr val="lt1"/>
+    </dgm:linClrLst>
+    <dgm:effectClrLst/>
+    <dgm:txLinClrLst/>
+    <dgm:txFillClrLst/>
+    <dgm:txEffectClrLst/>
+  </dgm:styleLbl>
+  <dgm:styleLbl name="node1">
+    <dgm:fillClrLst meth="repeat">
+      <a:schemeClr val="accent2"/>
+      <a:schemeClr val="accent3"/>
+      <a:schemeClr val="accent4"/>
+      <a:schemeClr val="accent5"/>
+      <a:schemeClr val="accent6"/>
+    </dgm:fillClrLst>
+    <dgm:linClrLst meth="repeat">
+      <a:schemeClr val="lt1"/>
+    </dgm:linClrLst>
+    <dgm:effectClrLst/>
+    <dgm:txLinClrLst/>
+    <dgm:txFillClrLst/>
+    <dgm:txEffectClrLst/>
+  </dgm:styleLbl>
+  <dgm:styleLbl name="alignNode1">
+    <dgm:fillClrLst meth="repeat">
+      <a:schemeClr val="accent2"/>
+      <a:schemeClr val="accent3"/>
+      <a:schemeClr val="accent4"/>
+      <a:schemeClr val="accent5"/>
+      <a:schemeClr val="accent6"/>
+    </dgm:fillClrLst>
+    <dgm:linClrLst meth="repeat">
+      <a:schemeClr val="accent2"/>
+      <a:schemeClr val="accent3"/>
+      <a:schemeClr val="accent4"/>
+      <a:schemeClr val="accent5"/>
+      <a:schemeClr val="accent6"/>
+    </dgm:linClrLst>
+    <dgm:effectClrLst/>
+    <dgm:txLinClrLst/>
+    <dgm:txFillClrLst/>
+    <dgm:txEffectClrLst/>
+  </dgm:styleLbl>
+  <dgm:styleLbl name="lnNode1">
+    <dgm:fillClrLst meth="repeat">
+      <a:schemeClr val="accent2"/>
+      <a:schemeClr val="accent3"/>
+      <a:schemeClr val="accent4"/>
+      <a:schemeClr val="accent5"/>
+      <a:schemeClr val="accent6"/>
+    </dgm:fillClrLst>
+    <dgm:linClrLst meth="repeat">
+      <a:schemeClr val="lt1"/>
+    </dgm:linClrLst>
+    <dgm:effectClrLst/>
+    <dgm:txLinClrLst/>
+    <dgm:txFillClrLst/>
+    <dgm:txEffectClrLst/>
+  </dgm:styleLbl>
+  <dgm:styleLbl name="vennNode1">
+    <dgm:fillClrLst meth="repeat">
+      <a:schemeClr val="accent2">
+        <a:alpha val="50000"/>
+      </a:schemeClr>
+      <a:schemeClr val="accent3">
+        <a:alpha val="50000"/>
+      </a:schemeClr>
+      <a:schemeClr val="accent4">
+        <a:alpha val="50000"/>
+      </a:schemeClr>
+      <a:schemeClr val="accent5">
+        <a:alpha val="50000"/>
+      </a:schemeClr>
+      <a:schemeClr val="accent6">
+        <a:alpha val="50000"/>
+      </a:schemeClr>
+    </dgm:fillClrLst>
+    <dgm:linClrLst meth="repeat">
+      <a:schemeClr val="lt1"/>
+    </dgm:linClrLst>
+    <dgm:effectClrLst/>
+    <dgm:txLinClrLst/>
+    <dgm:txFillClrLst/>
+    <dgm:txEffectClrLst/>
+  </dgm:styleLbl>
+  <dgm:styleLbl name="node2">
+    <dgm:fillClrLst>
+      <a:schemeClr val="accent2"/>
+    </dgm:fillClrLst>
+    <dgm:linClrLst meth="repeat">
+      <a:schemeClr val="lt1"/>
+    </dgm:linClrLst>
+    <dgm:effectClrLst/>
+    <dgm:txLinClrLst/>
+    <dgm:txFillClrLst/>
+    <dgm:txEffectClrLst/>
+  </dgm:styleLbl>
+  <dgm:styleLbl name="node3">
+    <dgm:fillClrLst>
+      <a:schemeClr val="accent3"/>
+    </dgm:fillClrLst>
+    <dgm:linClrLst meth="repeat">
+      <a:schemeClr val="lt1"/>
+    </dgm:linClrLst>
+    <dgm:effectClrLst/>
+    <dgm:txLinClrLst/>
+    <dgm:txFillClrLst/>
+    <dgm:txEffectClrLst/>
+  </dgm:styleLbl>
+  <dgm:styleLbl name="node4">
+    <dgm:fillClrLst>
+      <a:schemeClr val="accent4"/>
+    </dgm:fillClrLst>
+    <dgm:linClrLst meth="repeat">
+      <a:schemeClr val="lt1"/>
+    </dgm:linClrLst>
+    <dgm:effectClrLst/>
+    <dgm:txLinClrLst/>
+    <dgm:txFillClrLst/>
+    <dgm:txEffectClrLst/>
+  </dgm:styleLbl>
+  <dgm:styleLbl name="fgImgPlace1">
+    <dgm:fillClrLst meth="repeat">
+      <a:schemeClr val="accent2">
+        <a:tint val="50000"/>
+      </a:schemeClr>
+      <a:schemeClr val="accent3">
+        <a:tint val="50000"/>
+      </a:schemeClr>
+      <a:schemeClr val="accent4">
+        <a:tint val="50000"/>
+      </a:schemeClr>
+      <a:schemeClr val="accent5">
+        <a:tint val="50000"/>
+      </a:schemeClr>
+      <a:schemeClr val="accent6">
+        <a:tint val="50000"/>
+      </a:schemeClr>
+    </dgm:fillClrLst>
+    <dgm:linClrLst meth="repeat">
+      <a:schemeClr val="lt1"/>
+    </dgm:linClrLst>
+    <dgm:effectClrLst/>
+    <dgm:txLinClrLst/>
+    <dgm:txFillClrLst meth="repeat">
+      <a:schemeClr val="lt1"/>
+    </dgm:txFillClrLst>
+    <dgm:txEffectClrLst/>
+  </dgm:styleLbl>
+  <dgm:styleLbl name="alignImgPlace1">
+    <dgm:fillClrLst>
+      <a:schemeClr val="accent1">
+        <a:tint val="50000"/>
+      </a:schemeClr>
+      <a:schemeClr val="accent2">
+        <a:tint val="20000"/>
+      </a:schemeClr>
+    </dgm:fillClrLst>
+    <dgm:linClrLst meth="repeat">
+      <a:schemeClr val="lt1"/>
+    </dgm:linClrLst>
+    <dgm:effectClrLst/>
+    <dgm:txLinClrLst/>
+    <dgm:txFillClrLst meth="repeat">
+      <a:schemeClr val="lt1"/>
+    </dgm:txFillClrLst>
+    <dgm:txEffectClrLst/>
+  </dgm:styleLbl>
+  <dgm:styleLbl name="bgImgPlace1">
+    <dgm:fillClrLst>
+      <a:schemeClr val="accent1">
+        <a:tint val="50000"/>
+      </a:schemeClr>
+      <a:schemeClr val="accent2">
+        <a:tint val="20000"/>
+      </a:schemeClr>
+    </dgm:fillClrLst>
+    <dgm:linClrLst meth="repeat">
+      <a:schemeClr val="lt1"/>
+    </dgm:linClrLst>
+    <dgm:effectClrLst/>
+    <dgm:txLinClrLst/>
+    <dgm:txFillClrLst meth="repeat">
+      <a:schemeClr val="lt1"/>
+    </dgm:txFillClrLst>
+    <dgm:txEffectClrLst/>
+  </dgm:styleLbl>
+  <dgm:styleLbl name="sibTrans2D1">
+    <dgm:fillClrLst meth="repeat">
+      <a:schemeClr val="accent2"/>
+      <a:schemeClr val="accent3"/>
+      <a:schemeClr val="accent4"/>
+      <a:schemeClr val="accent5"/>
+      <a:schemeClr val="accent6"/>
+    </dgm:fillClrLst>
+    <dgm:linClrLst meth="cycle">
+      <a:schemeClr val="lt1"/>
+    </dgm:linClrLst>
+    <dgm:effectClrLst/>
+    <dgm:txLinClrLst/>
+    <dgm:txFillClrLst/>
+    <dgm:txEffectClrLst/>
+  </dgm:styleLbl>
+  <dgm:styleLbl name="fgSibTrans2D1">
+    <dgm:fillClrLst meth="repeat">
+      <a:schemeClr val="accent2"/>
+      <a:schemeClr val="accent3"/>
+      <a:schemeClr val="accent4"/>
+      <a:schemeClr val="accent5"/>
+      <a:schemeClr val="accent6"/>
+    </dgm:fillClrLst>
+    <dgm:linClrLst meth="cycle">
+      <a:schemeClr val="lt1"/>
+    </dgm:linClrLst>
+    <dgm:effectClrLst/>
+    <dgm:txLinClrLst/>
+    <dgm:txFillClrLst meth="repeat">
+      <a:schemeClr val="lt1"/>
+    </dgm:txFillClrLst>
+    <dgm:txEffectClrLst/>
+  </dgm:styleLbl>
+  <dgm:styleLbl name="bgSibTrans2D1">
+    <dgm:fillClrLst meth="repeat">
+      <a:schemeClr val="accent2"/>
+      <a:schemeClr val="accent3"/>
+      <a:schemeClr val="accent4"/>
+      <a:schemeClr val="accent5"/>
+      <a:schemeClr val="accent6"/>
+    </dgm:fillClrLst>
+    <dgm:linClrLst meth="cycle">
+      <a:schemeClr val="lt1"/>
+    </dgm:linClrLst>
+    <dgm:effectClrLst/>
+    <dgm:txLinClrLst/>
+    <dgm:txFillClrLst meth="repeat">
+      <a:schemeClr val="lt1"/>
+    </dgm:txFillClrLst>
+    <dgm:txEffectClrLst/>
+  </dgm:styleLbl>
+  <dgm:styleLbl name="sibTrans1D1">
+    <dgm:fillClrLst meth="repeat">
+      <a:schemeClr val="accent2"/>
+      <a:schemeClr val="accent3"/>
+      <a:schemeClr val="accent4"/>
+      <a:schemeClr val="accent5"/>
+      <a:schemeClr val="accent6"/>
+    </dgm:fillClrLst>
+    <dgm:linClrLst meth="repeat">
+      <a:schemeClr val="accent2"/>
+      <a:schemeClr val="accent3"/>
+      <a:schemeClr val="accent4"/>
+      <a:schemeClr val="accent5"/>
+      <a:schemeClr val="accent6"/>
+    </dgm:linClrLst>
+    <dgm:effectClrLst/>
+    <dgm:txLinClrLst/>
+    <dgm:txFillClrLst meth="repeat">
+      <a:schemeClr val="tx1"/>
+    </dgm:txFillClrLst>
+    <dgm:txEffectClrLst/>
+  </dgm:styleLbl>
+  <dgm:styleLbl name="callout">
+    <dgm:fillClrLst meth="repeat">
+      <a:schemeClr val="accent2"/>
+    </dgm:fillClrLst>
+    <dgm:linClrLst meth="repeat">
+      <a:schemeClr val="accent2">
+        <a:tint val="50000"/>
+      </a:schemeClr>
+    </dgm:linClrLst>
+    <dgm:effectClrLst/>
+    <dgm:txLinClrLst/>
+    <dgm:txFillClrLst meth="repeat">
+      <a:schemeClr val="tx1"/>
+    </dgm:txFillClrLst>
+    <dgm:txEffectClrLst/>
+  </dgm:styleLbl>
+  <dgm:styleLbl name="asst0">
+    <dgm:fillClrLst meth="repeat">
+      <a:schemeClr val="accent1"/>
+    </dgm:fillClrLst>
+    <dgm:linClrLst meth="repeat">
+      <a:schemeClr val="lt1"/>
+    </dgm:linClrLst>
+    <dgm:effectClrLst/>
+    <dgm:txLinClrLst/>
+    <dgm:txFillClrLst/>
+    <dgm:txEffectClrLst/>
+  </dgm:styleLbl>
+  <dgm:styleLbl name="asst1">
+    <dgm:fillClrLst meth="repeat">
+      <a:schemeClr val="accent2"/>
+    </dgm:fillClrLst>
+    <dgm:linClrLst meth="repeat">
+      <a:schemeClr val="lt1"/>
+    </dgm:linClrLst>
+    <dgm:effectClrLst/>
+    <dgm:txLinClrLst/>
+    <dgm:txFillClrLst/>
+    <dgm:txEffectClrLst/>
+  </dgm:styleLbl>
+  <dgm:styleLbl name="asst2">
+    <dgm:fillClrLst>
+      <a:schemeClr val="accent3"/>
+    </dgm:fillClrLst>
+    <dgm:linClrLst meth="repeat">
+      <a:schemeClr val="lt1"/>
+    </dgm:linClrLst>
+    <dgm:effectClrLst/>
+    <dgm:txLinClrLst/>
+    <dgm:txFillClrLst/>
+    <dgm:txEffectClrLst/>
+  </dgm:styleLbl>
+  <dgm:styleLbl name="asst3">
+    <dgm:fillClrLst>
+      <a:schemeClr val="accent4"/>
+    </dgm:fillClrLst>
+    <dgm:linClrLst meth="repeat">
+      <a:schemeClr val="lt1"/>
+    </dgm:linClrLst>
+    <dgm:effectClrLst/>
+    <dgm:txLinClrLst/>
+    <dgm:txFillClrLst/>
+    <dgm:txEffectClrLst/>
+  </dgm:styleLbl>
+  <dgm:styleLbl name="asst4">
+    <dgm:fillClrLst>
+      <a:schemeClr val="accent5"/>
+    </dgm:fillClrLst>
+    <dgm:linClrLst meth="repeat">
+      <a:schemeClr val="lt1"/>
+    </dgm:linClrLst>
+    <dgm:effectClrLst/>
+    <dgm:txLinClrLst/>
+    <dgm:txFillClrLst/>
+    <dgm:txEffectClrLst/>
+  </dgm:styleLbl>
+  <dgm:styleLbl name="parChTrans2D1">
+    <dgm:fillClrLst meth="repeat">
+      <a:schemeClr val="accent2"/>
+    </dgm:fillClrLst>
+    <dgm:linClrLst meth="repeat">
+      <a:schemeClr val="lt1"/>
+    </dgm:linClrLst>
+    <dgm:effectClrLst/>
+    <dgm:txLinClrLst/>
+    <dgm:txFillClrLst meth="repeat">
+      <a:schemeClr val="lt1"/>
+    </dgm:txFillClrLst>
+    <dgm:txEffectClrLst/>
+  </dgm:styleLbl>
+  <dgm:styleLbl name="parChTrans2D2">
+    <dgm:fillClrLst meth="repeat">
+      <a:schemeClr val="accent3"/>
+    </dgm:fillClrLst>
+    <dgm:linClrLst meth="repeat">
+      <a:schemeClr val="lt1"/>
+    </dgm:linClrLst>
+    <dgm:effectClrLst/>
+    <dgm:txLinClrLst/>
+    <dgm:txFillClrLst/>
+    <dgm:txEffectClrLst/>
+  </dgm:styleLbl>
+  <dgm:styleLbl name="parChTrans2D3">
+    <dgm:fillClrLst meth="repeat">
+      <a:schemeClr val="accent4"/>
+    </dgm:fillClrLst>
+    <dgm:linClrLst meth="repeat">
+      <a:schemeClr val="lt1"/>
+    </dgm:linClrLst>
+    <dgm:effectClrLst/>
+    <dgm:txLinClrLst/>
+    <dgm:txFillClrLst/>
+    <dgm:txEffectClrLst/>
+  </dgm:styleLbl>
+  <dgm:styleLbl name="parChTrans2D4">
+    <dgm:fillClrLst meth="repeat">
+      <a:schemeClr val="accent5"/>
+    </dgm:fillClrLst>
+    <dgm:linClrLst meth="repeat">
+      <a:schemeClr val="lt1"/>
+    </dgm:linClrLst>
+    <dgm:effectClrLst/>
+    <dgm:txLinClrLst/>
+    <dgm:txFillClrLst meth="repeat">
+      <a:schemeClr val="lt1"/>
+    </dgm:txFillClrLst>
+    <dgm:txEffectClrLst/>
+  </dgm:styleLbl>
+  <dgm:styleLbl name="parChTrans1D1">
+    <dgm:fillClrLst meth="repeat">
+      <a:schemeClr val="accent2"/>
+    </dgm:fillClrLst>
+    <dgm:linClrLst meth="repeat">
+      <a:schemeClr val="accent1"/>
+    </dgm:linClrLst>
+    <dgm:effectClrLst/>
+    <dgm:txLinClrLst/>
+    <dgm:txFillClrLst meth="repeat">
+      <a:schemeClr val="tx1"/>
+    </dgm:txFillClrLst>
+    <dgm:txEffectClrLst/>
+  </dgm:styleLbl>
+  <dgm:styleLbl name="parChTrans1D2">
+    <dgm:fillClrLst meth="repeat">
+      <a:schemeClr val="accent3">
+        <a:tint val="90000"/>
+      </a:schemeClr>
+    </dgm:fillClrLst>
+    <dgm:linClrLst meth="repeat">
+      <a:schemeClr val="accent2"/>
+    </dgm:linClrLst>
+    <dgm:effectClrLst/>
+    <dgm:txLinClrLst/>
+    <dgm:txFillClrLst meth="repeat">
+      <a:schemeClr val="tx1"/>
+    </dgm:txFillClrLst>
+    <dgm:txEffectClrLst/>
+  </dgm:styleLbl>
+  <dgm:styleLbl name="parChTrans1D3">
+    <dgm:fillClrLst meth="repeat">
+      <a:schemeClr val="accent4">
+        <a:tint val="70000"/>
+      </a:schemeClr>
+    </dgm:fillClrLst>
+    <dgm:linClrLst meth="repeat">
+      <a:schemeClr val="accent3"/>
+    </dgm:linClrLst>
+    <dgm:effectClrLst/>
+    <dgm:txLinClrLst/>
+    <dgm:txFillClrLst meth="repeat">
+      <a:schemeClr val="tx1"/>
+    </dgm:txFillClrLst>
+    <dgm:txEffectClrLst/>
+  </dgm:styleLbl>
+  <dgm:styleLbl name="parChTrans1D4">
+    <dgm:fillClrLst meth="repeat">
+      <a:schemeClr val="accent5">
+        <a:tint val="50000"/>
+      </a:schemeClr>
+    </dgm:fillClrLst>
+    <dgm:linClrLst meth="repeat">
+      <a:schemeClr val="accent4"/>
+    </dgm:linClrLst>
+    <dgm:effectClrLst/>
+    <dgm:txLinClrLst/>
+    <dgm:txFillClrLst meth="repeat">
+      <a:schemeClr val="tx1"/>
+    </dgm:txFillClrLst>
+    <dgm:txEffectClrLst/>
+  </dgm:styleLbl>
+  <dgm:styleLbl name="fgAcc1">
+    <dgm:fillClrLst meth="repeat">
+      <a:schemeClr val="lt1">
+        <a:alpha val="90000"/>
+      </a:schemeClr>
+    </dgm:fillClrLst>
+    <dgm:linClrLst meth="repeat">
+      <a:schemeClr val="accent2"/>
+      <a:schemeClr val="accent3"/>
+      <a:schemeClr val="accent4"/>
+      <a:schemeClr val="accent5"/>
+      <a:schemeClr val="accent6"/>
+    </dgm:linClrLst>
+    <dgm:effectClrLst/>
+    <dgm:txLinClrLst/>
+    <dgm:txFillClrLst meth="repeat">
+      <a:schemeClr val="dk1"/>
+    </dgm:txFillClrLst>
+    <dgm:txEffectClrLst/>
+  </dgm:styleLbl>
+  <dgm:styleLbl name="conFgAcc1">
+    <dgm:fillClrLst meth="repeat">
+      <a:schemeClr val="lt1">
+        <a:alpha val="90000"/>
+      </a:schemeClr>
+    </dgm:fillClrLst>
+    <dgm:linClrLst meth="repeat">
+      <a:schemeClr val="accent2"/>
+      <a:schemeClr val="accent3"/>
+      <a:schemeClr val="accent4"/>
+      <a:schemeClr val="accent5"/>
+      <a:schemeClr val="accent6"/>
+    </dgm:linClrLst>
+    <dgm:effectClrLst/>
+    <dgm:txLinClrLst/>
+    <dgm:txFillClrLst meth="repeat">
+      <a:schemeClr val="dk1"/>
+    </dgm:txFillClrLst>
+    <dgm:txEffectClrLst/>
+  </dgm:styleLbl>
+  <dgm:styleLbl name="alignAcc1">
+    <dgm:fillClrLst meth="repeat">
+      <a:schemeClr val="lt1">
+        <a:alpha val="90000"/>
+      </a:schemeClr>
+    </dgm:fillClrLst>
+    <dgm:linClrLst meth="repeat">
+      <a:schemeClr val="accent2"/>
+      <a:schemeClr val="accent3"/>
+      <a:schemeClr val="accent4"/>
+      <a:schemeClr val="accent5"/>
+      <a:schemeClr val="accent6"/>
+    </dgm:linClrLst>
+    <dgm:effectClrLst/>
+    <dgm:txLinClrLst/>
+    <dgm:txFillClrLst meth="repeat">
+      <a:schemeClr val="dk1"/>
+    </dgm:txFillClrLst>
+    <dgm:txEffectClrLst/>
+  </dgm:styleLbl>
+  <dgm:styleLbl name="trAlignAcc1">
+    <dgm:fillClrLst meth="repeat">
+      <a:schemeClr val="lt1">
+        <a:alpha val="40000"/>
+      </a:schemeClr>
+    </dgm:fillClrLst>
+    <dgm:linClrLst meth="repeat">
+      <a:schemeClr val="accent1"/>
+    </dgm:linClrLst>
+    <dgm:effectClrLst/>
+    <dgm:txLinClrLst/>
+    <dgm:txFillClrLst meth="repeat">
+      <a:schemeClr val="dk1"/>
+    </dgm:txFillClrLst>
+    <dgm:txEffectClrLst/>
+  </dgm:styleLbl>
+  <dgm:styleLbl name="bgAcc1">
+    <dgm:fillClrLst meth="repeat">
+      <a:schemeClr val="lt1">
+        <a:alpha val="90000"/>
+      </a:schemeClr>
+    </dgm:fillClrLst>
+    <dgm:linClrLst meth="repeat">
+      <a:schemeClr val="accent2"/>
+      <a:schemeClr val="accent3"/>
+      <a:schemeClr val="accent4"/>
+      <a:schemeClr val="accent5"/>
+      <a:schemeClr val="accent6"/>
+    </dgm:linClrLst>
+    <dgm:effectClrLst/>
+    <dgm:txLinClrLst/>
+    <dgm:txFillClrLst meth="repeat">
+      <a:schemeClr val="dk1"/>
+    </dgm:txFillClrLst>
+    <dgm:txEffectClrLst/>
+  </dgm:styleLbl>
+  <dgm:styleLbl name="solidFgAcc1">
+    <dgm:fillClrLst meth="repeat">
+      <a:schemeClr val="lt1"/>
+    </dgm:fillClrLst>
+    <dgm:linClrLst meth="repeat">
+      <a:schemeClr val="accent2"/>
+      <a:schemeClr val="accent3"/>
+      <a:schemeClr val="accent4"/>
+      <a:schemeClr val="accent5"/>
+      <a:schemeClr val="accent6"/>
+    </dgm:linClrLst>
+    <dgm:effectClrLst/>
+    <dgm:txLinClrLst/>
+    <dgm:txFillClrLst meth="repeat">
+      <a:schemeClr val="dk1"/>
+    </dgm:txFillClrLst>
+    <dgm:txEffectClrLst/>
+  </dgm:styleLbl>
+  <dgm:styleLbl name="solidAlignAcc1">
+    <dgm:fillClrLst meth="repeat">
+      <a:schemeClr val="lt1"/>
+    </dgm:fillClrLst>
+    <dgm:linClrLst meth="repeat">
+      <a:schemeClr val="accent2"/>
+      <a:schemeClr val="accent3"/>
+      <a:schemeClr val="accent4"/>
+      <a:schemeClr val="accent5"/>
+      <a:schemeClr val="accent6"/>
+    </dgm:linClrLst>
+    <dgm:effectClrLst/>
+    <dgm:txLinClrLst/>
+    <dgm:txFillClrLst meth="repeat">
+      <a:schemeClr val="dk1"/>
+    </dgm:txFillClrLst>
+    <dgm:txEffectClrLst/>
+  </dgm:styleLbl>
+  <dgm:styleLbl name="solidBgAcc1">
+    <dgm:fillClrLst meth="repeat">
+      <a:schemeClr val="lt1"/>
+    </dgm:fillClrLst>
+    <dgm:linClrLst meth="repeat">
+      <a:schemeClr val="accent2"/>
+      <a:schemeClr val="accent3"/>
+      <a:schemeClr val="accent4"/>
+      <a:schemeClr val="accent5"/>
+      <a:schemeClr val="accent6"/>
+    </dgm:linClrLst>
+    <dgm:effectClrLst/>
+    <dgm:txLinClrLst/>
+    <dgm:txFillClrLst meth="repeat">
+      <a:schemeClr val="dk1"/>
+    </dgm:txFillClrLst>
+    <dgm:txEffectClrLst/>
+  </dgm:styleLbl>
+  <dgm:styleLbl name="fgAccFollowNode1">
+    <dgm:fillClrLst meth="repeat">
+      <a:schemeClr val="accent2">
+        <a:tint val="40000"/>
+        <a:alpha val="90000"/>
+      </a:schemeClr>
+      <a:schemeClr val="accent3">
+        <a:tint val="40000"/>
+        <a:alpha val="90000"/>
+      </a:schemeClr>
+      <a:schemeClr val="accent4">
+        <a:tint val="40000"/>
+        <a:alpha val="90000"/>
+      </a:schemeClr>
+      <a:schemeClr val="accent5">
+        <a:tint val="40000"/>
+        <a:alpha val="90000"/>
+      </a:schemeClr>
+      <a:schemeClr val="accent6">
+        <a:tint val="40000"/>
+        <a:alpha val="90000"/>
+      </a:schemeClr>
+    </dgm:fillClrLst>
+    <dgm:linClrLst meth="repeat">
+      <a:schemeClr val="accent2">
+        <a:tint val="40000"/>
+        <a:alpha val="90000"/>
+      </a:schemeClr>
+      <a:schemeClr val="accent3">
+        <a:tint val="40000"/>
+        <a:alpha val="90000"/>
+      </a:schemeClr>
+      <a:schemeClr val="accent4">
+        <a:tint val="40000"/>
+        <a:alpha val="90000"/>
+      </a:schemeClr>
+      <a:schemeClr val="accent5">
+        <a:tint val="40000"/>
+        <a:alpha val="90000"/>
+      </a:schemeClr>
+      <a:schemeClr val="accent6">
+        <a:tint val="40000"/>
+        <a:alpha val="90000"/>
+      </a:schemeClr>
+    </dgm:linClrLst>
+    <dgm:effectClrLst/>
+    <dgm:txLinClrLst/>
+    <dgm:txFillClrLst meth="repeat">
+      <a:schemeClr val="dk1"/>
+    </dgm:txFillClrLst>
+    <dgm:txEffectClrLst/>
+  </dgm:styleLbl>
+  <dgm:styleLbl name="alignAccFollowNode1">
+    <dgm:fillClrLst meth="repeat">
+      <a:schemeClr val="accent2">
+        <a:tint val="40000"/>
+        <a:alpha val="90000"/>
+      </a:schemeClr>
+      <a:schemeClr val="accent3">
+        <a:tint val="40000"/>
+        <a:alpha val="90000"/>
+      </a:schemeClr>
+      <a:schemeClr val="accent4">
+        <a:tint val="40000"/>
+        <a:alpha val="90000"/>
+      </a:schemeClr>
+      <a:schemeClr val="accent5">
+        <a:tint val="40000"/>
+        <a:alpha val="90000"/>
+      </a:schemeClr>
+      <a:schemeClr val="accent6">
+        <a:tint val="40000"/>
+        <a:alpha val="90000"/>
+      </a:schemeClr>
+    </dgm:fillClrLst>
+    <dgm:linClrLst meth="repeat">
+      <a:schemeClr val="accent2">
+        <a:tint val="40000"/>
+        <a:alpha val="90000"/>
+      </a:schemeClr>
+      <a:schemeClr val="accent3">
+        <a:tint val="40000"/>
+        <a:alpha val="90000"/>
+      </a:schemeClr>
+      <a:schemeClr val="accent4">
+        <a:tint val="40000"/>
+        <a:alpha val="90000"/>
+      </a:schemeClr>
+      <a:schemeClr val="accent5">
+        <a:tint val="40000"/>
+        <a:alpha val="90000"/>
+      </a:schemeClr>
+      <a:schemeClr val="accent6">
+        <a:tint val="40000"/>
+        <a:alpha val="90000"/>
+      </a:schemeClr>
+    </dgm:linClrLst>
+    <dgm:effectClrLst/>
+    <dgm:txLinClrLst/>
+    <dgm:txFillClrLst meth="repeat">
+      <a:schemeClr val="dk1"/>
+    </dgm:txFillClrLst>
+    <dgm:txEffectClrLst/>
+  </dgm:styleLbl>
+  <dgm:styleLbl name="bgAccFollowNode1">
+    <dgm:fillClrLst meth="repeat">
+      <a:schemeClr val="accent2">
+        <a:tint val="40000"/>
+        <a:alpha val="90000"/>
+      </a:schemeClr>
+      <a:schemeClr val="accent3">
+        <a:tint val="40000"/>
+        <a:alpha val="90000"/>
+      </a:schemeClr>
+      <a:schemeClr val="accent4">
+        <a:tint val="40000"/>
+        <a:alpha val="90000"/>
+      </a:schemeClr>
+      <a:schemeClr val="accent5">
+        <a:tint val="40000"/>
+        <a:alpha val="90000"/>
+      </a:schemeClr>
+      <a:schemeClr val="accent6">
+        <a:tint val="40000"/>
+        <a:alpha val="90000"/>
+      </a:schemeClr>
+    </dgm:fillClrLst>
+    <dgm:linClrLst meth="repeat">
+      <a:schemeClr val="accent2">
+        <a:tint val="40000"/>
+        <a:alpha val="90000"/>
+      </a:schemeClr>
+      <a:schemeClr val="accent3">
+        <a:tint val="40000"/>
+        <a:alpha val="90000"/>
+      </a:schemeClr>
+      <a:schemeClr val="accent4">
+        <a:tint val="40000"/>
+        <a:alpha val="90000"/>
+      </a:schemeClr>
+      <a:schemeClr val="accent5">
+        <a:tint val="40000"/>
+        <a:alpha val="90000"/>
+      </a:schemeClr>
+      <a:schemeClr val="accent6">
+        <a:tint val="40000"/>
+        <a:alpha val="90000"/>
+      </a:schemeClr>
+    </dgm:linClrLst>
+    <dgm:effectClrLst/>
+    <dgm:txLinClrLst/>
+    <dgm:txFillClrLst meth="repeat">
+      <a:schemeClr val="dk1"/>
+    </dgm:txFillClrLst>
+    <dgm:txEffectClrLst/>
+  </dgm:styleLbl>
+  <dgm:styleLbl name="fgAcc0">
+    <dgm:fillClrLst meth="repeat">
+      <a:schemeClr val="lt1">
+        <a:alpha val="90000"/>
+      </a:schemeClr>
+    </dgm:fillClrLst>
+    <dgm:linClrLst>
+      <a:schemeClr val="accent1"/>
+    </dgm:linClrLst>
+    <dgm:effectClrLst/>
+    <dgm:txLinClrLst/>
+    <dgm:txFillClrLst meth="repeat">
+      <a:schemeClr val="dk1"/>
+    </dgm:txFillClrLst>
+    <dgm:txEffectClrLst/>
+  </dgm:styleLbl>
+  <dgm:styleLbl name="fgAcc2">
+    <dgm:fillClrLst meth="repeat">
+      <a:schemeClr val="lt1">
+        <a:alpha val="90000"/>
+      </a:schemeClr>
+    </dgm:fillClrLst>
+    <dgm:linClrLst>
+      <a:schemeClr val="accent2"/>
+    </dgm:linClrLst>
+    <dgm:effectClrLst/>
+    <dgm:txLinClrLst/>
+    <dgm:txFillClrLst meth="repeat">
+      <a:schemeClr val="dk1"/>
+    </dgm:txFillClrLst>
+    <dgm:txEffectClrLst/>
+  </dgm:styleLbl>
+  <dgm:styleLbl name="fgAcc3">
+    <dgm:fillClrLst meth="repeat">
+      <a:schemeClr val="lt1">
+        <a:alpha val="90000"/>
+      </a:schemeClr>
+    </dgm:fillClrLst>
+    <dgm:linClrLst>
+      <a:schemeClr val="accent3"/>
+    </dgm:linClrLst>
+    <dgm:effectClrLst/>
+    <dgm:txLinClrLst/>
+    <dgm:txFillClrLst meth="repeat">
+      <a:schemeClr val="dk1"/>
+    </dgm:txFillClrLst>
+    <dgm:txEffectClrLst/>
+  </dgm:styleLbl>
+  <dgm:styleLbl name="fgAcc4">
+    <dgm:fillClrLst meth="repeat">
+      <a:schemeClr val="lt1">
+        <a:alpha val="90000"/>
+      </a:schemeClr>
+    </dgm:fillClrLst>
+    <dgm:linClrLst>
+      <a:schemeClr val="accent4"/>
+    </dgm:linClrLst>
+    <dgm:effectClrLst/>
+    <dgm:txLinClrLst/>
+    <dgm:txFillClrLst meth="repeat">
+      <a:schemeClr val="dk1"/>
+    </dgm:txFillClrLst>
+    <dgm:txEffectClrLst/>
+  </dgm:styleLbl>
+  <dgm:styleLbl name="bgShp">
+    <dgm:fillClrLst meth="repeat">
+      <a:schemeClr val="accent2">
+        <a:tint val="40000"/>
+      </a:schemeClr>
+    </dgm:fillClrLst>
+    <dgm:linClrLst meth="repeat">
+      <a:schemeClr val="dk1"/>
+    </dgm:linClrLst>
+    <dgm:effectClrLst/>
+    <dgm:txLinClrLst/>
+    <dgm:txFillClrLst meth="repeat">
+      <a:schemeClr val="dk1"/>
+    </dgm:txFillClrLst>
+    <dgm:txEffectClrLst/>
+  </dgm:styleLbl>
+  <dgm:styleLbl name="dkBgShp">
+    <dgm:fillClrLst meth="repeat">
+      <a:schemeClr val="accent2">
+        <a:shade val="90000"/>
+      </a:schemeClr>
+    </dgm:fillClrLst>
+    <dgm:linClrLst meth="repeat">
+      <a:schemeClr val="dk1"/>
+    </dgm:linClrLst>
+    <dgm:effectClrLst/>
+    <dgm:txLinClrLst/>
+    <dgm:txFillClrLst meth="repeat">
+      <a:schemeClr val="lt1"/>
+    </dgm:txFillClrLst>
+    <dgm:txEffectClrLst/>
+  </dgm:styleLbl>
+  <dgm:styleLbl name="trBgShp">
+    <dgm:fillClrLst meth="repeat">
+      <a:schemeClr val="accent1">
+        <a:tint val="50000"/>
+        <a:alpha val="40000"/>
+      </a:schemeClr>
+    </dgm:fillClrLst>
+    <dgm:linClrLst meth="repeat">
+      <a:schemeClr val="accent2"/>
+    </dgm:linClrLst>
+    <dgm:effectClrLst/>
+    <dgm:txLinClrLst/>
+    <dgm:txFillClrLst meth="repeat">
+      <a:schemeClr val="lt1"/>
+    </dgm:txFillClrLst>
+    <dgm:txEffectClrLst/>
+  </dgm:styleLbl>
+  <dgm:styleLbl name="fgShp">
+    <dgm:fillClrLst meth="repeat">
+      <a:schemeClr val="accent2">
+        <a:tint val="40000"/>
+      </a:schemeClr>
+    </dgm:fillClrLst>
+    <dgm:linClrLst meth="repeat">
+      <a:schemeClr val="lt1"/>
+    </dgm:linClrLst>
+    <dgm:effectClrLst/>
+    <dgm:txLinClrLst/>
+    <dgm:txFillClrLst meth="repeat">
+      <a:schemeClr val="dk1"/>
+    </dgm:txFillClrLst>
+    <dgm:txEffectClrLst/>
+  </dgm:styleLbl>
+  <dgm:styleLbl name="revTx">
+    <dgm:fillClrLst meth="repeat">
+      <a:schemeClr val="lt1">
+        <a:alpha val="0"/>
+      </a:schemeClr>
+    </dgm:fillClrLst>
+    <dgm:linClrLst meth="repeat">
+      <a:schemeClr val="dk1">
+        <a:alpha val="0"/>
+      </a:schemeClr>
+    </dgm:linClrLst>
+    <dgm:effectClrLst/>
+    <dgm:txLinClrLst/>
+    <dgm:txFillClrLst meth="repeat">
+      <a:schemeClr val="tx1"/>
+    </dgm:txFillClrLst>
+    <dgm:txEffectClrLst/>
+  </dgm:styleLbl>
+</dgm:colorsDef>
+</file>
+
+<file path=ppt/diagrams/colors3.xml><?xml version="1.0" encoding="utf-8"?>
+<dgm:colorsDef xmlns:dgm="http://schemas.openxmlformats.org/drawingml/2006/diagram" xmlns:a="http://schemas.openxmlformats.org/drawingml/2006/main" uniqueId="urn:microsoft.com/office/officeart/2005/8/colors/colorful1">
+  <dgm:title val=""/>
+  <dgm:desc val=""/>
+  <dgm:catLst>
+    <dgm:cat type="colorful" pri="10100"/>
+  </dgm:catLst>
+  <dgm:styleLbl name="node0">
+    <dgm:fillClrLst meth="repeat">
+      <a:schemeClr val="accent1"/>
+    </dgm:fillClrLst>
+    <dgm:linClrLst meth="repeat">
+      <a:schemeClr val="lt1"/>
+    </dgm:linClrLst>
+    <dgm:effectClrLst/>
+    <dgm:txLinClrLst/>
+    <dgm:txFillClrLst/>
+    <dgm:txEffectClrLst/>
+  </dgm:styleLbl>
+  <dgm:styleLbl name="node1">
+    <dgm:fillClrLst meth="repeat">
+      <a:schemeClr val="accent2"/>
+      <a:schemeClr val="accent3"/>
+      <a:schemeClr val="accent4"/>
+      <a:schemeClr val="accent5"/>
+      <a:schemeClr val="accent6"/>
+    </dgm:fillClrLst>
+    <dgm:linClrLst meth="repeat">
+      <a:schemeClr val="lt1"/>
+    </dgm:linClrLst>
+    <dgm:effectClrLst/>
+    <dgm:txLinClrLst/>
+    <dgm:txFillClrLst/>
+    <dgm:txEffectClrLst/>
+  </dgm:styleLbl>
+  <dgm:styleLbl name="alignNode1">
+    <dgm:fillClrLst meth="repeat">
+      <a:schemeClr val="accent2"/>
+      <a:schemeClr val="accent3"/>
+      <a:schemeClr val="accent4"/>
+      <a:schemeClr val="accent5"/>
+      <a:schemeClr val="accent6"/>
+    </dgm:fillClrLst>
+    <dgm:linClrLst meth="repeat">
+      <a:schemeClr val="accent2"/>
+      <a:schemeClr val="accent3"/>
+      <a:schemeClr val="accent4"/>
+      <a:schemeClr val="accent5"/>
+      <a:schemeClr val="accent6"/>
+    </dgm:linClrLst>
+    <dgm:effectClrLst/>
+    <dgm:txLinClrLst/>
+    <dgm:txFillClrLst/>
+    <dgm:txEffectClrLst/>
+  </dgm:styleLbl>
+  <dgm:styleLbl name="lnNode1">
+    <dgm:fillClrLst meth="repeat">
+      <a:schemeClr val="accent2"/>
+      <a:schemeClr val="accent3"/>
+      <a:schemeClr val="accent4"/>
+      <a:schemeClr val="accent5"/>
+      <a:schemeClr val="accent6"/>
+    </dgm:fillClrLst>
+    <dgm:linClrLst meth="repeat">
+      <a:schemeClr val="lt1"/>
+    </dgm:linClrLst>
+    <dgm:effectClrLst/>
+    <dgm:txLinClrLst/>
+    <dgm:txFillClrLst/>
+    <dgm:txEffectClrLst/>
+  </dgm:styleLbl>
+  <dgm:styleLbl name="vennNode1">
+    <dgm:fillClrLst meth="repeat">
+      <a:schemeClr val="accent2">
+        <a:alpha val="50000"/>
+      </a:schemeClr>
+      <a:schemeClr val="accent3">
+        <a:alpha val="50000"/>
+      </a:schemeClr>
+      <a:schemeClr val="accent4">
+        <a:alpha val="50000"/>
+      </a:schemeClr>
+      <a:schemeClr val="accent5">
+        <a:alpha val="50000"/>
+      </a:schemeClr>
+      <a:schemeClr val="accent6">
+        <a:alpha val="50000"/>
+      </a:schemeClr>
+    </dgm:fillClrLst>
+    <dgm:linClrLst meth="repeat">
+      <a:schemeClr val="lt1"/>
+    </dgm:linClrLst>
+    <dgm:effectClrLst/>
+    <dgm:txLinClrLst/>
+    <dgm:txFillClrLst/>
+    <dgm:txEffectClrLst/>
+  </dgm:styleLbl>
+  <dgm:styleLbl name="node2">
+    <dgm:fillClrLst>
+      <a:schemeClr val="accent2"/>
+    </dgm:fillClrLst>
+    <dgm:linClrLst meth="repeat">
+      <a:schemeClr val="lt1"/>
+    </dgm:linClrLst>
+    <dgm:effectClrLst/>
+    <dgm:txLinClrLst/>
+    <dgm:txFillClrLst/>
+    <dgm:txEffectClrLst/>
+  </dgm:styleLbl>
+  <dgm:styleLbl name="node3">
+    <dgm:fillClrLst>
+      <a:schemeClr val="accent3"/>
+    </dgm:fillClrLst>
+    <dgm:linClrLst meth="repeat">
+      <a:schemeClr val="lt1"/>
+    </dgm:linClrLst>
+    <dgm:effectClrLst/>
+    <dgm:txLinClrLst/>
+    <dgm:txFillClrLst/>
+    <dgm:txEffectClrLst/>
+  </dgm:styleLbl>
+  <dgm:styleLbl name="node4">
+    <dgm:fillClrLst>
+      <a:schemeClr val="accent4"/>
+    </dgm:fillClrLst>
+    <dgm:linClrLst meth="repeat">
+      <a:schemeClr val="lt1"/>
+    </dgm:linClrLst>
+    <dgm:effectClrLst/>
+    <dgm:txLinClrLst/>
+    <dgm:txFillClrLst/>
+    <dgm:txEffectClrLst/>
+  </dgm:styleLbl>
+  <dgm:styleLbl name="fgImgPlace1">
+    <dgm:fillClrLst meth="repeat">
+      <a:schemeClr val="accent2">
+        <a:tint val="50000"/>
+      </a:schemeClr>
+      <a:schemeClr val="accent3">
+        <a:tint val="50000"/>
+      </a:schemeClr>
+      <a:schemeClr val="accent4">
+        <a:tint val="50000"/>
+      </a:schemeClr>
+      <a:schemeClr val="accent5">
+        <a:tint val="50000"/>
+      </a:schemeClr>
+      <a:schemeClr val="accent6">
+        <a:tint val="50000"/>
+      </a:schemeClr>
+    </dgm:fillClrLst>
+    <dgm:linClrLst meth="repeat">
+      <a:schemeClr val="lt1"/>
+    </dgm:linClrLst>
+    <dgm:effectClrLst/>
+    <dgm:txLinClrLst/>
+    <dgm:txFillClrLst meth="repeat">
+      <a:schemeClr val="lt1"/>
+    </dgm:txFillClrLst>
+    <dgm:txEffectClrLst/>
+  </dgm:styleLbl>
+  <dgm:styleLbl name="alignImgPlace1">
+    <dgm:fillClrLst>
+      <a:schemeClr val="accent1">
+        <a:tint val="50000"/>
+      </a:schemeClr>
+      <a:schemeClr val="accent2">
+        <a:tint val="20000"/>
+      </a:schemeClr>
+    </dgm:fillClrLst>
+    <dgm:linClrLst meth="repeat">
+      <a:schemeClr val="lt1"/>
+    </dgm:linClrLst>
+    <dgm:effectClrLst/>
+    <dgm:txLinClrLst/>
+    <dgm:txFillClrLst meth="repeat">
+      <a:schemeClr val="lt1"/>
+    </dgm:txFillClrLst>
+    <dgm:txEffectClrLst/>
+  </dgm:styleLbl>
+  <dgm:styleLbl name="bgImgPlace1">
+    <dgm:fillClrLst>
+      <a:schemeClr val="accent1">
+        <a:tint val="50000"/>
+      </a:schemeClr>
+      <a:schemeClr val="accent2">
+        <a:tint val="20000"/>
+      </a:schemeClr>
+    </dgm:fillClrLst>
+    <dgm:linClrLst meth="repeat">
+      <a:schemeClr val="lt1"/>
+    </dgm:linClrLst>
+    <dgm:effectClrLst/>
+    <dgm:txLinClrLst/>
+    <dgm:txFillClrLst meth="repeat">
+      <a:schemeClr val="lt1"/>
+    </dgm:txFillClrLst>
+    <dgm:txEffectClrLst/>
+  </dgm:styleLbl>
+  <dgm:styleLbl name="sibTrans2D1">
+    <dgm:fillClrLst meth="repeat">
+      <a:schemeClr val="accent2"/>
+      <a:schemeClr val="accent3"/>
+      <a:schemeClr val="accent4"/>
+      <a:schemeClr val="accent5"/>
+      <a:schemeClr val="accent6"/>
+    </dgm:fillClrLst>
+    <dgm:linClrLst meth="cycle">
+      <a:schemeClr val="lt1"/>
+    </dgm:linClrLst>
+    <dgm:effectClrLst/>
+    <dgm:txLinClrLst/>
+    <dgm:txFillClrLst/>
+    <dgm:txEffectClrLst/>
+  </dgm:styleLbl>
+  <dgm:styleLbl name="fgSibTrans2D1">
+    <dgm:fillClrLst meth="repeat">
+      <a:schemeClr val="accent2"/>
+      <a:schemeClr val="accent3"/>
+      <a:schemeClr val="accent4"/>
+      <a:schemeClr val="accent5"/>
+      <a:schemeClr val="accent6"/>
+    </dgm:fillClrLst>
+    <dgm:linClrLst meth="cycle">
+      <a:schemeClr val="lt1"/>
+    </dgm:linClrLst>
+    <dgm:effectClrLst/>
+    <dgm:txLinClrLst/>
+    <dgm:txFillClrLst meth="repeat">
+      <a:schemeClr val="lt1"/>
+    </dgm:txFillClrLst>
+    <dgm:txEffectClrLst/>
+  </dgm:styleLbl>
+  <dgm:styleLbl name="bgSibTrans2D1">
+    <dgm:fillClrLst meth="repeat">
+      <a:schemeClr val="accent2"/>
+      <a:schemeClr val="accent3"/>
+      <a:schemeClr val="accent4"/>
+      <a:schemeClr val="accent5"/>
+      <a:schemeClr val="accent6"/>
+    </dgm:fillClrLst>
+    <dgm:linClrLst meth="cycle">
+      <a:schemeClr val="lt1"/>
+    </dgm:linClrLst>
+    <dgm:effectClrLst/>
+    <dgm:txLinClrLst/>
+    <dgm:txFillClrLst meth="repeat">
+      <a:schemeClr val="lt1"/>
+    </dgm:txFillClrLst>
+    <dgm:txEffectClrLst/>
+  </dgm:styleLbl>
+  <dgm:styleLbl name="sibTrans1D1">
+    <dgm:fillClrLst meth="repeat">
+      <a:schemeClr val="accent2"/>
+      <a:schemeClr val="accent3"/>
+      <a:schemeClr val="accent4"/>
+      <a:schemeClr val="accent5"/>
+      <a:schemeClr val="accent6"/>
+    </dgm:fillClrLst>
+    <dgm:linClrLst meth="repeat">
+      <a:schemeClr val="accent2"/>
+      <a:schemeClr val="accent3"/>
+      <a:schemeClr val="accent4"/>
+      <a:schemeClr val="accent5"/>
+      <a:schemeClr val="accent6"/>
+    </dgm:linClrLst>
+    <dgm:effectClrLst/>
+    <dgm:txLinClrLst/>
+    <dgm:txFillClrLst meth="repeat">
+      <a:schemeClr val="tx1"/>
+    </dgm:txFillClrLst>
+    <dgm:txEffectClrLst/>
+  </dgm:styleLbl>
+  <dgm:styleLbl name="callout">
+    <dgm:fillClrLst meth="repeat">
+      <a:schemeClr val="accent2"/>
+    </dgm:fillClrLst>
+    <dgm:linClrLst meth="repeat">
+      <a:schemeClr val="accent2">
+        <a:tint val="50000"/>
+      </a:schemeClr>
+    </dgm:linClrLst>
+    <dgm:effectClrLst/>
+    <dgm:txLinClrLst/>
+    <dgm:txFillClrLst meth="repeat">
+      <a:schemeClr val="tx1"/>
+    </dgm:txFillClrLst>
+    <dgm:txEffectClrLst/>
+  </dgm:styleLbl>
+  <dgm:styleLbl name="asst0">
+    <dgm:fillClrLst meth="repeat">
+      <a:schemeClr val="accent1"/>
+    </dgm:fillClrLst>
+    <dgm:linClrLst meth="repeat">
+      <a:schemeClr val="lt1"/>
+    </dgm:linClrLst>
+    <dgm:effectClrLst/>
+    <dgm:txLinClrLst/>
+    <dgm:txFillClrLst/>
+    <dgm:txEffectClrLst/>
+  </dgm:styleLbl>
+  <dgm:styleLbl name="asst1">
+    <dgm:fillClrLst meth="repeat">
+      <a:schemeClr val="accent2"/>
+    </dgm:fillClrLst>
+    <dgm:linClrLst meth="repeat">
+      <a:schemeClr val="lt1"/>
+    </dgm:linClrLst>
+    <dgm:effectClrLst/>
+    <dgm:txLinClrLst/>
+    <dgm:txFillClrLst/>
+    <dgm:txEffectClrLst/>
+  </dgm:styleLbl>
+  <dgm:styleLbl name="asst2">
+    <dgm:fillClrLst>
+      <a:schemeClr val="accent3"/>
+    </dgm:fillClrLst>
+    <dgm:linClrLst meth="repeat">
+      <a:schemeClr val="lt1"/>
+    </dgm:linClrLst>
+    <dgm:effectClrLst/>
+    <dgm:txLinClrLst/>
+    <dgm:txFillClrLst/>
+    <dgm:txEffectClrLst/>
+  </dgm:styleLbl>
+  <dgm:styleLbl name="asst3">
+    <dgm:fillClrLst>
+      <a:schemeClr val="accent4"/>
+    </dgm:fillClrLst>
+    <dgm:linClrLst meth="repeat">
+      <a:schemeClr val="lt1"/>
+    </dgm:linClrLst>
+    <dgm:effectClrLst/>
+    <dgm:txLinClrLst/>
+    <dgm:txFillClrLst/>
+    <dgm:txEffectClrLst/>
+  </dgm:styleLbl>
+  <dgm:styleLbl name="asst4">
+    <dgm:fillClrLst>
+      <a:schemeClr val="accent5"/>
+    </dgm:fillClrLst>
+    <dgm:linClrLst meth="repeat">
+      <a:schemeClr val="lt1"/>
+    </dgm:linClrLst>
+    <dgm:effectClrLst/>
+    <dgm:txLinClrLst/>
+    <dgm:txFillClrLst/>
+    <dgm:txEffectClrLst/>
+  </dgm:styleLbl>
+  <dgm:styleLbl name="parChTrans2D1">
+    <dgm:fillClrLst meth="repeat">
+      <a:schemeClr val="accent2"/>
+    </dgm:fillClrLst>
+    <dgm:linClrLst meth="repeat">
+      <a:schemeClr val="lt1"/>
+    </dgm:linClrLst>
+    <dgm:effectClrLst/>
+    <dgm:txLinClrLst/>
+    <dgm:txFillClrLst meth="repeat">
+      <a:schemeClr val="lt1"/>
+    </dgm:txFillClrLst>
+    <dgm:txEffectClrLst/>
+  </dgm:styleLbl>
+  <dgm:styleLbl name="parChTrans2D2">
+    <dgm:fillClrLst meth="repeat">
+      <a:schemeClr val="accent3"/>
+    </dgm:fillClrLst>
+    <dgm:linClrLst meth="repeat">
+      <a:schemeClr val="lt1"/>
+    </dgm:linClrLst>
+    <dgm:effectClrLst/>
+    <dgm:txLinClrLst/>
+    <dgm:txFillClrLst/>
+    <dgm:txEffectClrLst/>
+  </dgm:styleLbl>
+  <dgm:styleLbl name="parChTrans2D3">
+    <dgm:fillClrLst meth="repeat">
+      <a:schemeClr val="accent4"/>
+    </dgm:fillClrLst>
+    <dgm:linClrLst meth="repeat">
+      <a:schemeClr val="lt1"/>
+    </dgm:linClrLst>
+    <dgm:effectClrLst/>
+    <dgm:txLinClrLst/>
+    <dgm:txFillClrLst/>
+    <dgm:txEffectClrLst/>
+  </dgm:styleLbl>
+  <dgm:styleLbl name="parChTrans2D4">
+    <dgm:fillClrLst meth="repeat">
+      <a:schemeClr val="accent5"/>
+    </dgm:fillClrLst>
+    <dgm:linClrLst meth="repeat">
+      <a:schemeClr val="lt1"/>
+    </dgm:linClrLst>
+    <dgm:effectClrLst/>
+    <dgm:txLinClrLst/>
+    <dgm:txFillClrLst meth="repeat">
+      <a:schemeClr val="lt1"/>
+    </dgm:txFillClrLst>
+    <dgm:txEffectClrLst/>
+  </dgm:styleLbl>
+  <dgm:styleLbl name="parChTrans1D1">
+    <dgm:fillClrLst meth="repeat">
+      <a:schemeClr val="accent2"/>
+    </dgm:fillClrLst>
+    <dgm:linClrLst meth="repeat">
+      <a:schemeClr val="accent1"/>
+    </dgm:linClrLst>
+    <dgm:effectClrLst/>
+    <dgm:txLinClrLst/>
+    <dgm:txFillClrLst meth="repeat">
+      <a:schemeClr val="tx1"/>
+    </dgm:txFillClrLst>
+    <dgm:txEffectClrLst/>
+  </dgm:styleLbl>
+  <dgm:styleLbl name="parChTrans1D2">
+    <dgm:fillClrLst meth="repeat">
+      <a:schemeClr val="accent3">
+        <a:tint val="90000"/>
+      </a:schemeClr>
+    </dgm:fillClrLst>
+    <dgm:linClrLst meth="repeat">
+      <a:schemeClr val="accent2"/>
+    </dgm:linClrLst>
+    <dgm:effectClrLst/>
+    <dgm:txLinClrLst/>
+    <dgm:txFillClrLst meth="repeat">
+      <a:schemeClr val="tx1"/>
+    </dgm:txFillClrLst>
+    <dgm:txEffectClrLst/>
+  </dgm:styleLbl>
+  <dgm:styleLbl name="parChTrans1D3">
+    <dgm:fillClrLst meth="repeat">
+      <a:schemeClr val="accent4">
+        <a:tint val="70000"/>
+      </a:schemeClr>
+    </dgm:fillClrLst>
+    <dgm:linClrLst meth="repeat">
+      <a:schemeClr val="accent3"/>
+    </dgm:linClrLst>
+    <dgm:effectClrLst/>
+    <dgm:txLinClrLst/>
+    <dgm:txFillClrLst meth="repeat">
+      <a:schemeClr val="tx1"/>
+    </dgm:txFillClrLst>
+    <dgm:txEffectClrLst/>
+  </dgm:styleLbl>
+  <dgm:styleLbl name="parChTrans1D4">
+    <dgm:fillClrLst meth="repeat">
+      <a:schemeClr val="accent5">
+        <a:tint val="50000"/>
+      </a:schemeClr>
+    </dgm:fillClrLst>
+    <dgm:linClrLst meth="repeat">
+      <a:schemeClr val="accent4"/>
+    </dgm:linClrLst>
+    <dgm:effectClrLst/>
+    <dgm:txLinClrLst/>
+    <dgm:txFillClrLst meth="repeat">
+      <a:schemeClr val="tx1"/>
+    </dgm:txFillClrLst>
+    <dgm:txEffectClrLst/>
+  </dgm:styleLbl>
+  <dgm:styleLbl name="fgAcc1">
+    <dgm:fillClrLst meth="repeat">
+      <a:schemeClr val="lt1">
+        <a:alpha val="90000"/>
+      </a:schemeClr>
+    </dgm:fillClrLst>
+    <dgm:linClrLst meth="repeat">
+      <a:schemeClr val="accent2"/>
+      <a:schemeClr val="accent3"/>
+      <a:schemeClr val="accent4"/>
+      <a:schemeClr val="accent5"/>
+      <a:schemeClr val="accent6"/>
+    </dgm:linClrLst>
+    <dgm:effectClrLst/>
+    <dgm:txLinClrLst/>
+    <dgm:txFillClrLst meth="repeat">
+      <a:schemeClr val="dk1"/>
+    </dgm:txFillClrLst>
+    <dgm:txEffectClrLst/>
+  </dgm:styleLbl>
+  <dgm:styleLbl name="conFgAcc1">
+    <dgm:fillClrLst meth="repeat">
+      <a:schemeClr val="lt1">
+        <a:alpha val="90000"/>
+      </a:schemeClr>
+    </dgm:fillClrLst>
+    <dgm:linClrLst meth="repeat">
+      <a:schemeClr val="accent2"/>
+      <a:schemeClr val="accent3"/>
+      <a:schemeClr val="accent4"/>
+      <a:schemeClr val="accent5"/>
+      <a:schemeClr val="accent6"/>
+    </dgm:linClrLst>
+    <dgm:effectClrLst/>
+    <dgm:txLinClrLst/>
+    <dgm:txFillClrLst meth="repeat">
+      <a:schemeClr val="dk1"/>
+    </dgm:txFillClrLst>
+    <dgm:txEffectClrLst/>
+  </dgm:styleLbl>
+  <dgm:styleLbl name="alignAcc1">
+    <dgm:fillClrLst meth="repeat">
+      <a:schemeClr val="lt1">
+        <a:alpha val="90000"/>
+      </a:schemeClr>
+    </dgm:fillClrLst>
+    <dgm:linClrLst meth="repeat">
+      <a:schemeClr val="accent2"/>
+      <a:schemeClr val="accent3"/>
+      <a:schemeClr val="accent4"/>
+      <a:schemeClr val="accent5"/>
+      <a:schemeClr val="accent6"/>
+    </dgm:linClrLst>
+    <dgm:effectClrLst/>
+    <dgm:txLinClrLst/>
+    <dgm:txFillClrLst meth="repeat">
+      <a:schemeClr val="dk1"/>
+    </dgm:txFillClrLst>
+    <dgm:txEffectClrLst/>
+  </dgm:styleLbl>
+  <dgm:styleLbl name="trAlignAcc1">
+    <dgm:fillClrLst meth="repeat">
+      <a:schemeClr val="lt1">
+        <a:alpha val="40000"/>
+      </a:schemeClr>
+    </dgm:fillClrLst>
+    <dgm:linClrLst meth="repeat">
+      <a:schemeClr val="accent1"/>
+    </dgm:linClrLst>
+    <dgm:effectClrLst/>
+    <dgm:txLinClrLst/>
+    <dgm:txFillClrLst meth="repeat">
+      <a:schemeClr val="dk1"/>
+    </dgm:txFillClrLst>
+    <dgm:txEffectClrLst/>
+  </dgm:styleLbl>
+  <dgm:styleLbl name="bgAcc1">
+    <dgm:fillClrLst meth="repeat">
+      <a:schemeClr val="lt1">
+        <a:alpha val="90000"/>
+      </a:schemeClr>
+    </dgm:fillClrLst>
+    <dgm:linClrLst meth="repeat">
+      <a:schemeClr val="accent2"/>
+      <a:schemeClr val="accent3"/>
+      <a:schemeClr val="accent4"/>
+      <a:schemeClr val="accent5"/>
+      <a:schemeClr val="accent6"/>
+    </dgm:linClrLst>
+    <dgm:effectClrLst/>
+    <dgm:txLinClrLst/>
+    <dgm:txFillClrLst meth="repeat">
+      <a:schemeClr val="dk1"/>
+    </dgm:txFillClrLst>
+    <dgm:txEffectClrLst/>
+  </dgm:styleLbl>
+  <dgm:styleLbl name="solidFgAcc1">
+    <dgm:fillClrLst meth="repeat">
+      <a:schemeClr val="lt1"/>
+    </dgm:fillClrLst>
+    <dgm:linClrLst meth="repeat">
+      <a:schemeClr val="accent2"/>
+      <a:schemeClr val="accent3"/>
+      <a:schemeClr val="accent4"/>
+      <a:schemeClr val="accent5"/>
+      <a:schemeClr val="accent6"/>
+    </dgm:linClrLst>
+    <dgm:effectClrLst/>
+    <dgm:txLinClrLst/>
+    <dgm:txFillClrLst meth="repeat">
+      <a:schemeClr val="dk1"/>
+    </dgm:txFillClrLst>
+    <dgm:txEffectClrLst/>
+  </dgm:styleLbl>
+  <dgm:styleLbl name="solidAlignAcc1">
+    <dgm:fillClrLst meth="repeat">
+      <a:schemeClr val="lt1"/>
+    </dgm:fillClrLst>
+    <dgm:linClrLst meth="repeat">
+      <a:schemeClr val="accent2"/>
+      <a:schemeClr val="accent3"/>
+      <a:schemeClr val="accent4"/>
+      <a:schemeClr val="accent5"/>
+      <a:schemeClr val="accent6"/>
+    </dgm:linClrLst>
+    <dgm:effectClrLst/>
+    <dgm:txLinClrLst/>
+    <dgm:txFillClrLst meth="repeat">
+      <a:schemeClr val="dk1"/>
+    </dgm:txFillClrLst>
+    <dgm:txEffectClrLst/>
+  </dgm:styleLbl>
+  <dgm:styleLbl name="solidBgAcc1">
+    <dgm:fillClrLst meth="repeat">
+      <a:schemeClr val="lt1"/>
+    </dgm:fillClrLst>
+    <dgm:linClrLst meth="repeat">
+      <a:schemeClr val="accent2"/>
+      <a:schemeClr val="accent3"/>
+      <a:schemeClr val="accent4"/>
+      <a:schemeClr val="accent5"/>
+      <a:schemeClr val="accent6"/>
+    </dgm:linClrLst>
+    <dgm:effectClrLst/>
+    <dgm:txLinClrLst/>
+    <dgm:txFillClrLst meth="repeat">
+      <a:schemeClr val="dk1"/>
+    </dgm:txFillClrLst>
+    <dgm:txEffectClrLst/>
+  </dgm:styleLbl>
+  <dgm:styleLbl name="fgAccFollowNode1">
+    <dgm:fillClrLst meth="repeat">
+      <a:schemeClr val="accent2">
+        <a:tint val="40000"/>
+        <a:alpha val="90000"/>
+      </a:schemeClr>
+      <a:schemeClr val="accent3">
+        <a:tint val="40000"/>
+        <a:alpha val="90000"/>
+      </a:schemeClr>
+      <a:schemeClr val="accent4">
+        <a:tint val="40000"/>
+        <a:alpha val="90000"/>
+      </a:schemeClr>
+      <a:schemeClr val="accent5">
+        <a:tint val="40000"/>
+        <a:alpha val="90000"/>
+      </a:schemeClr>
+      <a:schemeClr val="accent6">
+        <a:tint val="40000"/>
+        <a:alpha val="90000"/>
+      </a:schemeClr>
+    </dgm:fillClrLst>
+    <dgm:linClrLst meth="repeat">
+      <a:schemeClr val="accent2">
+        <a:tint val="40000"/>
+        <a:alpha val="90000"/>
+      </a:schemeClr>
+      <a:schemeClr val="accent3">
+        <a:tint val="40000"/>
+        <a:alpha val="90000"/>
+      </a:schemeClr>
+      <a:schemeClr val="accent4">
+        <a:tint val="40000"/>
+        <a:alpha val="90000"/>
+      </a:schemeClr>
+      <a:schemeClr val="accent5">
+        <a:tint val="40000"/>
+        <a:alpha val="90000"/>
+      </a:schemeClr>
+      <a:schemeClr val="accent6">
+        <a:tint val="40000"/>
+        <a:alpha val="90000"/>
+      </a:schemeClr>
+    </dgm:linClrLst>
+    <dgm:effectClrLst/>
+    <dgm:txLinClrLst/>
+    <dgm:txFillClrLst meth="repeat">
+      <a:schemeClr val="dk1"/>
+    </dgm:txFillClrLst>
+    <dgm:txEffectClrLst/>
+  </dgm:styleLbl>
+  <dgm:styleLbl name="alignAccFollowNode1">
+    <dgm:fillClrLst meth="repeat">
+      <a:schemeClr val="accent2">
+        <a:tint val="40000"/>
+        <a:alpha val="90000"/>
+      </a:schemeClr>
+      <a:schemeClr val="accent3">
+        <a:tint val="40000"/>
+        <a:alpha val="90000"/>
+      </a:schemeClr>
+      <a:schemeClr val="accent4">
+        <a:tint val="40000"/>
+        <a:alpha val="90000"/>
+      </a:schemeClr>
+      <a:schemeClr val="accent5">
+        <a:tint val="40000"/>
+        <a:alpha val="90000"/>
+      </a:schemeClr>
+      <a:schemeClr val="accent6">
+        <a:tint val="40000"/>
+        <a:alpha val="90000"/>
+      </a:schemeClr>
+    </dgm:fillClrLst>
+    <dgm:linClrLst meth="repeat">
+      <a:schemeClr val="accent2">
+        <a:tint val="40000"/>
+        <a:alpha val="90000"/>
+      </a:schemeClr>
+      <a:schemeClr val="accent3">
+        <a:tint val="40000"/>
+        <a:alpha val="90000"/>
+      </a:schemeClr>
+      <a:schemeClr val="accent4">
+        <a:tint val="40000"/>
+        <a:alpha val="90000"/>
+      </a:schemeClr>
+      <a:schemeClr val="accent5">
+        <a:tint val="40000"/>
+        <a:alpha val="90000"/>
+      </a:schemeClr>
+      <a:schemeClr val="accent6">
+        <a:tint val="40000"/>
+        <a:alpha val="90000"/>
+      </a:schemeClr>
+    </dgm:linClrLst>
+    <dgm:effectClrLst/>
+    <dgm:txLinClrLst/>
+    <dgm:txFillClrLst meth="repeat">
+      <a:schemeClr val="dk1"/>
+    </dgm:txFillClrLst>
+    <dgm:txEffectClrLst/>
+  </dgm:styleLbl>
+  <dgm:styleLbl name="bgAccFollowNode1">
+    <dgm:fillClrLst meth="repeat">
+      <a:schemeClr val="accent2">
+        <a:tint val="40000"/>
+        <a:alpha val="90000"/>
+      </a:schemeClr>
+      <a:schemeClr val="accent3">
+        <a:tint val="40000"/>
+        <a:alpha val="90000"/>
+      </a:schemeClr>
+      <a:schemeClr val="accent4">
+        <a:tint val="40000"/>
+        <a:alpha val="90000"/>
+      </a:schemeClr>
+      <a:schemeClr val="accent5">
+        <a:tint val="40000"/>
+        <a:alpha val="90000"/>
+      </a:schemeClr>
+      <a:schemeClr val="accent6">
+        <a:tint val="40000"/>
+        <a:alpha val="90000"/>
+      </a:schemeClr>
+    </dgm:fillClrLst>
+    <dgm:linClrLst meth="repeat">
+      <a:schemeClr val="accent2">
+        <a:tint val="40000"/>
+        <a:alpha val="90000"/>
+      </a:schemeClr>
+      <a:schemeClr val="accent3">
+        <a:tint val="40000"/>
+        <a:alpha val="90000"/>
+      </a:schemeClr>
+      <a:schemeClr val="accent4">
+        <a:tint val="40000"/>
+        <a:alpha val="90000"/>
+      </a:schemeClr>
+      <a:schemeClr val="accent5">
+        <a:tint val="40000"/>
+        <a:alpha val="90000"/>
+      </a:schemeClr>
+      <a:schemeClr val="accent6">
+        <a:tint val="40000"/>
+        <a:alpha val="90000"/>
+      </a:schemeClr>
+    </dgm:linClrLst>
+    <dgm:effectClrLst/>
+    <dgm:txLinClrLst/>
+    <dgm:txFillClrLst meth="repeat">
+      <a:schemeClr val="dk1"/>
+    </dgm:txFillClrLst>
+    <dgm:txEffectClrLst/>
+  </dgm:styleLbl>
+  <dgm:styleLbl name="fgAcc0">
+    <dgm:fillClrLst meth="repeat">
+      <a:schemeClr val="lt1">
+        <a:alpha val="90000"/>
+      </a:schemeClr>
+    </dgm:fillClrLst>
+    <dgm:linClrLst>
+      <a:schemeClr val="accent1"/>
+    </dgm:linClrLst>
+    <dgm:effectClrLst/>
+    <dgm:txLinClrLst/>
+    <dgm:txFillClrLst meth="repeat">
+      <a:schemeClr val="dk1"/>
+    </dgm:txFillClrLst>
+    <dgm:txEffectClrLst/>
+  </dgm:styleLbl>
+  <dgm:styleLbl name="fgAcc2">
+    <dgm:fillClrLst meth="repeat">
+      <a:schemeClr val="lt1">
+        <a:alpha val="90000"/>
+      </a:schemeClr>
+    </dgm:fillClrLst>
+    <dgm:linClrLst>
+      <a:schemeClr val="accent2"/>
+    </dgm:linClrLst>
+    <dgm:effectClrLst/>
+    <dgm:txLinClrLst/>
+    <dgm:txFillClrLst meth="repeat">
+      <a:schemeClr val="dk1"/>
+    </dgm:txFillClrLst>
+    <dgm:txEffectClrLst/>
+  </dgm:styleLbl>
+  <dgm:styleLbl name="fgAcc3">
+    <dgm:fillClrLst meth="repeat">
+      <a:schemeClr val="lt1">
+        <a:alpha val="90000"/>
+      </a:schemeClr>
+    </dgm:fillClrLst>
+    <dgm:linClrLst>
+      <a:schemeClr val="accent3"/>
+    </dgm:linClrLst>
+    <dgm:effectClrLst/>
+    <dgm:txLinClrLst/>
+    <dgm:txFillClrLst meth="repeat">
+      <a:schemeClr val="dk1"/>
+    </dgm:txFillClrLst>
+    <dgm:txEffectClrLst/>
+  </dgm:styleLbl>
+  <dgm:styleLbl name="fgAcc4">
+    <dgm:fillClrLst meth="repeat">
+      <a:schemeClr val="lt1">
+        <a:alpha val="90000"/>
+      </a:schemeClr>
+    </dgm:fillClrLst>
+    <dgm:linClrLst>
+      <a:schemeClr val="accent4"/>
+    </dgm:linClrLst>
+    <dgm:effectClrLst/>
+    <dgm:txLinClrLst/>
+    <dgm:txFillClrLst meth="repeat">
+      <a:schemeClr val="dk1"/>
+    </dgm:txFillClrLst>
+    <dgm:txEffectClrLst/>
+  </dgm:styleLbl>
+  <dgm:styleLbl name="bgShp">
+    <dgm:fillClrLst meth="repeat">
+      <a:schemeClr val="accent2">
+        <a:tint val="40000"/>
+      </a:schemeClr>
+    </dgm:fillClrLst>
+    <dgm:linClrLst meth="repeat">
+      <a:schemeClr val="dk1"/>
+    </dgm:linClrLst>
+    <dgm:effectClrLst/>
+    <dgm:txLinClrLst/>
+    <dgm:txFillClrLst meth="repeat">
+      <a:schemeClr val="dk1"/>
+    </dgm:txFillClrLst>
+    <dgm:txEffectClrLst/>
+  </dgm:styleLbl>
+  <dgm:styleLbl name="dkBgShp">
+    <dgm:fillClrLst meth="repeat">
+      <a:schemeClr val="accent2">
+        <a:shade val="90000"/>
+      </a:schemeClr>
+    </dgm:fillClrLst>
+    <dgm:linClrLst meth="repeat">
+      <a:schemeClr val="dk1"/>
+    </dgm:linClrLst>
+    <dgm:effectClrLst/>
+    <dgm:txLinClrLst/>
+    <dgm:txFillClrLst meth="repeat">
+      <a:schemeClr val="lt1"/>
+    </dgm:txFillClrLst>
+    <dgm:txEffectClrLst/>
+  </dgm:styleLbl>
+  <dgm:styleLbl name="trBgShp">
+    <dgm:fillClrLst meth="repeat">
+      <a:schemeClr val="accent1">
+        <a:tint val="50000"/>
+        <a:alpha val="40000"/>
+      </a:schemeClr>
+    </dgm:fillClrLst>
+    <dgm:linClrLst meth="repeat">
+      <a:schemeClr val="accent2"/>
+    </dgm:linClrLst>
+    <dgm:effectClrLst/>
+    <dgm:txLinClrLst/>
+    <dgm:txFillClrLst meth="repeat">
+      <a:schemeClr val="lt1"/>
+    </dgm:txFillClrLst>
+    <dgm:txEffectClrLst/>
+  </dgm:styleLbl>
+  <dgm:styleLbl name="fgShp">
+    <dgm:fillClrLst meth="repeat">
+      <a:schemeClr val="accent2">
         <a:tint val="40000"/>
       </a:schemeClr>
     </dgm:fillClrLst>
@@ -1568,6 +3408,1056 @@
 </dgm:dataModel>
 </file>
 
+<file path=ppt/diagrams/data2.xml><?xml version="1.0" encoding="utf-8"?>
+<dgm:dataModel xmlns:dgm="http://schemas.openxmlformats.org/drawingml/2006/diagram" xmlns:a="http://schemas.openxmlformats.org/drawingml/2006/main">
+  <dgm:ptLst>
+    <dgm:pt modelId="{D4675DE2-57C1-4BD6-BB27-16C51FCF62CA}" type="doc">
+      <dgm:prSet loTypeId="urn:microsoft.com/office/officeart/2005/8/layout/chevron1" loCatId="process" qsTypeId="urn:microsoft.com/office/officeart/2005/8/quickstyle/simple1" qsCatId="simple" csTypeId="urn:microsoft.com/office/officeart/2005/8/colors/colorful1" csCatId="colorful" phldr="1"/>
+      <dgm:spPr/>
+    </dgm:pt>
+    <dgm:pt modelId="{A76A116A-8E75-4DED-B522-765E798D616A}">
+      <dgm:prSet phldrT="[Text]"/>
+      <dgm:spPr/>
+      <dgm:t>
+        <a:bodyPr/>
+        <a:lstStyle/>
+        <a:p>
+          <a:r>
+            <a:rPr lang="de-DE" dirty="0"/>
+            <a:t>Import </a:t>
+          </a:r>
+          <a:r>
+            <a:rPr lang="de-DE" dirty="0" err="1"/>
+            <a:t>data</a:t>
+          </a:r>
+          <a:endParaRPr lang="en-DE" dirty="0"/>
+        </a:p>
+      </dgm:t>
+    </dgm:pt>
+    <dgm:pt modelId="{A6F12BA0-8813-4121-B2EB-BA123395EBDB}" type="parTrans" cxnId="{42F71FA2-79BF-49F4-B807-86345B026F8B}">
+      <dgm:prSet/>
+      <dgm:spPr/>
+      <dgm:t>
+        <a:bodyPr/>
+        <a:lstStyle/>
+        <a:p>
+          <a:endParaRPr lang="en-DE"/>
+        </a:p>
+      </dgm:t>
+    </dgm:pt>
+    <dgm:pt modelId="{8A393523-FA54-4098-836C-A6DDF6136C92}" type="sibTrans" cxnId="{42F71FA2-79BF-49F4-B807-86345B026F8B}">
+      <dgm:prSet/>
+      <dgm:spPr/>
+      <dgm:t>
+        <a:bodyPr/>
+        <a:lstStyle/>
+        <a:p>
+          <a:endParaRPr lang="en-DE"/>
+        </a:p>
+      </dgm:t>
+    </dgm:pt>
+    <dgm:pt modelId="{17D71456-A0FB-4917-BDA7-7C1F26C837FB}">
+      <dgm:prSet phldrT="[Text]"/>
+      <dgm:spPr/>
+      <dgm:t>
+        <a:bodyPr/>
+        <a:lstStyle/>
+        <a:p>
+          <a:r>
+            <a:rPr lang="de-DE" dirty="0"/>
+            <a:t>Filter </a:t>
+          </a:r>
+          <a:r>
+            <a:rPr lang="de-DE" dirty="0" err="1"/>
+            <a:t>data</a:t>
+          </a:r>
+          <a:endParaRPr lang="en-DE" dirty="0"/>
+        </a:p>
+      </dgm:t>
+    </dgm:pt>
+    <dgm:pt modelId="{7C393262-4687-4125-97D3-1F9D2433376F}" type="parTrans" cxnId="{A062A74F-3F4B-4A17-BEEF-C8911A174444}">
+      <dgm:prSet/>
+      <dgm:spPr/>
+      <dgm:t>
+        <a:bodyPr/>
+        <a:lstStyle/>
+        <a:p>
+          <a:endParaRPr lang="en-DE"/>
+        </a:p>
+      </dgm:t>
+    </dgm:pt>
+    <dgm:pt modelId="{F8E1DC05-6AA3-4F94-8544-6C25EFDA0BE5}" type="sibTrans" cxnId="{A062A74F-3F4B-4A17-BEEF-C8911A174444}">
+      <dgm:prSet/>
+      <dgm:spPr/>
+      <dgm:t>
+        <a:bodyPr/>
+        <a:lstStyle/>
+        <a:p>
+          <a:endParaRPr lang="en-DE"/>
+        </a:p>
+      </dgm:t>
+    </dgm:pt>
+    <dgm:pt modelId="{0588DE02-E4AA-42F9-87F5-1E0E6E6828C9}">
+      <dgm:prSet phldrT="[Text]"/>
+      <dgm:spPr/>
+      <dgm:t>
+        <a:bodyPr/>
+        <a:lstStyle/>
+        <a:p>
+          <a:r>
+            <a:rPr lang="de-DE" dirty="0"/>
+            <a:t>PCA</a:t>
+          </a:r>
+          <a:endParaRPr lang="en-DE" dirty="0"/>
+        </a:p>
+      </dgm:t>
+    </dgm:pt>
+    <dgm:pt modelId="{CA4893D9-7C5E-4600-9B6D-B672D409E5C6}" type="parTrans" cxnId="{744822A6-A01B-48EC-B760-11A3C0C4AE04}">
+      <dgm:prSet/>
+      <dgm:spPr/>
+      <dgm:t>
+        <a:bodyPr/>
+        <a:lstStyle/>
+        <a:p>
+          <a:endParaRPr lang="en-DE"/>
+        </a:p>
+      </dgm:t>
+    </dgm:pt>
+    <dgm:pt modelId="{9190CD15-B092-4317-8B7B-6B8B8E666AF1}" type="sibTrans" cxnId="{744822A6-A01B-48EC-B760-11A3C0C4AE04}">
+      <dgm:prSet/>
+      <dgm:spPr/>
+      <dgm:t>
+        <a:bodyPr/>
+        <a:lstStyle/>
+        <a:p>
+          <a:endParaRPr lang="en-DE"/>
+        </a:p>
+      </dgm:t>
+    </dgm:pt>
+    <dgm:pt modelId="{C2360E62-BA78-4424-963C-E52E9D95B80F}" type="pres">
+      <dgm:prSet presAssocID="{D4675DE2-57C1-4BD6-BB27-16C51FCF62CA}" presName="Name0" presStyleCnt="0">
+        <dgm:presLayoutVars>
+          <dgm:dir/>
+          <dgm:animLvl val="lvl"/>
+          <dgm:resizeHandles val="exact"/>
+        </dgm:presLayoutVars>
+      </dgm:prSet>
+      <dgm:spPr/>
+    </dgm:pt>
+    <dgm:pt modelId="{B9764DF7-0FF2-4963-8555-66CCB71B22EA}" type="pres">
+      <dgm:prSet presAssocID="{A76A116A-8E75-4DED-B522-765E798D616A}" presName="parTxOnly" presStyleLbl="node1" presStyleIdx="0" presStyleCnt="3">
+        <dgm:presLayoutVars>
+          <dgm:chMax val="0"/>
+          <dgm:chPref val="0"/>
+          <dgm:bulletEnabled val="1"/>
+        </dgm:presLayoutVars>
+      </dgm:prSet>
+      <dgm:spPr/>
+    </dgm:pt>
+    <dgm:pt modelId="{05FC3A1F-2045-4508-B967-B3432BC9021A}" type="pres">
+      <dgm:prSet presAssocID="{8A393523-FA54-4098-836C-A6DDF6136C92}" presName="parTxOnlySpace" presStyleCnt="0"/>
+      <dgm:spPr/>
+    </dgm:pt>
+    <dgm:pt modelId="{2F17BFF4-2F65-436F-8CE9-5D4EC8FFF9BA}" type="pres">
+      <dgm:prSet presAssocID="{17D71456-A0FB-4917-BDA7-7C1F26C837FB}" presName="parTxOnly" presStyleLbl="node1" presStyleIdx="1" presStyleCnt="3">
+        <dgm:presLayoutVars>
+          <dgm:chMax val="0"/>
+          <dgm:chPref val="0"/>
+          <dgm:bulletEnabled val="1"/>
+        </dgm:presLayoutVars>
+      </dgm:prSet>
+      <dgm:spPr/>
+    </dgm:pt>
+    <dgm:pt modelId="{59C4690D-27E1-4943-B868-DE87B1985E14}" type="pres">
+      <dgm:prSet presAssocID="{F8E1DC05-6AA3-4F94-8544-6C25EFDA0BE5}" presName="parTxOnlySpace" presStyleCnt="0"/>
+      <dgm:spPr/>
+    </dgm:pt>
+    <dgm:pt modelId="{0EC03CBB-F69D-47BC-A536-86C089D502D4}" type="pres">
+      <dgm:prSet presAssocID="{0588DE02-E4AA-42F9-87F5-1E0E6E6828C9}" presName="parTxOnly" presStyleLbl="node1" presStyleIdx="2" presStyleCnt="3">
+        <dgm:presLayoutVars>
+          <dgm:chMax val="0"/>
+          <dgm:chPref val="0"/>
+          <dgm:bulletEnabled val="1"/>
+        </dgm:presLayoutVars>
+      </dgm:prSet>
+      <dgm:spPr/>
+    </dgm:pt>
+  </dgm:ptLst>
+  <dgm:cxnLst>
+    <dgm:cxn modelId="{E607CD0D-CF0E-43D2-9DBE-540A0C519A98}" type="presOf" srcId="{D4675DE2-57C1-4BD6-BB27-16C51FCF62CA}" destId="{C2360E62-BA78-4424-963C-E52E9D95B80F}" srcOrd="0" destOrd="0" presId="urn:microsoft.com/office/officeart/2005/8/layout/chevron1"/>
+    <dgm:cxn modelId="{A062A74F-3F4B-4A17-BEEF-C8911A174444}" srcId="{D4675DE2-57C1-4BD6-BB27-16C51FCF62CA}" destId="{17D71456-A0FB-4917-BDA7-7C1F26C837FB}" srcOrd="1" destOrd="0" parTransId="{7C393262-4687-4125-97D3-1F9D2433376F}" sibTransId="{F8E1DC05-6AA3-4F94-8544-6C25EFDA0BE5}"/>
+    <dgm:cxn modelId="{42F71FA2-79BF-49F4-B807-86345B026F8B}" srcId="{D4675DE2-57C1-4BD6-BB27-16C51FCF62CA}" destId="{A76A116A-8E75-4DED-B522-765E798D616A}" srcOrd="0" destOrd="0" parTransId="{A6F12BA0-8813-4121-B2EB-BA123395EBDB}" sibTransId="{8A393523-FA54-4098-836C-A6DDF6136C92}"/>
+    <dgm:cxn modelId="{42BDC4A2-D17B-45C3-AB3F-D89665B3E9DA}" type="presOf" srcId="{17D71456-A0FB-4917-BDA7-7C1F26C837FB}" destId="{2F17BFF4-2F65-436F-8CE9-5D4EC8FFF9BA}" srcOrd="0" destOrd="0" presId="urn:microsoft.com/office/officeart/2005/8/layout/chevron1"/>
+    <dgm:cxn modelId="{27E563A3-F635-4D22-80C6-0668B4E98F7B}" type="presOf" srcId="{A76A116A-8E75-4DED-B522-765E798D616A}" destId="{B9764DF7-0FF2-4963-8555-66CCB71B22EA}" srcOrd="0" destOrd="0" presId="urn:microsoft.com/office/officeart/2005/8/layout/chevron1"/>
+    <dgm:cxn modelId="{744822A6-A01B-48EC-B760-11A3C0C4AE04}" srcId="{D4675DE2-57C1-4BD6-BB27-16C51FCF62CA}" destId="{0588DE02-E4AA-42F9-87F5-1E0E6E6828C9}" srcOrd="2" destOrd="0" parTransId="{CA4893D9-7C5E-4600-9B6D-B672D409E5C6}" sibTransId="{9190CD15-B092-4317-8B7B-6B8B8E666AF1}"/>
+    <dgm:cxn modelId="{C20F7FCF-62B6-49AE-894F-2E933639DEBF}" type="presOf" srcId="{0588DE02-E4AA-42F9-87F5-1E0E6E6828C9}" destId="{0EC03CBB-F69D-47BC-A536-86C089D502D4}" srcOrd="0" destOrd="0" presId="urn:microsoft.com/office/officeart/2005/8/layout/chevron1"/>
+    <dgm:cxn modelId="{D554B852-B409-4BEA-8A52-E9853E0EBAFE}" type="presParOf" srcId="{C2360E62-BA78-4424-963C-E52E9D95B80F}" destId="{B9764DF7-0FF2-4963-8555-66CCB71B22EA}" srcOrd="0" destOrd="0" presId="urn:microsoft.com/office/officeart/2005/8/layout/chevron1"/>
+    <dgm:cxn modelId="{DDDE6479-3AAA-4033-BBE1-592FE3269205}" type="presParOf" srcId="{C2360E62-BA78-4424-963C-E52E9D95B80F}" destId="{05FC3A1F-2045-4508-B967-B3432BC9021A}" srcOrd="1" destOrd="0" presId="urn:microsoft.com/office/officeart/2005/8/layout/chevron1"/>
+    <dgm:cxn modelId="{DBD44BA9-BFAF-4043-A9B5-C9E3847A5BB7}" type="presParOf" srcId="{C2360E62-BA78-4424-963C-E52E9D95B80F}" destId="{2F17BFF4-2F65-436F-8CE9-5D4EC8FFF9BA}" srcOrd="2" destOrd="0" presId="urn:microsoft.com/office/officeart/2005/8/layout/chevron1"/>
+    <dgm:cxn modelId="{53E27922-CD34-4B10-809E-3833D75035A6}" type="presParOf" srcId="{C2360E62-BA78-4424-963C-E52E9D95B80F}" destId="{59C4690D-27E1-4943-B868-DE87B1985E14}" srcOrd="3" destOrd="0" presId="urn:microsoft.com/office/officeart/2005/8/layout/chevron1"/>
+    <dgm:cxn modelId="{DE315E83-6B34-4A73-B212-F054C4563DE9}" type="presParOf" srcId="{C2360E62-BA78-4424-963C-E52E9D95B80F}" destId="{0EC03CBB-F69D-47BC-A536-86C089D502D4}" srcOrd="4" destOrd="0" presId="urn:microsoft.com/office/officeart/2005/8/layout/chevron1"/>
+  </dgm:cxnLst>
+  <dgm:bg/>
+  <dgm:whole/>
+  <dgm:extLst>
+    <a:ext uri="http://schemas.microsoft.com/office/drawing/2008/diagram">
+      <dsp:dataModelExt xmlns:dsp="http://schemas.microsoft.com/office/drawing/2008/diagram" relId="rId6" minVer="http://schemas.openxmlformats.org/drawingml/2006/diagram"/>
+    </a:ext>
+  </dgm:extLst>
+</dgm:dataModel>
+</file>
+
+<file path=ppt/diagrams/data3.xml><?xml version="1.0" encoding="utf-8"?>
+<dgm:dataModel xmlns:dgm="http://schemas.openxmlformats.org/drawingml/2006/diagram" xmlns:a="http://schemas.openxmlformats.org/drawingml/2006/main">
+  <dgm:ptLst>
+    <dgm:pt modelId="{09481894-23FF-4B52-BBEC-F7E6A9AB3930}" type="doc">
+      <dgm:prSet loTypeId="urn:microsoft.com/office/officeart/2005/8/layout/chevron2" loCatId="process" qsTypeId="urn:microsoft.com/office/officeart/2005/8/quickstyle/simple1" qsCatId="simple" csTypeId="urn:microsoft.com/office/officeart/2005/8/colors/colorful1" csCatId="colorful" phldr="1"/>
+      <dgm:spPr/>
+      <dgm:t>
+        <a:bodyPr/>
+        <a:lstStyle/>
+        <a:p>
+          <a:endParaRPr lang="en-DE"/>
+        </a:p>
+      </dgm:t>
+    </dgm:pt>
+    <dgm:pt modelId="{BEBFC53E-58FF-4811-8DAD-5C92E97FC168}">
+      <dgm:prSet phldrT="[Text]"/>
+      <dgm:spPr/>
+      <dgm:t>
+        <a:bodyPr/>
+        <a:lstStyle/>
+        <a:p>
+          <a:r>
+            <a:rPr lang="de-DE" dirty="0" err="1"/>
+            <a:t>Centroid</a:t>
+          </a:r>
+          <a:r>
+            <a:rPr lang="de-DE" dirty="0"/>
+            <a:t> </a:t>
+          </a:r>
+          <a:r>
+            <a:rPr lang="de-DE" dirty="0" err="1"/>
+            <a:t>generation</a:t>
+          </a:r>
+          <a:endParaRPr lang="en-DE" dirty="0"/>
+        </a:p>
+      </dgm:t>
+    </dgm:pt>
+    <dgm:pt modelId="{F4FAAF42-21F8-4148-94A4-BB6085E51CA7}" type="parTrans" cxnId="{430C2DFD-6494-4DF6-A867-5B481840FA69}">
+      <dgm:prSet/>
+      <dgm:spPr/>
+      <dgm:t>
+        <a:bodyPr/>
+        <a:lstStyle/>
+        <a:p>
+          <a:endParaRPr lang="en-DE"/>
+        </a:p>
+      </dgm:t>
+    </dgm:pt>
+    <dgm:pt modelId="{EF3049EE-1A84-47E2-9F95-4C8EBCE3E309}" type="sibTrans" cxnId="{430C2DFD-6494-4DF6-A867-5B481840FA69}">
+      <dgm:prSet/>
+      <dgm:spPr/>
+      <dgm:t>
+        <a:bodyPr/>
+        <a:lstStyle/>
+        <a:p>
+          <a:endParaRPr lang="en-DE"/>
+        </a:p>
+      </dgm:t>
+    </dgm:pt>
+    <dgm:pt modelId="{8D21A3EF-ABA3-4AA4-91E5-85975929B986}">
+      <dgm:prSet phldrT="[Text]"/>
+      <dgm:spPr/>
+      <dgm:t>
+        <a:bodyPr/>
+        <a:lstStyle/>
+        <a:p>
+          <a:r>
+            <a:rPr lang="de-DE" dirty="0" err="1"/>
+            <a:t>Assignment</a:t>
+          </a:r>
+          <a:r>
+            <a:rPr lang="de-DE" dirty="0"/>
+            <a:t> </a:t>
+          </a:r>
+          <a:r>
+            <a:rPr lang="de-DE" dirty="0" err="1"/>
+            <a:t>of</a:t>
+          </a:r>
+          <a:r>
+            <a:rPr lang="de-DE" dirty="0"/>
+            <a:t> all PBMC </a:t>
+          </a:r>
+          <a:r>
+            <a:rPr lang="de-DE" dirty="0" err="1"/>
+            <a:t>data</a:t>
+          </a:r>
+          <a:r>
+            <a:rPr lang="de-DE" dirty="0"/>
+            <a:t> ‚</a:t>
+          </a:r>
+          <a:r>
+            <a:rPr lang="de-DE" dirty="0" err="1"/>
+            <a:t>points</a:t>
+          </a:r>
+          <a:r>
+            <a:rPr lang="de-DE" dirty="0"/>
+            <a:t>‘ </a:t>
+          </a:r>
+          <a:r>
+            <a:rPr lang="de-DE" dirty="0" err="1"/>
+            <a:t>to</a:t>
+          </a:r>
+          <a:r>
+            <a:rPr lang="de-DE" dirty="0"/>
+            <a:t> </a:t>
+          </a:r>
+          <a:r>
+            <a:rPr lang="de-DE" dirty="0" err="1"/>
+            <a:t>the</a:t>
+          </a:r>
+          <a:r>
+            <a:rPr lang="de-DE" dirty="0"/>
+            <a:t> </a:t>
+          </a:r>
+          <a:r>
+            <a:rPr lang="de-DE" dirty="0" err="1"/>
+            <a:t>closest</a:t>
+          </a:r>
+          <a:r>
+            <a:rPr lang="de-DE" dirty="0"/>
+            <a:t> </a:t>
+          </a:r>
+          <a:r>
+            <a:rPr lang="de-DE" dirty="0" err="1"/>
+            <a:t>centroid</a:t>
+          </a:r>
+          <a:endParaRPr lang="en-DE" dirty="0"/>
+        </a:p>
+      </dgm:t>
+    </dgm:pt>
+    <dgm:pt modelId="{DE2CA92A-DB24-4E1C-9AFA-F5E3723854EC}" type="parTrans" cxnId="{786726FA-EACC-4793-B4D0-AADEC9B98F7B}">
+      <dgm:prSet/>
+      <dgm:spPr/>
+      <dgm:t>
+        <a:bodyPr/>
+        <a:lstStyle/>
+        <a:p>
+          <a:endParaRPr lang="en-DE"/>
+        </a:p>
+      </dgm:t>
+    </dgm:pt>
+    <dgm:pt modelId="{79B81AC2-2D6F-4803-90E4-C8B7687A2FC9}" type="sibTrans" cxnId="{786726FA-EACC-4793-B4D0-AADEC9B98F7B}">
+      <dgm:prSet/>
+      <dgm:spPr/>
+      <dgm:t>
+        <a:bodyPr/>
+        <a:lstStyle/>
+        <a:p>
+          <a:endParaRPr lang="en-DE"/>
+        </a:p>
+      </dgm:t>
+    </dgm:pt>
+    <dgm:pt modelId="{6E36E47C-C0C4-4CC3-B453-CA31A64185B3}">
+      <dgm:prSet phldrT="[Text]"/>
+      <dgm:spPr/>
+      <dgm:t>
+        <a:bodyPr/>
+        <a:lstStyle/>
+        <a:p>
+          <a:r>
+            <a:rPr lang="de-DE" dirty="0"/>
+            <a:t>Update </a:t>
+          </a:r>
+          <a:r>
+            <a:rPr lang="de-DE" dirty="0" err="1"/>
+            <a:t>centroid</a:t>
+          </a:r>
+          <a:r>
+            <a:rPr lang="de-DE" dirty="0"/>
+            <a:t> </a:t>
+          </a:r>
+          <a:r>
+            <a:rPr lang="de-DE" dirty="0" err="1"/>
+            <a:t>location</a:t>
+          </a:r>
+          <a:endParaRPr lang="en-DE" dirty="0"/>
+        </a:p>
+      </dgm:t>
+    </dgm:pt>
+    <dgm:pt modelId="{F4319864-7606-4050-8479-7D05E8D930DC}" type="parTrans" cxnId="{B828F650-EF9A-49B5-803D-8BC2070FB9E5}">
+      <dgm:prSet/>
+      <dgm:spPr/>
+      <dgm:t>
+        <a:bodyPr/>
+        <a:lstStyle/>
+        <a:p>
+          <a:endParaRPr lang="en-DE"/>
+        </a:p>
+      </dgm:t>
+    </dgm:pt>
+    <dgm:pt modelId="{B81F67C4-B054-4324-B6BE-962E462A063A}" type="sibTrans" cxnId="{B828F650-EF9A-49B5-803D-8BC2070FB9E5}">
+      <dgm:prSet/>
+      <dgm:spPr/>
+      <dgm:t>
+        <a:bodyPr/>
+        <a:lstStyle/>
+        <a:p>
+          <a:endParaRPr lang="en-DE"/>
+        </a:p>
+      </dgm:t>
+    </dgm:pt>
+    <dgm:pt modelId="{63AF5507-7CF8-441B-B1EE-9601D55C4785}">
+      <dgm:prSet phldrT="[Text]"/>
+      <dgm:spPr/>
+      <dgm:t>
+        <a:bodyPr/>
+        <a:lstStyle/>
+        <a:p>
+          <a:r>
+            <a:rPr lang="de-DE" dirty="0"/>
+            <a:t>New </a:t>
+          </a:r>
+          <a:r>
+            <a:rPr lang="de-DE" dirty="0" err="1"/>
+            <a:t>centroid</a:t>
+          </a:r>
+          <a:r>
+            <a:rPr lang="de-DE" dirty="0"/>
+            <a:t> </a:t>
+          </a:r>
+          <a:r>
+            <a:rPr lang="de-DE" dirty="0" err="1"/>
+            <a:t>location</a:t>
+          </a:r>
+          <a:r>
+            <a:rPr lang="de-DE" dirty="0"/>
+            <a:t> </a:t>
+          </a:r>
+          <a:r>
+            <a:rPr lang="de-DE" dirty="0" err="1"/>
+            <a:t>is</a:t>
+          </a:r>
+          <a:r>
+            <a:rPr lang="de-DE" dirty="0"/>
+            <a:t> </a:t>
+          </a:r>
+          <a:r>
+            <a:rPr lang="de-DE" dirty="0" err="1"/>
+            <a:t>mean</a:t>
+          </a:r>
+          <a:r>
+            <a:rPr lang="de-DE" dirty="0"/>
+            <a:t> </a:t>
+          </a:r>
+          <a:r>
+            <a:rPr lang="de-DE" dirty="0" err="1"/>
+            <a:t>of</a:t>
+          </a:r>
+          <a:r>
+            <a:rPr lang="de-DE" dirty="0"/>
+            <a:t> all </a:t>
+          </a:r>
+          <a:r>
+            <a:rPr lang="de-DE" dirty="0" err="1"/>
+            <a:t>previously</a:t>
+          </a:r>
+          <a:r>
+            <a:rPr lang="de-DE" dirty="0"/>
+            <a:t> </a:t>
+          </a:r>
+          <a:r>
+            <a:rPr lang="de-DE" dirty="0" err="1"/>
+            <a:t>assigned</a:t>
+          </a:r>
+          <a:r>
+            <a:rPr lang="de-DE" dirty="0"/>
+            <a:t> PBMC </a:t>
+          </a:r>
+          <a:r>
+            <a:rPr lang="de-DE" dirty="0" err="1"/>
+            <a:t>locations</a:t>
+          </a:r>
+          <a:endParaRPr lang="en-DE" dirty="0"/>
+        </a:p>
+      </dgm:t>
+    </dgm:pt>
+    <dgm:pt modelId="{C6DD79E9-B97F-4216-B671-760E70B3C985}" type="parTrans" cxnId="{3D3A5B16-CC48-461F-B041-69FFA75030AE}">
+      <dgm:prSet/>
+      <dgm:spPr/>
+      <dgm:t>
+        <a:bodyPr/>
+        <a:lstStyle/>
+        <a:p>
+          <a:endParaRPr lang="en-DE"/>
+        </a:p>
+      </dgm:t>
+    </dgm:pt>
+    <dgm:pt modelId="{1E6A83CF-1297-4CBB-9CD8-DB088BE5A981}" type="sibTrans" cxnId="{3D3A5B16-CC48-461F-B041-69FFA75030AE}">
+      <dgm:prSet/>
+      <dgm:spPr/>
+      <dgm:t>
+        <a:bodyPr/>
+        <a:lstStyle/>
+        <a:p>
+          <a:endParaRPr lang="en-DE"/>
+        </a:p>
+      </dgm:t>
+    </dgm:pt>
+    <dgm:pt modelId="{E44AC077-D4DA-423B-B031-88AEA440ECC3}">
+      <dgm:prSet phldrT="[Text]"/>
+      <dgm:spPr/>
+      <dgm:t>
+        <a:bodyPr/>
+        <a:lstStyle/>
+        <a:p>
+          <a:r>
+            <a:rPr lang="de-DE" dirty="0" err="1"/>
+            <a:t>Plotting</a:t>
+          </a:r>
+          <a:endParaRPr lang="en-DE" dirty="0"/>
+        </a:p>
+      </dgm:t>
+    </dgm:pt>
+    <dgm:pt modelId="{51EDA0CE-15AA-42CC-9EF7-95FA9FE972C4}" type="parTrans" cxnId="{968FBED7-2C86-41BF-8CBE-FA1F7FDF38E2}">
+      <dgm:prSet/>
+      <dgm:spPr/>
+      <dgm:t>
+        <a:bodyPr/>
+        <a:lstStyle/>
+        <a:p>
+          <a:endParaRPr lang="en-DE"/>
+        </a:p>
+      </dgm:t>
+    </dgm:pt>
+    <dgm:pt modelId="{F64349B1-DBA6-4EFD-AC88-CC39BBB141DE}" type="sibTrans" cxnId="{968FBED7-2C86-41BF-8CBE-FA1F7FDF38E2}">
+      <dgm:prSet/>
+      <dgm:spPr/>
+      <dgm:t>
+        <a:bodyPr/>
+        <a:lstStyle/>
+        <a:p>
+          <a:endParaRPr lang="en-DE"/>
+        </a:p>
+      </dgm:t>
+    </dgm:pt>
+    <dgm:pt modelId="{57AF3558-501E-4D96-80D3-9EE102932852}">
+      <dgm:prSet phldrT="[Text]"/>
+      <dgm:spPr/>
+      <dgm:t>
+        <a:bodyPr/>
+        <a:lstStyle/>
+        <a:p>
+          <a:r>
+            <a:rPr lang="de-DE" dirty="0"/>
+            <a:t>Generation </a:t>
+          </a:r>
+          <a:r>
+            <a:rPr lang="de-DE" dirty="0" err="1"/>
+            <a:t>of</a:t>
+          </a:r>
+          <a:r>
+            <a:rPr lang="de-DE" dirty="0"/>
+            <a:t> </a:t>
+          </a:r>
+          <a:r>
+            <a:rPr lang="de-DE" dirty="0" err="1"/>
+            <a:t>start</a:t>
+          </a:r>
+          <a:r>
+            <a:rPr lang="de-DE" dirty="0"/>
+            <a:t> </a:t>
+          </a:r>
+          <a:r>
+            <a:rPr lang="de-DE" dirty="0" err="1"/>
+            <a:t>location</a:t>
+          </a:r>
+          <a:r>
+            <a:rPr lang="de-DE" dirty="0"/>
+            <a:t> </a:t>
+          </a:r>
+          <a:r>
+            <a:rPr lang="de-DE" dirty="0" err="1"/>
+            <a:t>for</a:t>
+          </a:r>
+          <a:r>
+            <a:rPr lang="de-DE" dirty="0"/>
+            <a:t> </a:t>
+          </a:r>
+          <a:r>
+            <a:rPr lang="de-DE" dirty="0" err="1"/>
+            <a:t>the</a:t>
+          </a:r>
+          <a:r>
+            <a:rPr lang="de-DE" dirty="0"/>
+            <a:t> </a:t>
+          </a:r>
+          <a:r>
+            <a:rPr lang="de-DE" dirty="0" err="1"/>
+            <a:t>first</a:t>
+          </a:r>
+          <a:r>
+            <a:rPr lang="de-DE" dirty="0"/>
+            <a:t> </a:t>
+          </a:r>
+          <a:r>
+            <a:rPr lang="de-DE" dirty="0" err="1"/>
+            <a:t>iteration</a:t>
+          </a:r>
+          <a:r>
+            <a:rPr lang="de-DE" dirty="0"/>
+            <a:t> </a:t>
+          </a:r>
+          <a:r>
+            <a:rPr lang="de-DE" dirty="0" err="1"/>
+            <a:t>of</a:t>
+          </a:r>
+          <a:r>
+            <a:rPr lang="de-DE" dirty="0"/>
+            <a:t> </a:t>
+          </a:r>
+          <a:r>
+            <a:rPr lang="de-DE" dirty="0" err="1"/>
+            <a:t>cluster</a:t>
+          </a:r>
+          <a:r>
+            <a:rPr lang="de-DE" dirty="0"/>
+            <a:t> </a:t>
+          </a:r>
+          <a:r>
+            <a:rPr lang="de-DE" dirty="0" err="1"/>
+            <a:t>assignment</a:t>
+          </a:r>
+          <a:endParaRPr lang="en-DE" dirty="0"/>
+        </a:p>
+      </dgm:t>
+    </dgm:pt>
+    <dgm:pt modelId="{99B03010-A0D2-47BD-BA19-C696D068649E}" type="sibTrans" cxnId="{C5CF50C9-E752-4589-AD37-ECC03094FDEC}">
+      <dgm:prSet/>
+      <dgm:spPr/>
+      <dgm:t>
+        <a:bodyPr/>
+        <a:lstStyle/>
+        <a:p>
+          <a:endParaRPr lang="en-DE"/>
+        </a:p>
+      </dgm:t>
+    </dgm:pt>
+    <dgm:pt modelId="{46E3533E-9300-4616-8A73-49B44F38B37F}" type="parTrans" cxnId="{C5CF50C9-E752-4589-AD37-ECC03094FDEC}">
+      <dgm:prSet/>
+      <dgm:spPr/>
+      <dgm:t>
+        <a:bodyPr/>
+        <a:lstStyle/>
+        <a:p>
+          <a:endParaRPr lang="en-DE"/>
+        </a:p>
+      </dgm:t>
+    </dgm:pt>
+    <dgm:pt modelId="{E895023C-E38B-4E5B-9FC1-E6944A3FBEC5}">
+      <dgm:prSet phldrT="[Text]"/>
+      <dgm:spPr/>
+      <dgm:t>
+        <a:bodyPr/>
+        <a:lstStyle/>
+        <a:p>
+          <a:r>
+            <a:rPr lang="de-DE" dirty="0"/>
+            <a:t>Cluster </a:t>
+          </a:r>
+          <a:r>
+            <a:rPr lang="de-DE" dirty="0" err="1"/>
+            <a:t>assignment</a:t>
+          </a:r>
+          <a:endParaRPr lang="en-DE" dirty="0"/>
+        </a:p>
+      </dgm:t>
+    </dgm:pt>
+    <dgm:pt modelId="{2DE50391-13DB-4564-80F2-0648447ECECC}" type="sibTrans" cxnId="{79183A4C-5030-4914-8196-DB23C18E0BF8}">
+      <dgm:prSet/>
+      <dgm:spPr/>
+      <dgm:t>
+        <a:bodyPr/>
+        <a:lstStyle/>
+        <a:p>
+          <a:endParaRPr lang="en-DE"/>
+        </a:p>
+      </dgm:t>
+    </dgm:pt>
+    <dgm:pt modelId="{012DF54D-A1C3-4F5D-9213-D6D52206ABEA}" type="parTrans" cxnId="{79183A4C-5030-4914-8196-DB23C18E0BF8}">
+      <dgm:prSet/>
+      <dgm:spPr/>
+      <dgm:t>
+        <a:bodyPr/>
+        <a:lstStyle/>
+        <a:p>
+          <a:endParaRPr lang="en-DE"/>
+        </a:p>
+      </dgm:t>
+    </dgm:pt>
+    <dgm:pt modelId="{3FAAD9A0-8E3D-4E40-A930-8DD39CAF40AD}">
+      <dgm:prSet phldrT="[Text]"/>
+      <dgm:spPr/>
+      <dgm:t>
+        <a:bodyPr/>
+        <a:lstStyle/>
+        <a:p>
+          <a:r>
+            <a:rPr lang="de-DE" dirty="0"/>
+            <a:t>First </a:t>
+          </a:r>
+          <a:r>
+            <a:rPr lang="de-DE" dirty="0" err="1"/>
+            <a:t>iteration</a:t>
+          </a:r>
+          <a:r>
+            <a:rPr lang="de-DE" dirty="0"/>
+            <a:t>: Check </a:t>
+          </a:r>
+          <a:r>
+            <a:rPr lang="de-DE" dirty="0" err="1"/>
+            <a:t>for</a:t>
+          </a:r>
+          <a:r>
+            <a:rPr lang="de-DE" dirty="0"/>
+            <a:t> </a:t>
+          </a:r>
+          <a:r>
+            <a:rPr lang="de-DE" dirty="0" err="1"/>
+            <a:t>empty</a:t>
+          </a:r>
+          <a:r>
+            <a:rPr lang="de-DE" dirty="0"/>
+            <a:t> </a:t>
+          </a:r>
+          <a:r>
+            <a:rPr lang="de-DE" dirty="0" err="1"/>
+            <a:t>clusters</a:t>
+          </a:r>
+          <a:r>
+            <a:rPr lang="de-DE" dirty="0"/>
+            <a:t> </a:t>
+          </a:r>
+          <a:r>
+            <a:rPr lang="de-DE" dirty="0" err="1"/>
+            <a:t>when</a:t>
+          </a:r>
+          <a:r>
+            <a:rPr lang="de-DE" dirty="0"/>
+            <a:t> </a:t>
+          </a:r>
+          <a:r>
+            <a:rPr lang="de-DE" dirty="0" err="1"/>
+            <a:t>using</a:t>
+          </a:r>
+          <a:r>
+            <a:rPr lang="de-DE" dirty="0"/>
+            <a:t> </a:t>
+          </a:r>
+          <a:r>
+            <a:rPr lang="de-DE" dirty="0" err="1"/>
+            <a:t>randomly</a:t>
+          </a:r>
+          <a:r>
+            <a:rPr lang="de-DE" dirty="0"/>
+            <a:t> </a:t>
+          </a:r>
+          <a:r>
+            <a:rPr lang="de-DE" dirty="0" err="1"/>
+            <a:t>generated</a:t>
+          </a:r>
+          <a:r>
+            <a:rPr lang="de-DE" dirty="0"/>
+            <a:t> </a:t>
+          </a:r>
+          <a:r>
+            <a:rPr lang="de-DE" dirty="0" err="1"/>
+            <a:t>centroids</a:t>
+          </a:r>
+          <a:endParaRPr lang="en-DE" dirty="0"/>
+        </a:p>
+      </dgm:t>
+    </dgm:pt>
+    <dgm:pt modelId="{6262ABB3-616B-4CCB-ACC2-B6736B6FC544}" type="parTrans" cxnId="{4C0C9547-D92C-4FE5-AEF8-4D155B1B3A09}">
+      <dgm:prSet/>
+      <dgm:spPr/>
+      <dgm:t>
+        <a:bodyPr/>
+        <a:lstStyle/>
+        <a:p>
+          <a:endParaRPr lang="en-DE"/>
+        </a:p>
+      </dgm:t>
+    </dgm:pt>
+    <dgm:pt modelId="{25335FD3-91DE-4507-8B4F-EE900B10DE63}" type="sibTrans" cxnId="{4C0C9547-D92C-4FE5-AEF8-4D155B1B3A09}">
+      <dgm:prSet/>
+      <dgm:spPr/>
+      <dgm:t>
+        <a:bodyPr/>
+        <a:lstStyle/>
+        <a:p>
+          <a:endParaRPr lang="en-DE"/>
+        </a:p>
+      </dgm:t>
+    </dgm:pt>
+    <dgm:pt modelId="{050ED497-CA01-4983-A73D-5165000EBC65}">
+      <dgm:prSet phldrT="[Text]"/>
+      <dgm:spPr/>
+      <dgm:t>
+        <a:bodyPr/>
+        <a:lstStyle/>
+        <a:p>
+          <a:r>
+            <a:rPr lang="de-DE" dirty="0"/>
+            <a:t>Pick </a:t>
+          </a:r>
+          <a:r>
+            <a:rPr lang="de-DE" dirty="0" err="1"/>
+            <a:t>random</a:t>
+          </a:r>
+          <a:r>
+            <a:rPr lang="de-DE" dirty="0"/>
+            <a:t> </a:t>
+          </a:r>
+          <a:r>
+            <a:rPr lang="de-DE" dirty="0" err="1"/>
+            <a:t>cells</a:t>
+          </a:r>
+          <a:r>
+            <a:rPr lang="de-DE" dirty="0"/>
+            <a:t> / </a:t>
+          </a:r>
+          <a:r>
+            <a:rPr lang="de-DE" dirty="0" err="1"/>
+            <a:t>generate</a:t>
+          </a:r>
+          <a:r>
+            <a:rPr lang="de-DE" dirty="0"/>
+            <a:t> </a:t>
+          </a:r>
+          <a:r>
+            <a:rPr lang="de-DE" dirty="0" err="1"/>
+            <a:t>random</a:t>
+          </a:r>
+          <a:endParaRPr lang="en-DE" dirty="0"/>
+        </a:p>
+      </dgm:t>
+    </dgm:pt>
+    <dgm:pt modelId="{E7FD4841-E15E-4D9E-A057-7978BBC225C9}" type="parTrans" cxnId="{F86FA30E-565C-4723-817C-5E7C0D0D39B3}">
+      <dgm:prSet/>
+      <dgm:spPr/>
+      <dgm:t>
+        <a:bodyPr/>
+        <a:lstStyle/>
+        <a:p>
+          <a:endParaRPr lang="en-DE"/>
+        </a:p>
+      </dgm:t>
+    </dgm:pt>
+    <dgm:pt modelId="{6D083CF4-C008-41DF-828F-5ECBF561C88D}" type="sibTrans" cxnId="{F86FA30E-565C-4723-817C-5E7C0D0D39B3}">
+      <dgm:prSet/>
+      <dgm:spPr/>
+      <dgm:t>
+        <a:bodyPr/>
+        <a:lstStyle/>
+        <a:p>
+          <a:endParaRPr lang="en-DE"/>
+        </a:p>
+      </dgm:t>
+    </dgm:pt>
+    <dgm:pt modelId="{88E43DCF-EE62-409C-8D7B-D5DF943DD26B}">
+      <dgm:prSet phldrT="[Text]"/>
+      <dgm:spPr/>
+      <dgm:t>
+        <a:bodyPr/>
+        <a:lstStyle/>
+        <a:p>
+          <a:r>
+            <a:rPr lang="de-DE" dirty="0"/>
+            <a:t>2D / 3D</a:t>
+          </a:r>
+          <a:endParaRPr lang="en-DE" dirty="0"/>
+        </a:p>
+      </dgm:t>
+    </dgm:pt>
+    <dgm:pt modelId="{49344055-9FA6-42EA-A7F1-5844EE4E651A}" type="parTrans" cxnId="{64BCC44D-5928-48DD-B3CD-CCF576BA578A}">
+      <dgm:prSet/>
+      <dgm:spPr/>
+      <dgm:t>
+        <a:bodyPr/>
+        <a:lstStyle/>
+        <a:p>
+          <a:endParaRPr lang="en-DE"/>
+        </a:p>
+      </dgm:t>
+    </dgm:pt>
+    <dgm:pt modelId="{B3F1E4A9-07A5-42E8-9388-7C7D5B880233}" type="sibTrans" cxnId="{64BCC44D-5928-48DD-B3CD-CCF576BA578A}">
+      <dgm:prSet/>
+      <dgm:spPr/>
+      <dgm:t>
+        <a:bodyPr/>
+        <a:lstStyle/>
+        <a:p>
+          <a:endParaRPr lang="en-DE"/>
+        </a:p>
+      </dgm:t>
+    </dgm:pt>
+    <dgm:pt modelId="{898CCEB4-3101-4D8F-85D3-D10078CA3779}" type="pres">
+      <dgm:prSet presAssocID="{09481894-23FF-4B52-BBEC-F7E6A9AB3930}" presName="linearFlow" presStyleCnt="0">
+        <dgm:presLayoutVars>
+          <dgm:dir/>
+          <dgm:animLvl val="lvl"/>
+          <dgm:resizeHandles val="exact"/>
+        </dgm:presLayoutVars>
+      </dgm:prSet>
+      <dgm:spPr/>
+    </dgm:pt>
+    <dgm:pt modelId="{AFD0EADE-7EC1-4608-A8BA-F4E20EFF6FF2}" type="pres">
+      <dgm:prSet presAssocID="{BEBFC53E-58FF-4811-8DAD-5C92E97FC168}" presName="composite" presStyleCnt="0"/>
+      <dgm:spPr/>
+    </dgm:pt>
+    <dgm:pt modelId="{CCE4F5B3-FB1A-4143-ABAB-D43D35563ABB}" type="pres">
+      <dgm:prSet presAssocID="{BEBFC53E-58FF-4811-8DAD-5C92E97FC168}" presName="parentText" presStyleLbl="alignNode1" presStyleIdx="0" presStyleCnt="4" custLinFactNeighborX="970">
+        <dgm:presLayoutVars>
+          <dgm:chMax val="1"/>
+          <dgm:bulletEnabled val="1"/>
+        </dgm:presLayoutVars>
+      </dgm:prSet>
+      <dgm:spPr/>
+    </dgm:pt>
+    <dgm:pt modelId="{D95776BF-4FEA-40CE-9F92-60BCA921EFD4}" type="pres">
+      <dgm:prSet presAssocID="{BEBFC53E-58FF-4811-8DAD-5C92E97FC168}" presName="descendantText" presStyleLbl="alignAcc1" presStyleIdx="0" presStyleCnt="4" custLinFactNeighborX="120">
+        <dgm:presLayoutVars>
+          <dgm:bulletEnabled val="1"/>
+        </dgm:presLayoutVars>
+      </dgm:prSet>
+      <dgm:spPr/>
+    </dgm:pt>
+    <dgm:pt modelId="{96E0A20F-F6A2-4E3D-980B-A9DE6F94566E}" type="pres">
+      <dgm:prSet presAssocID="{EF3049EE-1A84-47E2-9F95-4C8EBCE3E309}" presName="sp" presStyleCnt="0"/>
+      <dgm:spPr/>
+    </dgm:pt>
+    <dgm:pt modelId="{C15B8E2A-C1D7-4091-907C-437576B24518}" type="pres">
+      <dgm:prSet presAssocID="{E895023C-E38B-4E5B-9FC1-E6944A3FBEC5}" presName="composite" presStyleCnt="0"/>
+      <dgm:spPr/>
+    </dgm:pt>
+    <dgm:pt modelId="{2C6E34EA-B99F-4B02-9ECC-6F7BDBCD64E6}" type="pres">
+      <dgm:prSet presAssocID="{E895023C-E38B-4E5B-9FC1-E6944A3FBEC5}" presName="parentText" presStyleLbl="alignNode1" presStyleIdx="1" presStyleCnt="4" custLinFactNeighborX="970" custLinFactNeighborY="0">
+        <dgm:presLayoutVars>
+          <dgm:chMax val="1"/>
+          <dgm:bulletEnabled val="1"/>
+        </dgm:presLayoutVars>
+      </dgm:prSet>
+      <dgm:spPr/>
+    </dgm:pt>
+    <dgm:pt modelId="{D7FE1531-C632-433A-9CE7-0A10F91409D0}" type="pres">
+      <dgm:prSet presAssocID="{E895023C-E38B-4E5B-9FC1-E6944A3FBEC5}" presName="descendantText" presStyleLbl="alignAcc1" presStyleIdx="1" presStyleCnt="4" custLinFactNeighborX="0" custLinFactNeighborY="0">
+        <dgm:presLayoutVars>
+          <dgm:bulletEnabled val="1"/>
+        </dgm:presLayoutVars>
+      </dgm:prSet>
+      <dgm:spPr/>
+    </dgm:pt>
+    <dgm:pt modelId="{02BC07E9-F636-4F54-823C-33130F674D74}" type="pres">
+      <dgm:prSet presAssocID="{2DE50391-13DB-4564-80F2-0648447ECECC}" presName="sp" presStyleCnt="0"/>
+      <dgm:spPr/>
+    </dgm:pt>
+    <dgm:pt modelId="{4F429B73-D862-41E4-B977-9D2840E59F43}" type="pres">
+      <dgm:prSet presAssocID="{6E36E47C-C0C4-4CC3-B453-CA31A64185B3}" presName="composite" presStyleCnt="0"/>
+      <dgm:spPr/>
+    </dgm:pt>
+    <dgm:pt modelId="{788C0808-BFE2-4EA0-9D8C-5047A3AD597A}" type="pres">
+      <dgm:prSet presAssocID="{6E36E47C-C0C4-4CC3-B453-CA31A64185B3}" presName="parentText" presStyleLbl="alignNode1" presStyleIdx="2" presStyleCnt="4">
+        <dgm:presLayoutVars>
+          <dgm:chMax val="1"/>
+          <dgm:bulletEnabled val="1"/>
+        </dgm:presLayoutVars>
+      </dgm:prSet>
+      <dgm:spPr/>
+    </dgm:pt>
+    <dgm:pt modelId="{C9EBB32B-AAD8-45DE-B2C2-05BF56180906}" type="pres">
+      <dgm:prSet presAssocID="{6E36E47C-C0C4-4CC3-B453-CA31A64185B3}" presName="descendantText" presStyleLbl="alignAcc1" presStyleIdx="2" presStyleCnt="4" custLinFactNeighborX="0" custLinFactNeighborY="0">
+        <dgm:presLayoutVars>
+          <dgm:bulletEnabled val="1"/>
+        </dgm:presLayoutVars>
+      </dgm:prSet>
+      <dgm:spPr/>
+    </dgm:pt>
+    <dgm:pt modelId="{4EAAD9D8-26B5-4C82-ABE9-2686DD1FDB90}" type="pres">
+      <dgm:prSet presAssocID="{B81F67C4-B054-4324-B6BE-962E462A063A}" presName="sp" presStyleCnt="0"/>
+      <dgm:spPr/>
+    </dgm:pt>
+    <dgm:pt modelId="{0AB66936-70C2-4790-804E-BCAF3486942C}" type="pres">
+      <dgm:prSet presAssocID="{E44AC077-D4DA-423B-B031-88AEA440ECC3}" presName="composite" presStyleCnt="0"/>
+      <dgm:spPr/>
+    </dgm:pt>
+    <dgm:pt modelId="{7EBB6687-D421-43EF-9F78-82CA25F96FE6}" type="pres">
+      <dgm:prSet presAssocID="{E44AC077-D4DA-423B-B031-88AEA440ECC3}" presName="parentText" presStyleLbl="alignNode1" presStyleIdx="3" presStyleCnt="4">
+        <dgm:presLayoutVars>
+          <dgm:chMax val="1"/>
+          <dgm:bulletEnabled val="1"/>
+        </dgm:presLayoutVars>
+      </dgm:prSet>
+      <dgm:spPr/>
+    </dgm:pt>
+    <dgm:pt modelId="{2E687C8E-E2B5-40E0-B665-A7A6643B7CE5}" type="pres">
+      <dgm:prSet presAssocID="{E44AC077-D4DA-423B-B031-88AEA440ECC3}" presName="descendantText" presStyleLbl="alignAcc1" presStyleIdx="3" presStyleCnt="4">
+        <dgm:presLayoutVars>
+          <dgm:bulletEnabled val="1"/>
+        </dgm:presLayoutVars>
+      </dgm:prSet>
+      <dgm:spPr/>
+    </dgm:pt>
+  </dgm:ptLst>
+  <dgm:cxnLst>
+    <dgm:cxn modelId="{80A6DB02-DD58-4963-97AA-5CFC616F9170}" type="presOf" srcId="{E895023C-E38B-4E5B-9FC1-E6944A3FBEC5}" destId="{2C6E34EA-B99F-4B02-9ECC-6F7BDBCD64E6}" srcOrd="0" destOrd="0" presId="urn:microsoft.com/office/officeart/2005/8/layout/chevron2"/>
+    <dgm:cxn modelId="{F86FA30E-565C-4723-817C-5E7C0D0D39B3}" srcId="{BEBFC53E-58FF-4811-8DAD-5C92E97FC168}" destId="{050ED497-CA01-4983-A73D-5165000EBC65}" srcOrd="1" destOrd="0" parTransId="{E7FD4841-E15E-4D9E-A057-7978BBC225C9}" sibTransId="{6D083CF4-C008-41DF-828F-5ECBF561C88D}"/>
+    <dgm:cxn modelId="{3D3A5B16-CC48-461F-B041-69FFA75030AE}" srcId="{6E36E47C-C0C4-4CC3-B453-CA31A64185B3}" destId="{63AF5507-7CF8-441B-B1EE-9601D55C4785}" srcOrd="0" destOrd="0" parTransId="{C6DD79E9-B97F-4216-B671-760E70B3C985}" sibTransId="{1E6A83CF-1297-4CBB-9CD8-DB088BE5A981}"/>
+    <dgm:cxn modelId="{29B0625B-301B-4009-87B7-1CBADED23850}" type="presOf" srcId="{63AF5507-7CF8-441B-B1EE-9601D55C4785}" destId="{C9EBB32B-AAD8-45DE-B2C2-05BF56180906}" srcOrd="0" destOrd="0" presId="urn:microsoft.com/office/officeart/2005/8/layout/chevron2"/>
+    <dgm:cxn modelId="{C1A3D35B-C7A8-4ECE-BE64-FA4A871D3861}" type="presOf" srcId="{BEBFC53E-58FF-4811-8DAD-5C92E97FC168}" destId="{CCE4F5B3-FB1A-4143-ABAB-D43D35563ABB}" srcOrd="0" destOrd="0" presId="urn:microsoft.com/office/officeart/2005/8/layout/chevron2"/>
+    <dgm:cxn modelId="{4C0C9547-D92C-4FE5-AEF8-4D155B1B3A09}" srcId="{E895023C-E38B-4E5B-9FC1-E6944A3FBEC5}" destId="{3FAAD9A0-8E3D-4E40-A930-8DD39CAF40AD}" srcOrd="1" destOrd="0" parTransId="{6262ABB3-616B-4CCB-ACC2-B6736B6FC544}" sibTransId="{25335FD3-91DE-4507-8B4F-EE900B10DE63}"/>
+    <dgm:cxn modelId="{79183A4C-5030-4914-8196-DB23C18E0BF8}" srcId="{09481894-23FF-4B52-BBEC-F7E6A9AB3930}" destId="{E895023C-E38B-4E5B-9FC1-E6944A3FBEC5}" srcOrd="1" destOrd="0" parTransId="{012DF54D-A1C3-4F5D-9213-D6D52206ABEA}" sibTransId="{2DE50391-13DB-4564-80F2-0648447ECECC}"/>
+    <dgm:cxn modelId="{64BCC44D-5928-48DD-B3CD-CCF576BA578A}" srcId="{E44AC077-D4DA-423B-B031-88AEA440ECC3}" destId="{88E43DCF-EE62-409C-8D7B-D5DF943DD26B}" srcOrd="0" destOrd="0" parTransId="{49344055-9FA6-42EA-A7F1-5844EE4E651A}" sibTransId="{B3F1E4A9-07A5-42E8-9388-7C7D5B880233}"/>
+    <dgm:cxn modelId="{B828F650-EF9A-49B5-803D-8BC2070FB9E5}" srcId="{09481894-23FF-4B52-BBEC-F7E6A9AB3930}" destId="{6E36E47C-C0C4-4CC3-B453-CA31A64185B3}" srcOrd="2" destOrd="0" parTransId="{F4319864-7606-4050-8479-7D05E8D930DC}" sibTransId="{B81F67C4-B054-4324-B6BE-962E462A063A}"/>
+    <dgm:cxn modelId="{CF94237B-0FB2-4C9D-A103-6AE88A6F3337}" type="presOf" srcId="{8D21A3EF-ABA3-4AA4-91E5-85975929B986}" destId="{D7FE1531-C632-433A-9CE7-0A10F91409D0}" srcOrd="0" destOrd="0" presId="urn:microsoft.com/office/officeart/2005/8/layout/chevron2"/>
+    <dgm:cxn modelId="{9F317A7C-2BB8-46CC-B5FD-6A41656AEB23}" type="presOf" srcId="{E44AC077-D4DA-423B-B031-88AEA440ECC3}" destId="{7EBB6687-D421-43EF-9F78-82CA25F96FE6}" srcOrd="0" destOrd="0" presId="urn:microsoft.com/office/officeart/2005/8/layout/chevron2"/>
+    <dgm:cxn modelId="{0613F28A-0810-47EC-9302-FC8874E4013F}" type="presOf" srcId="{57AF3558-501E-4D96-80D3-9EE102932852}" destId="{D95776BF-4FEA-40CE-9F92-60BCA921EFD4}" srcOrd="0" destOrd="0" presId="urn:microsoft.com/office/officeart/2005/8/layout/chevron2"/>
+    <dgm:cxn modelId="{0F2E9193-D7F3-4E0D-99FE-722DF21A2090}" type="presOf" srcId="{88E43DCF-EE62-409C-8D7B-D5DF943DD26B}" destId="{2E687C8E-E2B5-40E0-B665-A7A6643B7CE5}" srcOrd="0" destOrd="0" presId="urn:microsoft.com/office/officeart/2005/8/layout/chevron2"/>
+    <dgm:cxn modelId="{5DBB6497-0E56-4A11-AD0D-A4512DD515DD}" type="presOf" srcId="{09481894-23FF-4B52-BBEC-F7E6A9AB3930}" destId="{898CCEB4-3101-4D8F-85D3-D10078CA3779}" srcOrd="0" destOrd="0" presId="urn:microsoft.com/office/officeart/2005/8/layout/chevron2"/>
+    <dgm:cxn modelId="{8BBC2FB4-50E0-4850-93CB-335814457439}" type="presOf" srcId="{6E36E47C-C0C4-4CC3-B453-CA31A64185B3}" destId="{788C0808-BFE2-4EA0-9D8C-5047A3AD597A}" srcOrd="0" destOrd="0" presId="urn:microsoft.com/office/officeart/2005/8/layout/chevron2"/>
+    <dgm:cxn modelId="{C5CF50C9-E752-4589-AD37-ECC03094FDEC}" srcId="{BEBFC53E-58FF-4811-8DAD-5C92E97FC168}" destId="{57AF3558-501E-4D96-80D3-9EE102932852}" srcOrd="0" destOrd="0" parTransId="{46E3533E-9300-4616-8A73-49B44F38B37F}" sibTransId="{99B03010-A0D2-47BD-BA19-C696D068649E}"/>
+    <dgm:cxn modelId="{BAAC46D3-5A61-4D94-817A-1C69949A612D}" type="presOf" srcId="{3FAAD9A0-8E3D-4E40-A930-8DD39CAF40AD}" destId="{D7FE1531-C632-433A-9CE7-0A10F91409D0}" srcOrd="0" destOrd="1" presId="urn:microsoft.com/office/officeart/2005/8/layout/chevron2"/>
+    <dgm:cxn modelId="{968FBED7-2C86-41BF-8CBE-FA1F7FDF38E2}" srcId="{09481894-23FF-4B52-BBEC-F7E6A9AB3930}" destId="{E44AC077-D4DA-423B-B031-88AEA440ECC3}" srcOrd="3" destOrd="0" parTransId="{51EDA0CE-15AA-42CC-9EF7-95FA9FE972C4}" sibTransId="{F64349B1-DBA6-4EFD-AC88-CC39BBB141DE}"/>
+    <dgm:cxn modelId="{8B93DEF1-0FB2-4B69-882B-1287341C2A16}" type="presOf" srcId="{050ED497-CA01-4983-A73D-5165000EBC65}" destId="{D95776BF-4FEA-40CE-9F92-60BCA921EFD4}" srcOrd="0" destOrd="1" presId="urn:microsoft.com/office/officeart/2005/8/layout/chevron2"/>
+    <dgm:cxn modelId="{786726FA-EACC-4793-B4D0-AADEC9B98F7B}" srcId="{E895023C-E38B-4E5B-9FC1-E6944A3FBEC5}" destId="{8D21A3EF-ABA3-4AA4-91E5-85975929B986}" srcOrd="0" destOrd="0" parTransId="{DE2CA92A-DB24-4E1C-9AFA-F5E3723854EC}" sibTransId="{79B81AC2-2D6F-4803-90E4-C8B7687A2FC9}"/>
+    <dgm:cxn modelId="{430C2DFD-6494-4DF6-A867-5B481840FA69}" srcId="{09481894-23FF-4B52-BBEC-F7E6A9AB3930}" destId="{BEBFC53E-58FF-4811-8DAD-5C92E97FC168}" srcOrd="0" destOrd="0" parTransId="{F4FAAF42-21F8-4148-94A4-BB6085E51CA7}" sibTransId="{EF3049EE-1A84-47E2-9F95-4C8EBCE3E309}"/>
+    <dgm:cxn modelId="{91EF28E4-E678-4EDD-843E-1B6ECED692B7}" type="presParOf" srcId="{898CCEB4-3101-4D8F-85D3-D10078CA3779}" destId="{AFD0EADE-7EC1-4608-A8BA-F4E20EFF6FF2}" srcOrd="0" destOrd="0" presId="urn:microsoft.com/office/officeart/2005/8/layout/chevron2"/>
+    <dgm:cxn modelId="{95AE2880-FFB5-45F4-8332-45D62AA10820}" type="presParOf" srcId="{AFD0EADE-7EC1-4608-A8BA-F4E20EFF6FF2}" destId="{CCE4F5B3-FB1A-4143-ABAB-D43D35563ABB}" srcOrd="0" destOrd="0" presId="urn:microsoft.com/office/officeart/2005/8/layout/chevron2"/>
+    <dgm:cxn modelId="{3F804276-E1DD-44B4-A071-7967F94BACBB}" type="presParOf" srcId="{AFD0EADE-7EC1-4608-A8BA-F4E20EFF6FF2}" destId="{D95776BF-4FEA-40CE-9F92-60BCA921EFD4}" srcOrd="1" destOrd="0" presId="urn:microsoft.com/office/officeart/2005/8/layout/chevron2"/>
+    <dgm:cxn modelId="{2E49829F-9EB0-4BF1-AA98-C1FB7B56BE95}" type="presParOf" srcId="{898CCEB4-3101-4D8F-85D3-D10078CA3779}" destId="{96E0A20F-F6A2-4E3D-980B-A9DE6F94566E}" srcOrd="1" destOrd="0" presId="urn:microsoft.com/office/officeart/2005/8/layout/chevron2"/>
+    <dgm:cxn modelId="{E05973C5-80E1-4EE4-9A43-419F2A03A1F9}" type="presParOf" srcId="{898CCEB4-3101-4D8F-85D3-D10078CA3779}" destId="{C15B8E2A-C1D7-4091-907C-437576B24518}" srcOrd="2" destOrd="0" presId="urn:microsoft.com/office/officeart/2005/8/layout/chevron2"/>
+    <dgm:cxn modelId="{A915A4A1-352D-486B-8211-AE573D35182A}" type="presParOf" srcId="{C15B8E2A-C1D7-4091-907C-437576B24518}" destId="{2C6E34EA-B99F-4B02-9ECC-6F7BDBCD64E6}" srcOrd="0" destOrd="0" presId="urn:microsoft.com/office/officeart/2005/8/layout/chevron2"/>
+    <dgm:cxn modelId="{EBBF1FC6-5A76-4CAD-94AA-42DB965ED874}" type="presParOf" srcId="{C15B8E2A-C1D7-4091-907C-437576B24518}" destId="{D7FE1531-C632-433A-9CE7-0A10F91409D0}" srcOrd="1" destOrd="0" presId="urn:microsoft.com/office/officeart/2005/8/layout/chevron2"/>
+    <dgm:cxn modelId="{B538F338-044A-42BA-BB98-FC084B7DF22D}" type="presParOf" srcId="{898CCEB4-3101-4D8F-85D3-D10078CA3779}" destId="{02BC07E9-F636-4F54-823C-33130F674D74}" srcOrd="3" destOrd="0" presId="urn:microsoft.com/office/officeart/2005/8/layout/chevron2"/>
+    <dgm:cxn modelId="{5CE024C5-2311-4301-A65A-02C7DCF288B7}" type="presParOf" srcId="{898CCEB4-3101-4D8F-85D3-D10078CA3779}" destId="{4F429B73-D862-41E4-B977-9D2840E59F43}" srcOrd="4" destOrd="0" presId="urn:microsoft.com/office/officeart/2005/8/layout/chevron2"/>
+    <dgm:cxn modelId="{2A83D4D0-A8F4-4680-926D-C85771B163A4}" type="presParOf" srcId="{4F429B73-D862-41E4-B977-9D2840E59F43}" destId="{788C0808-BFE2-4EA0-9D8C-5047A3AD597A}" srcOrd="0" destOrd="0" presId="urn:microsoft.com/office/officeart/2005/8/layout/chevron2"/>
+    <dgm:cxn modelId="{09EFC7FA-2C12-4FEB-8F1E-93A9B82C3E5E}" type="presParOf" srcId="{4F429B73-D862-41E4-B977-9D2840E59F43}" destId="{C9EBB32B-AAD8-45DE-B2C2-05BF56180906}" srcOrd="1" destOrd="0" presId="urn:microsoft.com/office/officeart/2005/8/layout/chevron2"/>
+    <dgm:cxn modelId="{24A9E34D-AD11-48DE-A9AA-89C34418F3F1}" type="presParOf" srcId="{898CCEB4-3101-4D8F-85D3-D10078CA3779}" destId="{4EAAD9D8-26B5-4C82-ABE9-2686DD1FDB90}" srcOrd="5" destOrd="0" presId="urn:microsoft.com/office/officeart/2005/8/layout/chevron2"/>
+    <dgm:cxn modelId="{10F25A5C-8C45-4A0C-B000-87783D9D60EA}" type="presParOf" srcId="{898CCEB4-3101-4D8F-85D3-D10078CA3779}" destId="{0AB66936-70C2-4790-804E-BCAF3486942C}" srcOrd="6" destOrd="0" presId="urn:microsoft.com/office/officeart/2005/8/layout/chevron2"/>
+    <dgm:cxn modelId="{63BABF76-F26D-44E3-AE3F-D4BC31FC8527}" type="presParOf" srcId="{0AB66936-70C2-4790-804E-BCAF3486942C}" destId="{7EBB6687-D421-43EF-9F78-82CA25F96FE6}" srcOrd="0" destOrd="0" presId="urn:microsoft.com/office/officeart/2005/8/layout/chevron2"/>
+    <dgm:cxn modelId="{72398EDE-E1D4-4F7F-A6C9-DDFF185C7DC1}" type="presParOf" srcId="{0AB66936-70C2-4790-804E-BCAF3486942C}" destId="{2E687C8E-E2B5-40E0-B665-A7A6643B7CE5}" srcOrd="1" destOrd="0" presId="urn:microsoft.com/office/officeart/2005/8/layout/chevron2"/>
+  </dgm:cxnLst>
+  <dgm:bg/>
+  <dgm:whole/>
+  <dgm:extLst>
+    <a:ext uri="http://schemas.microsoft.com/office/drawing/2008/diagram">
+      <dsp:dataModelExt xmlns:dsp="http://schemas.microsoft.com/office/drawing/2008/diagram" relId="rId6" minVer="http://schemas.openxmlformats.org/drawingml/2006/diagram"/>
+    </a:ext>
+  </dgm:extLst>
+</dgm:dataModel>
+</file>
+
 <file path=ppt/diagrams/drawing1.xml><?xml version="1.0" encoding="utf-8"?>
 <dsp:drawing xmlns:dgm="http://schemas.openxmlformats.org/drawingml/2006/diagram" xmlns:dsp="http://schemas.microsoft.com/office/drawing/2008/diagram" xmlns:a="http://schemas.openxmlformats.org/drawingml/2006/main">
   <dsp:spTree>
@@ -2519,6 +5409,1242 @@
       <dsp:txXfrm>
         <a:off x="4800600" y="469792"/>
         <a:ext cx="4800600" cy="398793"/>
+      </dsp:txXfrm>
+    </dsp:sp>
+  </dsp:spTree>
+</dsp:drawing>
+</file>
+
+<file path=ppt/diagrams/drawing2.xml><?xml version="1.0" encoding="utf-8"?>
+<dsp:drawing xmlns:dgm="http://schemas.openxmlformats.org/drawingml/2006/diagram" xmlns:dsp="http://schemas.microsoft.com/office/drawing/2008/diagram" xmlns:a="http://schemas.openxmlformats.org/drawingml/2006/main">
+  <dsp:spTree>
+    <dsp:nvGrpSpPr>
+      <dsp:cNvPr id="0" name=""/>
+      <dsp:cNvGrpSpPr/>
+    </dsp:nvGrpSpPr>
+    <dsp:grpSpPr/>
+    <dsp:sp modelId="{B9764DF7-0FF2-4963-8555-66CCB71B22EA}">
+      <dsp:nvSpPr>
+        <dsp:cNvPr id="0" name=""/>
+        <dsp:cNvSpPr/>
+      </dsp:nvSpPr>
+      <dsp:spPr>
+        <a:xfrm>
+          <a:off x="2812" y="1105301"/>
+          <a:ext cx="3426990" cy="1370796"/>
+        </a:xfrm>
+        <a:prstGeom prst="chevron">
+          <a:avLst/>
+        </a:prstGeom>
+        <a:solidFill>
+          <a:schemeClr val="accent2">
+            <a:hueOff val="0"/>
+            <a:satOff val="0"/>
+            <a:lumOff val="0"/>
+            <a:alphaOff val="0"/>
+          </a:schemeClr>
+        </a:solidFill>
+        <a:ln w="34925" cap="flat" cmpd="sng" algn="in">
+          <a:solidFill>
+            <a:schemeClr val="lt1">
+              <a:hueOff val="0"/>
+              <a:satOff val="0"/>
+              <a:lumOff val="0"/>
+              <a:alphaOff val="0"/>
+            </a:schemeClr>
+          </a:solidFill>
+          <a:prstDash val="solid"/>
+        </a:ln>
+        <a:effectLst/>
+      </dsp:spPr>
+      <dsp:style>
+        <a:lnRef idx="2">
+          <a:scrgbClr r="0" g="0" b="0"/>
+        </a:lnRef>
+        <a:fillRef idx="1">
+          <a:scrgbClr r="0" g="0" b="0"/>
+        </a:fillRef>
+        <a:effectRef idx="0">
+          <a:scrgbClr r="0" g="0" b="0"/>
+        </a:effectRef>
+        <a:fontRef idx="minor">
+          <a:schemeClr val="lt1"/>
+        </a:fontRef>
+      </dsp:style>
+      <dsp:txBody>
+        <a:bodyPr spcFirstLastPara="0" vert="horz" wrap="square" lIns="188024" tIns="62675" rIns="62675" bIns="62675" numCol="1" spcCol="1270" anchor="ctr" anchorCtr="0">
+          <a:noAutofit/>
+        </a:bodyPr>
+        <a:lstStyle/>
+        <a:p>
+          <a:pPr marL="0" lvl="0" indent="0" algn="ctr" defTabSz="2089150">
+            <a:lnSpc>
+              <a:spcPct val="90000"/>
+            </a:lnSpc>
+            <a:spcBef>
+              <a:spcPct val="0"/>
+            </a:spcBef>
+            <a:spcAft>
+              <a:spcPct val="35000"/>
+            </a:spcAft>
+            <a:buNone/>
+          </a:pPr>
+          <a:r>
+            <a:rPr lang="de-DE" sz="4700" kern="1200" dirty="0"/>
+            <a:t>Import </a:t>
+          </a:r>
+          <a:r>
+            <a:rPr lang="de-DE" sz="4700" kern="1200" dirty="0" err="1"/>
+            <a:t>data</a:t>
+          </a:r>
+          <a:endParaRPr lang="en-DE" sz="4700" kern="1200" dirty="0"/>
+        </a:p>
+      </dsp:txBody>
+      <dsp:txXfrm>
+        <a:off x="688210" y="1105301"/>
+        <a:ext cx="2056194" cy="1370796"/>
+      </dsp:txXfrm>
+    </dsp:sp>
+    <dsp:sp modelId="{2F17BFF4-2F65-436F-8CE9-5D4EC8FFF9BA}">
+      <dsp:nvSpPr>
+        <dsp:cNvPr id="0" name=""/>
+        <dsp:cNvSpPr/>
+      </dsp:nvSpPr>
+      <dsp:spPr>
+        <a:xfrm>
+          <a:off x="3087104" y="1105301"/>
+          <a:ext cx="3426990" cy="1370796"/>
+        </a:xfrm>
+        <a:prstGeom prst="chevron">
+          <a:avLst/>
+        </a:prstGeom>
+        <a:solidFill>
+          <a:schemeClr val="accent3">
+            <a:hueOff val="0"/>
+            <a:satOff val="0"/>
+            <a:lumOff val="0"/>
+            <a:alphaOff val="0"/>
+          </a:schemeClr>
+        </a:solidFill>
+        <a:ln w="34925" cap="flat" cmpd="sng" algn="in">
+          <a:solidFill>
+            <a:schemeClr val="lt1">
+              <a:hueOff val="0"/>
+              <a:satOff val="0"/>
+              <a:lumOff val="0"/>
+              <a:alphaOff val="0"/>
+            </a:schemeClr>
+          </a:solidFill>
+          <a:prstDash val="solid"/>
+        </a:ln>
+        <a:effectLst/>
+      </dsp:spPr>
+      <dsp:style>
+        <a:lnRef idx="2">
+          <a:scrgbClr r="0" g="0" b="0"/>
+        </a:lnRef>
+        <a:fillRef idx="1">
+          <a:scrgbClr r="0" g="0" b="0"/>
+        </a:fillRef>
+        <a:effectRef idx="0">
+          <a:scrgbClr r="0" g="0" b="0"/>
+        </a:effectRef>
+        <a:fontRef idx="minor">
+          <a:schemeClr val="lt1"/>
+        </a:fontRef>
+      </dsp:style>
+      <dsp:txBody>
+        <a:bodyPr spcFirstLastPara="0" vert="horz" wrap="square" lIns="188024" tIns="62675" rIns="62675" bIns="62675" numCol="1" spcCol="1270" anchor="ctr" anchorCtr="0">
+          <a:noAutofit/>
+        </a:bodyPr>
+        <a:lstStyle/>
+        <a:p>
+          <a:pPr marL="0" lvl="0" indent="0" algn="ctr" defTabSz="2089150">
+            <a:lnSpc>
+              <a:spcPct val="90000"/>
+            </a:lnSpc>
+            <a:spcBef>
+              <a:spcPct val="0"/>
+            </a:spcBef>
+            <a:spcAft>
+              <a:spcPct val="35000"/>
+            </a:spcAft>
+            <a:buNone/>
+          </a:pPr>
+          <a:r>
+            <a:rPr lang="de-DE" sz="4700" kern="1200" dirty="0"/>
+            <a:t>Filter </a:t>
+          </a:r>
+          <a:r>
+            <a:rPr lang="de-DE" sz="4700" kern="1200" dirty="0" err="1"/>
+            <a:t>data</a:t>
+          </a:r>
+          <a:endParaRPr lang="en-DE" sz="4700" kern="1200" dirty="0"/>
+        </a:p>
+      </dsp:txBody>
+      <dsp:txXfrm>
+        <a:off x="3772502" y="1105301"/>
+        <a:ext cx="2056194" cy="1370796"/>
+      </dsp:txXfrm>
+    </dsp:sp>
+    <dsp:sp modelId="{0EC03CBB-F69D-47BC-A536-86C089D502D4}">
+      <dsp:nvSpPr>
+        <dsp:cNvPr id="0" name=""/>
+        <dsp:cNvSpPr/>
+      </dsp:nvSpPr>
+      <dsp:spPr>
+        <a:xfrm>
+          <a:off x="6171396" y="1105301"/>
+          <a:ext cx="3426990" cy="1370796"/>
+        </a:xfrm>
+        <a:prstGeom prst="chevron">
+          <a:avLst/>
+        </a:prstGeom>
+        <a:solidFill>
+          <a:schemeClr val="accent4">
+            <a:hueOff val="0"/>
+            <a:satOff val="0"/>
+            <a:lumOff val="0"/>
+            <a:alphaOff val="0"/>
+          </a:schemeClr>
+        </a:solidFill>
+        <a:ln w="34925" cap="flat" cmpd="sng" algn="in">
+          <a:solidFill>
+            <a:schemeClr val="lt1">
+              <a:hueOff val="0"/>
+              <a:satOff val="0"/>
+              <a:lumOff val="0"/>
+              <a:alphaOff val="0"/>
+            </a:schemeClr>
+          </a:solidFill>
+          <a:prstDash val="solid"/>
+        </a:ln>
+        <a:effectLst/>
+      </dsp:spPr>
+      <dsp:style>
+        <a:lnRef idx="2">
+          <a:scrgbClr r="0" g="0" b="0"/>
+        </a:lnRef>
+        <a:fillRef idx="1">
+          <a:scrgbClr r="0" g="0" b="0"/>
+        </a:fillRef>
+        <a:effectRef idx="0">
+          <a:scrgbClr r="0" g="0" b="0"/>
+        </a:effectRef>
+        <a:fontRef idx="minor">
+          <a:schemeClr val="lt1"/>
+        </a:fontRef>
+      </dsp:style>
+      <dsp:txBody>
+        <a:bodyPr spcFirstLastPara="0" vert="horz" wrap="square" lIns="188024" tIns="62675" rIns="62675" bIns="62675" numCol="1" spcCol="1270" anchor="ctr" anchorCtr="0">
+          <a:noAutofit/>
+        </a:bodyPr>
+        <a:lstStyle/>
+        <a:p>
+          <a:pPr marL="0" lvl="0" indent="0" algn="ctr" defTabSz="2089150">
+            <a:lnSpc>
+              <a:spcPct val="90000"/>
+            </a:lnSpc>
+            <a:spcBef>
+              <a:spcPct val="0"/>
+            </a:spcBef>
+            <a:spcAft>
+              <a:spcPct val="35000"/>
+            </a:spcAft>
+            <a:buNone/>
+          </a:pPr>
+          <a:r>
+            <a:rPr lang="de-DE" sz="4700" kern="1200" dirty="0"/>
+            <a:t>PCA</a:t>
+          </a:r>
+          <a:endParaRPr lang="en-DE" sz="4700" kern="1200" dirty="0"/>
+        </a:p>
+      </dsp:txBody>
+      <dsp:txXfrm>
+        <a:off x="6856794" y="1105301"/>
+        <a:ext cx="2056194" cy="1370796"/>
+      </dsp:txXfrm>
+    </dsp:sp>
+  </dsp:spTree>
+</dsp:drawing>
+</file>
+
+<file path=ppt/diagrams/drawing3.xml><?xml version="1.0" encoding="utf-8"?>
+<dsp:drawing xmlns:dgm="http://schemas.openxmlformats.org/drawingml/2006/diagram" xmlns:dsp="http://schemas.microsoft.com/office/drawing/2008/diagram" xmlns:a="http://schemas.openxmlformats.org/drawingml/2006/main">
+  <dsp:spTree>
+    <dsp:nvGrpSpPr>
+      <dsp:cNvPr id="0" name=""/>
+      <dsp:cNvGrpSpPr/>
+    </dsp:nvGrpSpPr>
+    <dsp:grpSpPr/>
+    <dsp:sp modelId="{CCE4F5B3-FB1A-4143-ABAB-D43D35563ABB}">
+      <dsp:nvSpPr>
+        <dsp:cNvPr id="0" name=""/>
+        <dsp:cNvSpPr/>
+      </dsp:nvSpPr>
+      <dsp:spPr>
+        <a:xfrm rot="5400000">
+          <a:off x="-215609" y="228887"/>
+          <a:ext cx="1505547" cy="1053883"/>
+        </a:xfrm>
+        <a:prstGeom prst="chevron">
+          <a:avLst/>
+        </a:prstGeom>
+        <a:solidFill>
+          <a:schemeClr val="accent2">
+            <a:hueOff val="0"/>
+            <a:satOff val="0"/>
+            <a:lumOff val="0"/>
+            <a:alphaOff val="0"/>
+          </a:schemeClr>
+        </a:solidFill>
+        <a:ln w="34925" cap="flat" cmpd="sng" algn="in">
+          <a:solidFill>
+            <a:schemeClr val="accent2">
+              <a:hueOff val="0"/>
+              <a:satOff val="0"/>
+              <a:lumOff val="0"/>
+              <a:alphaOff val="0"/>
+            </a:schemeClr>
+          </a:solidFill>
+          <a:prstDash val="solid"/>
+        </a:ln>
+        <a:effectLst/>
+      </dsp:spPr>
+      <dsp:style>
+        <a:lnRef idx="2">
+          <a:scrgbClr r="0" g="0" b="0"/>
+        </a:lnRef>
+        <a:fillRef idx="1">
+          <a:scrgbClr r="0" g="0" b="0"/>
+        </a:fillRef>
+        <a:effectRef idx="0">
+          <a:scrgbClr r="0" g="0" b="0"/>
+        </a:effectRef>
+        <a:fontRef idx="minor">
+          <a:schemeClr val="lt1"/>
+        </a:fontRef>
+      </dsp:style>
+      <dsp:txBody>
+        <a:bodyPr spcFirstLastPara="0" vert="horz" wrap="square" lIns="7620" tIns="7620" rIns="7620" bIns="7620" numCol="1" spcCol="1270" anchor="ctr" anchorCtr="0">
+          <a:noAutofit/>
+        </a:bodyPr>
+        <a:lstStyle/>
+        <a:p>
+          <a:pPr marL="0" lvl="0" indent="0" algn="ctr" defTabSz="533400">
+            <a:lnSpc>
+              <a:spcPct val="90000"/>
+            </a:lnSpc>
+            <a:spcBef>
+              <a:spcPct val="0"/>
+            </a:spcBef>
+            <a:spcAft>
+              <a:spcPct val="35000"/>
+            </a:spcAft>
+            <a:buNone/>
+          </a:pPr>
+          <a:r>
+            <a:rPr lang="de-DE" sz="1200" kern="1200" dirty="0" err="1"/>
+            <a:t>Centroid</a:t>
+          </a:r>
+          <a:r>
+            <a:rPr lang="de-DE" sz="1200" kern="1200" dirty="0"/>
+            <a:t> </a:t>
+          </a:r>
+          <a:r>
+            <a:rPr lang="de-DE" sz="1200" kern="1200" dirty="0" err="1"/>
+            <a:t>generation</a:t>
+          </a:r>
+          <a:endParaRPr lang="en-DE" sz="1200" kern="1200" dirty="0"/>
+        </a:p>
+      </dsp:txBody>
+      <dsp:txXfrm rot="-5400000">
+        <a:off x="10224" y="529997"/>
+        <a:ext cx="1053883" cy="451664"/>
+      </dsp:txXfrm>
+    </dsp:sp>
+    <dsp:sp modelId="{D95776BF-4FEA-40CE-9F92-60BCA921EFD4}">
+      <dsp:nvSpPr>
+        <dsp:cNvPr id="0" name=""/>
+        <dsp:cNvSpPr/>
+      </dsp:nvSpPr>
+      <dsp:spPr>
+        <a:xfrm rot="5400000">
+          <a:off x="4838238" y="-3781300"/>
+          <a:ext cx="978605" cy="8547316"/>
+        </a:xfrm>
+        <a:prstGeom prst="round2SameRect">
+          <a:avLst/>
+        </a:prstGeom>
+        <a:solidFill>
+          <a:schemeClr val="lt1">
+            <a:alpha val="90000"/>
+            <a:hueOff val="0"/>
+            <a:satOff val="0"/>
+            <a:lumOff val="0"/>
+            <a:alphaOff val="0"/>
+          </a:schemeClr>
+        </a:solidFill>
+        <a:ln w="34925" cap="flat" cmpd="sng" algn="in">
+          <a:solidFill>
+            <a:schemeClr val="accent2">
+              <a:hueOff val="0"/>
+              <a:satOff val="0"/>
+              <a:lumOff val="0"/>
+              <a:alphaOff val="0"/>
+            </a:schemeClr>
+          </a:solidFill>
+          <a:prstDash val="solid"/>
+        </a:ln>
+        <a:effectLst/>
+      </dsp:spPr>
+      <dsp:style>
+        <a:lnRef idx="2">
+          <a:scrgbClr r="0" g="0" b="0"/>
+        </a:lnRef>
+        <a:fillRef idx="1">
+          <a:scrgbClr r="0" g="0" b="0"/>
+        </a:fillRef>
+        <a:effectRef idx="0">
+          <a:scrgbClr r="0" g="0" b="0"/>
+        </a:effectRef>
+        <a:fontRef idx="minor"/>
+      </dsp:style>
+      <dsp:txBody>
+        <a:bodyPr spcFirstLastPara="0" vert="horz" wrap="square" lIns="142240" tIns="12700" rIns="12700" bIns="12700" numCol="1" spcCol="1270" anchor="ctr" anchorCtr="0">
+          <a:noAutofit/>
+        </a:bodyPr>
+        <a:lstStyle/>
+        <a:p>
+          <a:pPr marL="228600" lvl="1" indent="-228600" algn="l" defTabSz="889000">
+            <a:lnSpc>
+              <a:spcPct val="90000"/>
+            </a:lnSpc>
+            <a:spcBef>
+              <a:spcPct val="0"/>
+            </a:spcBef>
+            <a:spcAft>
+              <a:spcPct val="15000"/>
+            </a:spcAft>
+            <a:buChar char="•"/>
+          </a:pPr>
+          <a:r>
+            <a:rPr lang="de-DE" sz="2000" kern="1200" dirty="0"/>
+            <a:t>Generation </a:t>
+          </a:r>
+          <a:r>
+            <a:rPr lang="de-DE" sz="2000" kern="1200" dirty="0" err="1"/>
+            <a:t>of</a:t>
+          </a:r>
+          <a:r>
+            <a:rPr lang="de-DE" sz="2000" kern="1200" dirty="0"/>
+            <a:t> </a:t>
+          </a:r>
+          <a:r>
+            <a:rPr lang="de-DE" sz="2000" kern="1200" dirty="0" err="1"/>
+            <a:t>start</a:t>
+          </a:r>
+          <a:r>
+            <a:rPr lang="de-DE" sz="2000" kern="1200" dirty="0"/>
+            <a:t> </a:t>
+          </a:r>
+          <a:r>
+            <a:rPr lang="de-DE" sz="2000" kern="1200" dirty="0" err="1"/>
+            <a:t>location</a:t>
+          </a:r>
+          <a:r>
+            <a:rPr lang="de-DE" sz="2000" kern="1200" dirty="0"/>
+            <a:t> </a:t>
+          </a:r>
+          <a:r>
+            <a:rPr lang="de-DE" sz="2000" kern="1200" dirty="0" err="1"/>
+            <a:t>for</a:t>
+          </a:r>
+          <a:r>
+            <a:rPr lang="de-DE" sz="2000" kern="1200" dirty="0"/>
+            <a:t> </a:t>
+          </a:r>
+          <a:r>
+            <a:rPr lang="de-DE" sz="2000" kern="1200" dirty="0" err="1"/>
+            <a:t>the</a:t>
+          </a:r>
+          <a:r>
+            <a:rPr lang="de-DE" sz="2000" kern="1200" dirty="0"/>
+            <a:t> </a:t>
+          </a:r>
+          <a:r>
+            <a:rPr lang="de-DE" sz="2000" kern="1200" dirty="0" err="1"/>
+            <a:t>first</a:t>
+          </a:r>
+          <a:r>
+            <a:rPr lang="de-DE" sz="2000" kern="1200" dirty="0"/>
+            <a:t> </a:t>
+          </a:r>
+          <a:r>
+            <a:rPr lang="de-DE" sz="2000" kern="1200" dirty="0" err="1"/>
+            <a:t>iteration</a:t>
+          </a:r>
+          <a:r>
+            <a:rPr lang="de-DE" sz="2000" kern="1200" dirty="0"/>
+            <a:t> </a:t>
+          </a:r>
+          <a:r>
+            <a:rPr lang="de-DE" sz="2000" kern="1200" dirty="0" err="1"/>
+            <a:t>of</a:t>
+          </a:r>
+          <a:r>
+            <a:rPr lang="de-DE" sz="2000" kern="1200" dirty="0"/>
+            <a:t> </a:t>
+          </a:r>
+          <a:r>
+            <a:rPr lang="de-DE" sz="2000" kern="1200" dirty="0" err="1"/>
+            <a:t>cluster</a:t>
+          </a:r>
+          <a:r>
+            <a:rPr lang="de-DE" sz="2000" kern="1200" dirty="0"/>
+            <a:t> </a:t>
+          </a:r>
+          <a:r>
+            <a:rPr lang="de-DE" sz="2000" kern="1200" dirty="0" err="1"/>
+            <a:t>assignment</a:t>
+          </a:r>
+          <a:endParaRPr lang="en-DE" sz="2000" kern="1200" dirty="0"/>
+        </a:p>
+        <a:p>
+          <a:pPr marL="228600" lvl="1" indent="-228600" algn="l" defTabSz="889000">
+            <a:lnSpc>
+              <a:spcPct val="90000"/>
+            </a:lnSpc>
+            <a:spcBef>
+              <a:spcPct val="0"/>
+            </a:spcBef>
+            <a:spcAft>
+              <a:spcPct val="15000"/>
+            </a:spcAft>
+            <a:buChar char="•"/>
+          </a:pPr>
+          <a:r>
+            <a:rPr lang="de-DE" sz="2000" kern="1200" dirty="0"/>
+            <a:t>Pick </a:t>
+          </a:r>
+          <a:r>
+            <a:rPr lang="de-DE" sz="2000" kern="1200" dirty="0" err="1"/>
+            <a:t>random</a:t>
+          </a:r>
+          <a:r>
+            <a:rPr lang="de-DE" sz="2000" kern="1200" dirty="0"/>
+            <a:t> </a:t>
+          </a:r>
+          <a:r>
+            <a:rPr lang="de-DE" sz="2000" kern="1200" dirty="0" err="1"/>
+            <a:t>cells</a:t>
+          </a:r>
+          <a:r>
+            <a:rPr lang="de-DE" sz="2000" kern="1200" dirty="0"/>
+            <a:t> / </a:t>
+          </a:r>
+          <a:r>
+            <a:rPr lang="de-DE" sz="2000" kern="1200" dirty="0" err="1"/>
+            <a:t>generate</a:t>
+          </a:r>
+          <a:r>
+            <a:rPr lang="de-DE" sz="2000" kern="1200" dirty="0"/>
+            <a:t> </a:t>
+          </a:r>
+          <a:r>
+            <a:rPr lang="de-DE" sz="2000" kern="1200" dirty="0" err="1"/>
+            <a:t>random</a:t>
+          </a:r>
+          <a:endParaRPr lang="en-DE" sz="2000" kern="1200" dirty="0"/>
+        </a:p>
+      </dsp:txBody>
+      <dsp:txXfrm rot="-5400000">
+        <a:off x="1053883" y="50827"/>
+        <a:ext cx="8499544" cy="883061"/>
+      </dsp:txXfrm>
+    </dsp:sp>
+    <dsp:sp modelId="{2C6E34EA-B99F-4B02-9ECC-6F7BDBCD64E6}">
+      <dsp:nvSpPr>
+        <dsp:cNvPr id="0" name=""/>
+        <dsp:cNvSpPr/>
+      </dsp:nvSpPr>
+      <dsp:spPr>
+        <a:xfrm rot="5400000">
+          <a:off x="-215609" y="1590313"/>
+          <a:ext cx="1505547" cy="1053883"/>
+        </a:xfrm>
+        <a:prstGeom prst="chevron">
+          <a:avLst/>
+        </a:prstGeom>
+        <a:solidFill>
+          <a:schemeClr val="accent3">
+            <a:hueOff val="0"/>
+            <a:satOff val="0"/>
+            <a:lumOff val="0"/>
+            <a:alphaOff val="0"/>
+          </a:schemeClr>
+        </a:solidFill>
+        <a:ln w="34925" cap="flat" cmpd="sng" algn="in">
+          <a:solidFill>
+            <a:schemeClr val="accent3">
+              <a:hueOff val="0"/>
+              <a:satOff val="0"/>
+              <a:lumOff val="0"/>
+              <a:alphaOff val="0"/>
+            </a:schemeClr>
+          </a:solidFill>
+          <a:prstDash val="solid"/>
+        </a:ln>
+        <a:effectLst/>
+      </dsp:spPr>
+      <dsp:style>
+        <a:lnRef idx="2">
+          <a:scrgbClr r="0" g="0" b="0"/>
+        </a:lnRef>
+        <a:fillRef idx="1">
+          <a:scrgbClr r="0" g="0" b="0"/>
+        </a:fillRef>
+        <a:effectRef idx="0">
+          <a:scrgbClr r="0" g="0" b="0"/>
+        </a:effectRef>
+        <a:fontRef idx="minor">
+          <a:schemeClr val="lt1"/>
+        </a:fontRef>
+      </dsp:style>
+      <dsp:txBody>
+        <a:bodyPr spcFirstLastPara="0" vert="horz" wrap="square" lIns="7620" tIns="7620" rIns="7620" bIns="7620" numCol="1" spcCol="1270" anchor="ctr" anchorCtr="0">
+          <a:noAutofit/>
+        </a:bodyPr>
+        <a:lstStyle/>
+        <a:p>
+          <a:pPr marL="0" lvl="0" indent="0" algn="ctr" defTabSz="533400">
+            <a:lnSpc>
+              <a:spcPct val="90000"/>
+            </a:lnSpc>
+            <a:spcBef>
+              <a:spcPct val="0"/>
+            </a:spcBef>
+            <a:spcAft>
+              <a:spcPct val="35000"/>
+            </a:spcAft>
+            <a:buNone/>
+          </a:pPr>
+          <a:r>
+            <a:rPr lang="de-DE" sz="1200" kern="1200" dirty="0"/>
+            <a:t>Cluster </a:t>
+          </a:r>
+          <a:r>
+            <a:rPr lang="de-DE" sz="1200" kern="1200" dirty="0" err="1"/>
+            <a:t>assignment</a:t>
+          </a:r>
+          <a:endParaRPr lang="en-DE" sz="1200" kern="1200" dirty="0"/>
+        </a:p>
+      </dsp:txBody>
+      <dsp:txXfrm rot="-5400000">
+        <a:off x="10224" y="1891423"/>
+        <a:ext cx="1053883" cy="451664"/>
+      </dsp:txXfrm>
+    </dsp:sp>
+    <dsp:sp modelId="{D7FE1531-C632-433A-9CE7-0A10F91409D0}">
+      <dsp:nvSpPr>
+        <dsp:cNvPr id="0" name=""/>
+        <dsp:cNvSpPr/>
+      </dsp:nvSpPr>
+      <dsp:spPr>
+        <a:xfrm rot="5400000">
+          <a:off x="4838238" y="-2419873"/>
+          <a:ext cx="978605" cy="8547316"/>
+        </a:xfrm>
+        <a:prstGeom prst="round2SameRect">
+          <a:avLst/>
+        </a:prstGeom>
+        <a:solidFill>
+          <a:schemeClr val="lt1">
+            <a:alpha val="90000"/>
+            <a:hueOff val="0"/>
+            <a:satOff val="0"/>
+            <a:lumOff val="0"/>
+            <a:alphaOff val="0"/>
+          </a:schemeClr>
+        </a:solidFill>
+        <a:ln w="34925" cap="flat" cmpd="sng" algn="in">
+          <a:solidFill>
+            <a:schemeClr val="accent3">
+              <a:hueOff val="0"/>
+              <a:satOff val="0"/>
+              <a:lumOff val="0"/>
+              <a:alphaOff val="0"/>
+            </a:schemeClr>
+          </a:solidFill>
+          <a:prstDash val="solid"/>
+        </a:ln>
+        <a:effectLst/>
+      </dsp:spPr>
+      <dsp:style>
+        <a:lnRef idx="2">
+          <a:scrgbClr r="0" g="0" b="0"/>
+        </a:lnRef>
+        <a:fillRef idx="1">
+          <a:scrgbClr r="0" g="0" b="0"/>
+        </a:fillRef>
+        <a:effectRef idx="0">
+          <a:scrgbClr r="0" g="0" b="0"/>
+        </a:effectRef>
+        <a:fontRef idx="minor"/>
+      </dsp:style>
+      <dsp:txBody>
+        <a:bodyPr spcFirstLastPara="0" vert="horz" wrap="square" lIns="142240" tIns="12700" rIns="12700" bIns="12700" numCol="1" spcCol="1270" anchor="ctr" anchorCtr="0">
+          <a:noAutofit/>
+        </a:bodyPr>
+        <a:lstStyle/>
+        <a:p>
+          <a:pPr marL="228600" lvl="1" indent="-228600" algn="l" defTabSz="889000">
+            <a:lnSpc>
+              <a:spcPct val="90000"/>
+            </a:lnSpc>
+            <a:spcBef>
+              <a:spcPct val="0"/>
+            </a:spcBef>
+            <a:spcAft>
+              <a:spcPct val="15000"/>
+            </a:spcAft>
+            <a:buChar char="•"/>
+          </a:pPr>
+          <a:r>
+            <a:rPr lang="de-DE" sz="2000" kern="1200" dirty="0" err="1"/>
+            <a:t>Assignment</a:t>
+          </a:r>
+          <a:r>
+            <a:rPr lang="de-DE" sz="2000" kern="1200" dirty="0"/>
+            <a:t> </a:t>
+          </a:r>
+          <a:r>
+            <a:rPr lang="de-DE" sz="2000" kern="1200" dirty="0" err="1"/>
+            <a:t>of</a:t>
+          </a:r>
+          <a:r>
+            <a:rPr lang="de-DE" sz="2000" kern="1200" dirty="0"/>
+            <a:t> all PBMC </a:t>
+          </a:r>
+          <a:r>
+            <a:rPr lang="de-DE" sz="2000" kern="1200" dirty="0" err="1"/>
+            <a:t>data</a:t>
+          </a:r>
+          <a:r>
+            <a:rPr lang="de-DE" sz="2000" kern="1200" dirty="0"/>
+            <a:t> ‚</a:t>
+          </a:r>
+          <a:r>
+            <a:rPr lang="de-DE" sz="2000" kern="1200" dirty="0" err="1"/>
+            <a:t>points</a:t>
+          </a:r>
+          <a:r>
+            <a:rPr lang="de-DE" sz="2000" kern="1200" dirty="0"/>
+            <a:t>‘ </a:t>
+          </a:r>
+          <a:r>
+            <a:rPr lang="de-DE" sz="2000" kern="1200" dirty="0" err="1"/>
+            <a:t>to</a:t>
+          </a:r>
+          <a:r>
+            <a:rPr lang="de-DE" sz="2000" kern="1200" dirty="0"/>
+            <a:t> </a:t>
+          </a:r>
+          <a:r>
+            <a:rPr lang="de-DE" sz="2000" kern="1200" dirty="0" err="1"/>
+            <a:t>the</a:t>
+          </a:r>
+          <a:r>
+            <a:rPr lang="de-DE" sz="2000" kern="1200" dirty="0"/>
+            <a:t> </a:t>
+          </a:r>
+          <a:r>
+            <a:rPr lang="de-DE" sz="2000" kern="1200" dirty="0" err="1"/>
+            <a:t>closest</a:t>
+          </a:r>
+          <a:r>
+            <a:rPr lang="de-DE" sz="2000" kern="1200" dirty="0"/>
+            <a:t> </a:t>
+          </a:r>
+          <a:r>
+            <a:rPr lang="de-DE" sz="2000" kern="1200" dirty="0" err="1"/>
+            <a:t>centroid</a:t>
+          </a:r>
+          <a:endParaRPr lang="en-DE" sz="2000" kern="1200" dirty="0"/>
+        </a:p>
+        <a:p>
+          <a:pPr marL="228600" lvl="1" indent="-228600" algn="l" defTabSz="889000">
+            <a:lnSpc>
+              <a:spcPct val="90000"/>
+            </a:lnSpc>
+            <a:spcBef>
+              <a:spcPct val="0"/>
+            </a:spcBef>
+            <a:spcAft>
+              <a:spcPct val="15000"/>
+            </a:spcAft>
+            <a:buChar char="•"/>
+          </a:pPr>
+          <a:r>
+            <a:rPr lang="de-DE" sz="2000" kern="1200" dirty="0"/>
+            <a:t>First </a:t>
+          </a:r>
+          <a:r>
+            <a:rPr lang="de-DE" sz="2000" kern="1200" dirty="0" err="1"/>
+            <a:t>iteration</a:t>
+          </a:r>
+          <a:r>
+            <a:rPr lang="de-DE" sz="2000" kern="1200" dirty="0"/>
+            <a:t>: Check </a:t>
+          </a:r>
+          <a:r>
+            <a:rPr lang="de-DE" sz="2000" kern="1200" dirty="0" err="1"/>
+            <a:t>for</a:t>
+          </a:r>
+          <a:r>
+            <a:rPr lang="de-DE" sz="2000" kern="1200" dirty="0"/>
+            <a:t> </a:t>
+          </a:r>
+          <a:r>
+            <a:rPr lang="de-DE" sz="2000" kern="1200" dirty="0" err="1"/>
+            <a:t>empty</a:t>
+          </a:r>
+          <a:r>
+            <a:rPr lang="de-DE" sz="2000" kern="1200" dirty="0"/>
+            <a:t> </a:t>
+          </a:r>
+          <a:r>
+            <a:rPr lang="de-DE" sz="2000" kern="1200" dirty="0" err="1"/>
+            <a:t>clusters</a:t>
+          </a:r>
+          <a:r>
+            <a:rPr lang="de-DE" sz="2000" kern="1200" dirty="0"/>
+            <a:t> </a:t>
+          </a:r>
+          <a:r>
+            <a:rPr lang="de-DE" sz="2000" kern="1200" dirty="0" err="1"/>
+            <a:t>when</a:t>
+          </a:r>
+          <a:r>
+            <a:rPr lang="de-DE" sz="2000" kern="1200" dirty="0"/>
+            <a:t> </a:t>
+          </a:r>
+          <a:r>
+            <a:rPr lang="de-DE" sz="2000" kern="1200" dirty="0" err="1"/>
+            <a:t>using</a:t>
+          </a:r>
+          <a:r>
+            <a:rPr lang="de-DE" sz="2000" kern="1200" dirty="0"/>
+            <a:t> </a:t>
+          </a:r>
+          <a:r>
+            <a:rPr lang="de-DE" sz="2000" kern="1200" dirty="0" err="1"/>
+            <a:t>randomly</a:t>
+          </a:r>
+          <a:r>
+            <a:rPr lang="de-DE" sz="2000" kern="1200" dirty="0"/>
+            <a:t> </a:t>
+          </a:r>
+          <a:r>
+            <a:rPr lang="de-DE" sz="2000" kern="1200" dirty="0" err="1"/>
+            <a:t>generated</a:t>
+          </a:r>
+          <a:r>
+            <a:rPr lang="de-DE" sz="2000" kern="1200" dirty="0"/>
+            <a:t> </a:t>
+          </a:r>
+          <a:r>
+            <a:rPr lang="de-DE" sz="2000" kern="1200" dirty="0" err="1"/>
+            <a:t>centroids</a:t>
+          </a:r>
+          <a:endParaRPr lang="en-DE" sz="2000" kern="1200" dirty="0"/>
+        </a:p>
+      </dsp:txBody>
+      <dsp:txXfrm rot="-5400000">
+        <a:off x="1053883" y="1412254"/>
+        <a:ext cx="8499544" cy="883061"/>
+      </dsp:txXfrm>
+    </dsp:sp>
+    <dsp:sp modelId="{788C0808-BFE2-4EA0-9D8C-5047A3AD597A}">
+      <dsp:nvSpPr>
+        <dsp:cNvPr id="0" name=""/>
+        <dsp:cNvSpPr/>
+      </dsp:nvSpPr>
+      <dsp:spPr>
+        <a:xfrm rot="5400000">
+          <a:off x="-225832" y="2951740"/>
+          <a:ext cx="1505547" cy="1053883"/>
+        </a:xfrm>
+        <a:prstGeom prst="chevron">
+          <a:avLst/>
+        </a:prstGeom>
+        <a:solidFill>
+          <a:schemeClr val="accent4">
+            <a:hueOff val="0"/>
+            <a:satOff val="0"/>
+            <a:lumOff val="0"/>
+            <a:alphaOff val="0"/>
+          </a:schemeClr>
+        </a:solidFill>
+        <a:ln w="34925" cap="flat" cmpd="sng" algn="in">
+          <a:solidFill>
+            <a:schemeClr val="accent4">
+              <a:hueOff val="0"/>
+              <a:satOff val="0"/>
+              <a:lumOff val="0"/>
+              <a:alphaOff val="0"/>
+            </a:schemeClr>
+          </a:solidFill>
+          <a:prstDash val="solid"/>
+        </a:ln>
+        <a:effectLst/>
+      </dsp:spPr>
+      <dsp:style>
+        <a:lnRef idx="2">
+          <a:scrgbClr r="0" g="0" b="0"/>
+        </a:lnRef>
+        <a:fillRef idx="1">
+          <a:scrgbClr r="0" g="0" b="0"/>
+        </a:fillRef>
+        <a:effectRef idx="0">
+          <a:scrgbClr r="0" g="0" b="0"/>
+        </a:effectRef>
+        <a:fontRef idx="minor">
+          <a:schemeClr val="lt1"/>
+        </a:fontRef>
+      </dsp:style>
+      <dsp:txBody>
+        <a:bodyPr spcFirstLastPara="0" vert="horz" wrap="square" lIns="7620" tIns="7620" rIns="7620" bIns="7620" numCol="1" spcCol="1270" anchor="ctr" anchorCtr="0">
+          <a:noAutofit/>
+        </a:bodyPr>
+        <a:lstStyle/>
+        <a:p>
+          <a:pPr marL="0" lvl="0" indent="0" algn="ctr" defTabSz="533400">
+            <a:lnSpc>
+              <a:spcPct val="90000"/>
+            </a:lnSpc>
+            <a:spcBef>
+              <a:spcPct val="0"/>
+            </a:spcBef>
+            <a:spcAft>
+              <a:spcPct val="35000"/>
+            </a:spcAft>
+            <a:buNone/>
+          </a:pPr>
+          <a:r>
+            <a:rPr lang="de-DE" sz="1200" kern="1200" dirty="0"/>
+            <a:t>Update </a:t>
+          </a:r>
+          <a:r>
+            <a:rPr lang="de-DE" sz="1200" kern="1200" dirty="0" err="1"/>
+            <a:t>centroid</a:t>
+          </a:r>
+          <a:r>
+            <a:rPr lang="de-DE" sz="1200" kern="1200" dirty="0"/>
+            <a:t> </a:t>
+          </a:r>
+          <a:r>
+            <a:rPr lang="de-DE" sz="1200" kern="1200" dirty="0" err="1"/>
+            <a:t>location</a:t>
+          </a:r>
+          <a:endParaRPr lang="en-DE" sz="1200" kern="1200" dirty="0"/>
+        </a:p>
+      </dsp:txBody>
+      <dsp:txXfrm rot="-5400000">
+        <a:off x="1" y="3252850"/>
+        <a:ext cx="1053883" cy="451664"/>
+      </dsp:txXfrm>
+    </dsp:sp>
+    <dsp:sp modelId="{C9EBB32B-AAD8-45DE-B2C2-05BF56180906}">
+      <dsp:nvSpPr>
+        <dsp:cNvPr id="0" name=""/>
+        <dsp:cNvSpPr/>
+      </dsp:nvSpPr>
+      <dsp:spPr>
+        <a:xfrm rot="5400000">
+          <a:off x="4838238" y="-1058447"/>
+          <a:ext cx="978605" cy="8547316"/>
+        </a:xfrm>
+        <a:prstGeom prst="round2SameRect">
+          <a:avLst/>
+        </a:prstGeom>
+        <a:solidFill>
+          <a:schemeClr val="lt1">
+            <a:alpha val="90000"/>
+            <a:hueOff val="0"/>
+            <a:satOff val="0"/>
+            <a:lumOff val="0"/>
+            <a:alphaOff val="0"/>
+          </a:schemeClr>
+        </a:solidFill>
+        <a:ln w="34925" cap="flat" cmpd="sng" algn="in">
+          <a:solidFill>
+            <a:schemeClr val="accent4">
+              <a:hueOff val="0"/>
+              <a:satOff val="0"/>
+              <a:lumOff val="0"/>
+              <a:alphaOff val="0"/>
+            </a:schemeClr>
+          </a:solidFill>
+          <a:prstDash val="solid"/>
+        </a:ln>
+        <a:effectLst/>
+      </dsp:spPr>
+      <dsp:style>
+        <a:lnRef idx="2">
+          <a:scrgbClr r="0" g="0" b="0"/>
+        </a:lnRef>
+        <a:fillRef idx="1">
+          <a:scrgbClr r="0" g="0" b="0"/>
+        </a:fillRef>
+        <a:effectRef idx="0">
+          <a:scrgbClr r="0" g="0" b="0"/>
+        </a:effectRef>
+        <a:fontRef idx="minor"/>
+      </dsp:style>
+      <dsp:txBody>
+        <a:bodyPr spcFirstLastPara="0" vert="horz" wrap="square" lIns="142240" tIns="12700" rIns="12700" bIns="12700" numCol="1" spcCol="1270" anchor="ctr" anchorCtr="0">
+          <a:noAutofit/>
+        </a:bodyPr>
+        <a:lstStyle/>
+        <a:p>
+          <a:pPr marL="228600" lvl="1" indent="-228600" algn="l" defTabSz="889000">
+            <a:lnSpc>
+              <a:spcPct val="90000"/>
+            </a:lnSpc>
+            <a:spcBef>
+              <a:spcPct val="0"/>
+            </a:spcBef>
+            <a:spcAft>
+              <a:spcPct val="15000"/>
+            </a:spcAft>
+            <a:buChar char="•"/>
+          </a:pPr>
+          <a:r>
+            <a:rPr lang="de-DE" sz="2000" kern="1200" dirty="0"/>
+            <a:t>New </a:t>
+          </a:r>
+          <a:r>
+            <a:rPr lang="de-DE" sz="2000" kern="1200" dirty="0" err="1"/>
+            <a:t>centroid</a:t>
+          </a:r>
+          <a:r>
+            <a:rPr lang="de-DE" sz="2000" kern="1200" dirty="0"/>
+            <a:t> </a:t>
+          </a:r>
+          <a:r>
+            <a:rPr lang="de-DE" sz="2000" kern="1200" dirty="0" err="1"/>
+            <a:t>location</a:t>
+          </a:r>
+          <a:r>
+            <a:rPr lang="de-DE" sz="2000" kern="1200" dirty="0"/>
+            <a:t> </a:t>
+          </a:r>
+          <a:r>
+            <a:rPr lang="de-DE" sz="2000" kern="1200" dirty="0" err="1"/>
+            <a:t>is</a:t>
+          </a:r>
+          <a:r>
+            <a:rPr lang="de-DE" sz="2000" kern="1200" dirty="0"/>
+            <a:t> </a:t>
+          </a:r>
+          <a:r>
+            <a:rPr lang="de-DE" sz="2000" kern="1200" dirty="0" err="1"/>
+            <a:t>mean</a:t>
+          </a:r>
+          <a:r>
+            <a:rPr lang="de-DE" sz="2000" kern="1200" dirty="0"/>
+            <a:t> </a:t>
+          </a:r>
+          <a:r>
+            <a:rPr lang="de-DE" sz="2000" kern="1200" dirty="0" err="1"/>
+            <a:t>of</a:t>
+          </a:r>
+          <a:r>
+            <a:rPr lang="de-DE" sz="2000" kern="1200" dirty="0"/>
+            <a:t> all </a:t>
+          </a:r>
+          <a:r>
+            <a:rPr lang="de-DE" sz="2000" kern="1200" dirty="0" err="1"/>
+            <a:t>previously</a:t>
+          </a:r>
+          <a:r>
+            <a:rPr lang="de-DE" sz="2000" kern="1200" dirty="0"/>
+            <a:t> </a:t>
+          </a:r>
+          <a:r>
+            <a:rPr lang="de-DE" sz="2000" kern="1200" dirty="0" err="1"/>
+            <a:t>assigned</a:t>
+          </a:r>
+          <a:r>
+            <a:rPr lang="de-DE" sz="2000" kern="1200" dirty="0"/>
+            <a:t> PBMC </a:t>
+          </a:r>
+          <a:r>
+            <a:rPr lang="de-DE" sz="2000" kern="1200" dirty="0" err="1"/>
+            <a:t>locations</a:t>
+          </a:r>
+          <a:endParaRPr lang="en-DE" sz="2000" kern="1200" dirty="0"/>
+        </a:p>
+      </dsp:txBody>
+      <dsp:txXfrm rot="-5400000">
+        <a:off x="1053883" y="2773680"/>
+        <a:ext cx="8499544" cy="883061"/>
+      </dsp:txXfrm>
+    </dsp:sp>
+    <dsp:sp modelId="{7EBB6687-D421-43EF-9F78-82CA25F96FE6}">
+      <dsp:nvSpPr>
+        <dsp:cNvPr id="0" name=""/>
+        <dsp:cNvSpPr/>
+      </dsp:nvSpPr>
+      <dsp:spPr>
+        <a:xfrm rot="5400000">
+          <a:off x="-225832" y="4313166"/>
+          <a:ext cx="1505547" cy="1053883"/>
+        </a:xfrm>
+        <a:prstGeom prst="chevron">
+          <a:avLst/>
+        </a:prstGeom>
+        <a:solidFill>
+          <a:schemeClr val="accent5">
+            <a:hueOff val="0"/>
+            <a:satOff val="0"/>
+            <a:lumOff val="0"/>
+            <a:alphaOff val="0"/>
+          </a:schemeClr>
+        </a:solidFill>
+        <a:ln w="34925" cap="flat" cmpd="sng" algn="in">
+          <a:solidFill>
+            <a:schemeClr val="accent5">
+              <a:hueOff val="0"/>
+              <a:satOff val="0"/>
+              <a:lumOff val="0"/>
+              <a:alphaOff val="0"/>
+            </a:schemeClr>
+          </a:solidFill>
+          <a:prstDash val="solid"/>
+        </a:ln>
+        <a:effectLst/>
+      </dsp:spPr>
+      <dsp:style>
+        <a:lnRef idx="2">
+          <a:scrgbClr r="0" g="0" b="0"/>
+        </a:lnRef>
+        <a:fillRef idx="1">
+          <a:scrgbClr r="0" g="0" b="0"/>
+        </a:fillRef>
+        <a:effectRef idx="0">
+          <a:scrgbClr r="0" g="0" b="0"/>
+        </a:effectRef>
+        <a:fontRef idx="minor">
+          <a:schemeClr val="lt1"/>
+        </a:fontRef>
+      </dsp:style>
+      <dsp:txBody>
+        <a:bodyPr spcFirstLastPara="0" vert="horz" wrap="square" lIns="7620" tIns="7620" rIns="7620" bIns="7620" numCol="1" spcCol="1270" anchor="ctr" anchorCtr="0">
+          <a:noAutofit/>
+        </a:bodyPr>
+        <a:lstStyle/>
+        <a:p>
+          <a:pPr marL="0" lvl="0" indent="0" algn="ctr" defTabSz="533400">
+            <a:lnSpc>
+              <a:spcPct val="90000"/>
+            </a:lnSpc>
+            <a:spcBef>
+              <a:spcPct val="0"/>
+            </a:spcBef>
+            <a:spcAft>
+              <a:spcPct val="35000"/>
+            </a:spcAft>
+            <a:buNone/>
+          </a:pPr>
+          <a:r>
+            <a:rPr lang="de-DE" sz="1200" kern="1200" dirty="0" err="1"/>
+            <a:t>Plotting</a:t>
+          </a:r>
+          <a:endParaRPr lang="en-DE" sz="1200" kern="1200" dirty="0"/>
+        </a:p>
+      </dsp:txBody>
+      <dsp:txXfrm rot="-5400000">
+        <a:off x="1" y="4614276"/>
+        <a:ext cx="1053883" cy="451664"/>
+      </dsp:txXfrm>
+    </dsp:sp>
+    <dsp:sp modelId="{2E687C8E-E2B5-40E0-B665-A7A6643B7CE5}">
+      <dsp:nvSpPr>
+        <dsp:cNvPr id="0" name=""/>
+        <dsp:cNvSpPr/>
+      </dsp:nvSpPr>
+      <dsp:spPr>
+        <a:xfrm rot="5400000">
+          <a:off x="4838238" y="302979"/>
+          <a:ext cx="978605" cy="8547316"/>
+        </a:xfrm>
+        <a:prstGeom prst="round2SameRect">
+          <a:avLst/>
+        </a:prstGeom>
+        <a:solidFill>
+          <a:schemeClr val="lt1">
+            <a:alpha val="90000"/>
+            <a:hueOff val="0"/>
+            <a:satOff val="0"/>
+            <a:lumOff val="0"/>
+            <a:alphaOff val="0"/>
+          </a:schemeClr>
+        </a:solidFill>
+        <a:ln w="34925" cap="flat" cmpd="sng" algn="in">
+          <a:solidFill>
+            <a:schemeClr val="accent5">
+              <a:hueOff val="0"/>
+              <a:satOff val="0"/>
+              <a:lumOff val="0"/>
+              <a:alphaOff val="0"/>
+            </a:schemeClr>
+          </a:solidFill>
+          <a:prstDash val="solid"/>
+        </a:ln>
+        <a:effectLst/>
+      </dsp:spPr>
+      <dsp:style>
+        <a:lnRef idx="2">
+          <a:scrgbClr r="0" g="0" b="0"/>
+        </a:lnRef>
+        <a:fillRef idx="1">
+          <a:scrgbClr r="0" g="0" b="0"/>
+        </a:fillRef>
+        <a:effectRef idx="0">
+          <a:scrgbClr r="0" g="0" b="0"/>
+        </a:effectRef>
+        <a:fontRef idx="minor"/>
+      </dsp:style>
+      <dsp:txBody>
+        <a:bodyPr spcFirstLastPara="0" vert="horz" wrap="square" lIns="142240" tIns="12700" rIns="12700" bIns="12700" numCol="1" spcCol="1270" anchor="ctr" anchorCtr="0">
+          <a:noAutofit/>
+        </a:bodyPr>
+        <a:lstStyle/>
+        <a:p>
+          <a:pPr marL="228600" lvl="1" indent="-228600" algn="l" defTabSz="889000">
+            <a:lnSpc>
+              <a:spcPct val="90000"/>
+            </a:lnSpc>
+            <a:spcBef>
+              <a:spcPct val="0"/>
+            </a:spcBef>
+            <a:spcAft>
+              <a:spcPct val="15000"/>
+            </a:spcAft>
+            <a:buChar char="•"/>
+          </a:pPr>
+          <a:r>
+            <a:rPr lang="de-DE" sz="2000" kern="1200" dirty="0"/>
+            <a:t>2D / 3D</a:t>
+          </a:r>
+          <a:endParaRPr lang="en-DE" sz="2000" kern="1200" dirty="0"/>
+        </a:p>
+      </dsp:txBody>
+      <dsp:txXfrm rot="-5400000">
+        <a:off x="1053883" y="4135106"/>
+        <a:ext cx="8499544" cy="883061"/>
       </dsp:txXfrm>
     </dsp:sp>
   </dsp:spTree>
@@ -2878,7 +7004,2614 @@
 </dgm:layoutDef>
 </file>
 
+<file path=ppt/diagrams/layout2.xml><?xml version="1.0" encoding="utf-8"?>
+<dgm:layoutDef xmlns:dgm="http://schemas.openxmlformats.org/drawingml/2006/diagram" xmlns:a="http://schemas.openxmlformats.org/drawingml/2006/main" uniqueId="urn:microsoft.com/office/officeart/2005/8/layout/chevron1">
+  <dgm:title val=""/>
+  <dgm:desc val=""/>
+  <dgm:catLst>
+    <dgm:cat type="process" pri="9000"/>
+  </dgm:catLst>
+  <dgm:sampData useDef="1">
+    <dgm:dataModel>
+      <dgm:ptLst/>
+      <dgm:bg/>
+      <dgm:whole/>
+    </dgm:dataModel>
+  </dgm:sampData>
+  <dgm:styleData>
+    <dgm:dataModel>
+      <dgm:ptLst>
+        <dgm:pt modelId="0" type="doc"/>
+        <dgm:pt modelId="1"/>
+        <dgm:pt modelId="2"/>
+      </dgm:ptLst>
+      <dgm:cxnLst>
+        <dgm:cxn modelId="3" srcId="0" destId="1" srcOrd="0" destOrd="0"/>
+        <dgm:cxn modelId="4" srcId="0" destId="2" srcOrd="1" destOrd="0"/>
+      </dgm:cxnLst>
+      <dgm:bg/>
+      <dgm:whole/>
+    </dgm:dataModel>
+  </dgm:styleData>
+  <dgm:clrData>
+    <dgm:dataModel>
+      <dgm:ptLst>
+        <dgm:pt modelId="0" type="doc"/>
+        <dgm:pt modelId="1"/>
+        <dgm:pt modelId="2"/>
+        <dgm:pt modelId="3"/>
+        <dgm:pt modelId="4"/>
+      </dgm:ptLst>
+      <dgm:cxnLst>
+        <dgm:cxn modelId="5" srcId="0" destId="1" srcOrd="0" destOrd="0"/>
+        <dgm:cxn modelId="6" srcId="0" destId="2" srcOrd="1" destOrd="0"/>
+        <dgm:cxn modelId="7" srcId="0" destId="3" srcOrd="2" destOrd="0"/>
+        <dgm:cxn modelId="8" srcId="0" destId="4" srcOrd="3" destOrd="0"/>
+      </dgm:cxnLst>
+      <dgm:bg/>
+      <dgm:whole/>
+    </dgm:dataModel>
+  </dgm:clrData>
+  <dgm:layoutNode name="Name0">
+    <dgm:varLst>
+      <dgm:dir/>
+      <dgm:animLvl val="lvl"/>
+      <dgm:resizeHandles val="exact"/>
+    </dgm:varLst>
+    <dgm:choose name="Name1">
+      <dgm:if name="Name2" func="var" arg="dir" op="equ" val="norm">
+        <dgm:alg type="lin"/>
+      </dgm:if>
+      <dgm:else name="Name3">
+        <dgm:alg type="lin">
+          <dgm:param type="linDir" val="fromR"/>
+        </dgm:alg>
+      </dgm:else>
+    </dgm:choose>
+    <dgm:shape xmlns:r="http://schemas.openxmlformats.org/officeDocument/2006/relationships" r:blip="">
+      <dgm:adjLst/>
+    </dgm:shape>
+    <dgm:presOf/>
+    <dgm:choose name="Name4">
+      <dgm:if name="Name5" axis="des" func="maxDepth" op="gte" val="2">
+        <dgm:constrLst>
+          <dgm:constr type="h" for="ch" forName="composite" refType="h"/>
+          <dgm:constr type="w" for="ch" forName="composite" refType="w"/>
+          <dgm:constr type="w" for="des" forName="parTx"/>
+          <dgm:constr type="h" for="des" forName="parTx" op="equ"/>
+          <dgm:constr type="w" for="des" forName="desTx"/>
+          <dgm:constr type="h" for="des" forName="desTx" op="equ"/>
+          <dgm:constr type="primFontSz" for="des" forName="parTx" val="65"/>
+          <dgm:constr type="secFontSz" for="des" forName="desTx" refType="primFontSz" refFor="des" refForName="parTx" op="equ"/>
+          <dgm:constr type="h" for="des" forName="parTx" refType="primFontSz" refFor="des" refForName="parTx" fact="1.5"/>
+          <dgm:constr type="h" for="des" forName="desTx" refType="primFontSz" refFor="des" refForName="parTx" fact="0.5"/>
+          <dgm:constr type="w" for="ch" forName="space" op="equ" val="-6"/>
+        </dgm:constrLst>
+        <dgm:ruleLst>
+          <dgm:rule type="w" for="ch" forName="composite" val="0" fact="NaN" max="NaN"/>
+          <dgm:rule type="primFontSz" for="des" forName="parTx" val="5" fact="NaN" max="NaN"/>
+        </dgm:ruleLst>
+        <dgm:forEach name="Name6" axis="ch" ptType="node">
+          <dgm:layoutNode name="composite">
+            <dgm:alg type="composite"/>
+            <dgm:shape xmlns:r="http://schemas.openxmlformats.org/officeDocument/2006/relationships" r:blip="">
+              <dgm:adjLst/>
+            </dgm:shape>
+            <dgm:presOf/>
+            <dgm:choose name="Name7">
+              <dgm:if name="Name8" func="var" arg="dir" op="equ" val="norm">
+                <dgm:constrLst>
+                  <dgm:constr type="l" for="ch" forName="parTx"/>
+                  <dgm:constr type="w" for="ch" forName="parTx" refType="w"/>
+                  <dgm:constr type="t" for="ch" forName="parTx"/>
+                  <dgm:constr type="l" for="ch" forName="desTx"/>
+                  <dgm:constr type="w" for="ch" forName="desTx" refType="w" refFor="ch" refForName="parTx" fact="0.8"/>
+                  <dgm:constr type="t" for="ch" forName="desTx" refType="h" refFor="ch" refForName="parTx" fact="1.125"/>
+                </dgm:constrLst>
+              </dgm:if>
+              <dgm:else name="Name9">
+                <dgm:constrLst>
+                  <dgm:constr type="l" for="ch" forName="parTx"/>
+                  <dgm:constr type="w" for="ch" forName="parTx" refType="w"/>
+                  <dgm:constr type="t" for="ch" forName="parTx"/>
+                  <dgm:constr type="l" for="ch" forName="desTx" refType="w" fact="0.2"/>
+                  <dgm:constr type="w" for="ch" forName="desTx" refType="w" refFor="ch" refForName="parTx" fact="0.8"/>
+                  <dgm:constr type="t" for="ch" forName="desTx" refType="h" refFor="ch" refForName="parTx" fact="1.125"/>
+                </dgm:constrLst>
+              </dgm:else>
+            </dgm:choose>
+            <dgm:ruleLst>
+              <dgm:rule type="h" val="INF" fact="NaN" max="NaN"/>
+            </dgm:ruleLst>
+            <dgm:layoutNode name="parTx">
+              <dgm:varLst>
+                <dgm:chMax val="0"/>
+                <dgm:chPref val="0"/>
+                <dgm:bulletEnabled val="1"/>
+              </dgm:varLst>
+              <dgm:alg type="tx"/>
+              <dgm:choose name="Name10">
+                <dgm:if name="Name11" func="var" arg="dir" op="equ" val="norm">
+                  <dgm:shape xmlns:r="http://schemas.openxmlformats.org/officeDocument/2006/relationships" type="chevron" r:blip="">
+                    <dgm:adjLst/>
+                  </dgm:shape>
+                </dgm:if>
+                <dgm:else name="Name12">
+                  <dgm:shape xmlns:r="http://schemas.openxmlformats.org/officeDocument/2006/relationships" rot="180" type="chevron" r:blip="">
+                    <dgm:adjLst/>
+                  </dgm:shape>
+                </dgm:else>
+              </dgm:choose>
+              <dgm:presOf axis="self" ptType="node"/>
+              <dgm:choose name="Name13">
+                <dgm:if name="Name14" func="var" arg="dir" op="equ" val="norm">
+                  <dgm:constrLst>
+                    <dgm:constr type="h" refType="w" op="lte" fact="0.4"/>
+                    <dgm:constr type="h"/>
+                    <dgm:constr type="tMarg" refType="primFontSz" fact="0.105"/>
+                    <dgm:constr type="bMarg" refType="primFontSz" fact="0.105"/>
+                    <dgm:constr type="lMarg" refType="primFontSz" fact="0.315"/>
+                    <dgm:constr type="rMarg" refType="primFontSz" fact="0.105"/>
+                  </dgm:constrLst>
+                </dgm:if>
+                <dgm:else name="Name15">
+                  <dgm:constrLst>
+                    <dgm:constr type="h" refType="w" op="lte" fact="0.4"/>
+                    <dgm:constr type="h"/>
+                    <dgm:constr type="tMarg" refType="primFontSz" fact="0.105"/>
+                    <dgm:constr type="bMarg" refType="primFontSz" fact="0.105"/>
+                    <dgm:constr type="lMarg" refType="primFontSz" fact="0.105"/>
+                    <dgm:constr type="rMarg" refType="primFontSz" fact="0.315"/>
+                  </dgm:constrLst>
+                </dgm:else>
+              </dgm:choose>
+              <dgm:ruleLst>
+                <dgm:rule type="h" val="INF" fact="NaN" max="NaN"/>
+              </dgm:ruleLst>
+            </dgm:layoutNode>
+            <dgm:layoutNode name="desTx" styleLbl="revTx">
+              <dgm:varLst>
+                <dgm:bulletEnabled val="1"/>
+              </dgm:varLst>
+              <dgm:alg type="tx">
+                <dgm:param type="stBulletLvl" val="1"/>
+              </dgm:alg>
+              <dgm:choose name="Name16">
+                <dgm:if name="Name17" axis="ch" ptType="node" func="cnt" op="gte" val="1">
+                  <dgm:shape xmlns:r="http://schemas.openxmlformats.org/officeDocument/2006/relationships" type="rect" r:blip="">
+                    <dgm:adjLst/>
+                  </dgm:shape>
+                </dgm:if>
+                <dgm:else name="Name18">
+                  <dgm:shape xmlns:r="http://schemas.openxmlformats.org/officeDocument/2006/relationships" type="rect" r:blip="" hideGeom="1">
+                    <dgm:adjLst/>
+                  </dgm:shape>
+                </dgm:else>
+              </dgm:choose>
+              <dgm:presOf axis="des" ptType="node"/>
+              <dgm:constrLst>
+                <dgm:constr type="secFontSz" val="65"/>
+                <dgm:constr type="primFontSz" refType="secFontSz"/>
+                <dgm:constr type="h"/>
+                <dgm:constr type="tMarg"/>
+                <dgm:constr type="bMarg"/>
+                <dgm:constr type="rMarg"/>
+                <dgm:constr type="lMarg"/>
+              </dgm:constrLst>
+              <dgm:ruleLst>
+                <dgm:rule type="h" val="INF" fact="NaN" max="NaN"/>
+              </dgm:ruleLst>
+            </dgm:layoutNode>
+          </dgm:layoutNode>
+          <dgm:forEach name="Name19" axis="followSib" ptType="sibTrans" cnt="1">
+            <dgm:layoutNode name="space">
+              <dgm:alg type="sp"/>
+              <dgm:shape xmlns:r="http://schemas.openxmlformats.org/officeDocument/2006/relationships" r:blip="">
+                <dgm:adjLst/>
+              </dgm:shape>
+              <dgm:presOf/>
+              <dgm:constrLst/>
+              <dgm:ruleLst/>
+            </dgm:layoutNode>
+          </dgm:forEach>
+        </dgm:forEach>
+      </dgm:if>
+      <dgm:else name="Name20">
+        <dgm:constrLst>
+          <dgm:constr type="w" for="ch" forName="parTxOnly" refType="w"/>
+          <dgm:constr type="h" for="des" forName="parTxOnly" op="equ"/>
+          <dgm:constr type="primFontSz" for="des" forName="parTxOnly" op="equ" val="65"/>
+          <dgm:constr type="w" for="ch" forName="parTxOnlySpace" refType="w" refFor="ch" refForName="parTxOnly" fact="-0.1"/>
+        </dgm:constrLst>
+        <dgm:ruleLst/>
+        <dgm:forEach name="Name21" axis="ch" ptType="node">
+          <dgm:layoutNode name="parTxOnly">
+            <dgm:varLst>
+              <dgm:chMax val="0"/>
+              <dgm:chPref val="0"/>
+              <dgm:bulletEnabled val="1"/>
+            </dgm:varLst>
+            <dgm:alg type="tx"/>
+            <dgm:choose name="Name22">
+              <dgm:if name="Name23" func="var" arg="dir" op="equ" val="norm">
+                <dgm:shape xmlns:r="http://schemas.openxmlformats.org/officeDocument/2006/relationships" type="chevron" r:blip="">
+                  <dgm:adjLst/>
+                </dgm:shape>
+              </dgm:if>
+              <dgm:else name="Name24">
+                <dgm:shape xmlns:r="http://schemas.openxmlformats.org/officeDocument/2006/relationships" rot="180" type="chevron" r:blip="">
+                  <dgm:adjLst/>
+                </dgm:shape>
+              </dgm:else>
+            </dgm:choose>
+            <dgm:presOf axis="self" ptType="node"/>
+            <dgm:choose name="Name25">
+              <dgm:if name="Name26" func="var" arg="dir" op="equ" val="norm">
+                <dgm:constrLst>
+                  <dgm:constr type="h" refType="w" op="equ" fact="0.4"/>
+                  <dgm:constr type="tMarg" refType="primFontSz" fact="0.105"/>
+                  <dgm:constr type="bMarg" refType="primFontSz" fact="0.105"/>
+                  <dgm:constr type="lMarg" refType="primFontSz" fact="0.315"/>
+                  <dgm:constr type="rMarg" refType="primFontSz" fact="0.105"/>
+                </dgm:constrLst>
+              </dgm:if>
+              <dgm:else name="Name27">
+                <dgm:constrLst>
+                  <dgm:constr type="h" refType="w" op="equ" fact="0.4"/>
+                  <dgm:constr type="tMarg" refType="primFontSz" fact="0.105"/>
+                  <dgm:constr type="bMarg" refType="primFontSz" fact="0.105"/>
+                  <dgm:constr type="lMarg" refType="primFontSz" fact="0.105"/>
+                  <dgm:constr type="rMarg" refType="primFontSz" fact="0.315"/>
+                </dgm:constrLst>
+              </dgm:else>
+            </dgm:choose>
+            <dgm:ruleLst>
+              <dgm:rule type="primFontSz" val="5" fact="NaN" max="NaN"/>
+            </dgm:ruleLst>
+          </dgm:layoutNode>
+          <dgm:forEach name="Name28" axis="followSib" ptType="sibTrans" cnt="1">
+            <dgm:layoutNode name="parTxOnlySpace">
+              <dgm:alg type="sp"/>
+              <dgm:shape xmlns:r="http://schemas.openxmlformats.org/officeDocument/2006/relationships" r:blip="">
+                <dgm:adjLst/>
+              </dgm:shape>
+              <dgm:presOf/>
+              <dgm:constrLst/>
+              <dgm:ruleLst/>
+            </dgm:layoutNode>
+          </dgm:forEach>
+        </dgm:forEach>
+      </dgm:else>
+    </dgm:choose>
+  </dgm:layoutNode>
+</dgm:layoutDef>
+</file>
+
+<file path=ppt/diagrams/layout3.xml><?xml version="1.0" encoding="utf-8"?>
+<dgm:layoutDef xmlns:dgm="http://schemas.openxmlformats.org/drawingml/2006/diagram" xmlns:a="http://schemas.openxmlformats.org/drawingml/2006/main" uniqueId="urn:microsoft.com/office/officeart/2005/8/layout/chevron2">
+  <dgm:title val=""/>
+  <dgm:desc val=""/>
+  <dgm:catLst>
+    <dgm:cat type="process" pri="12000"/>
+    <dgm:cat type="list" pri="16000"/>
+    <dgm:cat type="convert" pri="11000"/>
+  </dgm:catLst>
+  <dgm:sampData>
+    <dgm:dataModel>
+      <dgm:ptLst>
+        <dgm:pt modelId="0" type="doc"/>
+        <dgm:pt modelId="1">
+          <dgm:prSet phldr="1"/>
+        </dgm:pt>
+        <dgm:pt modelId="11">
+          <dgm:prSet phldr="1"/>
+        </dgm:pt>
+        <dgm:pt modelId="12">
+          <dgm:prSet phldr="1"/>
+        </dgm:pt>
+        <dgm:pt modelId="2">
+          <dgm:prSet phldr="1"/>
+        </dgm:pt>
+        <dgm:pt modelId="21">
+          <dgm:prSet phldr="1"/>
+        </dgm:pt>
+        <dgm:pt modelId="22">
+          <dgm:prSet phldr="1"/>
+        </dgm:pt>
+        <dgm:pt modelId="3">
+          <dgm:prSet phldr="1"/>
+        </dgm:pt>
+        <dgm:pt modelId="31">
+          <dgm:prSet phldr="1"/>
+        </dgm:pt>
+        <dgm:pt modelId="32">
+          <dgm:prSet phldr="1"/>
+        </dgm:pt>
+      </dgm:ptLst>
+      <dgm:cxnLst>
+        <dgm:cxn modelId="4" srcId="0" destId="1" srcOrd="0" destOrd="0"/>
+        <dgm:cxn modelId="5" srcId="0" destId="2" srcOrd="1" destOrd="0"/>
+        <dgm:cxn modelId="6" srcId="0" destId="3" srcOrd="2" destOrd="0"/>
+        <dgm:cxn modelId="13" srcId="1" destId="11" srcOrd="0" destOrd="0"/>
+        <dgm:cxn modelId="14" srcId="1" destId="12" srcOrd="1" destOrd="0"/>
+        <dgm:cxn modelId="23" srcId="2" destId="21" srcOrd="0" destOrd="0"/>
+        <dgm:cxn modelId="24" srcId="2" destId="22" srcOrd="1" destOrd="0"/>
+        <dgm:cxn modelId="33" srcId="3" destId="31" srcOrd="0" destOrd="0"/>
+        <dgm:cxn modelId="34" srcId="3" destId="32" srcOrd="1" destOrd="0"/>
+      </dgm:cxnLst>
+      <dgm:bg/>
+      <dgm:whole/>
+    </dgm:dataModel>
+  </dgm:sampData>
+  <dgm:styleData>
+    <dgm:dataModel>
+      <dgm:ptLst>
+        <dgm:pt modelId="0" type="doc"/>
+        <dgm:pt modelId="1"/>
+      </dgm:ptLst>
+      <dgm:cxnLst>
+        <dgm:cxn modelId="4" srcId="0" destId="1" srcOrd="0" destOrd="0"/>
+      </dgm:cxnLst>
+      <dgm:bg/>
+      <dgm:whole/>
+    </dgm:dataModel>
+  </dgm:styleData>
+  <dgm:clrData>
+    <dgm:dataModel>
+      <dgm:ptLst>
+        <dgm:pt modelId="0" type="doc"/>
+        <dgm:pt modelId="1"/>
+        <dgm:pt modelId="11"/>
+        <dgm:pt modelId="2"/>
+        <dgm:pt modelId="21"/>
+        <dgm:pt modelId="3"/>
+        <dgm:pt modelId="31"/>
+        <dgm:pt modelId="4"/>
+        <dgm:pt modelId="41"/>
+      </dgm:ptLst>
+      <dgm:cxnLst>
+        <dgm:cxn modelId="5" srcId="0" destId="1" srcOrd="0" destOrd="0"/>
+        <dgm:cxn modelId="6" srcId="0" destId="2" srcOrd="1" destOrd="0"/>
+        <dgm:cxn modelId="7" srcId="0" destId="3" srcOrd="2" destOrd="0"/>
+        <dgm:cxn modelId="8" srcId="0" destId="4" srcOrd="3" destOrd="0"/>
+        <dgm:cxn modelId="13" srcId="1" destId="11" srcOrd="0" destOrd="0"/>
+        <dgm:cxn modelId="23" srcId="2" destId="21" srcOrd="0" destOrd="0"/>
+        <dgm:cxn modelId="33" srcId="3" destId="31" srcOrd="0" destOrd="0"/>
+        <dgm:cxn modelId="43" srcId="4" destId="41" srcOrd="0" destOrd="0"/>
+      </dgm:cxnLst>
+      <dgm:bg/>
+      <dgm:whole/>
+    </dgm:dataModel>
+  </dgm:clrData>
+  <dgm:layoutNode name="linearFlow">
+    <dgm:varLst>
+      <dgm:dir/>
+      <dgm:animLvl val="lvl"/>
+      <dgm:resizeHandles val="exact"/>
+    </dgm:varLst>
+    <dgm:alg type="lin">
+      <dgm:param type="linDir" val="fromT"/>
+      <dgm:param type="nodeHorzAlign" val="l"/>
+    </dgm:alg>
+    <dgm:shape xmlns:r="http://schemas.openxmlformats.org/officeDocument/2006/relationships" r:blip="">
+      <dgm:adjLst/>
+    </dgm:shape>
+    <dgm:presOf/>
+    <dgm:constrLst>
+      <dgm:constr type="h" for="ch" forName="composite" refType="h"/>
+      <dgm:constr type="w" for="ch" forName="composite" refType="w"/>
+      <dgm:constr type="h" for="des" forName="parentText" op="equ"/>
+      <dgm:constr type="h" for="ch" forName="sp" val="-14.88"/>
+      <dgm:constr type="h" for="ch" forName="sp" refType="w" refFor="des" refForName="parentText" op="gte" fact="-0.3"/>
+      <dgm:constr type="primFontSz" for="des" forName="parentText" op="equ" val="65"/>
+      <dgm:constr type="primFontSz" for="des" forName="descendantText" op="equ" val="65"/>
+    </dgm:constrLst>
+    <dgm:ruleLst/>
+    <dgm:forEach name="Name0" axis="ch" ptType="node">
+      <dgm:layoutNode name="composite">
+        <dgm:alg type="composite"/>
+        <dgm:shape xmlns:r="http://schemas.openxmlformats.org/officeDocument/2006/relationships" r:blip="">
+          <dgm:adjLst/>
+        </dgm:shape>
+        <dgm:presOf/>
+        <dgm:choose name="Name1">
+          <dgm:if name="Name2" func="var" arg="dir" op="equ" val="norm">
+            <dgm:constrLst>
+              <dgm:constr type="t" for="ch" forName="parentText"/>
+              <dgm:constr type="l" for="ch" forName="parentText"/>
+              <dgm:constr type="w" for="ch" forName="parentText" refType="w" fact="0.4"/>
+              <dgm:constr type="h" for="ch" forName="parentText" refType="h"/>
+              <dgm:constr type="w" for="ch" forName="parentText" refType="w" op="lte" fact="0.5"/>
+              <dgm:constr type="w" for="ch" forName="parentText" refType="h" refFor="ch" refForName="parentText" op="lte" fact="0.7"/>
+              <dgm:constr type="h" for="ch" forName="parentText" refType="w" refFor="ch" refForName="parentText" op="lte" fact="3"/>
+              <dgm:constr type="l" for="ch" forName="descendantText" refType="w" refFor="ch" refForName="parentText"/>
+              <dgm:constr type="w" for="ch" forName="descendantText" refType="w"/>
+              <dgm:constr type="wOff" for="ch" forName="descendantText" refType="w" refFor="ch" refForName="parentText" fact="-1"/>
+              <dgm:constr type="t" for="ch" forName="descendantText"/>
+              <dgm:constr type="b" for="ch" forName="descendantText" refType="h" refFor="ch" refForName="parentText"/>
+              <dgm:constr type="bOff" for="ch" forName="descendantText" refType="w" refFor="ch" refForName="parentText" fact="-0.5"/>
+            </dgm:constrLst>
+          </dgm:if>
+          <dgm:else name="Name3">
+            <dgm:constrLst>
+              <dgm:constr type="t" for="ch" forName="parentText"/>
+              <dgm:constr type="r" for="ch" forName="parentText" refType="w"/>
+              <dgm:constr type="w" for="ch" forName="parentText" refType="w" fact="0.4"/>
+              <dgm:constr type="h" for="ch" forName="parentText" refType="h"/>
+              <dgm:constr type="w" for="ch" forName="parentText" refType="w" op="lte" fact="0.5"/>
+              <dgm:constr type="w" for="ch" forName="parentText" refType="h" refFor="ch" refForName="parentText" op="lte" fact="0.7"/>
+              <dgm:constr type="h" for="ch" forName="parentText" refType="w" refFor="ch" refForName="parentText" op="lte" fact="3"/>
+              <dgm:constr type="l" for="ch" forName="descendantText"/>
+              <dgm:constr type="w" for="ch" forName="descendantText" refType="w"/>
+              <dgm:constr type="wOff" for="ch" forName="descendantText" refType="w" refFor="ch" refForName="parentText" fact="-1"/>
+              <dgm:constr type="t" for="ch" forName="descendantText"/>
+              <dgm:constr type="b" for="ch" forName="descendantText" refType="h" refFor="ch" refForName="parentText"/>
+              <dgm:constr type="bOff" for="ch" forName="descendantText" refType="w" refFor="ch" refForName="parentText" fact="-0.5"/>
+            </dgm:constrLst>
+          </dgm:else>
+        </dgm:choose>
+        <dgm:ruleLst/>
+        <dgm:layoutNode name="parentText" styleLbl="alignNode1">
+          <dgm:varLst>
+            <dgm:chMax val="1"/>
+            <dgm:bulletEnabled val="1"/>
+          </dgm:varLst>
+          <dgm:alg type="tx"/>
+          <dgm:shape xmlns:r="http://schemas.openxmlformats.org/officeDocument/2006/relationships" rot="90" type="chevron" r:blip="">
+            <dgm:adjLst/>
+          </dgm:shape>
+          <dgm:presOf axis="self" ptType="node"/>
+          <dgm:constrLst>
+            <dgm:constr type="lMarg" refType="primFontSz" fact="0.05"/>
+            <dgm:constr type="rMarg" refType="primFontSz" fact="0.05"/>
+            <dgm:constr type="tMarg" refType="primFontSz" fact="0.05"/>
+            <dgm:constr type="bMarg" refType="primFontSz" fact="0.05"/>
+          </dgm:constrLst>
+          <dgm:ruleLst>
+            <dgm:rule type="h" val="100" fact="NaN" max="NaN"/>
+            <dgm:rule type="primFontSz" val="24" fact="NaN" max="NaN"/>
+            <dgm:rule type="h" val="110" fact="NaN" max="NaN"/>
+            <dgm:rule type="primFontSz" val="18" fact="NaN" max="NaN"/>
+            <dgm:rule type="h" val="INF" fact="NaN" max="NaN"/>
+            <dgm:rule type="primFontSz" val="5" fact="NaN" max="NaN"/>
+          </dgm:ruleLst>
+        </dgm:layoutNode>
+        <dgm:layoutNode name="descendantText" styleLbl="alignAcc1">
+          <dgm:varLst>
+            <dgm:bulletEnabled val="1"/>
+          </dgm:varLst>
+          <dgm:choose name="Name4">
+            <dgm:if name="Name5" func="var" arg="dir" op="equ" val="norm">
+              <dgm:alg type="tx">
+                <dgm:param type="stBulletLvl" val="1"/>
+                <dgm:param type="txAnchorVertCh" val="mid"/>
+              </dgm:alg>
+              <dgm:shape xmlns:r="http://schemas.openxmlformats.org/officeDocument/2006/relationships" rot="90" type="round2SameRect" r:blip="">
+                <dgm:adjLst/>
+              </dgm:shape>
+            </dgm:if>
+            <dgm:else name="Name6">
+              <dgm:alg type="tx">
+                <dgm:param type="stBulletLvl" val="1"/>
+                <dgm:param type="txAnchorVertCh" val="mid"/>
+              </dgm:alg>
+              <dgm:shape xmlns:r="http://schemas.openxmlformats.org/officeDocument/2006/relationships" rot="-90" type="round2SameRect" r:blip="">
+                <dgm:adjLst/>
+              </dgm:shape>
+            </dgm:else>
+          </dgm:choose>
+          <dgm:presOf axis="des" ptType="node"/>
+          <dgm:choose name="Name7">
+            <dgm:if name="Name8" func="var" arg="dir" op="equ" val="norm">
+              <dgm:constrLst>
+                <dgm:constr type="secFontSz" refType="primFontSz"/>
+                <dgm:constr type="tMarg" refType="primFontSz" fact="0.05"/>
+                <dgm:constr type="bMarg" refType="primFontSz" fact="0.05"/>
+                <dgm:constr type="rMarg" refType="primFontSz" fact="0.05"/>
+              </dgm:constrLst>
+            </dgm:if>
+            <dgm:else name="Name9">
+              <dgm:constrLst>
+                <dgm:constr type="secFontSz" refType="primFontSz"/>
+                <dgm:constr type="tMarg" refType="primFontSz" fact="0.05"/>
+                <dgm:constr type="bMarg" refType="primFontSz" fact="0.05"/>
+                <dgm:constr type="lMarg" refType="primFontSz" fact="0.05"/>
+              </dgm:constrLst>
+            </dgm:else>
+          </dgm:choose>
+          <dgm:ruleLst>
+            <dgm:rule type="primFontSz" val="5" fact="NaN" max="NaN"/>
+          </dgm:ruleLst>
+        </dgm:layoutNode>
+      </dgm:layoutNode>
+      <dgm:forEach name="Name10" axis="followSib" ptType="sibTrans" cnt="1">
+        <dgm:layoutNode name="sp">
+          <dgm:alg type="sp"/>
+          <dgm:shape xmlns:r="http://schemas.openxmlformats.org/officeDocument/2006/relationships" r:blip="">
+            <dgm:adjLst/>
+          </dgm:shape>
+          <dgm:presOf axis="self"/>
+          <dgm:constrLst>
+            <dgm:constr type="w" val="1"/>
+            <dgm:constr type="h" val="37.5"/>
+          </dgm:constrLst>
+          <dgm:ruleLst/>
+        </dgm:layoutNode>
+      </dgm:forEach>
+    </dgm:forEach>
+  </dgm:layoutNode>
+</dgm:layoutDef>
+</file>
+
 <file path=ppt/diagrams/quickStyle1.xml><?xml version="1.0" encoding="utf-8"?>
+<dgm:styleDef xmlns:dgm="http://schemas.openxmlformats.org/drawingml/2006/diagram" xmlns:a="http://schemas.openxmlformats.org/drawingml/2006/main" uniqueId="urn:microsoft.com/office/officeart/2005/8/quickstyle/simple1">
+  <dgm:title val=""/>
+  <dgm:desc val=""/>
+  <dgm:catLst>
+    <dgm:cat type="simple" pri="10100"/>
+  </dgm:catLst>
+  <dgm:scene3d>
+    <a:camera prst="orthographicFront"/>
+    <a:lightRig rig="threePt" dir="t"/>
+  </dgm:scene3d>
+  <dgm:styleLbl name="node0">
+    <dgm:scene3d>
+      <a:camera prst="orthographicFront"/>
+      <a:lightRig rig="threePt" dir="t"/>
+    </dgm:scene3d>
+    <dgm:sp3d/>
+    <dgm:txPr/>
+    <dgm:style>
+      <a:lnRef idx="2">
+        <a:scrgbClr r="0" g="0" b="0"/>
+      </a:lnRef>
+      <a:fillRef idx="1">
+        <a:scrgbClr r="0" g="0" b="0"/>
+      </a:fillRef>
+      <a:effectRef idx="0">
+        <a:scrgbClr r="0" g="0" b="0"/>
+      </a:effectRef>
+      <a:fontRef idx="minor">
+        <a:schemeClr val="lt1"/>
+      </a:fontRef>
+    </dgm:style>
+  </dgm:styleLbl>
+  <dgm:styleLbl name="lnNode1">
+    <dgm:scene3d>
+      <a:camera prst="orthographicFront"/>
+      <a:lightRig rig="threePt" dir="t"/>
+    </dgm:scene3d>
+    <dgm:sp3d/>
+    <dgm:txPr/>
+    <dgm:style>
+      <a:lnRef idx="2">
+        <a:scrgbClr r="0" g="0" b="0"/>
+      </a:lnRef>
+      <a:fillRef idx="1">
+        <a:scrgbClr r="0" g="0" b="0"/>
+      </a:fillRef>
+      <a:effectRef idx="0">
+        <a:scrgbClr r="0" g="0" b="0"/>
+      </a:effectRef>
+      <a:fontRef idx="minor">
+        <a:schemeClr val="lt1"/>
+      </a:fontRef>
+    </dgm:style>
+  </dgm:styleLbl>
+  <dgm:styleLbl name="vennNode1">
+    <dgm:scene3d>
+      <a:camera prst="orthographicFront"/>
+      <a:lightRig rig="threePt" dir="t"/>
+    </dgm:scene3d>
+    <dgm:sp3d/>
+    <dgm:txPr/>
+    <dgm:style>
+      <a:lnRef idx="2">
+        <a:scrgbClr r="0" g="0" b="0"/>
+      </a:lnRef>
+      <a:fillRef idx="1">
+        <a:scrgbClr r="0" g="0" b="0"/>
+      </a:fillRef>
+      <a:effectRef idx="0">
+        <a:scrgbClr r="0" g="0" b="0"/>
+      </a:effectRef>
+      <a:fontRef idx="minor">
+        <a:schemeClr val="tx1"/>
+      </a:fontRef>
+    </dgm:style>
+  </dgm:styleLbl>
+  <dgm:styleLbl name="alignNode1">
+    <dgm:scene3d>
+      <a:camera prst="orthographicFront"/>
+      <a:lightRig rig="threePt" dir="t"/>
+    </dgm:scene3d>
+    <dgm:sp3d/>
+    <dgm:txPr/>
+    <dgm:style>
+      <a:lnRef idx="2">
+        <a:scrgbClr r="0" g="0" b="0"/>
+      </a:lnRef>
+      <a:fillRef idx="1">
+        <a:scrgbClr r="0" g="0" b="0"/>
+      </a:fillRef>
+      <a:effectRef idx="0">
+        <a:scrgbClr r="0" g="0" b="0"/>
+      </a:effectRef>
+      <a:fontRef idx="minor">
+        <a:schemeClr val="lt1"/>
+      </a:fontRef>
+    </dgm:style>
+  </dgm:styleLbl>
+  <dgm:styleLbl name="node1">
+    <dgm:scene3d>
+      <a:camera prst="orthographicFront"/>
+      <a:lightRig rig="threePt" dir="t"/>
+    </dgm:scene3d>
+    <dgm:sp3d/>
+    <dgm:txPr/>
+    <dgm:style>
+      <a:lnRef idx="2">
+        <a:scrgbClr r="0" g="0" b="0"/>
+      </a:lnRef>
+      <a:fillRef idx="1">
+        <a:scrgbClr r="0" g="0" b="0"/>
+      </a:fillRef>
+      <a:effectRef idx="0">
+        <a:scrgbClr r="0" g="0" b="0"/>
+      </a:effectRef>
+      <a:fontRef idx="minor">
+        <a:schemeClr val="lt1"/>
+      </a:fontRef>
+    </dgm:style>
+  </dgm:styleLbl>
+  <dgm:styleLbl name="node2">
+    <dgm:scene3d>
+      <a:camera prst="orthographicFront"/>
+      <a:lightRig rig="threePt" dir="t"/>
+    </dgm:scene3d>
+    <dgm:sp3d/>
+    <dgm:txPr/>
+    <dgm:style>
+      <a:lnRef idx="2">
+        <a:scrgbClr r="0" g="0" b="0"/>
+      </a:lnRef>
+      <a:fillRef idx="1">
+        <a:scrgbClr r="0" g="0" b="0"/>
+      </a:fillRef>
+      <a:effectRef idx="0">
+        <a:scrgbClr r="0" g="0" b="0"/>
+      </a:effectRef>
+      <a:fontRef idx="minor">
+        <a:schemeClr val="lt1"/>
+      </a:fontRef>
+    </dgm:style>
+  </dgm:styleLbl>
+  <dgm:styleLbl name="node3">
+    <dgm:scene3d>
+      <a:camera prst="orthographicFront"/>
+      <a:lightRig rig="threePt" dir="t"/>
+    </dgm:scene3d>
+    <dgm:sp3d/>
+    <dgm:txPr/>
+    <dgm:style>
+      <a:lnRef idx="2">
+        <a:scrgbClr r="0" g="0" b="0"/>
+      </a:lnRef>
+      <a:fillRef idx="1">
+        <a:scrgbClr r="0" g="0" b="0"/>
+      </a:fillRef>
+      <a:effectRef idx="0">
+        <a:scrgbClr r="0" g="0" b="0"/>
+      </a:effectRef>
+      <a:fontRef idx="minor">
+        <a:schemeClr val="lt1"/>
+      </a:fontRef>
+    </dgm:style>
+  </dgm:styleLbl>
+  <dgm:styleLbl name="node4">
+    <dgm:scene3d>
+      <a:camera prst="orthographicFront"/>
+      <a:lightRig rig="threePt" dir="t"/>
+    </dgm:scene3d>
+    <dgm:sp3d/>
+    <dgm:txPr/>
+    <dgm:style>
+      <a:lnRef idx="2">
+        <a:scrgbClr r="0" g="0" b="0"/>
+      </a:lnRef>
+      <a:fillRef idx="1">
+        <a:scrgbClr r="0" g="0" b="0"/>
+      </a:fillRef>
+      <a:effectRef idx="0">
+        <a:scrgbClr r="0" g="0" b="0"/>
+      </a:effectRef>
+      <a:fontRef idx="minor">
+        <a:schemeClr val="lt1"/>
+      </a:fontRef>
+    </dgm:style>
+  </dgm:styleLbl>
+  <dgm:styleLbl name="fgImgPlace1">
+    <dgm:scene3d>
+      <a:camera prst="orthographicFront"/>
+      <a:lightRig rig="threePt" dir="t"/>
+    </dgm:scene3d>
+    <dgm:sp3d/>
+    <dgm:txPr/>
+    <dgm:style>
+      <a:lnRef idx="2">
+        <a:scrgbClr r="0" g="0" b="0"/>
+      </a:lnRef>
+      <a:fillRef idx="1">
+        <a:scrgbClr r="0" g="0" b="0"/>
+      </a:fillRef>
+      <a:effectRef idx="0">
+        <a:scrgbClr r="0" g="0" b="0"/>
+      </a:effectRef>
+      <a:fontRef idx="minor"/>
+    </dgm:style>
+  </dgm:styleLbl>
+  <dgm:styleLbl name="alignImgPlace1">
+    <dgm:scene3d>
+      <a:camera prst="orthographicFront"/>
+      <a:lightRig rig="threePt" dir="t"/>
+    </dgm:scene3d>
+    <dgm:sp3d/>
+    <dgm:txPr/>
+    <dgm:style>
+      <a:lnRef idx="2">
+        <a:scrgbClr r="0" g="0" b="0"/>
+      </a:lnRef>
+      <a:fillRef idx="1">
+        <a:scrgbClr r="0" g="0" b="0"/>
+      </a:fillRef>
+      <a:effectRef idx="0">
+        <a:scrgbClr r="0" g="0" b="0"/>
+      </a:effectRef>
+      <a:fontRef idx="minor"/>
+    </dgm:style>
+  </dgm:styleLbl>
+  <dgm:styleLbl name="bgImgPlace1">
+    <dgm:scene3d>
+      <a:camera prst="orthographicFront"/>
+      <a:lightRig rig="threePt" dir="t"/>
+    </dgm:scene3d>
+    <dgm:sp3d/>
+    <dgm:txPr/>
+    <dgm:style>
+      <a:lnRef idx="2">
+        <a:scrgbClr r="0" g="0" b="0"/>
+      </a:lnRef>
+      <a:fillRef idx="1">
+        <a:scrgbClr r="0" g="0" b="0"/>
+      </a:fillRef>
+      <a:effectRef idx="0">
+        <a:scrgbClr r="0" g="0" b="0"/>
+      </a:effectRef>
+      <a:fontRef idx="minor"/>
+    </dgm:style>
+  </dgm:styleLbl>
+  <dgm:styleLbl name="sibTrans2D1">
+    <dgm:scene3d>
+      <a:camera prst="orthographicFront"/>
+      <a:lightRig rig="threePt" dir="t"/>
+    </dgm:scene3d>
+    <dgm:sp3d/>
+    <dgm:txPr/>
+    <dgm:style>
+      <a:lnRef idx="0">
+        <a:scrgbClr r="0" g="0" b="0"/>
+      </a:lnRef>
+      <a:fillRef idx="1">
+        <a:scrgbClr r="0" g="0" b="0"/>
+      </a:fillRef>
+      <a:effectRef idx="0">
+        <a:scrgbClr r="0" g="0" b="0"/>
+      </a:effectRef>
+      <a:fontRef idx="minor">
+        <a:schemeClr val="lt1"/>
+      </a:fontRef>
+    </dgm:style>
+  </dgm:styleLbl>
+  <dgm:styleLbl name="fgSibTrans2D1">
+    <dgm:scene3d>
+      <a:camera prst="orthographicFront"/>
+      <a:lightRig rig="threePt" dir="t"/>
+    </dgm:scene3d>
+    <dgm:sp3d/>
+    <dgm:txPr/>
+    <dgm:style>
+      <a:lnRef idx="0">
+        <a:scrgbClr r="0" g="0" b="0"/>
+      </a:lnRef>
+      <a:fillRef idx="1">
+        <a:scrgbClr r="0" g="0" b="0"/>
+      </a:fillRef>
+      <a:effectRef idx="0">
+        <a:scrgbClr r="0" g="0" b="0"/>
+      </a:effectRef>
+      <a:fontRef idx="minor">
+        <a:schemeClr val="lt1"/>
+      </a:fontRef>
+    </dgm:style>
+  </dgm:styleLbl>
+  <dgm:styleLbl name="bgSibTrans2D1">
+    <dgm:scene3d>
+      <a:camera prst="orthographicFront"/>
+      <a:lightRig rig="threePt" dir="t"/>
+    </dgm:scene3d>
+    <dgm:sp3d/>
+    <dgm:txPr/>
+    <dgm:style>
+      <a:lnRef idx="0">
+        <a:scrgbClr r="0" g="0" b="0"/>
+      </a:lnRef>
+      <a:fillRef idx="1">
+        <a:scrgbClr r="0" g="0" b="0"/>
+      </a:fillRef>
+      <a:effectRef idx="0">
+        <a:scrgbClr r="0" g="0" b="0"/>
+      </a:effectRef>
+      <a:fontRef idx="minor">
+        <a:schemeClr val="lt1"/>
+      </a:fontRef>
+    </dgm:style>
+  </dgm:styleLbl>
+  <dgm:styleLbl name="sibTrans1D1">
+    <dgm:scene3d>
+      <a:camera prst="orthographicFront"/>
+      <a:lightRig rig="threePt" dir="t"/>
+    </dgm:scene3d>
+    <dgm:sp3d/>
+    <dgm:txPr/>
+    <dgm:style>
+      <a:lnRef idx="1">
+        <a:scrgbClr r="0" g="0" b="0"/>
+      </a:lnRef>
+      <a:fillRef idx="0">
+        <a:scrgbClr r="0" g="0" b="0"/>
+      </a:fillRef>
+      <a:effectRef idx="0">
+        <a:scrgbClr r="0" g="0" b="0"/>
+      </a:effectRef>
+      <a:fontRef idx="minor"/>
+    </dgm:style>
+  </dgm:styleLbl>
+  <dgm:styleLbl name="callout">
+    <dgm:scene3d>
+      <a:camera prst="orthographicFront"/>
+      <a:lightRig rig="threePt" dir="t"/>
+    </dgm:scene3d>
+    <dgm:sp3d/>
+    <dgm:txPr/>
+    <dgm:style>
+      <a:lnRef idx="2">
+        <a:scrgbClr r="0" g="0" b="0"/>
+      </a:lnRef>
+      <a:fillRef idx="1">
+        <a:scrgbClr r="0" g="0" b="0"/>
+      </a:fillRef>
+      <a:effectRef idx="0">
+        <a:scrgbClr r="0" g="0" b="0"/>
+      </a:effectRef>
+      <a:fontRef idx="minor"/>
+    </dgm:style>
+  </dgm:styleLbl>
+  <dgm:styleLbl name="asst0">
+    <dgm:scene3d>
+      <a:camera prst="orthographicFront"/>
+      <a:lightRig rig="threePt" dir="t"/>
+    </dgm:scene3d>
+    <dgm:sp3d/>
+    <dgm:txPr/>
+    <dgm:style>
+      <a:lnRef idx="2">
+        <a:scrgbClr r="0" g="0" b="0"/>
+      </a:lnRef>
+      <a:fillRef idx="1">
+        <a:scrgbClr r="0" g="0" b="0"/>
+      </a:fillRef>
+      <a:effectRef idx="0">
+        <a:scrgbClr r="0" g="0" b="0"/>
+      </a:effectRef>
+      <a:fontRef idx="minor">
+        <a:schemeClr val="lt1"/>
+      </a:fontRef>
+    </dgm:style>
+  </dgm:styleLbl>
+  <dgm:styleLbl name="asst1">
+    <dgm:scene3d>
+      <a:camera prst="orthographicFront"/>
+      <a:lightRig rig="threePt" dir="t"/>
+    </dgm:scene3d>
+    <dgm:sp3d/>
+    <dgm:txPr/>
+    <dgm:style>
+      <a:lnRef idx="2">
+        <a:scrgbClr r="0" g="0" b="0"/>
+      </a:lnRef>
+      <a:fillRef idx="1">
+        <a:scrgbClr r="0" g="0" b="0"/>
+      </a:fillRef>
+      <a:effectRef idx="0">
+        <a:scrgbClr r="0" g="0" b="0"/>
+      </a:effectRef>
+      <a:fontRef idx="minor">
+        <a:schemeClr val="lt1"/>
+      </a:fontRef>
+    </dgm:style>
+  </dgm:styleLbl>
+  <dgm:styleLbl name="asst2">
+    <dgm:scene3d>
+      <a:camera prst="orthographicFront"/>
+      <a:lightRig rig="threePt" dir="t"/>
+    </dgm:scene3d>
+    <dgm:sp3d/>
+    <dgm:txPr/>
+    <dgm:style>
+      <a:lnRef idx="2">
+        <a:scrgbClr r="0" g="0" b="0"/>
+      </a:lnRef>
+      <a:fillRef idx="1">
+        <a:scrgbClr r="0" g="0" b="0"/>
+      </a:fillRef>
+      <a:effectRef idx="0">
+        <a:scrgbClr r="0" g="0" b="0"/>
+      </a:effectRef>
+      <a:fontRef idx="minor">
+        <a:schemeClr val="lt1"/>
+      </a:fontRef>
+    </dgm:style>
+  </dgm:styleLbl>
+  <dgm:styleLbl name="asst3">
+    <dgm:scene3d>
+      <a:camera prst="orthographicFront"/>
+      <a:lightRig rig="threePt" dir="t"/>
+    </dgm:scene3d>
+    <dgm:sp3d/>
+    <dgm:txPr/>
+    <dgm:style>
+      <a:lnRef idx="2">
+        <a:scrgbClr r="0" g="0" b="0"/>
+      </a:lnRef>
+      <a:fillRef idx="1">
+        <a:scrgbClr r="0" g="0" b="0"/>
+      </a:fillRef>
+      <a:effectRef idx="0">
+        <a:scrgbClr r="0" g="0" b="0"/>
+      </a:effectRef>
+      <a:fontRef idx="minor">
+        <a:schemeClr val="lt1"/>
+      </a:fontRef>
+    </dgm:style>
+  </dgm:styleLbl>
+  <dgm:styleLbl name="asst4">
+    <dgm:scene3d>
+      <a:camera prst="orthographicFront"/>
+      <a:lightRig rig="threePt" dir="t"/>
+    </dgm:scene3d>
+    <dgm:sp3d/>
+    <dgm:txPr/>
+    <dgm:style>
+      <a:lnRef idx="2">
+        <a:scrgbClr r="0" g="0" b="0"/>
+      </a:lnRef>
+      <a:fillRef idx="1">
+        <a:scrgbClr r="0" g="0" b="0"/>
+      </a:fillRef>
+      <a:effectRef idx="0">
+        <a:scrgbClr r="0" g="0" b="0"/>
+      </a:effectRef>
+      <a:fontRef idx="minor">
+        <a:schemeClr val="lt1"/>
+      </a:fontRef>
+    </dgm:style>
+  </dgm:styleLbl>
+  <dgm:styleLbl name="parChTrans2D1">
+    <dgm:scene3d>
+      <a:camera prst="orthographicFront"/>
+      <a:lightRig rig="threePt" dir="t"/>
+    </dgm:scene3d>
+    <dgm:sp3d/>
+    <dgm:txPr/>
+    <dgm:style>
+      <a:lnRef idx="2">
+        <a:scrgbClr r="0" g="0" b="0"/>
+      </a:lnRef>
+      <a:fillRef idx="1">
+        <a:scrgbClr r="0" g="0" b="0"/>
+      </a:fillRef>
+      <a:effectRef idx="0">
+        <a:scrgbClr r="0" g="0" b="0"/>
+      </a:effectRef>
+      <a:fontRef idx="minor">
+        <a:schemeClr val="lt1"/>
+      </a:fontRef>
+    </dgm:style>
+  </dgm:styleLbl>
+  <dgm:styleLbl name="parChTrans2D2">
+    <dgm:scene3d>
+      <a:camera prst="orthographicFront"/>
+      <a:lightRig rig="threePt" dir="t"/>
+    </dgm:scene3d>
+    <dgm:sp3d/>
+    <dgm:txPr/>
+    <dgm:style>
+      <a:lnRef idx="2">
+        <a:scrgbClr r="0" g="0" b="0"/>
+      </a:lnRef>
+      <a:fillRef idx="1">
+        <a:scrgbClr r="0" g="0" b="0"/>
+      </a:fillRef>
+      <a:effectRef idx="0">
+        <a:scrgbClr r="0" g="0" b="0"/>
+      </a:effectRef>
+      <a:fontRef idx="minor">
+        <a:schemeClr val="lt1"/>
+      </a:fontRef>
+    </dgm:style>
+  </dgm:styleLbl>
+  <dgm:styleLbl name="parChTrans2D3">
+    <dgm:scene3d>
+      <a:camera prst="orthographicFront"/>
+      <a:lightRig rig="threePt" dir="t"/>
+    </dgm:scene3d>
+    <dgm:sp3d/>
+    <dgm:txPr/>
+    <dgm:style>
+      <a:lnRef idx="2">
+        <a:scrgbClr r="0" g="0" b="0"/>
+      </a:lnRef>
+      <a:fillRef idx="1">
+        <a:scrgbClr r="0" g="0" b="0"/>
+      </a:fillRef>
+      <a:effectRef idx="0">
+        <a:scrgbClr r="0" g="0" b="0"/>
+      </a:effectRef>
+      <a:fontRef idx="minor">
+        <a:schemeClr val="lt1"/>
+      </a:fontRef>
+    </dgm:style>
+  </dgm:styleLbl>
+  <dgm:styleLbl name="parChTrans2D4">
+    <dgm:scene3d>
+      <a:camera prst="orthographicFront"/>
+      <a:lightRig rig="threePt" dir="t"/>
+    </dgm:scene3d>
+    <dgm:sp3d/>
+    <dgm:txPr/>
+    <dgm:style>
+      <a:lnRef idx="2">
+        <a:scrgbClr r="0" g="0" b="0"/>
+      </a:lnRef>
+      <a:fillRef idx="1">
+        <a:scrgbClr r="0" g="0" b="0"/>
+      </a:fillRef>
+      <a:effectRef idx="0">
+        <a:scrgbClr r="0" g="0" b="0"/>
+      </a:effectRef>
+      <a:fontRef idx="minor">
+        <a:schemeClr val="lt1"/>
+      </a:fontRef>
+    </dgm:style>
+  </dgm:styleLbl>
+  <dgm:styleLbl name="parChTrans1D1">
+    <dgm:scene3d>
+      <a:camera prst="orthographicFront"/>
+      <a:lightRig rig="threePt" dir="t"/>
+    </dgm:scene3d>
+    <dgm:sp3d/>
+    <dgm:txPr/>
+    <dgm:style>
+      <a:lnRef idx="2">
+        <a:scrgbClr r="0" g="0" b="0"/>
+      </a:lnRef>
+      <a:fillRef idx="0">
+        <a:scrgbClr r="0" g="0" b="0"/>
+      </a:fillRef>
+      <a:effectRef idx="0">
+        <a:scrgbClr r="0" g="0" b="0"/>
+      </a:effectRef>
+      <a:fontRef idx="minor"/>
+    </dgm:style>
+  </dgm:styleLbl>
+  <dgm:styleLbl name="parChTrans1D2">
+    <dgm:scene3d>
+      <a:camera prst="orthographicFront"/>
+      <a:lightRig rig="threePt" dir="t"/>
+    </dgm:scene3d>
+    <dgm:sp3d/>
+    <dgm:txPr/>
+    <dgm:style>
+      <a:lnRef idx="2">
+        <a:scrgbClr r="0" g="0" b="0"/>
+      </a:lnRef>
+      <a:fillRef idx="0">
+        <a:scrgbClr r="0" g="0" b="0"/>
+      </a:fillRef>
+      <a:effectRef idx="0">
+        <a:scrgbClr r="0" g="0" b="0"/>
+      </a:effectRef>
+      <a:fontRef idx="minor"/>
+    </dgm:style>
+  </dgm:styleLbl>
+  <dgm:styleLbl name="parChTrans1D3">
+    <dgm:scene3d>
+      <a:camera prst="orthographicFront"/>
+      <a:lightRig rig="threePt" dir="t"/>
+    </dgm:scene3d>
+    <dgm:sp3d/>
+    <dgm:txPr/>
+    <dgm:style>
+      <a:lnRef idx="2">
+        <a:scrgbClr r="0" g="0" b="0"/>
+      </a:lnRef>
+      <a:fillRef idx="0">
+        <a:scrgbClr r="0" g="0" b="0"/>
+      </a:fillRef>
+      <a:effectRef idx="0">
+        <a:scrgbClr r="0" g="0" b="0"/>
+      </a:effectRef>
+      <a:fontRef idx="minor"/>
+    </dgm:style>
+  </dgm:styleLbl>
+  <dgm:styleLbl name="parChTrans1D4">
+    <dgm:scene3d>
+      <a:camera prst="orthographicFront"/>
+      <a:lightRig rig="threePt" dir="t"/>
+    </dgm:scene3d>
+    <dgm:sp3d/>
+    <dgm:txPr/>
+    <dgm:style>
+      <a:lnRef idx="2">
+        <a:scrgbClr r="0" g="0" b="0"/>
+      </a:lnRef>
+      <a:fillRef idx="0">
+        <a:scrgbClr r="0" g="0" b="0"/>
+      </a:fillRef>
+      <a:effectRef idx="0">
+        <a:scrgbClr r="0" g="0" b="0"/>
+      </a:effectRef>
+      <a:fontRef idx="minor"/>
+    </dgm:style>
+  </dgm:styleLbl>
+  <dgm:styleLbl name="fgAcc1">
+    <dgm:scene3d>
+      <a:camera prst="orthographicFront"/>
+      <a:lightRig rig="threePt" dir="t"/>
+    </dgm:scene3d>
+    <dgm:sp3d/>
+    <dgm:txPr/>
+    <dgm:style>
+      <a:lnRef idx="2">
+        <a:scrgbClr r="0" g="0" b="0"/>
+      </a:lnRef>
+      <a:fillRef idx="1">
+        <a:scrgbClr r="0" g="0" b="0"/>
+      </a:fillRef>
+      <a:effectRef idx="0">
+        <a:scrgbClr r="0" g="0" b="0"/>
+      </a:effectRef>
+      <a:fontRef idx="minor"/>
+    </dgm:style>
+  </dgm:styleLbl>
+  <dgm:styleLbl name="conFgAcc1">
+    <dgm:scene3d>
+      <a:camera prst="orthographicFront"/>
+      <a:lightRig rig="threePt" dir="t"/>
+    </dgm:scene3d>
+    <dgm:sp3d/>
+    <dgm:txPr/>
+    <dgm:style>
+      <a:lnRef idx="2">
+        <a:scrgbClr r="0" g="0" b="0"/>
+      </a:lnRef>
+      <a:fillRef idx="1">
+        <a:scrgbClr r="0" g="0" b="0"/>
+      </a:fillRef>
+      <a:effectRef idx="0">
+        <a:scrgbClr r="0" g="0" b="0"/>
+      </a:effectRef>
+      <a:fontRef idx="minor"/>
+    </dgm:style>
+  </dgm:styleLbl>
+  <dgm:styleLbl name="alignAcc1">
+    <dgm:scene3d>
+      <a:camera prst="orthographicFront"/>
+      <a:lightRig rig="threePt" dir="t"/>
+    </dgm:scene3d>
+    <dgm:sp3d/>
+    <dgm:txPr/>
+    <dgm:style>
+      <a:lnRef idx="2">
+        <a:scrgbClr r="0" g="0" b="0"/>
+      </a:lnRef>
+      <a:fillRef idx="1">
+        <a:scrgbClr r="0" g="0" b="0"/>
+      </a:fillRef>
+      <a:effectRef idx="0">
+        <a:scrgbClr r="0" g="0" b="0"/>
+      </a:effectRef>
+      <a:fontRef idx="minor"/>
+    </dgm:style>
+  </dgm:styleLbl>
+  <dgm:styleLbl name="trAlignAcc1">
+    <dgm:scene3d>
+      <a:camera prst="orthographicFront"/>
+      <a:lightRig rig="threePt" dir="t"/>
+    </dgm:scene3d>
+    <dgm:sp3d/>
+    <dgm:txPr/>
+    <dgm:style>
+      <a:lnRef idx="1">
+        <a:scrgbClr r="0" g="0" b="0"/>
+      </a:lnRef>
+      <a:fillRef idx="1">
+        <a:scrgbClr r="0" g="0" b="0"/>
+      </a:fillRef>
+      <a:effectRef idx="0">
+        <a:scrgbClr r="0" g="0" b="0"/>
+      </a:effectRef>
+      <a:fontRef idx="minor"/>
+    </dgm:style>
+  </dgm:styleLbl>
+  <dgm:styleLbl name="bgAcc1">
+    <dgm:scene3d>
+      <a:camera prst="orthographicFront"/>
+      <a:lightRig rig="threePt" dir="t"/>
+    </dgm:scene3d>
+    <dgm:sp3d/>
+    <dgm:txPr/>
+    <dgm:style>
+      <a:lnRef idx="2">
+        <a:scrgbClr r="0" g="0" b="0"/>
+      </a:lnRef>
+      <a:fillRef idx="1">
+        <a:scrgbClr r="0" g="0" b="0"/>
+      </a:fillRef>
+      <a:effectRef idx="0">
+        <a:scrgbClr r="0" g="0" b="0"/>
+      </a:effectRef>
+      <a:fontRef idx="minor"/>
+    </dgm:style>
+  </dgm:styleLbl>
+  <dgm:styleLbl name="solidFgAcc1">
+    <dgm:scene3d>
+      <a:camera prst="orthographicFront"/>
+      <a:lightRig rig="threePt" dir="t"/>
+    </dgm:scene3d>
+    <dgm:sp3d/>
+    <dgm:txPr/>
+    <dgm:style>
+      <a:lnRef idx="2">
+        <a:scrgbClr r="0" g="0" b="0"/>
+      </a:lnRef>
+      <a:fillRef idx="1">
+        <a:scrgbClr r="0" g="0" b="0"/>
+      </a:fillRef>
+      <a:effectRef idx="0">
+        <a:scrgbClr r="0" g="0" b="0"/>
+      </a:effectRef>
+      <a:fontRef idx="minor"/>
+    </dgm:style>
+  </dgm:styleLbl>
+  <dgm:styleLbl name="solidAlignAcc1">
+    <dgm:scene3d>
+      <a:camera prst="orthographicFront"/>
+      <a:lightRig rig="threePt" dir="t"/>
+    </dgm:scene3d>
+    <dgm:sp3d/>
+    <dgm:txPr/>
+    <dgm:style>
+      <a:lnRef idx="2">
+        <a:scrgbClr r="0" g="0" b="0"/>
+      </a:lnRef>
+      <a:fillRef idx="1">
+        <a:scrgbClr r="0" g="0" b="0"/>
+      </a:fillRef>
+      <a:effectRef idx="0">
+        <a:scrgbClr r="0" g="0" b="0"/>
+      </a:effectRef>
+      <a:fontRef idx="minor"/>
+    </dgm:style>
+  </dgm:styleLbl>
+  <dgm:styleLbl name="solidBgAcc1">
+    <dgm:scene3d>
+      <a:camera prst="orthographicFront"/>
+      <a:lightRig rig="threePt" dir="t"/>
+    </dgm:scene3d>
+    <dgm:sp3d/>
+    <dgm:txPr/>
+    <dgm:style>
+      <a:lnRef idx="2">
+        <a:scrgbClr r="0" g="0" b="0"/>
+      </a:lnRef>
+      <a:fillRef idx="1">
+        <a:scrgbClr r="0" g="0" b="0"/>
+      </a:fillRef>
+      <a:effectRef idx="0">
+        <a:scrgbClr r="0" g="0" b="0"/>
+      </a:effectRef>
+      <a:fontRef idx="minor"/>
+    </dgm:style>
+  </dgm:styleLbl>
+  <dgm:styleLbl name="fgAccFollowNode1">
+    <dgm:scene3d>
+      <a:camera prst="orthographicFront"/>
+      <a:lightRig rig="threePt" dir="t"/>
+    </dgm:scene3d>
+    <dgm:sp3d/>
+    <dgm:txPr/>
+    <dgm:style>
+      <a:lnRef idx="2">
+        <a:scrgbClr r="0" g="0" b="0"/>
+      </a:lnRef>
+      <a:fillRef idx="1">
+        <a:scrgbClr r="0" g="0" b="0"/>
+      </a:fillRef>
+      <a:effectRef idx="0">
+        <a:scrgbClr r="0" g="0" b="0"/>
+      </a:effectRef>
+      <a:fontRef idx="minor"/>
+    </dgm:style>
+  </dgm:styleLbl>
+  <dgm:styleLbl name="alignAccFollowNode1">
+    <dgm:scene3d>
+      <a:camera prst="orthographicFront"/>
+      <a:lightRig rig="threePt" dir="t"/>
+    </dgm:scene3d>
+    <dgm:sp3d/>
+    <dgm:txPr/>
+    <dgm:style>
+      <a:lnRef idx="2">
+        <a:scrgbClr r="0" g="0" b="0"/>
+      </a:lnRef>
+      <a:fillRef idx="1">
+        <a:scrgbClr r="0" g="0" b="0"/>
+      </a:fillRef>
+      <a:effectRef idx="0">
+        <a:scrgbClr r="0" g="0" b="0"/>
+      </a:effectRef>
+      <a:fontRef idx="minor"/>
+    </dgm:style>
+  </dgm:styleLbl>
+  <dgm:styleLbl name="bgAccFollowNode1">
+    <dgm:scene3d>
+      <a:camera prst="orthographicFront"/>
+      <a:lightRig rig="threePt" dir="t"/>
+    </dgm:scene3d>
+    <dgm:sp3d/>
+    <dgm:txPr/>
+    <dgm:style>
+      <a:lnRef idx="2">
+        <a:scrgbClr r="0" g="0" b="0"/>
+      </a:lnRef>
+      <a:fillRef idx="1">
+        <a:scrgbClr r="0" g="0" b="0"/>
+      </a:fillRef>
+      <a:effectRef idx="0">
+        <a:scrgbClr r="0" g="0" b="0"/>
+      </a:effectRef>
+      <a:fontRef idx="minor"/>
+    </dgm:style>
+  </dgm:styleLbl>
+  <dgm:styleLbl name="fgAcc0">
+    <dgm:scene3d>
+      <a:camera prst="orthographicFront"/>
+      <a:lightRig rig="threePt" dir="t"/>
+    </dgm:scene3d>
+    <dgm:sp3d/>
+    <dgm:txPr/>
+    <dgm:style>
+      <a:lnRef idx="2">
+        <a:scrgbClr r="0" g="0" b="0"/>
+      </a:lnRef>
+      <a:fillRef idx="1">
+        <a:scrgbClr r="0" g="0" b="0"/>
+      </a:fillRef>
+      <a:effectRef idx="0">
+        <a:scrgbClr r="0" g="0" b="0"/>
+      </a:effectRef>
+      <a:fontRef idx="minor"/>
+    </dgm:style>
+  </dgm:styleLbl>
+  <dgm:styleLbl name="fgAcc2">
+    <dgm:scene3d>
+      <a:camera prst="orthographicFront"/>
+      <a:lightRig rig="threePt" dir="t"/>
+    </dgm:scene3d>
+    <dgm:sp3d/>
+    <dgm:txPr/>
+    <dgm:style>
+      <a:lnRef idx="2">
+        <a:scrgbClr r="0" g="0" b="0"/>
+      </a:lnRef>
+      <a:fillRef idx="1">
+        <a:scrgbClr r="0" g="0" b="0"/>
+      </a:fillRef>
+      <a:effectRef idx="0">
+        <a:scrgbClr r="0" g="0" b="0"/>
+      </a:effectRef>
+      <a:fontRef idx="minor"/>
+    </dgm:style>
+  </dgm:styleLbl>
+  <dgm:styleLbl name="fgAcc3">
+    <dgm:scene3d>
+      <a:camera prst="orthographicFront"/>
+      <a:lightRig rig="threePt" dir="t"/>
+    </dgm:scene3d>
+    <dgm:sp3d/>
+    <dgm:txPr/>
+    <dgm:style>
+      <a:lnRef idx="2">
+        <a:scrgbClr r="0" g="0" b="0"/>
+      </a:lnRef>
+      <a:fillRef idx="1">
+        <a:scrgbClr r="0" g="0" b="0"/>
+      </a:fillRef>
+      <a:effectRef idx="0">
+        <a:scrgbClr r="0" g="0" b="0"/>
+      </a:effectRef>
+      <a:fontRef idx="minor"/>
+    </dgm:style>
+  </dgm:styleLbl>
+  <dgm:styleLbl name="fgAcc4">
+    <dgm:scene3d>
+      <a:camera prst="orthographicFront"/>
+      <a:lightRig rig="threePt" dir="t"/>
+    </dgm:scene3d>
+    <dgm:sp3d/>
+    <dgm:txPr/>
+    <dgm:style>
+      <a:lnRef idx="2">
+        <a:scrgbClr r="0" g="0" b="0"/>
+      </a:lnRef>
+      <a:fillRef idx="1">
+        <a:scrgbClr r="0" g="0" b="0"/>
+      </a:fillRef>
+      <a:effectRef idx="0">
+        <a:scrgbClr r="0" g="0" b="0"/>
+      </a:effectRef>
+      <a:fontRef idx="minor"/>
+    </dgm:style>
+  </dgm:styleLbl>
+  <dgm:styleLbl name="bgShp">
+    <dgm:scene3d>
+      <a:camera prst="orthographicFront"/>
+      <a:lightRig rig="threePt" dir="t"/>
+    </dgm:scene3d>
+    <dgm:sp3d/>
+    <dgm:txPr/>
+    <dgm:style>
+      <a:lnRef idx="0">
+        <a:scrgbClr r="0" g="0" b="0"/>
+      </a:lnRef>
+      <a:fillRef idx="1">
+        <a:scrgbClr r="0" g="0" b="0"/>
+      </a:fillRef>
+      <a:effectRef idx="0">
+        <a:scrgbClr r="0" g="0" b="0"/>
+      </a:effectRef>
+      <a:fontRef idx="minor"/>
+    </dgm:style>
+  </dgm:styleLbl>
+  <dgm:styleLbl name="dkBgShp">
+    <dgm:scene3d>
+      <a:camera prst="orthographicFront"/>
+      <a:lightRig rig="threePt" dir="t"/>
+    </dgm:scene3d>
+    <dgm:sp3d/>
+    <dgm:txPr/>
+    <dgm:style>
+      <a:lnRef idx="0">
+        <a:scrgbClr r="0" g="0" b="0"/>
+      </a:lnRef>
+      <a:fillRef idx="1">
+        <a:scrgbClr r="0" g="0" b="0"/>
+      </a:fillRef>
+      <a:effectRef idx="0">
+        <a:scrgbClr r="0" g="0" b="0"/>
+      </a:effectRef>
+      <a:fontRef idx="minor"/>
+    </dgm:style>
+  </dgm:styleLbl>
+  <dgm:styleLbl name="trBgShp">
+    <dgm:scene3d>
+      <a:camera prst="orthographicFront"/>
+      <a:lightRig rig="threePt" dir="t"/>
+    </dgm:scene3d>
+    <dgm:sp3d/>
+    <dgm:txPr/>
+    <dgm:style>
+      <a:lnRef idx="0">
+        <a:scrgbClr r="0" g="0" b="0"/>
+      </a:lnRef>
+      <a:fillRef idx="1">
+        <a:scrgbClr r="0" g="0" b="0"/>
+      </a:fillRef>
+      <a:effectRef idx="0">
+        <a:scrgbClr r="0" g="0" b="0"/>
+      </a:effectRef>
+      <a:fontRef idx="minor"/>
+    </dgm:style>
+  </dgm:styleLbl>
+  <dgm:styleLbl name="fgShp">
+    <dgm:scene3d>
+      <a:camera prst="orthographicFront"/>
+      <a:lightRig rig="threePt" dir="t"/>
+    </dgm:scene3d>
+    <dgm:sp3d/>
+    <dgm:txPr/>
+    <dgm:style>
+      <a:lnRef idx="2">
+        <a:scrgbClr r="0" g="0" b="0"/>
+      </a:lnRef>
+      <a:fillRef idx="1">
+        <a:scrgbClr r="0" g="0" b="0"/>
+      </a:fillRef>
+      <a:effectRef idx="0">
+        <a:scrgbClr r="0" g="0" b="0"/>
+      </a:effectRef>
+      <a:fontRef idx="minor"/>
+    </dgm:style>
+  </dgm:styleLbl>
+  <dgm:styleLbl name="revTx">
+    <dgm:scene3d>
+      <a:camera prst="orthographicFront"/>
+      <a:lightRig rig="threePt" dir="t"/>
+    </dgm:scene3d>
+    <dgm:sp3d/>
+    <dgm:txPr/>
+    <dgm:style>
+      <a:lnRef idx="0">
+        <a:scrgbClr r="0" g="0" b="0"/>
+      </a:lnRef>
+      <a:fillRef idx="0">
+        <a:scrgbClr r="0" g="0" b="0"/>
+      </a:fillRef>
+      <a:effectRef idx="0">
+        <a:scrgbClr r="0" g="0" b="0"/>
+      </a:effectRef>
+      <a:fontRef idx="minor"/>
+    </dgm:style>
+  </dgm:styleLbl>
+</dgm:styleDef>
+</file>
+
+<file path=ppt/diagrams/quickStyle2.xml><?xml version="1.0" encoding="utf-8"?>
+<dgm:styleDef xmlns:dgm="http://schemas.openxmlformats.org/drawingml/2006/diagram" xmlns:a="http://schemas.openxmlformats.org/drawingml/2006/main" uniqueId="urn:microsoft.com/office/officeart/2005/8/quickstyle/simple1">
+  <dgm:title val=""/>
+  <dgm:desc val=""/>
+  <dgm:catLst>
+    <dgm:cat type="simple" pri="10100"/>
+  </dgm:catLst>
+  <dgm:scene3d>
+    <a:camera prst="orthographicFront"/>
+    <a:lightRig rig="threePt" dir="t"/>
+  </dgm:scene3d>
+  <dgm:styleLbl name="node0">
+    <dgm:scene3d>
+      <a:camera prst="orthographicFront"/>
+      <a:lightRig rig="threePt" dir="t"/>
+    </dgm:scene3d>
+    <dgm:sp3d/>
+    <dgm:txPr/>
+    <dgm:style>
+      <a:lnRef idx="2">
+        <a:scrgbClr r="0" g="0" b="0"/>
+      </a:lnRef>
+      <a:fillRef idx="1">
+        <a:scrgbClr r="0" g="0" b="0"/>
+      </a:fillRef>
+      <a:effectRef idx="0">
+        <a:scrgbClr r="0" g="0" b="0"/>
+      </a:effectRef>
+      <a:fontRef idx="minor">
+        <a:schemeClr val="lt1"/>
+      </a:fontRef>
+    </dgm:style>
+  </dgm:styleLbl>
+  <dgm:styleLbl name="lnNode1">
+    <dgm:scene3d>
+      <a:camera prst="orthographicFront"/>
+      <a:lightRig rig="threePt" dir="t"/>
+    </dgm:scene3d>
+    <dgm:sp3d/>
+    <dgm:txPr/>
+    <dgm:style>
+      <a:lnRef idx="2">
+        <a:scrgbClr r="0" g="0" b="0"/>
+      </a:lnRef>
+      <a:fillRef idx="1">
+        <a:scrgbClr r="0" g="0" b="0"/>
+      </a:fillRef>
+      <a:effectRef idx="0">
+        <a:scrgbClr r="0" g="0" b="0"/>
+      </a:effectRef>
+      <a:fontRef idx="minor">
+        <a:schemeClr val="lt1"/>
+      </a:fontRef>
+    </dgm:style>
+  </dgm:styleLbl>
+  <dgm:styleLbl name="vennNode1">
+    <dgm:scene3d>
+      <a:camera prst="orthographicFront"/>
+      <a:lightRig rig="threePt" dir="t"/>
+    </dgm:scene3d>
+    <dgm:sp3d/>
+    <dgm:txPr/>
+    <dgm:style>
+      <a:lnRef idx="2">
+        <a:scrgbClr r="0" g="0" b="0"/>
+      </a:lnRef>
+      <a:fillRef idx="1">
+        <a:scrgbClr r="0" g="0" b="0"/>
+      </a:fillRef>
+      <a:effectRef idx="0">
+        <a:scrgbClr r="0" g="0" b="0"/>
+      </a:effectRef>
+      <a:fontRef idx="minor">
+        <a:schemeClr val="tx1"/>
+      </a:fontRef>
+    </dgm:style>
+  </dgm:styleLbl>
+  <dgm:styleLbl name="alignNode1">
+    <dgm:scene3d>
+      <a:camera prst="orthographicFront"/>
+      <a:lightRig rig="threePt" dir="t"/>
+    </dgm:scene3d>
+    <dgm:sp3d/>
+    <dgm:txPr/>
+    <dgm:style>
+      <a:lnRef idx="2">
+        <a:scrgbClr r="0" g="0" b="0"/>
+      </a:lnRef>
+      <a:fillRef idx="1">
+        <a:scrgbClr r="0" g="0" b="0"/>
+      </a:fillRef>
+      <a:effectRef idx="0">
+        <a:scrgbClr r="0" g="0" b="0"/>
+      </a:effectRef>
+      <a:fontRef idx="minor">
+        <a:schemeClr val="lt1"/>
+      </a:fontRef>
+    </dgm:style>
+  </dgm:styleLbl>
+  <dgm:styleLbl name="node1">
+    <dgm:scene3d>
+      <a:camera prst="orthographicFront"/>
+      <a:lightRig rig="threePt" dir="t"/>
+    </dgm:scene3d>
+    <dgm:sp3d/>
+    <dgm:txPr/>
+    <dgm:style>
+      <a:lnRef idx="2">
+        <a:scrgbClr r="0" g="0" b="0"/>
+      </a:lnRef>
+      <a:fillRef idx="1">
+        <a:scrgbClr r="0" g="0" b="0"/>
+      </a:fillRef>
+      <a:effectRef idx="0">
+        <a:scrgbClr r="0" g="0" b="0"/>
+      </a:effectRef>
+      <a:fontRef idx="minor">
+        <a:schemeClr val="lt1"/>
+      </a:fontRef>
+    </dgm:style>
+  </dgm:styleLbl>
+  <dgm:styleLbl name="node2">
+    <dgm:scene3d>
+      <a:camera prst="orthographicFront"/>
+      <a:lightRig rig="threePt" dir="t"/>
+    </dgm:scene3d>
+    <dgm:sp3d/>
+    <dgm:txPr/>
+    <dgm:style>
+      <a:lnRef idx="2">
+        <a:scrgbClr r="0" g="0" b="0"/>
+      </a:lnRef>
+      <a:fillRef idx="1">
+        <a:scrgbClr r="0" g="0" b="0"/>
+      </a:fillRef>
+      <a:effectRef idx="0">
+        <a:scrgbClr r="0" g="0" b="0"/>
+      </a:effectRef>
+      <a:fontRef idx="minor">
+        <a:schemeClr val="lt1"/>
+      </a:fontRef>
+    </dgm:style>
+  </dgm:styleLbl>
+  <dgm:styleLbl name="node3">
+    <dgm:scene3d>
+      <a:camera prst="orthographicFront"/>
+      <a:lightRig rig="threePt" dir="t"/>
+    </dgm:scene3d>
+    <dgm:sp3d/>
+    <dgm:txPr/>
+    <dgm:style>
+      <a:lnRef idx="2">
+        <a:scrgbClr r="0" g="0" b="0"/>
+      </a:lnRef>
+      <a:fillRef idx="1">
+        <a:scrgbClr r="0" g="0" b="0"/>
+      </a:fillRef>
+      <a:effectRef idx="0">
+        <a:scrgbClr r="0" g="0" b="0"/>
+      </a:effectRef>
+      <a:fontRef idx="minor">
+        <a:schemeClr val="lt1"/>
+      </a:fontRef>
+    </dgm:style>
+  </dgm:styleLbl>
+  <dgm:styleLbl name="node4">
+    <dgm:scene3d>
+      <a:camera prst="orthographicFront"/>
+      <a:lightRig rig="threePt" dir="t"/>
+    </dgm:scene3d>
+    <dgm:sp3d/>
+    <dgm:txPr/>
+    <dgm:style>
+      <a:lnRef idx="2">
+        <a:scrgbClr r="0" g="0" b="0"/>
+      </a:lnRef>
+      <a:fillRef idx="1">
+        <a:scrgbClr r="0" g="0" b="0"/>
+      </a:fillRef>
+      <a:effectRef idx="0">
+        <a:scrgbClr r="0" g="0" b="0"/>
+      </a:effectRef>
+      <a:fontRef idx="minor">
+        <a:schemeClr val="lt1"/>
+      </a:fontRef>
+    </dgm:style>
+  </dgm:styleLbl>
+  <dgm:styleLbl name="fgImgPlace1">
+    <dgm:scene3d>
+      <a:camera prst="orthographicFront"/>
+      <a:lightRig rig="threePt" dir="t"/>
+    </dgm:scene3d>
+    <dgm:sp3d/>
+    <dgm:txPr/>
+    <dgm:style>
+      <a:lnRef idx="2">
+        <a:scrgbClr r="0" g="0" b="0"/>
+      </a:lnRef>
+      <a:fillRef idx="1">
+        <a:scrgbClr r="0" g="0" b="0"/>
+      </a:fillRef>
+      <a:effectRef idx="0">
+        <a:scrgbClr r="0" g="0" b="0"/>
+      </a:effectRef>
+      <a:fontRef idx="minor"/>
+    </dgm:style>
+  </dgm:styleLbl>
+  <dgm:styleLbl name="alignImgPlace1">
+    <dgm:scene3d>
+      <a:camera prst="orthographicFront"/>
+      <a:lightRig rig="threePt" dir="t"/>
+    </dgm:scene3d>
+    <dgm:sp3d/>
+    <dgm:txPr/>
+    <dgm:style>
+      <a:lnRef idx="2">
+        <a:scrgbClr r="0" g="0" b="0"/>
+      </a:lnRef>
+      <a:fillRef idx="1">
+        <a:scrgbClr r="0" g="0" b="0"/>
+      </a:fillRef>
+      <a:effectRef idx="0">
+        <a:scrgbClr r="0" g="0" b="0"/>
+      </a:effectRef>
+      <a:fontRef idx="minor"/>
+    </dgm:style>
+  </dgm:styleLbl>
+  <dgm:styleLbl name="bgImgPlace1">
+    <dgm:scene3d>
+      <a:camera prst="orthographicFront"/>
+      <a:lightRig rig="threePt" dir="t"/>
+    </dgm:scene3d>
+    <dgm:sp3d/>
+    <dgm:txPr/>
+    <dgm:style>
+      <a:lnRef idx="2">
+        <a:scrgbClr r="0" g="0" b="0"/>
+      </a:lnRef>
+      <a:fillRef idx="1">
+        <a:scrgbClr r="0" g="0" b="0"/>
+      </a:fillRef>
+      <a:effectRef idx="0">
+        <a:scrgbClr r="0" g="0" b="0"/>
+      </a:effectRef>
+      <a:fontRef idx="minor"/>
+    </dgm:style>
+  </dgm:styleLbl>
+  <dgm:styleLbl name="sibTrans2D1">
+    <dgm:scene3d>
+      <a:camera prst="orthographicFront"/>
+      <a:lightRig rig="threePt" dir="t"/>
+    </dgm:scene3d>
+    <dgm:sp3d/>
+    <dgm:txPr/>
+    <dgm:style>
+      <a:lnRef idx="0">
+        <a:scrgbClr r="0" g="0" b="0"/>
+      </a:lnRef>
+      <a:fillRef idx="1">
+        <a:scrgbClr r="0" g="0" b="0"/>
+      </a:fillRef>
+      <a:effectRef idx="0">
+        <a:scrgbClr r="0" g="0" b="0"/>
+      </a:effectRef>
+      <a:fontRef idx="minor">
+        <a:schemeClr val="lt1"/>
+      </a:fontRef>
+    </dgm:style>
+  </dgm:styleLbl>
+  <dgm:styleLbl name="fgSibTrans2D1">
+    <dgm:scene3d>
+      <a:camera prst="orthographicFront"/>
+      <a:lightRig rig="threePt" dir="t"/>
+    </dgm:scene3d>
+    <dgm:sp3d/>
+    <dgm:txPr/>
+    <dgm:style>
+      <a:lnRef idx="0">
+        <a:scrgbClr r="0" g="0" b="0"/>
+      </a:lnRef>
+      <a:fillRef idx="1">
+        <a:scrgbClr r="0" g="0" b="0"/>
+      </a:fillRef>
+      <a:effectRef idx="0">
+        <a:scrgbClr r="0" g="0" b="0"/>
+      </a:effectRef>
+      <a:fontRef idx="minor">
+        <a:schemeClr val="lt1"/>
+      </a:fontRef>
+    </dgm:style>
+  </dgm:styleLbl>
+  <dgm:styleLbl name="bgSibTrans2D1">
+    <dgm:scene3d>
+      <a:camera prst="orthographicFront"/>
+      <a:lightRig rig="threePt" dir="t"/>
+    </dgm:scene3d>
+    <dgm:sp3d/>
+    <dgm:txPr/>
+    <dgm:style>
+      <a:lnRef idx="0">
+        <a:scrgbClr r="0" g="0" b="0"/>
+      </a:lnRef>
+      <a:fillRef idx="1">
+        <a:scrgbClr r="0" g="0" b="0"/>
+      </a:fillRef>
+      <a:effectRef idx="0">
+        <a:scrgbClr r="0" g="0" b="0"/>
+      </a:effectRef>
+      <a:fontRef idx="minor">
+        <a:schemeClr val="lt1"/>
+      </a:fontRef>
+    </dgm:style>
+  </dgm:styleLbl>
+  <dgm:styleLbl name="sibTrans1D1">
+    <dgm:scene3d>
+      <a:camera prst="orthographicFront"/>
+      <a:lightRig rig="threePt" dir="t"/>
+    </dgm:scene3d>
+    <dgm:sp3d/>
+    <dgm:txPr/>
+    <dgm:style>
+      <a:lnRef idx="1">
+        <a:scrgbClr r="0" g="0" b="0"/>
+      </a:lnRef>
+      <a:fillRef idx="0">
+        <a:scrgbClr r="0" g="0" b="0"/>
+      </a:fillRef>
+      <a:effectRef idx="0">
+        <a:scrgbClr r="0" g="0" b="0"/>
+      </a:effectRef>
+      <a:fontRef idx="minor"/>
+    </dgm:style>
+  </dgm:styleLbl>
+  <dgm:styleLbl name="callout">
+    <dgm:scene3d>
+      <a:camera prst="orthographicFront"/>
+      <a:lightRig rig="threePt" dir="t"/>
+    </dgm:scene3d>
+    <dgm:sp3d/>
+    <dgm:txPr/>
+    <dgm:style>
+      <a:lnRef idx="2">
+        <a:scrgbClr r="0" g="0" b="0"/>
+      </a:lnRef>
+      <a:fillRef idx="1">
+        <a:scrgbClr r="0" g="0" b="0"/>
+      </a:fillRef>
+      <a:effectRef idx="0">
+        <a:scrgbClr r="0" g="0" b="0"/>
+      </a:effectRef>
+      <a:fontRef idx="minor"/>
+    </dgm:style>
+  </dgm:styleLbl>
+  <dgm:styleLbl name="asst0">
+    <dgm:scene3d>
+      <a:camera prst="orthographicFront"/>
+      <a:lightRig rig="threePt" dir="t"/>
+    </dgm:scene3d>
+    <dgm:sp3d/>
+    <dgm:txPr/>
+    <dgm:style>
+      <a:lnRef idx="2">
+        <a:scrgbClr r="0" g="0" b="0"/>
+      </a:lnRef>
+      <a:fillRef idx="1">
+        <a:scrgbClr r="0" g="0" b="0"/>
+      </a:fillRef>
+      <a:effectRef idx="0">
+        <a:scrgbClr r="0" g="0" b="0"/>
+      </a:effectRef>
+      <a:fontRef idx="minor">
+        <a:schemeClr val="lt1"/>
+      </a:fontRef>
+    </dgm:style>
+  </dgm:styleLbl>
+  <dgm:styleLbl name="asst1">
+    <dgm:scene3d>
+      <a:camera prst="orthographicFront"/>
+      <a:lightRig rig="threePt" dir="t"/>
+    </dgm:scene3d>
+    <dgm:sp3d/>
+    <dgm:txPr/>
+    <dgm:style>
+      <a:lnRef idx="2">
+        <a:scrgbClr r="0" g="0" b="0"/>
+      </a:lnRef>
+      <a:fillRef idx="1">
+        <a:scrgbClr r="0" g="0" b="0"/>
+      </a:fillRef>
+      <a:effectRef idx="0">
+        <a:scrgbClr r="0" g="0" b="0"/>
+      </a:effectRef>
+      <a:fontRef idx="minor">
+        <a:schemeClr val="lt1"/>
+      </a:fontRef>
+    </dgm:style>
+  </dgm:styleLbl>
+  <dgm:styleLbl name="asst2">
+    <dgm:scene3d>
+      <a:camera prst="orthographicFront"/>
+      <a:lightRig rig="threePt" dir="t"/>
+    </dgm:scene3d>
+    <dgm:sp3d/>
+    <dgm:txPr/>
+    <dgm:style>
+      <a:lnRef idx="2">
+        <a:scrgbClr r="0" g="0" b="0"/>
+      </a:lnRef>
+      <a:fillRef idx="1">
+        <a:scrgbClr r="0" g="0" b="0"/>
+      </a:fillRef>
+      <a:effectRef idx="0">
+        <a:scrgbClr r="0" g="0" b="0"/>
+      </a:effectRef>
+      <a:fontRef idx="minor">
+        <a:schemeClr val="lt1"/>
+      </a:fontRef>
+    </dgm:style>
+  </dgm:styleLbl>
+  <dgm:styleLbl name="asst3">
+    <dgm:scene3d>
+      <a:camera prst="orthographicFront"/>
+      <a:lightRig rig="threePt" dir="t"/>
+    </dgm:scene3d>
+    <dgm:sp3d/>
+    <dgm:txPr/>
+    <dgm:style>
+      <a:lnRef idx="2">
+        <a:scrgbClr r="0" g="0" b="0"/>
+      </a:lnRef>
+      <a:fillRef idx="1">
+        <a:scrgbClr r="0" g="0" b="0"/>
+      </a:fillRef>
+      <a:effectRef idx="0">
+        <a:scrgbClr r="0" g="0" b="0"/>
+      </a:effectRef>
+      <a:fontRef idx="minor">
+        <a:schemeClr val="lt1"/>
+      </a:fontRef>
+    </dgm:style>
+  </dgm:styleLbl>
+  <dgm:styleLbl name="asst4">
+    <dgm:scene3d>
+      <a:camera prst="orthographicFront"/>
+      <a:lightRig rig="threePt" dir="t"/>
+    </dgm:scene3d>
+    <dgm:sp3d/>
+    <dgm:txPr/>
+    <dgm:style>
+      <a:lnRef idx="2">
+        <a:scrgbClr r="0" g="0" b="0"/>
+      </a:lnRef>
+      <a:fillRef idx="1">
+        <a:scrgbClr r="0" g="0" b="0"/>
+      </a:fillRef>
+      <a:effectRef idx="0">
+        <a:scrgbClr r="0" g="0" b="0"/>
+      </a:effectRef>
+      <a:fontRef idx="minor">
+        <a:schemeClr val="lt1"/>
+      </a:fontRef>
+    </dgm:style>
+  </dgm:styleLbl>
+  <dgm:styleLbl name="parChTrans2D1">
+    <dgm:scene3d>
+      <a:camera prst="orthographicFront"/>
+      <a:lightRig rig="threePt" dir="t"/>
+    </dgm:scene3d>
+    <dgm:sp3d/>
+    <dgm:txPr/>
+    <dgm:style>
+      <a:lnRef idx="2">
+        <a:scrgbClr r="0" g="0" b="0"/>
+      </a:lnRef>
+      <a:fillRef idx="1">
+        <a:scrgbClr r="0" g="0" b="0"/>
+      </a:fillRef>
+      <a:effectRef idx="0">
+        <a:scrgbClr r="0" g="0" b="0"/>
+      </a:effectRef>
+      <a:fontRef idx="minor">
+        <a:schemeClr val="lt1"/>
+      </a:fontRef>
+    </dgm:style>
+  </dgm:styleLbl>
+  <dgm:styleLbl name="parChTrans2D2">
+    <dgm:scene3d>
+      <a:camera prst="orthographicFront"/>
+      <a:lightRig rig="threePt" dir="t"/>
+    </dgm:scene3d>
+    <dgm:sp3d/>
+    <dgm:txPr/>
+    <dgm:style>
+      <a:lnRef idx="2">
+        <a:scrgbClr r="0" g="0" b="0"/>
+      </a:lnRef>
+      <a:fillRef idx="1">
+        <a:scrgbClr r="0" g="0" b="0"/>
+      </a:fillRef>
+      <a:effectRef idx="0">
+        <a:scrgbClr r="0" g="0" b="0"/>
+      </a:effectRef>
+      <a:fontRef idx="minor">
+        <a:schemeClr val="lt1"/>
+      </a:fontRef>
+    </dgm:style>
+  </dgm:styleLbl>
+  <dgm:styleLbl name="parChTrans2D3">
+    <dgm:scene3d>
+      <a:camera prst="orthographicFront"/>
+      <a:lightRig rig="threePt" dir="t"/>
+    </dgm:scene3d>
+    <dgm:sp3d/>
+    <dgm:txPr/>
+    <dgm:style>
+      <a:lnRef idx="2">
+        <a:scrgbClr r="0" g="0" b="0"/>
+      </a:lnRef>
+      <a:fillRef idx="1">
+        <a:scrgbClr r="0" g="0" b="0"/>
+      </a:fillRef>
+      <a:effectRef idx="0">
+        <a:scrgbClr r="0" g="0" b="0"/>
+      </a:effectRef>
+      <a:fontRef idx="minor">
+        <a:schemeClr val="lt1"/>
+      </a:fontRef>
+    </dgm:style>
+  </dgm:styleLbl>
+  <dgm:styleLbl name="parChTrans2D4">
+    <dgm:scene3d>
+      <a:camera prst="orthographicFront"/>
+      <a:lightRig rig="threePt" dir="t"/>
+    </dgm:scene3d>
+    <dgm:sp3d/>
+    <dgm:txPr/>
+    <dgm:style>
+      <a:lnRef idx="2">
+        <a:scrgbClr r="0" g="0" b="0"/>
+      </a:lnRef>
+      <a:fillRef idx="1">
+        <a:scrgbClr r="0" g="0" b="0"/>
+      </a:fillRef>
+      <a:effectRef idx="0">
+        <a:scrgbClr r="0" g="0" b="0"/>
+      </a:effectRef>
+      <a:fontRef idx="minor">
+        <a:schemeClr val="lt1"/>
+      </a:fontRef>
+    </dgm:style>
+  </dgm:styleLbl>
+  <dgm:styleLbl name="parChTrans1D1">
+    <dgm:scene3d>
+      <a:camera prst="orthographicFront"/>
+      <a:lightRig rig="threePt" dir="t"/>
+    </dgm:scene3d>
+    <dgm:sp3d/>
+    <dgm:txPr/>
+    <dgm:style>
+      <a:lnRef idx="2">
+        <a:scrgbClr r="0" g="0" b="0"/>
+      </a:lnRef>
+      <a:fillRef idx="0">
+        <a:scrgbClr r="0" g="0" b="0"/>
+      </a:fillRef>
+      <a:effectRef idx="0">
+        <a:scrgbClr r="0" g="0" b="0"/>
+      </a:effectRef>
+      <a:fontRef idx="minor"/>
+    </dgm:style>
+  </dgm:styleLbl>
+  <dgm:styleLbl name="parChTrans1D2">
+    <dgm:scene3d>
+      <a:camera prst="orthographicFront"/>
+      <a:lightRig rig="threePt" dir="t"/>
+    </dgm:scene3d>
+    <dgm:sp3d/>
+    <dgm:txPr/>
+    <dgm:style>
+      <a:lnRef idx="2">
+        <a:scrgbClr r="0" g="0" b="0"/>
+      </a:lnRef>
+      <a:fillRef idx="0">
+        <a:scrgbClr r="0" g="0" b="0"/>
+      </a:fillRef>
+      <a:effectRef idx="0">
+        <a:scrgbClr r="0" g="0" b="0"/>
+      </a:effectRef>
+      <a:fontRef idx="minor"/>
+    </dgm:style>
+  </dgm:styleLbl>
+  <dgm:styleLbl name="parChTrans1D3">
+    <dgm:scene3d>
+      <a:camera prst="orthographicFront"/>
+      <a:lightRig rig="threePt" dir="t"/>
+    </dgm:scene3d>
+    <dgm:sp3d/>
+    <dgm:txPr/>
+    <dgm:style>
+      <a:lnRef idx="2">
+        <a:scrgbClr r="0" g="0" b="0"/>
+      </a:lnRef>
+      <a:fillRef idx="0">
+        <a:scrgbClr r="0" g="0" b="0"/>
+      </a:fillRef>
+      <a:effectRef idx="0">
+        <a:scrgbClr r="0" g="0" b="0"/>
+      </a:effectRef>
+      <a:fontRef idx="minor"/>
+    </dgm:style>
+  </dgm:styleLbl>
+  <dgm:styleLbl name="parChTrans1D4">
+    <dgm:scene3d>
+      <a:camera prst="orthographicFront"/>
+      <a:lightRig rig="threePt" dir="t"/>
+    </dgm:scene3d>
+    <dgm:sp3d/>
+    <dgm:txPr/>
+    <dgm:style>
+      <a:lnRef idx="2">
+        <a:scrgbClr r="0" g="0" b="0"/>
+      </a:lnRef>
+      <a:fillRef idx="0">
+        <a:scrgbClr r="0" g="0" b="0"/>
+      </a:fillRef>
+      <a:effectRef idx="0">
+        <a:scrgbClr r="0" g="0" b="0"/>
+      </a:effectRef>
+      <a:fontRef idx="minor"/>
+    </dgm:style>
+  </dgm:styleLbl>
+  <dgm:styleLbl name="fgAcc1">
+    <dgm:scene3d>
+      <a:camera prst="orthographicFront"/>
+      <a:lightRig rig="threePt" dir="t"/>
+    </dgm:scene3d>
+    <dgm:sp3d/>
+    <dgm:txPr/>
+    <dgm:style>
+      <a:lnRef idx="2">
+        <a:scrgbClr r="0" g="0" b="0"/>
+      </a:lnRef>
+      <a:fillRef idx="1">
+        <a:scrgbClr r="0" g="0" b="0"/>
+      </a:fillRef>
+      <a:effectRef idx="0">
+        <a:scrgbClr r="0" g="0" b="0"/>
+      </a:effectRef>
+      <a:fontRef idx="minor"/>
+    </dgm:style>
+  </dgm:styleLbl>
+  <dgm:styleLbl name="conFgAcc1">
+    <dgm:scene3d>
+      <a:camera prst="orthographicFront"/>
+      <a:lightRig rig="threePt" dir="t"/>
+    </dgm:scene3d>
+    <dgm:sp3d/>
+    <dgm:txPr/>
+    <dgm:style>
+      <a:lnRef idx="2">
+        <a:scrgbClr r="0" g="0" b="0"/>
+      </a:lnRef>
+      <a:fillRef idx="1">
+        <a:scrgbClr r="0" g="0" b="0"/>
+      </a:fillRef>
+      <a:effectRef idx="0">
+        <a:scrgbClr r="0" g="0" b="0"/>
+      </a:effectRef>
+      <a:fontRef idx="minor"/>
+    </dgm:style>
+  </dgm:styleLbl>
+  <dgm:styleLbl name="alignAcc1">
+    <dgm:scene3d>
+      <a:camera prst="orthographicFront"/>
+      <a:lightRig rig="threePt" dir="t"/>
+    </dgm:scene3d>
+    <dgm:sp3d/>
+    <dgm:txPr/>
+    <dgm:style>
+      <a:lnRef idx="2">
+        <a:scrgbClr r="0" g="0" b="0"/>
+      </a:lnRef>
+      <a:fillRef idx="1">
+        <a:scrgbClr r="0" g="0" b="0"/>
+      </a:fillRef>
+      <a:effectRef idx="0">
+        <a:scrgbClr r="0" g="0" b="0"/>
+      </a:effectRef>
+      <a:fontRef idx="minor"/>
+    </dgm:style>
+  </dgm:styleLbl>
+  <dgm:styleLbl name="trAlignAcc1">
+    <dgm:scene3d>
+      <a:camera prst="orthographicFront"/>
+      <a:lightRig rig="threePt" dir="t"/>
+    </dgm:scene3d>
+    <dgm:sp3d/>
+    <dgm:txPr/>
+    <dgm:style>
+      <a:lnRef idx="1">
+        <a:scrgbClr r="0" g="0" b="0"/>
+      </a:lnRef>
+      <a:fillRef idx="1">
+        <a:scrgbClr r="0" g="0" b="0"/>
+      </a:fillRef>
+      <a:effectRef idx="0">
+        <a:scrgbClr r="0" g="0" b="0"/>
+      </a:effectRef>
+      <a:fontRef idx="minor"/>
+    </dgm:style>
+  </dgm:styleLbl>
+  <dgm:styleLbl name="bgAcc1">
+    <dgm:scene3d>
+      <a:camera prst="orthographicFront"/>
+      <a:lightRig rig="threePt" dir="t"/>
+    </dgm:scene3d>
+    <dgm:sp3d/>
+    <dgm:txPr/>
+    <dgm:style>
+      <a:lnRef idx="2">
+        <a:scrgbClr r="0" g="0" b="0"/>
+      </a:lnRef>
+      <a:fillRef idx="1">
+        <a:scrgbClr r="0" g="0" b="0"/>
+      </a:fillRef>
+      <a:effectRef idx="0">
+        <a:scrgbClr r="0" g="0" b="0"/>
+      </a:effectRef>
+      <a:fontRef idx="minor"/>
+    </dgm:style>
+  </dgm:styleLbl>
+  <dgm:styleLbl name="solidFgAcc1">
+    <dgm:scene3d>
+      <a:camera prst="orthographicFront"/>
+      <a:lightRig rig="threePt" dir="t"/>
+    </dgm:scene3d>
+    <dgm:sp3d/>
+    <dgm:txPr/>
+    <dgm:style>
+      <a:lnRef idx="2">
+        <a:scrgbClr r="0" g="0" b="0"/>
+      </a:lnRef>
+      <a:fillRef idx="1">
+        <a:scrgbClr r="0" g="0" b="0"/>
+      </a:fillRef>
+      <a:effectRef idx="0">
+        <a:scrgbClr r="0" g="0" b="0"/>
+      </a:effectRef>
+      <a:fontRef idx="minor"/>
+    </dgm:style>
+  </dgm:styleLbl>
+  <dgm:styleLbl name="solidAlignAcc1">
+    <dgm:scene3d>
+      <a:camera prst="orthographicFront"/>
+      <a:lightRig rig="threePt" dir="t"/>
+    </dgm:scene3d>
+    <dgm:sp3d/>
+    <dgm:txPr/>
+    <dgm:style>
+      <a:lnRef idx="2">
+        <a:scrgbClr r="0" g="0" b="0"/>
+      </a:lnRef>
+      <a:fillRef idx="1">
+        <a:scrgbClr r="0" g="0" b="0"/>
+      </a:fillRef>
+      <a:effectRef idx="0">
+        <a:scrgbClr r="0" g="0" b="0"/>
+      </a:effectRef>
+      <a:fontRef idx="minor"/>
+    </dgm:style>
+  </dgm:styleLbl>
+  <dgm:styleLbl name="solidBgAcc1">
+    <dgm:scene3d>
+      <a:camera prst="orthographicFront"/>
+      <a:lightRig rig="threePt" dir="t"/>
+    </dgm:scene3d>
+    <dgm:sp3d/>
+    <dgm:txPr/>
+    <dgm:style>
+      <a:lnRef idx="2">
+        <a:scrgbClr r="0" g="0" b="0"/>
+      </a:lnRef>
+      <a:fillRef idx="1">
+        <a:scrgbClr r="0" g="0" b="0"/>
+      </a:fillRef>
+      <a:effectRef idx="0">
+        <a:scrgbClr r="0" g="0" b="0"/>
+      </a:effectRef>
+      <a:fontRef idx="minor"/>
+    </dgm:style>
+  </dgm:styleLbl>
+  <dgm:styleLbl name="fgAccFollowNode1">
+    <dgm:scene3d>
+      <a:camera prst="orthographicFront"/>
+      <a:lightRig rig="threePt" dir="t"/>
+    </dgm:scene3d>
+    <dgm:sp3d/>
+    <dgm:txPr/>
+    <dgm:style>
+      <a:lnRef idx="2">
+        <a:scrgbClr r="0" g="0" b="0"/>
+      </a:lnRef>
+      <a:fillRef idx="1">
+        <a:scrgbClr r="0" g="0" b="0"/>
+      </a:fillRef>
+      <a:effectRef idx="0">
+        <a:scrgbClr r="0" g="0" b="0"/>
+      </a:effectRef>
+      <a:fontRef idx="minor"/>
+    </dgm:style>
+  </dgm:styleLbl>
+  <dgm:styleLbl name="alignAccFollowNode1">
+    <dgm:scene3d>
+      <a:camera prst="orthographicFront"/>
+      <a:lightRig rig="threePt" dir="t"/>
+    </dgm:scene3d>
+    <dgm:sp3d/>
+    <dgm:txPr/>
+    <dgm:style>
+      <a:lnRef idx="2">
+        <a:scrgbClr r="0" g="0" b="0"/>
+      </a:lnRef>
+      <a:fillRef idx="1">
+        <a:scrgbClr r="0" g="0" b="0"/>
+      </a:fillRef>
+      <a:effectRef idx="0">
+        <a:scrgbClr r="0" g="0" b="0"/>
+      </a:effectRef>
+      <a:fontRef idx="minor"/>
+    </dgm:style>
+  </dgm:styleLbl>
+  <dgm:styleLbl name="bgAccFollowNode1">
+    <dgm:scene3d>
+      <a:camera prst="orthographicFront"/>
+      <a:lightRig rig="threePt" dir="t"/>
+    </dgm:scene3d>
+    <dgm:sp3d/>
+    <dgm:txPr/>
+    <dgm:style>
+      <a:lnRef idx="2">
+        <a:scrgbClr r="0" g="0" b="0"/>
+      </a:lnRef>
+      <a:fillRef idx="1">
+        <a:scrgbClr r="0" g="0" b="0"/>
+      </a:fillRef>
+      <a:effectRef idx="0">
+        <a:scrgbClr r="0" g="0" b="0"/>
+      </a:effectRef>
+      <a:fontRef idx="minor"/>
+    </dgm:style>
+  </dgm:styleLbl>
+  <dgm:styleLbl name="fgAcc0">
+    <dgm:scene3d>
+      <a:camera prst="orthographicFront"/>
+      <a:lightRig rig="threePt" dir="t"/>
+    </dgm:scene3d>
+    <dgm:sp3d/>
+    <dgm:txPr/>
+    <dgm:style>
+      <a:lnRef idx="2">
+        <a:scrgbClr r="0" g="0" b="0"/>
+      </a:lnRef>
+      <a:fillRef idx="1">
+        <a:scrgbClr r="0" g="0" b="0"/>
+      </a:fillRef>
+      <a:effectRef idx="0">
+        <a:scrgbClr r="0" g="0" b="0"/>
+      </a:effectRef>
+      <a:fontRef idx="minor"/>
+    </dgm:style>
+  </dgm:styleLbl>
+  <dgm:styleLbl name="fgAcc2">
+    <dgm:scene3d>
+      <a:camera prst="orthographicFront"/>
+      <a:lightRig rig="threePt" dir="t"/>
+    </dgm:scene3d>
+    <dgm:sp3d/>
+    <dgm:txPr/>
+    <dgm:style>
+      <a:lnRef idx="2">
+        <a:scrgbClr r="0" g="0" b="0"/>
+      </a:lnRef>
+      <a:fillRef idx="1">
+        <a:scrgbClr r="0" g="0" b="0"/>
+      </a:fillRef>
+      <a:effectRef idx="0">
+        <a:scrgbClr r="0" g="0" b="0"/>
+      </a:effectRef>
+      <a:fontRef idx="minor"/>
+    </dgm:style>
+  </dgm:styleLbl>
+  <dgm:styleLbl name="fgAcc3">
+    <dgm:scene3d>
+      <a:camera prst="orthographicFront"/>
+      <a:lightRig rig="threePt" dir="t"/>
+    </dgm:scene3d>
+    <dgm:sp3d/>
+    <dgm:txPr/>
+    <dgm:style>
+      <a:lnRef idx="2">
+        <a:scrgbClr r="0" g="0" b="0"/>
+      </a:lnRef>
+      <a:fillRef idx="1">
+        <a:scrgbClr r="0" g="0" b="0"/>
+      </a:fillRef>
+      <a:effectRef idx="0">
+        <a:scrgbClr r="0" g="0" b="0"/>
+      </a:effectRef>
+      <a:fontRef idx="minor"/>
+    </dgm:style>
+  </dgm:styleLbl>
+  <dgm:styleLbl name="fgAcc4">
+    <dgm:scene3d>
+      <a:camera prst="orthographicFront"/>
+      <a:lightRig rig="threePt" dir="t"/>
+    </dgm:scene3d>
+    <dgm:sp3d/>
+    <dgm:txPr/>
+    <dgm:style>
+      <a:lnRef idx="2">
+        <a:scrgbClr r="0" g="0" b="0"/>
+      </a:lnRef>
+      <a:fillRef idx="1">
+        <a:scrgbClr r="0" g="0" b="0"/>
+      </a:fillRef>
+      <a:effectRef idx="0">
+        <a:scrgbClr r="0" g="0" b="0"/>
+      </a:effectRef>
+      <a:fontRef idx="minor"/>
+    </dgm:style>
+  </dgm:styleLbl>
+  <dgm:styleLbl name="bgShp">
+    <dgm:scene3d>
+      <a:camera prst="orthographicFront"/>
+      <a:lightRig rig="threePt" dir="t"/>
+    </dgm:scene3d>
+    <dgm:sp3d/>
+    <dgm:txPr/>
+    <dgm:style>
+      <a:lnRef idx="0">
+        <a:scrgbClr r="0" g="0" b="0"/>
+      </a:lnRef>
+      <a:fillRef idx="1">
+        <a:scrgbClr r="0" g="0" b="0"/>
+      </a:fillRef>
+      <a:effectRef idx="0">
+        <a:scrgbClr r="0" g="0" b="0"/>
+      </a:effectRef>
+      <a:fontRef idx="minor"/>
+    </dgm:style>
+  </dgm:styleLbl>
+  <dgm:styleLbl name="dkBgShp">
+    <dgm:scene3d>
+      <a:camera prst="orthographicFront"/>
+      <a:lightRig rig="threePt" dir="t"/>
+    </dgm:scene3d>
+    <dgm:sp3d/>
+    <dgm:txPr/>
+    <dgm:style>
+      <a:lnRef idx="0">
+        <a:scrgbClr r="0" g="0" b="0"/>
+      </a:lnRef>
+      <a:fillRef idx="1">
+        <a:scrgbClr r="0" g="0" b="0"/>
+      </a:fillRef>
+      <a:effectRef idx="0">
+        <a:scrgbClr r="0" g="0" b="0"/>
+      </a:effectRef>
+      <a:fontRef idx="minor"/>
+    </dgm:style>
+  </dgm:styleLbl>
+  <dgm:styleLbl name="trBgShp">
+    <dgm:scene3d>
+      <a:camera prst="orthographicFront"/>
+      <a:lightRig rig="threePt" dir="t"/>
+    </dgm:scene3d>
+    <dgm:sp3d/>
+    <dgm:txPr/>
+    <dgm:style>
+      <a:lnRef idx="0">
+        <a:scrgbClr r="0" g="0" b="0"/>
+      </a:lnRef>
+      <a:fillRef idx="1">
+        <a:scrgbClr r="0" g="0" b="0"/>
+      </a:fillRef>
+      <a:effectRef idx="0">
+        <a:scrgbClr r="0" g="0" b="0"/>
+      </a:effectRef>
+      <a:fontRef idx="minor"/>
+    </dgm:style>
+  </dgm:styleLbl>
+  <dgm:styleLbl name="fgShp">
+    <dgm:scene3d>
+      <a:camera prst="orthographicFront"/>
+      <a:lightRig rig="threePt" dir="t"/>
+    </dgm:scene3d>
+    <dgm:sp3d/>
+    <dgm:txPr/>
+    <dgm:style>
+      <a:lnRef idx="2">
+        <a:scrgbClr r="0" g="0" b="0"/>
+      </a:lnRef>
+      <a:fillRef idx="1">
+        <a:scrgbClr r="0" g="0" b="0"/>
+      </a:fillRef>
+      <a:effectRef idx="0">
+        <a:scrgbClr r="0" g="0" b="0"/>
+      </a:effectRef>
+      <a:fontRef idx="minor"/>
+    </dgm:style>
+  </dgm:styleLbl>
+  <dgm:styleLbl name="revTx">
+    <dgm:scene3d>
+      <a:camera prst="orthographicFront"/>
+      <a:lightRig rig="threePt" dir="t"/>
+    </dgm:scene3d>
+    <dgm:sp3d/>
+    <dgm:txPr/>
+    <dgm:style>
+      <a:lnRef idx="0">
+        <a:scrgbClr r="0" g="0" b="0"/>
+      </a:lnRef>
+      <a:fillRef idx="0">
+        <a:scrgbClr r="0" g="0" b="0"/>
+      </a:fillRef>
+      <a:effectRef idx="0">
+        <a:scrgbClr r="0" g="0" b="0"/>
+      </a:effectRef>
+      <a:fontRef idx="minor"/>
+    </dgm:style>
+  </dgm:styleLbl>
+</dgm:styleDef>
+</file>
+
+<file path=ppt/diagrams/quickStyle3.xml><?xml version="1.0" encoding="utf-8"?>
 <dgm:styleDef xmlns:dgm="http://schemas.openxmlformats.org/drawingml/2006/diagram" xmlns:a="http://schemas.openxmlformats.org/drawingml/2006/main" uniqueId="urn:microsoft.com/office/officeart/2005/8/quickstyle/simple1">
   <dgm:title val=""/>
   <dgm:desc val=""/>
@@ -8250,6 +14983,767 @@
 </p:sld>
 </file>
 
+<file path=ppt/slides/slide6.xml><?xml version="1.0" encoding="utf-8"?>
+<p:sld xmlns:a="http://schemas.openxmlformats.org/drawingml/2006/main" xmlns:r="http://schemas.openxmlformats.org/officeDocument/2006/relationships" xmlns:p="http://schemas.openxmlformats.org/presentationml/2006/main">
+  <p:cSld>
+    <p:spTree>
+      <p:nvGrpSpPr>
+        <p:cNvPr id="1" name=""/>
+        <p:cNvGrpSpPr/>
+        <p:nvPr/>
+      </p:nvGrpSpPr>
+      <p:grpSpPr>
+        <a:xfrm>
+          <a:off x="0" y="0"/>
+          <a:ext cx="0" cy="0"/>
+          <a:chOff x="0" y="0"/>
+          <a:chExt cx="0" cy="0"/>
+        </a:xfrm>
+      </p:grpSpPr>
+      <p:sp>
+        <p:nvSpPr>
+          <p:cNvPr id="2" name="Titel 1">
+            <a:extLst>
+              <a:ext uri="{FF2B5EF4-FFF2-40B4-BE49-F238E27FC236}">
+                <a16:creationId xmlns:a16="http://schemas.microsoft.com/office/drawing/2014/main" id="{568F2C59-1472-497B-9097-00D0F5DCA36F}"/>
+              </a:ext>
+            </a:extLst>
+          </p:cNvPr>
+          <p:cNvSpPr>
+            <a:spLocks noGrp="1"/>
+          </p:cNvSpPr>
+          <p:nvPr>
+            <p:ph type="title"/>
+          </p:nvPr>
+        </p:nvSpPr>
+        <p:spPr/>
+        <p:txBody>
+          <a:bodyPr/>
+          <a:lstStyle/>
+          <a:p>
+            <a:r>
+              <a:rPr lang="de-DE" dirty="0"/>
+              <a:t>Progress and </a:t>
+            </a:r>
+            <a:r>
+              <a:rPr lang="de-DE" dirty="0" err="1"/>
+              <a:t>results</a:t>
+            </a:r>
+            <a:endParaRPr lang="en-DE" dirty="0"/>
+          </a:p>
+        </p:txBody>
+      </p:sp>
+      <p:graphicFrame>
+        <p:nvGraphicFramePr>
+          <p:cNvPr id="9" name="Inhaltsplatzhalter 8">
+            <a:extLst>
+              <a:ext uri="{FF2B5EF4-FFF2-40B4-BE49-F238E27FC236}">
+                <a16:creationId xmlns:a16="http://schemas.microsoft.com/office/drawing/2014/main" id="{16C41FA3-7AAB-4273-8481-B68DB56A597A}"/>
+              </a:ext>
+            </a:extLst>
+          </p:cNvPr>
+          <p:cNvGraphicFramePr>
+            <a:graphicFrameLocks noGrp="1"/>
+          </p:cNvGraphicFramePr>
+          <p:nvPr>
+            <p:ph idx="1"/>
+          </p:nvPr>
+        </p:nvGraphicFramePr>
+        <p:xfrm>
+          <a:off x="1371600" y="2286000"/>
+          <a:ext cx="9601200" cy="3581400"/>
+        </p:xfrm>
+        <a:graphic>
+          <a:graphicData uri="http://schemas.openxmlformats.org/drawingml/2006/diagram">
+            <dgm:relIds xmlns:dgm="http://schemas.openxmlformats.org/drawingml/2006/diagram" xmlns:r="http://schemas.openxmlformats.org/officeDocument/2006/relationships" r:dm="rId2" r:lo="rId3" r:qs="rId4" r:cs="rId5"/>
+          </a:graphicData>
+        </a:graphic>
+      </p:graphicFrame>
+    </p:spTree>
+    <p:extLst>
+      <p:ext uri="{BB962C8B-B14F-4D97-AF65-F5344CB8AC3E}">
+        <p14:creationId xmlns:p14="http://schemas.microsoft.com/office/powerpoint/2010/main" val="3695933313"/>
+      </p:ext>
+    </p:extLst>
+  </p:cSld>
+  <p:clrMapOvr>
+    <a:masterClrMapping/>
+  </p:clrMapOvr>
+</p:sld>
+</file>
+
+<file path=ppt/slides/slide7.xml><?xml version="1.0" encoding="utf-8"?>
+<p:sld xmlns:a="http://schemas.openxmlformats.org/drawingml/2006/main" xmlns:r="http://schemas.openxmlformats.org/officeDocument/2006/relationships" xmlns:p="http://schemas.openxmlformats.org/presentationml/2006/main">
+  <p:cSld>
+    <p:spTree>
+      <p:nvGrpSpPr>
+        <p:cNvPr id="1" name=""/>
+        <p:cNvGrpSpPr/>
+        <p:nvPr/>
+      </p:nvGrpSpPr>
+      <p:grpSpPr>
+        <a:xfrm>
+          <a:off x="0" y="0"/>
+          <a:ext cx="0" cy="0"/>
+          <a:chOff x="0" y="0"/>
+          <a:chExt cx="0" cy="0"/>
+        </a:xfrm>
+      </p:grpSpPr>
+      <p:graphicFrame>
+        <p:nvGraphicFramePr>
+          <p:cNvPr id="4" name="Inhaltsplatzhalter 3">
+            <a:extLst>
+              <a:ext uri="{FF2B5EF4-FFF2-40B4-BE49-F238E27FC236}">
+                <a16:creationId xmlns:a16="http://schemas.microsoft.com/office/drawing/2014/main" id="{6EAD2F60-D520-4F18-83FB-B205D563D0E4}"/>
+              </a:ext>
+            </a:extLst>
+          </p:cNvPr>
+          <p:cNvGraphicFramePr>
+            <a:graphicFrameLocks noGrp="1"/>
+          </p:cNvGraphicFramePr>
+          <p:nvPr>
+            <p:ph idx="1"/>
+            <p:extLst>
+              <p:ext uri="{D42A27DB-BD31-4B8C-83A1-F6EECF244321}">
+                <p14:modId xmlns:p14="http://schemas.microsoft.com/office/powerpoint/2010/main" val="257725600"/>
+              </p:ext>
+            </p:extLst>
+          </p:nvPr>
+        </p:nvGraphicFramePr>
+        <p:xfrm>
+          <a:off x="2214483" y="1186953"/>
+          <a:ext cx="9601200" cy="5595937"/>
+        </p:xfrm>
+        <a:graphic>
+          <a:graphicData uri="http://schemas.openxmlformats.org/drawingml/2006/diagram">
+            <dgm:relIds xmlns:dgm="http://schemas.openxmlformats.org/drawingml/2006/diagram" xmlns:r="http://schemas.openxmlformats.org/officeDocument/2006/relationships" r:dm="rId2" r:lo="rId3" r:qs="rId4" r:cs="rId5"/>
+          </a:graphicData>
+        </a:graphic>
+      </p:graphicFrame>
+      <p:sp>
+        <p:nvSpPr>
+          <p:cNvPr id="5" name="Pfeil: gebogen 4">
+            <a:extLst>
+              <a:ext uri="{FF2B5EF4-FFF2-40B4-BE49-F238E27FC236}">
+                <a16:creationId xmlns:a16="http://schemas.microsoft.com/office/drawing/2014/main" id="{0F7C3EA3-6501-4554-9E0E-9B454DEBDF56}"/>
+              </a:ext>
+            </a:extLst>
+          </p:cNvPr>
+          <p:cNvSpPr/>
+          <p:nvPr/>
+        </p:nvSpPr>
+        <p:spPr>
+          <a:xfrm rot="16200000">
+            <a:off x="1361383" y="2446726"/>
+            <a:ext cx="1501863" cy="2702334"/>
+          </a:xfrm>
+          <a:prstGeom prst="circularArrow">
+            <a:avLst/>
+          </a:prstGeom>
+        </p:spPr>
+        <p:style>
+          <a:lnRef idx="2">
+            <a:schemeClr val="accent1">
+              <a:shade val="50000"/>
+            </a:schemeClr>
+          </a:lnRef>
+          <a:fillRef idx="1">
+            <a:schemeClr val="accent1"/>
+          </a:fillRef>
+          <a:effectRef idx="0">
+            <a:schemeClr val="accent1"/>
+          </a:effectRef>
+          <a:fontRef idx="minor">
+            <a:schemeClr val="lt1"/>
+          </a:fontRef>
+        </p:style>
+        <p:txBody>
+          <a:bodyPr rtlCol="0" anchor="ctr"/>
+          <a:lstStyle/>
+          <a:p>
+            <a:pPr marL="0" marR="0" lvl="0" indent="0" algn="ctr" defTabSz="457200" rtl="0" eaLnBrk="1" fontAlgn="auto" latinLnBrk="0" hangingPunct="1">
+              <a:lnSpc>
+                <a:spcPct val="100000"/>
+              </a:lnSpc>
+              <a:spcBef>
+                <a:spcPts val="0"/>
+              </a:spcBef>
+              <a:spcAft>
+                <a:spcPts val="0"/>
+              </a:spcAft>
+              <a:buClrTx/>
+              <a:buSzTx/>
+              <a:buFontTx/>
+              <a:buNone/>
+              <a:tabLst/>
+              <a:defRPr/>
+            </a:pPr>
+            <a:endParaRPr kumimoji="0" lang="en-DE" sz="1800" b="0" i="0" u="none" strike="noStrike" kern="1200" cap="none" spc="0" normalizeH="0" baseline="0" noProof="0">
+              <a:ln>
+                <a:noFill/>
+              </a:ln>
+              <a:solidFill>
+                <a:prstClr val="black"/>
+              </a:solidFill>
+              <a:effectLst/>
+              <a:uLnTx/>
+              <a:uFillTx/>
+              <a:latin typeface="Franklin Gothic Book" panose="020B0503020102020204"/>
+              <a:ea typeface="+mn-ea"/>
+              <a:cs typeface="+mn-cs"/>
+            </a:endParaRPr>
+          </a:p>
+        </p:txBody>
+      </p:sp>
+      <p:sp>
+        <p:nvSpPr>
+          <p:cNvPr id="6" name="Titel 1">
+            <a:extLst>
+              <a:ext uri="{FF2B5EF4-FFF2-40B4-BE49-F238E27FC236}">
+                <a16:creationId xmlns:a16="http://schemas.microsoft.com/office/drawing/2014/main" id="{13E6B543-25D5-4A93-BF6A-7B794C357DA3}"/>
+              </a:ext>
+            </a:extLst>
+          </p:cNvPr>
+          <p:cNvSpPr>
+            <a:spLocks noGrp="1"/>
+          </p:cNvSpPr>
+          <p:nvPr>
+            <p:ph type="title"/>
+          </p:nvPr>
+        </p:nvSpPr>
+        <p:spPr>
+          <a:xfrm>
+            <a:off x="1412893" y="325421"/>
+            <a:ext cx="9601200" cy="1485900"/>
+          </a:xfrm>
+        </p:spPr>
+        <p:txBody>
+          <a:bodyPr/>
+          <a:lstStyle/>
+          <a:p>
+            <a:r>
+              <a:rPr lang="de-DE" dirty="0"/>
+              <a:t>k-</a:t>
+            </a:r>
+            <a:r>
+              <a:rPr lang="de-DE" dirty="0" err="1"/>
+              <a:t>means</a:t>
+            </a:r>
+            <a:endParaRPr lang="en-DE" dirty="0"/>
+          </a:p>
+        </p:txBody>
+      </p:sp>
+    </p:spTree>
+    <p:extLst>
+      <p:ext uri="{BB962C8B-B14F-4D97-AF65-F5344CB8AC3E}">
+        <p14:creationId xmlns:p14="http://schemas.microsoft.com/office/powerpoint/2010/main" val="3317461424"/>
+      </p:ext>
+    </p:extLst>
+  </p:cSld>
+  <p:clrMapOvr>
+    <a:masterClrMapping/>
+  </p:clrMapOvr>
+  <p:timing>
+    <p:tnLst>
+      <p:par>
+        <p:cTn id="1" dur="indefinite" restart="never" nodeType="tmRoot">
+          <p:childTnLst>
+            <p:seq concurrent="1" nextAc="seek">
+              <p:cTn id="2" dur="indefinite" nodeType="mainSeq">
+                <p:childTnLst>
+                  <p:par>
+                    <p:cTn id="3" fill="hold">
+                      <p:stCondLst>
+                        <p:cond delay="indefinite"/>
+                      </p:stCondLst>
+                      <p:childTnLst>
+                        <p:par>
+                          <p:cTn id="4" fill="hold">
+                            <p:stCondLst>
+                              <p:cond delay="0"/>
+                            </p:stCondLst>
+                            <p:childTnLst>
+                              <p:par>
+                                <p:cTn id="5" presetID="1" presetClass="entr" presetSubtype="0" fill="hold" grpId="0" nodeType="clickEffect">
+                                  <p:stCondLst>
+                                    <p:cond delay="0"/>
+                                  </p:stCondLst>
+                                  <p:childTnLst>
+                                    <p:set>
+                                      <p:cBhvr>
+                                        <p:cTn id="6" dur="1" fill="hold">
+                                          <p:stCondLst>
+                                            <p:cond delay="0"/>
+                                          </p:stCondLst>
+                                        </p:cTn>
+                                        <p:tgtEl>
+                                          <p:spTgt spid="4">
+                                            <p:graphicEl>
+                                              <a:dgm id="{CCE4F5B3-FB1A-4143-ABAB-D43D35563ABB}"/>
+                                            </p:graphicEl>
+                                          </p:spTgt>
+                                        </p:tgtEl>
+                                        <p:attrNameLst>
+                                          <p:attrName>style.visibility</p:attrName>
+                                        </p:attrNameLst>
+                                      </p:cBhvr>
+                                      <p:to>
+                                        <p:strVal val="visible"/>
+                                      </p:to>
+                                    </p:set>
+                                  </p:childTnLst>
+                                </p:cTn>
+                              </p:par>
+                            </p:childTnLst>
+                          </p:cTn>
+                        </p:par>
+                      </p:childTnLst>
+                    </p:cTn>
+                  </p:par>
+                  <p:par>
+                    <p:cTn id="7" fill="hold">
+                      <p:stCondLst>
+                        <p:cond delay="indefinite"/>
+                      </p:stCondLst>
+                      <p:childTnLst>
+                        <p:par>
+                          <p:cTn id="8" fill="hold">
+                            <p:stCondLst>
+                              <p:cond delay="0"/>
+                            </p:stCondLst>
+                            <p:childTnLst>
+                              <p:par>
+                                <p:cTn id="9" presetID="1" presetClass="entr" presetSubtype="0" fill="hold" grpId="0" nodeType="clickEffect">
+                                  <p:stCondLst>
+                                    <p:cond delay="0"/>
+                                  </p:stCondLst>
+                                  <p:childTnLst>
+                                    <p:set>
+                                      <p:cBhvr>
+                                        <p:cTn id="10" dur="1" fill="hold">
+                                          <p:stCondLst>
+                                            <p:cond delay="0"/>
+                                          </p:stCondLst>
+                                        </p:cTn>
+                                        <p:tgtEl>
+                                          <p:spTgt spid="4">
+                                            <p:graphicEl>
+                                              <a:dgm id="{D95776BF-4FEA-40CE-9F92-60BCA921EFD4}"/>
+                                            </p:graphicEl>
+                                          </p:spTgt>
+                                        </p:tgtEl>
+                                        <p:attrNameLst>
+                                          <p:attrName>style.visibility</p:attrName>
+                                        </p:attrNameLst>
+                                      </p:cBhvr>
+                                      <p:to>
+                                        <p:strVal val="visible"/>
+                                      </p:to>
+                                    </p:set>
+                                  </p:childTnLst>
+                                </p:cTn>
+                              </p:par>
+                            </p:childTnLst>
+                          </p:cTn>
+                        </p:par>
+                      </p:childTnLst>
+                    </p:cTn>
+                  </p:par>
+                  <p:par>
+                    <p:cTn id="11" fill="hold">
+                      <p:stCondLst>
+                        <p:cond delay="indefinite"/>
+                      </p:stCondLst>
+                      <p:childTnLst>
+                        <p:par>
+                          <p:cTn id="12" fill="hold">
+                            <p:stCondLst>
+                              <p:cond delay="0"/>
+                            </p:stCondLst>
+                            <p:childTnLst>
+                              <p:par>
+                                <p:cTn id="13" presetID="1" presetClass="entr" presetSubtype="0" fill="hold" grpId="0" nodeType="clickEffect">
+                                  <p:stCondLst>
+                                    <p:cond delay="0"/>
+                                  </p:stCondLst>
+                                  <p:childTnLst>
+                                    <p:set>
+                                      <p:cBhvr>
+                                        <p:cTn id="14" dur="1" fill="hold">
+                                          <p:stCondLst>
+                                            <p:cond delay="0"/>
+                                          </p:stCondLst>
+                                        </p:cTn>
+                                        <p:tgtEl>
+                                          <p:spTgt spid="4">
+                                            <p:graphicEl>
+                                              <a:dgm id="{2C6E34EA-B99F-4B02-9ECC-6F7BDBCD64E6}"/>
+                                            </p:graphicEl>
+                                          </p:spTgt>
+                                        </p:tgtEl>
+                                        <p:attrNameLst>
+                                          <p:attrName>style.visibility</p:attrName>
+                                        </p:attrNameLst>
+                                      </p:cBhvr>
+                                      <p:to>
+                                        <p:strVal val="visible"/>
+                                      </p:to>
+                                    </p:set>
+                                  </p:childTnLst>
+                                </p:cTn>
+                              </p:par>
+                            </p:childTnLst>
+                          </p:cTn>
+                        </p:par>
+                      </p:childTnLst>
+                    </p:cTn>
+                  </p:par>
+                  <p:par>
+                    <p:cTn id="15" fill="hold">
+                      <p:stCondLst>
+                        <p:cond delay="indefinite"/>
+                      </p:stCondLst>
+                      <p:childTnLst>
+                        <p:par>
+                          <p:cTn id="16" fill="hold">
+                            <p:stCondLst>
+                              <p:cond delay="0"/>
+                            </p:stCondLst>
+                            <p:childTnLst>
+                              <p:par>
+                                <p:cTn id="17" presetID="1" presetClass="entr" presetSubtype="0" fill="hold" grpId="0" nodeType="clickEffect">
+                                  <p:stCondLst>
+                                    <p:cond delay="0"/>
+                                  </p:stCondLst>
+                                  <p:childTnLst>
+                                    <p:set>
+                                      <p:cBhvr>
+                                        <p:cTn id="18" dur="1" fill="hold">
+                                          <p:stCondLst>
+                                            <p:cond delay="0"/>
+                                          </p:stCondLst>
+                                        </p:cTn>
+                                        <p:tgtEl>
+                                          <p:spTgt spid="4">
+                                            <p:graphicEl>
+                                              <a:dgm id="{D7FE1531-C632-433A-9CE7-0A10F91409D0}"/>
+                                            </p:graphicEl>
+                                          </p:spTgt>
+                                        </p:tgtEl>
+                                        <p:attrNameLst>
+                                          <p:attrName>style.visibility</p:attrName>
+                                        </p:attrNameLst>
+                                      </p:cBhvr>
+                                      <p:to>
+                                        <p:strVal val="visible"/>
+                                      </p:to>
+                                    </p:set>
+                                  </p:childTnLst>
+                                </p:cTn>
+                              </p:par>
+                            </p:childTnLst>
+                          </p:cTn>
+                        </p:par>
+                      </p:childTnLst>
+                    </p:cTn>
+                  </p:par>
+                  <p:par>
+                    <p:cTn id="19" fill="hold">
+                      <p:stCondLst>
+                        <p:cond delay="indefinite"/>
+                      </p:stCondLst>
+                      <p:childTnLst>
+                        <p:par>
+                          <p:cTn id="20" fill="hold">
+                            <p:stCondLst>
+                              <p:cond delay="0"/>
+                            </p:stCondLst>
+                            <p:childTnLst>
+                              <p:par>
+                                <p:cTn id="21" presetID="1" presetClass="entr" presetSubtype="0" fill="hold" grpId="0" nodeType="clickEffect">
+                                  <p:stCondLst>
+                                    <p:cond delay="0"/>
+                                  </p:stCondLst>
+                                  <p:childTnLst>
+                                    <p:set>
+                                      <p:cBhvr>
+                                        <p:cTn id="22" dur="1" fill="hold">
+                                          <p:stCondLst>
+                                            <p:cond delay="0"/>
+                                          </p:stCondLst>
+                                        </p:cTn>
+                                        <p:tgtEl>
+                                          <p:spTgt spid="4">
+                                            <p:graphicEl>
+                                              <a:dgm id="{788C0808-BFE2-4EA0-9D8C-5047A3AD597A}"/>
+                                            </p:graphicEl>
+                                          </p:spTgt>
+                                        </p:tgtEl>
+                                        <p:attrNameLst>
+                                          <p:attrName>style.visibility</p:attrName>
+                                        </p:attrNameLst>
+                                      </p:cBhvr>
+                                      <p:to>
+                                        <p:strVal val="visible"/>
+                                      </p:to>
+                                    </p:set>
+                                  </p:childTnLst>
+                                </p:cTn>
+                              </p:par>
+                            </p:childTnLst>
+                          </p:cTn>
+                        </p:par>
+                      </p:childTnLst>
+                    </p:cTn>
+                  </p:par>
+                  <p:par>
+                    <p:cTn id="23" fill="hold">
+                      <p:stCondLst>
+                        <p:cond delay="indefinite"/>
+                      </p:stCondLst>
+                      <p:childTnLst>
+                        <p:par>
+                          <p:cTn id="24" fill="hold">
+                            <p:stCondLst>
+                              <p:cond delay="0"/>
+                            </p:stCondLst>
+                            <p:childTnLst>
+                              <p:par>
+                                <p:cTn id="25" presetID="1" presetClass="entr" presetSubtype="0" fill="hold" grpId="0" nodeType="clickEffect">
+                                  <p:stCondLst>
+                                    <p:cond delay="0"/>
+                                  </p:stCondLst>
+                                  <p:childTnLst>
+                                    <p:set>
+                                      <p:cBhvr>
+                                        <p:cTn id="26" dur="1" fill="hold">
+                                          <p:stCondLst>
+                                            <p:cond delay="0"/>
+                                          </p:stCondLst>
+                                        </p:cTn>
+                                        <p:tgtEl>
+                                          <p:spTgt spid="4">
+                                            <p:graphicEl>
+                                              <a:dgm id="{C9EBB32B-AAD8-45DE-B2C2-05BF56180906}"/>
+                                            </p:graphicEl>
+                                          </p:spTgt>
+                                        </p:tgtEl>
+                                        <p:attrNameLst>
+                                          <p:attrName>style.visibility</p:attrName>
+                                        </p:attrNameLst>
+                                      </p:cBhvr>
+                                      <p:to>
+                                        <p:strVal val="visible"/>
+                                      </p:to>
+                                    </p:set>
+                                  </p:childTnLst>
+                                </p:cTn>
+                              </p:par>
+                            </p:childTnLst>
+                          </p:cTn>
+                        </p:par>
+                      </p:childTnLst>
+                    </p:cTn>
+                  </p:par>
+                  <p:par>
+                    <p:cTn id="27" fill="hold">
+                      <p:stCondLst>
+                        <p:cond delay="indefinite"/>
+                      </p:stCondLst>
+                      <p:childTnLst>
+                        <p:par>
+                          <p:cTn id="28" fill="hold">
+                            <p:stCondLst>
+                              <p:cond delay="0"/>
+                            </p:stCondLst>
+                            <p:childTnLst>
+                              <p:par>
+                                <p:cTn id="29" presetID="1" presetClass="entr" presetSubtype="0" fill="hold" grpId="0" nodeType="clickEffect">
+                                  <p:stCondLst>
+                                    <p:cond delay="0"/>
+                                  </p:stCondLst>
+                                  <p:childTnLst>
+                                    <p:set>
+                                      <p:cBhvr>
+                                        <p:cTn id="30" dur="1" fill="hold">
+                                          <p:stCondLst>
+                                            <p:cond delay="0"/>
+                                          </p:stCondLst>
+                                        </p:cTn>
+                                        <p:tgtEl>
+                                          <p:spTgt spid="4">
+                                            <p:graphicEl>
+                                              <a:dgm id="{7EBB6687-D421-43EF-9F78-82CA25F96FE6}"/>
+                                            </p:graphicEl>
+                                          </p:spTgt>
+                                        </p:tgtEl>
+                                        <p:attrNameLst>
+                                          <p:attrName>style.visibility</p:attrName>
+                                        </p:attrNameLst>
+                                      </p:cBhvr>
+                                      <p:to>
+                                        <p:strVal val="visible"/>
+                                      </p:to>
+                                    </p:set>
+                                  </p:childTnLst>
+                                </p:cTn>
+                              </p:par>
+                            </p:childTnLst>
+                          </p:cTn>
+                        </p:par>
+                      </p:childTnLst>
+                    </p:cTn>
+                  </p:par>
+                  <p:par>
+                    <p:cTn id="31" fill="hold">
+                      <p:stCondLst>
+                        <p:cond delay="indefinite"/>
+                      </p:stCondLst>
+                      <p:childTnLst>
+                        <p:par>
+                          <p:cTn id="32" fill="hold">
+                            <p:stCondLst>
+                              <p:cond delay="0"/>
+                            </p:stCondLst>
+                            <p:childTnLst>
+                              <p:par>
+                                <p:cTn id="33" presetID="1" presetClass="entr" presetSubtype="0" fill="hold" grpId="0" nodeType="clickEffect">
+                                  <p:stCondLst>
+                                    <p:cond delay="0"/>
+                                  </p:stCondLst>
+                                  <p:childTnLst>
+                                    <p:set>
+                                      <p:cBhvr>
+                                        <p:cTn id="34" dur="1" fill="hold">
+                                          <p:stCondLst>
+                                            <p:cond delay="0"/>
+                                          </p:stCondLst>
+                                        </p:cTn>
+                                        <p:tgtEl>
+                                          <p:spTgt spid="4">
+                                            <p:graphicEl>
+                                              <a:dgm id="{2E687C8E-E2B5-40E0-B665-A7A6643B7CE5}"/>
+                                            </p:graphicEl>
+                                          </p:spTgt>
+                                        </p:tgtEl>
+                                        <p:attrNameLst>
+                                          <p:attrName>style.visibility</p:attrName>
+                                        </p:attrNameLst>
+                                      </p:cBhvr>
+                                      <p:to>
+                                        <p:strVal val="visible"/>
+                                      </p:to>
+                                    </p:set>
+                                  </p:childTnLst>
+                                </p:cTn>
+                              </p:par>
+                            </p:childTnLst>
+                          </p:cTn>
+                        </p:par>
+                      </p:childTnLst>
+                    </p:cTn>
+                  </p:par>
+                </p:childTnLst>
+              </p:cTn>
+              <p:prevCondLst>
+                <p:cond evt="onPrev" delay="0">
+                  <p:tgtEl>
+                    <p:sldTgt/>
+                  </p:tgtEl>
+                </p:cond>
+              </p:prevCondLst>
+              <p:nextCondLst>
+                <p:cond evt="onNext" delay="0">
+                  <p:tgtEl>
+                    <p:sldTgt/>
+                  </p:tgtEl>
+                </p:cond>
+              </p:nextCondLst>
+            </p:seq>
+            <p:seq concurrent="1" nextAc="seek">
+              <p:cTn id="35" restart="whenNotActive" fill="hold" evtFilter="cancelBubble" nodeType="interactiveSeq">
+                <p:stCondLst>
+                  <p:cond evt="onClick" delay="0">
+                    <p:tgtEl>
+                      <p:spTgt spid="6"/>
+                    </p:tgtEl>
+                  </p:cond>
+                </p:stCondLst>
+                <p:endSync evt="end" delay="0">
+                  <p:rtn val="all"/>
+                </p:endSync>
+                <p:childTnLst>
+                  <p:par>
+                    <p:cTn id="36" fill="hold">
+                      <p:stCondLst>
+                        <p:cond delay="0"/>
+                      </p:stCondLst>
+                      <p:childTnLst>
+                        <p:par>
+                          <p:cTn id="37" fill="hold">
+                            <p:stCondLst>
+                              <p:cond delay="0"/>
+                            </p:stCondLst>
+                            <p:childTnLst>
+                              <p:par>
+                                <p:cTn id="38" presetID="1" presetClass="entr" presetSubtype="0" fill="hold" grpId="0" nodeType="clickEffect">
+                                  <p:stCondLst>
+                                    <p:cond delay="0"/>
+                                  </p:stCondLst>
+                                  <p:childTnLst>
+                                    <p:set>
+                                      <p:cBhvr>
+                                        <p:cTn id="39" dur="1" fill="hold">
+                                          <p:stCondLst>
+                                            <p:cond delay="0"/>
+                                          </p:stCondLst>
+                                        </p:cTn>
+                                        <p:tgtEl>
+                                          <p:spTgt spid="5"/>
+                                        </p:tgtEl>
+                                        <p:attrNameLst>
+                                          <p:attrName>style.visibility</p:attrName>
+                                        </p:attrNameLst>
+                                      </p:cBhvr>
+                                      <p:to>
+                                        <p:strVal val="visible"/>
+                                      </p:to>
+                                    </p:set>
+                                  </p:childTnLst>
+                                </p:cTn>
+                              </p:par>
+                            </p:childTnLst>
+                          </p:cTn>
+                        </p:par>
+                      </p:childTnLst>
+                    </p:cTn>
+                  </p:par>
+                </p:childTnLst>
+              </p:cTn>
+              <p:nextCondLst>
+                <p:cond evt="onClick" delay="0">
+                  <p:tgtEl>
+                    <p:spTgt spid="6"/>
+                  </p:tgtEl>
+                </p:cond>
+              </p:nextCondLst>
+            </p:seq>
+          </p:childTnLst>
+        </p:cTn>
+      </p:par>
+    </p:tnLst>
+    <p:bldLst>
+      <p:bldGraphic spid="4" grpId="0" uiExpand="1">
+        <p:bldSub>
+          <a:bldDgm bld="one"/>
+        </p:bldSub>
+      </p:bldGraphic>
+      <p:bldP spid="5" grpId="0" animBg="1"/>
+    </p:bldLst>
+  </p:timing>
+</p:sld>
+</file>
+
 <file path=ppt/theme/theme1.xml><?xml version="1.0" encoding="utf-8"?>
 <a:theme xmlns:a="http://schemas.openxmlformats.org/drawingml/2006/main" name="Ausschnitt">
   <a:themeElements>

--- a/Project Proposal.pptx
+++ b/Project Proposal.pptx
@@ -119,6 +119,925 @@
 </file>
 
 <file path=ppt/diagrams/colors1.xml><?xml version="1.0" encoding="utf-8"?>
+<dgm:colorsDef xmlns:dgm="http://schemas.openxmlformats.org/drawingml/2006/diagram" xmlns:a="http://schemas.openxmlformats.org/drawingml/2006/main" uniqueId="urn:microsoft.com/office/officeart/2005/8/colors/colorful1">
+  <dgm:title val=""/>
+  <dgm:desc val=""/>
+  <dgm:catLst>
+    <dgm:cat type="colorful" pri="10100"/>
+  </dgm:catLst>
+  <dgm:styleLbl name="node0">
+    <dgm:fillClrLst meth="repeat">
+      <a:schemeClr val="accent1"/>
+    </dgm:fillClrLst>
+    <dgm:linClrLst meth="repeat">
+      <a:schemeClr val="lt1"/>
+    </dgm:linClrLst>
+    <dgm:effectClrLst/>
+    <dgm:txLinClrLst/>
+    <dgm:txFillClrLst/>
+    <dgm:txEffectClrLst/>
+  </dgm:styleLbl>
+  <dgm:styleLbl name="node1">
+    <dgm:fillClrLst meth="repeat">
+      <a:schemeClr val="accent2"/>
+      <a:schemeClr val="accent3"/>
+      <a:schemeClr val="accent4"/>
+      <a:schemeClr val="accent5"/>
+      <a:schemeClr val="accent6"/>
+    </dgm:fillClrLst>
+    <dgm:linClrLst meth="repeat">
+      <a:schemeClr val="lt1"/>
+    </dgm:linClrLst>
+    <dgm:effectClrLst/>
+    <dgm:txLinClrLst/>
+    <dgm:txFillClrLst/>
+    <dgm:txEffectClrLst/>
+  </dgm:styleLbl>
+  <dgm:styleLbl name="alignNode1">
+    <dgm:fillClrLst meth="repeat">
+      <a:schemeClr val="accent2"/>
+      <a:schemeClr val="accent3"/>
+      <a:schemeClr val="accent4"/>
+      <a:schemeClr val="accent5"/>
+      <a:schemeClr val="accent6"/>
+    </dgm:fillClrLst>
+    <dgm:linClrLst meth="repeat">
+      <a:schemeClr val="accent2"/>
+      <a:schemeClr val="accent3"/>
+      <a:schemeClr val="accent4"/>
+      <a:schemeClr val="accent5"/>
+      <a:schemeClr val="accent6"/>
+    </dgm:linClrLst>
+    <dgm:effectClrLst/>
+    <dgm:txLinClrLst/>
+    <dgm:txFillClrLst/>
+    <dgm:txEffectClrLst/>
+  </dgm:styleLbl>
+  <dgm:styleLbl name="lnNode1">
+    <dgm:fillClrLst meth="repeat">
+      <a:schemeClr val="accent2"/>
+      <a:schemeClr val="accent3"/>
+      <a:schemeClr val="accent4"/>
+      <a:schemeClr val="accent5"/>
+      <a:schemeClr val="accent6"/>
+    </dgm:fillClrLst>
+    <dgm:linClrLst meth="repeat">
+      <a:schemeClr val="lt1"/>
+    </dgm:linClrLst>
+    <dgm:effectClrLst/>
+    <dgm:txLinClrLst/>
+    <dgm:txFillClrLst/>
+    <dgm:txEffectClrLst/>
+  </dgm:styleLbl>
+  <dgm:styleLbl name="vennNode1">
+    <dgm:fillClrLst meth="repeat">
+      <a:schemeClr val="accent2">
+        <a:alpha val="50000"/>
+      </a:schemeClr>
+      <a:schemeClr val="accent3">
+        <a:alpha val="50000"/>
+      </a:schemeClr>
+      <a:schemeClr val="accent4">
+        <a:alpha val="50000"/>
+      </a:schemeClr>
+      <a:schemeClr val="accent5">
+        <a:alpha val="50000"/>
+      </a:schemeClr>
+      <a:schemeClr val="accent6">
+        <a:alpha val="50000"/>
+      </a:schemeClr>
+    </dgm:fillClrLst>
+    <dgm:linClrLst meth="repeat">
+      <a:schemeClr val="lt1"/>
+    </dgm:linClrLst>
+    <dgm:effectClrLst/>
+    <dgm:txLinClrLst/>
+    <dgm:txFillClrLst/>
+    <dgm:txEffectClrLst/>
+  </dgm:styleLbl>
+  <dgm:styleLbl name="node2">
+    <dgm:fillClrLst>
+      <a:schemeClr val="accent2"/>
+    </dgm:fillClrLst>
+    <dgm:linClrLst meth="repeat">
+      <a:schemeClr val="lt1"/>
+    </dgm:linClrLst>
+    <dgm:effectClrLst/>
+    <dgm:txLinClrLst/>
+    <dgm:txFillClrLst/>
+    <dgm:txEffectClrLst/>
+  </dgm:styleLbl>
+  <dgm:styleLbl name="node3">
+    <dgm:fillClrLst>
+      <a:schemeClr val="accent3"/>
+    </dgm:fillClrLst>
+    <dgm:linClrLst meth="repeat">
+      <a:schemeClr val="lt1"/>
+    </dgm:linClrLst>
+    <dgm:effectClrLst/>
+    <dgm:txLinClrLst/>
+    <dgm:txFillClrLst/>
+    <dgm:txEffectClrLst/>
+  </dgm:styleLbl>
+  <dgm:styleLbl name="node4">
+    <dgm:fillClrLst>
+      <a:schemeClr val="accent4"/>
+    </dgm:fillClrLst>
+    <dgm:linClrLst meth="repeat">
+      <a:schemeClr val="lt1"/>
+    </dgm:linClrLst>
+    <dgm:effectClrLst/>
+    <dgm:txLinClrLst/>
+    <dgm:txFillClrLst/>
+    <dgm:txEffectClrLst/>
+  </dgm:styleLbl>
+  <dgm:styleLbl name="fgImgPlace1">
+    <dgm:fillClrLst meth="repeat">
+      <a:schemeClr val="accent2">
+        <a:tint val="50000"/>
+      </a:schemeClr>
+      <a:schemeClr val="accent3">
+        <a:tint val="50000"/>
+      </a:schemeClr>
+      <a:schemeClr val="accent4">
+        <a:tint val="50000"/>
+      </a:schemeClr>
+      <a:schemeClr val="accent5">
+        <a:tint val="50000"/>
+      </a:schemeClr>
+      <a:schemeClr val="accent6">
+        <a:tint val="50000"/>
+      </a:schemeClr>
+    </dgm:fillClrLst>
+    <dgm:linClrLst meth="repeat">
+      <a:schemeClr val="lt1"/>
+    </dgm:linClrLst>
+    <dgm:effectClrLst/>
+    <dgm:txLinClrLst/>
+    <dgm:txFillClrLst meth="repeat">
+      <a:schemeClr val="lt1"/>
+    </dgm:txFillClrLst>
+    <dgm:txEffectClrLst/>
+  </dgm:styleLbl>
+  <dgm:styleLbl name="alignImgPlace1">
+    <dgm:fillClrLst>
+      <a:schemeClr val="accent1">
+        <a:tint val="50000"/>
+      </a:schemeClr>
+      <a:schemeClr val="accent2">
+        <a:tint val="20000"/>
+      </a:schemeClr>
+    </dgm:fillClrLst>
+    <dgm:linClrLst meth="repeat">
+      <a:schemeClr val="lt1"/>
+    </dgm:linClrLst>
+    <dgm:effectClrLst/>
+    <dgm:txLinClrLst/>
+    <dgm:txFillClrLst meth="repeat">
+      <a:schemeClr val="lt1"/>
+    </dgm:txFillClrLst>
+    <dgm:txEffectClrLst/>
+  </dgm:styleLbl>
+  <dgm:styleLbl name="bgImgPlace1">
+    <dgm:fillClrLst>
+      <a:schemeClr val="accent1">
+        <a:tint val="50000"/>
+      </a:schemeClr>
+      <a:schemeClr val="accent2">
+        <a:tint val="20000"/>
+      </a:schemeClr>
+    </dgm:fillClrLst>
+    <dgm:linClrLst meth="repeat">
+      <a:schemeClr val="lt1"/>
+    </dgm:linClrLst>
+    <dgm:effectClrLst/>
+    <dgm:txLinClrLst/>
+    <dgm:txFillClrLst meth="repeat">
+      <a:schemeClr val="lt1"/>
+    </dgm:txFillClrLst>
+    <dgm:txEffectClrLst/>
+  </dgm:styleLbl>
+  <dgm:styleLbl name="sibTrans2D1">
+    <dgm:fillClrLst meth="repeat">
+      <a:schemeClr val="accent2"/>
+      <a:schemeClr val="accent3"/>
+      <a:schemeClr val="accent4"/>
+      <a:schemeClr val="accent5"/>
+      <a:schemeClr val="accent6"/>
+    </dgm:fillClrLst>
+    <dgm:linClrLst meth="cycle">
+      <a:schemeClr val="lt1"/>
+    </dgm:linClrLst>
+    <dgm:effectClrLst/>
+    <dgm:txLinClrLst/>
+    <dgm:txFillClrLst/>
+    <dgm:txEffectClrLst/>
+  </dgm:styleLbl>
+  <dgm:styleLbl name="fgSibTrans2D1">
+    <dgm:fillClrLst meth="repeat">
+      <a:schemeClr val="accent2"/>
+      <a:schemeClr val="accent3"/>
+      <a:schemeClr val="accent4"/>
+      <a:schemeClr val="accent5"/>
+      <a:schemeClr val="accent6"/>
+    </dgm:fillClrLst>
+    <dgm:linClrLst meth="cycle">
+      <a:schemeClr val="lt1"/>
+    </dgm:linClrLst>
+    <dgm:effectClrLst/>
+    <dgm:txLinClrLst/>
+    <dgm:txFillClrLst meth="repeat">
+      <a:schemeClr val="lt1"/>
+    </dgm:txFillClrLst>
+    <dgm:txEffectClrLst/>
+  </dgm:styleLbl>
+  <dgm:styleLbl name="bgSibTrans2D1">
+    <dgm:fillClrLst meth="repeat">
+      <a:schemeClr val="accent2"/>
+      <a:schemeClr val="accent3"/>
+      <a:schemeClr val="accent4"/>
+      <a:schemeClr val="accent5"/>
+      <a:schemeClr val="accent6"/>
+    </dgm:fillClrLst>
+    <dgm:linClrLst meth="cycle">
+      <a:schemeClr val="lt1"/>
+    </dgm:linClrLst>
+    <dgm:effectClrLst/>
+    <dgm:txLinClrLst/>
+    <dgm:txFillClrLst meth="repeat">
+      <a:schemeClr val="lt1"/>
+    </dgm:txFillClrLst>
+    <dgm:txEffectClrLst/>
+  </dgm:styleLbl>
+  <dgm:styleLbl name="sibTrans1D1">
+    <dgm:fillClrLst meth="repeat">
+      <a:schemeClr val="accent2"/>
+      <a:schemeClr val="accent3"/>
+      <a:schemeClr val="accent4"/>
+      <a:schemeClr val="accent5"/>
+      <a:schemeClr val="accent6"/>
+    </dgm:fillClrLst>
+    <dgm:linClrLst meth="repeat">
+      <a:schemeClr val="accent2"/>
+      <a:schemeClr val="accent3"/>
+      <a:schemeClr val="accent4"/>
+      <a:schemeClr val="accent5"/>
+      <a:schemeClr val="accent6"/>
+    </dgm:linClrLst>
+    <dgm:effectClrLst/>
+    <dgm:txLinClrLst/>
+    <dgm:txFillClrLst meth="repeat">
+      <a:schemeClr val="tx1"/>
+    </dgm:txFillClrLst>
+    <dgm:txEffectClrLst/>
+  </dgm:styleLbl>
+  <dgm:styleLbl name="callout">
+    <dgm:fillClrLst meth="repeat">
+      <a:schemeClr val="accent2"/>
+    </dgm:fillClrLst>
+    <dgm:linClrLst meth="repeat">
+      <a:schemeClr val="accent2">
+        <a:tint val="50000"/>
+      </a:schemeClr>
+    </dgm:linClrLst>
+    <dgm:effectClrLst/>
+    <dgm:txLinClrLst/>
+    <dgm:txFillClrLst meth="repeat">
+      <a:schemeClr val="tx1"/>
+    </dgm:txFillClrLst>
+    <dgm:txEffectClrLst/>
+  </dgm:styleLbl>
+  <dgm:styleLbl name="asst0">
+    <dgm:fillClrLst meth="repeat">
+      <a:schemeClr val="accent1"/>
+    </dgm:fillClrLst>
+    <dgm:linClrLst meth="repeat">
+      <a:schemeClr val="lt1"/>
+    </dgm:linClrLst>
+    <dgm:effectClrLst/>
+    <dgm:txLinClrLst/>
+    <dgm:txFillClrLst/>
+    <dgm:txEffectClrLst/>
+  </dgm:styleLbl>
+  <dgm:styleLbl name="asst1">
+    <dgm:fillClrLst meth="repeat">
+      <a:schemeClr val="accent2"/>
+    </dgm:fillClrLst>
+    <dgm:linClrLst meth="repeat">
+      <a:schemeClr val="lt1"/>
+    </dgm:linClrLst>
+    <dgm:effectClrLst/>
+    <dgm:txLinClrLst/>
+    <dgm:txFillClrLst/>
+    <dgm:txEffectClrLst/>
+  </dgm:styleLbl>
+  <dgm:styleLbl name="asst2">
+    <dgm:fillClrLst>
+      <a:schemeClr val="accent3"/>
+    </dgm:fillClrLst>
+    <dgm:linClrLst meth="repeat">
+      <a:schemeClr val="lt1"/>
+    </dgm:linClrLst>
+    <dgm:effectClrLst/>
+    <dgm:txLinClrLst/>
+    <dgm:txFillClrLst/>
+    <dgm:txEffectClrLst/>
+  </dgm:styleLbl>
+  <dgm:styleLbl name="asst3">
+    <dgm:fillClrLst>
+      <a:schemeClr val="accent4"/>
+    </dgm:fillClrLst>
+    <dgm:linClrLst meth="repeat">
+      <a:schemeClr val="lt1"/>
+    </dgm:linClrLst>
+    <dgm:effectClrLst/>
+    <dgm:txLinClrLst/>
+    <dgm:txFillClrLst/>
+    <dgm:txEffectClrLst/>
+  </dgm:styleLbl>
+  <dgm:styleLbl name="asst4">
+    <dgm:fillClrLst>
+      <a:schemeClr val="accent5"/>
+    </dgm:fillClrLst>
+    <dgm:linClrLst meth="repeat">
+      <a:schemeClr val="lt1"/>
+    </dgm:linClrLst>
+    <dgm:effectClrLst/>
+    <dgm:txLinClrLst/>
+    <dgm:txFillClrLst/>
+    <dgm:txEffectClrLst/>
+  </dgm:styleLbl>
+  <dgm:styleLbl name="parChTrans2D1">
+    <dgm:fillClrLst meth="repeat">
+      <a:schemeClr val="accent2"/>
+    </dgm:fillClrLst>
+    <dgm:linClrLst meth="repeat">
+      <a:schemeClr val="lt1"/>
+    </dgm:linClrLst>
+    <dgm:effectClrLst/>
+    <dgm:txLinClrLst/>
+    <dgm:txFillClrLst meth="repeat">
+      <a:schemeClr val="lt1"/>
+    </dgm:txFillClrLst>
+    <dgm:txEffectClrLst/>
+  </dgm:styleLbl>
+  <dgm:styleLbl name="parChTrans2D2">
+    <dgm:fillClrLst meth="repeat">
+      <a:schemeClr val="accent3"/>
+    </dgm:fillClrLst>
+    <dgm:linClrLst meth="repeat">
+      <a:schemeClr val="lt1"/>
+    </dgm:linClrLst>
+    <dgm:effectClrLst/>
+    <dgm:txLinClrLst/>
+    <dgm:txFillClrLst/>
+    <dgm:txEffectClrLst/>
+  </dgm:styleLbl>
+  <dgm:styleLbl name="parChTrans2D3">
+    <dgm:fillClrLst meth="repeat">
+      <a:schemeClr val="accent4"/>
+    </dgm:fillClrLst>
+    <dgm:linClrLst meth="repeat">
+      <a:schemeClr val="lt1"/>
+    </dgm:linClrLst>
+    <dgm:effectClrLst/>
+    <dgm:txLinClrLst/>
+    <dgm:txFillClrLst/>
+    <dgm:txEffectClrLst/>
+  </dgm:styleLbl>
+  <dgm:styleLbl name="parChTrans2D4">
+    <dgm:fillClrLst meth="repeat">
+      <a:schemeClr val="accent5"/>
+    </dgm:fillClrLst>
+    <dgm:linClrLst meth="repeat">
+      <a:schemeClr val="lt1"/>
+    </dgm:linClrLst>
+    <dgm:effectClrLst/>
+    <dgm:txLinClrLst/>
+    <dgm:txFillClrLst meth="repeat">
+      <a:schemeClr val="lt1"/>
+    </dgm:txFillClrLst>
+    <dgm:txEffectClrLst/>
+  </dgm:styleLbl>
+  <dgm:styleLbl name="parChTrans1D1">
+    <dgm:fillClrLst meth="repeat">
+      <a:schemeClr val="accent2"/>
+    </dgm:fillClrLst>
+    <dgm:linClrLst meth="repeat">
+      <a:schemeClr val="accent1"/>
+    </dgm:linClrLst>
+    <dgm:effectClrLst/>
+    <dgm:txLinClrLst/>
+    <dgm:txFillClrLst meth="repeat">
+      <a:schemeClr val="tx1"/>
+    </dgm:txFillClrLst>
+    <dgm:txEffectClrLst/>
+  </dgm:styleLbl>
+  <dgm:styleLbl name="parChTrans1D2">
+    <dgm:fillClrLst meth="repeat">
+      <a:schemeClr val="accent3">
+        <a:tint val="90000"/>
+      </a:schemeClr>
+    </dgm:fillClrLst>
+    <dgm:linClrLst meth="repeat">
+      <a:schemeClr val="accent2"/>
+    </dgm:linClrLst>
+    <dgm:effectClrLst/>
+    <dgm:txLinClrLst/>
+    <dgm:txFillClrLst meth="repeat">
+      <a:schemeClr val="tx1"/>
+    </dgm:txFillClrLst>
+    <dgm:txEffectClrLst/>
+  </dgm:styleLbl>
+  <dgm:styleLbl name="parChTrans1D3">
+    <dgm:fillClrLst meth="repeat">
+      <a:schemeClr val="accent4">
+        <a:tint val="70000"/>
+      </a:schemeClr>
+    </dgm:fillClrLst>
+    <dgm:linClrLst meth="repeat">
+      <a:schemeClr val="accent3"/>
+    </dgm:linClrLst>
+    <dgm:effectClrLst/>
+    <dgm:txLinClrLst/>
+    <dgm:txFillClrLst meth="repeat">
+      <a:schemeClr val="tx1"/>
+    </dgm:txFillClrLst>
+    <dgm:txEffectClrLst/>
+  </dgm:styleLbl>
+  <dgm:styleLbl name="parChTrans1D4">
+    <dgm:fillClrLst meth="repeat">
+      <a:schemeClr val="accent5">
+        <a:tint val="50000"/>
+      </a:schemeClr>
+    </dgm:fillClrLst>
+    <dgm:linClrLst meth="repeat">
+      <a:schemeClr val="accent4"/>
+    </dgm:linClrLst>
+    <dgm:effectClrLst/>
+    <dgm:txLinClrLst/>
+    <dgm:txFillClrLst meth="repeat">
+      <a:schemeClr val="tx1"/>
+    </dgm:txFillClrLst>
+    <dgm:txEffectClrLst/>
+  </dgm:styleLbl>
+  <dgm:styleLbl name="fgAcc1">
+    <dgm:fillClrLst meth="repeat">
+      <a:schemeClr val="lt1">
+        <a:alpha val="90000"/>
+      </a:schemeClr>
+    </dgm:fillClrLst>
+    <dgm:linClrLst meth="repeat">
+      <a:schemeClr val="accent2"/>
+      <a:schemeClr val="accent3"/>
+      <a:schemeClr val="accent4"/>
+      <a:schemeClr val="accent5"/>
+      <a:schemeClr val="accent6"/>
+    </dgm:linClrLst>
+    <dgm:effectClrLst/>
+    <dgm:txLinClrLst/>
+    <dgm:txFillClrLst meth="repeat">
+      <a:schemeClr val="dk1"/>
+    </dgm:txFillClrLst>
+    <dgm:txEffectClrLst/>
+  </dgm:styleLbl>
+  <dgm:styleLbl name="conFgAcc1">
+    <dgm:fillClrLst meth="repeat">
+      <a:schemeClr val="lt1">
+        <a:alpha val="90000"/>
+      </a:schemeClr>
+    </dgm:fillClrLst>
+    <dgm:linClrLst meth="repeat">
+      <a:schemeClr val="accent2"/>
+      <a:schemeClr val="accent3"/>
+      <a:schemeClr val="accent4"/>
+      <a:schemeClr val="accent5"/>
+      <a:schemeClr val="accent6"/>
+    </dgm:linClrLst>
+    <dgm:effectClrLst/>
+    <dgm:txLinClrLst/>
+    <dgm:txFillClrLst meth="repeat">
+      <a:schemeClr val="dk1"/>
+    </dgm:txFillClrLst>
+    <dgm:txEffectClrLst/>
+  </dgm:styleLbl>
+  <dgm:styleLbl name="alignAcc1">
+    <dgm:fillClrLst meth="repeat">
+      <a:schemeClr val="lt1">
+        <a:alpha val="90000"/>
+      </a:schemeClr>
+    </dgm:fillClrLst>
+    <dgm:linClrLst meth="repeat">
+      <a:schemeClr val="accent2"/>
+      <a:schemeClr val="accent3"/>
+      <a:schemeClr val="accent4"/>
+      <a:schemeClr val="accent5"/>
+      <a:schemeClr val="accent6"/>
+    </dgm:linClrLst>
+    <dgm:effectClrLst/>
+    <dgm:txLinClrLst/>
+    <dgm:txFillClrLst meth="repeat">
+      <a:schemeClr val="dk1"/>
+    </dgm:txFillClrLst>
+    <dgm:txEffectClrLst/>
+  </dgm:styleLbl>
+  <dgm:styleLbl name="trAlignAcc1">
+    <dgm:fillClrLst meth="repeat">
+      <a:schemeClr val="lt1">
+        <a:alpha val="40000"/>
+      </a:schemeClr>
+    </dgm:fillClrLst>
+    <dgm:linClrLst meth="repeat">
+      <a:schemeClr val="accent1"/>
+    </dgm:linClrLst>
+    <dgm:effectClrLst/>
+    <dgm:txLinClrLst/>
+    <dgm:txFillClrLst meth="repeat">
+      <a:schemeClr val="dk1"/>
+    </dgm:txFillClrLst>
+    <dgm:txEffectClrLst/>
+  </dgm:styleLbl>
+  <dgm:styleLbl name="bgAcc1">
+    <dgm:fillClrLst meth="repeat">
+      <a:schemeClr val="lt1">
+        <a:alpha val="90000"/>
+      </a:schemeClr>
+    </dgm:fillClrLst>
+    <dgm:linClrLst meth="repeat">
+      <a:schemeClr val="accent2"/>
+      <a:schemeClr val="accent3"/>
+      <a:schemeClr val="accent4"/>
+      <a:schemeClr val="accent5"/>
+      <a:schemeClr val="accent6"/>
+    </dgm:linClrLst>
+    <dgm:effectClrLst/>
+    <dgm:txLinClrLst/>
+    <dgm:txFillClrLst meth="repeat">
+      <a:schemeClr val="dk1"/>
+    </dgm:txFillClrLst>
+    <dgm:txEffectClrLst/>
+  </dgm:styleLbl>
+  <dgm:styleLbl name="solidFgAcc1">
+    <dgm:fillClrLst meth="repeat">
+      <a:schemeClr val="lt1"/>
+    </dgm:fillClrLst>
+    <dgm:linClrLst meth="repeat">
+      <a:schemeClr val="accent2"/>
+      <a:schemeClr val="accent3"/>
+      <a:schemeClr val="accent4"/>
+      <a:schemeClr val="accent5"/>
+      <a:schemeClr val="accent6"/>
+    </dgm:linClrLst>
+    <dgm:effectClrLst/>
+    <dgm:txLinClrLst/>
+    <dgm:txFillClrLst meth="repeat">
+      <a:schemeClr val="dk1"/>
+    </dgm:txFillClrLst>
+    <dgm:txEffectClrLst/>
+  </dgm:styleLbl>
+  <dgm:styleLbl name="solidAlignAcc1">
+    <dgm:fillClrLst meth="repeat">
+      <a:schemeClr val="lt1"/>
+    </dgm:fillClrLst>
+    <dgm:linClrLst meth="repeat">
+      <a:schemeClr val="accent2"/>
+      <a:schemeClr val="accent3"/>
+      <a:schemeClr val="accent4"/>
+      <a:schemeClr val="accent5"/>
+      <a:schemeClr val="accent6"/>
+    </dgm:linClrLst>
+    <dgm:effectClrLst/>
+    <dgm:txLinClrLst/>
+    <dgm:txFillClrLst meth="repeat">
+      <a:schemeClr val="dk1"/>
+    </dgm:txFillClrLst>
+    <dgm:txEffectClrLst/>
+  </dgm:styleLbl>
+  <dgm:styleLbl name="solidBgAcc1">
+    <dgm:fillClrLst meth="repeat">
+      <a:schemeClr val="lt1"/>
+    </dgm:fillClrLst>
+    <dgm:linClrLst meth="repeat">
+      <a:schemeClr val="accent2"/>
+      <a:schemeClr val="accent3"/>
+      <a:schemeClr val="accent4"/>
+      <a:schemeClr val="accent5"/>
+      <a:schemeClr val="accent6"/>
+    </dgm:linClrLst>
+    <dgm:effectClrLst/>
+    <dgm:txLinClrLst/>
+    <dgm:txFillClrLst meth="repeat">
+      <a:schemeClr val="dk1"/>
+    </dgm:txFillClrLst>
+    <dgm:txEffectClrLst/>
+  </dgm:styleLbl>
+  <dgm:styleLbl name="fgAccFollowNode1">
+    <dgm:fillClrLst meth="repeat">
+      <a:schemeClr val="accent2">
+        <a:tint val="40000"/>
+        <a:alpha val="90000"/>
+      </a:schemeClr>
+      <a:schemeClr val="accent3">
+        <a:tint val="40000"/>
+        <a:alpha val="90000"/>
+      </a:schemeClr>
+      <a:schemeClr val="accent4">
+        <a:tint val="40000"/>
+        <a:alpha val="90000"/>
+      </a:schemeClr>
+      <a:schemeClr val="accent5">
+        <a:tint val="40000"/>
+        <a:alpha val="90000"/>
+      </a:schemeClr>
+      <a:schemeClr val="accent6">
+        <a:tint val="40000"/>
+        <a:alpha val="90000"/>
+      </a:schemeClr>
+    </dgm:fillClrLst>
+    <dgm:linClrLst meth="repeat">
+      <a:schemeClr val="accent2">
+        <a:tint val="40000"/>
+        <a:alpha val="90000"/>
+      </a:schemeClr>
+      <a:schemeClr val="accent3">
+        <a:tint val="40000"/>
+        <a:alpha val="90000"/>
+      </a:schemeClr>
+      <a:schemeClr val="accent4">
+        <a:tint val="40000"/>
+        <a:alpha val="90000"/>
+      </a:schemeClr>
+      <a:schemeClr val="accent5">
+        <a:tint val="40000"/>
+        <a:alpha val="90000"/>
+      </a:schemeClr>
+      <a:schemeClr val="accent6">
+        <a:tint val="40000"/>
+        <a:alpha val="90000"/>
+      </a:schemeClr>
+    </dgm:linClrLst>
+    <dgm:effectClrLst/>
+    <dgm:txLinClrLst/>
+    <dgm:txFillClrLst meth="repeat">
+      <a:schemeClr val="dk1"/>
+    </dgm:txFillClrLst>
+    <dgm:txEffectClrLst/>
+  </dgm:styleLbl>
+  <dgm:styleLbl name="alignAccFollowNode1">
+    <dgm:fillClrLst meth="repeat">
+      <a:schemeClr val="accent2">
+        <a:tint val="40000"/>
+        <a:alpha val="90000"/>
+      </a:schemeClr>
+      <a:schemeClr val="accent3">
+        <a:tint val="40000"/>
+        <a:alpha val="90000"/>
+      </a:schemeClr>
+      <a:schemeClr val="accent4">
+        <a:tint val="40000"/>
+        <a:alpha val="90000"/>
+      </a:schemeClr>
+      <a:schemeClr val="accent5">
+        <a:tint val="40000"/>
+        <a:alpha val="90000"/>
+      </a:schemeClr>
+      <a:schemeClr val="accent6">
+        <a:tint val="40000"/>
+        <a:alpha val="90000"/>
+      </a:schemeClr>
+    </dgm:fillClrLst>
+    <dgm:linClrLst meth="repeat">
+      <a:schemeClr val="accent2">
+        <a:tint val="40000"/>
+        <a:alpha val="90000"/>
+      </a:schemeClr>
+      <a:schemeClr val="accent3">
+        <a:tint val="40000"/>
+        <a:alpha val="90000"/>
+      </a:schemeClr>
+      <a:schemeClr val="accent4">
+        <a:tint val="40000"/>
+        <a:alpha val="90000"/>
+      </a:schemeClr>
+      <a:schemeClr val="accent5">
+        <a:tint val="40000"/>
+        <a:alpha val="90000"/>
+      </a:schemeClr>
+      <a:schemeClr val="accent6">
+        <a:tint val="40000"/>
+        <a:alpha val="90000"/>
+      </a:schemeClr>
+    </dgm:linClrLst>
+    <dgm:effectClrLst/>
+    <dgm:txLinClrLst/>
+    <dgm:txFillClrLst meth="repeat">
+      <a:schemeClr val="dk1"/>
+    </dgm:txFillClrLst>
+    <dgm:txEffectClrLst/>
+  </dgm:styleLbl>
+  <dgm:styleLbl name="bgAccFollowNode1">
+    <dgm:fillClrLst meth="repeat">
+      <a:schemeClr val="accent2">
+        <a:tint val="40000"/>
+        <a:alpha val="90000"/>
+      </a:schemeClr>
+      <a:schemeClr val="accent3">
+        <a:tint val="40000"/>
+        <a:alpha val="90000"/>
+      </a:schemeClr>
+      <a:schemeClr val="accent4">
+        <a:tint val="40000"/>
+        <a:alpha val="90000"/>
+      </a:schemeClr>
+      <a:schemeClr val="accent5">
+        <a:tint val="40000"/>
+        <a:alpha val="90000"/>
+      </a:schemeClr>
+      <a:schemeClr val="accent6">
+        <a:tint val="40000"/>
+        <a:alpha val="90000"/>
+      </a:schemeClr>
+    </dgm:fillClrLst>
+    <dgm:linClrLst meth="repeat">
+      <a:schemeClr val="accent2">
+        <a:tint val="40000"/>
+        <a:alpha val="90000"/>
+      </a:schemeClr>
+      <a:schemeClr val="accent3">
+        <a:tint val="40000"/>
+        <a:alpha val="90000"/>
+      </a:schemeClr>
+      <a:schemeClr val="accent4">
+        <a:tint val="40000"/>
+        <a:alpha val="90000"/>
+      </a:schemeClr>
+      <a:schemeClr val="accent5">
+        <a:tint val="40000"/>
+        <a:alpha val="90000"/>
+      </a:schemeClr>
+      <a:schemeClr val="accent6">
+        <a:tint val="40000"/>
+        <a:alpha val="90000"/>
+      </a:schemeClr>
+    </dgm:linClrLst>
+    <dgm:effectClrLst/>
+    <dgm:txLinClrLst/>
+    <dgm:txFillClrLst meth="repeat">
+      <a:schemeClr val="dk1"/>
+    </dgm:txFillClrLst>
+    <dgm:txEffectClrLst/>
+  </dgm:styleLbl>
+  <dgm:styleLbl name="fgAcc0">
+    <dgm:fillClrLst meth="repeat">
+      <a:schemeClr val="lt1">
+        <a:alpha val="90000"/>
+      </a:schemeClr>
+    </dgm:fillClrLst>
+    <dgm:linClrLst>
+      <a:schemeClr val="accent1"/>
+    </dgm:linClrLst>
+    <dgm:effectClrLst/>
+    <dgm:txLinClrLst/>
+    <dgm:txFillClrLst meth="repeat">
+      <a:schemeClr val="dk1"/>
+    </dgm:txFillClrLst>
+    <dgm:txEffectClrLst/>
+  </dgm:styleLbl>
+  <dgm:styleLbl name="fgAcc2">
+    <dgm:fillClrLst meth="repeat">
+      <a:schemeClr val="lt1">
+        <a:alpha val="90000"/>
+      </a:schemeClr>
+    </dgm:fillClrLst>
+    <dgm:linClrLst>
+      <a:schemeClr val="accent2"/>
+    </dgm:linClrLst>
+    <dgm:effectClrLst/>
+    <dgm:txLinClrLst/>
+    <dgm:txFillClrLst meth="repeat">
+      <a:schemeClr val="dk1"/>
+    </dgm:txFillClrLst>
+    <dgm:txEffectClrLst/>
+  </dgm:styleLbl>
+  <dgm:styleLbl name="fgAcc3">
+    <dgm:fillClrLst meth="repeat">
+      <a:schemeClr val="lt1">
+        <a:alpha val="90000"/>
+      </a:schemeClr>
+    </dgm:fillClrLst>
+    <dgm:linClrLst>
+      <a:schemeClr val="accent3"/>
+    </dgm:linClrLst>
+    <dgm:effectClrLst/>
+    <dgm:txLinClrLst/>
+    <dgm:txFillClrLst meth="repeat">
+      <a:schemeClr val="dk1"/>
+    </dgm:txFillClrLst>
+    <dgm:txEffectClrLst/>
+  </dgm:styleLbl>
+  <dgm:styleLbl name="fgAcc4">
+    <dgm:fillClrLst meth="repeat">
+      <a:schemeClr val="lt1">
+        <a:alpha val="90000"/>
+      </a:schemeClr>
+    </dgm:fillClrLst>
+    <dgm:linClrLst>
+      <a:schemeClr val="accent4"/>
+    </dgm:linClrLst>
+    <dgm:effectClrLst/>
+    <dgm:txLinClrLst/>
+    <dgm:txFillClrLst meth="repeat">
+      <a:schemeClr val="dk1"/>
+    </dgm:txFillClrLst>
+    <dgm:txEffectClrLst/>
+  </dgm:styleLbl>
+  <dgm:styleLbl name="bgShp">
+    <dgm:fillClrLst meth="repeat">
+      <a:schemeClr val="accent2">
+        <a:tint val="40000"/>
+      </a:schemeClr>
+    </dgm:fillClrLst>
+    <dgm:linClrLst meth="repeat">
+      <a:schemeClr val="dk1"/>
+    </dgm:linClrLst>
+    <dgm:effectClrLst/>
+    <dgm:txLinClrLst/>
+    <dgm:txFillClrLst meth="repeat">
+      <a:schemeClr val="dk1"/>
+    </dgm:txFillClrLst>
+    <dgm:txEffectClrLst/>
+  </dgm:styleLbl>
+  <dgm:styleLbl name="dkBgShp">
+    <dgm:fillClrLst meth="repeat">
+      <a:schemeClr val="accent2">
+        <a:shade val="90000"/>
+      </a:schemeClr>
+    </dgm:fillClrLst>
+    <dgm:linClrLst meth="repeat">
+      <a:schemeClr val="dk1"/>
+    </dgm:linClrLst>
+    <dgm:effectClrLst/>
+    <dgm:txLinClrLst/>
+    <dgm:txFillClrLst meth="repeat">
+      <a:schemeClr val="lt1"/>
+    </dgm:txFillClrLst>
+    <dgm:txEffectClrLst/>
+  </dgm:styleLbl>
+  <dgm:styleLbl name="trBgShp">
+    <dgm:fillClrLst meth="repeat">
+      <a:schemeClr val="accent1">
+        <a:tint val="50000"/>
+        <a:alpha val="40000"/>
+      </a:schemeClr>
+    </dgm:fillClrLst>
+    <dgm:linClrLst meth="repeat">
+      <a:schemeClr val="accent2"/>
+    </dgm:linClrLst>
+    <dgm:effectClrLst/>
+    <dgm:txLinClrLst/>
+    <dgm:txFillClrLst meth="repeat">
+      <a:schemeClr val="lt1"/>
+    </dgm:txFillClrLst>
+    <dgm:txEffectClrLst/>
+  </dgm:styleLbl>
+  <dgm:styleLbl name="fgShp">
+    <dgm:fillClrLst meth="repeat">
+      <a:schemeClr val="accent2">
+        <a:tint val="40000"/>
+      </a:schemeClr>
+    </dgm:fillClrLst>
+    <dgm:linClrLst meth="repeat">
+      <a:schemeClr val="lt1"/>
+    </dgm:linClrLst>
+    <dgm:effectClrLst/>
+    <dgm:txLinClrLst/>
+    <dgm:txFillClrLst meth="repeat">
+      <a:schemeClr val="dk1"/>
+    </dgm:txFillClrLst>
+    <dgm:txEffectClrLst/>
+  </dgm:styleLbl>
+  <dgm:styleLbl name="revTx">
+    <dgm:fillClrLst meth="repeat">
+      <a:schemeClr val="lt1">
+        <a:alpha val="0"/>
+      </a:schemeClr>
+    </dgm:fillClrLst>
+    <dgm:linClrLst meth="repeat">
+      <a:schemeClr val="dk1">
+        <a:alpha val="0"/>
+      </a:schemeClr>
+    </dgm:linClrLst>
+    <dgm:effectClrLst/>
+    <dgm:txLinClrLst/>
+    <dgm:txFillClrLst meth="repeat">
+      <a:schemeClr val="tx1"/>
+    </dgm:txFillClrLst>
+    <dgm:txEffectClrLst/>
+  </dgm:styleLbl>
+</dgm:colorsDef>
+</file>
+
+<file path=ppt/diagrams/colors2.xml><?xml version="1.0" encoding="utf-8"?>
 <dgm:colorsDef xmlns:dgm="http://schemas.openxmlformats.org/drawingml/2006/diagram" xmlns:a="http://schemas.openxmlformats.org/drawingml/2006/main" uniqueId="urn:microsoft.com/office/officeart/2005/8/colors/colorful4">
   <dgm:title val=""/>
   <dgm:desc val=""/>
@@ -866,925 +1785,6 @@
   <dgm:styleLbl name="fgShp">
     <dgm:fillClrLst meth="repeat">
       <a:schemeClr val="accent4">
-        <a:tint val="40000"/>
-      </a:schemeClr>
-    </dgm:fillClrLst>
-    <dgm:linClrLst meth="repeat">
-      <a:schemeClr val="lt1"/>
-    </dgm:linClrLst>
-    <dgm:effectClrLst/>
-    <dgm:txLinClrLst/>
-    <dgm:txFillClrLst meth="repeat">
-      <a:schemeClr val="dk1"/>
-    </dgm:txFillClrLst>
-    <dgm:txEffectClrLst/>
-  </dgm:styleLbl>
-  <dgm:styleLbl name="revTx">
-    <dgm:fillClrLst meth="repeat">
-      <a:schemeClr val="lt1">
-        <a:alpha val="0"/>
-      </a:schemeClr>
-    </dgm:fillClrLst>
-    <dgm:linClrLst meth="repeat">
-      <a:schemeClr val="dk1">
-        <a:alpha val="0"/>
-      </a:schemeClr>
-    </dgm:linClrLst>
-    <dgm:effectClrLst/>
-    <dgm:txLinClrLst/>
-    <dgm:txFillClrLst meth="repeat">
-      <a:schemeClr val="tx1"/>
-    </dgm:txFillClrLst>
-    <dgm:txEffectClrLst/>
-  </dgm:styleLbl>
-</dgm:colorsDef>
-</file>
-
-<file path=ppt/diagrams/colors2.xml><?xml version="1.0" encoding="utf-8"?>
-<dgm:colorsDef xmlns:dgm="http://schemas.openxmlformats.org/drawingml/2006/diagram" xmlns:a="http://schemas.openxmlformats.org/drawingml/2006/main" uniqueId="urn:microsoft.com/office/officeart/2005/8/colors/colorful1">
-  <dgm:title val=""/>
-  <dgm:desc val=""/>
-  <dgm:catLst>
-    <dgm:cat type="colorful" pri="10100"/>
-  </dgm:catLst>
-  <dgm:styleLbl name="node0">
-    <dgm:fillClrLst meth="repeat">
-      <a:schemeClr val="accent1"/>
-    </dgm:fillClrLst>
-    <dgm:linClrLst meth="repeat">
-      <a:schemeClr val="lt1"/>
-    </dgm:linClrLst>
-    <dgm:effectClrLst/>
-    <dgm:txLinClrLst/>
-    <dgm:txFillClrLst/>
-    <dgm:txEffectClrLst/>
-  </dgm:styleLbl>
-  <dgm:styleLbl name="node1">
-    <dgm:fillClrLst meth="repeat">
-      <a:schemeClr val="accent2"/>
-      <a:schemeClr val="accent3"/>
-      <a:schemeClr val="accent4"/>
-      <a:schemeClr val="accent5"/>
-      <a:schemeClr val="accent6"/>
-    </dgm:fillClrLst>
-    <dgm:linClrLst meth="repeat">
-      <a:schemeClr val="lt1"/>
-    </dgm:linClrLst>
-    <dgm:effectClrLst/>
-    <dgm:txLinClrLst/>
-    <dgm:txFillClrLst/>
-    <dgm:txEffectClrLst/>
-  </dgm:styleLbl>
-  <dgm:styleLbl name="alignNode1">
-    <dgm:fillClrLst meth="repeat">
-      <a:schemeClr val="accent2"/>
-      <a:schemeClr val="accent3"/>
-      <a:schemeClr val="accent4"/>
-      <a:schemeClr val="accent5"/>
-      <a:schemeClr val="accent6"/>
-    </dgm:fillClrLst>
-    <dgm:linClrLst meth="repeat">
-      <a:schemeClr val="accent2"/>
-      <a:schemeClr val="accent3"/>
-      <a:schemeClr val="accent4"/>
-      <a:schemeClr val="accent5"/>
-      <a:schemeClr val="accent6"/>
-    </dgm:linClrLst>
-    <dgm:effectClrLst/>
-    <dgm:txLinClrLst/>
-    <dgm:txFillClrLst/>
-    <dgm:txEffectClrLst/>
-  </dgm:styleLbl>
-  <dgm:styleLbl name="lnNode1">
-    <dgm:fillClrLst meth="repeat">
-      <a:schemeClr val="accent2"/>
-      <a:schemeClr val="accent3"/>
-      <a:schemeClr val="accent4"/>
-      <a:schemeClr val="accent5"/>
-      <a:schemeClr val="accent6"/>
-    </dgm:fillClrLst>
-    <dgm:linClrLst meth="repeat">
-      <a:schemeClr val="lt1"/>
-    </dgm:linClrLst>
-    <dgm:effectClrLst/>
-    <dgm:txLinClrLst/>
-    <dgm:txFillClrLst/>
-    <dgm:txEffectClrLst/>
-  </dgm:styleLbl>
-  <dgm:styleLbl name="vennNode1">
-    <dgm:fillClrLst meth="repeat">
-      <a:schemeClr val="accent2">
-        <a:alpha val="50000"/>
-      </a:schemeClr>
-      <a:schemeClr val="accent3">
-        <a:alpha val="50000"/>
-      </a:schemeClr>
-      <a:schemeClr val="accent4">
-        <a:alpha val="50000"/>
-      </a:schemeClr>
-      <a:schemeClr val="accent5">
-        <a:alpha val="50000"/>
-      </a:schemeClr>
-      <a:schemeClr val="accent6">
-        <a:alpha val="50000"/>
-      </a:schemeClr>
-    </dgm:fillClrLst>
-    <dgm:linClrLst meth="repeat">
-      <a:schemeClr val="lt1"/>
-    </dgm:linClrLst>
-    <dgm:effectClrLst/>
-    <dgm:txLinClrLst/>
-    <dgm:txFillClrLst/>
-    <dgm:txEffectClrLst/>
-  </dgm:styleLbl>
-  <dgm:styleLbl name="node2">
-    <dgm:fillClrLst>
-      <a:schemeClr val="accent2"/>
-    </dgm:fillClrLst>
-    <dgm:linClrLst meth="repeat">
-      <a:schemeClr val="lt1"/>
-    </dgm:linClrLst>
-    <dgm:effectClrLst/>
-    <dgm:txLinClrLst/>
-    <dgm:txFillClrLst/>
-    <dgm:txEffectClrLst/>
-  </dgm:styleLbl>
-  <dgm:styleLbl name="node3">
-    <dgm:fillClrLst>
-      <a:schemeClr val="accent3"/>
-    </dgm:fillClrLst>
-    <dgm:linClrLst meth="repeat">
-      <a:schemeClr val="lt1"/>
-    </dgm:linClrLst>
-    <dgm:effectClrLst/>
-    <dgm:txLinClrLst/>
-    <dgm:txFillClrLst/>
-    <dgm:txEffectClrLst/>
-  </dgm:styleLbl>
-  <dgm:styleLbl name="node4">
-    <dgm:fillClrLst>
-      <a:schemeClr val="accent4"/>
-    </dgm:fillClrLst>
-    <dgm:linClrLst meth="repeat">
-      <a:schemeClr val="lt1"/>
-    </dgm:linClrLst>
-    <dgm:effectClrLst/>
-    <dgm:txLinClrLst/>
-    <dgm:txFillClrLst/>
-    <dgm:txEffectClrLst/>
-  </dgm:styleLbl>
-  <dgm:styleLbl name="fgImgPlace1">
-    <dgm:fillClrLst meth="repeat">
-      <a:schemeClr val="accent2">
-        <a:tint val="50000"/>
-      </a:schemeClr>
-      <a:schemeClr val="accent3">
-        <a:tint val="50000"/>
-      </a:schemeClr>
-      <a:schemeClr val="accent4">
-        <a:tint val="50000"/>
-      </a:schemeClr>
-      <a:schemeClr val="accent5">
-        <a:tint val="50000"/>
-      </a:schemeClr>
-      <a:schemeClr val="accent6">
-        <a:tint val="50000"/>
-      </a:schemeClr>
-    </dgm:fillClrLst>
-    <dgm:linClrLst meth="repeat">
-      <a:schemeClr val="lt1"/>
-    </dgm:linClrLst>
-    <dgm:effectClrLst/>
-    <dgm:txLinClrLst/>
-    <dgm:txFillClrLst meth="repeat">
-      <a:schemeClr val="lt1"/>
-    </dgm:txFillClrLst>
-    <dgm:txEffectClrLst/>
-  </dgm:styleLbl>
-  <dgm:styleLbl name="alignImgPlace1">
-    <dgm:fillClrLst>
-      <a:schemeClr val="accent1">
-        <a:tint val="50000"/>
-      </a:schemeClr>
-      <a:schemeClr val="accent2">
-        <a:tint val="20000"/>
-      </a:schemeClr>
-    </dgm:fillClrLst>
-    <dgm:linClrLst meth="repeat">
-      <a:schemeClr val="lt1"/>
-    </dgm:linClrLst>
-    <dgm:effectClrLst/>
-    <dgm:txLinClrLst/>
-    <dgm:txFillClrLst meth="repeat">
-      <a:schemeClr val="lt1"/>
-    </dgm:txFillClrLst>
-    <dgm:txEffectClrLst/>
-  </dgm:styleLbl>
-  <dgm:styleLbl name="bgImgPlace1">
-    <dgm:fillClrLst>
-      <a:schemeClr val="accent1">
-        <a:tint val="50000"/>
-      </a:schemeClr>
-      <a:schemeClr val="accent2">
-        <a:tint val="20000"/>
-      </a:schemeClr>
-    </dgm:fillClrLst>
-    <dgm:linClrLst meth="repeat">
-      <a:schemeClr val="lt1"/>
-    </dgm:linClrLst>
-    <dgm:effectClrLst/>
-    <dgm:txLinClrLst/>
-    <dgm:txFillClrLst meth="repeat">
-      <a:schemeClr val="lt1"/>
-    </dgm:txFillClrLst>
-    <dgm:txEffectClrLst/>
-  </dgm:styleLbl>
-  <dgm:styleLbl name="sibTrans2D1">
-    <dgm:fillClrLst meth="repeat">
-      <a:schemeClr val="accent2"/>
-      <a:schemeClr val="accent3"/>
-      <a:schemeClr val="accent4"/>
-      <a:schemeClr val="accent5"/>
-      <a:schemeClr val="accent6"/>
-    </dgm:fillClrLst>
-    <dgm:linClrLst meth="cycle">
-      <a:schemeClr val="lt1"/>
-    </dgm:linClrLst>
-    <dgm:effectClrLst/>
-    <dgm:txLinClrLst/>
-    <dgm:txFillClrLst/>
-    <dgm:txEffectClrLst/>
-  </dgm:styleLbl>
-  <dgm:styleLbl name="fgSibTrans2D1">
-    <dgm:fillClrLst meth="repeat">
-      <a:schemeClr val="accent2"/>
-      <a:schemeClr val="accent3"/>
-      <a:schemeClr val="accent4"/>
-      <a:schemeClr val="accent5"/>
-      <a:schemeClr val="accent6"/>
-    </dgm:fillClrLst>
-    <dgm:linClrLst meth="cycle">
-      <a:schemeClr val="lt1"/>
-    </dgm:linClrLst>
-    <dgm:effectClrLst/>
-    <dgm:txLinClrLst/>
-    <dgm:txFillClrLst meth="repeat">
-      <a:schemeClr val="lt1"/>
-    </dgm:txFillClrLst>
-    <dgm:txEffectClrLst/>
-  </dgm:styleLbl>
-  <dgm:styleLbl name="bgSibTrans2D1">
-    <dgm:fillClrLst meth="repeat">
-      <a:schemeClr val="accent2"/>
-      <a:schemeClr val="accent3"/>
-      <a:schemeClr val="accent4"/>
-      <a:schemeClr val="accent5"/>
-      <a:schemeClr val="accent6"/>
-    </dgm:fillClrLst>
-    <dgm:linClrLst meth="cycle">
-      <a:schemeClr val="lt1"/>
-    </dgm:linClrLst>
-    <dgm:effectClrLst/>
-    <dgm:txLinClrLst/>
-    <dgm:txFillClrLst meth="repeat">
-      <a:schemeClr val="lt1"/>
-    </dgm:txFillClrLst>
-    <dgm:txEffectClrLst/>
-  </dgm:styleLbl>
-  <dgm:styleLbl name="sibTrans1D1">
-    <dgm:fillClrLst meth="repeat">
-      <a:schemeClr val="accent2"/>
-      <a:schemeClr val="accent3"/>
-      <a:schemeClr val="accent4"/>
-      <a:schemeClr val="accent5"/>
-      <a:schemeClr val="accent6"/>
-    </dgm:fillClrLst>
-    <dgm:linClrLst meth="repeat">
-      <a:schemeClr val="accent2"/>
-      <a:schemeClr val="accent3"/>
-      <a:schemeClr val="accent4"/>
-      <a:schemeClr val="accent5"/>
-      <a:schemeClr val="accent6"/>
-    </dgm:linClrLst>
-    <dgm:effectClrLst/>
-    <dgm:txLinClrLst/>
-    <dgm:txFillClrLst meth="repeat">
-      <a:schemeClr val="tx1"/>
-    </dgm:txFillClrLst>
-    <dgm:txEffectClrLst/>
-  </dgm:styleLbl>
-  <dgm:styleLbl name="callout">
-    <dgm:fillClrLst meth="repeat">
-      <a:schemeClr val="accent2"/>
-    </dgm:fillClrLst>
-    <dgm:linClrLst meth="repeat">
-      <a:schemeClr val="accent2">
-        <a:tint val="50000"/>
-      </a:schemeClr>
-    </dgm:linClrLst>
-    <dgm:effectClrLst/>
-    <dgm:txLinClrLst/>
-    <dgm:txFillClrLst meth="repeat">
-      <a:schemeClr val="tx1"/>
-    </dgm:txFillClrLst>
-    <dgm:txEffectClrLst/>
-  </dgm:styleLbl>
-  <dgm:styleLbl name="asst0">
-    <dgm:fillClrLst meth="repeat">
-      <a:schemeClr val="accent1"/>
-    </dgm:fillClrLst>
-    <dgm:linClrLst meth="repeat">
-      <a:schemeClr val="lt1"/>
-    </dgm:linClrLst>
-    <dgm:effectClrLst/>
-    <dgm:txLinClrLst/>
-    <dgm:txFillClrLst/>
-    <dgm:txEffectClrLst/>
-  </dgm:styleLbl>
-  <dgm:styleLbl name="asst1">
-    <dgm:fillClrLst meth="repeat">
-      <a:schemeClr val="accent2"/>
-    </dgm:fillClrLst>
-    <dgm:linClrLst meth="repeat">
-      <a:schemeClr val="lt1"/>
-    </dgm:linClrLst>
-    <dgm:effectClrLst/>
-    <dgm:txLinClrLst/>
-    <dgm:txFillClrLst/>
-    <dgm:txEffectClrLst/>
-  </dgm:styleLbl>
-  <dgm:styleLbl name="asst2">
-    <dgm:fillClrLst>
-      <a:schemeClr val="accent3"/>
-    </dgm:fillClrLst>
-    <dgm:linClrLst meth="repeat">
-      <a:schemeClr val="lt1"/>
-    </dgm:linClrLst>
-    <dgm:effectClrLst/>
-    <dgm:txLinClrLst/>
-    <dgm:txFillClrLst/>
-    <dgm:txEffectClrLst/>
-  </dgm:styleLbl>
-  <dgm:styleLbl name="asst3">
-    <dgm:fillClrLst>
-      <a:schemeClr val="accent4"/>
-    </dgm:fillClrLst>
-    <dgm:linClrLst meth="repeat">
-      <a:schemeClr val="lt1"/>
-    </dgm:linClrLst>
-    <dgm:effectClrLst/>
-    <dgm:txLinClrLst/>
-    <dgm:txFillClrLst/>
-    <dgm:txEffectClrLst/>
-  </dgm:styleLbl>
-  <dgm:styleLbl name="asst4">
-    <dgm:fillClrLst>
-      <a:schemeClr val="accent5"/>
-    </dgm:fillClrLst>
-    <dgm:linClrLst meth="repeat">
-      <a:schemeClr val="lt1"/>
-    </dgm:linClrLst>
-    <dgm:effectClrLst/>
-    <dgm:txLinClrLst/>
-    <dgm:txFillClrLst/>
-    <dgm:txEffectClrLst/>
-  </dgm:styleLbl>
-  <dgm:styleLbl name="parChTrans2D1">
-    <dgm:fillClrLst meth="repeat">
-      <a:schemeClr val="accent2"/>
-    </dgm:fillClrLst>
-    <dgm:linClrLst meth="repeat">
-      <a:schemeClr val="lt1"/>
-    </dgm:linClrLst>
-    <dgm:effectClrLst/>
-    <dgm:txLinClrLst/>
-    <dgm:txFillClrLst meth="repeat">
-      <a:schemeClr val="lt1"/>
-    </dgm:txFillClrLst>
-    <dgm:txEffectClrLst/>
-  </dgm:styleLbl>
-  <dgm:styleLbl name="parChTrans2D2">
-    <dgm:fillClrLst meth="repeat">
-      <a:schemeClr val="accent3"/>
-    </dgm:fillClrLst>
-    <dgm:linClrLst meth="repeat">
-      <a:schemeClr val="lt1"/>
-    </dgm:linClrLst>
-    <dgm:effectClrLst/>
-    <dgm:txLinClrLst/>
-    <dgm:txFillClrLst/>
-    <dgm:txEffectClrLst/>
-  </dgm:styleLbl>
-  <dgm:styleLbl name="parChTrans2D3">
-    <dgm:fillClrLst meth="repeat">
-      <a:schemeClr val="accent4"/>
-    </dgm:fillClrLst>
-    <dgm:linClrLst meth="repeat">
-      <a:schemeClr val="lt1"/>
-    </dgm:linClrLst>
-    <dgm:effectClrLst/>
-    <dgm:txLinClrLst/>
-    <dgm:txFillClrLst/>
-    <dgm:txEffectClrLst/>
-  </dgm:styleLbl>
-  <dgm:styleLbl name="parChTrans2D4">
-    <dgm:fillClrLst meth="repeat">
-      <a:schemeClr val="accent5"/>
-    </dgm:fillClrLst>
-    <dgm:linClrLst meth="repeat">
-      <a:schemeClr val="lt1"/>
-    </dgm:linClrLst>
-    <dgm:effectClrLst/>
-    <dgm:txLinClrLst/>
-    <dgm:txFillClrLst meth="repeat">
-      <a:schemeClr val="lt1"/>
-    </dgm:txFillClrLst>
-    <dgm:txEffectClrLst/>
-  </dgm:styleLbl>
-  <dgm:styleLbl name="parChTrans1D1">
-    <dgm:fillClrLst meth="repeat">
-      <a:schemeClr val="accent2"/>
-    </dgm:fillClrLst>
-    <dgm:linClrLst meth="repeat">
-      <a:schemeClr val="accent1"/>
-    </dgm:linClrLst>
-    <dgm:effectClrLst/>
-    <dgm:txLinClrLst/>
-    <dgm:txFillClrLst meth="repeat">
-      <a:schemeClr val="tx1"/>
-    </dgm:txFillClrLst>
-    <dgm:txEffectClrLst/>
-  </dgm:styleLbl>
-  <dgm:styleLbl name="parChTrans1D2">
-    <dgm:fillClrLst meth="repeat">
-      <a:schemeClr val="accent3">
-        <a:tint val="90000"/>
-      </a:schemeClr>
-    </dgm:fillClrLst>
-    <dgm:linClrLst meth="repeat">
-      <a:schemeClr val="accent2"/>
-    </dgm:linClrLst>
-    <dgm:effectClrLst/>
-    <dgm:txLinClrLst/>
-    <dgm:txFillClrLst meth="repeat">
-      <a:schemeClr val="tx1"/>
-    </dgm:txFillClrLst>
-    <dgm:txEffectClrLst/>
-  </dgm:styleLbl>
-  <dgm:styleLbl name="parChTrans1D3">
-    <dgm:fillClrLst meth="repeat">
-      <a:schemeClr val="accent4">
-        <a:tint val="70000"/>
-      </a:schemeClr>
-    </dgm:fillClrLst>
-    <dgm:linClrLst meth="repeat">
-      <a:schemeClr val="accent3"/>
-    </dgm:linClrLst>
-    <dgm:effectClrLst/>
-    <dgm:txLinClrLst/>
-    <dgm:txFillClrLst meth="repeat">
-      <a:schemeClr val="tx1"/>
-    </dgm:txFillClrLst>
-    <dgm:txEffectClrLst/>
-  </dgm:styleLbl>
-  <dgm:styleLbl name="parChTrans1D4">
-    <dgm:fillClrLst meth="repeat">
-      <a:schemeClr val="accent5">
-        <a:tint val="50000"/>
-      </a:schemeClr>
-    </dgm:fillClrLst>
-    <dgm:linClrLst meth="repeat">
-      <a:schemeClr val="accent4"/>
-    </dgm:linClrLst>
-    <dgm:effectClrLst/>
-    <dgm:txLinClrLst/>
-    <dgm:txFillClrLst meth="repeat">
-      <a:schemeClr val="tx1"/>
-    </dgm:txFillClrLst>
-    <dgm:txEffectClrLst/>
-  </dgm:styleLbl>
-  <dgm:styleLbl name="fgAcc1">
-    <dgm:fillClrLst meth="repeat">
-      <a:schemeClr val="lt1">
-        <a:alpha val="90000"/>
-      </a:schemeClr>
-    </dgm:fillClrLst>
-    <dgm:linClrLst meth="repeat">
-      <a:schemeClr val="accent2"/>
-      <a:schemeClr val="accent3"/>
-      <a:schemeClr val="accent4"/>
-      <a:schemeClr val="accent5"/>
-      <a:schemeClr val="accent6"/>
-    </dgm:linClrLst>
-    <dgm:effectClrLst/>
-    <dgm:txLinClrLst/>
-    <dgm:txFillClrLst meth="repeat">
-      <a:schemeClr val="dk1"/>
-    </dgm:txFillClrLst>
-    <dgm:txEffectClrLst/>
-  </dgm:styleLbl>
-  <dgm:styleLbl name="conFgAcc1">
-    <dgm:fillClrLst meth="repeat">
-      <a:schemeClr val="lt1">
-        <a:alpha val="90000"/>
-      </a:schemeClr>
-    </dgm:fillClrLst>
-    <dgm:linClrLst meth="repeat">
-      <a:schemeClr val="accent2"/>
-      <a:schemeClr val="accent3"/>
-      <a:schemeClr val="accent4"/>
-      <a:schemeClr val="accent5"/>
-      <a:schemeClr val="accent6"/>
-    </dgm:linClrLst>
-    <dgm:effectClrLst/>
-    <dgm:txLinClrLst/>
-    <dgm:txFillClrLst meth="repeat">
-      <a:schemeClr val="dk1"/>
-    </dgm:txFillClrLst>
-    <dgm:txEffectClrLst/>
-  </dgm:styleLbl>
-  <dgm:styleLbl name="alignAcc1">
-    <dgm:fillClrLst meth="repeat">
-      <a:schemeClr val="lt1">
-        <a:alpha val="90000"/>
-      </a:schemeClr>
-    </dgm:fillClrLst>
-    <dgm:linClrLst meth="repeat">
-      <a:schemeClr val="accent2"/>
-      <a:schemeClr val="accent3"/>
-      <a:schemeClr val="accent4"/>
-      <a:schemeClr val="accent5"/>
-      <a:schemeClr val="accent6"/>
-    </dgm:linClrLst>
-    <dgm:effectClrLst/>
-    <dgm:txLinClrLst/>
-    <dgm:txFillClrLst meth="repeat">
-      <a:schemeClr val="dk1"/>
-    </dgm:txFillClrLst>
-    <dgm:txEffectClrLst/>
-  </dgm:styleLbl>
-  <dgm:styleLbl name="trAlignAcc1">
-    <dgm:fillClrLst meth="repeat">
-      <a:schemeClr val="lt1">
-        <a:alpha val="40000"/>
-      </a:schemeClr>
-    </dgm:fillClrLst>
-    <dgm:linClrLst meth="repeat">
-      <a:schemeClr val="accent1"/>
-    </dgm:linClrLst>
-    <dgm:effectClrLst/>
-    <dgm:txLinClrLst/>
-    <dgm:txFillClrLst meth="repeat">
-      <a:schemeClr val="dk1"/>
-    </dgm:txFillClrLst>
-    <dgm:txEffectClrLst/>
-  </dgm:styleLbl>
-  <dgm:styleLbl name="bgAcc1">
-    <dgm:fillClrLst meth="repeat">
-      <a:schemeClr val="lt1">
-        <a:alpha val="90000"/>
-      </a:schemeClr>
-    </dgm:fillClrLst>
-    <dgm:linClrLst meth="repeat">
-      <a:schemeClr val="accent2"/>
-      <a:schemeClr val="accent3"/>
-      <a:schemeClr val="accent4"/>
-      <a:schemeClr val="accent5"/>
-      <a:schemeClr val="accent6"/>
-    </dgm:linClrLst>
-    <dgm:effectClrLst/>
-    <dgm:txLinClrLst/>
-    <dgm:txFillClrLst meth="repeat">
-      <a:schemeClr val="dk1"/>
-    </dgm:txFillClrLst>
-    <dgm:txEffectClrLst/>
-  </dgm:styleLbl>
-  <dgm:styleLbl name="solidFgAcc1">
-    <dgm:fillClrLst meth="repeat">
-      <a:schemeClr val="lt1"/>
-    </dgm:fillClrLst>
-    <dgm:linClrLst meth="repeat">
-      <a:schemeClr val="accent2"/>
-      <a:schemeClr val="accent3"/>
-      <a:schemeClr val="accent4"/>
-      <a:schemeClr val="accent5"/>
-      <a:schemeClr val="accent6"/>
-    </dgm:linClrLst>
-    <dgm:effectClrLst/>
-    <dgm:txLinClrLst/>
-    <dgm:txFillClrLst meth="repeat">
-      <a:schemeClr val="dk1"/>
-    </dgm:txFillClrLst>
-    <dgm:txEffectClrLst/>
-  </dgm:styleLbl>
-  <dgm:styleLbl name="solidAlignAcc1">
-    <dgm:fillClrLst meth="repeat">
-      <a:schemeClr val="lt1"/>
-    </dgm:fillClrLst>
-    <dgm:linClrLst meth="repeat">
-      <a:schemeClr val="accent2"/>
-      <a:schemeClr val="accent3"/>
-      <a:schemeClr val="accent4"/>
-      <a:schemeClr val="accent5"/>
-      <a:schemeClr val="accent6"/>
-    </dgm:linClrLst>
-    <dgm:effectClrLst/>
-    <dgm:txLinClrLst/>
-    <dgm:txFillClrLst meth="repeat">
-      <a:schemeClr val="dk1"/>
-    </dgm:txFillClrLst>
-    <dgm:txEffectClrLst/>
-  </dgm:styleLbl>
-  <dgm:styleLbl name="solidBgAcc1">
-    <dgm:fillClrLst meth="repeat">
-      <a:schemeClr val="lt1"/>
-    </dgm:fillClrLst>
-    <dgm:linClrLst meth="repeat">
-      <a:schemeClr val="accent2"/>
-      <a:schemeClr val="accent3"/>
-      <a:schemeClr val="accent4"/>
-      <a:schemeClr val="accent5"/>
-      <a:schemeClr val="accent6"/>
-    </dgm:linClrLst>
-    <dgm:effectClrLst/>
-    <dgm:txLinClrLst/>
-    <dgm:txFillClrLst meth="repeat">
-      <a:schemeClr val="dk1"/>
-    </dgm:txFillClrLst>
-    <dgm:txEffectClrLst/>
-  </dgm:styleLbl>
-  <dgm:styleLbl name="fgAccFollowNode1">
-    <dgm:fillClrLst meth="repeat">
-      <a:schemeClr val="accent2">
-        <a:tint val="40000"/>
-        <a:alpha val="90000"/>
-      </a:schemeClr>
-      <a:schemeClr val="accent3">
-        <a:tint val="40000"/>
-        <a:alpha val="90000"/>
-      </a:schemeClr>
-      <a:schemeClr val="accent4">
-        <a:tint val="40000"/>
-        <a:alpha val="90000"/>
-      </a:schemeClr>
-      <a:schemeClr val="accent5">
-        <a:tint val="40000"/>
-        <a:alpha val="90000"/>
-      </a:schemeClr>
-      <a:schemeClr val="accent6">
-        <a:tint val="40000"/>
-        <a:alpha val="90000"/>
-      </a:schemeClr>
-    </dgm:fillClrLst>
-    <dgm:linClrLst meth="repeat">
-      <a:schemeClr val="accent2">
-        <a:tint val="40000"/>
-        <a:alpha val="90000"/>
-      </a:schemeClr>
-      <a:schemeClr val="accent3">
-        <a:tint val="40000"/>
-        <a:alpha val="90000"/>
-      </a:schemeClr>
-      <a:schemeClr val="accent4">
-        <a:tint val="40000"/>
-        <a:alpha val="90000"/>
-      </a:schemeClr>
-      <a:schemeClr val="accent5">
-        <a:tint val="40000"/>
-        <a:alpha val="90000"/>
-      </a:schemeClr>
-      <a:schemeClr val="accent6">
-        <a:tint val="40000"/>
-        <a:alpha val="90000"/>
-      </a:schemeClr>
-    </dgm:linClrLst>
-    <dgm:effectClrLst/>
-    <dgm:txLinClrLst/>
-    <dgm:txFillClrLst meth="repeat">
-      <a:schemeClr val="dk1"/>
-    </dgm:txFillClrLst>
-    <dgm:txEffectClrLst/>
-  </dgm:styleLbl>
-  <dgm:styleLbl name="alignAccFollowNode1">
-    <dgm:fillClrLst meth="repeat">
-      <a:schemeClr val="accent2">
-        <a:tint val="40000"/>
-        <a:alpha val="90000"/>
-      </a:schemeClr>
-      <a:schemeClr val="accent3">
-        <a:tint val="40000"/>
-        <a:alpha val="90000"/>
-      </a:schemeClr>
-      <a:schemeClr val="accent4">
-        <a:tint val="40000"/>
-        <a:alpha val="90000"/>
-      </a:schemeClr>
-      <a:schemeClr val="accent5">
-        <a:tint val="40000"/>
-        <a:alpha val="90000"/>
-      </a:schemeClr>
-      <a:schemeClr val="accent6">
-        <a:tint val="40000"/>
-        <a:alpha val="90000"/>
-      </a:schemeClr>
-    </dgm:fillClrLst>
-    <dgm:linClrLst meth="repeat">
-      <a:schemeClr val="accent2">
-        <a:tint val="40000"/>
-        <a:alpha val="90000"/>
-      </a:schemeClr>
-      <a:schemeClr val="accent3">
-        <a:tint val="40000"/>
-        <a:alpha val="90000"/>
-      </a:schemeClr>
-      <a:schemeClr val="accent4">
-        <a:tint val="40000"/>
-        <a:alpha val="90000"/>
-      </a:schemeClr>
-      <a:schemeClr val="accent5">
-        <a:tint val="40000"/>
-        <a:alpha val="90000"/>
-      </a:schemeClr>
-      <a:schemeClr val="accent6">
-        <a:tint val="40000"/>
-        <a:alpha val="90000"/>
-      </a:schemeClr>
-    </dgm:linClrLst>
-    <dgm:effectClrLst/>
-    <dgm:txLinClrLst/>
-    <dgm:txFillClrLst meth="repeat">
-      <a:schemeClr val="dk1"/>
-    </dgm:txFillClrLst>
-    <dgm:txEffectClrLst/>
-  </dgm:styleLbl>
-  <dgm:styleLbl name="bgAccFollowNode1">
-    <dgm:fillClrLst meth="repeat">
-      <a:schemeClr val="accent2">
-        <a:tint val="40000"/>
-        <a:alpha val="90000"/>
-      </a:schemeClr>
-      <a:schemeClr val="accent3">
-        <a:tint val="40000"/>
-        <a:alpha val="90000"/>
-      </a:schemeClr>
-      <a:schemeClr val="accent4">
-        <a:tint val="40000"/>
-        <a:alpha val="90000"/>
-      </a:schemeClr>
-      <a:schemeClr val="accent5">
-        <a:tint val="40000"/>
-        <a:alpha val="90000"/>
-      </a:schemeClr>
-      <a:schemeClr val="accent6">
-        <a:tint val="40000"/>
-        <a:alpha val="90000"/>
-      </a:schemeClr>
-    </dgm:fillClrLst>
-    <dgm:linClrLst meth="repeat">
-      <a:schemeClr val="accent2">
-        <a:tint val="40000"/>
-        <a:alpha val="90000"/>
-      </a:schemeClr>
-      <a:schemeClr val="accent3">
-        <a:tint val="40000"/>
-        <a:alpha val="90000"/>
-      </a:schemeClr>
-      <a:schemeClr val="accent4">
-        <a:tint val="40000"/>
-        <a:alpha val="90000"/>
-      </a:schemeClr>
-      <a:schemeClr val="accent5">
-        <a:tint val="40000"/>
-        <a:alpha val="90000"/>
-      </a:schemeClr>
-      <a:schemeClr val="accent6">
-        <a:tint val="40000"/>
-        <a:alpha val="90000"/>
-      </a:schemeClr>
-    </dgm:linClrLst>
-    <dgm:effectClrLst/>
-    <dgm:txLinClrLst/>
-    <dgm:txFillClrLst meth="repeat">
-      <a:schemeClr val="dk1"/>
-    </dgm:txFillClrLst>
-    <dgm:txEffectClrLst/>
-  </dgm:styleLbl>
-  <dgm:styleLbl name="fgAcc0">
-    <dgm:fillClrLst meth="repeat">
-      <a:schemeClr val="lt1">
-        <a:alpha val="90000"/>
-      </a:schemeClr>
-    </dgm:fillClrLst>
-    <dgm:linClrLst>
-      <a:schemeClr val="accent1"/>
-    </dgm:linClrLst>
-    <dgm:effectClrLst/>
-    <dgm:txLinClrLst/>
-    <dgm:txFillClrLst meth="repeat">
-      <a:schemeClr val="dk1"/>
-    </dgm:txFillClrLst>
-    <dgm:txEffectClrLst/>
-  </dgm:styleLbl>
-  <dgm:styleLbl name="fgAcc2">
-    <dgm:fillClrLst meth="repeat">
-      <a:schemeClr val="lt1">
-        <a:alpha val="90000"/>
-      </a:schemeClr>
-    </dgm:fillClrLst>
-    <dgm:linClrLst>
-      <a:schemeClr val="accent2"/>
-    </dgm:linClrLst>
-    <dgm:effectClrLst/>
-    <dgm:txLinClrLst/>
-    <dgm:txFillClrLst meth="repeat">
-      <a:schemeClr val="dk1"/>
-    </dgm:txFillClrLst>
-    <dgm:txEffectClrLst/>
-  </dgm:styleLbl>
-  <dgm:styleLbl name="fgAcc3">
-    <dgm:fillClrLst meth="repeat">
-      <a:schemeClr val="lt1">
-        <a:alpha val="90000"/>
-      </a:schemeClr>
-    </dgm:fillClrLst>
-    <dgm:linClrLst>
-      <a:schemeClr val="accent3"/>
-    </dgm:linClrLst>
-    <dgm:effectClrLst/>
-    <dgm:txLinClrLst/>
-    <dgm:txFillClrLst meth="repeat">
-      <a:schemeClr val="dk1"/>
-    </dgm:txFillClrLst>
-    <dgm:txEffectClrLst/>
-  </dgm:styleLbl>
-  <dgm:styleLbl name="fgAcc4">
-    <dgm:fillClrLst meth="repeat">
-      <a:schemeClr val="lt1">
-        <a:alpha val="90000"/>
-      </a:schemeClr>
-    </dgm:fillClrLst>
-    <dgm:linClrLst>
-      <a:schemeClr val="accent4"/>
-    </dgm:linClrLst>
-    <dgm:effectClrLst/>
-    <dgm:txLinClrLst/>
-    <dgm:txFillClrLst meth="repeat">
-      <a:schemeClr val="dk1"/>
-    </dgm:txFillClrLst>
-    <dgm:txEffectClrLst/>
-  </dgm:styleLbl>
-  <dgm:styleLbl name="bgShp">
-    <dgm:fillClrLst meth="repeat">
-      <a:schemeClr val="accent2">
-        <a:tint val="40000"/>
-      </a:schemeClr>
-    </dgm:fillClrLst>
-    <dgm:linClrLst meth="repeat">
-      <a:schemeClr val="dk1"/>
-    </dgm:linClrLst>
-    <dgm:effectClrLst/>
-    <dgm:txLinClrLst/>
-    <dgm:txFillClrLst meth="repeat">
-      <a:schemeClr val="dk1"/>
-    </dgm:txFillClrLst>
-    <dgm:txEffectClrLst/>
-  </dgm:styleLbl>
-  <dgm:styleLbl name="dkBgShp">
-    <dgm:fillClrLst meth="repeat">
-      <a:schemeClr val="accent2">
-        <a:shade val="90000"/>
-      </a:schemeClr>
-    </dgm:fillClrLst>
-    <dgm:linClrLst meth="repeat">
-      <a:schemeClr val="dk1"/>
-    </dgm:linClrLst>
-    <dgm:effectClrLst/>
-    <dgm:txLinClrLst/>
-    <dgm:txFillClrLst meth="repeat">
-      <a:schemeClr val="lt1"/>
-    </dgm:txFillClrLst>
-    <dgm:txEffectClrLst/>
-  </dgm:styleLbl>
-  <dgm:styleLbl name="trBgShp">
-    <dgm:fillClrLst meth="repeat">
-      <a:schemeClr val="accent1">
-        <a:tint val="50000"/>
-        <a:alpha val="40000"/>
-      </a:schemeClr>
-    </dgm:fillClrLst>
-    <dgm:linClrLst meth="repeat">
-      <a:schemeClr val="accent2"/>
-    </dgm:linClrLst>
-    <dgm:effectClrLst/>
-    <dgm:txLinClrLst/>
-    <dgm:txFillClrLst meth="repeat">
-      <a:schemeClr val="lt1"/>
-    </dgm:txFillClrLst>
-    <dgm:txEffectClrLst/>
-  </dgm:styleLbl>
-  <dgm:styleLbl name="fgShp">
-    <dgm:fillClrLst meth="repeat">
-      <a:schemeClr val="accent2">
         <a:tint val="40000"/>
       </a:schemeClr>
     </dgm:fillClrLst>
@@ -2738,7 +2738,1200 @@
 </dgm:colorsDef>
 </file>
 
+<file path=ppt/diagrams/colors4.xml><?xml version="1.0" encoding="utf-8"?>
+<dgm:colorsDef xmlns:dgm="http://schemas.openxmlformats.org/drawingml/2006/diagram" xmlns:a="http://schemas.openxmlformats.org/drawingml/2006/main" uniqueId="urn:microsoft.com/office/officeart/2005/8/colors/colorful1">
+  <dgm:title val=""/>
+  <dgm:desc val=""/>
+  <dgm:catLst>
+    <dgm:cat type="colorful" pri="10100"/>
+  </dgm:catLst>
+  <dgm:styleLbl name="node0">
+    <dgm:fillClrLst meth="repeat">
+      <a:schemeClr val="accent1"/>
+    </dgm:fillClrLst>
+    <dgm:linClrLst meth="repeat">
+      <a:schemeClr val="lt1"/>
+    </dgm:linClrLst>
+    <dgm:effectClrLst/>
+    <dgm:txLinClrLst/>
+    <dgm:txFillClrLst/>
+    <dgm:txEffectClrLst/>
+  </dgm:styleLbl>
+  <dgm:styleLbl name="node1">
+    <dgm:fillClrLst meth="repeat">
+      <a:schemeClr val="accent2"/>
+      <a:schemeClr val="accent3"/>
+      <a:schemeClr val="accent4"/>
+      <a:schemeClr val="accent5"/>
+      <a:schemeClr val="accent6"/>
+    </dgm:fillClrLst>
+    <dgm:linClrLst meth="repeat">
+      <a:schemeClr val="lt1"/>
+    </dgm:linClrLst>
+    <dgm:effectClrLst/>
+    <dgm:txLinClrLst/>
+    <dgm:txFillClrLst/>
+    <dgm:txEffectClrLst/>
+  </dgm:styleLbl>
+  <dgm:styleLbl name="alignNode1">
+    <dgm:fillClrLst meth="repeat">
+      <a:schemeClr val="accent2"/>
+      <a:schemeClr val="accent3"/>
+      <a:schemeClr val="accent4"/>
+      <a:schemeClr val="accent5"/>
+      <a:schemeClr val="accent6"/>
+    </dgm:fillClrLst>
+    <dgm:linClrLst meth="repeat">
+      <a:schemeClr val="accent2"/>
+      <a:schemeClr val="accent3"/>
+      <a:schemeClr val="accent4"/>
+      <a:schemeClr val="accent5"/>
+      <a:schemeClr val="accent6"/>
+    </dgm:linClrLst>
+    <dgm:effectClrLst/>
+    <dgm:txLinClrLst/>
+    <dgm:txFillClrLst/>
+    <dgm:txEffectClrLst/>
+  </dgm:styleLbl>
+  <dgm:styleLbl name="lnNode1">
+    <dgm:fillClrLst meth="repeat">
+      <a:schemeClr val="accent2"/>
+      <a:schemeClr val="accent3"/>
+      <a:schemeClr val="accent4"/>
+      <a:schemeClr val="accent5"/>
+      <a:schemeClr val="accent6"/>
+    </dgm:fillClrLst>
+    <dgm:linClrLst meth="repeat">
+      <a:schemeClr val="lt1"/>
+    </dgm:linClrLst>
+    <dgm:effectClrLst/>
+    <dgm:txLinClrLst/>
+    <dgm:txFillClrLst/>
+    <dgm:txEffectClrLst/>
+  </dgm:styleLbl>
+  <dgm:styleLbl name="vennNode1">
+    <dgm:fillClrLst meth="repeat">
+      <a:schemeClr val="accent2">
+        <a:alpha val="50000"/>
+      </a:schemeClr>
+      <a:schemeClr val="accent3">
+        <a:alpha val="50000"/>
+      </a:schemeClr>
+      <a:schemeClr val="accent4">
+        <a:alpha val="50000"/>
+      </a:schemeClr>
+      <a:schemeClr val="accent5">
+        <a:alpha val="50000"/>
+      </a:schemeClr>
+      <a:schemeClr val="accent6">
+        <a:alpha val="50000"/>
+      </a:schemeClr>
+    </dgm:fillClrLst>
+    <dgm:linClrLst meth="repeat">
+      <a:schemeClr val="lt1"/>
+    </dgm:linClrLst>
+    <dgm:effectClrLst/>
+    <dgm:txLinClrLst/>
+    <dgm:txFillClrLst/>
+    <dgm:txEffectClrLst/>
+  </dgm:styleLbl>
+  <dgm:styleLbl name="node2">
+    <dgm:fillClrLst>
+      <a:schemeClr val="accent2"/>
+    </dgm:fillClrLst>
+    <dgm:linClrLst meth="repeat">
+      <a:schemeClr val="lt1"/>
+    </dgm:linClrLst>
+    <dgm:effectClrLst/>
+    <dgm:txLinClrLst/>
+    <dgm:txFillClrLst/>
+    <dgm:txEffectClrLst/>
+  </dgm:styleLbl>
+  <dgm:styleLbl name="node3">
+    <dgm:fillClrLst>
+      <a:schemeClr val="accent3"/>
+    </dgm:fillClrLst>
+    <dgm:linClrLst meth="repeat">
+      <a:schemeClr val="lt1"/>
+    </dgm:linClrLst>
+    <dgm:effectClrLst/>
+    <dgm:txLinClrLst/>
+    <dgm:txFillClrLst/>
+    <dgm:txEffectClrLst/>
+  </dgm:styleLbl>
+  <dgm:styleLbl name="node4">
+    <dgm:fillClrLst>
+      <a:schemeClr val="accent4"/>
+    </dgm:fillClrLst>
+    <dgm:linClrLst meth="repeat">
+      <a:schemeClr val="lt1"/>
+    </dgm:linClrLst>
+    <dgm:effectClrLst/>
+    <dgm:txLinClrLst/>
+    <dgm:txFillClrLst/>
+    <dgm:txEffectClrLst/>
+  </dgm:styleLbl>
+  <dgm:styleLbl name="fgImgPlace1">
+    <dgm:fillClrLst meth="repeat">
+      <a:schemeClr val="accent2">
+        <a:tint val="50000"/>
+      </a:schemeClr>
+      <a:schemeClr val="accent3">
+        <a:tint val="50000"/>
+      </a:schemeClr>
+      <a:schemeClr val="accent4">
+        <a:tint val="50000"/>
+      </a:schemeClr>
+      <a:schemeClr val="accent5">
+        <a:tint val="50000"/>
+      </a:schemeClr>
+      <a:schemeClr val="accent6">
+        <a:tint val="50000"/>
+      </a:schemeClr>
+    </dgm:fillClrLst>
+    <dgm:linClrLst meth="repeat">
+      <a:schemeClr val="lt1"/>
+    </dgm:linClrLst>
+    <dgm:effectClrLst/>
+    <dgm:txLinClrLst/>
+    <dgm:txFillClrLst meth="repeat">
+      <a:schemeClr val="lt1"/>
+    </dgm:txFillClrLst>
+    <dgm:txEffectClrLst/>
+  </dgm:styleLbl>
+  <dgm:styleLbl name="alignImgPlace1">
+    <dgm:fillClrLst>
+      <a:schemeClr val="accent1">
+        <a:tint val="50000"/>
+      </a:schemeClr>
+      <a:schemeClr val="accent2">
+        <a:tint val="20000"/>
+      </a:schemeClr>
+    </dgm:fillClrLst>
+    <dgm:linClrLst meth="repeat">
+      <a:schemeClr val="lt1"/>
+    </dgm:linClrLst>
+    <dgm:effectClrLst/>
+    <dgm:txLinClrLst/>
+    <dgm:txFillClrLst meth="repeat">
+      <a:schemeClr val="lt1"/>
+    </dgm:txFillClrLst>
+    <dgm:txEffectClrLst/>
+  </dgm:styleLbl>
+  <dgm:styleLbl name="bgImgPlace1">
+    <dgm:fillClrLst>
+      <a:schemeClr val="accent1">
+        <a:tint val="50000"/>
+      </a:schemeClr>
+      <a:schemeClr val="accent2">
+        <a:tint val="20000"/>
+      </a:schemeClr>
+    </dgm:fillClrLst>
+    <dgm:linClrLst meth="repeat">
+      <a:schemeClr val="lt1"/>
+    </dgm:linClrLst>
+    <dgm:effectClrLst/>
+    <dgm:txLinClrLst/>
+    <dgm:txFillClrLst meth="repeat">
+      <a:schemeClr val="lt1"/>
+    </dgm:txFillClrLst>
+    <dgm:txEffectClrLst/>
+  </dgm:styleLbl>
+  <dgm:styleLbl name="sibTrans2D1">
+    <dgm:fillClrLst meth="repeat">
+      <a:schemeClr val="accent2"/>
+      <a:schemeClr val="accent3"/>
+      <a:schemeClr val="accent4"/>
+      <a:schemeClr val="accent5"/>
+      <a:schemeClr val="accent6"/>
+    </dgm:fillClrLst>
+    <dgm:linClrLst meth="cycle">
+      <a:schemeClr val="lt1"/>
+    </dgm:linClrLst>
+    <dgm:effectClrLst/>
+    <dgm:txLinClrLst/>
+    <dgm:txFillClrLst/>
+    <dgm:txEffectClrLst/>
+  </dgm:styleLbl>
+  <dgm:styleLbl name="fgSibTrans2D1">
+    <dgm:fillClrLst meth="repeat">
+      <a:schemeClr val="accent2"/>
+      <a:schemeClr val="accent3"/>
+      <a:schemeClr val="accent4"/>
+      <a:schemeClr val="accent5"/>
+      <a:schemeClr val="accent6"/>
+    </dgm:fillClrLst>
+    <dgm:linClrLst meth="cycle">
+      <a:schemeClr val="lt1"/>
+    </dgm:linClrLst>
+    <dgm:effectClrLst/>
+    <dgm:txLinClrLst/>
+    <dgm:txFillClrLst meth="repeat">
+      <a:schemeClr val="lt1"/>
+    </dgm:txFillClrLst>
+    <dgm:txEffectClrLst/>
+  </dgm:styleLbl>
+  <dgm:styleLbl name="bgSibTrans2D1">
+    <dgm:fillClrLst meth="repeat">
+      <a:schemeClr val="accent2"/>
+      <a:schemeClr val="accent3"/>
+      <a:schemeClr val="accent4"/>
+      <a:schemeClr val="accent5"/>
+      <a:schemeClr val="accent6"/>
+    </dgm:fillClrLst>
+    <dgm:linClrLst meth="cycle">
+      <a:schemeClr val="lt1"/>
+    </dgm:linClrLst>
+    <dgm:effectClrLst/>
+    <dgm:txLinClrLst/>
+    <dgm:txFillClrLst meth="repeat">
+      <a:schemeClr val="lt1"/>
+    </dgm:txFillClrLst>
+    <dgm:txEffectClrLst/>
+  </dgm:styleLbl>
+  <dgm:styleLbl name="sibTrans1D1">
+    <dgm:fillClrLst meth="repeat">
+      <a:schemeClr val="accent2"/>
+      <a:schemeClr val="accent3"/>
+      <a:schemeClr val="accent4"/>
+      <a:schemeClr val="accent5"/>
+      <a:schemeClr val="accent6"/>
+    </dgm:fillClrLst>
+    <dgm:linClrLst meth="repeat">
+      <a:schemeClr val="accent2"/>
+      <a:schemeClr val="accent3"/>
+      <a:schemeClr val="accent4"/>
+      <a:schemeClr val="accent5"/>
+      <a:schemeClr val="accent6"/>
+    </dgm:linClrLst>
+    <dgm:effectClrLst/>
+    <dgm:txLinClrLst/>
+    <dgm:txFillClrLst meth="repeat">
+      <a:schemeClr val="tx1"/>
+    </dgm:txFillClrLst>
+    <dgm:txEffectClrLst/>
+  </dgm:styleLbl>
+  <dgm:styleLbl name="callout">
+    <dgm:fillClrLst meth="repeat">
+      <a:schemeClr val="accent2"/>
+    </dgm:fillClrLst>
+    <dgm:linClrLst meth="repeat">
+      <a:schemeClr val="accent2">
+        <a:tint val="50000"/>
+      </a:schemeClr>
+    </dgm:linClrLst>
+    <dgm:effectClrLst/>
+    <dgm:txLinClrLst/>
+    <dgm:txFillClrLst meth="repeat">
+      <a:schemeClr val="tx1"/>
+    </dgm:txFillClrLst>
+    <dgm:txEffectClrLst/>
+  </dgm:styleLbl>
+  <dgm:styleLbl name="asst0">
+    <dgm:fillClrLst meth="repeat">
+      <a:schemeClr val="accent1"/>
+    </dgm:fillClrLst>
+    <dgm:linClrLst meth="repeat">
+      <a:schemeClr val="lt1"/>
+    </dgm:linClrLst>
+    <dgm:effectClrLst/>
+    <dgm:txLinClrLst/>
+    <dgm:txFillClrLst/>
+    <dgm:txEffectClrLst/>
+  </dgm:styleLbl>
+  <dgm:styleLbl name="asst1">
+    <dgm:fillClrLst meth="repeat">
+      <a:schemeClr val="accent2"/>
+    </dgm:fillClrLst>
+    <dgm:linClrLst meth="repeat">
+      <a:schemeClr val="lt1"/>
+    </dgm:linClrLst>
+    <dgm:effectClrLst/>
+    <dgm:txLinClrLst/>
+    <dgm:txFillClrLst/>
+    <dgm:txEffectClrLst/>
+  </dgm:styleLbl>
+  <dgm:styleLbl name="asst2">
+    <dgm:fillClrLst>
+      <a:schemeClr val="accent3"/>
+    </dgm:fillClrLst>
+    <dgm:linClrLst meth="repeat">
+      <a:schemeClr val="lt1"/>
+    </dgm:linClrLst>
+    <dgm:effectClrLst/>
+    <dgm:txLinClrLst/>
+    <dgm:txFillClrLst/>
+    <dgm:txEffectClrLst/>
+  </dgm:styleLbl>
+  <dgm:styleLbl name="asst3">
+    <dgm:fillClrLst>
+      <a:schemeClr val="accent4"/>
+    </dgm:fillClrLst>
+    <dgm:linClrLst meth="repeat">
+      <a:schemeClr val="lt1"/>
+    </dgm:linClrLst>
+    <dgm:effectClrLst/>
+    <dgm:txLinClrLst/>
+    <dgm:txFillClrLst/>
+    <dgm:txEffectClrLst/>
+  </dgm:styleLbl>
+  <dgm:styleLbl name="asst4">
+    <dgm:fillClrLst>
+      <a:schemeClr val="accent5"/>
+    </dgm:fillClrLst>
+    <dgm:linClrLst meth="repeat">
+      <a:schemeClr val="lt1"/>
+    </dgm:linClrLst>
+    <dgm:effectClrLst/>
+    <dgm:txLinClrLst/>
+    <dgm:txFillClrLst/>
+    <dgm:txEffectClrLst/>
+  </dgm:styleLbl>
+  <dgm:styleLbl name="parChTrans2D1">
+    <dgm:fillClrLst meth="repeat">
+      <a:schemeClr val="accent2"/>
+    </dgm:fillClrLst>
+    <dgm:linClrLst meth="repeat">
+      <a:schemeClr val="lt1"/>
+    </dgm:linClrLst>
+    <dgm:effectClrLst/>
+    <dgm:txLinClrLst/>
+    <dgm:txFillClrLst meth="repeat">
+      <a:schemeClr val="lt1"/>
+    </dgm:txFillClrLst>
+    <dgm:txEffectClrLst/>
+  </dgm:styleLbl>
+  <dgm:styleLbl name="parChTrans2D2">
+    <dgm:fillClrLst meth="repeat">
+      <a:schemeClr val="accent3"/>
+    </dgm:fillClrLst>
+    <dgm:linClrLst meth="repeat">
+      <a:schemeClr val="lt1"/>
+    </dgm:linClrLst>
+    <dgm:effectClrLst/>
+    <dgm:txLinClrLst/>
+    <dgm:txFillClrLst/>
+    <dgm:txEffectClrLst/>
+  </dgm:styleLbl>
+  <dgm:styleLbl name="parChTrans2D3">
+    <dgm:fillClrLst meth="repeat">
+      <a:schemeClr val="accent4"/>
+    </dgm:fillClrLst>
+    <dgm:linClrLst meth="repeat">
+      <a:schemeClr val="lt1"/>
+    </dgm:linClrLst>
+    <dgm:effectClrLst/>
+    <dgm:txLinClrLst/>
+    <dgm:txFillClrLst/>
+    <dgm:txEffectClrLst/>
+  </dgm:styleLbl>
+  <dgm:styleLbl name="parChTrans2D4">
+    <dgm:fillClrLst meth="repeat">
+      <a:schemeClr val="accent5"/>
+    </dgm:fillClrLst>
+    <dgm:linClrLst meth="repeat">
+      <a:schemeClr val="lt1"/>
+    </dgm:linClrLst>
+    <dgm:effectClrLst/>
+    <dgm:txLinClrLst/>
+    <dgm:txFillClrLst meth="repeat">
+      <a:schemeClr val="lt1"/>
+    </dgm:txFillClrLst>
+    <dgm:txEffectClrLst/>
+  </dgm:styleLbl>
+  <dgm:styleLbl name="parChTrans1D1">
+    <dgm:fillClrLst meth="repeat">
+      <a:schemeClr val="accent2"/>
+    </dgm:fillClrLst>
+    <dgm:linClrLst meth="repeat">
+      <a:schemeClr val="accent1"/>
+    </dgm:linClrLst>
+    <dgm:effectClrLst/>
+    <dgm:txLinClrLst/>
+    <dgm:txFillClrLst meth="repeat">
+      <a:schemeClr val="tx1"/>
+    </dgm:txFillClrLst>
+    <dgm:txEffectClrLst/>
+  </dgm:styleLbl>
+  <dgm:styleLbl name="parChTrans1D2">
+    <dgm:fillClrLst meth="repeat">
+      <a:schemeClr val="accent3">
+        <a:tint val="90000"/>
+      </a:schemeClr>
+    </dgm:fillClrLst>
+    <dgm:linClrLst meth="repeat">
+      <a:schemeClr val="accent2"/>
+    </dgm:linClrLst>
+    <dgm:effectClrLst/>
+    <dgm:txLinClrLst/>
+    <dgm:txFillClrLst meth="repeat">
+      <a:schemeClr val="tx1"/>
+    </dgm:txFillClrLst>
+    <dgm:txEffectClrLst/>
+  </dgm:styleLbl>
+  <dgm:styleLbl name="parChTrans1D3">
+    <dgm:fillClrLst meth="repeat">
+      <a:schemeClr val="accent4">
+        <a:tint val="70000"/>
+      </a:schemeClr>
+    </dgm:fillClrLst>
+    <dgm:linClrLst meth="repeat">
+      <a:schemeClr val="accent3"/>
+    </dgm:linClrLst>
+    <dgm:effectClrLst/>
+    <dgm:txLinClrLst/>
+    <dgm:txFillClrLst meth="repeat">
+      <a:schemeClr val="tx1"/>
+    </dgm:txFillClrLst>
+    <dgm:txEffectClrLst/>
+  </dgm:styleLbl>
+  <dgm:styleLbl name="parChTrans1D4">
+    <dgm:fillClrLst meth="repeat">
+      <a:schemeClr val="accent5">
+        <a:tint val="50000"/>
+      </a:schemeClr>
+    </dgm:fillClrLst>
+    <dgm:linClrLst meth="repeat">
+      <a:schemeClr val="accent4"/>
+    </dgm:linClrLst>
+    <dgm:effectClrLst/>
+    <dgm:txLinClrLst/>
+    <dgm:txFillClrLst meth="repeat">
+      <a:schemeClr val="tx1"/>
+    </dgm:txFillClrLst>
+    <dgm:txEffectClrLst/>
+  </dgm:styleLbl>
+  <dgm:styleLbl name="fgAcc1">
+    <dgm:fillClrLst meth="repeat">
+      <a:schemeClr val="lt1">
+        <a:alpha val="90000"/>
+      </a:schemeClr>
+    </dgm:fillClrLst>
+    <dgm:linClrLst meth="repeat">
+      <a:schemeClr val="accent2"/>
+      <a:schemeClr val="accent3"/>
+      <a:schemeClr val="accent4"/>
+      <a:schemeClr val="accent5"/>
+      <a:schemeClr val="accent6"/>
+    </dgm:linClrLst>
+    <dgm:effectClrLst/>
+    <dgm:txLinClrLst/>
+    <dgm:txFillClrLst meth="repeat">
+      <a:schemeClr val="dk1"/>
+    </dgm:txFillClrLst>
+    <dgm:txEffectClrLst/>
+  </dgm:styleLbl>
+  <dgm:styleLbl name="conFgAcc1">
+    <dgm:fillClrLst meth="repeat">
+      <a:schemeClr val="lt1">
+        <a:alpha val="90000"/>
+      </a:schemeClr>
+    </dgm:fillClrLst>
+    <dgm:linClrLst meth="repeat">
+      <a:schemeClr val="accent2"/>
+      <a:schemeClr val="accent3"/>
+      <a:schemeClr val="accent4"/>
+      <a:schemeClr val="accent5"/>
+      <a:schemeClr val="accent6"/>
+    </dgm:linClrLst>
+    <dgm:effectClrLst/>
+    <dgm:txLinClrLst/>
+    <dgm:txFillClrLst meth="repeat">
+      <a:schemeClr val="dk1"/>
+    </dgm:txFillClrLst>
+    <dgm:txEffectClrLst/>
+  </dgm:styleLbl>
+  <dgm:styleLbl name="alignAcc1">
+    <dgm:fillClrLst meth="repeat">
+      <a:schemeClr val="lt1">
+        <a:alpha val="90000"/>
+      </a:schemeClr>
+    </dgm:fillClrLst>
+    <dgm:linClrLst meth="repeat">
+      <a:schemeClr val="accent2"/>
+      <a:schemeClr val="accent3"/>
+      <a:schemeClr val="accent4"/>
+      <a:schemeClr val="accent5"/>
+      <a:schemeClr val="accent6"/>
+    </dgm:linClrLst>
+    <dgm:effectClrLst/>
+    <dgm:txLinClrLst/>
+    <dgm:txFillClrLst meth="repeat">
+      <a:schemeClr val="dk1"/>
+    </dgm:txFillClrLst>
+    <dgm:txEffectClrLst/>
+  </dgm:styleLbl>
+  <dgm:styleLbl name="trAlignAcc1">
+    <dgm:fillClrLst meth="repeat">
+      <a:schemeClr val="lt1">
+        <a:alpha val="40000"/>
+      </a:schemeClr>
+    </dgm:fillClrLst>
+    <dgm:linClrLst meth="repeat">
+      <a:schemeClr val="accent1"/>
+    </dgm:linClrLst>
+    <dgm:effectClrLst/>
+    <dgm:txLinClrLst/>
+    <dgm:txFillClrLst meth="repeat">
+      <a:schemeClr val="dk1"/>
+    </dgm:txFillClrLst>
+    <dgm:txEffectClrLst/>
+  </dgm:styleLbl>
+  <dgm:styleLbl name="bgAcc1">
+    <dgm:fillClrLst meth="repeat">
+      <a:schemeClr val="lt1">
+        <a:alpha val="90000"/>
+      </a:schemeClr>
+    </dgm:fillClrLst>
+    <dgm:linClrLst meth="repeat">
+      <a:schemeClr val="accent2"/>
+      <a:schemeClr val="accent3"/>
+      <a:schemeClr val="accent4"/>
+      <a:schemeClr val="accent5"/>
+      <a:schemeClr val="accent6"/>
+    </dgm:linClrLst>
+    <dgm:effectClrLst/>
+    <dgm:txLinClrLst/>
+    <dgm:txFillClrLst meth="repeat">
+      <a:schemeClr val="dk1"/>
+    </dgm:txFillClrLst>
+    <dgm:txEffectClrLst/>
+  </dgm:styleLbl>
+  <dgm:styleLbl name="solidFgAcc1">
+    <dgm:fillClrLst meth="repeat">
+      <a:schemeClr val="lt1"/>
+    </dgm:fillClrLst>
+    <dgm:linClrLst meth="repeat">
+      <a:schemeClr val="accent2"/>
+      <a:schemeClr val="accent3"/>
+      <a:schemeClr val="accent4"/>
+      <a:schemeClr val="accent5"/>
+      <a:schemeClr val="accent6"/>
+    </dgm:linClrLst>
+    <dgm:effectClrLst/>
+    <dgm:txLinClrLst/>
+    <dgm:txFillClrLst meth="repeat">
+      <a:schemeClr val="dk1"/>
+    </dgm:txFillClrLst>
+    <dgm:txEffectClrLst/>
+  </dgm:styleLbl>
+  <dgm:styleLbl name="solidAlignAcc1">
+    <dgm:fillClrLst meth="repeat">
+      <a:schemeClr val="lt1"/>
+    </dgm:fillClrLst>
+    <dgm:linClrLst meth="repeat">
+      <a:schemeClr val="accent2"/>
+      <a:schemeClr val="accent3"/>
+      <a:schemeClr val="accent4"/>
+      <a:schemeClr val="accent5"/>
+      <a:schemeClr val="accent6"/>
+    </dgm:linClrLst>
+    <dgm:effectClrLst/>
+    <dgm:txLinClrLst/>
+    <dgm:txFillClrLst meth="repeat">
+      <a:schemeClr val="dk1"/>
+    </dgm:txFillClrLst>
+    <dgm:txEffectClrLst/>
+  </dgm:styleLbl>
+  <dgm:styleLbl name="solidBgAcc1">
+    <dgm:fillClrLst meth="repeat">
+      <a:schemeClr val="lt1"/>
+    </dgm:fillClrLst>
+    <dgm:linClrLst meth="repeat">
+      <a:schemeClr val="accent2"/>
+      <a:schemeClr val="accent3"/>
+      <a:schemeClr val="accent4"/>
+      <a:schemeClr val="accent5"/>
+      <a:schemeClr val="accent6"/>
+    </dgm:linClrLst>
+    <dgm:effectClrLst/>
+    <dgm:txLinClrLst/>
+    <dgm:txFillClrLst meth="repeat">
+      <a:schemeClr val="dk1"/>
+    </dgm:txFillClrLst>
+    <dgm:txEffectClrLst/>
+  </dgm:styleLbl>
+  <dgm:styleLbl name="fgAccFollowNode1">
+    <dgm:fillClrLst meth="repeat">
+      <a:schemeClr val="accent2">
+        <a:tint val="40000"/>
+        <a:alpha val="90000"/>
+      </a:schemeClr>
+      <a:schemeClr val="accent3">
+        <a:tint val="40000"/>
+        <a:alpha val="90000"/>
+      </a:schemeClr>
+      <a:schemeClr val="accent4">
+        <a:tint val="40000"/>
+        <a:alpha val="90000"/>
+      </a:schemeClr>
+      <a:schemeClr val="accent5">
+        <a:tint val="40000"/>
+        <a:alpha val="90000"/>
+      </a:schemeClr>
+      <a:schemeClr val="accent6">
+        <a:tint val="40000"/>
+        <a:alpha val="90000"/>
+      </a:schemeClr>
+    </dgm:fillClrLst>
+    <dgm:linClrLst meth="repeat">
+      <a:schemeClr val="accent2">
+        <a:tint val="40000"/>
+        <a:alpha val="90000"/>
+      </a:schemeClr>
+      <a:schemeClr val="accent3">
+        <a:tint val="40000"/>
+        <a:alpha val="90000"/>
+      </a:schemeClr>
+      <a:schemeClr val="accent4">
+        <a:tint val="40000"/>
+        <a:alpha val="90000"/>
+      </a:schemeClr>
+      <a:schemeClr val="accent5">
+        <a:tint val="40000"/>
+        <a:alpha val="90000"/>
+      </a:schemeClr>
+      <a:schemeClr val="accent6">
+        <a:tint val="40000"/>
+        <a:alpha val="90000"/>
+      </a:schemeClr>
+    </dgm:linClrLst>
+    <dgm:effectClrLst/>
+    <dgm:txLinClrLst/>
+    <dgm:txFillClrLst meth="repeat">
+      <a:schemeClr val="dk1"/>
+    </dgm:txFillClrLst>
+    <dgm:txEffectClrLst/>
+  </dgm:styleLbl>
+  <dgm:styleLbl name="alignAccFollowNode1">
+    <dgm:fillClrLst meth="repeat">
+      <a:schemeClr val="accent2">
+        <a:tint val="40000"/>
+        <a:alpha val="90000"/>
+      </a:schemeClr>
+      <a:schemeClr val="accent3">
+        <a:tint val="40000"/>
+        <a:alpha val="90000"/>
+      </a:schemeClr>
+      <a:schemeClr val="accent4">
+        <a:tint val="40000"/>
+        <a:alpha val="90000"/>
+      </a:schemeClr>
+      <a:schemeClr val="accent5">
+        <a:tint val="40000"/>
+        <a:alpha val="90000"/>
+      </a:schemeClr>
+      <a:schemeClr val="accent6">
+        <a:tint val="40000"/>
+        <a:alpha val="90000"/>
+      </a:schemeClr>
+    </dgm:fillClrLst>
+    <dgm:linClrLst meth="repeat">
+      <a:schemeClr val="accent2">
+        <a:tint val="40000"/>
+        <a:alpha val="90000"/>
+      </a:schemeClr>
+      <a:schemeClr val="accent3">
+        <a:tint val="40000"/>
+        <a:alpha val="90000"/>
+      </a:schemeClr>
+      <a:schemeClr val="accent4">
+        <a:tint val="40000"/>
+        <a:alpha val="90000"/>
+      </a:schemeClr>
+      <a:schemeClr val="accent5">
+        <a:tint val="40000"/>
+        <a:alpha val="90000"/>
+      </a:schemeClr>
+      <a:schemeClr val="accent6">
+        <a:tint val="40000"/>
+        <a:alpha val="90000"/>
+      </a:schemeClr>
+    </dgm:linClrLst>
+    <dgm:effectClrLst/>
+    <dgm:txLinClrLst/>
+    <dgm:txFillClrLst meth="repeat">
+      <a:schemeClr val="dk1"/>
+    </dgm:txFillClrLst>
+    <dgm:txEffectClrLst/>
+  </dgm:styleLbl>
+  <dgm:styleLbl name="bgAccFollowNode1">
+    <dgm:fillClrLst meth="repeat">
+      <a:schemeClr val="accent2">
+        <a:tint val="40000"/>
+        <a:alpha val="90000"/>
+      </a:schemeClr>
+      <a:schemeClr val="accent3">
+        <a:tint val="40000"/>
+        <a:alpha val="90000"/>
+      </a:schemeClr>
+      <a:schemeClr val="accent4">
+        <a:tint val="40000"/>
+        <a:alpha val="90000"/>
+      </a:schemeClr>
+      <a:schemeClr val="accent5">
+        <a:tint val="40000"/>
+        <a:alpha val="90000"/>
+      </a:schemeClr>
+      <a:schemeClr val="accent6">
+        <a:tint val="40000"/>
+        <a:alpha val="90000"/>
+      </a:schemeClr>
+    </dgm:fillClrLst>
+    <dgm:linClrLst meth="repeat">
+      <a:schemeClr val="accent2">
+        <a:tint val="40000"/>
+        <a:alpha val="90000"/>
+      </a:schemeClr>
+      <a:schemeClr val="accent3">
+        <a:tint val="40000"/>
+        <a:alpha val="90000"/>
+      </a:schemeClr>
+      <a:schemeClr val="accent4">
+        <a:tint val="40000"/>
+        <a:alpha val="90000"/>
+      </a:schemeClr>
+      <a:schemeClr val="accent5">
+        <a:tint val="40000"/>
+        <a:alpha val="90000"/>
+      </a:schemeClr>
+      <a:schemeClr val="accent6">
+        <a:tint val="40000"/>
+        <a:alpha val="90000"/>
+      </a:schemeClr>
+    </dgm:linClrLst>
+    <dgm:effectClrLst/>
+    <dgm:txLinClrLst/>
+    <dgm:txFillClrLst meth="repeat">
+      <a:schemeClr val="dk1"/>
+    </dgm:txFillClrLst>
+    <dgm:txEffectClrLst/>
+  </dgm:styleLbl>
+  <dgm:styleLbl name="fgAcc0">
+    <dgm:fillClrLst meth="repeat">
+      <a:schemeClr val="lt1">
+        <a:alpha val="90000"/>
+      </a:schemeClr>
+    </dgm:fillClrLst>
+    <dgm:linClrLst>
+      <a:schemeClr val="accent1"/>
+    </dgm:linClrLst>
+    <dgm:effectClrLst/>
+    <dgm:txLinClrLst/>
+    <dgm:txFillClrLst meth="repeat">
+      <a:schemeClr val="dk1"/>
+    </dgm:txFillClrLst>
+    <dgm:txEffectClrLst/>
+  </dgm:styleLbl>
+  <dgm:styleLbl name="fgAcc2">
+    <dgm:fillClrLst meth="repeat">
+      <a:schemeClr val="lt1">
+        <a:alpha val="90000"/>
+      </a:schemeClr>
+    </dgm:fillClrLst>
+    <dgm:linClrLst>
+      <a:schemeClr val="accent2"/>
+    </dgm:linClrLst>
+    <dgm:effectClrLst/>
+    <dgm:txLinClrLst/>
+    <dgm:txFillClrLst meth="repeat">
+      <a:schemeClr val="dk1"/>
+    </dgm:txFillClrLst>
+    <dgm:txEffectClrLst/>
+  </dgm:styleLbl>
+  <dgm:styleLbl name="fgAcc3">
+    <dgm:fillClrLst meth="repeat">
+      <a:schemeClr val="lt1">
+        <a:alpha val="90000"/>
+      </a:schemeClr>
+    </dgm:fillClrLst>
+    <dgm:linClrLst>
+      <a:schemeClr val="accent3"/>
+    </dgm:linClrLst>
+    <dgm:effectClrLst/>
+    <dgm:txLinClrLst/>
+    <dgm:txFillClrLst meth="repeat">
+      <a:schemeClr val="dk1"/>
+    </dgm:txFillClrLst>
+    <dgm:txEffectClrLst/>
+  </dgm:styleLbl>
+  <dgm:styleLbl name="fgAcc4">
+    <dgm:fillClrLst meth="repeat">
+      <a:schemeClr val="lt1">
+        <a:alpha val="90000"/>
+      </a:schemeClr>
+    </dgm:fillClrLst>
+    <dgm:linClrLst>
+      <a:schemeClr val="accent4"/>
+    </dgm:linClrLst>
+    <dgm:effectClrLst/>
+    <dgm:txLinClrLst/>
+    <dgm:txFillClrLst meth="repeat">
+      <a:schemeClr val="dk1"/>
+    </dgm:txFillClrLst>
+    <dgm:txEffectClrLst/>
+  </dgm:styleLbl>
+  <dgm:styleLbl name="bgShp">
+    <dgm:fillClrLst meth="repeat">
+      <a:schemeClr val="accent2">
+        <a:tint val="40000"/>
+      </a:schemeClr>
+    </dgm:fillClrLst>
+    <dgm:linClrLst meth="repeat">
+      <a:schemeClr val="dk1"/>
+    </dgm:linClrLst>
+    <dgm:effectClrLst/>
+    <dgm:txLinClrLst/>
+    <dgm:txFillClrLst meth="repeat">
+      <a:schemeClr val="dk1"/>
+    </dgm:txFillClrLst>
+    <dgm:txEffectClrLst/>
+  </dgm:styleLbl>
+  <dgm:styleLbl name="dkBgShp">
+    <dgm:fillClrLst meth="repeat">
+      <a:schemeClr val="accent2">
+        <a:shade val="90000"/>
+      </a:schemeClr>
+    </dgm:fillClrLst>
+    <dgm:linClrLst meth="repeat">
+      <a:schemeClr val="dk1"/>
+    </dgm:linClrLst>
+    <dgm:effectClrLst/>
+    <dgm:txLinClrLst/>
+    <dgm:txFillClrLst meth="repeat">
+      <a:schemeClr val="lt1"/>
+    </dgm:txFillClrLst>
+    <dgm:txEffectClrLst/>
+  </dgm:styleLbl>
+  <dgm:styleLbl name="trBgShp">
+    <dgm:fillClrLst meth="repeat">
+      <a:schemeClr val="accent1">
+        <a:tint val="50000"/>
+        <a:alpha val="40000"/>
+      </a:schemeClr>
+    </dgm:fillClrLst>
+    <dgm:linClrLst meth="repeat">
+      <a:schemeClr val="accent2"/>
+    </dgm:linClrLst>
+    <dgm:effectClrLst/>
+    <dgm:txLinClrLst/>
+    <dgm:txFillClrLst meth="repeat">
+      <a:schemeClr val="lt1"/>
+    </dgm:txFillClrLst>
+    <dgm:txEffectClrLst/>
+  </dgm:styleLbl>
+  <dgm:styleLbl name="fgShp">
+    <dgm:fillClrLst meth="repeat">
+      <a:schemeClr val="accent2">
+        <a:tint val="40000"/>
+      </a:schemeClr>
+    </dgm:fillClrLst>
+    <dgm:linClrLst meth="repeat">
+      <a:schemeClr val="lt1"/>
+    </dgm:linClrLst>
+    <dgm:effectClrLst/>
+    <dgm:txLinClrLst/>
+    <dgm:txFillClrLst meth="repeat">
+      <a:schemeClr val="dk1"/>
+    </dgm:txFillClrLst>
+    <dgm:txEffectClrLst/>
+  </dgm:styleLbl>
+  <dgm:styleLbl name="revTx">
+    <dgm:fillClrLst meth="repeat">
+      <a:schemeClr val="lt1">
+        <a:alpha val="0"/>
+      </a:schemeClr>
+    </dgm:fillClrLst>
+    <dgm:linClrLst meth="repeat">
+      <a:schemeClr val="dk1">
+        <a:alpha val="0"/>
+      </a:schemeClr>
+    </dgm:linClrLst>
+    <dgm:effectClrLst/>
+    <dgm:txLinClrLst/>
+    <dgm:txFillClrLst meth="repeat">
+      <a:schemeClr val="tx1"/>
+    </dgm:txFillClrLst>
+    <dgm:txEffectClrLst/>
+  </dgm:styleLbl>
+</dgm:colorsDef>
+</file>
+
 <file path=ppt/diagrams/data1.xml><?xml version="1.0" encoding="utf-8"?>
+<dgm:dataModel xmlns:dgm="http://schemas.openxmlformats.org/drawingml/2006/diagram" xmlns:a="http://schemas.openxmlformats.org/drawingml/2006/main">
+  <dgm:ptLst>
+    <dgm:pt modelId="{617543EB-DE18-4840-94EE-81342DEC24F1}" type="doc">
+      <dgm:prSet loTypeId="urn:microsoft.com/office/officeart/2008/layout/LinedList" loCatId="list" qsTypeId="urn:microsoft.com/office/officeart/2005/8/quickstyle/simple1" qsCatId="simple" csTypeId="urn:microsoft.com/office/officeart/2005/8/colors/colorful1" csCatId="colorful"/>
+      <dgm:spPr/>
+      <dgm:t>
+        <a:bodyPr/>
+        <a:lstStyle/>
+        <a:p>
+          <a:endParaRPr lang="en-US"/>
+        </a:p>
+      </dgm:t>
+    </dgm:pt>
+    <dgm:pt modelId="{7FAEDDE1-F3AA-478E-8FF0-202787F7CD70}">
+      <dgm:prSet/>
+      <dgm:spPr/>
+      <dgm:t>
+        <a:bodyPr/>
+        <a:lstStyle/>
+        <a:p>
+          <a:r>
+            <a:rPr lang="en-US" baseline="0"/>
+            <a:t>Information on the dataset</a:t>
+          </a:r>
+          <a:endParaRPr lang="en-US"/>
+        </a:p>
+      </dgm:t>
+    </dgm:pt>
+    <dgm:pt modelId="{B166C625-FEAD-4D62-A18D-B5DAE3933F05}" type="parTrans" cxnId="{0B830015-E90D-418B-BA0A-2903364A1233}">
+      <dgm:prSet/>
+      <dgm:spPr/>
+      <dgm:t>
+        <a:bodyPr/>
+        <a:lstStyle/>
+        <a:p>
+          <a:endParaRPr lang="en-US"/>
+        </a:p>
+      </dgm:t>
+    </dgm:pt>
+    <dgm:pt modelId="{CF5C287E-070B-4B0D-BBAF-22EB5589E815}" type="sibTrans" cxnId="{0B830015-E90D-418B-BA0A-2903364A1233}">
+      <dgm:prSet/>
+      <dgm:spPr/>
+      <dgm:t>
+        <a:bodyPr/>
+        <a:lstStyle/>
+        <a:p>
+          <a:endParaRPr lang="en-US"/>
+        </a:p>
+      </dgm:t>
+    </dgm:pt>
+    <dgm:pt modelId="{8D44C021-FA55-4EBE-8AEE-A573708FA993}">
+      <dgm:prSet/>
+      <dgm:spPr/>
+      <dgm:t>
+        <a:bodyPr/>
+        <a:lstStyle/>
+        <a:p>
+          <a:r>
+            <a:rPr lang="en-US" baseline="0"/>
+            <a:t>Filtering of data</a:t>
+          </a:r>
+          <a:endParaRPr lang="en-US"/>
+        </a:p>
+      </dgm:t>
+    </dgm:pt>
+    <dgm:pt modelId="{3AF19EFE-022E-4884-8C83-A4F186A2F45D}" type="parTrans" cxnId="{1129923F-8818-447C-A9CB-DC20DC0C870D}">
+      <dgm:prSet/>
+      <dgm:spPr/>
+      <dgm:t>
+        <a:bodyPr/>
+        <a:lstStyle/>
+        <a:p>
+          <a:endParaRPr lang="en-US"/>
+        </a:p>
+      </dgm:t>
+    </dgm:pt>
+    <dgm:pt modelId="{31DB49C3-50BB-4DAF-89BC-5AA07B7CCE5C}" type="sibTrans" cxnId="{1129923F-8818-447C-A9CB-DC20DC0C870D}">
+      <dgm:prSet/>
+      <dgm:spPr/>
+      <dgm:t>
+        <a:bodyPr/>
+        <a:lstStyle/>
+        <a:p>
+          <a:endParaRPr lang="en-US"/>
+        </a:p>
+      </dgm:t>
+    </dgm:pt>
+    <dgm:pt modelId="{9B4AC8BF-F6B9-4404-89BA-DB477ABCA500}">
+      <dgm:prSet/>
+      <dgm:spPr/>
+      <dgm:t>
+        <a:bodyPr/>
+        <a:lstStyle/>
+        <a:p>
+          <a:r>
+            <a:rPr lang="en-US" baseline="0"/>
+            <a:t>Progress and results</a:t>
+          </a:r>
+          <a:endParaRPr lang="en-US"/>
+        </a:p>
+      </dgm:t>
+    </dgm:pt>
+    <dgm:pt modelId="{7DA2E0C4-B79B-4EFF-8FE2-3A6322023FB6}" type="parTrans" cxnId="{66A91E6E-9026-4F65-BA50-85290807361A}">
+      <dgm:prSet/>
+      <dgm:spPr/>
+      <dgm:t>
+        <a:bodyPr/>
+        <a:lstStyle/>
+        <a:p>
+          <a:endParaRPr lang="en-US"/>
+        </a:p>
+      </dgm:t>
+    </dgm:pt>
+    <dgm:pt modelId="{A5BF4F3B-8223-474B-8475-8EB81764DDAE}" type="sibTrans" cxnId="{66A91E6E-9026-4F65-BA50-85290807361A}">
+      <dgm:prSet/>
+      <dgm:spPr/>
+      <dgm:t>
+        <a:bodyPr/>
+        <a:lstStyle/>
+        <a:p>
+          <a:endParaRPr lang="en-US"/>
+        </a:p>
+      </dgm:t>
+    </dgm:pt>
+    <dgm:pt modelId="{9C56CA85-2041-4B72-A306-D1FB4DF70E9D}">
+      <dgm:prSet/>
+      <dgm:spPr/>
+      <dgm:t>
+        <a:bodyPr/>
+        <a:lstStyle/>
+        <a:p>
+          <a:r>
+            <a:rPr lang="en-US" baseline="0"/>
+            <a:t>Future plans</a:t>
+          </a:r>
+          <a:endParaRPr lang="en-US"/>
+        </a:p>
+      </dgm:t>
+    </dgm:pt>
+    <dgm:pt modelId="{14465F9A-2B7B-455C-8979-4539D04469F0}" type="parTrans" cxnId="{96390F78-7324-4555-9653-59A03C58BD87}">
+      <dgm:prSet/>
+      <dgm:spPr/>
+      <dgm:t>
+        <a:bodyPr/>
+        <a:lstStyle/>
+        <a:p>
+          <a:endParaRPr lang="en-US"/>
+        </a:p>
+      </dgm:t>
+    </dgm:pt>
+    <dgm:pt modelId="{537D4AE0-19F8-4CBD-84B4-D427CE9E29BD}" type="sibTrans" cxnId="{96390F78-7324-4555-9653-59A03C58BD87}">
+      <dgm:prSet/>
+      <dgm:spPr/>
+      <dgm:t>
+        <a:bodyPr/>
+        <a:lstStyle/>
+        <a:p>
+          <a:endParaRPr lang="en-US"/>
+        </a:p>
+      </dgm:t>
+    </dgm:pt>
+    <dgm:pt modelId="{B688D8A2-3B37-4BB4-AF30-4B16C2914642}" type="pres">
+      <dgm:prSet presAssocID="{617543EB-DE18-4840-94EE-81342DEC24F1}" presName="vert0" presStyleCnt="0">
+        <dgm:presLayoutVars>
+          <dgm:dir/>
+          <dgm:animOne val="branch"/>
+          <dgm:animLvl val="lvl"/>
+        </dgm:presLayoutVars>
+      </dgm:prSet>
+      <dgm:spPr/>
+    </dgm:pt>
+    <dgm:pt modelId="{41B46A4B-5E5C-458D-9FF6-6AEB80F56EF4}" type="pres">
+      <dgm:prSet presAssocID="{7FAEDDE1-F3AA-478E-8FF0-202787F7CD70}" presName="thickLine" presStyleLbl="alignNode1" presStyleIdx="0" presStyleCnt="4"/>
+      <dgm:spPr/>
+    </dgm:pt>
+    <dgm:pt modelId="{92FD82C8-B031-48E6-ABE7-04050A080E64}" type="pres">
+      <dgm:prSet presAssocID="{7FAEDDE1-F3AA-478E-8FF0-202787F7CD70}" presName="horz1" presStyleCnt="0"/>
+      <dgm:spPr/>
+    </dgm:pt>
+    <dgm:pt modelId="{C3067554-5D93-4C7C-975E-51C07C9DCD2D}" type="pres">
+      <dgm:prSet presAssocID="{7FAEDDE1-F3AA-478E-8FF0-202787F7CD70}" presName="tx1" presStyleLbl="revTx" presStyleIdx="0" presStyleCnt="4"/>
+      <dgm:spPr/>
+    </dgm:pt>
+    <dgm:pt modelId="{6F00AE12-27AA-4E0E-B65B-01482FA5F6A0}" type="pres">
+      <dgm:prSet presAssocID="{7FAEDDE1-F3AA-478E-8FF0-202787F7CD70}" presName="vert1" presStyleCnt="0"/>
+      <dgm:spPr/>
+    </dgm:pt>
+    <dgm:pt modelId="{5FA4E596-E14D-4D69-AE63-68B4F4C129DB}" type="pres">
+      <dgm:prSet presAssocID="{8D44C021-FA55-4EBE-8AEE-A573708FA993}" presName="thickLine" presStyleLbl="alignNode1" presStyleIdx="1" presStyleCnt="4"/>
+      <dgm:spPr/>
+    </dgm:pt>
+    <dgm:pt modelId="{D4132EA3-E1C7-4CA5-BD37-2C37FD3E1C46}" type="pres">
+      <dgm:prSet presAssocID="{8D44C021-FA55-4EBE-8AEE-A573708FA993}" presName="horz1" presStyleCnt="0"/>
+      <dgm:spPr/>
+    </dgm:pt>
+    <dgm:pt modelId="{D48622C3-DC91-4F84-9324-AE5BF6501279}" type="pres">
+      <dgm:prSet presAssocID="{8D44C021-FA55-4EBE-8AEE-A573708FA993}" presName="tx1" presStyleLbl="revTx" presStyleIdx="1" presStyleCnt="4"/>
+      <dgm:spPr/>
+    </dgm:pt>
+    <dgm:pt modelId="{BD2DEF9A-31D9-43B3-94BF-63774F2A058F}" type="pres">
+      <dgm:prSet presAssocID="{8D44C021-FA55-4EBE-8AEE-A573708FA993}" presName="vert1" presStyleCnt="0"/>
+      <dgm:spPr/>
+    </dgm:pt>
+    <dgm:pt modelId="{6947D9FF-2A70-4BCE-9812-629FC9B9D8E6}" type="pres">
+      <dgm:prSet presAssocID="{9B4AC8BF-F6B9-4404-89BA-DB477ABCA500}" presName="thickLine" presStyleLbl="alignNode1" presStyleIdx="2" presStyleCnt="4"/>
+      <dgm:spPr/>
+    </dgm:pt>
+    <dgm:pt modelId="{9ACFFF8A-6F2E-477E-8750-FF948B6A6A01}" type="pres">
+      <dgm:prSet presAssocID="{9B4AC8BF-F6B9-4404-89BA-DB477ABCA500}" presName="horz1" presStyleCnt="0"/>
+      <dgm:spPr/>
+    </dgm:pt>
+    <dgm:pt modelId="{D37A8596-5966-4DFE-AE1C-CA5A236EE061}" type="pres">
+      <dgm:prSet presAssocID="{9B4AC8BF-F6B9-4404-89BA-DB477ABCA500}" presName="tx1" presStyleLbl="revTx" presStyleIdx="2" presStyleCnt="4"/>
+      <dgm:spPr/>
+    </dgm:pt>
+    <dgm:pt modelId="{5245236E-23A6-47A5-9334-AB22823F4B7A}" type="pres">
+      <dgm:prSet presAssocID="{9B4AC8BF-F6B9-4404-89BA-DB477ABCA500}" presName="vert1" presStyleCnt="0"/>
+      <dgm:spPr/>
+    </dgm:pt>
+    <dgm:pt modelId="{F1462DA8-230C-4972-8A66-E74105B3285C}" type="pres">
+      <dgm:prSet presAssocID="{9C56CA85-2041-4B72-A306-D1FB4DF70E9D}" presName="thickLine" presStyleLbl="alignNode1" presStyleIdx="3" presStyleCnt="4"/>
+      <dgm:spPr/>
+    </dgm:pt>
+    <dgm:pt modelId="{CA77B7F0-98FE-42E6-B07A-F5165F9043FD}" type="pres">
+      <dgm:prSet presAssocID="{9C56CA85-2041-4B72-A306-D1FB4DF70E9D}" presName="horz1" presStyleCnt="0"/>
+      <dgm:spPr/>
+    </dgm:pt>
+    <dgm:pt modelId="{274C8C6E-DCF1-4F61-B7AE-6496CDB92F86}" type="pres">
+      <dgm:prSet presAssocID="{9C56CA85-2041-4B72-A306-D1FB4DF70E9D}" presName="tx1" presStyleLbl="revTx" presStyleIdx="3" presStyleCnt="4"/>
+      <dgm:spPr/>
+    </dgm:pt>
+    <dgm:pt modelId="{5EF6D492-F9EF-4FAD-B39B-8A29DFA04344}" type="pres">
+      <dgm:prSet presAssocID="{9C56CA85-2041-4B72-A306-D1FB4DF70E9D}" presName="vert1" presStyleCnt="0"/>
+      <dgm:spPr/>
+    </dgm:pt>
+  </dgm:ptLst>
+  <dgm:cxnLst>
+    <dgm:cxn modelId="{0B830015-E90D-418B-BA0A-2903364A1233}" srcId="{617543EB-DE18-4840-94EE-81342DEC24F1}" destId="{7FAEDDE1-F3AA-478E-8FF0-202787F7CD70}" srcOrd="0" destOrd="0" parTransId="{B166C625-FEAD-4D62-A18D-B5DAE3933F05}" sibTransId="{CF5C287E-070B-4B0D-BBAF-22EB5589E815}"/>
+    <dgm:cxn modelId="{510FED32-BE41-4C03-96E3-AA9C0B0907F3}" type="presOf" srcId="{7FAEDDE1-F3AA-478E-8FF0-202787F7CD70}" destId="{C3067554-5D93-4C7C-975E-51C07C9DCD2D}" srcOrd="0" destOrd="0" presId="urn:microsoft.com/office/officeart/2008/layout/LinedList"/>
+    <dgm:cxn modelId="{CF881B38-DD00-4D3A-9ED3-15785ADB7417}" type="presOf" srcId="{9B4AC8BF-F6B9-4404-89BA-DB477ABCA500}" destId="{D37A8596-5966-4DFE-AE1C-CA5A236EE061}" srcOrd="0" destOrd="0" presId="urn:microsoft.com/office/officeart/2008/layout/LinedList"/>
+    <dgm:cxn modelId="{1129923F-8818-447C-A9CB-DC20DC0C870D}" srcId="{617543EB-DE18-4840-94EE-81342DEC24F1}" destId="{8D44C021-FA55-4EBE-8AEE-A573708FA993}" srcOrd="1" destOrd="0" parTransId="{3AF19EFE-022E-4884-8C83-A4F186A2F45D}" sibTransId="{31DB49C3-50BB-4DAF-89BC-5AA07B7CCE5C}"/>
+    <dgm:cxn modelId="{66A91E6E-9026-4F65-BA50-85290807361A}" srcId="{617543EB-DE18-4840-94EE-81342DEC24F1}" destId="{9B4AC8BF-F6B9-4404-89BA-DB477ABCA500}" srcOrd="2" destOrd="0" parTransId="{7DA2E0C4-B79B-4EFF-8FE2-3A6322023FB6}" sibTransId="{A5BF4F3B-8223-474B-8475-8EB81764DDAE}"/>
+    <dgm:cxn modelId="{9F50EC70-ABF2-4BA7-979F-9D1677AB50AD}" type="presOf" srcId="{617543EB-DE18-4840-94EE-81342DEC24F1}" destId="{B688D8A2-3B37-4BB4-AF30-4B16C2914642}" srcOrd="0" destOrd="0" presId="urn:microsoft.com/office/officeart/2008/layout/LinedList"/>
+    <dgm:cxn modelId="{96390F78-7324-4555-9653-59A03C58BD87}" srcId="{617543EB-DE18-4840-94EE-81342DEC24F1}" destId="{9C56CA85-2041-4B72-A306-D1FB4DF70E9D}" srcOrd="3" destOrd="0" parTransId="{14465F9A-2B7B-455C-8979-4539D04469F0}" sibTransId="{537D4AE0-19F8-4CBD-84B4-D427CE9E29BD}"/>
+    <dgm:cxn modelId="{02FB4FD8-2169-41B7-BE8F-3EB9DFE01C0F}" type="presOf" srcId="{8D44C021-FA55-4EBE-8AEE-A573708FA993}" destId="{D48622C3-DC91-4F84-9324-AE5BF6501279}" srcOrd="0" destOrd="0" presId="urn:microsoft.com/office/officeart/2008/layout/LinedList"/>
+    <dgm:cxn modelId="{01033BDC-5E32-4E40-8D3F-3502ACEBD940}" type="presOf" srcId="{9C56CA85-2041-4B72-A306-D1FB4DF70E9D}" destId="{274C8C6E-DCF1-4F61-B7AE-6496CDB92F86}" srcOrd="0" destOrd="0" presId="urn:microsoft.com/office/officeart/2008/layout/LinedList"/>
+    <dgm:cxn modelId="{4852202F-31C0-469F-BF99-21EFD5F1F8C3}" type="presParOf" srcId="{B688D8A2-3B37-4BB4-AF30-4B16C2914642}" destId="{41B46A4B-5E5C-458D-9FF6-6AEB80F56EF4}" srcOrd="0" destOrd="0" presId="urn:microsoft.com/office/officeart/2008/layout/LinedList"/>
+    <dgm:cxn modelId="{BCA46825-2699-4429-B2DC-8AD2E0C18FB7}" type="presParOf" srcId="{B688D8A2-3B37-4BB4-AF30-4B16C2914642}" destId="{92FD82C8-B031-48E6-ABE7-04050A080E64}" srcOrd="1" destOrd="0" presId="urn:microsoft.com/office/officeart/2008/layout/LinedList"/>
+    <dgm:cxn modelId="{AC56435D-14D3-4E3E-8F17-68EA5A422EF5}" type="presParOf" srcId="{92FD82C8-B031-48E6-ABE7-04050A080E64}" destId="{C3067554-5D93-4C7C-975E-51C07C9DCD2D}" srcOrd="0" destOrd="0" presId="urn:microsoft.com/office/officeart/2008/layout/LinedList"/>
+    <dgm:cxn modelId="{07B662EC-1512-4058-8774-B74121DC6075}" type="presParOf" srcId="{92FD82C8-B031-48E6-ABE7-04050A080E64}" destId="{6F00AE12-27AA-4E0E-B65B-01482FA5F6A0}" srcOrd="1" destOrd="0" presId="urn:microsoft.com/office/officeart/2008/layout/LinedList"/>
+    <dgm:cxn modelId="{CA58A7C2-BE29-4A11-A183-54D63A07D94B}" type="presParOf" srcId="{B688D8A2-3B37-4BB4-AF30-4B16C2914642}" destId="{5FA4E596-E14D-4D69-AE63-68B4F4C129DB}" srcOrd="2" destOrd="0" presId="urn:microsoft.com/office/officeart/2008/layout/LinedList"/>
+    <dgm:cxn modelId="{DC44F0EC-27D1-40F5-A118-C544A127D6F9}" type="presParOf" srcId="{B688D8A2-3B37-4BB4-AF30-4B16C2914642}" destId="{D4132EA3-E1C7-4CA5-BD37-2C37FD3E1C46}" srcOrd="3" destOrd="0" presId="urn:microsoft.com/office/officeart/2008/layout/LinedList"/>
+    <dgm:cxn modelId="{9DEE7D3B-C997-4123-A2E1-1C89BB6CAA77}" type="presParOf" srcId="{D4132EA3-E1C7-4CA5-BD37-2C37FD3E1C46}" destId="{D48622C3-DC91-4F84-9324-AE5BF6501279}" srcOrd="0" destOrd="0" presId="urn:microsoft.com/office/officeart/2008/layout/LinedList"/>
+    <dgm:cxn modelId="{A2FFF671-4473-4A71-A672-841F9D3AB484}" type="presParOf" srcId="{D4132EA3-E1C7-4CA5-BD37-2C37FD3E1C46}" destId="{BD2DEF9A-31D9-43B3-94BF-63774F2A058F}" srcOrd="1" destOrd="0" presId="urn:microsoft.com/office/officeart/2008/layout/LinedList"/>
+    <dgm:cxn modelId="{C0F7C463-A097-43AF-9417-C2C95B35CB8A}" type="presParOf" srcId="{B688D8A2-3B37-4BB4-AF30-4B16C2914642}" destId="{6947D9FF-2A70-4BCE-9812-629FC9B9D8E6}" srcOrd="4" destOrd="0" presId="urn:microsoft.com/office/officeart/2008/layout/LinedList"/>
+    <dgm:cxn modelId="{AA30F082-B93C-4BA7-9016-33E0EFBBA41B}" type="presParOf" srcId="{B688D8A2-3B37-4BB4-AF30-4B16C2914642}" destId="{9ACFFF8A-6F2E-477E-8750-FF948B6A6A01}" srcOrd="5" destOrd="0" presId="urn:microsoft.com/office/officeart/2008/layout/LinedList"/>
+    <dgm:cxn modelId="{BD3CEC9D-24DD-4BBE-83AC-84B540C7E5FF}" type="presParOf" srcId="{9ACFFF8A-6F2E-477E-8750-FF948B6A6A01}" destId="{D37A8596-5966-4DFE-AE1C-CA5A236EE061}" srcOrd="0" destOrd="0" presId="urn:microsoft.com/office/officeart/2008/layout/LinedList"/>
+    <dgm:cxn modelId="{7402DF51-193A-40D8-BBAE-D5F80D8E0ACC}" type="presParOf" srcId="{9ACFFF8A-6F2E-477E-8750-FF948B6A6A01}" destId="{5245236E-23A6-47A5-9334-AB22823F4B7A}" srcOrd="1" destOrd="0" presId="urn:microsoft.com/office/officeart/2008/layout/LinedList"/>
+    <dgm:cxn modelId="{2F6E15DF-4C53-4BA4-B9AD-B311C64C925A}" type="presParOf" srcId="{B688D8A2-3B37-4BB4-AF30-4B16C2914642}" destId="{F1462DA8-230C-4972-8A66-E74105B3285C}" srcOrd="6" destOrd="0" presId="urn:microsoft.com/office/officeart/2008/layout/LinedList"/>
+    <dgm:cxn modelId="{4622AEB7-2A91-4974-8F07-A46603CD1C10}" type="presParOf" srcId="{B688D8A2-3B37-4BB4-AF30-4B16C2914642}" destId="{CA77B7F0-98FE-42E6-B07A-F5165F9043FD}" srcOrd="7" destOrd="0" presId="urn:microsoft.com/office/officeart/2008/layout/LinedList"/>
+    <dgm:cxn modelId="{225350C3-3516-4735-8F51-E9B3D30919C3}" type="presParOf" srcId="{CA77B7F0-98FE-42E6-B07A-F5165F9043FD}" destId="{274C8C6E-DCF1-4F61-B7AE-6496CDB92F86}" srcOrd="0" destOrd="0" presId="urn:microsoft.com/office/officeart/2008/layout/LinedList"/>
+    <dgm:cxn modelId="{8D4E0544-A18E-401E-9926-3A1ECBBE43C7}" type="presParOf" srcId="{CA77B7F0-98FE-42E6-B07A-F5165F9043FD}" destId="{5EF6D492-F9EF-4FAD-B39B-8A29DFA04344}" srcOrd="1" destOrd="0" presId="urn:microsoft.com/office/officeart/2008/layout/LinedList"/>
+  </dgm:cxnLst>
+  <dgm:bg/>
+  <dgm:whole/>
+  <dgm:extLst>
+    <a:ext uri="http://schemas.microsoft.com/office/drawing/2008/diagram">
+      <dsp:dataModelExt xmlns:dsp="http://schemas.microsoft.com/office/drawing/2008/diagram" relId="rId6" minVer="http://schemas.openxmlformats.org/drawingml/2006/diagram"/>
+    </a:ext>
+  </dgm:extLst>
+</dgm:dataModel>
+</file>
+
+<file path=ppt/diagrams/data2.xml><?xml version="1.0" encoding="utf-8"?>
 <dgm:dataModel xmlns:dgm="http://schemas.openxmlformats.org/drawingml/2006/diagram" xmlns:a="http://schemas.openxmlformats.org/drawingml/2006/main">
   <dgm:ptLst>
     <dgm:pt modelId="{D44DD4D8-AA11-4169-A13D-C5A9DBD942DD}" type="doc">
@@ -3408,7 +4601,7 @@
 </dgm:dataModel>
 </file>
 
-<file path=ppt/diagrams/data2.xml><?xml version="1.0" encoding="utf-8"?>
+<file path=ppt/diagrams/data3.xml><?xml version="1.0" encoding="utf-8"?>
 <dgm:dataModel xmlns:dgm="http://schemas.openxmlformats.org/drawingml/2006/diagram" xmlns:a="http://schemas.openxmlformats.org/drawingml/2006/main">
   <dgm:ptLst>
     <dgm:pt modelId="{D4675DE2-57C1-4BD6-BB27-16C51FCF62CA}" type="doc">
@@ -3607,7 +4800,7 @@
 </dgm:dataModel>
 </file>
 
-<file path=ppt/diagrams/data3.xml><?xml version="1.0" encoding="utf-8"?>
+<file path=ppt/diagrams/data4.xml><?xml version="1.0" encoding="utf-8"?>
 <dgm:dataModel xmlns:dgm="http://schemas.openxmlformats.org/drawingml/2006/diagram" xmlns:a="http://schemas.openxmlformats.org/drawingml/2006/main">
   <dgm:ptLst>
     <dgm:pt modelId="{09481894-23FF-4B52-BBEC-F7E6A9AB3930}" type="doc">
@@ -4466,6 +5659,458 @@
       <dsp:cNvGrpSpPr/>
     </dsp:nvGrpSpPr>
     <dsp:grpSpPr/>
+    <dsp:sp modelId="{41B46A4B-5E5C-458D-9FF6-6AEB80F56EF4}">
+      <dsp:nvSpPr>
+        <dsp:cNvPr id="0" name=""/>
+        <dsp:cNvSpPr/>
+      </dsp:nvSpPr>
+      <dsp:spPr>
+        <a:xfrm>
+          <a:off x="0" y="0"/>
+          <a:ext cx="9946056" cy="0"/>
+        </a:xfrm>
+        <a:prstGeom prst="line">
+          <a:avLst/>
+        </a:prstGeom>
+        <a:solidFill>
+          <a:schemeClr val="accent2">
+            <a:hueOff val="0"/>
+            <a:satOff val="0"/>
+            <a:lumOff val="0"/>
+            <a:alphaOff val="0"/>
+          </a:schemeClr>
+        </a:solidFill>
+        <a:ln w="34925" cap="flat" cmpd="sng" algn="in">
+          <a:solidFill>
+            <a:schemeClr val="accent2">
+              <a:hueOff val="0"/>
+              <a:satOff val="0"/>
+              <a:lumOff val="0"/>
+              <a:alphaOff val="0"/>
+            </a:schemeClr>
+          </a:solidFill>
+          <a:prstDash val="solid"/>
+        </a:ln>
+        <a:effectLst/>
+      </dsp:spPr>
+      <dsp:style>
+        <a:lnRef idx="2">
+          <a:scrgbClr r="0" g="0" b="0"/>
+        </a:lnRef>
+        <a:fillRef idx="1">
+          <a:scrgbClr r="0" g="0" b="0"/>
+        </a:fillRef>
+        <a:effectRef idx="0">
+          <a:scrgbClr r="0" g="0" b="0"/>
+        </a:effectRef>
+        <a:fontRef idx="minor">
+          <a:schemeClr val="lt1"/>
+        </a:fontRef>
+      </dsp:style>
+    </dsp:sp>
+    <dsp:sp modelId="{C3067554-5D93-4C7C-975E-51C07C9DCD2D}">
+      <dsp:nvSpPr>
+        <dsp:cNvPr id="0" name=""/>
+        <dsp:cNvSpPr/>
+      </dsp:nvSpPr>
+      <dsp:spPr>
+        <a:xfrm>
+          <a:off x="0" y="0"/>
+          <a:ext cx="9946056" cy="895350"/>
+        </a:xfrm>
+        <a:prstGeom prst="rect">
+          <a:avLst/>
+        </a:prstGeom>
+        <a:noFill/>
+        <a:ln>
+          <a:noFill/>
+        </a:ln>
+        <a:effectLst/>
+      </dsp:spPr>
+      <dsp:style>
+        <a:lnRef idx="0">
+          <a:scrgbClr r="0" g="0" b="0"/>
+        </a:lnRef>
+        <a:fillRef idx="0">
+          <a:scrgbClr r="0" g="0" b="0"/>
+        </a:fillRef>
+        <a:effectRef idx="0">
+          <a:scrgbClr r="0" g="0" b="0"/>
+        </a:effectRef>
+        <a:fontRef idx="minor"/>
+      </dsp:style>
+      <dsp:txBody>
+        <a:bodyPr spcFirstLastPara="0" vert="horz" wrap="square" lIns="163830" tIns="163830" rIns="163830" bIns="163830" numCol="1" spcCol="1270" anchor="t" anchorCtr="0">
+          <a:noAutofit/>
+        </a:bodyPr>
+        <a:lstStyle/>
+        <a:p>
+          <a:pPr marL="0" lvl="0" indent="0" algn="l" defTabSz="1911350">
+            <a:lnSpc>
+              <a:spcPct val="90000"/>
+            </a:lnSpc>
+            <a:spcBef>
+              <a:spcPct val="0"/>
+            </a:spcBef>
+            <a:spcAft>
+              <a:spcPct val="35000"/>
+            </a:spcAft>
+            <a:buNone/>
+          </a:pPr>
+          <a:r>
+            <a:rPr lang="en-US" sz="4300" kern="1200" baseline="0"/>
+            <a:t>Information on the dataset</a:t>
+          </a:r>
+          <a:endParaRPr lang="en-US" sz="4300" kern="1200"/>
+        </a:p>
+      </dsp:txBody>
+      <dsp:txXfrm>
+        <a:off x="0" y="0"/>
+        <a:ext cx="9946056" cy="895350"/>
+      </dsp:txXfrm>
+    </dsp:sp>
+    <dsp:sp modelId="{5FA4E596-E14D-4D69-AE63-68B4F4C129DB}">
+      <dsp:nvSpPr>
+        <dsp:cNvPr id="0" name=""/>
+        <dsp:cNvSpPr/>
+      </dsp:nvSpPr>
+      <dsp:spPr>
+        <a:xfrm>
+          <a:off x="0" y="895350"/>
+          <a:ext cx="9946056" cy="0"/>
+        </a:xfrm>
+        <a:prstGeom prst="line">
+          <a:avLst/>
+        </a:prstGeom>
+        <a:solidFill>
+          <a:schemeClr val="accent3">
+            <a:hueOff val="0"/>
+            <a:satOff val="0"/>
+            <a:lumOff val="0"/>
+            <a:alphaOff val="0"/>
+          </a:schemeClr>
+        </a:solidFill>
+        <a:ln w="34925" cap="flat" cmpd="sng" algn="in">
+          <a:solidFill>
+            <a:schemeClr val="accent3">
+              <a:hueOff val="0"/>
+              <a:satOff val="0"/>
+              <a:lumOff val="0"/>
+              <a:alphaOff val="0"/>
+            </a:schemeClr>
+          </a:solidFill>
+          <a:prstDash val="solid"/>
+        </a:ln>
+        <a:effectLst/>
+      </dsp:spPr>
+      <dsp:style>
+        <a:lnRef idx="2">
+          <a:scrgbClr r="0" g="0" b="0"/>
+        </a:lnRef>
+        <a:fillRef idx="1">
+          <a:scrgbClr r="0" g="0" b="0"/>
+        </a:fillRef>
+        <a:effectRef idx="0">
+          <a:scrgbClr r="0" g="0" b="0"/>
+        </a:effectRef>
+        <a:fontRef idx="minor">
+          <a:schemeClr val="lt1"/>
+        </a:fontRef>
+      </dsp:style>
+    </dsp:sp>
+    <dsp:sp modelId="{D48622C3-DC91-4F84-9324-AE5BF6501279}">
+      <dsp:nvSpPr>
+        <dsp:cNvPr id="0" name=""/>
+        <dsp:cNvSpPr/>
+      </dsp:nvSpPr>
+      <dsp:spPr>
+        <a:xfrm>
+          <a:off x="0" y="895350"/>
+          <a:ext cx="9946056" cy="895350"/>
+        </a:xfrm>
+        <a:prstGeom prst="rect">
+          <a:avLst/>
+        </a:prstGeom>
+        <a:noFill/>
+        <a:ln>
+          <a:noFill/>
+        </a:ln>
+        <a:effectLst/>
+      </dsp:spPr>
+      <dsp:style>
+        <a:lnRef idx="0">
+          <a:scrgbClr r="0" g="0" b="0"/>
+        </a:lnRef>
+        <a:fillRef idx="0">
+          <a:scrgbClr r="0" g="0" b="0"/>
+        </a:fillRef>
+        <a:effectRef idx="0">
+          <a:scrgbClr r="0" g="0" b="0"/>
+        </a:effectRef>
+        <a:fontRef idx="minor"/>
+      </dsp:style>
+      <dsp:txBody>
+        <a:bodyPr spcFirstLastPara="0" vert="horz" wrap="square" lIns="163830" tIns="163830" rIns="163830" bIns="163830" numCol="1" spcCol="1270" anchor="t" anchorCtr="0">
+          <a:noAutofit/>
+        </a:bodyPr>
+        <a:lstStyle/>
+        <a:p>
+          <a:pPr marL="0" lvl="0" indent="0" algn="l" defTabSz="1911350">
+            <a:lnSpc>
+              <a:spcPct val="90000"/>
+            </a:lnSpc>
+            <a:spcBef>
+              <a:spcPct val="0"/>
+            </a:spcBef>
+            <a:spcAft>
+              <a:spcPct val="35000"/>
+            </a:spcAft>
+            <a:buNone/>
+          </a:pPr>
+          <a:r>
+            <a:rPr lang="en-US" sz="4300" kern="1200" baseline="0"/>
+            <a:t>Filtering of data</a:t>
+          </a:r>
+          <a:endParaRPr lang="en-US" sz="4300" kern="1200"/>
+        </a:p>
+      </dsp:txBody>
+      <dsp:txXfrm>
+        <a:off x="0" y="895350"/>
+        <a:ext cx="9946056" cy="895350"/>
+      </dsp:txXfrm>
+    </dsp:sp>
+    <dsp:sp modelId="{6947D9FF-2A70-4BCE-9812-629FC9B9D8E6}">
+      <dsp:nvSpPr>
+        <dsp:cNvPr id="0" name=""/>
+        <dsp:cNvSpPr/>
+      </dsp:nvSpPr>
+      <dsp:spPr>
+        <a:xfrm>
+          <a:off x="0" y="1790700"/>
+          <a:ext cx="9946056" cy="0"/>
+        </a:xfrm>
+        <a:prstGeom prst="line">
+          <a:avLst/>
+        </a:prstGeom>
+        <a:solidFill>
+          <a:schemeClr val="accent4">
+            <a:hueOff val="0"/>
+            <a:satOff val="0"/>
+            <a:lumOff val="0"/>
+            <a:alphaOff val="0"/>
+          </a:schemeClr>
+        </a:solidFill>
+        <a:ln w="34925" cap="flat" cmpd="sng" algn="in">
+          <a:solidFill>
+            <a:schemeClr val="accent4">
+              <a:hueOff val="0"/>
+              <a:satOff val="0"/>
+              <a:lumOff val="0"/>
+              <a:alphaOff val="0"/>
+            </a:schemeClr>
+          </a:solidFill>
+          <a:prstDash val="solid"/>
+        </a:ln>
+        <a:effectLst/>
+      </dsp:spPr>
+      <dsp:style>
+        <a:lnRef idx="2">
+          <a:scrgbClr r="0" g="0" b="0"/>
+        </a:lnRef>
+        <a:fillRef idx="1">
+          <a:scrgbClr r="0" g="0" b="0"/>
+        </a:fillRef>
+        <a:effectRef idx="0">
+          <a:scrgbClr r="0" g="0" b="0"/>
+        </a:effectRef>
+        <a:fontRef idx="minor">
+          <a:schemeClr val="lt1"/>
+        </a:fontRef>
+      </dsp:style>
+    </dsp:sp>
+    <dsp:sp modelId="{D37A8596-5966-4DFE-AE1C-CA5A236EE061}">
+      <dsp:nvSpPr>
+        <dsp:cNvPr id="0" name=""/>
+        <dsp:cNvSpPr/>
+      </dsp:nvSpPr>
+      <dsp:spPr>
+        <a:xfrm>
+          <a:off x="0" y="1790700"/>
+          <a:ext cx="9946056" cy="895350"/>
+        </a:xfrm>
+        <a:prstGeom prst="rect">
+          <a:avLst/>
+        </a:prstGeom>
+        <a:noFill/>
+        <a:ln>
+          <a:noFill/>
+        </a:ln>
+        <a:effectLst/>
+      </dsp:spPr>
+      <dsp:style>
+        <a:lnRef idx="0">
+          <a:scrgbClr r="0" g="0" b="0"/>
+        </a:lnRef>
+        <a:fillRef idx="0">
+          <a:scrgbClr r="0" g="0" b="0"/>
+        </a:fillRef>
+        <a:effectRef idx="0">
+          <a:scrgbClr r="0" g="0" b="0"/>
+        </a:effectRef>
+        <a:fontRef idx="minor"/>
+      </dsp:style>
+      <dsp:txBody>
+        <a:bodyPr spcFirstLastPara="0" vert="horz" wrap="square" lIns="163830" tIns="163830" rIns="163830" bIns="163830" numCol="1" spcCol="1270" anchor="t" anchorCtr="0">
+          <a:noAutofit/>
+        </a:bodyPr>
+        <a:lstStyle/>
+        <a:p>
+          <a:pPr marL="0" lvl="0" indent="0" algn="l" defTabSz="1911350">
+            <a:lnSpc>
+              <a:spcPct val="90000"/>
+            </a:lnSpc>
+            <a:spcBef>
+              <a:spcPct val="0"/>
+            </a:spcBef>
+            <a:spcAft>
+              <a:spcPct val="35000"/>
+            </a:spcAft>
+            <a:buNone/>
+          </a:pPr>
+          <a:r>
+            <a:rPr lang="en-US" sz="4300" kern="1200" baseline="0"/>
+            <a:t>Progress and results</a:t>
+          </a:r>
+          <a:endParaRPr lang="en-US" sz="4300" kern="1200"/>
+        </a:p>
+      </dsp:txBody>
+      <dsp:txXfrm>
+        <a:off x="0" y="1790700"/>
+        <a:ext cx="9946056" cy="895350"/>
+      </dsp:txXfrm>
+    </dsp:sp>
+    <dsp:sp modelId="{F1462DA8-230C-4972-8A66-E74105B3285C}">
+      <dsp:nvSpPr>
+        <dsp:cNvPr id="0" name=""/>
+        <dsp:cNvSpPr/>
+      </dsp:nvSpPr>
+      <dsp:spPr>
+        <a:xfrm>
+          <a:off x="0" y="2686050"/>
+          <a:ext cx="9946056" cy="0"/>
+        </a:xfrm>
+        <a:prstGeom prst="line">
+          <a:avLst/>
+        </a:prstGeom>
+        <a:solidFill>
+          <a:schemeClr val="accent5">
+            <a:hueOff val="0"/>
+            <a:satOff val="0"/>
+            <a:lumOff val="0"/>
+            <a:alphaOff val="0"/>
+          </a:schemeClr>
+        </a:solidFill>
+        <a:ln w="34925" cap="flat" cmpd="sng" algn="in">
+          <a:solidFill>
+            <a:schemeClr val="accent5">
+              <a:hueOff val="0"/>
+              <a:satOff val="0"/>
+              <a:lumOff val="0"/>
+              <a:alphaOff val="0"/>
+            </a:schemeClr>
+          </a:solidFill>
+          <a:prstDash val="solid"/>
+        </a:ln>
+        <a:effectLst/>
+      </dsp:spPr>
+      <dsp:style>
+        <a:lnRef idx="2">
+          <a:scrgbClr r="0" g="0" b="0"/>
+        </a:lnRef>
+        <a:fillRef idx="1">
+          <a:scrgbClr r="0" g="0" b="0"/>
+        </a:fillRef>
+        <a:effectRef idx="0">
+          <a:scrgbClr r="0" g="0" b="0"/>
+        </a:effectRef>
+        <a:fontRef idx="minor">
+          <a:schemeClr val="lt1"/>
+        </a:fontRef>
+      </dsp:style>
+    </dsp:sp>
+    <dsp:sp modelId="{274C8C6E-DCF1-4F61-B7AE-6496CDB92F86}">
+      <dsp:nvSpPr>
+        <dsp:cNvPr id="0" name=""/>
+        <dsp:cNvSpPr/>
+      </dsp:nvSpPr>
+      <dsp:spPr>
+        <a:xfrm>
+          <a:off x="0" y="2686050"/>
+          <a:ext cx="9946056" cy="895350"/>
+        </a:xfrm>
+        <a:prstGeom prst="rect">
+          <a:avLst/>
+        </a:prstGeom>
+        <a:noFill/>
+        <a:ln>
+          <a:noFill/>
+        </a:ln>
+        <a:effectLst/>
+      </dsp:spPr>
+      <dsp:style>
+        <a:lnRef idx="0">
+          <a:scrgbClr r="0" g="0" b="0"/>
+        </a:lnRef>
+        <a:fillRef idx="0">
+          <a:scrgbClr r="0" g="0" b="0"/>
+        </a:fillRef>
+        <a:effectRef idx="0">
+          <a:scrgbClr r="0" g="0" b="0"/>
+        </a:effectRef>
+        <a:fontRef idx="minor"/>
+      </dsp:style>
+      <dsp:txBody>
+        <a:bodyPr spcFirstLastPara="0" vert="horz" wrap="square" lIns="163830" tIns="163830" rIns="163830" bIns="163830" numCol="1" spcCol="1270" anchor="t" anchorCtr="0">
+          <a:noAutofit/>
+        </a:bodyPr>
+        <a:lstStyle/>
+        <a:p>
+          <a:pPr marL="0" lvl="0" indent="0" algn="l" defTabSz="1911350">
+            <a:lnSpc>
+              <a:spcPct val="90000"/>
+            </a:lnSpc>
+            <a:spcBef>
+              <a:spcPct val="0"/>
+            </a:spcBef>
+            <a:spcAft>
+              <a:spcPct val="35000"/>
+            </a:spcAft>
+            <a:buNone/>
+          </a:pPr>
+          <a:r>
+            <a:rPr lang="en-US" sz="4300" kern="1200" baseline="0"/>
+            <a:t>Future plans</a:t>
+          </a:r>
+          <a:endParaRPr lang="en-US" sz="4300" kern="1200"/>
+        </a:p>
+      </dsp:txBody>
+      <dsp:txXfrm>
+        <a:off x="0" y="2686050"/>
+        <a:ext cx="9946056" cy="895350"/>
+      </dsp:txXfrm>
+    </dsp:sp>
+  </dsp:spTree>
+</dsp:drawing>
+</file>
+
+<file path=ppt/diagrams/drawing2.xml><?xml version="1.0" encoding="utf-8"?>
+<dsp:drawing xmlns:dgm="http://schemas.openxmlformats.org/drawingml/2006/diagram" xmlns:dsp="http://schemas.microsoft.com/office/drawing/2008/diagram" xmlns:a="http://schemas.openxmlformats.org/drawingml/2006/main">
+  <dsp:spTree>
+    <dsp:nvGrpSpPr>
+      <dsp:cNvPr id="0" name=""/>
+      <dsp:cNvGrpSpPr/>
+    </dsp:nvGrpSpPr>
+    <dsp:grpSpPr/>
     <dsp:sp modelId="{05D1771C-699E-4237-8064-66B75FFFF0FE}">
       <dsp:nvSpPr>
         <dsp:cNvPr id="0" name=""/>
@@ -5415,7 +7060,7 @@
 </dsp:drawing>
 </file>
 
-<file path=ppt/diagrams/drawing2.xml><?xml version="1.0" encoding="utf-8"?>
+<file path=ppt/diagrams/drawing3.xml><?xml version="1.0" encoding="utf-8"?>
 <dsp:drawing xmlns:dgm="http://schemas.openxmlformats.org/drawingml/2006/diagram" xmlns:dsp="http://schemas.microsoft.com/office/drawing/2008/diagram" xmlns:a="http://schemas.openxmlformats.org/drawingml/2006/main">
   <dsp:spTree>
     <dsp:nvGrpSpPr>
@@ -5669,7 +7314,7 @@
 </dsp:drawing>
 </file>
 
-<file path=ppt/diagrams/drawing3.xml><?xml version="1.0" encoding="utf-8"?>
+<file path=ppt/diagrams/drawing4.xml><?xml version="1.0" encoding="utf-8"?>
 <dsp:drawing xmlns:dgm="http://schemas.openxmlformats.org/drawingml/2006/diagram" xmlns:dsp="http://schemas.microsoft.com/office/drawing/2008/diagram" xmlns:a="http://schemas.openxmlformats.org/drawingml/2006/main">
   <dsp:spTree>
     <dsp:nvGrpSpPr>
@@ -6652,6 +8297,472 @@
 </file>
 
 <file path=ppt/diagrams/layout1.xml><?xml version="1.0" encoding="utf-8"?>
+<dgm:layoutDef xmlns:dgm="http://schemas.openxmlformats.org/drawingml/2006/diagram" xmlns:a="http://schemas.openxmlformats.org/drawingml/2006/main" uniqueId="urn:microsoft.com/office/officeart/2008/layout/LinedList">
+  <dgm:title val=""/>
+  <dgm:desc val=""/>
+  <dgm:catLst>
+    <dgm:cat type="hierarchy" pri="8000"/>
+    <dgm:cat type="list" pri="2500"/>
+  </dgm:catLst>
+  <dgm:sampData>
+    <dgm:dataModel>
+      <dgm:ptLst>
+        <dgm:pt modelId="0" type="doc"/>
+        <dgm:pt modelId="1">
+          <dgm:prSet phldr="1"/>
+        </dgm:pt>
+        <dgm:pt modelId="11">
+          <dgm:prSet phldr="1"/>
+        </dgm:pt>
+        <dgm:pt modelId="12">
+          <dgm:prSet phldr="1"/>
+        </dgm:pt>
+        <dgm:pt modelId="13">
+          <dgm:prSet phldr="1"/>
+        </dgm:pt>
+      </dgm:ptLst>
+      <dgm:cxnLst>
+        <dgm:cxn modelId="2" srcId="0" destId="1" srcOrd="0" destOrd="0"/>
+        <dgm:cxn modelId="3" srcId="1" destId="11" srcOrd="0" destOrd="0"/>
+        <dgm:cxn modelId="4" srcId="1" destId="12" srcOrd="1" destOrd="0"/>
+        <dgm:cxn modelId="5" srcId="1" destId="13" srcOrd="2" destOrd="0"/>
+      </dgm:cxnLst>
+      <dgm:bg/>
+      <dgm:whole/>
+    </dgm:dataModel>
+  </dgm:sampData>
+  <dgm:styleData>
+    <dgm:dataModel>
+      <dgm:ptLst>
+        <dgm:pt modelId="0" type="doc"/>
+        <dgm:pt modelId="1">
+          <dgm:prSet phldr="1"/>
+        </dgm:pt>
+        <dgm:pt modelId="11">
+          <dgm:prSet phldr="1"/>
+        </dgm:pt>
+        <dgm:pt modelId="12">
+          <dgm:prSet phldr="1"/>
+        </dgm:pt>
+      </dgm:ptLst>
+      <dgm:cxnLst>
+        <dgm:cxn modelId="2" srcId="0" destId="1" srcOrd="0" destOrd="0"/>
+        <dgm:cxn modelId="3" srcId="1" destId="11" srcOrd="0" destOrd="0"/>
+        <dgm:cxn modelId="4" srcId="1" destId="12" srcOrd="1" destOrd="0"/>
+      </dgm:cxnLst>
+      <dgm:bg/>
+      <dgm:whole/>
+    </dgm:dataModel>
+  </dgm:styleData>
+  <dgm:clrData>
+    <dgm:dataModel>
+      <dgm:ptLst>
+        <dgm:pt modelId="0" type="doc"/>
+        <dgm:pt modelId="1">
+          <dgm:prSet phldr="1"/>
+        </dgm:pt>
+        <dgm:pt modelId="11">
+          <dgm:prSet phldr="1"/>
+        </dgm:pt>
+        <dgm:pt modelId="12">
+          <dgm:prSet phldr="1"/>
+        </dgm:pt>
+      </dgm:ptLst>
+      <dgm:cxnLst>
+        <dgm:cxn modelId="2" srcId="0" destId="1" srcOrd="0" destOrd="0"/>
+        <dgm:cxn modelId="3" srcId="1" destId="11" srcOrd="0" destOrd="0"/>
+        <dgm:cxn modelId="4" srcId="1" destId="12" srcOrd="1" destOrd="0"/>
+      </dgm:cxnLst>
+      <dgm:bg/>
+      <dgm:whole/>
+    </dgm:dataModel>
+  </dgm:clrData>
+  <dgm:layoutNode name="vert0">
+    <dgm:varLst>
+      <dgm:dir/>
+      <dgm:animOne val="branch"/>
+      <dgm:animLvl val="lvl"/>
+    </dgm:varLst>
+    <dgm:choose name="Name0">
+      <dgm:if name="Name1" func="var" arg="dir" op="equ" val="norm">
+        <dgm:alg type="lin">
+          <dgm:param type="linDir" val="fromT"/>
+          <dgm:param type="nodeHorzAlign" val="l"/>
+        </dgm:alg>
+      </dgm:if>
+      <dgm:else name="Name2">
+        <dgm:alg type="lin">
+          <dgm:param type="linDir" val="fromT"/>
+          <dgm:param type="nodeHorzAlign" val="r"/>
+        </dgm:alg>
+      </dgm:else>
+    </dgm:choose>
+    <dgm:shape xmlns:r="http://schemas.openxmlformats.org/officeDocument/2006/relationships" r:blip="">
+      <dgm:adjLst/>
+    </dgm:shape>
+    <dgm:presOf/>
+    <dgm:constrLst>
+      <dgm:constr type="w" for="ch" forName="horz1" refType="w"/>
+      <dgm:constr type="h" for="ch" forName="horz1" refType="h"/>
+      <dgm:constr type="h" for="des" forName="vert1" refType="h"/>
+      <dgm:constr type="h" for="des" forName="tx1" refType="h"/>
+      <dgm:constr type="h" for="des" forName="horz2" refType="h"/>
+      <dgm:constr type="h" for="des" forName="vert2" refType="h"/>
+      <dgm:constr type="h" for="des" forName="horz3" refType="h"/>
+      <dgm:constr type="h" for="des" forName="vert3" refType="h"/>
+      <dgm:constr type="h" for="des" forName="horz4" refType="h"/>
+      <dgm:constr type="h" for="des" ptType="node" refType="h"/>
+      <dgm:constr type="primFontSz" for="des" forName="tx1" op="equ" val="65"/>
+      <dgm:constr type="primFontSz" for="des" forName="tx2" op="equ" val="65"/>
+      <dgm:constr type="primFontSz" for="des" forName="tx3" op="equ" val="65"/>
+      <dgm:constr type="primFontSz" for="des" forName="tx4" op="equ" val="65"/>
+      <dgm:constr type="w" for="des" forName="thickLine" refType="w"/>
+      <dgm:constr type="h" for="des" forName="thickLine"/>
+      <dgm:constr type="h" for="des" forName="thinLine1"/>
+      <dgm:constr type="h" for="des" forName="thinLine2b"/>
+      <dgm:constr type="h" for="des" forName="thinLine3"/>
+      <dgm:constr type="h" for="des" forName="vertSpace2a" refType="h" fact="0.05"/>
+      <dgm:constr type="h" for="des" forName="vertSpace2b" refType="h" refFor="des" refForName="vertSpace2a"/>
+    </dgm:constrLst>
+    <dgm:forEach name="Name3" axis="ch" ptType="node">
+      <dgm:layoutNode name="thickLine" styleLbl="alignNode1">
+        <dgm:alg type="sp"/>
+        <dgm:shape xmlns:r="http://schemas.openxmlformats.org/officeDocument/2006/relationships" type="line" r:blip="">
+          <dgm:adjLst/>
+        </dgm:shape>
+        <dgm:presOf/>
+      </dgm:layoutNode>
+      <dgm:layoutNode name="horz1">
+        <dgm:choose name="Name4">
+          <dgm:if name="Name5" func="var" arg="dir" op="equ" val="norm">
+            <dgm:alg type="lin">
+              <dgm:param type="linDir" val="fromL"/>
+              <dgm:param type="nodeVertAlign" val="t"/>
+            </dgm:alg>
+          </dgm:if>
+          <dgm:else name="Name6">
+            <dgm:alg type="lin">
+              <dgm:param type="linDir" val="fromR"/>
+              <dgm:param type="nodeVertAlign" val="t"/>
+            </dgm:alg>
+          </dgm:else>
+        </dgm:choose>
+        <dgm:shape xmlns:r="http://schemas.openxmlformats.org/officeDocument/2006/relationships" r:blip="">
+          <dgm:adjLst/>
+        </dgm:shape>
+        <dgm:presOf/>
+        <dgm:choose name="Name7">
+          <dgm:if name="Name8" axis="root des" func="maxDepth" op="equ" val="1">
+            <dgm:constrLst>
+              <dgm:constr type="w" for="ch" forName="tx1" refType="w"/>
+            </dgm:constrLst>
+          </dgm:if>
+          <dgm:if name="Name9" axis="root des" func="maxDepth" op="equ" val="2">
+            <dgm:constrLst>
+              <dgm:constr type="w" for="ch" forName="tx1" refType="w" fact="0.2"/>
+              <dgm:constr type="w" for="des" forName="tx2" refType="w" fact="0.785"/>
+              <dgm:constr type="w" for="des" forName="horzSpace2" refType="w" fact="0.015"/>
+              <dgm:constr type="w" for="des" forName="thinLine2b" refType="w" fact="0.8"/>
+            </dgm:constrLst>
+          </dgm:if>
+          <dgm:if name="Name10" axis="root des" func="maxDepth" op="equ" val="3">
+            <dgm:constrLst>
+              <dgm:constr type="w" for="ch" forName="tx1" refType="w" fact="0.2"/>
+              <dgm:constr type="w" for="des" forName="tx2" refType="w" fact="0.385"/>
+              <dgm:constr type="w" for="des" forName="tx3" refType="w" fact="0.385"/>
+              <dgm:constr type="w" for="des" forName="horzSpace2" refType="w" fact="0.015"/>
+              <dgm:constr type="w" for="des" forName="horzSpace3" refType="w" fact="0.015"/>
+              <dgm:constr type="w" for="des" forName="thinLine2b" refType="w" fact="0.8"/>
+              <dgm:constr type="w" for="des" forName="thinLine3" refType="w" fact="0.385"/>
+            </dgm:constrLst>
+          </dgm:if>
+          <dgm:if name="Name11" axis="root des" func="maxDepth" op="gte" val="4">
+            <dgm:constrLst>
+              <dgm:constr type="w" for="ch" forName="tx1" refType="w" fact="0.2"/>
+              <dgm:constr type="w" for="des" forName="tx2" refType="w" fact="0.2516"/>
+              <dgm:constr type="w" for="des" forName="tx3" refType="w" fact="0.2516"/>
+              <dgm:constr type="w" for="des" forName="tx4" refType="w" fact="0.2516"/>
+              <dgm:constr type="w" for="des" forName="horzSpace2" refType="w" fact="0.015"/>
+              <dgm:constr type="w" for="des" forName="horzSpace3" refType="w" fact="0.015"/>
+              <dgm:constr type="w" for="des" forName="horzSpace4" refType="w" fact="0.015"/>
+              <dgm:constr type="w" for="des" forName="thinLine2b" refType="w" fact="0.8"/>
+              <dgm:constr type="w" for="des" forName="thinLine3" refType="w" fact="0.5332"/>
+            </dgm:constrLst>
+          </dgm:if>
+          <dgm:else name="Name12"/>
+        </dgm:choose>
+        <dgm:layoutNode name="tx1" styleLbl="revTx">
+          <dgm:alg type="tx">
+            <dgm:param type="parTxLTRAlign" val="l"/>
+            <dgm:param type="parTxRTLAlign" val="r"/>
+            <dgm:param type="txAnchorVert" val="t"/>
+          </dgm:alg>
+          <dgm:shape xmlns:r="http://schemas.openxmlformats.org/officeDocument/2006/relationships" type="rect" r:blip="">
+            <dgm:adjLst/>
+          </dgm:shape>
+          <dgm:presOf axis="self"/>
+          <dgm:constrLst>
+            <dgm:constr type="tMarg" refType="primFontSz" fact="0.3"/>
+            <dgm:constr type="bMarg" refType="primFontSz" fact="0.3"/>
+            <dgm:constr type="lMarg" refType="primFontSz" fact="0.3"/>
+            <dgm:constr type="rMarg" refType="primFontSz" fact="0.3"/>
+          </dgm:constrLst>
+          <dgm:ruleLst>
+            <dgm:rule type="primFontSz" val="5" fact="NaN" max="NaN"/>
+          </dgm:ruleLst>
+        </dgm:layoutNode>
+        <dgm:layoutNode name="vert1">
+          <dgm:choose name="Name13">
+            <dgm:if name="Name14" func="var" arg="dir" op="equ" val="norm">
+              <dgm:alg type="lin">
+                <dgm:param type="linDir" val="fromT"/>
+                <dgm:param type="nodeHorzAlign" val="l"/>
+              </dgm:alg>
+            </dgm:if>
+            <dgm:else name="Name15">
+              <dgm:alg type="lin">
+                <dgm:param type="linDir" val="fromT"/>
+                <dgm:param type="nodeHorzAlign" val="r"/>
+              </dgm:alg>
+            </dgm:else>
+          </dgm:choose>
+          <dgm:shape xmlns:r="http://schemas.openxmlformats.org/officeDocument/2006/relationships" r:blip="">
+            <dgm:adjLst/>
+          </dgm:shape>
+          <dgm:presOf/>
+          <dgm:forEach name="Name16" axis="ch" ptType="node">
+            <dgm:choose name="Name17">
+              <dgm:if name="Name18" axis="self" ptType="node" func="pos" op="equ" val="1">
+                <dgm:layoutNode name="vertSpace2a">
+                  <dgm:alg type="sp"/>
+                  <dgm:shape xmlns:r="http://schemas.openxmlformats.org/officeDocument/2006/relationships" r:blip="">
+                    <dgm:adjLst/>
+                  </dgm:shape>
+                  <dgm:presOf/>
+                </dgm:layoutNode>
+              </dgm:if>
+              <dgm:else name="Name19"/>
+            </dgm:choose>
+            <dgm:layoutNode name="horz2">
+              <dgm:choose name="Name20">
+                <dgm:if name="Name21" func="var" arg="dir" op="equ" val="norm">
+                  <dgm:alg type="lin">
+                    <dgm:param type="linDir" val="fromL"/>
+                    <dgm:param type="nodeVertAlign" val="t"/>
+                  </dgm:alg>
+                </dgm:if>
+                <dgm:else name="Name22">
+                  <dgm:alg type="lin">
+                    <dgm:param type="linDir" val="fromR"/>
+                    <dgm:param type="nodeVertAlign" val="t"/>
+                  </dgm:alg>
+                </dgm:else>
+              </dgm:choose>
+              <dgm:shape xmlns:r="http://schemas.openxmlformats.org/officeDocument/2006/relationships" r:blip="">
+                <dgm:adjLst/>
+              </dgm:shape>
+              <dgm:presOf/>
+              <dgm:layoutNode name="horzSpace2">
+                <dgm:alg type="sp"/>
+                <dgm:shape xmlns:r="http://schemas.openxmlformats.org/officeDocument/2006/relationships" r:blip="">
+                  <dgm:adjLst/>
+                </dgm:shape>
+                <dgm:presOf/>
+              </dgm:layoutNode>
+              <dgm:layoutNode name="tx2" styleLbl="revTx">
+                <dgm:alg type="tx">
+                  <dgm:param type="parTxLTRAlign" val="l"/>
+                  <dgm:param type="parTxRTLAlign" val="r"/>
+                  <dgm:param type="txAnchorVert" val="t"/>
+                </dgm:alg>
+                <dgm:shape xmlns:r="http://schemas.openxmlformats.org/officeDocument/2006/relationships" type="rect" r:blip="">
+                  <dgm:adjLst/>
+                </dgm:shape>
+                <dgm:presOf axis="self"/>
+                <dgm:constrLst>
+                  <dgm:constr type="tMarg" refType="primFontSz" fact="0.3"/>
+                  <dgm:constr type="bMarg" refType="primFontSz" fact="0.3"/>
+                  <dgm:constr type="lMarg" refType="primFontSz" fact="0.3"/>
+                  <dgm:constr type="rMarg" refType="primFontSz" fact="0.3"/>
+                </dgm:constrLst>
+                <dgm:ruleLst>
+                  <dgm:rule type="primFontSz" val="5" fact="NaN" max="NaN"/>
+                </dgm:ruleLst>
+              </dgm:layoutNode>
+              <dgm:layoutNode name="vert2">
+                <dgm:choose name="Name23">
+                  <dgm:if name="Name24" func="var" arg="dir" op="equ" val="norm">
+                    <dgm:alg type="lin">
+                      <dgm:param type="linDir" val="fromT"/>
+                      <dgm:param type="nodeHorzAlign" val="l"/>
+                    </dgm:alg>
+                  </dgm:if>
+                  <dgm:else name="Name25">
+                    <dgm:alg type="lin">
+                      <dgm:param type="linDir" val="fromT"/>
+                      <dgm:param type="nodeHorzAlign" val="r"/>
+                    </dgm:alg>
+                  </dgm:else>
+                </dgm:choose>
+                <dgm:shape xmlns:r="http://schemas.openxmlformats.org/officeDocument/2006/relationships" r:blip="">
+                  <dgm:adjLst/>
+                </dgm:shape>
+                <dgm:presOf/>
+                <dgm:forEach name="Name26" axis="ch" ptType="node">
+                  <dgm:layoutNode name="horz3">
+                    <dgm:choose name="Name27">
+                      <dgm:if name="Name28" func="var" arg="dir" op="equ" val="norm">
+                        <dgm:alg type="lin">
+                          <dgm:param type="linDir" val="fromL"/>
+                          <dgm:param type="nodeVertAlign" val="t"/>
+                        </dgm:alg>
+                      </dgm:if>
+                      <dgm:else name="Name29">
+                        <dgm:alg type="lin">
+                          <dgm:param type="linDir" val="fromR"/>
+                          <dgm:param type="nodeVertAlign" val="t"/>
+                        </dgm:alg>
+                      </dgm:else>
+                    </dgm:choose>
+                    <dgm:shape xmlns:r="http://schemas.openxmlformats.org/officeDocument/2006/relationships" r:blip="">
+                      <dgm:adjLst/>
+                    </dgm:shape>
+                    <dgm:presOf/>
+                    <dgm:layoutNode name="horzSpace3">
+                      <dgm:alg type="sp"/>
+                      <dgm:shape xmlns:r="http://schemas.openxmlformats.org/officeDocument/2006/relationships" r:blip="">
+                        <dgm:adjLst/>
+                      </dgm:shape>
+                      <dgm:presOf/>
+                    </dgm:layoutNode>
+                    <dgm:layoutNode name="tx3" styleLbl="revTx">
+                      <dgm:alg type="tx">
+                        <dgm:param type="parTxLTRAlign" val="l"/>
+                        <dgm:param type="parTxRTLAlign" val="r"/>
+                        <dgm:param type="txAnchorVert" val="t"/>
+                      </dgm:alg>
+                      <dgm:shape xmlns:r="http://schemas.openxmlformats.org/officeDocument/2006/relationships" type="rect" r:blip="">
+                        <dgm:adjLst/>
+                      </dgm:shape>
+                      <dgm:presOf axis="self"/>
+                      <dgm:constrLst>
+                        <dgm:constr type="tMarg" refType="primFontSz" fact="0.3"/>
+                        <dgm:constr type="bMarg" refType="primFontSz" fact="0.3"/>
+                        <dgm:constr type="lMarg" refType="primFontSz" fact="0.3"/>
+                        <dgm:constr type="rMarg" refType="primFontSz" fact="0.3"/>
+                      </dgm:constrLst>
+                      <dgm:ruleLst>
+                        <dgm:rule type="primFontSz" val="5" fact="NaN" max="NaN"/>
+                      </dgm:ruleLst>
+                    </dgm:layoutNode>
+                    <dgm:layoutNode name="vert3">
+                      <dgm:choose name="Name30">
+                        <dgm:if name="Name31" func="var" arg="dir" op="equ" val="norm">
+                          <dgm:alg type="lin">
+                            <dgm:param type="linDir" val="fromT"/>
+                            <dgm:param type="nodeHorzAlign" val="l"/>
+                          </dgm:alg>
+                        </dgm:if>
+                        <dgm:else name="Name32">
+                          <dgm:alg type="lin">
+                            <dgm:param type="linDir" val="fromT"/>
+                            <dgm:param type="nodeHorzAlign" val="r"/>
+                          </dgm:alg>
+                        </dgm:else>
+                      </dgm:choose>
+                      <dgm:shape xmlns:r="http://schemas.openxmlformats.org/officeDocument/2006/relationships" r:blip="">
+                        <dgm:adjLst/>
+                      </dgm:shape>
+                      <dgm:presOf/>
+                      <dgm:forEach name="Name33" axis="ch" ptType="node">
+                        <dgm:layoutNode name="horz4">
+                          <dgm:choose name="Name34">
+                            <dgm:if name="Name35" func="var" arg="dir" op="equ" val="norm">
+                              <dgm:alg type="lin">
+                                <dgm:param type="linDir" val="fromL"/>
+                                <dgm:param type="nodeVertAlign" val="t"/>
+                              </dgm:alg>
+                            </dgm:if>
+                            <dgm:else name="Name36">
+                              <dgm:alg type="lin">
+                                <dgm:param type="linDir" val="fromR"/>
+                                <dgm:param type="nodeVertAlign" val="t"/>
+                              </dgm:alg>
+                            </dgm:else>
+                          </dgm:choose>
+                          <dgm:shape xmlns:r="http://schemas.openxmlformats.org/officeDocument/2006/relationships" r:blip="">
+                            <dgm:adjLst/>
+                          </dgm:shape>
+                          <dgm:presOf/>
+                          <dgm:layoutNode name="horzSpace4">
+                            <dgm:alg type="sp"/>
+                            <dgm:shape xmlns:r="http://schemas.openxmlformats.org/officeDocument/2006/relationships" r:blip="">
+                              <dgm:adjLst/>
+                            </dgm:shape>
+                            <dgm:presOf/>
+                          </dgm:layoutNode>
+                          <dgm:layoutNode name="tx4" styleLbl="revTx">
+                            <dgm:varLst>
+                              <dgm:bulletEnabled val="1"/>
+                            </dgm:varLst>
+                            <dgm:alg type="tx">
+                              <dgm:param type="parTxLTRAlign" val="l"/>
+                              <dgm:param type="parTxRTLAlign" val="r"/>
+                              <dgm:param type="txAnchorVert" val="t"/>
+                            </dgm:alg>
+                            <dgm:shape xmlns:r="http://schemas.openxmlformats.org/officeDocument/2006/relationships" type="rect" r:blip="">
+                              <dgm:adjLst/>
+                            </dgm:shape>
+                            <dgm:presOf axis="desOrSelf" ptType="node"/>
+                            <dgm:constrLst>
+                              <dgm:constr type="tMarg" refType="primFontSz" fact="0.3"/>
+                              <dgm:constr type="bMarg" refType="primFontSz" fact="0.3"/>
+                              <dgm:constr type="lMarg" refType="primFontSz" fact="0.3"/>
+                              <dgm:constr type="rMarg" refType="primFontSz" fact="0.3"/>
+                            </dgm:constrLst>
+                            <dgm:ruleLst>
+                              <dgm:rule type="primFontSz" val="5" fact="NaN" max="NaN"/>
+                            </dgm:ruleLst>
+                          </dgm:layoutNode>
+                        </dgm:layoutNode>
+                      </dgm:forEach>
+                    </dgm:layoutNode>
+                  </dgm:layoutNode>
+                  <dgm:forEach name="Name37" axis="followSib" ptType="sibTrans" cnt="1">
+                    <dgm:layoutNode name="thinLine3" styleLbl="callout">
+                      <dgm:alg type="sp"/>
+                      <dgm:shape xmlns:r="http://schemas.openxmlformats.org/officeDocument/2006/relationships" type="line" r:blip="">
+                        <dgm:adjLst/>
+                      </dgm:shape>
+                      <dgm:presOf/>
+                    </dgm:layoutNode>
+                  </dgm:forEach>
+                </dgm:forEach>
+              </dgm:layoutNode>
+            </dgm:layoutNode>
+            <dgm:layoutNode name="thinLine2b" styleLbl="callout">
+              <dgm:alg type="sp"/>
+              <dgm:shape xmlns:r="http://schemas.openxmlformats.org/officeDocument/2006/relationships" type="line" r:blip="">
+                <dgm:adjLst/>
+              </dgm:shape>
+              <dgm:presOf/>
+            </dgm:layoutNode>
+            <dgm:layoutNode name="vertSpace2b">
+              <dgm:alg type="sp"/>
+              <dgm:shape xmlns:r="http://schemas.openxmlformats.org/officeDocument/2006/relationships" r:blip="">
+                <dgm:adjLst/>
+              </dgm:shape>
+              <dgm:presOf/>
+            </dgm:layoutNode>
+          </dgm:forEach>
+        </dgm:layoutNode>
+      </dgm:layoutNode>
+    </dgm:forEach>
+  </dgm:layoutNode>
+</dgm:layoutDef>
+</file>
+
+<file path=ppt/diagrams/layout2.xml><?xml version="1.0" encoding="utf-8"?>
 <dgm:layoutDef xmlns:dgm="http://schemas.openxmlformats.org/drawingml/2006/diagram" xmlns:a="http://schemas.openxmlformats.org/drawingml/2006/main" uniqueId="urn:microsoft.com/office/officeart/2005/8/layout/process4">
   <dgm:title val=""/>
   <dgm:desc val=""/>
@@ -7004,7 +9115,7 @@
 </dgm:layoutDef>
 </file>
 
-<file path=ppt/diagrams/layout2.xml><?xml version="1.0" encoding="utf-8"?>
+<file path=ppt/diagrams/layout3.xml><?xml version="1.0" encoding="utf-8"?>
 <dgm:layoutDef xmlns:dgm="http://schemas.openxmlformats.org/drawingml/2006/diagram" xmlns:a="http://schemas.openxmlformats.org/drawingml/2006/main" uniqueId="urn:microsoft.com/office/officeart/2005/8/layout/chevron1">
   <dgm:title val=""/>
   <dgm:desc val=""/>
@@ -7287,7 +9398,7 @@
 </dgm:layoutDef>
 </file>
 
-<file path=ppt/diagrams/layout3.xml><?xml version="1.0" encoding="utf-8"?>
+<file path=ppt/diagrams/layout4.xml><?xml version="1.0" encoding="utf-8"?>
 <dgm:layoutDef xmlns:dgm="http://schemas.openxmlformats.org/drawingml/2006/diagram" xmlns:a="http://schemas.openxmlformats.org/drawingml/2006/main" uniqueId="urn:microsoft.com/office/officeart/2005/8/layout/chevron2">
   <dgm:title val=""/>
   <dgm:desc val=""/>
@@ -9612,6 +11723,1040 @@
 </file>
 
 <file path=ppt/diagrams/quickStyle3.xml><?xml version="1.0" encoding="utf-8"?>
+<dgm:styleDef xmlns:dgm="http://schemas.openxmlformats.org/drawingml/2006/diagram" xmlns:a="http://schemas.openxmlformats.org/drawingml/2006/main" uniqueId="urn:microsoft.com/office/officeart/2005/8/quickstyle/simple1">
+  <dgm:title val=""/>
+  <dgm:desc val=""/>
+  <dgm:catLst>
+    <dgm:cat type="simple" pri="10100"/>
+  </dgm:catLst>
+  <dgm:scene3d>
+    <a:camera prst="orthographicFront"/>
+    <a:lightRig rig="threePt" dir="t"/>
+  </dgm:scene3d>
+  <dgm:styleLbl name="node0">
+    <dgm:scene3d>
+      <a:camera prst="orthographicFront"/>
+      <a:lightRig rig="threePt" dir="t"/>
+    </dgm:scene3d>
+    <dgm:sp3d/>
+    <dgm:txPr/>
+    <dgm:style>
+      <a:lnRef idx="2">
+        <a:scrgbClr r="0" g="0" b="0"/>
+      </a:lnRef>
+      <a:fillRef idx="1">
+        <a:scrgbClr r="0" g="0" b="0"/>
+      </a:fillRef>
+      <a:effectRef idx="0">
+        <a:scrgbClr r="0" g="0" b="0"/>
+      </a:effectRef>
+      <a:fontRef idx="minor">
+        <a:schemeClr val="lt1"/>
+      </a:fontRef>
+    </dgm:style>
+  </dgm:styleLbl>
+  <dgm:styleLbl name="lnNode1">
+    <dgm:scene3d>
+      <a:camera prst="orthographicFront"/>
+      <a:lightRig rig="threePt" dir="t"/>
+    </dgm:scene3d>
+    <dgm:sp3d/>
+    <dgm:txPr/>
+    <dgm:style>
+      <a:lnRef idx="2">
+        <a:scrgbClr r="0" g="0" b="0"/>
+      </a:lnRef>
+      <a:fillRef idx="1">
+        <a:scrgbClr r="0" g="0" b="0"/>
+      </a:fillRef>
+      <a:effectRef idx="0">
+        <a:scrgbClr r="0" g="0" b="0"/>
+      </a:effectRef>
+      <a:fontRef idx="minor">
+        <a:schemeClr val="lt1"/>
+      </a:fontRef>
+    </dgm:style>
+  </dgm:styleLbl>
+  <dgm:styleLbl name="vennNode1">
+    <dgm:scene3d>
+      <a:camera prst="orthographicFront"/>
+      <a:lightRig rig="threePt" dir="t"/>
+    </dgm:scene3d>
+    <dgm:sp3d/>
+    <dgm:txPr/>
+    <dgm:style>
+      <a:lnRef idx="2">
+        <a:scrgbClr r="0" g="0" b="0"/>
+      </a:lnRef>
+      <a:fillRef idx="1">
+        <a:scrgbClr r="0" g="0" b="0"/>
+      </a:fillRef>
+      <a:effectRef idx="0">
+        <a:scrgbClr r="0" g="0" b="0"/>
+      </a:effectRef>
+      <a:fontRef idx="minor">
+        <a:schemeClr val="tx1"/>
+      </a:fontRef>
+    </dgm:style>
+  </dgm:styleLbl>
+  <dgm:styleLbl name="alignNode1">
+    <dgm:scene3d>
+      <a:camera prst="orthographicFront"/>
+      <a:lightRig rig="threePt" dir="t"/>
+    </dgm:scene3d>
+    <dgm:sp3d/>
+    <dgm:txPr/>
+    <dgm:style>
+      <a:lnRef idx="2">
+        <a:scrgbClr r="0" g="0" b="0"/>
+      </a:lnRef>
+      <a:fillRef idx="1">
+        <a:scrgbClr r="0" g="0" b="0"/>
+      </a:fillRef>
+      <a:effectRef idx="0">
+        <a:scrgbClr r="0" g="0" b="0"/>
+      </a:effectRef>
+      <a:fontRef idx="minor">
+        <a:schemeClr val="lt1"/>
+      </a:fontRef>
+    </dgm:style>
+  </dgm:styleLbl>
+  <dgm:styleLbl name="node1">
+    <dgm:scene3d>
+      <a:camera prst="orthographicFront"/>
+      <a:lightRig rig="threePt" dir="t"/>
+    </dgm:scene3d>
+    <dgm:sp3d/>
+    <dgm:txPr/>
+    <dgm:style>
+      <a:lnRef idx="2">
+        <a:scrgbClr r="0" g="0" b="0"/>
+      </a:lnRef>
+      <a:fillRef idx="1">
+        <a:scrgbClr r="0" g="0" b="0"/>
+      </a:fillRef>
+      <a:effectRef idx="0">
+        <a:scrgbClr r="0" g="0" b="0"/>
+      </a:effectRef>
+      <a:fontRef idx="minor">
+        <a:schemeClr val="lt1"/>
+      </a:fontRef>
+    </dgm:style>
+  </dgm:styleLbl>
+  <dgm:styleLbl name="node2">
+    <dgm:scene3d>
+      <a:camera prst="orthographicFront"/>
+      <a:lightRig rig="threePt" dir="t"/>
+    </dgm:scene3d>
+    <dgm:sp3d/>
+    <dgm:txPr/>
+    <dgm:style>
+      <a:lnRef idx="2">
+        <a:scrgbClr r="0" g="0" b="0"/>
+      </a:lnRef>
+      <a:fillRef idx="1">
+        <a:scrgbClr r="0" g="0" b="0"/>
+      </a:fillRef>
+      <a:effectRef idx="0">
+        <a:scrgbClr r="0" g="0" b="0"/>
+      </a:effectRef>
+      <a:fontRef idx="minor">
+        <a:schemeClr val="lt1"/>
+      </a:fontRef>
+    </dgm:style>
+  </dgm:styleLbl>
+  <dgm:styleLbl name="node3">
+    <dgm:scene3d>
+      <a:camera prst="orthographicFront"/>
+      <a:lightRig rig="threePt" dir="t"/>
+    </dgm:scene3d>
+    <dgm:sp3d/>
+    <dgm:txPr/>
+    <dgm:style>
+      <a:lnRef idx="2">
+        <a:scrgbClr r="0" g="0" b="0"/>
+      </a:lnRef>
+      <a:fillRef idx="1">
+        <a:scrgbClr r="0" g="0" b="0"/>
+      </a:fillRef>
+      <a:effectRef idx="0">
+        <a:scrgbClr r="0" g="0" b="0"/>
+      </a:effectRef>
+      <a:fontRef idx="minor">
+        <a:schemeClr val="lt1"/>
+      </a:fontRef>
+    </dgm:style>
+  </dgm:styleLbl>
+  <dgm:styleLbl name="node4">
+    <dgm:scene3d>
+      <a:camera prst="orthographicFront"/>
+      <a:lightRig rig="threePt" dir="t"/>
+    </dgm:scene3d>
+    <dgm:sp3d/>
+    <dgm:txPr/>
+    <dgm:style>
+      <a:lnRef idx="2">
+        <a:scrgbClr r="0" g="0" b="0"/>
+      </a:lnRef>
+      <a:fillRef idx="1">
+        <a:scrgbClr r="0" g="0" b="0"/>
+      </a:fillRef>
+      <a:effectRef idx="0">
+        <a:scrgbClr r="0" g="0" b="0"/>
+      </a:effectRef>
+      <a:fontRef idx="minor">
+        <a:schemeClr val="lt1"/>
+      </a:fontRef>
+    </dgm:style>
+  </dgm:styleLbl>
+  <dgm:styleLbl name="fgImgPlace1">
+    <dgm:scene3d>
+      <a:camera prst="orthographicFront"/>
+      <a:lightRig rig="threePt" dir="t"/>
+    </dgm:scene3d>
+    <dgm:sp3d/>
+    <dgm:txPr/>
+    <dgm:style>
+      <a:lnRef idx="2">
+        <a:scrgbClr r="0" g="0" b="0"/>
+      </a:lnRef>
+      <a:fillRef idx="1">
+        <a:scrgbClr r="0" g="0" b="0"/>
+      </a:fillRef>
+      <a:effectRef idx="0">
+        <a:scrgbClr r="0" g="0" b="0"/>
+      </a:effectRef>
+      <a:fontRef idx="minor"/>
+    </dgm:style>
+  </dgm:styleLbl>
+  <dgm:styleLbl name="alignImgPlace1">
+    <dgm:scene3d>
+      <a:camera prst="orthographicFront"/>
+      <a:lightRig rig="threePt" dir="t"/>
+    </dgm:scene3d>
+    <dgm:sp3d/>
+    <dgm:txPr/>
+    <dgm:style>
+      <a:lnRef idx="2">
+        <a:scrgbClr r="0" g="0" b="0"/>
+      </a:lnRef>
+      <a:fillRef idx="1">
+        <a:scrgbClr r="0" g="0" b="0"/>
+      </a:fillRef>
+      <a:effectRef idx="0">
+        <a:scrgbClr r="0" g="0" b="0"/>
+      </a:effectRef>
+      <a:fontRef idx="minor"/>
+    </dgm:style>
+  </dgm:styleLbl>
+  <dgm:styleLbl name="bgImgPlace1">
+    <dgm:scene3d>
+      <a:camera prst="orthographicFront"/>
+      <a:lightRig rig="threePt" dir="t"/>
+    </dgm:scene3d>
+    <dgm:sp3d/>
+    <dgm:txPr/>
+    <dgm:style>
+      <a:lnRef idx="2">
+        <a:scrgbClr r="0" g="0" b="0"/>
+      </a:lnRef>
+      <a:fillRef idx="1">
+        <a:scrgbClr r="0" g="0" b="0"/>
+      </a:fillRef>
+      <a:effectRef idx="0">
+        <a:scrgbClr r="0" g="0" b="0"/>
+      </a:effectRef>
+      <a:fontRef idx="minor"/>
+    </dgm:style>
+  </dgm:styleLbl>
+  <dgm:styleLbl name="sibTrans2D1">
+    <dgm:scene3d>
+      <a:camera prst="orthographicFront"/>
+      <a:lightRig rig="threePt" dir="t"/>
+    </dgm:scene3d>
+    <dgm:sp3d/>
+    <dgm:txPr/>
+    <dgm:style>
+      <a:lnRef idx="0">
+        <a:scrgbClr r="0" g="0" b="0"/>
+      </a:lnRef>
+      <a:fillRef idx="1">
+        <a:scrgbClr r="0" g="0" b="0"/>
+      </a:fillRef>
+      <a:effectRef idx="0">
+        <a:scrgbClr r="0" g="0" b="0"/>
+      </a:effectRef>
+      <a:fontRef idx="minor">
+        <a:schemeClr val="lt1"/>
+      </a:fontRef>
+    </dgm:style>
+  </dgm:styleLbl>
+  <dgm:styleLbl name="fgSibTrans2D1">
+    <dgm:scene3d>
+      <a:camera prst="orthographicFront"/>
+      <a:lightRig rig="threePt" dir="t"/>
+    </dgm:scene3d>
+    <dgm:sp3d/>
+    <dgm:txPr/>
+    <dgm:style>
+      <a:lnRef idx="0">
+        <a:scrgbClr r="0" g="0" b="0"/>
+      </a:lnRef>
+      <a:fillRef idx="1">
+        <a:scrgbClr r="0" g="0" b="0"/>
+      </a:fillRef>
+      <a:effectRef idx="0">
+        <a:scrgbClr r="0" g="0" b="0"/>
+      </a:effectRef>
+      <a:fontRef idx="minor">
+        <a:schemeClr val="lt1"/>
+      </a:fontRef>
+    </dgm:style>
+  </dgm:styleLbl>
+  <dgm:styleLbl name="bgSibTrans2D1">
+    <dgm:scene3d>
+      <a:camera prst="orthographicFront"/>
+      <a:lightRig rig="threePt" dir="t"/>
+    </dgm:scene3d>
+    <dgm:sp3d/>
+    <dgm:txPr/>
+    <dgm:style>
+      <a:lnRef idx="0">
+        <a:scrgbClr r="0" g="0" b="0"/>
+      </a:lnRef>
+      <a:fillRef idx="1">
+        <a:scrgbClr r="0" g="0" b="0"/>
+      </a:fillRef>
+      <a:effectRef idx="0">
+        <a:scrgbClr r="0" g="0" b="0"/>
+      </a:effectRef>
+      <a:fontRef idx="minor">
+        <a:schemeClr val="lt1"/>
+      </a:fontRef>
+    </dgm:style>
+  </dgm:styleLbl>
+  <dgm:styleLbl name="sibTrans1D1">
+    <dgm:scene3d>
+      <a:camera prst="orthographicFront"/>
+      <a:lightRig rig="threePt" dir="t"/>
+    </dgm:scene3d>
+    <dgm:sp3d/>
+    <dgm:txPr/>
+    <dgm:style>
+      <a:lnRef idx="1">
+        <a:scrgbClr r="0" g="0" b="0"/>
+      </a:lnRef>
+      <a:fillRef idx="0">
+        <a:scrgbClr r="0" g="0" b="0"/>
+      </a:fillRef>
+      <a:effectRef idx="0">
+        <a:scrgbClr r="0" g="0" b="0"/>
+      </a:effectRef>
+      <a:fontRef idx="minor"/>
+    </dgm:style>
+  </dgm:styleLbl>
+  <dgm:styleLbl name="callout">
+    <dgm:scene3d>
+      <a:camera prst="orthographicFront"/>
+      <a:lightRig rig="threePt" dir="t"/>
+    </dgm:scene3d>
+    <dgm:sp3d/>
+    <dgm:txPr/>
+    <dgm:style>
+      <a:lnRef idx="2">
+        <a:scrgbClr r="0" g="0" b="0"/>
+      </a:lnRef>
+      <a:fillRef idx="1">
+        <a:scrgbClr r="0" g="0" b="0"/>
+      </a:fillRef>
+      <a:effectRef idx="0">
+        <a:scrgbClr r="0" g="0" b="0"/>
+      </a:effectRef>
+      <a:fontRef idx="minor"/>
+    </dgm:style>
+  </dgm:styleLbl>
+  <dgm:styleLbl name="asst0">
+    <dgm:scene3d>
+      <a:camera prst="orthographicFront"/>
+      <a:lightRig rig="threePt" dir="t"/>
+    </dgm:scene3d>
+    <dgm:sp3d/>
+    <dgm:txPr/>
+    <dgm:style>
+      <a:lnRef idx="2">
+        <a:scrgbClr r="0" g="0" b="0"/>
+      </a:lnRef>
+      <a:fillRef idx="1">
+        <a:scrgbClr r="0" g="0" b="0"/>
+      </a:fillRef>
+      <a:effectRef idx="0">
+        <a:scrgbClr r="0" g="0" b="0"/>
+      </a:effectRef>
+      <a:fontRef idx="minor">
+        <a:schemeClr val="lt1"/>
+      </a:fontRef>
+    </dgm:style>
+  </dgm:styleLbl>
+  <dgm:styleLbl name="asst1">
+    <dgm:scene3d>
+      <a:camera prst="orthographicFront"/>
+      <a:lightRig rig="threePt" dir="t"/>
+    </dgm:scene3d>
+    <dgm:sp3d/>
+    <dgm:txPr/>
+    <dgm:style>
+      <a:lnRef idx="2">
+        <a:scrgbClr r="0" g="0" b="0"/>
+      </a:lnRef>
+      <a:fillRef idx="1">
+        <a:scrgbClr r="0" g="0" b="0"/>
+      </a:fillRef>
+      <a:effectRef idx="0">
+        <a:scrgbClr r="0" g="0" b="0"/>
+      </a:effectRef>
+      <a:fontRef idx="minor">
+        <a:schemeClr val="lt1"/>
+      </a:fontRef>
+    </dgm:style>
+  </dgm:styleLbl>
+  <dgm:styleLbl name="asst2">
+    <dgm:scene3d>
+      <a:camera prst="orthographicFront"/>
+      <a:lightRig rig="threePt" dir="t"/>
+    </dgm:scene3d>
+    <dgm:sp3d/>
+    <dgm:txPr/>
+    <dgm:style>
+      <a:lnRef idx="2">
+        <a:scrgbClr r="0" g="0" b="0"/>
+      </a:lnRef>
+      <a:fillRef idx="1">
+        <a:scrgbClr r="0" g="0" b="0"/>
+      </a:fillRef>
+      <a:effectRef idx="0">
+        <a:scrgbClr r="0" g="0" b="0"/>
+      </a:effectRef>
+      <a:fontRef idx="minor">
+        <a:schemeClr val="lt1"/>
+      </a:fontRef>
+    </dgm:style>
+  </dgm:styleLbl>
+  <dgm:styleLbl name="asst3">
+    <dgm:scene3d>
+      <a:camera prst="orthographicFront"/>
+      <a:lightRig rig="threePt" dir="t"/>
+    </dgm:scene3d>
+    <dgm:sp3d/>
+    <dgm:txPr/>
+    <dgm:style>
+      <a:lnRef idx="2">
+        <a:scrgbClr r="0" g="0" b="0"/>
+      </a:lnRef>
+      <a:fillRef idx="1">
+        <a:scrgbClr r="0" g="0" b="0"/>
+      </a:fillRef>
+      <a:effectRef idx="0">
+        <a:scrgbClr r="0" g="0" b="0"/>
+      </a:effectRef>
+      <a:fontRef idx="minor">
+        <a:schemeClr val="lt1"/>
+      </a:fontRef>
+    </dgm:style>
+  </dgm:styleLbl>
+  <dgm:styleLbl name="asst4">
+    <dgm:scene3d>
+      <a:camera prst="orthographicFront"/>
+      <a:lightRig rig="threePt" dir="t"/>
+    </dgm:scene3d>
+    <dgm:sp3d/>
+    <dgm:txPr/>
+    <dgm:style>
+      <a:lnRef idx="2">
+        <a:scrgbClr r="0" g="0" b="0"/>
+      </a:lnRef>
+      <a:fillRef idx="1">
+        <a:scrgbClr r="0" g="0" b="0"/>
+      </a:fillRef>
+      <a:effectRef idx="0">
+        <a:scrgbClr r="0" g="0" b="0"/>
+      </a:effectRef>
+      <a:fontRef idx="minor">
+        <a:schemeClr val="lt1"/>
+      </a:fontRef>
+    </dgm:style>
+  </dgm:styleLbl>
+  <dgm:styleLbl name="parChTrans2D1">
+    <dgm:scene3d>
+      <a:camera prst="orthographicFront"/>
+      <a:lightRig rig="threePt" dir="t"/>
+    </dgm:scene3d>
+    <dgm:sp3d/>
+    <dgm:txPr/>
+    <dgm:style>
+      <a:lnRef idx="2">
+        <a:scrgbClr r="0" g="0" b="0"/>
+      </a:lnRef>
+      <a:fillRef idx="1">
+        <a:scrgbClr r="0" g="0" b="0"/>
+      </a:fillRef>
+      <a:effectRef idx="0">
+        <a:scrgbClr r="0" g="0" b="0"/>
+      </a:effectRef>
+      <a:fontRef idx="minor">
+        <a:schemeClr val="lt1"/>
+      </a:fontRef>
+    </dgm:style>
+  </dgm:styleLbl>
+  <dgm:styleLbl name="parChTrans2D2">
+    <dgm:scene3d>
+      <a:camera prst="orthographicFront"/>
+      <a:lightRig rig="threePt" dir="t"/>
+    </dgm:scene3d>
+    <dgm:sp3d/>
+    <dgm:txPr/>
+    <dgm:style>
+      <a:lnRef idx="2">
+        <a:scrgbClr r="0" g="0" b="0"/>
+      </a:lnRef>
+      <a:fillRef idx="1">
+        <a:scrgbClr r="0" g="0" b="0"/>
+      </a:fillRef>
+      <a:effectRef idx="0">
+        <a:scrgbClr r="0" g="0" b="0"/>
+      </a:effectRef>
+      <a:fontRef idx="minor">
+        <a:schemeClr val="lt1"/>
+      </a:fontRef>
+    </dgm:style>
+  </dgm:styleLbl>
+  <dgm:styleLbl name="parChTrans2D3">
+    <dgm:scene3d>
+      <a:camera prst="orthographicFront"/>
+      <a:lightRig rig="threePt" dir="t"/>
+    </dgm:scene3d>
+    <dgm:sp3d/>
+    <dgm:txPr/>
+    <dgm:style>
+      <a:lnRef idx="2">
+        <a:scrgbClr r="0" g="0" b="0"/>
+      </a:lnRef>
+      <a:fillRef idx="1">
+        <a:scrgbClr r="0" g="0" b="0"/>
+      </a:fillRef>
+      <a:effectRef idx="0">
+        <a:scrgbClr r="0" g="0" b="0"/>
+      </a:effectRef>
+      <a:fontRef idx="minor">
+        <a:schemeClr val="lt1"/>
+      </a:fontRef>
+    </dgm:style>
+  </dgm:styleLbl>
+  <dgm:styleLbl name="parChTrans2D4">
+    <dgm:scene3d>
+      <a:camera prst="orthographicFront"/>
+      <a:lightRig rig="threePt" dir="t"/>
+    </dgm:scene3d>
+    <dgm:sp3d/>
+    <dgm:txPr/>
+    <dgm:style>
+      <a:lnRef idx="2">
+        <a:scrgbClr r="0" g="0" b="0"/>
+      </a:lnRef>
+      <a:fillRef idx="1">
+        <a:scrgbClr r="0" g="0" b="0"/>
+      </a:fillRef>
+      <a:effectRef idx="0">
+        <a:scrgbClr r="0" g="0" b="0"/>
+      </a:effectRef>
+      <a:fontRef idx="minor">
+        <a:schemeClr val="lt1"/>
+      </a:fontRef>
+    </dgm:style>
+  </dgm:styleLbl>
+  <dgm:styleLbl name="parChTrans1D1">
+    <dgm:scene3d>
+      <a:camera prst="orthographicFront"/>
+      <a:lightRig rig="threePt" dir="t"/>
+    </dgm:scene3d>
+    <dgm:sp3d/>
+    <dgm:txPr/>
+    <dgm:style>
+      <a:lnRef idx="2">
+        <a:scrgbClr r="0" g="0" b="0"/>
+      </a:lnRef>
+      <a:fillRef idx="0">
+        <a:scrgbClr r="0" g="0" b="0"/>
+      </a:fillRef>
+      <a:effectRef idx="0">
+        <a:scrgbClr r="0" g="0" b="0"/>
+      </a:effectRef>
+      <a:fontRef idx="minor"/>
+    </dgm:style>
+  </dgm:styleLbl>
+  <dgm:styleLbl name="parChTrans1D2">
+    <dgm:scene3d>
+      <a:camera prst="orthographicFront"/>
+      <a:lightRig rig="threePt" dir="t"/>
+    </dgm:scene3d>
+    <dgm:sp3d/>
+    <dgm:txPr/>
+    <dgm:style>
+      <a:lnRef idx="2">
+        <a:scrgbClr r="0" g="0" b="0"/>
+      </a:lnRef>
+      <a:fillRef idx="0">
+        <a:scrgbClr r="0" g="0" b="0"/>
+      </a:fillRef>
+      <a:effectRef idx="0">
+        <a:scrgbClr r="0" g="0" b="0"/>
+      </a:effectRef>
+      <a:fontRef idx="minor"/>
+    </dgm:style>
+  </dgm:styleLbl>
+  <dgm:styleLbl name="parChTrans1D3">
+    <dgm:scene3d>
+      <a:camera prst="orthographicFront"/>
+      <a:lightRig rig="threePt" dir="t"/>
+    </dgm:scene3d>
+    <dgm:sp3d/>
+    <dgm:txPr/>
+    <dgm:style>
+      <a:lnRef idx="2">
+        <a:scrgbClr r="0" g="0" b="0"/>
+      </a:lnRef>
+      <a:fillRef idx="0">
+        <a:scrgbClr r="0" g="0" b="0"/>
+      </a:fillRef>
+      <a:effectRef idx="0">
+        <a:scrgbClr r="0" g="0" b="0"/>
+      </a:effectRef>
+      <a:fontRef idx="minor"/>
+    </dgm:style>
+  </dgm:styleLbl>
+  <dgm:styleLbl name="parChTrans1D4">
+    <dgm:scene3d>
+      <a:camera prst="orthographicFront"/>
+      <a:lightRig rig="threePt" dir="t"/>
+    </dgm:scene3d>
+    <dgm:sp3d/>
+    <dgm:txPr/>
+    <dgm:style>
+      <a:lnRef idx="2">
+        <a:scrgbClr r="0" g="0" b="0"/>
+      </a:lnRef>
+      <a:fillRef idx="0">
+        <a:scrgbClr r="0" g="0" b="0"/>
+      </a:fillRef>
+      <a:effectRef idx="0">
+        <a:scrgbClr r="0" g="0" b="0"/>
+      </a:effectRef>
+      <a:fontRef idx="minor"/>
+    </dgm:style>
+  </dgm:styleLbl>
+  <dgm:styleLbl name="fgAcc1">
+    <dgm:scene3d>
+      <a:camera prst="orthographicFront"/>
+      <a:lightRig rig="threePt" dir="t"/>
+    </dgm:scene3d>
+    <dgm:sp3d/>
+    <dgm:txPr/>
+    <dgm:style>
+      <a:lnRef idx="2">
+        <a:scrgbClr r="0" g="0" b="0"/>
+      </a:lnRef>
+      <a:fillRef idx="1">
+        <a:scrgbClr r="0" g="0" b="0"/>
+      </a:fillRef>
+      <a:effectRef idx="0">
+        <a:scrgbClr r="0" g="0" b="0"/>
+      </a:effectRef>
+      <a:fontRef idx="minor"/>
+    </dgm:style>
+  </dgm:styleLbl>
+  <dgm:styleLbl name="conFgAcc1">
+    <dgm:scene3d>
+      <a:camera prst="orthographicFront"/>
+      <a:lightRig rig="threePt" dir="t"/>
+    </dgm:scene3d>
+    <dgm:sp3d/>
+    <dgm:txPr/>
+    <dgm:style>
+      <a:lnRef idx="2">
+        <a:scrgbClr r="0" g="0" b="0"/>
+      </a:lnRef>
+      <a:fillRef idx="1">
+        <a:scrgbClr r="0" g="0" b="0"/>
+      </a:fillRef>
+      <a:effectRef idx="0">
+        <a:scrgbClr r="0" g="0" b="0"/>
+      </a:effectRef>
+      <a:fontRef idx="minor"/>
+    </dgm:style>
+  </dgm:styleLbl>
+  <dgm:styleLbl name="alignAcc1">
+    <dgm:scene3d>
+      <a:camera prst="orthographicFront"/>
+      <a:lightRig rig="threePt" dir="t"/>
+    </dgm:scene3d>
+    <dgm:sp3d/>
+    <dgm:txPr/>
+    <dgm:style>
+      <a:lnRef idx="2">
+        <a:scrgbClr r="0" g="0" b="0"/>
+      </a:lnRef>
+      <a:fillRef idx="1">
+        <a:scrgbClr r="0" g="0" b="0"/>
+      </a:fillRef>
+      <a:effectRef idx="0">
+        <a:scrgbClr r="0" g="0" b="0"/>
+      </a:effectRef>
+      <a:fontRef idx="minor"/>
+    </dgm:style>
+  </dgm:styleLbl>
+  <dgm:styleLbl name="trAlignAcc1">
+    <dgm:scene3d>
+      <a:camera prst="orthographicFront"/>
+      <a:lightRig rig="threePt" dir="t"/>
+    </dgm:scene3d>
+    <dgm:sp3d/>
+    <dgm:txPr/>
+    <dgm:style>
+      <a:lnRef idx="1">
+        <a:scrgbClr r="0" g="0" b="0"/>
+      </a:lnRef>
+      <a:fillRef idx="1">
+        <a:scrgbClr r="0" g="0" b="0"/>
+      </a:fillRef>
+      <a:effectRef idx="0">
+        <a:scrgbClr r="0" g="0" b="0"/>
+      </a:effectRef>
+      <a:fontRef idx="minor"/>
+    </dgm:style>
+  </dgm:styleLbl>
+  <dgm:styleLbl name="bgAcc1">
+    <dgm:scene3d>
+      <a:camera prst="orthographicFront"/>
+      <a:lightRig rig="threePt" dir="t"/>
+    </dgm:scene3d>
+    <dgm:sp3d/>
+    <dgm:txPr/>
+    <dgm:style>
+      <a:lnRef idx="2">
+        <a:scrgbClr r="0" g="0" b="0"/>
+      </a:lnRef>
+      <a:fillRef idx="1">
+        <a:scrgbClr r="0" g="0" b="0"/>
+      </a:fillRef>
+      <a:effectRef idx="0">
+        <a:scrgbClr r="0" g="0" b="0"/>
+      </a:effectRef>
+      <a:fontRef idx="minor"/>
+    </dgm:style>
+  </dgm:styleLbl>
+  <dgm:styleLbl name="solidFgAcc1">
+    <dgm:scene3d>
+      <a:camera prst="orthographicFront"/>
+      <a:lightRig rig="threePt" dir="t"/>
+    </dgm:scene3d>
+    <dgm:sp3d/>
+    <dgm:txPr/>
+    <dgm:style>
+      <a:lnRef idx="2">
+        <a:scrgbClr r="0" g="0" b="0"/>
+      </a:lnRef>
+      <a:fillRef idx="1">
+        <a:scrgbClr r="0" g="0" b="0"/>
+      </a:fillRef>
+      <a:effectRef idx="0">
+        <a:scrgbClr r="0" g="0" b="0"/>
+      </a:effectRef>
+      <a:fontRef idx="minor"/>
+    </dgm:style>
+  </dgm:styleLbl>
+  <dgm:styleLbl name="solidAlignAcc1">
+    <dgm:scene3d>
+      <a:camera prst="orthographicFront"/>
+      <a:lightRig rig="threePt" dir="t"/>
+    </dgm:scene3d>
+    <dgm:sp3d/>
+    <dgm:txPr/>
+    <dgm:style>
+      <a:lnRef idx="2">
+        <a:scrgbClr r="0" g="0" b="0"/>
+      </a:lnRef>
+      <a:fillRef idx="1">
+        <a:scrgbClr r="0" g="0" b="0"/>
+      </a:fillRef>
+      <a:effectRef idx="0">
+        <a:scrgbClr r="0" g="0" b="0"/>
+      </a:effectRef>
+      <a:fontRef idx="minor"/>
+    </dgm:style>
+  </dgm:styleLbl>
+  <dgm:styleLbl name="solidBgAcc1">
+    <dgm:scene3d>
+      <a:camera prst="orthographicFront"/>
+      <a:lightRig rig="threePt" dir="t"/>
+    </dgm:scene3d>
+    <dgm:sp3d/>
+    <dgm:txPr/>
+    <dgm:style>
+      <a:lnRef idx="2">
+        <a:scrgbClr r="0" g="0" b="0"/>
+      </a:lnRef>
+      <a:fillRef idx="1">
+        <a:scrgbClr r="0" g="0" b="0"/>
+      </a:fillRef>
+      <a:effectRef idx="0">
+        <a:scrgbClr r="0" g="0" b="0"/>
+      </a:effectRef>
+      <a:fontRef idx="minor"/>
+    </dgm:style>
+  </dgm:styleLbl>
+  <dgm:styleLbl name="fgAccFollowNode1">
+    <dgm:scene3d>
+      <a:camera prst="orthographicFront"/>
+      <a:lightRig rig="threePt" dir="t"/>
+    </dgm:scene3d>
+    <dgm:sp3d/>
+    <dgm:txPr/>
+    <dgm:style>
+      <a:lnRef idx="2">
+        <a:scrgbClr r="0" g="0" b="0"/>
+      </a:lnRef>
+      <a:fillRef idx="1">
+        <a:scrgbClr r="0" g="0" b="0"/>
+      </a:fillRef>
+      <a:effectRef idx="0">
+        <a:scrgbClr r="0" g="0" b="0"/>
+      </a:effectRef>
+      <a:fontRef idx="minor"/>
+    </dgm:style>
+  </dgm:styleLbl>
+  <dgm:styleLbl name="alignAccFollowNode1">
+    <dgm:scene3d>
+      <a:camera prst="orthographicFront"/>
+      <a:lightRig rig="threePt" dir="t"/>
+    </dgm:scene3d>
+    <dgm:sp3d/>
+    <dgm:txPr/>
+    <dgm:style>
+      <a:lnRef idx="2">
+        <a:scrgbClr r="0" g="0" b="0"/>
+      </a:lnRef>
+      <a:fillRef idx="1">
+        <a:scrgbClr r="0" g="0" b="0"/>
+      </a:fillRef>
+      <a:effectRef idx="0">
+        <a:scrgbClr r="0" g="0" b="0"/>
+      </a:effectRef>
+      <a:fontRef idx="minor"/>
+    </dgm:style>
+  </dgm:styleLbl>
+  <dgm:styleLbl name="bgAccFollowNode1">
+    <dgm:scene3d>
+      <a:camera prst="orthographicFront"/>
+      <a:lightRig rig="threePt" dir="t"/>
+    </dgm:scene3d>
+    <dgm:sp3d/>
+    <dgm:txPr/>
+    <dgm:style>
+      <a:lnRef idx="2">
+        <a:scrgbClr r="0" g="0" b="0"/>
+      </a:lnRef>
+      <a:fillRef idx="1">
+        <a:scrgbClr r="0" g="0" b="0"/>
+      </a:fillRef>
+      <a:effectRef idx="0">
+        <a:scrgbClr r="0" g="0" b="0"/>
+      </a:effectRef>
+      <a:fontRef idx="minor"/>
+    </dgm:style>
+  </dgm:styleLbl>
+  <dgm:styleLbl name="fgAcc0">
+    <dgm:scene3d>
+      <a:camera prst="orthographicFront"/>
+      <a:lightRig rig="threePt" dir="t"/>
+    </dgm:scene3d>
+    <dgm:sp3d/>
+    <dgm:txPr/>
+    <dgm:style>
+      <a:lnRef idx="2">
+        <a:scrgbClr r="0" g="0" b="0"/>
+      </a:lnRef>
+      <a:fillRef idx="1">
+        <a:scrgbClr r="0" g="0" b="0"/>
+      </a:fillRef>
+      <a:effectRef idx="0">
+        <a:scrgbClr r="0" g="0" b="0"/>
+      </a:effectRef>
+      <a:fontRef idx="minor"/>
+    </dgm:style>
+  </dgm:styleLbl>
+  <dgm:styleLbl name="fgAcc2">
+    <dgm:scene3d>
+      <a:camera prst="orthographicFront"/>
+      <a:lightRig rig="threePt" dir="t"/>
+    </dgm:scene3d>
+    <dgm:sp3d/>
+    <dgm:txPr/>
+    <dgm:style>
+      <a:lnRef idx="2">
+        <a:scrgbClr r="0" g="0" b="0"/>
+      </a:lnRef>
+      <a:fillRef idx="1">
+        <a:scrgbClr r="0" g="0" b="0"/>
+      </a:fillRef>
+      <a:effectRef idx="0">
+        <a:scrgbClr r="0" g="0" b="0"/>
+      </a:effectRef>
+      <a:fontRef idx="minor"/>
+    </dgm:style>
+  </dgm:styleLbl>
+  <dgm:styleLbl name="fgAcc3">
+    <dgm:scene3d>
+      <a:camera prst="orthographicFront"/>
+      <a:lightRig rig="threePt" dir="t"/>
+    </dgm:scene3d>
+    <dgm:sp3d/>
+    <dgm:txPr/>
+    <dgm:style>
+      <a:lnRef idx="2">
+        <a:scrgbClr r="0" g="0" b="0"/>
+      </a:lnRef>
+      <a:fillRef idx="1">
+        <a:scrgbClr r="0" g="0" b="0"/>
+      </a:fillRef>
+      <a:effectRef idx="0">
+        <a:scrgbClr r="0" g="0" b="0"/>
+      </a:effectRef>
+      <a:fontRef idx="minor"/>
+    </dgm:style>
+  </dgm:styleLbl>
+  <dgm:styleLbl name="fgAcc4">
+    <dgm:scene3d>
+      <a:camera prst="orthographicFront"/>
+      <a:lightRig rig="threePt" dir="t"/>
+    </dgm:scene3d>
+    <dgm:sp3d/>
+    <dgm:txPr/>
+    <dgm:style>
+      <a:lnRef idx="2">
+        <a:scrgbClr r="0" g="0" b="0"/>
+      </a:lnRef>
+      <a:fillRef idx="1">
+        <a:scrgbClr r="0" g="0" b="0"/>
+      </a:fillRef>
+      <a:effectRef idx="0">
+        <a:scrgbClr r="0" g="0" b="0"/>
+      </a:effectRef>
+      <a:fontRef idx="minor"/>
+    </dgm:style>
+  </dgm:styleLbl>
+  <dgm:styleLbl name="bgShp">
+    <dgm:scene3d>
+      <a:camera prst="orthographicFront"/>
+      <a:lightRig rig="threePt" dir="t"/>
+    </dgm:scene3d>
+    <dgm:sp3d/>
+    <dgm:txPr/>
+    <dgm:style>
+      <a:lnRef idx="0">
+        <a:scrgbClr r="0" g="0" b="0"/>
+      </a:lnRef>
+      <a:fillRef idx="1">
+        <a:scrgbClr r="0" g="0" b="0"/>
+      </a:fillRef>
+      <a:effectRef idx="0">
+        <a:scrgbClr r="0" g="0" b="0"/>
+      </a:effectRef>
+      <a:fontRef idx="minor"/>
+    </dgm:style>
+  </dgm:styleLbl>
+  <dgm:styleLbl name="dkBgShp">
+    <dgm:scene3d>
+      <a:camera prst="orthographicFront"/>
+      <a:lightRig rig="threePt" dir="t"/>
+    </dgm:scene3d>
+    <dgm:sp3d/>
+    <dgm:txPr/>
+    <dgm:style>
+      <a:lnRef idx="0">
+        <a:scrgbClr r="0" g="0" b="0"/>
+      </a:lnRef>
+      <a:fillRef idx="1">
+        <a:scrgbClr r="0" g="0" b="0"/>
+      </a:fillRef>
+      <a:effectRef idx="0">
+        <a:scrgbClr r="0" g="0" b="0"/>
+      </a:effectRef>
+      <a:fontRef idx="minor"/>
+    </dgm:style>
+  </dgm:styleLbl>
+  <dgm:styleLbl name="trBgShp">
+    <dgm:scene3d>
+      <a:camera prst="orthographicFront"/>
+      <a:lightRig rig="threePt" dir="t"/>
+    </dgm:scene3d>
+    <dgm:sp3d/>
+    <dgm:txPr/>
+    <dgm:style>
+      <a:lnRef idx="0">
+        <a:scrgbClr r="0" g="0" b="0"/>
+      </a:lnRef>
+      <a:fillRef idx="1">
+        <a:scrgbClr r="0" g="0" b="0"/>
+      </a:fillRef>
+      <a:effectRef idx="0">
+        <a:scrgbClr r="0" g="0" b="0"/>
+      </a:effectRef>
+      <a:fontRef idx="minor"/>
+    </dgm:style>
+  </dgm:styleLbl>
+  <dgm:styleLbl name="fgShp">
+    <dgm:scene3d>
+      <a:camera prst="orthographicFront"/>
+      <a:lightRig rig="threePt" dir="t"/>
+    </dgm:scene3d>
+    <dgm:sp3d/>
+    <dgm:txPr/>
+    <dgm:style>
+      <a:lnRef idx="2">
+        <a:scrgbClr r="0" g="0" b="0"/>
+      </a:lnRef>
+      <a:fillRef idx="1">
+        <a:scrgbClr r="0" g="0" b="0"/>
+      </a:fillRef>
+      <a:effectRef idx="0">
+        <a:scrgbClr r="0" g="0" b="0"/>
+      </a:effectRef>
+      <a:fontRef idx="minor"/>
+    </dgm:style>
+  </dgm:styleLbl>
+  <dgm:styleLbl name="revTx">
+    <dgm:scene3d>
+      <a:camera prst="orthographicFront"/>
+      <a:lightRig rig="threePt" dir="t"/>
+    </dgm:scene3d>
+    <dgm:sp3d/>
+    <dgm:txPr/>
+    <dgm:style>
+      <a:lnRef idx="0">
+        <a:scrgbClr r="0" g="0" b="0"/>
+      </a:lnRef>
+      <a:fillRef idx="0">
+        <a:scrgbClr r="0" g="0" b="0"/>
+      </a:fillRef>
+      <a:effectRef idx="0">
+        <a:scrgbClr r="0" g="0" b="0"/>
+      </a:effectRef>
+      <a:fontRef idx="minor"/>
+    </dgm:style>
+  </dgm:styleLbl>
+</dgm:styleDef>
+</file>
+
+<file path=ppt/diagrams/quickStyle4.xml><?xml version="1.0" encoding="utf-8"?>
 <dgm:styleDef xmlns:dgm="http://schemas.openxmlformats.org/drawingml/2006/diagram" xmlns:a="http://schemas.openxmlformats.org/drawingml/2006/main" uniqueId="urn:microsoft.com/office/officeart/2005/8/quickstyle/simple1">
   <dgm:title val=""/>
   <dgm:desc val=""/>
@@ -14543,6 +17688,14 @@
 <file path=ppt/slides/slide2.xml><?xml version="1.0" encoding="utf-8"?>
 <p:sld xmlns:a="http://schemas.openxmlformats.org/drawingml/2006/main" xmlns:r="http://schemas.openxmlformats.org/officeDocument/2006/relationships" xmlns:p="http://schemas.openxmlformats.org/presentationml/2006/main">
   <p:cSld>
+    <p:bg>
+      <p:bgPr>
+        <a:solidFill>
+          <a:schemeClr val="bg2"/>
+        </a:solidFill>
+        <a:effectLst/>
+      </p:bgPr>
+    </p:bg>
     <p:spTree>
       <p:nvGrpSpPr>
         <p:cNvPr id="1" name=""/>
@@ -14557,6 +17710,66 @@
           <a:chExt cx="0" cy="0"/>
         </a:xfrm>
       </p:grpSpPr>
+      <p:sp useBgFill="1">
+        <p:nvSpPr>
+          <p:cNvPr id="10" name="Rectangle 9">
+            <a:extLst>
+              <a:ext uri="{FF2B5EF4-FFF2-40B4-BE49-F238E27FC236}">
+                <a16:creationId xmlns:a16="http://schemas.microsoft.com/office/drawing/2014/main" id="{1E1665A6-74DB-4F44-A6EF-F01205E8718B}"/>
+              </a:ext>
+              <a:ext uri="{C183D7F6-B498-43B3-948B-1728B52AA6E4}">
+                <adec:decorative xmlns:adec="http://schemas.microsoft.com/office/drawing/2017/decorative" val="1"/>
+              </a:ext>
+            </a:extLst>
+          </p:cNvPr>
+          <p:cNvSpPr>
+            <a:spLocks noGrp="1" noRot="1" noChangeAspect="1" noMove="1" noResize="1" noEditPoints="1" noAdjustHandles="1" noChangeArrowheads="1" noChangeShapeType="1" noTextEdit="1"/>
+          </p:cNvSpPr>
+          <p:nvPr>
+            <p:extLst>
+              <p:ext uri="{386F3935-93C4-4BCD-93E2-E3B085C9AB24}">
+                <p16:designElem xmlns:p16="http://schemas.microsoft.com/office/powerpoint/2015/main" val="1"/>
+              </p:ext>
+            </p:extLst>
+          </p:nvPr>
+        </p:nvSpPr>
+        <p:spPr>
+          <a:xfrm>
+            <a:off x="0" y="0"/>
+            <a:ext cx="12192000" cy="6858000"/>
+          </a:xfrm>
+          <a:prstGeom prst="rect">
+            <a:avLst/>
+          </a:prstGeom>
+          <a:ln>
+            <a:noFill/>
+          </a:ln>
+        </p:spPr>
+        <p:style>
+          <a:lnRef idx="2">
+            <a:schemeClr val="accent1">
+              <a:shade val="50000"/>
+            </a:schemeClr>
+          </a:lnRef>
+          <a:fillRef idx="1001">
+            <a:schemeClr val="lt2"/>
+          </a:fillRef>
+          <a:effectRef idx="0">
+            <a:schemeClr val="accent1"/>
+          </a:effectRef>
+          <a:fontRef idx="minor">
+            <a:schemeClr val="lt1"/>
+          </a:fontRef>
+        </p:style>
+        <p:txBody>
+          <a:bodyPr rtlCol="0" anchor="ctr"/>
+          <a:lstStyle/>
+          <a:p>
+            <a:pPr algn="ctr"/>
+            <a:endParaRPr lang="en-US"/>
+          </a:p>
+        </p:txBody>
+      </p:sp>
       <p:sp>
         <p:nvSpPr>
           <p:cNvPr id="2" name="Titel 1">
@@ -14573,71 +17786,58 @@
             <p:ph type="title"/>
           </p:nvPr>
         </p:nvSpPr>
-        <p:spPr/>
-        <p:txBody>
-          <a:bodyPr/>
-          <a:lstStyle/>
-          <a:p>
-            <a:r>
-              <a:rPr lang="de-DE" dirty="0"/>
-              <a:t>Table of </a:t>
-            </a:r>
-            <a:r>
-              <a:rPr lang="de-DE" dirty="0" err="1"/>
-              <a:t>contents</a:t>
-            </a:r>
-            <a:endParaRPr lang="de-DE" dirty="0"/>
-          </a:p>
-        </p:txBody>
-      </p:sp>
-      <p:sp>
-        <p:nvSpPr>
-          <p:cNvPr id="3" name="Inhaltsplatzhalter 2">
-            <a:extLst>
-              <a:ext uri="{FF2B5EF4-FFF2-40B4-BE49-F238E27FC236}">
-                <a16:creationId xmlns:a16="http://schemas.microsoft.com/office/drawing/2014/main" id="{AD55B87D-4E90-41EF-9FFD-B9D15FC13266}"/>
-              </a:ext>
-            </a:extLst>
-          </p:cNvPr>
-          <p:cNvSpPr>
-            <a:spLocks noGrp="1"/>
-          </p:cNvSpPr>
-          <p:nvPr>
-            <p:ph idx="1"/>
-          </p:nvPr>
-        </p:nvSpPr>
-        <p:spPr/>
+        <p:spPr>
+          <a:xfrm>
+            <a:off x="643467" y="685800"/>
+            <a:ext cx="10905066" cy="1485900"/>
+          </a:xfrm>
+          <a:noFill/>
+        </p:spPr>
         <p:txBody>
           <a:bodyPr>
             <a:normAutofit/>
           </a:bodyPr>
           <a:lstStyle/>
           <a:p>
+            <a:pPr algn="ctr"/>
             <a:r>
-              <a:rPr lang="en-US" sz="2400" dirty="0"/>
-              <a:t>Information on the dataset</a:t>
-            </a:r>
-          </a:p>
-          <a:p>
-            <a:r>
-              <a:rPr lang="en-US" sz="2400" dirty="0"/>
-              <a:t>Filtering of data</a:t>
-            </a:r>
-          </a:p>
-          <a:p>
-            <a:r>
-              <a:rPr lang="en-US" sz="2400" dirty="0"/>
-              <a:t>Progress and results</a:t>
-            </a:r>
-          </a:p>
-          <a:p>
-            <a:r>
-              <a:rPr lang="en-US" sz="2400" dirty="0"/>
-              <a:t>Future plans</a:t>
+              <a:rPr lang="de-DE"/>
+              <a:t>Table of contents</a:t>
             </a:r>
           </a:p>
         </p:txBody>
       </p:sp>
+      <p:graphicFrame>
+        <p:nvGraphicFramePr>
+          <p:cNvPr id="5" name="Inhaltsplatzhalter 2">
+            <a:extLst>
+              <a:ext uri="{FF2B5EF4-FFF2-40B4-BE49-F238E27FC236}">
+                <a16:creationId xmlns:a16="http://schemas.microsoft.com/office/drawing/2014/main" id="{9CAF4A30-6C17-4FD3-8A21-CA7D0D138EBB}"/>
+              </a:ext>
+            </a:extLst>
+          </p:cNvPr>
+          <p:cNvGraphicFramePr>
+            <a:graphicFrameLocks noGrp="1"/>
+          </p:cNvGraphicFramePr>
+          <p:nvPr>
+            <p:ph idx="1"/>
+            <p:extLst>
+              <p:ext uri="{D42A27DB-BD31-4B8C-83A1-F6EECF244321}">
+                <p14:modId xmlns:p14="http://schemas.microsoft.com/office/powerpoint/2010/main" val="1003817023"/>
+              </p:ext>
+            </p:extLst>
+          </p:nvPr>
+        </p:nvGraphicFramePr>
+        <p:xfrm>
+          <a:off x="1122972" y="2286000"/>
+          <a:ext cx="9946056" cy="3581400"/>
+        </p:xfrm>
+        <a:graphic>
+          <a:graphicData uri="http://schemas.openxmlformats.org/drawingml/2006/diagram">
+            <dgm:relIds xmlns:dgm="http://schemas.openxmlformats.org/drawingml/2006/diagram" xmlns:r="http://schemas.openxmlformats.org/officeDocument/2006/relationships" r:dm="rId2" r:lo="rId3" r:qs="rId4" r:cs="rId5"/>
+          </a:graphicData>
+        </a:graphic>
+      </p:graphicFrame>
     </p:spTree>
     <p:extLst>
       <p:ext uri="{BB962C8B-B14F-4D97-AF65-F5344CB8AC3E}">

--- a/Project Proposal.pptx
+++ b/Project Proposal.pptx
@@ -10,8 +10,12 @@
     <p:sldId id="260" r:id="rId4"/>
     <p:sldId id="263" r:id="rId5"/>
     <p:sldId id="262" r:id="rId6"/>
-    <p:sldId id="264" r:id="rId7"/>
-    <p:sldId id="265" r:id="rId8"/>
+    <p:sldId id="259" r:id="rId7"/>
+    <p:sldId id="258" r:id="rId8"/>
+    <p:sldId id="261" r:id="rId9"/>
+    <p:sldId id="266" r:id="rId10"/>
+    <p:sldId id="264" r:id="rId11"/>
+    <p:sldId id="265" r:id="rId12"/>
   </p:sldIdLst>
   <p:sldSz cx="12192000" cy="6858000"/>
   <p:notesSz cx="6858000" cy="9144000"/>
@@ -17685,505 +17689,7 @@
 </p:sld>
 </file>
 
-<file path=ppt/slides/slide2.xml><?xml version="1.0" encoding="utf-8"?>
-<p:sld xmlns:a="http://schemas.openxmlformats.org/drawingml/2006/main" xmlns:r="http://schemas.openxmlformats.org/officeDocument/2006/relationships" xmlns:p="http://schemas.openxmlformats.org/presentationml/2006/main">
-  <p:cSld>
-    <p:bg>
-      <p:bgPr>
-        <a:solidFill>
-          <a:schemeClr val="bg2"/>
-        </a:solidFill>
-        <a:effectLst/>
-      </p:bgPr>
-    </p:bg>
-    <p:spTree>
-      <p:nvGrpSpPr>
-        <p:cNvPr id="1" name=""/>
-        <p:cNvGrpSpPr/>
-        <p:nvPr/>
-      </p:nvGrpSpPr>
-      <p:grpSpPr>
-        <a:xfrm>
-          <a:off x="0" y="0"/>
-          <a:ext cx="0" cy="0"/>
-          <a:chOff x="0" y="0"/>
-          <a:chExt cx="0" cy="0"/>
-        </a:xfrm>
-      </p:grpSpPr>
-      <p:sp useBgFill="1">
-        <p:nvSpPr>
-          <p:cNvPr id="10" name="Rectangle 9">
-            <a:extLst>
-              <a:ext uri="{FF2B5EF4-FFF2-40B4-BE49-F238E27FC236}">
-                <a16:creationId xmlns:a16="http://schemas.microsoft.com/office/drawing/2014/main" id="{1E1665A6-74DB-4F44-A6EF-F01205E8718B}"/>
-              </a:ext>
-              <a:ext uri="{C183D7F6-B498-43B3-948B-1728B52AA6E4}">
-                <adec:decorative xmlns:adec="http://schemas.microsoft.com/office/drawing/2017/decorative" val="1"/>
-              </a:ext>
-            </a:extLst>
-          </p:cNvPr>
-          <p:cNvSpPr>
-            <a:spLocks noGrp="1" noRot="1" noChangeAspect="1" noMove="1" noResize="1" noEditPoints="1" noAdjustHandles="1" noChangeArrowheads="1" noChangeShapeType="1" noTextEdit="1"/>
-          </p:cNvSpPr>
-          <p:nvPr>
-            <p:extLst>
-              <p:ext uri="{386F3935-93C4-4BCD-93E2-E3B085C9AB24}">
-                <p16:designElem xmlns:p16="http://schemas.microsoft.com/office/powerpoint/2015/main" val="1"/>
-              </p:ext>
-            </p:extLst>
-          </p:nvPr>
-        </p:nvSpPr>
-        <p:spPr>
-          <a:xfrm>
-            <a:off x="0" y="0"/>
-            <a:ext cx="12192000" cy="6858000"/>
-          </a:xfrm>
-          <a:prstGeom prst="rect">
-            <a:avLst/>
-          </a:prstGeom>
-          <a:ln>
-            <a:noFill/>
-          </a:ln>
-        </p:spPr>
-        <p:style>
-          <a:lnRef idx="2">
-            <a:schemeClr val="accent1">
-              <a:shade val="50000"/>
-            </a:schemeClr>
-          </a:lnRef>
-          <a:fillRef idx="1001">
-            <a:schemeClr val="lt2"/>
-          </a:fillRef>
-          <a:effectRef idx="0">
-            <a:schemeClr val="accent1"/>
-          </a:effectRef>
-          <a:fontRef idx="minor">
-            <a:schemeClr val="lt1"/>
-          </a:fontRef>
-        </p:style>
-        <p:txBody>
-          <a:bodyPr rtlCol="0" anchor="ctr"/>
-          <a:lstStyle/>
-          <a:p>
-            <a:pPr algn="ctr"/>
-            <a:endParaRPr lang="en-US"/>
-          </a:p>
-        </p:txBody>
-      </p:sp>
-      <p:sp>
-        <p:nvSpPr>
-          <p:cNvPr id="2" name="Titel 1">
-            <a:extLst>
-              <a:ext uri="{FF2B5EF4-FFF2-40B4-BE49-F238E27FC236}">
-                <a16:creationId xmlns:a16="http://schemas.microsoft.com/office/drawing/2014/main" id="{876A7F23-928C-4BAB-9255-2D4805F4D165}"/>
-              </a:ext>
-            </a:extLst>
-          </p:cNvPr>
-          <p:cNvSpPr>
-            <a:spLocks noGrp="1"/>
-          </p:cNvSpPr>
-          <p:nvPr>
-            <p:ph type="title"/>
-          </p:nvPr>
-        </p:nvSpPr>
-        <p:spPr>
-          <a:xfrm>
-            <a:off x="643467" y="685800"/>
-            <a:ext cx="10905066" cy="1485900"/>
-          </a:xfrm>
-          <a:noFill/>
-        </p:spPr>
-        <p:txBody>
-          <a:bodyPr>
-            <a:normAutofit/>
-          </a:bodyPr>
-          <a:lstStyle/>
-          <a:p>
-            <a:pPr algn="ctr"/>
-            <a:r>
-              <a:rPr lang="de-DE"/>
-              <a:t>Table of contents</a:t>
-            </a:r>
-          </a:p>
-        </p:txBody>
-      </p:sp>
-      <p:graphicFrame>
-        <p:nvGraphicFramePr>
-          <p:cNvPr id="5" name="Inhaltsplatzhalter 2">
-            <a:extLst>
-              <a:ext uri="{FF2B5EF4-FFF2-40B4-BE49-F238E27FC236}">
-                <a16:creationId xmlns:a16="http://schemas.microsoft.com/office/drawing/2014/main" id="{9CAF4A30-6C17-4FD3-8A21-CA7D0D138EBB}"/>
-              </a:ext>
-            </a:extLst>
-          </p:cNvPr>
-          <p:cNvGraphicFramePr>
-            <a:graphicFrameLocks noGrp="1"/>
-          </p:cNvGraphicFramePr>
-          <p:nvPr>
-            <p:ph idx="1"/>
-            <p:extLst>
-              <p:ext uri="{D42A27DB-BD31-4B8C-83A1-F6EECF244321}">
-                <p14:modId xmlns:p14="http://schemas.microsoft.com/office/powerpoint/2010/main" val="1003817023"/>
-              </p:ext>
-            </p:extLst>
-          </p:nvPr>
-        </p:nvGraphicFramePr>
-        <p:xfrm>
-          <a:off x="1122972" y="2286000"/>
-          <a:ext cx="9946056" cy="3581400"/>
-        </p:xfrm>
-        <a:graphic>
-          <a:graphicData uri="http://schemas.openxmlformats.org/drawingml/2006/diagram">
-            <dgm:relIds xmlns:dgm="http://schemas.openxmlformats.org/drawingml/2006/diagram" xmlns:r="http://schemas.openxmlformats.org/officeDocument/2006/relationships" r:dm="rId2" r:lo="rId3" r:qs="rId4" r:cs="rId5"/>
-          </a:graphicData>
-        </a:graphic>
-      </p:graphicFrame>
-    </p:spTree>
-    <p:extLst>
-      <p:ext uri="{BB962C8B-B14F-4D97-AF65-F5344CB8AC3E}">
-        <p14:creationId xmlns:p14="http://schemas.microsoft.com/office/powerpoint/2010/main" val="4203269262"/>
-      </p:ext>
-    </p:extLst>
-  </p:cSld>
-  <p:clrMapOvr>
-    <a:masterClrMapping/>
-  </p:clrMapOvr>
-</p:sld>
-</file>
-
-<file path=ppt/slides/slide3.xml><?xml version="1.0" encoding="utf-8"?>
-<p:sld xmlns:a="http://schemas.openxmlformats.org/drawingml/2006/main" xmlns:r="http://schemas.openxmlformats.org/officeDocument/2006/relationships" xmlns:p="http://schemas.openxmlformats.org/presentationml/2006/main">
-  <p:cSld>
-    <p:spTree>
-      <p:nvGrpSpPr>
-        <p:cNvPr id="1" name=""/>
-        <p:cNvGrpSpPr/>
-        <p:nvPr/>
-      </p:nvGrpSpPr>
-      <p:grpSpPr>
-        <a:xfrm>
-          <a:off x="0" y="0"/>
-          <a:ext cx="0" cy="0"/>
-          <a:chOff x="0" y="0"/>
-          <a:chExt cx="0" cy="0"/>
-        </a:xfrm>
-      </p:grpSpPr>
-      <p:sp>
-        <p:nvSpPr>
-          <p:cNvPr id="2" name="Titel 1">
-            <a:extLst>
-              <a:ext uri="{FF2B5EF4-FFF2-40B4-BE49-F238E27FC236}">
-                <a16:creationId xmlns:a16="http://schemas.microsoft.com/office/drawing/2014/main" id="{FEE923C8-5673-478C-BBF3-4458FC715BD6}"/>
-              </a:ext>
-            </a:extLst>
-          </p:cNvPr>
-          <p:cNvSpPr>
-            <a:spLocks noGrp="1"/>
-          </p:cNvSpPr>
-          <p:nvPr>
-            <p:ph type="title"/>
-          </p:nvPr>
-        </p:nvSpPr>
-        <p:spPr/>
-        <p:txBody>
-          <a:bodyPr/>
-          <a:lstStyle/>
-          <a:p>
-            <a:r>
-              <a:rPr lang="en-US" dirty="0"/>
-              <a:t>3K PBMCs from a healthy donor</a:t>
-            </a:r>
-          </a:p>
-        </p:txBody>
-      </p:sp>
-      <p:sp>
-        <p:nvSpPr>
-          <p:cNvPr id="3" name="Inhaltsplatzhalter 2">
-            <a:extLst>
-              <a:ext uri="{FF2B5EF4-FFF2-40B4-BE49-F238E27FC236}">
-                <a16:creationId xmlns:a16="http://schemas.microsoft.com/office/drawing/2014/main" id="{6BA647D5-11FD-42CE-B5E4-B647FFE742C5}"/>
-              </a:ext>
-            </a:extLst>
-          </p:cNvPr>
-          <p:cNvSpPr>
-            <a:spLocks noGrp="1"/>
-          </p:cNvSpPr>
-          <p:nvPr>
-            <p:ph idx="1"/>
-          </p:nvPr>
-        </p:nvSpPr>
-        <p:spPr>
-          <a:xfrm>
-            <a:off x="1371600" y="2286000"/>
-            <a:ext cx="9601200" cy="3833004"/>
-          </a:xfrm>
-        </p:spPr>
-        <p:txBody>
-          <a:bodyPr>
-            <a:normAutofit/>
-          </a:bodyPr>
-          <a:lstStyle/>
-          <a:p>
-            <a:r>
-              <a:rPr lang="en-US" dirty="0"/>
-              <a:t>By 10x Genomics</a:t>
-            </a:r>
-          </a:p>
-          <a:p>
-            <a:r>
-              <a:rPr lang="en-US" dirty="0"/>
-              <a:t>Contains single cell gene expression data</a:t>
-            </a:r>
-          </a:p>
-          <a:p>
-            <a:r>
-              <a:rPr lang="en-US" dirty="0"/>
-              <a:t>Dimensions: 2700 cells, ~32700 genes</a:t>
-            </a:r>
-          </a:p>
-          <a:p>
-            <a:r>
-              <a:rPr lang="en-US" dirty="0"/>
-              <a:t>PBMCs (Peripheral blood mononuclear cells):</a:t>
-            </a:r>
-          </a:p>
-          <a:p>
-            <a:pPr lvl="1"/>
-            <a:r>
-              <a:rPr lang="en-US" dirty="0"/>
-              <a:t>T cells</a:t>
-            </a:r>
-          </a:p>
-          <a:p>
-            <a:pPr lvl="1"/>
-            <a:r>
-              <a:rPr lang="en-US" dirty="0"/>
-              <a:t>B cells</a:t>
-            </a:r>
-          </a:p>
-          <a:p>
-            <a:pPr lvl="1"/>
-            <a:r>
-              <a:rPr lang="en-US" dirty="0"/>
-              <a:t>NK cells</a:t>
-            </a:r>
-          </a:p>
-          <a:p>
-            <a:pPr lvl="1"/>
-            <a:r>
-              <a:rPr lang="en-US" dirty="0"/>
-              <a:t>Monocytes</a:t>
-            </a:r>
-          </a:p>
-          <a:p>
-            <a:r>
-              <a:rPr lang="en-US" dirty="0"/>
-              <a:t>Data was obtained using Illumina NextSeq500</a:t>
-            </a:r>
-          </a:p>
-        </p:txBody>
-      </p:sp>
-    </p:spTree>
-    <p:extLst>
-      <p:ext uri="{BB962C8B-B14F-4D97-AF65-F5344CB8AC3E}">
-        <p14:creationId xmlns:p14="http://schemas.microsoft.com/office/powerpoint/2010/main" val="2346177351"/>
-      </p:ext>
-    </p:extLst>
-  </p:cSld>
-  <p:clrMapOvr>
-    <a:masterClrMapping/>
-  </p:clrMapOvr>
-</p:sld>
-</file>
-
-<file path=ppt/slides/slide4.xml><?xml version="1.0" encoding="utf-8"?>
-<p:sld xmlns:a="http://schemas.openxmlformats.org/drawingml/2006/main" xmlns:r="http://schemas.openxmlformats.org/officeDocument/2006/relationships" xmlns:p="http://schemas.openxmlformats.org/presentationml/2006/main">
-  <p:cSld>
-    <p:spTree>
-      <p:nvGrpSpPr>
-        <p:cNvPr id="1" name=""/>
-        <p:cNvGrpSpPr/>
-        <p:nvPr/>
-      </p:nvGrpSpPr>
-      <p:grpSpPr>
-        <a:xfrm>
-          <a:off x="0" y="0"/>
-          <a:ext cx="0" cy="0"/>
-          <a:chOff x="0" y="0"/>
-          <a:chExt cx="0" cy="0"/>
-        </a:xfrm>
-      </p:grpSpPr>
-      <p:sp>
-        <p:nvSpPr>
-          <p:cNvPr id="7" name="Titel 6">
-            <a:extLst>
-              <a:ext uri="{FF2B5EF4-FFF2-40B4-BE49-F238E27FC236}">
-                <a16:creationId xmlns:a16="http://schemas.microsoft.com/office/drawing/2014/main" id="{74223A4D-AD75-492E-BCA8-4F7C9938C9F4}"/>
-              </a:ext>
-            </a:extLst>
-          </p:cNvPr>
-          <p:cNvSpPr>
-            <a:spLocks noGrp="1"/>
-          </p:cNvSpPr>
-          <p:nvPr>
-            <p:ph type="title"/>
-          </p:nvPr>
-        </p:nvSpPr>
-        <p:spPr/>
-        <p:txBody>
-          <a:bodyPr/>
-          <a:lstStyle/>
-          <a:p>
-            <a:r>
-              <a:rPr lang="en-US" dirty="0"/>
-              <a:t>Filtering </a:t>
-            </a:r>
-          </a:p>
-        </p:txBody>
-      </p:sp>
-      <p:graphicFrame>
-        <p:nvGraphicFramePr>
-          <p:cNvPr id="9" name="Inhaltsplatzhalter 8">
-            <a:extLst>
-              <a:ext uri="{FF2B5EF4-FFF2-40B4-BE49-F238E27FC236}">
-                <a16:creationId xmlns:a16="http://schemas.microsoft.com/office/drawing/2014/main" id="{6A5AA7D9-A7C9-46AC-97A9-8A3BE6AFC00F}"/>
-              </a:ext>
-            </a:extLst>
-          </p:cNvPr>
-          <p:cNvGraphicFramePr>
-            <a:graphicFrameLocks noGrp="1"/>
-          </p:cNvGraphicFramePr>
-          <p:nvPr>
-            <p:ph idx="1"/>
-            <p:extLst>
-              <p:ext uri="{D42A27DB-BD31-4B8C-83A1-F6EECF244321}">
-                <p14:modId xmlns:p14="http://schemas.microsoft.com/office/powerpoint/2010/main" val="2170336254"/>
-              </p:ext>
-            </p:extLst>
-          </p:nvPr>
-        </p:nvGraphicFramePr>
-        <p:xfrm>
-          <a:off x="1371600" y="1637071"/>
-          <a:ext cx="9601200" cy="4832740"/>
-        </p:xfrm>
-        <a:graphic>
-          <a:graphicData uri="http://schemas.openxmlformats.org/drawingml/2006/diagram">
-            <dgm:relIds xmlns:dgm="http://schemas.openxmlformats.org/drawingml/2006/diagram" xmlns:r="http://schemas.openxmlformats.org/officeDocument/2006/relationships" r:dm="rId2" r:lo="rId3" r:qs="rId4" r:cs="rId5"/>
-          </a:graphicData>
-        </a:graphic>
-      </p:graphicFrame>
-    </p:spTree>
-    <p:extLst>
-      <p:ext uri="{BB962C8B-B14F-4D97-AF65-F5344CB8AC3E}">
-        <p14:creationId xmlns:p14="http://schemas.microsoft.com/office/powerpoint/2010/main" val="190157857"/>
-      </p:ext>
-    </p:extLst>
-  </p:cSld>
-  <p:clrMapOvr>
-    <a:masterClrMapping/>
-  </p:clrMapOvr>
-</p:sld>
-</file>
-
-<file path=ppt/slides/slide5.xml><?xml version="1.0" encoding="utf-8"?>
-<p:sld xmlns:a="http://schemas.openxmlformats.org/drawingml/2006/main" xmlns:r="http://schemas.openxmlformats.org/officeDocument/2006/relationships" xmlns:p="http://schemas.openxmlformats.org/presentationml/2006/main">
-  <p:cSld>
-    <p:bg>
-      <p:bgPr>
-        <a:solidFill>
-          <a:schemeClr val="tx1"/>
-        </a:solidFill>
-        <a:effectLst/>
-      </p:bgPr>
-    </p:bg>
-    <p:spTree>
-      <p:nvGrpSpPr>
-        <p:cNvPr id="1" name=""/>
-        <p:cNvGrpSpPr/>
-        <p:nvPr/>
-      </p:nvGrpSpPr>
-      <p:grpSpPr>
-        <a:xfrm>
-          <a:off x="0" y="0"/>
-          <a:ext cx="0" cy="0"/>
-          <a:chOff x="0" y="0"/>
-          <a:chExt cx="0" cy="0"/>
-        </a:xfrm>
-      </p:grpSpPr>
-      <p:pic>
-        <p:nvPicPr>
-          <p:cNvPr id="8" name="Grafik 7">
-            <a:extLst>
-              <a:ext uri="{FF2B5EF4-FFF2-40B4-BE49-F238E27FC236}">
-                <a16:creationId xmlns:a16="http://schemas.microsoft.com/office/drawing/2014/main" id="{EDDACB89-ACF6-426A-AC64-E75889BDFB58}"/>
-              </a:ext>
-            </a:extLst>
-          </p:cNvPr>
-          <p:cNvPicPr>
-            <a:picLocks noChangeAspect="1"/>
-          </p:cNvPicPr>
-          <p:nvPr/>
-        </p:nvPicPr>
-        <p:blipFill>
-          <a:blip r:embed="rId2"/>
-          <a:stretch>
-            <a:fillRect/>
-          </a:stretch>
-        </p:blipFill>
-        <p:spPr>
-          <a:xfrm>
-            <a:off x="3064878" y="90349"/>
-            <a:ext cx="6359341" cy="3338651"/>
-          </a:xfrm>
-          <a:prstGeom prst="rect">
-            <a:avLst/>
-          </a:prstGeom>
-        </p:spPr>
-      </p:pic>
-      <p:pic>
-        <p:nvPicPr>
-          <p:cNvPr id="2" name="Grafik 1">
-            <a:extLst>
-              <a:ext uri="{FF2B5EF4-FFF2-40B4-BE49-F238E27FC236}">
-                <a16:creationId xmlns:a16="http://schemas.microsoft.com/office/drawing/2014/main" id="{BCD64FB6-228F-49CB-8290-92F3773CD804}"/>
-              </a:ext>
-            </a:extLst>
-          </p:cNvPr>
-          <p:cNvPicPr>
-            <a:picLocks noChangeAspect="1"/>
-          </p:cNvPicPr>
-          <p:nvPr/>
-        </p:nvPicPr>
-        <p:blipFill>
-          <a:blip r:embed="rId3"/>
-          <a:stretch>
-            <a:fillRect/>
-          </a:stretch>
-        </p:blipFill>
-        <p:spPr>
-          <a:xfrm>
-            <a:off x="3064878" y="3429000"/>
-            <a:ext cx="6359341" cy="3322431"/>
-          </a:xfrm>
-          <a:prstGeom prst="rect">
-            <a:avLst/>
-          </a:prstGeom>
-        </p:spPr>
-      </p:pic>
-    </p:spTree>
-    <p:extLst>
-      <p:ext uri="{BB962C8B-B14F-4D97-AF65-F5344CB8AC3E}">
-        <p14:creationId xmlns:p14="http://schemas.microsoft.com/office/powerpoint/2010/main" val="1120697390"/>
-      </p:ext>
-    </p:extLst>
-  </p:cSld>
-  <p:clrMapOvr>
-    <a:masterClrMapping/>
-  </p:clrMapOvr>
-</p:sld>
-</file>
-
-<file path=ppt/slides/slide6.xml><?xml version="1.0" encoding="utf-8"?>
+<file path=ppt/slides/slide10.xml><?xml version="1.0" encoding="utf-8"?>
 <p:sld xmlns:a="http://schemas.openxmlformats.org/drawingml/2006/main" xmlns:r="http://schemas.openxmlformats.org/officeDocument/2006/relationships" xmlns:p="http://schemas.openxmlformats.org/presentationml/2006/main">
   <p:cSld>
     <p:spTree>
@@ -18272,7 +17778,7 @@
 </p:sld>
 </file>
 
-<file path=ppt/slides/slide7.xml><?xml version="1.0" encoding="utf-8"?>
+<file path=ppt/slides/slide11.xml><?xml version="1.0" encoding="utf-8"?>
 <p:sld xmlns:a="http://schemas.openxmlformats.org/drawingml/2006/main" xmlns:r="http://schemas.openxmlformats.org/officeDocument/2006/relationships" xmlns:p="http://schemas.openxmlformats.org/presentationml/2006/main">
   <p:cSld>
     <p:spTree>
@@ -18944,6 +18450,1442 @@
 </p:sld>
 </file>
 
+<file path=ppt/slides/slide2.xml><?xml version="1.0" encoding="utf-8"?>
+<p:sld xmlns:a="http://schemas.openxmlformats.org/drawingml/2006/main" xmlns:r="http://schemas.openxmlformats.org/officeDocument/2006/relationships" xmlns:p="http://schemas.openxmlformats.org/presentationml/2006/main">
+  <p:cSld>
+    <p:bg>
+      <p:bgPr>
+        <a:solidFill>
+          <a:schemeClr val="bg2"/>
+        </a:solidFill>
+        <a:effectLst/>
+      </p:bgPr>
+    </p:bg>
+    <p:spTree>
+      <p:nvGrpSpPr>
+        <p:cNvPr id="1" name=""/>
+        <p:cNvGrpSpPr/>
+        <p:nvPr/>
+      </p:nvGrpSpPr>
+      <p:grpSpPr>
+        <a:xfrm>
+          <a:off x="0" y="0"/>
+          <a:ext cx="0" cy="0"/>
+          <a:chOff x="0" y="0"/>
+          <a:chExt cx="0" cy="0"/>
+        </a:xfrm>
+      </p:grpSpPr>
+      <p:sp useBgFill="1">
+        <p:nvSpPr>
+          <p:cNvPr id="10" name="Rectangle 9">
+            <a:extLst>
+              <a:ext uri="{FF2B5EF4-FFF2-40B4-BE49-F238E27FC236}">
+                <a16:creationId xmlns:a16="http://schemas.microsoft.com/office/drawing/2014/main" id="{1E1665A6-74DB-4F44-A6EF-F01205E8718B}"/>
+              </a:ext>
+              <a:ext uri="{C183D7F6-B498-43B3-948B-1728B52AA6E4}">
+                <adec:decorative xmlns:adec="http://schemas.microsoft.com/office/drawing/2017/decorative" val="1"/>
+              </a:ext>
+            </a:extLst>
+          </p:cNvPr>
+          <p:cNvSpPr>
+            <a:spLocks noGrp="1" noRot="1" noChangeAspect="1" noMove="1" noResize="1" noEditPoints="1" noAdjustHandles="1" noChangeArrowheads="1" noChangeShapeType="1" noTextEdit="1"/>
+          </p:cNvSpPr>
+          <p:nvPr>
+            <p:extLst>
+              <p:ext uri="{386F3935-93C4-4BCD-93E2-E3B085C9AB24}">
+                <p16:designElem xmlns:p16="http://schemas.microsoft.com/office/powerpoint/2015/main" val="1"/>
+              </p:ext>
+            </p:extLst>
+          </p:nvPr>
+        </p:nvSpPr>
+        <p:spPr>
+          <a:xfrm>
+            <a:off x="0" y="0"/>
+            <a:ext cx="12192000" cy="6858000"/>
+          </a:xfrm>
+          <a:prstGeom prst="rect">
+            <a:avLst/>
+          </a:prstGeom>
+          <a:ln>
+            <a:noFill/>
+          </a:ln>
+        </p:spPr>
+        <p:style>
+          <a:lnRef idx="2">
+            <a:schemeClr val="accent1">
+              <a:shade val="50000"/>
+            </a:schemeClr>
+          </a:lnRef>
+          <a:fillRef idx="1001">
+            <a:schemeClr val="lt2"/>
+          </a:fillRef>
+          <a:effectRef idx="0">
+            <a:schemeClr val="accent1"/>
+          </a:effectRef>
+          <a:fontRef idx="minor">
+            <a:schemeClr val="lt1"/>
+          </a:fontRef>
+        </p:style>
+        <p:txBody>
+          <a:bodyPr rtlCol="0" anchor="ctr"/>
+          <a:lstStyle/>
+          <a:p>
+            <a:pPr algn="ctr"/>
+            <a:endParaRPr lang="en-US"/>
+          </a:p>
+        </p:txBody>
+      </p:sp>
+      <p:sp>
+        <p:nvSpPr>
+          <p:cNvPr id="2" name="Titel 1">
+            <a:extLst>
+              <a:ext uri="{FF2B5EF4-FFF2-40B4-BE49-F238E27FC236}">
+                <a16:creationId xmlns:a16="http://schemas.microsoft.com/office/drawing/2014/main" id="{876A7F23-928C-4BAB-9255-2D4805F4D165}"/>
+              </a:ext>
+            </a:extLst>
+          </p:cNvPr>
+          <p:cNvSpPr>
+            <a:spLocks noGrp="1"/>
+          </p:cNvSpPr>
+          <p:nvPr>
+            <p:ph type="title"/>
+          </p:nvPr>
+        </p:nvSpPr>
+        <p:spPr>
+          <a:xfrm>
+            <a:off x="643467" y="685800"/>
+            <a:ext cx="10905066" cy="1485900"/>
+          </a:xfrm>
+          <a:noFill/>
+        </p:spPr>
+        <p:txBody>
+          <a:bodyPr>
+            <a:normAutofit/>
+          </a:bodyPr>
+          <a:lstStyle/>
+          <a:p>
+            <a:pPr algn="ctr"/>
+            <a:r>
+              <a:rPr lang="de-DE"/>
+              <a:t>Table of contents</a:t>
+            </a:r>
+          </a:p>
+        </p:txBody>
+      </p:sp>
+      <p:graphicFrame>
+        <p:nvGraphicFramePr>
+          <p:cNvPr id="5" name="Inhaltsplatzhalter 2">
+            <a:extLst>
+              <a:ext uri="{FF2B5EF4-FFF2-40B4-BE49-F238E27FC236}">
+                <a16:creationId xmlns:a16="http://schemas.microsoft.com/office/drawing/2014/main" id="{9CAF4A30-6C17-4FD3-8A21-CA7D0D138EBB}"/>
+              </a:ext>
+            </a:extLst>
+          </p:cNvPr>
+          <p:cNvGraphicFramePr>
+            <a:graphicFrameLocks noGrp="1"/>
+          </p:cNvGraphicFramePr>
+          <p:nvPr>
+            <p:ph idx="1"/>
+            <p:extLst>
+              <p:ext uri="{D42A27DB-BD31-4B8C-83A1-F6EECF244321}">
+                <p14:modId xmlns:p14="http://schemas.microsoft.com/office/powerpoint/2010/main" val="1003817023"/>
+              </p:ext>
+            </p:extLst>
+          </p:nvPr>
+        </p:nvGraphicFramePr>
+        <p:xfrm>
+          <a:off x="1122972" y="2286000"/>
+          <a:ext cx="9946056" cy="3581400"/>
+        </p:xfrm>
+        <a:graphic>
+          <a:graphicData uri="http://schemas.openxmlformats.org/drawingml/2006/diagram">
+            <dgm:relIds xmlns:dgm="http://schemas.openxmlformats.org/drawingml/2006/diagram" xmlns:r="http://schemas.openxmlformats.org/officeDocument/2006/relationships" r:dm="rId2" r:lo="rId3" r:qs="rId4" r:cs="rId5"/>
+          </a:graphicData>
+        </a:graphic>
+      </p:graphicFrame>
+    </p:spTree>
+    <p:extLst>
+      <p:ext uri="{BB962C8B-B14F-4D97-AF65-F5344CB8AC3E}">
+        <p14:creationId xmlns:p14="http://schemas.microsoft.com/office/powerpoint/2010/main" val="4203269262"/>
+      </p:ext>
+    </p:extLst>
+  </p:cSld>
+  <p:clrMapOvr>
+    <a:masterClrMapping/>
+  </p:clrMapOvr>
+</p:sld>
+</file>
+
+<file path=ppt/slides/slide3.xml><?xml version="1.0" encoding="utf-8"?>
+<p:sld xmlns:a="http://schemas.openxmlformats.org/drawingml/2006/main" xmlns:r="http://schemas.openxmlformats.org/officeDocument/2006/relationships" xmlns:p="http://schemas.openxmlformats.org/presentationml/2006/main">
+  <p:cSld>
+    <p:spTree>
+      <p:nvGrpSpPr>
+        <p:cNvPr id="1" name=""/>
+        <p:cNvGrpSpPr/>
+        <p:nvPr/>
+      </p:nvGrpSpPr>
+      <p:grpSpPr>
+        <a:xfrm>
+          <a:off x="0" y="0"/>
+          <a:ext cx="0" cy="0"/>
+          <a:chOff x="0" y="0"/>
+          <a:chExt cx="0" cy="0"/>
+        </a:xfrm>
+      </p:grpSpPr>
+      <p:sp>
+        <p:nvSpPr>
+          <p:cNvPr id="2" name="Titel 1">
+            <a:extLst>
+              <a:ext uri="{FF2B5EF4-FFF2-40B4-BE49-F238E27FC236}">
+                <a16:creationId xmlns:a16="http://schemas.microsoft.com/office/drawing/2014/main" id="{FEE923C8-5673-478C-BBF3-4458FC715BD6}"/>
+              </a:ext>
+            </a:extLst>
+          </p:cNvPr>
+          <p:cNvSpPr>
+            <a:spLocks noGrp="1"/>
+          </p:cNvSpPr>
+          <p:nvPr>
+            <p:ph type="title"/>
+          </p:nvPr>
+        </p:nvSpPr>
+        <p:spPr/>
+        <p:txBody>
+          <a:bodyPr/>
+          <a:lstStyle/>
+          <a:p>
+            <a:r>
+              <a:rPr lang="en-US" dirty="0"/>
+              <a:t>3K PBMCs from a healthy donor</a:t>
+            </a:r>
+          </a:p>
+        </p:txBody>
+      </p:sp>
+      <p:sp>
+        <p:nvSpPr>
+          <p:cNvPr id="3" name="Inhaltsplatzhalter 2">
+            <a:extLst>
+              <a:ext uri="{FF2B5EF4-FFF2-40B4-BE49-F238E27FC236}">
+                <a16:creationId xmlns:a16="http://schemas.microsoft.com/office/drawing/2014/main" id="{6BA647D5-11FD-42CE-B5E4-B647FFE742C5}"/>
+              </a:ext>
+            </a:extLst>
+          </p:cNvPr>
+          <p:cNvSpPr>
+            <a:spLocks noGrp="1"/>
+          </p:cNvSpPr>
+          <p:nvPr>
+            <p:ph idx="1"/>
+          </p:nvPr>
+        </p:nvSpPr>
+        <p:spPr>
+          <a:xfrm>
+            <a:off x="1371600" y="2286000"/>
+            <a:ext cx="9601200" cy="3833004"/>
+          </a:xfrm>
+        </p:spPr>
+        <p:txBody>
+          <a:bodyPr>
+            <a:normAutofit/>
+          </a:bodyPr>
+          <a:lstStyle/>
+          <a:p>
+            <a:r>
+              <a:rPr lang="en-US" dirty="0"/>
+              <a:t>By 10x Genomics</a:t>
+            </a:r>
+          </a:p>
+          <a:p>
+            <a:r>
+              <a:rPr lang="en-US" dirty="0"/>
+              <a:t>Contains single cell gene expression data</a:t>
+            </a:r>
+          </a:p>
+          <a:p>
+            <a:r>
+              <a:rPr lang="en-US" dirty="0"/>
+              <a:t>Dimensions: 2700 cells, ~32700 genes</a:t>
+            </a:r>
+          </a:p>
+          <a:p>
+            <a:r>
+              <a:rPr lang="en-US" dirty="0"/>
+              <a:t>PBMCs (Peripheral blood mononuclear cells):</a:t>
+            </a:r>
+          </a:p>
+          <a:p>
+            <a:pPr lvl="1"/>
+            <a:r>
+              <a:rPr lang="en-US" dirty="0"/>
+              <a:t>T cells</a:t>
+            </a:r>
+          </a:p>
+          <a:p>
+            <a:pPr lvl="1"/>
+            <a:r>
+              <a:rPr lang="en-US" dirty="0"/>
+              <a:t>B cells</a:t>
+            </a:r>
+          </a:p>
+          <a:p>
+            <a:pPr lvl="1"/>
+            <a:r>
+              <a:rPr lang="en-US" dirty="0"/>
+              <a:t>NK cells</a:t>
+            </a:r>
+          </a:p>
+          <a:p>
+            <a:pPr lvl="1"/>
+            <a:r>
+              <a:rPr lang="en-US" dirty="0"/>
+              <a:t>Monocytes</a:t>
+            </a:r>
+          </a:p>
+          <a:p>
+            <a:r>
+              <a:rPr lang="en-US" dirty="0"/>
+              <a:t>Data was obtained using Illumina NextSeq500</a:t>
+            </a:r>
+          </a:p>
+        </p:txBody>
+      </p:sp>
+    </p:spTree>
+    <p:extLst>
+      <p:ext uri="{BB962C8B-B14F-4D97-AF65-F5344CB8AC3E}">
+        <p14:creationId xmlns:p14="http://schemas.microsoft.com/office/powerpoint/2010/main" val="2346177351"/>
+      </p:ext>
+    </p:extLst>
+  </p:cSld>
+  <p:clrMapOvr>
+    <a:masterClrMapping/>
+  </p:clrMapOvr>
+</p:sld>
+</file>
+
+<file path=ppt/slides/slide4.xml><?xml version="1.0" encoding="utf-8"?>
+<p:sld xmlns:a="http://schemas.openxmlformats.org/drawingml/2006/main" xmlns:r="http://schemas.openxmlformats.org/officeDocument/2006/relationships" xmlns:p="http://schemas.openxmlformats.org/presentationml/2006/main">
+  <p:cSld>
+    <p:spTree>
+      <p:nvGrpSpPr>
+        <p:cNvPr id="1" name=""/>
+        <p:cNvGrpSpPr/>
+        <p:nvPr/>
+      </p:nvGrpSpPr>
+      <p:grpSpPr>
+        <a:xfrm>
+          <a:off x="0" y="0"/>
+          <a:ext cx="0" cy="0"/>
+          <a:chOff x="0" y="0"/>
+          <a:chExt cx="0" cy="0"/>
+        </a:xfrm>
+      </p:grpSpPr>
+      <p:sp>
+        <p:nvSpPr>
+          <p:cNvPr id="7" name="Titel 6">
+            <a:extLst>
+              <a:ext uri="{FF2B5EF4-FFF2-40B4-BE49-F238E27FC236}">
+                <a16:creationId xmlns:a16="http://schemas.microsoft.com/office/drawing/2014/main" id="{74223A4D-AD75-492E-BCA8-4F7C9938C9F4}"/>
+              </a:ext>
+            </a:extLst>
+          </p:cNvPr>
+          <p:cNvSpPr>
+            <a:spLocks noGrp="1"/>
+          </p:cNvSpPr>
+          <p:nvPr>
+            <p:ph type="title"/>
+          </p:nvPr>
+        </p:nvSpPr>
+        <p:spPr/>
+        <p:txBody>
+          <a:bodyPr/>
+          <a:lstStyle/>
+          <a:p>
+            <a:r>
+              <a:rPr lang="en-US" dirty="0"/>
+              <a:t>Filtering </a:t>
+            </a:r>
+          </a:p>
+        </p:txBody>
+      </p:sp>
+      <p:graphicFrame>
+        <p:nvGraphicFramePr>
+          <p:cNvPr id="9" name="Inhaltsplatzhalter 8">
+            <a:extLst>
+              <a:ext uri="{FF2B5EF4-FFF2-40B4-BE49-F238E27FC236}">
+                <a16:creationId xmlns:a16="http://schemas.microsoft.com/office/drawing/2014/main" id="{6A5AA7D9-A7C9-46AC-97A9-8A3BE6AFC00F}"/>
+              </a:ext>
+            </a:extLst>
+          </p:cNvPr>
+          <p:cNvGraphicFramePr>
+            <a:graphicFrameLocks noGrp="1"/>
+          </p:cNvGraphicFramePr>
+          <p:nvPr>
+            <p:ph idx="1"/>
+            <p:extLst>
+              <p:ext uri="{D42A27DB-BD31-4B8C-83A1-F6EECF244321}">
+                <p14:modId xmlns:p14="http://schemas.microsoft.com/office/powerpoint/2010/main" val="2170336254"/>
+              </p:ext>
+            </p:extLst>
+          </p:nvPr>
+        </p:nvGraphicFramePr>
+        <p:xfrm>
+          <a:off x="1371600" y="1637071"/>
+          <a:ext cx="9601200" cy="4832740"/>
+        </p:xfrm>
+        <a:graphic>
+          <a:graphicData uri="http://schemas.openxmlformats.org/drawingml/2006/diagram">
+            <dgm:relIds xmlns:dgm="http://schemas.openxmlformats.org/drawingml/2006/diagram" xmlns:r="http://schemas.openxmlformats.org/officeDocument/2006/relationships" r:dm="rId2" r:lo="rId3" r:qs="rId4" r:cs="rId5"/>
+          </a:graphicData>
+        </a:graphic>
+      </p:graphicFrame>
+    </p:spTree>
+    <p:extLst>
+      <p:ext uri="{BB962C8B-B14F-4D97-AF65-F5344CB8AC3E}">
+        <p14:creationId xmlns:p14="http://schemas.microsoft.com/office/powerpoint/2010/main" val="190157857"/>
+      </p:ext>
+    </p:extLst>
+  </p:cSld>
+  <p:clrMapOvr>
+    <a:masterClrMapping/>
+  </p:clrMapOvr>
+</p:sld>
+</file>
+
+<file path=ppt/slides/slide5.xml><?xml version="1.0" encoding="utf-8"?>
+<p:sld xmlns:a="http://schemas.openxmlformats.org/drawingml/2006/main" xmlns:r="http://schemas.openxmlformats.org/officeDocument/2006/relationships" xmlns:p="http://schemas.openxmlformats.org/presentationml/2006/main">
+  <p:cSld>
+    <p:bg>
+      <p:bgPr>
+        <a:solidFill>
+          <a:schemeClr val="tx1"/>
+        </a:solidFill>
+        <a:effectLst/>
+      </p:bgPr>
+    </p:bg>
+    <p:spTree>
+      <p:nvGrpSpPr>
+        <p:cNvPr id="1" name=""/>
+        <p:cNvGrpSpPr/>
+        <p:nvPr/>
+      </p:nvGrpSpPr>
+      <p:grpSpPr>
+        <a:xfrm>
+          <a:off x="0" y="0"/>
+          <a:ext cx="0" cy="0"/>
+          <a:chOff x="0" y="0"/>
+          <a:chExt cx="0" cy="0"/>
+        </a:xfrm>
+      </p:grpSpPr>
+      <p:pic>
+        <p:nvPicPr>
+          <p:cNvPr id="8" name="Grafik 7">
+            <a:extLst>
+              <a:ext uri="{FF2B5EF4-FFF2-40B4-BE49-F238E27FC236}">
+                <a16:creationId xmlns:a16="http://schemas.microsoft.com/office/drawing/2014/main" id="{EDDACB89-ACF6-426A-AC64-E75889BDFB58}"/>
+              </a:ext>
+            </a:extLst>
+          </p:cNvPr>
+          <p:cNvPicPr>
+            <a:picLocks noChangeAspect="1"/>
+          </p:cNvPicPr>
+          <p:nvPr/>
+        </p:nvPicPr>
+        <p:blipFill>
+          <a:blip r:embed="rId2"/>
+          <a:stretch>
+            <a:fillRect/>
+          </a:stretch>
+        </p:blipFill>
+        <p:spPr>
+          <a:xfrm>
+            <a:off x="3064878" y="90349"/>
+            <a:ext cx="6359341" cy="3338651"/>
+          </a:xfrm>
+          <a:prstGeom prst="rect">
+            <a:avLst/>
+          </a:prstGeom>
+        </p:spPr>
+      </p:pic>
+      <p:pic>
+        <p:nvPicPr>
+          <p:cNvPr id="2" name="Grafik 1">
+            <a:extLst>
+              <a:ext uri="{FF2B5EF4-FFF2-40B4-BE49-F238E27FC236}">
+                <a16:creationId xmlns:a16="http://schemas.microsoft.com/office/drawing/2014/main" id="{BCD64FB6-228F-49CB-8290-92F3773CD804}"/>
+              </a:ext>
+            </a:extLst>
+          </p:cNvPr>
+          <p:cNvPicPr>
+            <a:picLocks noChangeAspect="1"/>
+          </p:cNvPicPr>
+          <p:nvPr/>
+        </p:nvPicPr>
+        <p:blipFill>
+          <a:blip r:embed="rId3"/>
+          <a:stretch>
+            <a:fillRect/>
+          </a:stretch>
+        </p:blipFill>
+        <p:spPr>
+          <a:xfrm>
+            <a:off x="3064878" y="3429000"/>
+            <a:ext cx="6359341" cy="3322431"/>
+          </a:xfrm>
+          <a:prstGeom prst="rect">
+            <a:avLst/>
+          </a:prstGeom>
+        </p:spPr>
+      </p:pic>
+    </p:spTree>
+    <p:extLst>
+      <p:ext uri="{BB962C8B-B14F-4D97-AF65-F5344CB8AC3E}">
+        <p14:creationId xmlns:p14="http://schemas.microsoft.com/office/powerpoint/2010/main" val="1120697390"/>
+      </p:ext>
+    </p:extLst>
+  </p:cSld>
+  <p:clrMapOvr>
+    <a:masterClrMapping/>
+  </p:clrMapOvr>
+</p:sld>
+</file>
+
+<file path=ppt/slides/slide6.xml><?xml version="1.0" encoding="utf-8"?>
+<p:sld xmlns:a="http://schemas.openxmlformats.org/drawingml/2006/main" xmlns:r="http://schemas.openxmlformats.org/officeDocument/2006/relationships" xmlns:p="http://schemas.openxmlformats.org/presentationml/2006/main">
+  <p:cSld>
+    <p:spTree>
+      <p:nvGrpSpPr>
+        <p:cNvPr id="1" name=""/>
+        <p:cNvGrpSpPr/>
+        <p:nvPr/>
+      </p:nvGrpSpPr>
+      <p:grpSpPr>
+        <a:xfrm>
+          <a:off x="0" y="0"/>
+          <a:ext cx="0" cy="0"/>
+          <a:chOff x="0" y="0"/>
+          <a:chExt cx="0" cy="0"/>
+        </a:xfrm>
+      </p:grpSpPr>
+      <p:sp>
+        <p:nvSpPr>
+          <p:cNvPr id="2" name="Titel 1">
+            <a:extLst>
+              <a:ext uri="{FF2B5EF4-FFF2-40B4-BE49-F238E27FC236}">
+                <a16:creationId xmlns:a16="http://schemas.microsoft.com/office/drawing/2014/main" id="{A6D6FF62-C4A0-4195-8BBA-5DD9AC522E9D}"/>
+              </a:ext>
+            </a:extLst>
+          </p:cNvPr>
+          <p:cNvSpPr>
+            <a:spLocks noGrp="1"/>
+          </p:cNvSpPr>
+          <p:nvPr>
+            <p:ph type="title"/>
+          </p:nvPr>
+        </p:nvSpPr>
+        <p:spPr/>
+        <p:txBody>
+          <a:bodyPr/>
+          <a:lstStyle/>
+          <a:p>
+            <a:r>
+              <a:rPr lang="de-DE" dirty="0"/>
+              <a:t>Data </a:t>
+            </a:r>
+            <a:r>
+              <a:rPr lang="de-DE" dirty="0" err="1"/>
+              <a:t>modifications</a:t>
+            </a:r>
+            <a:endParaRPr lang="de-DE" dirty="0"/>
+          </a:p>
+        </p:txBody>
+      </p:sp>
+      <p:sp>
+        <p:nvSpPr>
+          <p:cNvPr id="3" name="Inhaltsplatzhalter 2">
+            <a:extLst>
+              <a:ext uri="{FF2B5EF4-FFF2-40B4-BE49-F238E27FC236}">
+                <a16:creationId xmlns:a16="http://schemas.microsoft.com/office/drawing/2014/main" id="{912E5EE4-C101-4FEF-8D9F-D70AFDB042D2}"/>
+              </a:ext>
+            </a:extLst>
+          </p:cNvPr>
+          <p:cNvSpPr>
+            <a:spLocks noGrp="1"/>
+          </p:cNvSpPr>
+          <p:nvPr>
+            <p:ph idx="1"/>
+          </p:nvPr>
+        </p:nvSpPr>
+        <p:spPr/>
+        <p:txBody>
+          <a:bodyPr>
+            <a:normAutofit/>
+          </a:bodyPr>
+          <a:lstStyle/>
+          <a:p>
+            <a:endParaRPr lang="de-DE" dirty="0"/>
+          </a:p>
+          <a:p>
+            <a:r>
+              <a:rPr lang="de-DE" dirty="0" err="1"/>
+              <a:t>Improve</a:t>
+            </a:r>
+            <a:r>
+              <a:rPr lang="de-DE" dirty="0"/>
+              <a:t> </a:t>
+            </a:r>
+            <a:r>
+              <a:rPr lang="de-DE" dirty="0" err="1"/>
+              <a:t>usability</a:t>
+            </a:r>
+            <a:r>
+              <a:rPr lang="de-DE" dirty="0"/>
+              <a:t> of </a:t>
+            </a:r>
+            <a:r>
+              <a:rPr lang="de-DE" dirty="0" err="1"/>
+              <a:t>data</a:t>
+            </a:r>
+            <a:endParaRPr lang="de-DE" dirty="0"/>
+          </a:p>
+          <a:p>
+            <a:pPr lvl="1"/>
+            <a:r>
+              <a:rPr lang="de-DE" dirty="0" err="1"/>
+              <a:t>Convert</a:t>
+            </a:r>
+            <a:r>
+              <a:rPr lang="de-DE" dirty="0"/>
+              <a:t> </a:t>
+            </a:r>
+            <a:r>
+              <a:rPr lang="de-DE" dirty="0" err="1"/>
+              <a:t>matrix</a:t>
+            </a:r>
+            <a:r>
+              <a:rPr lang="de-DE" dirty="0"/>
+              <a:t> into </a:t>
+            </a:r>
+            <a:r>
+              <a:rPr lang="de-DE" dirty="0" err="1"/>
+              <a:t>array</a:t>
+            </a:r>
+            <a:endParaRPr lang="de-DE" dirty="0"/>
+          </a:p>
+          <a:p>
+            <a:r>
+              <a:rPr lang="de-DE" dirty="0" err="1"/>
+              <a:t>Decrease</a:t>
+            </a:r>
+            <a:r>
+              <a:rPr lang="de-DE" dirty="0"/>
+              <a:t> Inertia by </a:t>
+            </a:r>
+            <a:r>
+              <a:rPr lang="de-DE" dirty="0" err="1"/>
+              <a:t>modifying</a:t>
+            </a:r>
+            <a:r>
+              <a:rPr lang="de-DE" dirty="0"/>
+              <a:t> </a:t>
+            </a:r>
+            <a:r>
+              <a:rPr lang="de-DE" dirty="0" err="1"/>
+              <a:t>data</a:t>
+            </a:r>
+            <a:endParaRPr lang="de-DE" dirty="0"/>
+          </a:p>
+          <a:p>
+            <a:pPr lvl="1"/>
+            <a:r>
+              <a:rPr lang="de-DE" dirty="0"/>
+              <a:t>PCA</a:t>
+            </a:r>
+          </a:p>
+          <a:p>
+            <a:pPr lvl="1"/>
+            <a:r>
+              <a:rPr lang="de-DE" dirty="0" err="1"/>
+              <a:t>Removal</a:t>
+            </a:r>
+            <a:r>
+              <a:rPr lang="de-DE" dirty="0"/>
+              <a:t> of </a:t>
+            </a:r>
+            <a:r>
+              <a:rPr lang="de-DE" dirty="0" err="1"/>
+              <a:t>outliers</a:t>
+            </a:r>
+            <a:endParaRPr lang="de-DE" dirty="0"/>
+          </a:p>
+          <a:p>
+            <a:pPr lvl="1"/>
+            <a:r>
+              <a:rPr lang="de-DE" dirty="0" err="1"/>
+              <a:t>Normalize</a:t>
+            </a:r>
+            <a:r>
+              <a:rPr lang="de-DE" dirty="0"/>
+              <a:t> or </a:t>
+            </a:r>
+            <a:r>
+              <a:rPr lang="de-DE" dirty="0" err="1"/>
+              <a:t>scale</a:t>
+            </a:r>
+            <a:r>
+              <a:rPr lang="de-DE" dirty="0"/>
+              <a:t> </a:t>
+            </a:r>
+            <a:r>
+              <a:rPr lang="de-DE" dirty="0" err="1"/>
+              <a:t>data</a:t>
+            </a:r>
+            <a:r>
+              <a:rPr lang="de-DE" dirty="0"/>
+              <a:t> </a:t>
+            </a:r>
+            <a:r>
+              <a:rPr lang="de-DE" dirty="0" err="1"/>
+              <a:t>differently</a:t>
+            </a:r>
+            <a:r>
+              <a:rPr lang="de-DE" dirty="0"/>
+              <a:t> ?</a:t>
+            </a:r>
+          </a:p>
+          <a:p>
+            <a:pPr lvl="1"/>
+            <a:endParaRPr lang="de-DE" dirty="0"/>
+          </a:p>
+          <a:p>
+            <a:pPr lvl="1"/>
+            <a:endParaRPr lang="de-DE" dirty="0"/>
+          </a:p>
+          <a:p>
+            <a:pPr lvl="1"/>
+            <a:endParaRPr lang="de-DE" dirty="0"/>
+          </a:p>
+        </p:txBody>
+      </p:sp>
+      <p:pic>
+        <p:nvPicPr>
+          <p:cNvPr id="4" name="Grafik 3">
+            <a:extLst>
+              <a:ext uri="{FF2B5EF4-FFF2-40B4-BE49-F238E27FC236}">
+                <a16:creationId xmlns:a16="http://schemas.microsoft.com/office/drawing/2014/main" id="{80CC5D00-C4B3-4C0A-A582-12C44880DF18}"/>
+              </a:ext>
+            </a:extLst>
+          </p:cNvPr>
+          <p:cNvPicPr>
+            <a:picLocks noChangeAspect="1"/>
+          </p:cNvPicPr>
+          <p:nvPr/>
+        </p:nvPicPr>
+        <p:blipFill rotWithShape="1">
+          <a:blip r:embed="rId2"/>
+          <a:srcRect l="7513" r="20149"/>
+          <a:stretch/>
+        </p:blipFill>
+        <p:spPr>
+          <a:xfrm>
+            <a:off x="5938684" y="2681317"/>
+            <a:ext cx="5919018" cy="1823710"/>
+          </a:xfrm>
+          <a:prstGeom prst="rect">
+            <a:avLst/>
+          </a:prstGeom>
+        </p:spPr>
+      </p:pic>
+    </p:spTree>
+    <p:extLst>
+      <p:ext uri="{BB962C8B-B14F-4D97-AF65-F5344CB8AC3E}">
+        <p14:creationId xmlns:p14="http://schemas.microsoft.com/office/powerpoint/2010/main" val="2265978540"/>
+      </p:ext>
+    </p:extLst>
+  </p:cSld>
+  <p:clrMapOvr>
+    <a:masterClrMapping/>
+  </p:clrMapOvr>
+</p:sld>
+</file>
+
+<file path=ppt/slides/slide7.xml><?xml version="1.0" encoding="utf-8"?>
+<p:sld xmlns:a="http://schemas.openxmlformats.org/drawingml/2006/main" xmlns:r="http://schemas.openxmlformats.org/officeDocument/2006/relationships" xmlns:p="http://schemas.openxmlformats.org/presentationml/2006/main">
+  <p:cSld>
+    <p:spTree>
+      <p:nvGrpSpPr>
+        <p:cNvPr id="1" name=""/>
+        <p:cNvGrpSpPr/>
+        <p:nvPr/>
+      </p:nvGrpSpPr>
+      <p:grpSpPr>
+        <a:xfrm>
+          <a:off x="0" y="0"/>
+          <a:ext cx="0" cy="0"/>
+          <a:chOff x="0" y="0"/>
+          <a:chExt cx="0" cy="0"/>
+        </a:xfrm>
+      </p:grpSpPr>
+      <p:sp>
+        <p:nvSpPr>
+          <p:cNvPr id="2" name="Titel 1">
+            <a:extLst>
+              <a:ext uri="{FF2B5EF4-FFF2-40B4-BE49-F238E27FC236}">
+                <a16:creationId xmlns:a16="http://schemas.microsoft.com/office/drawing/2014/main" id="{708127FD-2230-4374-AE44-FD5EC3F9189F}"/>
+              </a:ext>
+            </a:extLst>
+          </p:cNvPr>
+          <p:cNvSpPr>
+            <a:spLocks noGrp="1"/>
+          </p:cNvSpPr>
+          <p:nvPr>
+            <p:ph type="title"/>
+          </p:nvPr>
+        </p:nvSpPr>
+        <p:spPr/>
+        <p:txBody>
+          <a:bodyPr/>
+          <a:lstStyle/>
+          <a:p>
+            <a:r>
+              <a:rPr lang="de-DE" dirty="0" err="1"/>
+              <a:t>Principal</a:t>
+            </a:r>
+            <a:r>
+              <a:rPr lang="de-DE" dirty="0"/>
+              <a:t> </a:t>
+            </a:r>
+            <a:r>
+              <a:rPr lang="de-DE" dirty="0" err="1"/>
+              <a:t>component</a:t>
+            </a:r>
+            <a:r>
+              <a:rPr lang="de-DE" dirty="0"/>
+              <a:t> </a:t>
+            </a:r>
+            <a:r>
+              <a:rPr lang="de-DE" dirty="0" err="1"/>
+              <a:t>analysis</a:t>
+            </a:r>
+            <a:endParaRPr lang="de-DE" dirty="0"/>
+          </a:p>
+        </p:txBody>
+      </p:sp>
+      <p:sp>
+        <p:nvSpPr>
+          <p:cNvPr id="3" name="Inhaltsplatzhalter 2">
+            <a:extLst>
+              <a:ext uri="{FF2B5EF4-FFF2-40B4-BE49-F238E27FC236}">
+                <a16:creationId xmlns:a16="http://schemas.microsoft.com/office/drawing/2014/main" id="{3E6E5392-12AE-44ED-9E03-B777A791AB18}"/>
+              </a:ext>
+            </a:extLst>
+          </p:cNvPr>
+          <p:cNvSpPr>
+            <a:spLocks noGrp="1"/>
+          </p:cNvSpPr>
+          <p:nvPr>
+            <p:ph idx="1"/>
+          </p:nvPr>
+        </p:nvSpPr>
+        <p:spPr/>
+        <p:txBody>
+          <a:bodyPr>
+            <a:normAutofit/>
+          </a:bodyPr>
+          <a:lstStyle/>
+          <a:p>
+            <a:r>
+              <a:rPr lang="de-DE" dirty="0"/>
+              <a:t>Break </a:t>
+            </a:r>
+            <a:r>
+              <a:rPr lang="de-DE" dirty="0" err="1"/>
+              <a:t>curse</a:t>
+            </a:r>
+            <a:r>
+              <a:rPr lang="de-DE" dirty="0"/>
+              <a:t> of </a:t>
+            </a:r>
+            <a:r>
+              <a:rPr lang="de-DE" dirty="0" err="1"/>
+              <a:t>multidimensionality</a:t>
+            </a:r>
+            <a:r>
+              <a:rPr lang="de-DE" dirty="0"/>
+              <a:t> </a:t>
+            </a:r>
+          </a:p>
+          <a:p>
+            <a:r>
+              <a:rPr lang="de-DE" dirty="0" err="1"/>
+              <a:t>Reduction</a:t>
+            </a:r>
+            <a:r>
+              <a:rPr lang="de-DE" dirty="0"/>
+              <a:t> to </a:t>
+            </a:r>
+            <a:r>
+              <a:rPr lang="de-DE" dirty="0" err="1"/>
+              <a:t>array</a:t>
+            </a:r>
+            <a:r>
+              <a:rPr lang="de-DE" dirty="0"/>
+              <a:t> with </a:t>
+            </a:r>
+            <a:r>
+              <a:rPr lang="de-DE" dirty="0" err="1"/>
+              <a:t>significantly</a:t>
+            </a:r>
+            <a:r>
+              <a:rPr lang="de-DE" dirty="0"/>
+              <a:t> </a:t>
+            </a:r>
+            <a:r>
+              <a:rPr lang="de-DE" dirty="0" err="1"/>
+              <a:t>less</a:t>
+            </a:r>
+            <a:r>
+              <a:rPr lang="de-DE" dirty="0"/>
+              <a:t> </a:t>
+            </a:r>
+            <a:r>
+              <a:rPr lang="de-DE" dirty="0" err="1"/>
+              <a:t>dimensions</a:t>
+            </a:r>
+            <a:endParaRPr lang="de-DE" dirty="0"/>
+          </a:p>
+          <a:p>
+            <a:r>
+              <a:rPr lang="de-DE" dirty="0" err="1"/>
+              <a:t>Allows</a:t>
+            </a:r>
+            <a:r>
+              <a:rPr lang="de-DE" dirty="0"/>
+              <a:t> </a:t>
+            </a:r>
+            <a:r>
+              <a:rPr lang="de-DE" dirty="0" err="1"/>
+              <a:t>better</a:t>
+            </a:r>
+            <a:r>
+              <a:rPr lang="de-DE" dirty="0"/>
+              <a:t> </a:t>
+            </a:r>
+            <a:r>
+              <a:rPr lang="de-DE" dirty="0" err="1"/>
+              <a:t>clustering</a:t>
+            </a:r>
+            <a:r>
+              <a:rPr lang="de-DE" dirty="0"/>
+              <a:t> and </a:t>
+            </a:r>
+            <a:r>
+              <a:rPr lang="de-DE" dirty="0" err="1"/>
+              <a:t>visualization</a:t>
+            </a:r>
+            <a:endParaRPr lang="de-DE" dirty="0"/>
+          </a:p>
+          <a:p>
+            <a:pPr marL="0" indent="0">
+              <a:buNone/>
+            </a:pPr>
+            <a:endParaRPr lang="de-DE" dirty="0"/>
+          </a:p>
+          <a:p>
+            <a:endParaRPr lang="de-DE" dirty="0"/>
+          </a:p>
+          <a:p>
+            <a:endParaRPr lang="de-DE" dirty="0"/>
+          </a:p>
+          <a:p>
+            <a:endParaRPr lang="de-DE" dirty="0"/>
+          </a:p>
+          <a:p>
+            <a:endParaRPr lang="de-DE" dirty="0"/>
+          </a:p>
+          <a:p>
+            <a:endParaRPr lang="de-DE" dirty="0"/>
+          </a:p>
+          <a:p>
+            <a:endParaRPr lang="de-DE" dirty="0"/>
+          </a:p>
+          <a:p>
+            <a:endParaRPr lang="de-DE" dirty="0"/>
+          </a:p>
+        </p:txBody>
+      </p:sp>
+      <p:pic>
+        <p:nvPicPr>
+          <p:cNvPr id="21" name="Grafik 20">
+            <a:extLst>
+              <a:ext uri="{FF2B5EF4-FFF2-40B4-BE49-F238E27FC236}">
+                <a16:creationId xmlns:a16="http://schemas.microsoft.com/office/drawing/2014/main" id="{2CD90367-ACF0-45C0-947E-7CD4363FFBA3}"/>
+              </a:ext>
+            </a:extLst>
+          </p:cNvPr>
+          <p:cNvPicPr>
+            <a:picLocks noChangeAspect="1"/>
+          </p:cNvPicPr>
+          <p:nvPr/>
+        </p:nvPicPr>
+        <p:blipFill>
+          <a:blip r:embed="rId2"/>
+          <a:stretch>
+            <a:fillRect/>
+          </a:stretch>
+        </p:blipFill>
+        <p:spPr>
+          <a:xfrm>
+            <a:off x="1196940" y="3734278"/>
+            <a:ext cx="4294026" cy="2604222"/>
+          </a:xfrm>
+          <a:prstGeom prst="rect">
+            <a:avLst/>
+          </a:prstGeom>
+        </p:spPr>
+      </p:pic>
+      <p:pic>
+        <p:nvPicPr>
+          <p:cNvPr id="4" name="Grafik 3">
+            <a:extLst>
+              <a:ext uri="{FF2B5EF4-FFF2-40B4-BE49-F238E27FC236}">
+                <a16:creationId xmlns:a16="http://schemas.microsoft.com/office/drawing/2014/main" id="{2952447A-BDC2-4007-8D08-4DF9AE599F24}"/>
+              </a:ext>
+            </a:extLst>
+          </p:cNvPr>
+          <p:cNvPicPr>
+            <a:picLocks noChangeAspect="1"/>
+          </p:cNvPicPr>
+          <p:nvPr/>
+        </p:nvPicPr>
+        <p:blipFill>
+          <a:blip r:embed="rId3"/>
+          <a:stretch>
+            <a:fillRect/>
+          </a:stretch>
+        </p:blipFill>
+        <p:spPr>
+          <a:xfrm>
+            <a:off x="6701036" y="3752850"/>
+            <a:ext cx="4139244" cy="2652432"/>
+          </a:xfrm>
+          <a:prstGeom prst="rect">
+            <a:avLst/>
+          </a:prstGeom>
+        </p:spPr>
+      </p:pic>
+    </p:spTree>
+    <p:extLst>
+      <p:ext uri="{BB962C8B-B14F-4D97-AF65-F5344CB8AC3E}">
+        <p14:creationId xmlns:p14="http://schemas.microsoft.com/office/powerpoint/2010/main" val="4110481820"/>
+      </p:ext>
+    </p:extLst>
+  </p:cSld>
+  <p:clrMapOvr>
+    <a:masterClrMapping/>
+  </p:clrMapOvr>
+</p:sld>
+</file>
+
+<file path=ppt/slides/slide8.xml><?xml version="1.0" encoding="utf-8"?>
+<p:sld xmlns:a="http://schemas.openxmlformats.org/drawingml/2006/main" xmlns:r="http://schemas.openxmlformats.org/officeDocument/2006/relationships" xmlns:p="http://schemas.openxmlformats.org/presentationml/2006/main">
+  <p:cSld>
+    <p:spTree>
+      <p:nvGrpSpPr>
+        <p:cNvPr id="1" name=""/>
+        <p:cNvGrpSpPr/>
+        <p:nvPr/>
+      </p:nvGrpSpPr>
+      <p:grpSpPr>
+        <a:xfrm>
+          <a:off x="0" y="0"/>
+          <a:ext cx="0" cy="0"/>
+          <a:chOff x="0" y="0"/>
+          <a:chExt cx="0" cy="0"/>
+        </a:xfrm>
+      </p:grpSpPr>
+      <p:sp>
+        <p:nvSpPr>
+          <p:cNvPr id="2" name="Titel 1">
+            <a:extLst>
+              <a:ext uri="{FF2B5EF4-FFF2-40B4-BE49-F238E27FC236}">
+                <a16:creationId xmlns:a16="http://schemas.microsoft.com/office/drawing/2014/main" id="{F8181991-CF5C-44E7-9948-66781A4D7D1C}"/>
+              </a:ext>
+            </a:extLst>
+          </p:cNvPr>
+          <p:cNvSpPr>
+            <a:spLocks noGrp="1"/>
+          </p:cNvSpPr>
+          <p:nvPr>
+            <p:ph type="title"/>
+          </p:nvPr>
+        </p:nvSpPr>
+        <p:spPr/>
+        <p:txBody>
+          <a:bodyPr/>
+          <a:lstStyle/>
+          <a:p>
+            <a:r>
+              <a:rPr lang="de-DE" dirty="0" err="1"/>
+              <a:t>Removal</a:t>
+            </a:r>
+            <a:r>
+              <a:rPr lang="de-DE" dirty="0"/>
+              <a:t> of </a:t>
+            </a:r>
+            <a:br>
+              <a:rPr lang="de-DE" dirty="0"/>
+            </a:br>
+            <a:r>
+              <a:rPr lang="de-DE" dirty="0" err="1"/>
+              <a:t>outliers</a:t>
+            </a:r>
+            <a:endParaRPr lang="de-DE" dirty="0"/>
+          </a:p>
+        </p:txBody>
+      </p:sp>
+      <p:sp>
+        <p:nvSpPr>
+          <p:cNvPr id="3" name="Inhaltsplatzhalter 2">
+            <a:extLst>
+              <a:ext uri="{FF2B5EF4-FFF2-40B4-BE49-F238E27FC236}">
+                <a16:creationId xmlns:a16="http://schemas.microsoft.com/office/drawing/2014/main" id="{3501B85F-2E99-4099-8C0E-525570BF4C61}"/>
+              </a:ext>
+            </a:extLst>
+          </p:cNvPr>
+          <p:cNvSpPr>
+            <a:spLocks noGrp="1"/>
+          </p:cNvSpPr>
+          <p:nvPr>
+            <p:ph idx="1"/>
+          </p:nvPr>
+        </p:nvSpPr>
+        <p:spPr/>
+        <p:txBody>
+          <a:bodyPr/>
+          <a:lstStyle/>
+          <a:p>
+            <a:r>
+              <a:rPr lang="de-DE" dirty="0" err="1"/>
+              <a:t>Reduces</a:t>
+            </a:r>
+            <a:r>
+              <a:rPr lang="de-DE" dirty="0"/>
+              <a:t> </a:t>
+            </a:r>
+            <a:r>
+              <a:rPr lang="de-DE" dirty="0" err="1"/>
+              <a:t>cluster</a:t>
+            </a:r>
+            <a:r>
+              <a:rPr lang="de-DE" dirty="0"/>
+              <a:t> </a:t>
+            </a:r>
+            <a:r>
+              <a:rPr lang="de-DE" dirty="0" err="1"/>
+              <a:t>elongation</a:t>
+            </a:r>
+            <a:endParaRPr lang="de-DE" dirty="0"/>
+          </a:p>
+          <a:p>
+            <a:r>
+              <a:rPr lang="de-DE" dirty="0" err="1"/>
+              <a:t>Reduces</a:t>
+            </a:r>
+            <a:r>
+              <a:rPr lang="de-DE" dirty="0"/>
+              <a:t> </a:t>
+            </a:r>
+            <a:r>
+              <a:rPr lang="de-DE" dirty="0" err="1"/>
+              <a:t>inertia</a:t>
+            </a:r>
+            <a:endParaRPr lang="de-DE" dirty="0"/>
+          </a:p>
+          <a:p>
+            <a:r>
+              <a:rPr lang="de-DE" dirty="0" err="1"/>
+              <a:t>Improves</a:t>
+            </a:r>
+            <a:r>
+              <a:rPr lang="de-DE" dirty="0"/>
+              <a:t> </a:t>
+            </a:r>
+            <a:r>
+              <a:rPr lang="de-DE" dirty="0" err="1"/>
+              <a:t>reproducibility</a:t>
+            </a:r>
+            <a:endParaRPr lang="de-DE" dirty="0"/>
+          </a:p>
+        </p:txBody>
+      </p:sp>
+      <p:pic>
+        <p:nvPicPr>
+          <p:cNvPr id="4" name="Grafik 3">
+            <a:extLst>
+              <a:ext uri="{FF2B5EF4-FFF2-40B4-BE49-F238E27FC236}">
+                <a16:creationId xmlns:a16="http://schemas.microsoft.com/office/drawing/2014/main" id="{77CA89BC-45A3-4E53-B42C-8C0178996585}"/>
+              </a:ext>
+            </a:extLst>
+          </p:cNvPr>
+          <p:cNvPicPr>
+            <a:picLocks noChangeAspect="1"/>
+          </p:cNvPicPr>
+          <p:nvPr/>
+        </p:nvPicPr>
+        <p:blipFill>
+          <a:blip r:embed="rId2"/>
+          <a:stretch>
+            <a:fillRect/>
+          </a:stretch>
+        </p:blipFill>
+        <p:spPr>
+          <a:xfrm>
+            <a:off x="5323381" y="143457"/>
+            <a:ext cx="6085655" cy="3138398"/>
+          </a:xfrm>
+          <a:prstGeom prst="rect">
+            <a:avLst/>
+          </a:prstGeom>
+        </p:spPr>
+      </p:pic>
+      <p:pic>
+        <p:nvPicPr>
+          <p:cNvPr id="21" name="Inhaltsplatzhalter 3">
+            <a:extLst>
+              <a:ext uri="{FF2B5EF4-FFF2-40B4-BE49-F238E27FC236}">
+                <a16:creationId xmlns:a16="http://schemas.microsoft.com/office/drawing/2014/main" id="{07F2711F-4984-4BCE-B663-F57A260D05C2}"/>
+              </a:ext>
+            </a:extLst>
+          </p:cNvPr>
+          <p:cNvPicPr>
+            <a:picLocks noChangeAspect="1"/>
+          </p:cNvPicPr>
+          <p:nvPr/>
+        </p:nvPicPr>
+        <p:blipFill>
+          <a:blip r:embed="rId3"/>
+          <a:stretch>
+            <a:fillRect/>
+          </a:stretch>
+        </p:blipFill>
+        <p:spPr>
+          <a:xfrm>
+            <a:off x="5368094" y="3281855"/>
+            <a:ext cx="6040942" cy="3138397"/>
+          </a:xfrm>
+          <a:prstGeom prst="rect">
+            <a:avLst/>
+          </a:prstGeom>
+        </p:spPr>
+      </p:pic>
+    </p:spTree>
+    <p:extLst>
+      <p:ext uri="{BB962C8B-B14F-4D97-AF65-F5344CB8AC3E}">
+        <p14:creationId xmlns:p14="http://schemas.microsoft.com/office/powerpoint/2010/main" val="1841755213"/>
+      </p:ext>
+    </p:extLst>
+  </p:cSld>
+  <p:clrMapOvr>
+    <a:masterClrMapping/>
+  </p:clrMapOvr>
+  <p:timing>
+    <p:tnLst>
+      <p:par>
+        <p:cTn id="1" dur="indefinite" restart="never" nodeType="tmRoot">
+          <p:childTnLst>
+            <p:seq concurrent="1" nextAc="seek">
+              <p:cTn id="2" dur="indefinite" nodeType="mainSeq">
+                <p:childTnLst>
+                  <p:par>
+                    <p:cTn id="3" fill="hold">
+                      <p:stCondLst>
+                        <p:cond delay="indefinite"/>
+                      </p:stCondLst>
+                      <p:childTnLst>
+                        <p:par>
+                          <p:cTn id="4" fill="hold">
+                            <p:stCondLst>
+                              <p:cond delay="0"/>
+                            </p:stCondLst>
+                            <p:childTnLst>
+                              <p:par>
+                                <p:cTn id="5" presetID="1" presetClass="entr" presetSubtype="0" fill="hold" nodeType="clickEffect">
+                                  <p:stCondLst>
+                                    <p:cond delay="0"/>
+                                  </p:stCondLst>
+                                  <p:childTnLst>
+                                    <p:set>
+                                      <p:cBhvr>
+                                        <p:cTn id="6" dur="1" fill="hold">
+                                          <p:stCondLst>
+                                            <p:cond delay="0"/>
+                                          </p:stCondLst>
+                                        </p:cTn>
+                                        <p:tgtEl>
+                                          <p:spTgt spid="4"/>
+                                        </p:tgtEl>
+                                        <p:attrNameLst>
+                                          <p:attrName>style.visibility</p:attrName>
+                                        </p:attrNameLst>
+                                      </p:cBhvr>
+                                      <p:to>
+                                        <p:strVal val="visible"/>
+                                      </p:to>
+                                    </p:set>
+                                  </p:childTnLst>
+                                </p:cTn>
+                              </p:par>
+                            </p:childTnLst>
+                          </p:cTn>
+                        </p:par>
+                      </p:childTnLst>
+                    </p:cTn>
+                  </p:par>
+                </p:childTnLst>
+              </p:cTn>
+              <p:prevCondLst>
+                <p:cond evt="onPrev" delay="0">
+                  <p:tgtEl>
+                    <p:sldTgt/>
+                  </p:tgtEl>
+                </p:cond>
+              </p:prevCondLst>
+              <p:nextCondLst>
+                <p:cond evt="onNext" delay="0">
+                  <p:tgtEl>
+                    <p:sldTgt/>
+                  </p:tgtEl>
+                </p:cond>
+              </p:nextCondLst>
+            </p:seq>
+          </p:childTnLst>
+        </p:cTn>
+      </p:par>
+    </p:tnLst>
+  </p:timing>
+</p:sld>
+</file>
+
+<file path=ppt/slides/slide9.xml><?xml version="1.0" encoding="utf-8"?>
+<p:sld xmlns:a="http://schemas.openxmlformats.org/drawingml/2006/main" xmlns:r="http://schemas.openxmlformats.org/officeDocument/2006/relationships" xmlns:p="http://schemas.openxmlformats.org/presentationml/2006/main">
+  <p:cSld>
+    <p:spTree>
+      <p:nvGrpSpPr>
+        <p:cNvPr id="1" name=""/>
+        <p:cNvGrpSpPr/>
+        <p:nvPr/>
+      </p:nvGrpSpPr>
+      <p:grpSpPr>
+        <a:xfrm>
+          <a:off x="0" y="0"/>
+          <a:ext cx="0" cy="0"/>
+          <a:chOff x="0" y="0"/>
+          <a:chExt cx="0" cy="0"/>
+        </a:xfrm>
+      </p:grpSpPr>
+      <p:sp>
+        <p:nvSpPr>
+          <p:cNvPr id="2" name="Titel 1">
+            <a:extLst>
+              <a:ext uri="{FF2B5EF4-FFF2-40B4-BE49-F238E27FC236}">
+                <a16:creationId xmlns:a16="http://schemas.microsoft.com/office/drawing/2014/main" id="{02772689-F573-492F-8B9D-09C866AF2AAB}"/>
+              </a:ext>
+            </a:extLst>
+          </p:cNvPr>
+          <p:cNvSpPr>
+            <a:spLocks noGrp="1"/>
+          </p:cNvSpPr>
+          <p:nvPr>
+            <p:ph type="title"/>
+          </p:nvPr>
+        </p:nvSpPr>
+        <p:spPr/>
+        <p:txBody>
+          <a:bodyPr/>
+          <a:lstStyle/>
+          <a:p>
+            <a:r>
+              <a:rPr lang="de-DE" dirty="0" err="1"/>
+              <a:t>Logarythmic</a:t>
+            </a:r>
+            <a:br>
+              <a:rPr lang="de-DE" dirty="0"/>
+            </a:br>
+            <a:r>
+              <a:rPr lang="de-DE" dirty="0" err="1"/>
+              <a:t>scaling</a:t>
+            </a:r>
+            <a:r>
+              <a:rPr lang="de-DE" dirty="0"/>
+              <a:t> or </a:t>
+            </a:r>
+            <a:r>
+              <a:rPr lang="de-DE" dirty="0" err="1"/>
+              <a:t>normalizing</a:t>
+            </a:r>
+            <a:r>
+              <a:rPr lang="de-DE" dirty="0"/>
+              <a:t> ?</a:t>
+            </a:r>
+          </a:p>
+        </p:txBody>
+      </p:sp>
+      <p:sp>
+        <p:nvSpPr>
+          <p:cNvPr id="3" name="Inhaltsplatzhalter 2">
+            <a:extLst>
+              <a:ext uri="{FF2B5EF4-FFF2-40B4-BE49-F238E27FC236}">
+                <a16:creationId xmlns:a16="http://schemas.microsoft.com/office/drawing/2014/main" id="{D19881F5-EBB6-42E0-9A41-BB475736093C}"/>
+              </a:ext>
+            </a:extLst>
+          </p:cNvPr>
+          <p:cNvSpPr>
+            <a:spLocks noGrp="1"/>
+          </p:cNvSpPr>
+          <p:nvPr>
+            <p:ph idx="1"/>
+          </p:nvPr>
+        </p:nvSpPr>
+        <p:spPr/>
+        <p:txBody>
+          <a:bodyPr/>
+          <a:lstStyle/>
+          <a:p>
+            <a:r>
+              <a:rPr lang="de-DE" dirty="0"/>
+              <a:t>Hier kommt ein </a:t>
+            </a:r>
+            <a:r>
+              <a:rPr lang="de-DE" dirty="0" err="1"/>
+              <a:t>bild</a:t>
+            </a:r>
+            <a:r>
+              <a:rPr lang="de-DE" dirty="0"/>
+              <a:t> von diesen hübschen neuen </a:t>
+            </a:r>
+            <a:r>
+              <a:rPr lang="de-DE" dirty="0" err="1"/>
+              <a:t>skrattar</a:t>
+            </a:r>
+            <a:r>
+              <a:rPr lang="de-DE" dirty="0"/>
+              <a:t> Plots hin</a:t>
+            </a:r>
+          </a:p>
+        </p:txBody>
+      </p:sp>
+    </p:spTree>
+    <p:extLst>
+      <p:ext uri="{BB962C8B-B14F-4D97-AF65-F5344CB8AC3E}">
+        <p14:creationId xmlns:p14="http://schemas.microsoft.com/office/powerpoint/2010/main" val="1316700749"/>
+      </p:ext>
+    </p:extLst>
+  </p:cSld>
+  <p:clrMapOvr>
+    <a:masterClrMapping/>
+  </p:clrMapOvr>
+</p:sld>
+</file>
+
 <file path=ppt/theme/theme1.xml><?xml version="1.0" encoding="utf-8"?>
 <a:theme xmlns:a="http://schemas.openxmlformats.org/drawingml/2006/main" name="Ausschnitt">
   <a:themeElements>

--- a/Project Proposal.pptx
+++ b/Project Proposal.pptx
@@ -10,12 +10,14 @@
     <p:sldId id="260" r:id="rId4"/>
     <p:sldId id="263" r:id="rId5"/>
     <p:sldId id="262" r:id="rId6"/>
-    <p:sldId id="259" r:id="rId7"/>
-    <p:sldId id="258" r:id="rId8"/>
-    <p:sldId id="261" r:id="rId9"/>
-    <p:sldId id="266" r:id="rId10"/>
-    <p:sldId id="264" r:id="rId11"/>
-    <p:sldId id="265" r:id="rId12"/>
+    <p:sldId id="268" r:id="rId7"/>
+    <p:sldId id="259" r:id="rId8"/>
+    <p:sldId id="258" r:id="rId9"/>
+    <p:sldId id="261" r:id="rId10"/>
+    <p:sldId id="266" r:id="rId11"/>
+    <p:sldId id="264" r:id="rId12"/>
+    <p:sldId id="265" r:id="rId13"/>
+    <p:sldId id="267" r:id="rId14"/>
   </p:sldIdLst>
   <p:sldSz cx="12192000" cy="6858000"/>
   <p:notesSz cx="6858000" cy="9144000"/>
@@ -17711,6 +17713,244 @@
           <p:cNvPr id="2" name="Titel 1">
             <a:extLst>
               <a:ext uri="{FF2B5EF4-FFF2-40B4-BE49-F238E27FC236}">
+                <a16:creationId xmlns:a16="http://schemas.microsoft.com/office/drawing/2014/main" id="{02772689-F573-492F-8B9D-09C866AF2AAB}"/>
+              </a:ext>
+            </a:extLst>
+          </p:cNvPr>
+          <p:cNvSpPr>
+            <a:spLocks noGrp="1"/>
+          </p:cNvSpPr>
+          <p:nvPr>
+            <p:ph type="title"/>
+          </p:nvPr>
+        </p:nvSpPr>
+        <p:spPr/>
+        <p:txBody>
+          <a:bodyPr/>
+          <a:lstStyle/>
+          <a:p>
+            <a:r>
+              <a:rPr lang="de-DE" dirty="0" err="1"/>
+              <a:t>Logarythmic</a:t>
+            </a:r>
+            <a:br>
+              <a:rPr lang="de-DE" dirty="0"/>
+            </a:br>
+            <a:r>
+              <a:rPr lang="de-DE" dirty="0" err="1"/>
+              <a:t>scaling</a:t>
+            </a:r>
+            <a:r>
+              <a:rPr lang="de-DE" dirty="0"/>
+              <a:t> or </a:t>
+            </a:r>
+            <a:r>
+              <a:rPr lang="de-DE" dirty="0" err="1"/>
+              <a:t>normalizing</a:t>
+            </a:r>
+            <a:r>
+              <a:rPr lang="de-DE" dirty="0"/>
+              <a:t> ?</a:t>
+            </a:r>
+          </a:p>
+        </p:txBody>
+      </p:sp>
+      <p:sp>
+        <p:nvSpPr>
+          <p:cNvPr id="3" name="Inhaltsplatzhalter 2">
+            <a:extLst>
+              <a:ext uri="{FF2B5EF4-FFF2-40B4-BE49-F238E27FC236}">
+                <a16:creationId xmlns:a16="http://schemas.microsoft.com/office/drawing/2014/main" id="{D19881F5-EBB6-42E0-9A41-BB475736093C}"/>
+              </a:ext>
+            </a:extLst>
+          </p:cNvPr>
+          <p:cNvSpPr>
+            <a:spLocks noGrp="1"/>
+          </p:cNvSpPr>
+          <p:nvPr>
+            <p:ph idx="1"/>
+          </p:nvPr>
+        </p:nvSpPr>
+        <p:spPr/>
+        <p:txBody>
+          <a:bodyPr/>
+          <a:lstStyle/>
+          <a:p>
+            <a:r>
+              <a:rPr lang="de-DE" dirty="0"/>
+              <a:t>Hier kommt ein </a:t>
+            </a:r>
+            <a:r>
+              <a:rPr lang="de-DE" dirty="0" err="1"/>
+              <a:t>bild</a:t>
+            </a:r>
+            <a:r>
+              <a:rPr lang="de-DE" dirty="0"/>
+              <a:t> von diesen hübschen neuen </a:t>
+            </a:r>
+            <a:r>
+              <a:rPr lang="de-DE" dirty="0" err="1"/>
+              <a:t>skrattar</a:t>
+            </a:r>
+            <a:r>
+              <a:rPr lang="de-DE" dirty="0"/>
+              <a:t> Plots hin</a:t>
+            </a:r>
+          </a:p>
+          <a:p>
+            <a:endParaRPr lang="de-DE" dirty="0"/>
+          </a:p>
+          <a:p>
+            <a:r>
+              <a:rPr lang="de-DE" dirty="0"/>
+              <a:t>Das vermutlich erst ans ende</a:t>
+            </a:r>
+          </a:p>
+        </p:txBody>
+      </p:sp>
+      <p:pic>
+        <p:nvPicPr>
+          <p:cNvPr id="5" name="Grafik 4" descr="Neuer Rollstuhl">
+            <a:extLst>
+              <a:ext uri="{FF2B5EF4-FFF2-40B4-BE49-F238E27FC236}">
+                <a16:creationId xmlns:a16="http://schemas.microsoft.com/office/drawing/2014/main" id="{6C08A08D-59BA-4506-84FE-C2620CDEB8EC}"/>
+              </a:ext>
+            </a:extLst>
+          </p:cNvPr>
+          <p:cNvPicPr>
+            <a:picLocks noChangeAspect="1"/>
+          </p:cNvPicPr>
+          <p:nvPr/>
+        </p:nvPicPr>
+        <p:blipFill>
+          <a:blip r:embed="rId2">
+            <a:extLst>
+              <a:ext uri="{96DAC541-7B7A-43D3-8B79-37D633B846F1}">
+                <asvg:svgBlip xmlns:asvg="http://schemas.microsoft.com/office/drawing/2016/SVG/main" r:embed="rId3"/>
+              </a:ext>
+            </a:extLst>
+          </a:blip>
+          <a:stretch>
+            <a:fillRect/>
+          </a:stretch>
+        </p:blipFill>
+        <p:spPr>
+          <a:xfrm>
+            <a:off x="5355056" y="4643401"/>
+            <a:ext cx="914400" cy="914400"/>
+          </a:xfrm>
+          <a:prstGeom prst="rect">
+            <a:avLst/>
+          </a:prstGeom>
+        </p:spPr>
+      </p:pic>
+      <p:pic>
+        <p:nvPicPr>
+          <p:cNvPr id="7" name="Grafik 6" descr="Gesicht mit Schnäuzer ohne Füllung">
+            <a:extLst>
+              <a:ext uri="{FF2B5EF4-FFF2-40B4-BE49-F238E27FC236}">
+                <a16:creationId xmlns:a16="http://schemas.microsoft.com/office/drawing/2014/main" id="{226A3007-1BED-48EF-B9F2-FCA90FEE0447}"/>
+              </a:ext>
+            </a:extLst>
+          </p:cNvPr>
+          <p:cNvPicPr>
+            <a:picLocks noChangeAspect="1"/>
+          </p:cNvPicPr>
+          <p:nvPr/>
+        </p:nvPicPr>
+        <p:blipFill>
+          <a:blip r:embed="rId4">
+            <a:extLst>
+              <a:ext uri="{96DAC541-7B7A-43D3-8B79-37D633B846F1}">
+                <asvg:svgBlip xmlns:asvg="http://schemas.microsoft.com/office/drawing/2016/SVG/main" r:embed="rId5"/>
+              </a:ext>
+            </a:extLst>
+          </a:blip>
+          <a:stretch>
+            <a:fillRect/>
+          </a:stretch>
+        </p:blipFill>
+        <p:spPr>
+          <a:xfrm>
+            <a:off x="4303062" y="4670381"/>
+            <a:ext cx="914400" cy="914400"/>
+          </a:xfrm>
+          <a:prstGeom prst="rect">
+            <a:avLst/>
+          </a:prstGeom>
+        </p:spPr>
+      </p:pic>
+      <p:pic>
+        <p:nvPicPr>
+          <p:cNvPr id="9" name="Grafik 8" descr="Gesicht mit Sonnenbrille ohne Füllung">
+            <a:extLst>
+              <a:ext uri="{FF2B5EF4-FFF2-40B4-BE49-F238E27FC236}">
+                <a16:creationId xmlns:a16="http://schemas.microsoft.com/office/drawing/2014/main" id="{25290B9C-BCB2-49F3-8786-1803E6C946D6}"/>
+              </a:ext>
+            </a:extLst>
+          </p:cNvPr>
+          <p:cNvPicPr>
+            <a:picLocks noChangeAspect="1"/>
+          </p:cNvPicPr>
+          <p:nvPr/>
+        </p:nvPicPr>
+        <p:blipFill>
+          <a:blip r:embed="rId6">
+            <a:extLst>
+              <a:ext uri="{96DAC541-7B7A-43D3-8B79-37D633B846F1}">
+                <asvg:svgBlip xmlns:asvg="http://schemas.microsoft.com/office/drawing/2016/SVG/main" r:embed="rId7"/>
+              </a:ext>
+            </a:extLst>
+          </a:blip>
+          <a:stretch>
+            <a:fillRect/>
+          </a:stretch>
+        </p:blipFill>
+        <p:spPr>
+          <a:xfrm>
+            <a:off x="6723531" y="4670381"/>
+            <a:ext cx="914400" cy="914400"/>
+          </a:xfrm>
+          <a:prstGeom prst="rect">
+            <a:avLst/>
+          </a:prstGeom>
+        </p:spPr>
+      </p:pic>
+    </p:spTree>
+    <p:extLst>
+      <p:ext uri="{BB962C8B-B14F-4D97-AF65-F5344CB8AC3E}">
+        <p14:creationId xmlns:p14="http://schemas.microsoft.com/office/powerpoint/2010/main" val="1316700749"/>
+      </p:ext>
+    </p:extLst>
+  </p:cSld>
+  <p:clrMapOvr>
+    <a:masterClrMapping/>
+  </p:clrMapOvr>
+</p:sld>
+</file>
+
+<file path=ppt/slides/slide11.xml><?xml version="1.0" encoding="utf-8"?>
+<p:sld xmlns:a="http://schemas.openxmlformats.org/drawingml/2006/main" xmlns:r="http://schemas.openxmlformats.org/officeDocument/2006/relationships" xmlns:p="http://schemas.openxmlformats.org/presentationml/2006/main">
+  <p:cSld>
+    <p:spTree>
+      <p:nvGrpSpPr>
+        <p:cNvPr id="1" name=""/>
+        <p:cNvGrpSpPr/>
+        <p:nvPr/>
+      </p:nvGrpSpPr>
+      <p:grpSpPr>
+        <a:xfrm>
+          <a:off x="0" y="0"/>
+          <a:ext cx="0" cy="0"/>
+          <a:chOff x="0" y="0"/>
+          <a:chExt cx="0" cy="0"/>
+        </a:xfrm>
+      </p:grpSpPr>
+      <p:sp>
+        <p:nvSpPr>
+          <p:cNvPr id="2" name="Titel 1">
+            <a:extLst>
+              <a:ext uri="{FF2B5EF4-FFF2-40B4-BE49-F238E27FC236}">
                 <a16:creationId xmlns:a16="http://schemas.microsoft.com/office/drawing/2014/main" id="{568F2C59-1472-497B-9097-00D0F5DCA36F}"/>
               </a:ext>
             </a:extLst>
@@ -17778,7 +18018,7 @@
 </p:sld>
 </file>
 
-<file path=ppt/slides/slide11.xml><?xml version="1.0" encoding="utf-8"?>
+<file path=ppt/slides/slide12.xml><?xml version="1.0" encoding="utf-8"?>
 <p:sld xmlns:a="http://schemas.openxmlformats.org/drawingml/2006/main" xmlns:r="http://schemas.openxmlformats.org/officeDocument/2006/relationships" xmlns:p="http://schemas.openxmlformats.org/presentationml/2006/main">
   <p:cSld>
     <p:spTree>
@@ -18450,6 +18690,124 @@
 </p:sld>
 </file>
 
+<file path=ppt/slides/slide13.xml><?xml version="1.0" encoding="utf-8"?>
+<p:sld xmlns:a="http://schemas.openxmlformats.org/drawingml/2006/main" xmlns:r="http://schemas.openxmlformats.org/officeDocument/2006/relationships" xmlns:p="http://schemas.openxmlformats.org/presentationml/2006/main">
+  <p:cSld>
+    <p:spTree>
+      <p:nvGrpSpPr>
+        <p:cNvPr id="1" name=""/>
+        <p:cNvGrpSpPr/>
+        <p:nvPr/>
+      </p:nvGrpSpPr>
+      <p:grpSpPr>
+        <a:xfrm>
+          <a:off x="0" y="0"/>
+          <a:ext cx="0" cy="0"/>
+          <a:chOff x="0" y="0"/>
+          <a:chExt cx="0" cy="0"/>
+        </a:xfrm>
+      </p:grpSpPr>
+      <p:sp>
+        <p:nvSpPr>
+          <p:cNvPr id="2" name="Titel 1">
+            <a:extLst>
+              <a:ext uri="{FF2B5EF4-FFF2-40B4-BE49-F238E27FC236}">
+                <a16:creationId xmlns:a16="http://schemas.microsoft.com/office/drawing/2014/main" id="{285364F3-9612-4BE6-88FB-BB936531B933}"/>
+              </a:ext>
+            </a:extLst>
+          </p:cNvPr>
+          <p:cNvSpPr>
+            <a:spLocks noGrp="1"/>
+          </p:cNvSpPr>
+          <p:nvPr>
+            <p:ph type="title"/>
+          </p:nvPr>
+        </p:nvSpPr>
+        <p:spPr/>
+        <p:txBody>
+          <a:bodyPr/>
+          <a:lstStyle/>
+          <a:p>
+            <a:r>
+              <a:rPr lang="en-US" dirty="0"/>
+              <a:t>Future plans</a:t>
+            </a:r>
+          </a:p>
+        </p:txBody>
+      </p:sp>
+      <p:sp>
+        <p:nvSpPr>
+          <p:cNvPr id="3" name="Inhaltsplatzhalter 2">
+            <a:extLst>
+              <a:ext uri="{FF2B5EF4-FFF2-40B4-BE49-F238E27FC236}">
+                <a16:creationId xmlns:a16="http://schemas.microsoft.com/office/drawing/2014/main" id="{E30B6216-4EDF-43B4-8F50-D42C46F7BC65}"/>
+              </a:ext>
+            </a:extLst>
+          </p:cNvPr>
+          <p:cNvSpPr>
+            <a:spLocks noGrp="1"/>
+          </p:cNvSpPr>
+          <p:nvPr>
+            <p:ph idx="1"/>
+          </p:nvPr>
+        </p:nvSpPr>
+        <p:spPr/>
+        <p:txBody>
+          <a:bodyPr/>
+          <a:lstStyle/>
+          <a:p>
+            <a:r>
+              <a:rPr lang="en-US" dirty="0"/>
+              <a:t>K means should take n-dimensional data (currently only 2 or 3)</a:t>
+            </a:r>
+          </a:p>
+          <a:p>
+            <a:r>
+              <a:rPr lang="en-US" dirty="0"/>
+              <a:t>Decide if we want to </a:t>
+            </a:r>
+            <a:r>
+              <a:rPr lang="en-US" dirty="0" err="1"/>
+              <a:t>logarithmize</a:t>
+            </a:r>
+            <a:r>
+              <a:rPr lang="en-US" dirty="0"/>
+              <a:t> the matrix</a:t>
+            </a:r>
+          </a:p>
+          <a:p>
+            <a:r>
+              <a:rPr lang="en-US" dirty="0"/>
+              <a:t>Mini batch</a:t>
+            </a:r>
+          </a:p>
+          <a:p>
+            <a:r>
+              <a:rPr lang="en-US"/>
+              <a:t>K-means++</a:t>
+            </a:r>
+          </a:p>
+          <a:p>
+            <a:endParaRPr lang="en-US" dirty="0"/>
+          </a:p>
+          <a:p>
+            <a:endParaRPr lang="en-US" dirty="0"/>
+          </a:p>
+        </p:txBody>
+      </p:sp>
+    </p:spTree>
+    <p:extLst>
+      <p:ext uri="{BB962C8B-B14F-4D97-AF65-F5344CB8AC3E}">
+        <p14:creationId xmlns:p14="http://schemas.microsoft.com/office/powerpoint/2010/main" val="3062573942"/>
+      </p:ext>
+    </p:extLst>
+  </p:cSld>
+  <p:clrMapOvr>
+    <a:masterClrMapping/>
+  </p:clrMapOvr>
+</p:sld>
+</file>
+
 <file path=ppt/slides/slide2.xml><?xml version="1.0" encoding="utf-8"?>
 <p:sld xmlns:a="http://schemas.openxmlformats.org/drawingml/2006/main" xmlns:r="http://schemas.openxmlformats.org/officeDocument/2006/relationships" xmlns:p="http://schemas.openxmlformats.org/presentationml/2006/main">
   <p:cSld>
@@ -18951,6 +19309,164 @@
 <file path=ppt/slides/slide6.xml><?xml version="1.0" encoding="utf-8"?>
 <p:sld xmlns:a="http://schemas.openxmlformats.org/drawingml/2006/main" xmlns:r="http://schemas.openxmlformats.org/officeDocument/2006/relationships" xmlns:p="http://schemas.openxmlformats.org/presentationml/2006/main">
   <p:cSld>
+    <p:bg>
+      <p:bgPr>
+        <a:solidFill>
+          <a:schemeClr val="tx1"/>
+        </a:solidFill>
+        <a:effectLst/>
+      </p:bgPr>
+    </p:bg>
+    <p:spTree>
+      <p:nvGrpSpPr>
+        <p:cNvPr id="1" name=""/>
+        <p:cNvGrpSpPr/>
+        <p:nvPr/>
+      </p:nvGrpSpPr>
+      <p:grpSpPr>
+        <a:xfrm>
+          <a:off x="0" y="0"/>
+          <a:ext cx="0" cy="0"/>
+          <a:chOff x="0" y="0"/>
+          <a:chExt cx="0" cy="0"/>
+        </a:xfrm>
+      </p:grpSpPr>
+      <p:sp useBgFill="1">
+        <p:nvSpPr>
+          <p:cNvPr id="10" name="Rectangle 9">
+            <a:extLst>
+              <a:ext uri="{FF2B5EF4-FFF2-40B4-BE49-F238E27FC236}">
+                <a16:creationId xmlns:a16="http://schemas.microsoft.com/office/drawing/2014/main" id="{3A3D0CF5-C0A0-4195-804D-B82489B1D71B}"/>
+              </a:ext>
+              <a:ext uri="{C183D7F6-B498-43B3-948B-1728B52AA6E4}">
+                <adec:decorative xmlns:adec="http://schemas.microsoft.com/office/drawing/2017/decorative" val="1"/>
+              </a:ext>
+            </a:extLst>
+          </p:cNvPr>
+          <p:cNvSpPr>
+            <a:spLocks noGrp="1" noRot="1" noChangeAspect="1" noMove="1" noResize="1" noEditPoints="1" noAdjustHandles="1" noChangeArrowheads="1" noChangeShapeType="1" noTextEdit="1"/>
+          </p:cNvSpPr>
+          <p:nvPr>
+            <p:extLst>
+              <p:ext uri="{386F3935-93C4-4BCD-93E2-E3B085C9AB24}">
+                <p16:designElem xmlns:p16="http://schemas.microsoft.com/office/powerpoint/2015/main" val="1"/>
+              </p:ext>
+            </p:extLst>
+          </p:nvPr>
+        </p:nvSpPr>
+        <p:spPr>
+          <a:xfrm>
+            <a:off x="0" y="0"/>
+            <a:ext cx="12192000" cy="6858000"/>
+          </a:xfrm>
+          <a:prstGeom prst="rect">
+            <a:avLst/>
+          </a:prstGeom>
+          <a:ln>
+            <a:noFill/>
+          </a:ln>
+        </p:spPr>
+        <p:style>
+          <a:lnRef idx="2">
+            <a:schemeClr val="accent1">
+              <a:shade val="50000"/>
+            </a:schemeClr>
+          </a:lnRef>
+          <a:fillRef idx="1">
+            <a:schemeClr val="accent1"/>
+          </a:fillRef>
+          <a:effectRef idx="0">
+            <a:schemeClr val="accent1"/>
+          </a:effectRef>
+          <a:fontRef idx="minor">
+            <a:schemeClr val="lt1"/>
+          </a:fontRef>
+        </p:style>
+        <p:txBody>
+          <a:bodyPr rtlCol="0" anchor="ctr"/>
+          <a:lstStyle/>
+          <a:p>
+            <a:pPr algn="ctr"/>
+            <a:endParaRPr lang="en-US"/>
+          </a:p>
+        </p:txBody>
+      </p:sp>
+      <p:pic>
+        <p:nvPicPr>
+          <p:cNvPr id="4" name="Grafik 3">
+            <a:extLst>
+              <a:ext uri="{FF2B5EF4-FFF2-40B4-BE49-F238E27FC236}">
+                <a16:creationId xmlns:a16="http://schemas.microsoft.com/office/drawing/2014/main" id="{668972C0-9343-48DA-8912-E11AF6EE87F1}"/>
+              </a:ext>
+            </a:extLst>
+          </p:cNvPr>
+          <p:cNvPicPr>
+            <a:picLocks noChangeAspect="1"/>
+          </p:cNvPicPr>
+          <p:nvPr/>
+        </p:nvPicPr>
+        <p:blipFill>
+          <a:blip r:embed="rId2"/>
+          <a:stretch>
+            <a:fillRect/>
+          </a:stretch>
+        </p:blipFill>
+        <p:spPr>
+          <a:xfrm>
+            <a:off x="3364543" y="59067"/>
+            <a:ext cx="5884831" cy="3148382"/>
+          </a:xfrm>
+          <a:prstGeom prst="rect">
+            <a:avLst/>
+          </a:prstGeom>
+        </p:spPr>
+      </p:pic>
+      <p:pic>
+        <p:nvPicPr>
+          <p:cNvPr id="5" name="Grafik 4">
+            <a:extLst>
+              <a:ext uri="{FF2B5EF4-FFF2-40B4-BE49-F238E27FC236}">
+                <a16:creationId xmlns:a16="http://schemas.microsoft.com/office/drawing/2014/main" id="{2FE1595E-538C-42F6-AFFA-81589780F40D}"/>
+              </a:ext>
+            </a:extLst>
+          </p:cNvPr>
+          <p:cNvPicPr>
+            <a:picLocks noChangeAspect="1"/>
+          </p:cNvPicPr>
+          <p:nvPr/>
+        </p:nvPicPr>
+        <p:blipFill>
+          <a:blip r:embed="rId3"/>
+          <a:stretch>
+            <a:fillRect/>
+          </a:stretch>
+        </p:blipFill>
+        <p:spPr>
+          <a:xfrm>
+            <a:off x="3364543" y="3207448"/>
+            <a:ext cx="5884831" cy="3118958"/>
+          </a:xfrm>
+          <a:prstGeom prst="rect">
+            <a:avLst/>
+          </a:prstGeom>
+        </p:spPr>
+      </p:pic>
+    </p:spTree>
+    <p:extLst>
+      <p:ext uri="{BB962C8B-B14F-4D97-AF65-F5344CB8AC3E}">
+        <p14:creationId xmlns:p14="http://schemas.microsoft.com/office/powerpoint/2010/main" val="2106281244"/>
+      </p:ext>
+    </p:extLst>
+  </p:cSld>
+  <p:clrMapOvr>
+    <a:masterClrMapping/>
+  </p:clrMapOvr>
+</p:sld>
+</file>
+
+<file path=ppt/slides/slide7.xml><?xml version="1.0" encoding="utf-8"?>
+<p:sld xmlns:a="http://schemas.openxmlformats.org/drawingml/2006/main" xmlns:r="http://schemas.openxmlformats.org/officeDocument/2006/relationships" xmlns:p="http://schemas.openxmlformats.org/presentationml/2006/main">
+  <p:cSld>
     <p:spTree>
       <p:nvGrpSpPr>
         <p:cNvPr id="1" name=""/>
@@ -19207,7 +19723,7 @@
 </p:sld>
 </file>
 
-<file path=ppt/slides/slide7.xml><?xml version="1.0" encoding="utf-8"?>
+<file path=ppt/slides/slide8.xml><?xml version="1.0" encoding="utf-8"?>
 <p:sld xmlns:a="http://schemas.openxmlformats.org/drawingml/2006/main" xmlns:r="http://schemas.openxmlformats.org/officeDocument/2006/relationships" xmlns:p="http://schemas.openxmlformats.org/presentationml/2006/main">
   <p:cSld>
     <p:spTree>
@@ -19485,7 +20001,7 @@
 </p:sld>
 </file>
 
-<file path=ppt/slides/slide8.xml><?xml version="1.0" encoding="utf-8"?>
+<file path=ppt/slides/slide9.xml><?xml version="1.0" encoding="utf-8"?>
 <p:sld xmlns:a="http://schemas.openxmlformats.org/drawingml/2006/main" xmlns:r="http://schemas.openxmlformats.org/officeDocument/2006/relationships" xmlns:p="http://schemas.openxmlformats.org/presentationml/2006/main">
   <p:cSld>
     <p:spTree>
@@ -19765,127 +20281,6 @@
 </p:sld>
 </file>
 
-<file path=ppt/slides/slide9.xml><?xml version="1.0" encoding="utf-8"?>
-<p:sld xmlns:a="http://schemas.openxmlformats.org/drawingml/2006/main" xmlns:r="http://schemas.openxmlformats.org/officeDocument/2006/relationships" xmlns:p="http://schemas.openxmlformats.org/presentationml/2006/main">
-  <p:cSld>
-    <p:spTree>
-      <p:nvGrpSpPr>
-        <p:cNvPr id="1" name=""/>
-        <p:cNvGrpSpPr/>
-        <p:nvPr/>
-      </p:nvGrpSpPr>
-      <p:grpSpPr>
-        <a:xfrm>
-          <a:off x="0" y="0"/>
-          <a:ext cx="0" cy="0"/>
-          <a:chOff x="0" y="0"/>
-          <a:chExt cx="0" cy="0"/>
-        </a:xfrm>
-      </p:grpSpPr>
-      <p:sp>
-        <p:nvSpPr>
-          <p:cNvPr id="2" name="Titel 1">
-            <a:extLst>
-              <a:ext uri="{FF2B5EF4-FFF2-40B4-BE49-F238E27FC236}">
-                <a16:creationId xmlns:a16="http://schemas.microsoft.com/office/drawing/2014/main" id="{02772689-F573-492F-8B9D-09C866AF2AAB}"/>
-              </a:ext>
-            </a:extLst>
-          </p:cNvPr>
-          <p:cNvSpPr>
-            <a:spLocks noGrp="1"/>
-          </p:cNvSpPr>
-          <p:nvPr>
-            <p:ph type="title"/>
-          </p:nvPr>
-        </p:nvSpPr>
-        <p:spPr/>
-        <p:txBody>
-          <a:bodyPr/>
-          <a:lstStyle/>
-          <a:p>
-            <a:r>
-              <a:rPr lang="de-DE" dirty="0" err="1"/>
-              <a:t>Logarythmic</a:t>
-            </a:r>
-            <a:br>
-              <a:rPr lang="de-DE" dirty="0"/>
-            </a:br>
-            <a:r>
-              <a:rPr lang="de-DE" dirty="0" err="1"/>
-              <a:t>scaling</a:t>
-            </a:r>
-            <a:r>
-              <a:rPr lang="de-DE" dirty="0"/>
-              <a:t> or </a:t>
-            </a:r>
-            <a:r>
-              <a:rPr lang="de-DE" dirty="0" err="1"/>
-              <a:t>normalizing</a:t>
-            </a:r>
-            <a:r>
-              <a:rPr lang="de-DE" dirty="0"/>
-              <a:t> ?</a:t>
-            </a:r>
-          </a:p>
-        </p:txBody>
-      </p:sp>
-      <p:sp>
-        <p:nvSpPr>
-          <p:cNvPr id="3" name="Inhaltsplatzhalter 2">
-            <a:extLst>
-              <a:ext uri="{FF2B5EF4-FFF2-40B4-BE49-F238E27FC236}">
-                <a16:creationId xmlns:a16="http://schemas.microsoft.com/office/drawing/2014/main" id="{D19881F5-EBB6-42E0-9A41-BB475736093C}"/>
-              </a:ext>
-            </a:extLst>
-          </p:cNvPr>
-          <p:cNvSpPr>
-            <a:spLocks noGrp="1"/>
-          </p:cNvSpPr>
-          <p:nvPr>
-            <p:ph idx="1"/>
-          </p:nvPr>
-        </p:nvSpPr>
-        <p:spPr/>
-        <p:txBody>
-          <a:bodyPr/>
-          <a:lstStyle/>
-          <a:p>
-            <a:r>
-              <a:rPr lang="de-DE" dirty="0"/>
-              <a:t>Hier kommt ein </a:t>
-            </a:r>
-            <a:r>
-              <a:rPr lang="de-DE" dirty="0" err="1"/>
-              <a:t>bild</a:t>
-            </a:r>
-            <a:r>
-              <a:rPr lang="de-DE" dirty="0"/>
-              <a:t> von diesen hübschen neuen </a:t>
-            </a:r>
-            <a:r>
-              <a:rPr lang="de-DE" dirty="0" err="1"/>
-              <a:t>skrattar</a:t>
-            </a:r>
-            <a:r>
-              <a:rPr lang="de-DE" dirty="0"/>
-              <a:t> Plots hin</a:t>
-            </a:r>
-          </a:p>
-        </p:txBody>
-      </p:sp>
-    </p:spTree>
-    <p:extLst>
-      <p:ext uri="{BB962C8B-B14F-4D97-AF65-F5344CB8AC3E}">
-        <p14:creationId xmlns:p14="http://schemas.microsoft.com/office/powerpoint/2010/main" val="1316700749"/>
-      </p:ext>
-    </p:extLst>
-  </p:cSld>
-  <p:clrMapOvr>
-    <a:masterClrMapping/>
-  </p:clrMapOvr>
-</p:sld>
-</file>
-
 <file path=ppt/theme/theme1.xml><?xml version="1.0" encoding="utf-8"?>
 <a:theme xmlns:a="http://schemas.openxmlformats.org/drawingml/2006/main" name="Ausschnitt">
   <a:themeElements>

--- a/Project Proposal.pptx
+++ b/Project Proposal.pptx
@@ -30366,42 +30366,9 @@
             <a:endParaRPr lang="de-DE" dirty="0"/>
           </a:p>
           <a:p>
-            <a:pPr lvl="1"/>
-            <a:r>
-              <a:rPr lang="de-DE" dirty="0" err="1"/>
-              <a:t>Normalize</a:t>
-            </a:r>
-            <a:r>
-              <a:rPr lang="de-DE" dirty="0"/>
-              <a:t> or </a:t>
-            </a:r>
-            <a:r>
-              <a:rPr lang="de-DE" dirty="0" err="1"/>
-              <a:t>scale</a:t>
-            </a:r>
-            <a:r>
-              <a:rPr lang="de-DE" dirty="0"/>
-              <a:t> </a:t>
-            </a:r>
-            <a:r>
-              <a:rPr lang="de-DE" dirty="0" err="1"/>
-              <a:t>data</a:t>
-            </a:r>
-            <a:r>
-              <a:rPr lang="de-DE" dirty="0"/>
-              <a:t> </a:t>
-            </a:r>
-            <a:r>
-              <a:rPr lang="de-DE" dirty="0" err="1"/>
-              <a:t>differently</a:t>
-            </a:r>
-            <a:r>
-              <a:rPr lang="de-DE" dirty="0"/>
-              <a:t> ?</a:t>
-            </a:r>
-          </a:p>
-          <a:p>
-            <a:pPr lvl="1"/>
+            <a:pPr marL="530352" lvl="1" indent="0">
+              <a:buNone/>
+            </a:pPr>
             <a:endParaRPr lang="de-DE" dirty="0"/>
           </a:p>
           <a:p>
@@ -30416,10 +30383,10 @@
       </p:sp>
       <p:pic>
         <p:nvPicPr>
-          <p:cNvPr id="4" name="Grafik 3">
+          <p:cNvPr id="5" name="Grafik 4">
             <a:extLst>
               <a:ext uri="{FF2B5EF4-FFF2-40B4-BE49-F238E27FC236}">
-                <a16:creationId xmlns:a16="http://schemas.microsoft.com/office/drawing/2014/main" id="{80CC5D00-C4B3-4C0A-A582-12C44880DF18}"/>
+                <a16:creationId xmlns:a16="http://schemas.microsoft.com/office/drawing/2014/main" id="{F53126FB-B72E-481E-9DFC-75BF6F1F49E8}"/>
               </a:ext>
             </a:extLst>
           </p:cNvPr>
@@ -30428,15 +30395,16 @@
           </p:cNvPicPr>
           <p:nvPr/>
         </p:nvPicPr>
-        <p:blipFill rotWithShape="1">
+        <p:blipFill>
           <a:blip r:embed="rId2"/>
-          <a:srcRect l="7513" r="20149"/>
-          <a:stretch/>
+          <a:stretch>
+            <a:fillRect/>
+          </a:stretch>
         </p:blipFill>
         <p:spPr>
           <a:xfrm>
-            <a:off x="5938684" y="2681317"/>
-            <a:ext cx="5919018" cy="1823710"/>
+            <a:off x="6686550" y="2854342"/>
+            <a:ext cx="4286250" cy="1323975"/>
           </a:xfrm>
           <a:prstGeom prst="rect">
             <a:avLst/>
@@ -30970,7 +30938,7 @@
                                           </p:stCondLst>
                                         </p:cTn>
                                         <p:tgtEl>
-                                          <p:spTgt spid="4"/>
+                                          <p:spTgt spid="21"/>
                                         </p:tgtEl>
                                         <p:attrNameLst>
                                           <p:attrName>style.visibility</p:attrName>

--- a/Project Proposal.pptx
+++ b/Project Proposal.pptx
@@ -127,6 +127,41 @@
     </p:ext>
   </p:extLst>
 </p:presentation>
+</file>
+
+<file path=ppt/commentAuthors.xml><?xml version="1.0" encoding="utf-8"?>
+<p:cmAuthorLst xmlns:a="http://schemas.openxmlformats.org/drawingml/2006/main" xmlns:r="http://schemas.openxmlformats.org/officeDocument/2006/relationships" xmlns:p="http://schemas.openxmlformats.org/presentationml/2006/main">
+  <p:cmAuthor id="1" name="Bastian Eichmüller" initials="BE" lastIdx="2" clrIdx="0">
+    <p:extLst>
+      <p:ext uri="{19B8F6BF-5375-455C-9EA6-DF929625EA0E}">
+        <p15:presenceInfo xmlns:p15="http://schemas.microsoft.com/office/powerpoint/2012/main" userId="f008cda6e74367f4" providerId="Windows Live"/>
+      </p:ext>
+    </p:extLst>
+  </p:cmAuthor>
+</p:cmAuthorLst>
+</file>
+
+<file path=ppt/comments/comment1.xml><?xml version="1.0" encoding="utf-8"?>
+<p:cmLst xmlns:a="http://schemas.openxmlformats.org/drawingml/2006/main" xmlns:r="http://schemas.openxmlformats.org/officeDocument/2006/relationships" xmlns:p="http://schemas.openxmlformats.org/presentationml/2006/main">
+  <p:cm authorId="1" dt="2019-05-13T17:39:53.862" idx="1">
+    <p:pos x="1434" y="952"/>
+    <p:text>+ our k-means should work in n dimensions</p:text>
+    <p:extLst>
+      <p:ext uri="{C676402C-5697-4E1C-873F-D02D1690AC5C}">
+        <p15:threadingInfo xmlns:p15="http://schemas.microsoft.com/office/powerpoint/2012/main" timeZoneBias="-120"/>
+      </p:ext>
+    </p:extLst>
+  </p:cm>
+  <p:cm authorId="1" dt="2019-05-13T17:40:53.462" idx="2">
+    <p:pos x="1702" y="966"/>
+    <p:text>+ logarithmisieren der matrix</p:text>
+    <p:extLst>
+      <p:ext uri="{C676402C-5697-4E1C-873F-D02D1690AC5C}">
+        <p15:threadingInfo xmlns:p15="http://schemas.microsoft.com/office/powerpoint/2012/main" timeZoneBias="-120"/>
+      </p:ext>
+    </p:extLst>
+  </p:cm>
+</p:cmLst>
 </file>
 
 <file path=ppt/diagrams/colors1.xml><?xml version="1.0" encoding="utf-8"?>
@@ -29300,7 +29335,7 @@
             </a:br>
             <a:r>
               <a:rPr lang="de-DE" dirty="0"/>
-              <a:t>Juni</a:t>
+              <a:t>June</a:t>
             </a:r>
             <a:br>
               <a:rPr lang="de-DE" dirty="0"/>

--- a/Project Proposal.pptx
+++ b/Project Proposal.pptx
@@ -12,13 +12,13 @@
     <p:sldId id="257" r:id="rId3"/>
     <p:sldId id="260" r:id="rId4"/>
     <p:sldId id="263" r:id="rId5"/>
-    <p:sldId id="262" r:id="rId6"/>
-    <p:sldId id="268" r:id="rId7"/>
-    <p:sldId id="259" r:id="rId8"/>
-    <p:sldId id="258" r:id="rId9"/>
-    <p:sldId id="261" r:id="rId10"/>
-    <p:sldId id="264" r:id="rId11"/>
-    <p:sldId id="265" r:id="rId12"/>
+    <p:sldId id="268" r:id="rId6"/>
+    <p:sldId id="259" r:id="rId7"/>
+    <p:sldId id="258" r:id="rId8"/>
+    <p:sldId id="261" r:id="rId9"/>
+    <p:sldId id="264" r:id="rId10"/>
+    <p:sldId id="265" r:id="rId11"/>
+    <p:sldId id="272" r:id="rId12"/>
     <p:sldId id="269" r:id="rId13"/>
     <p:sldId id="270" r:id="rId14"/>
     <p:sldId id="266" r:id="rId15"/>
@@ -7087,7 +7087,7 @@
       <dgm:spPr/>
     </dgm:pt>
     <dgm:pt modelId="{1F3526C0-F05E-417F-85BE-BE17C3DBE7F0}" type="pres">
-      <dgm:prSet presAssocID="{3E5A51D5-80C3-4C0A-B034-4C9387C12780}" presName="childTextBox" presStyleLbl="fgAccFollowNode1" presStyleIdx="1" presStyleCnt="8">
+      <dgm:prSet presAssocID="{3E5A51D5-80C3-4C0A-B034-4C9387C12780}" presName="childTextBox" presStyleLbl="fgAccFollowNode1" presStyleIdx="1" presStyleCnt="8" custLinFactNeighborY="1005">
         <dgm:presLayoutVars>
           <dgm:bulletEnabled val="1"/>
         </dgm:presLayoutVars>
@@ -9928,7 +9928,7 @@
       </dsp:nvSpPr>
       <dsp:spPr>
         <a:xfrm>
-          <a:off x="4800600" y="4414839"/>
+          <a:off x="4800600" y="4418848"/>
           <a:ext cx="4800600" cy="398913"/>
         </a:xfrm>
         <a:prstGeom prst="rect">
@@ -9996,7 +9996,7 @@
         </a:p>
       </dsp:txBody>
       <dsp:txXfrm>
-        <a:off x="4800600" y="4414839"/>
+        <a:off x="4800600" y="4418848"/>
         <a:ext cx="4800600" cy="398913"/>
       </dsp:txXfrm>
     </dsp:sp>
@@ -23738,7 +23738,7 @@
           <a:p>
             <a:fld id="{E7E59A38-91BB-4C93-A3BD-B3DAC61A8C6D}" type="datetimeFigureOut">
               <a:rPr lang="de-DE" smtClean="0"/>
-              <a:t>13.05.2019</a:t>
+              <a:t>14.05.2019</a:t>
             </a:fld>
             <a:endParaRPr lang="de-DE"/>
           </a:p>
@@ -24258,7 +24258,7 @@
           <a:p>
             <a:fld id="{4AAD347D-5ACD-4C99-B74B-A9C85AD731AF}" type="datetimeFigureOut">
               <a:rPr lang="en-US" smtClean="0"/>
-              <a:t>5/13/2019</a:t>
+              <a:t>5/14/2019</a:t>
             </a:fld>
             <a:endParaRPr lang="en-US" dirty="0"/>
           </a:p>
@@ -24588,7 +24588,7 @@
           <a:p>
             <a:fld id="{4509A250-FF31-4206-8172-F9D3106AACB1}" type="datetimeFigureOut">
               <a:rPr lang="en-US" smtClean="0"/>
-              <a:t>5/13/2019</a:t>
+              <a:t>5/14/2019</a:t>
             </a:fld>
             <a:endParaRPr lang="en-US" dirty="0"/>
           </a:p>
@@ -24768,7 +24768,7 @@
           <a:p>
             <a:fld id="{4509A250-FF31-4206-8172-F9D3106AACB1}" type="datetimeFigureOut">
               <a:rPr lang="en-US" smtClean="0"/>
-              <a:t>5/13/2019</a:t>
+              <a:t>5/14/2019</a:t>
             </a:fld>
             <a:endParaRPr lang="en-US" dirty="0"/>
           </a:p>
@@ -24938,7 +24938,7 @@
           <a:p>
             <a:fld id="{4509A250-FF31-4206-8172-F9D3106AACB1}" type="datetimeFigureOut">
               <a:rPr lang="en-US" smtClean="0"/>
-              <a:t>5/13/2019</a:t>
+              <a:t>5/14/2019</a:t>
             </a:fld>
             <a:endParaRPr lang="en-US" dirty="0"/>
           </a:p>
@@ -25215,7 +25215,7 @@
           <a:p>
             <a:fld id="{9796027F-7875-4030-9381-8BD8C4F21935}" type="datetimeFigureOut">
               <a:rPr lang="en-US" smtClean="0"/>
-              <a:t>5/13/2019</a:t>
+              <a:t>5/14/2019</a:t>
             </a:fld>
             <a:endParaRPr lang="en-US" dirty="0"/>
           </a:p>
@@ -25609,7 +25609,7 @@
           <a:p>
             <a:fld id="{9796027F-7875-4030-9381-8BD8C4F21935}" type="datetimeFigureOut">
               <a:rPr lang="en-US" smtClean="0"/>
-              <a:t>5/13/2019</a:t>
+              <a:t>5/14/2019</a:t>
             </a:fld>
             <a:endParaRPr lang="en-US" dirty="0"/>
           </a:p>
@@ -26086,7 +26086,7 @@
           <a:p>
             <a:fld id="{9796027F-7875-4030-9381-8BD8C4F21935}" type="datetimeFigureOut">
               <a:rPr lang="en-US" smtClean="0"/>
-              <a:t>5/13/2019</a:t>
+              <a:t>5/14/2019</a:t>
             </a:fld>
             <a:endParaRPr lang="en-US" dirty="0"/>
           </a:p>
@@ -26204,7 +26204,7 @@
           <a:p>
             <a:fld id="{4509A250-FF31-4206-8172-F9D3106AACB1}" type="datetimeFigureOut">
               <a:rPr lang="en-US" smtClean="0"/>
-              <a:t>5/13/2019</a:t>
+              <a:t>5/14/2019</a:t>
             </a:fld>
             <a:endParaRPr lang="en-US" dirty="0"/>
           </a:p>
@@ -26299,7 +26299,7 @@
           <a:p>
             <a:fld id="{4509A250-FF31-4206-8172-F9D3106AACB1}" type="datetimeFigureOut">
               <a:rPr lang="en-US" smtClean="0"/>
-              <a:t>5/13/2019</a:t>
+              <a:t>5/14/2019</a:t>
             </a:fld>
             <a:endParaRPr lang="en-US" dirty="0"/>
           </a:p>
@@ -26645,7 +26645,7 @@
           <a:p>
             <a:fld id="{4509A250-FF31-4206-8172-F9D3106AACB1}" type="datetimeFigureOut">
               <a:rPr lang="en-US" smtClean="0"/>
-              <a:t>5/13/2019</a:t>
+              <a:t>5/14/2019</a:t>
             </a:fld>
             <a:endParaRPr lang="en-US" dirty="0"/>
           </a:p>
@@ -27033,7 +27033,7 @@
           <a:p>
             <a:fld id="{4509A250-FF31-4206-8172-F9D3106AACB1}" type="datetimeFigureOut">
               <a:rPr lang="en-US" smtClean="0"/>
-              <a:t>5/13/2019</a:t>
+              <a:t>5/14/2019</a:t>
             </a:fld>
             <a:endParaRPr lang="en-US" dirty="0"/>
           </a:p>
@@ -27311,7 +27311,7 @@
           <a:p>
             <a:fld id="{4AAD347D-5ACD-4C99-B74B-A9C85AD731AF}" type="datetimeFigureOut">
               <a:rPr lang="en-US" smtClean="0"/>
-              <a:t>5/13/2019</a:t>
+              <a:t>5/14/2019</a:t>
             </a:fld>
             <a:endParaRPr lang="en-US" dirty="0"/>
           </a:p>
@@ -27832,36 +27832,6 @@
           <a:chExt cx="0" cy="0"/>
         </a:xfrm>
       </p:grpSpPr>
-      <p:pic>
-        <p:nvPicPr>
-          <p:cNvPr id="6" name="Grafik 5">
-            <a:extLst>
-              <a:ext uri="{FF2B5EF4-FFF2-40B4-BE49-F238E27FC236}">
-                <a16:creationId xmlns:a16="http://schemas.microsoft.com/office/drawing/2014/main" id="{163D5152-CF7D-4470-8F43-2741A8C04446}"/>
-              </a:ext>
-            </a:extLst>
-          </p:cNvPr>
-          <p:cNvPicPr>
-            <a:picLocks noChangeAspect="1"/>
-          </p:cNvPicPr>
-          <p:nvPr/>
-        </p:nvPicPr>
-        <p:blipFill>
-          <a:blip r:embed="rId2"/>
-          <a:stretch>
-            <a:fillRect/>
-          </a:stretch>
-        </p:blipFill>
-        <p:spPr>
-          <a:xfrm>
-            <a:off x="634275" y="901735"/>
-            <a:ext cx="6900380" cy="5054529"/>
-          </a:xfrm>
-          <a:prstGeom prst="rect">
-            <a:avLst/>
-          </a:prstGeom>
-        </p:spPr>
-      </p:pic>
       <p:sp>
         <p:nvSpPr>
           <p:cNvPr id="2" name="Titel 1">
@@ -27892,36 +27862,8 @@
           <a:p>
             <a:pPr algn="l"/>
             <a:r>
-              <a:rPr lang="de-DE" sz="4100" dirty="0"/>
-              <a:t>K-</a:t>
-            </a:r>
-            <a:r>
-              <a:rPr lang="de-DE" sz="4100" dirty="0" err="1"/>
-              <a:t>means</a:t>
-            </a:r>
-            <a:r>
-              <a:rPr lang="de-DE" sz="4100" dirty="0"/>
-              <a:t> </a:t>
-            </a:r>
-            <a:r>
-              <a:rPr lang="de-DE" sz="4100" dirty="0" err="1"/>
-              <a:t>clustering</a:t>
-            </a:r>
-            <a:r>
-              <a:rPr lang="de-DE" sz="4100" dirty="0"/>
-              <a:t> </a:t>
-            </a:r>
-            <a:r>
-              <a:rPr lang="de-DE" sz="4100" dirty="0" err="1"/>
-              <a:t>project</a:t>
-            </a:r>
-            <a:r>
-              <a:rPr lang="de-DE" sz="4100" dirty="0"/>
-              <a:t> </a:t>
-            </a:r>
-            <a:r>
-              <a:rPr lang="de-DE" sz="4100" dirty="0" err="1"/>
-              <a:t>proposal</a:t>
+              <a:rPr lang="de-DE" sz="4100"/>
+              <a:t>K-means clustering project proposal</a:t>
             </a:r>
             <a:endParaRPr lang="de-DE" sz="4100" dirty="0"/>
           </a:p>
@@ -27971,6 +27913,35 @@
           </a:p>
         </p:txBody>
       </p:sp>
+      <p:pic>
+        <p:nvPicPr>
+          <p:cNvPr id="5" name="Grafik 4">
+            <a:extLst>
+              <a:ext uri="{FF2B5EF4-FFF2-40B4-BE49-F238E27FC236}">
+                <a16:creationId xmlns:a16="http://schemas.microsoft.com/office/drawing/2014/main" id="{8D179E43-D436-4D50-8F8C-8BFD1548BDF3}"/>
+              </a:ext>
+            </a:extLst>
+          </p:cNvPr>
+          <p:cNvPicPr>
+            <a:picLocks noChangeAspect="1"/>
+          </p:cNvPicPr>
+          <p:nvPr/>
+        </p:nvPicPr>
+        <p:blipFill rotWithShape="1">
+          <a:blip r:embed="rId2"/>
+          <a:srcRect t="-1" b="2236"/>
+          <a:stretch/>
+        </p:blipFill>
+        <p:spPr>
+          <a:xfrm>
+            <a:off x="1372764" y="1314922"/>
+            <a:ext cx="6206765" cy="4392704"/>
+          </a:xfrm>
+          <a:prstGeom prst="rect">
+            <a:avLst/>
+          </a:prstGeom>
+        </p:spPr>
+      </p:pic>
     </p:spTree>
     <p:extLst>
       <p:ext uri="{BB962C8B-B14F-4D97-AF65-F5344CB8AC3E}">
@@ -27985,95 +27956,6 @@
 </file>
 
 <file path=ppt/slides/slide10.xml><?xml version="1.0" encoding="utf-8"?>
-<p:sld xmlns:a="http://schemas.openxmlformats.org/drawingml/2006/main" xmlns:r="http://schemas.openxmlformats.org/officeDocument/2006/relationships" xmlns:p="http://schemas.openxmlformats.org/presentationml/2006/main">
-  <p:cSld>
-    <p:spTree>
-      <p:nvGrpSpPr>
-        <p:cNvPr id="1" name=""/>
-        <p:cNvGrpSpPr/>
-        <p:nvPr/>
-      </p:nvGrpSpPr>
-      <p:grpSpPr>
-        <a:xfrm>
-          <a:off x="0" y="0"/>
-          <a:ext cx="0" cy="0"/>
-          <a:chOff x="0" y="0"/>
-          <a:chExt cx="0" cy="0"/>
-        </a:xfrm>
-      </p:grpSpPr>
-      <p:sp>
-        <p:nvSpPr>
-          <p:cNvPr id="2" name="Titel 1">
-            <a:extLst>
-              <a:ext uri="{FF2B5EF4-FFF2-40B4-BE49-F238E27FC236}">
-                <a16:creationId xmlns:a16="http://schemas.microsoft.com/office/drawing/2014/main" id="{568F2C59-1472-497B-9097-00D0F5DCA36F}"/>
-              </a:ext>
-            </a:extLst>
-          </p:cNvPr>
-          <p:cNvSpPr>
-            <a:spLocks noGrp="1"/>
-          </p:cNvSpPr>
-          <p:nvPr>
-            <p:ph type="title"/>
-          </p:nvPr>
-        </p:nvSpPr>
-        <p:spPr/>
-        <p:txBody>
-          <a:bodyPr/>
-          <a:lstStyle/>
-          <a:p>
-            <a:r>
-              <a:rPr lang="de-DE" dirty="0"/>
-              <a:t>Progress and </a:t>
-            </a:r>
-            <a:r>
-              <a:rPr lang="de-DE" dirty="0" err="1"/>
-              <a:t>results</a:t>
-            </a:r>
-            <a:endParaRPr lang="en-DE" dirty="0"/>
-          </a:p>
-        </p:txBody>
-      </p:sp>
-      <p:graphicFrame>
-        <p:nvGraphicFramePr>
-          <p:cNvPr id="9" name="Inhaltsplatzhalter 8">
-            <a:extLst>
-              <a:ext uri="{FF2B5EF4-FFF2-40B4-BE49-F238E27FC236}">
-                <a16:creationId xmlns:a16="http://schemas.microsoft.com/office/drawing/2014/main" id="{16C41FA3-7AAB-4273-8481-B68DB56A597A}"/>
-              </a:ext>
-            </a:extLst>
-          </p:cNvPr>
-          <p:cNvGraphicFramePr>
-            <a:graphicFrameLocks noGrp="1"/>
-          </p:cNvGraphicFramePr>
-          <p:nvPr>
-            <p:ph idx="1"/>
-          </p:nvPr>
-        </p:nvGraphicFramePr>
-        <p:xfrm>
-          <a:off x="1371600" y="2286000"/>
-          <a:ext cx="9601200" cy="3581400"/>
-        </p:xfrm>
-        <a:graphic>
-          <a:graphicData uri="http://schemas.openxmlformats.org/drawingml/2006/diagram">
-            <dgm:relIds xmlns:dgm="http://schemas.openxmlformats.org/drawingml/2006/diagram" xmlns:r="http://schemas.openxmlformats.org/officeDocument/2006/relationships" r:dm="rId2" r:lo="rId3" r:qs="rId4" r:cs="rId5"/>
-          </a:graphicData>
-        </a:graphic>
-      </p:graphicFrame>
-    </p:spTree>
-    <p:extLst>
-      <p:ext uri="{BB962C8B-B14F-4D97-AF65-F5344CB8AC3E}">
-        <p14:creationId xmlns:p14="http://schemas.microsoft.com/office/powerpoint/2010/main" val="3695933313"/>
-      </p:ext>
-    </p:extLst>
-  </p:cSld>
-  <p:clrMapOvr>
-    <a:masterClrMapping/>
-  </p:clrMapOvr>
-</p:sld>
-</file>
-
-<file path=ppt/slides/slide11.xml><?xml version="1.0" encoding="utf-8"?>
 <p:sld xmlns:a="http://schemas.openxmlformats.org/drawingml/2006/main" xmlns:r="http://schemas.openxmlformats.org/officeDocument/2006/relationships" xmlns:p="http://schemas.openxmlformats.org/presentationml/2006/main">
   <p:cSld>
     <p:spTree>
@@ -28742,6 +28624,482 @@
       <p:bldP spid="5" grpId="0" animBg="1"/>
     </p:bldLst>
   </p:timing>
+</p:sld>
+</file>
+
+<file path=ppt/slides/slide11.xml><?xml version="1.0" encoding="utf-8"?>
+<p:sld xmlns:a="http://schemas.openxmlformats.org/drawingml/2006/main" xmlns:r="http://schemas.openxmlformats.org/officeDocument/2006/relationships" xmlns:p="http://schemas.openxmlformats.org/presentationml/2006/main">
+  <p:cSld>
+    <p:bg>
+      <p:bgPr>
+        <a:solidFill>
+          <a:schemeClr val="bg1"/>
+        </a:solidFill>
+        <a:effectLst/>
+      </p:bgPr>
+    </p:bg>
+    <p:spTree>
+      <p:nvGrpSpPr>
+        <p:cNvPr id="1" name=""/>
+        <p:cNvGrpSpPr/>
+        <p:nvPr/>
+      </p:nvGrpSpPr>
+      <p:grpSpPr>
+        <a:xfrm>
+          <a:off x="0" y="0"/>
+          <a:ext cx="0" cy="0"/>
+          <a:chOff x="0" y="0"/>
+          <a:chExt cx="0" cy="0"/>
+        </a:xfrm>
+      </p:grpSpPr>
+      <p:sp>
+        <p:nvSpPr>
+          <p:cNvPr id="12" name="Rectangle 11">
+            <a:extLst>
+              <a:ext uri="{FF2B5EF4-FFF2-40B4-BE49-F238E27FC236}">
+                <a16:creationId xmlns:a16="http://schemas.microsoft.com/office/drawing/2014/main" id="{12E8CD4E-6381-4807-AA5B-CE0024A8BE19}"/>
+              </a:ext>
+              <a:ext uri="{C183D7F6-B498-43B3-948B-1728B52AA6E4}">
+                <adec:decorative xmlns:adec="http://schemas.microsoft.com/office/drawing/2017/decorative" val="1"/>
+              </a:ext>
+            </a:extLst>
+          </p:cNvPr>
+          <p:cNvSpPr>
+            <a:spLocks noGrp="1" noRot="1" noChangeAspect="1" noMove="1" noResize="1" noEditPoints="1" noAdjustHandles="1" noChangeArrowheads="1" noChangeShapeType="1" noTextEdit="1"/>
+          </p:cNvSpPr>
+          <p:nvPr>
+            <p:extLst>
+              <p:ext uri="{386F3935-93C4-4BCD-93E2-E3B085C9AB24}">
+                <p16:designElem xmlns:p16="http://schemas.microsoft.com/office/powerpoint/2015/main" val="1"/>
+              </p:ext>
+            </p:extLst>
+          </p:nvPr>
+        </p:nvSpPr>
+        <p:spPr>
+          <a:xfrm>
+            <a:off x="0" y="0"/>
+            <a:ext cx="12192000" cy="6858000"/>
+          </a:xfrm>
+          <a:prstGeom prst="rect">
+            <a:avLst/>
+          </a:prstGeom>
+          <a:solidFill>
+            <a:schemeClr val="bg1">
+              <a:lumMod val="85000"/>
+              <a:lumOff val="15000"/>
+            </a:schemeClr>
+          </a:solidFill>
+          <a:ln>
+            <a:noFill/>
+          </a:ln>
+        </p:spPr>
+        <p:style>
+          <a:lnRef idx="2">
+            <a:schemeClr val="accent1">
+              <a:shade val="50000"/>
+            </a:schemeClr>
+          </a:lnRef>
+          <a:fillRef idx="1">
+            <a:schemeClr val="accent1"/>
+          </a:fillRef>
+          <a:effectRef idx="0">
+            <a:schemeClr val="accent1"/>
+          </a:effectRef>
+          <a:fontRef idx="minor">
+            <a:schemeClr val="lt1"/>
+          </a:fontRef>
+        </p:style>
+        <p:txBody>
+          <a:bodyPr rtlCol="0" anchor="ctr"/>
+          <a:lstStyle/>
+          <a:p>
+            <a:pPr algn="ctr"/>
+            <a:endParaRPr lang="en-US"/>
+          </a:p>
+        </p:txBody>
+      </p:sp>
+      <p:sp>
+        <p:nvSpPr>
+          <p:cNvPr id="14" name="Rectangle 13">
+            <a:extLst>
+              <a:ext uri="{FF2B5EF4-FFF2-40B4-BE49-F238E27FC236}">
+                <a16:creationId xmlns:a16="http://schemas.microsoft.com/office/drawing/2014/main" id="{D28445F8-F032-43C9-8D0F-A5155F525283}"/>
+              </a:ext>
+              <a:ext uri="{C183D7F6-B498-43B3-948B-1728B52AA6E4}">
+                <adec:decorative xmlns:adec="http://schemas.microsoft.com/office/drawing/2017/decorative" val="1"/>
+              </a:ext>
+            </a:extLst>
+          </p:cNvPr>
+          <p:cNvSpPr>
+            <a:spLocks noGrp="1" noRot="1" noChangeAspect="1" noMove="1" noResize="1" noEditPoints="1" noAdjustHandles="1" noChangeArrowheads="1" noChangeShapeType="1" noTextEdit="1"/>
+          </p:cNvSpPr>
+          <p:nvPr>
+            <p:extLst>
+              <p:ext uri="{386F3935-93C4-4BCD-93E2-E3B085C9AB24}">
+                <p16:designElem xmlns:p16="http://schemas.microsoft.com/office/powerpoint/2015/main" val="1"/>
+              </p:ext>
+            </p:extLst>
+          </p:nvPr>
+        </p:nvSpPr>
+        <p:spPr>
+          <a:xfrm>
+            <a:off x="477012" y="480059"/>
+            <a:ext cx="5538555" cy="2887029"/>
+          </a:xfrm>
+          <a:prstGeom prst="rect">
+            <a:avLst/>
+          </a:prstGeom>
+          <a:noFill/>
+          <a:ln>
+            <a:solidFill>
+              <a:schemeClr val="tx1"/>
+            </a:solidFill>
+          </a:ln>
+        </p:spPr>
+        <p:style>
+          <a:lnRef idx="2">
+            <a:schemeClr val="accent1">
+              <a:shade val="50000"/>
+            </a:schemeClr>
+          </a:lnRef>
+          <a:fillRef idx="1">
+            <a:schemeClr val="accent1"/>
+          </a:fillRef>
+          <a:effectRef idx="0">
+            <a:schemeClr val="accent1"/>
+          </a:effectRef>
+          <a:fontRef idx="minor">
+            <a:schemeClr val="lt1"/>
+          </a:fontRef>
+        </p:style>
+        <p:txBody>
+          <a:bodyPr rtlCol="0" anchor="ctr"/>
+          <a:lstStyle/>
+          <a:p>
+            <a:pPr algn="ctr"/>
+            <a:endParaRPr lang="en-US"/>
+          </a:p>
+        </p:txBody>
+      </p:sp>
+      <p:pic>
+        <p:nvPicPr>
+          <p:cNvPr id="5" name="Grafik 4">
+            <a:extLst>
+              <a:ext uri="{FF2B5EF4-FFF2-40B4-BE49-F238E27FC236}">
+                <a16:creationId xmlns:a16="http://schemas.microsoft.com/office/drawing/2014/main" id="{E3A88128-6E62-4F98-90A6-D13C8BCC9F9E}"/>
+              </a:ext>
+            </a:extLst>
+          </p:cNvPr>
+          <p:cNvPicPr>
+            <a:picLocks noChangeAspect="1"/>
+          </p:cNvPicPr>
+          <p:nvPr/>
+        </p:nvPicPr>
+        <p:blipFill>
+          <a:blip r:embed="rId2"/>
+          <a:stretch>
+            <a:fillRect/>
+          </a:stretch>
+        </p:blipFill>
+        <p:spPr>
+          <a:xfrm>
+            <a:off x="2103746" y="3672787"/>
+            <a:ext cx="2285085" cy="2560320"/>
+          </a:xfrm>
+          <a:prstGeom prst="rect">
+            <a:avLst/>
+          </a:prstGeom>
+        </p:spPr>
+      </p:pic>
+      <p:sp>
+        <p:nvSpPr>
+          <p:cNvPr id="16" name="Rectangle 15">
+            <a:extLst>
+              <a:ext uri="{FF2B5EF4-FFF2-40B4-BE49-F238E27FC236}">
+                <a16:creationId xmlns:a16="http://schemas.microsoft.com/office/drawing/2014/main" id="{36A325B5-56A3-425A-B9A3-0CEB7CA1BBF6}"/>
+              </a:ext>
+              <a:ext uri="{C183D7F6-B498-43B3-948B-1728B52AA6E4}">
+                <adec:decorative xmlns:adec="http://schemas.microsoft.com/office/drawing/2017/decorative" val="1"/>
+              </a:ext>
+            </a:extLst>
+          </p:cNvPr>
+          <p:cNvSpPr>
+            <a:spLocks noGrp="1" noRot="1" noChangeAspect="1" noMove="1" noResize="1" noEditPoints="1" noAdjustHandles="1" noChangeArrowheads="1" noChangeShapeType="1" noTextEdit="1"/>
+          </p:cNvSpPr>
+          <p:nvPr>
+            <p:extLst>
+              <p:ext uri="{386F3935-93C4-4BCD-93E2-E3B085C9AB24}">
+                <p16:designElem xmlns:p16="http://schemas.microsoft.com/office/powerpoint/2015/main" val="1"/>
+              </p:ext>
+            </p:extLst>
+          </p:nvPr>
+        </p:nvSpPr>
+        <p:spPr>
+          <a:xfrm>
+            <a:off x="6176432" y="480060"/>
+            <a:ext cx="5538555" cy="2887028"/>
+          </a:xfrm>
+          <a:prstGeom prst="rect">
+            <a:avLst/>
+          </a:prstGeom>
+          <a:noFill/>
+          <a:ln>
+            <a:solidFill>
+              <a:schemeClr val="tx1"/>
+            </a:solidFill>
+          </a:ln>
+        </p:spPr>
+        <p:style>
+          <a:lnRef idx="2">
+            <a:schemeClr val="accent1">
+              <a:shade val="50000"/>
+            </a:schemeClr>
+          </a:lnRef>
+          <a:fillRef idx="1">
+            <a:schemeClr val="accent1"/>
+          </a:fillRef>
+          <a:effectRef idx="0">
+            <a:schemeClr val="accent1"/>
+          </a:effectRef>
+          <a:fontRef idx="minor">
+            <a:schemeClr val="lt1"/>
+          </a:fontRef>
+        </p:style>
+        <p:txBody>
+          <a:bodyPr rtlCol="0" anchor="ctr"/>
+          <a:lstStyle/>
+          <a:p>
+            <a:pPr algn="ctr"/>
+            <a:endParaRPr lang="en-US"/>
+          </a:p>
+        </p:txBody>
+      </p:sp>
+      <p:pic>
+        <p:nvPicPr>
+          <p:cNvPr id="6" name="Grafik 5">
+            <a:extLst>
+              <a:ext uri="{FF2B5EF4-FFF2-40B4-BE49-F238E27FC236}">
+                <a16:creationId xmlns:a16="http://schemas.microsoft.com/office/drawing/2014/main" id="{876BB8D0-FA6D-4CA2-8990-DA294569FDB7}"/>
+              </a:ext>
+            </a:extLst>
+          </p:cNvPr>
+          <p:cNvPicPr>
+            <a:picLocks noChangeAspect="1"/>
+          </p:cNvPicPr>
+          <p:nvPr/>
+        </p:nvPicPr>
+        <p:blipFill>
+          <a:blip r:embed="rId3"/>
+          <a:stretch>
+            <a:fillRect/>
+          </a:stretch>
+        </p:blipFill>
+        <p:spPr>
+          <a:xfrm>
+            <a:off x="6459961" y="644229"/>
+            <a:ext cx="4971495" cy="2560320"/>
+          </a:xfrm>
+          <a:prstGeom prst="rect">
+            <a:avLst/>
+          </a:prstGeom>
+        </p:spPr>
+      </p:pic>
+      <p:sp>
+        <p:nvSpPr>
+          <p:cNvPr id="18" name="Rectangle 17">
+            <a:extLst>
+              <a:ext uri="{FF2B5EF4-FFF2-40B4-BE49-F238E27FC236}">
+                <a16:creationId xmlns:a16="http://schemas.microsoft.com/office/drawing/2014/main" id="{B80DE958-9D45-4CAD-BF1F-FA2ED970B7F6}"/>
+              </a:ext>
+              <a:ext uri="{C183D7F6-B498-43B3-948B-1728B52AA6E4}">
+                <adec:decorative xmlns:adec="http://schemas.microsoft.com/office/drawing/2017/decorative" val="1"/>
+              </a:ext>
+            </a:extLst>
+          </p:cNvPr>
+          <p:cNvSpPr>
+            <a:spLocks noGrp="1" noRot="1" noChangeAspect="1" noMove="1" noResize="1" noEditPoints="1" noAdjustHandles="1" noChangeArrowheads="1" noChangeShapeType="1" noTextEdit="1"/>
+          </p:cNvSpPr>
+          <p:nvPr>
+            <p:extLst>
+              <p:ext uri="{386F3935-93C4-4BCD-93E2-E3B085C9AB24}">
+                <p16:designElem xmlns:p16="http://schemas.microsoft.com/office/powerpoint/2015/main" val="1"/>
+              </p:ext>
+            </p:extLst>
+          </p:nvPr>
+        </p:nvSpPr>
+        <p:spPr>
+          <a:xfrm>
+            <a:off x="477013" y="3527956"/>
+            <a:ext cx="5538554" cy="2849985"/>
+          </a:xfrm>
+          <a:prstGeom prst="rect">
+            <a:avLst/>
+          </a:prstGeom>
+          <a:noFill/>
+          <a:ln>
+            <a:solidFill>
+              <a:schemeClr val="tx1"/>
+            </a:solidFill>
+          </a:ln>
+        </p:spPr>
+        <p:style>
+          <a:lnRef idx="2">
+            <a:schemeClr val="accent1">
+              <a:shade val="50000"/>
+            </a:schemeClr>
+          </a:lnRef>
+          <a:fillRef idx="1">
+            <a:schemeClr val="accent1"/>
+          </a:fillRef>
+          <a:effectRef idx="0">
+            <a:schemeClr val="accent1"/>
+          </a:effectRef>
+          <a:fontRef idx="minor">
+            <a:schemeClr val="lt1"/>
+          </a:fontRef>
+        </p:style>
+        <p:txBody>
+          <a:bodyPr rtlCol="0" anchor="ctr"/>
+          <a:lstStyle/>
+          <a:p>
+            <a:pPr algn="ctr"/>
+            <a:endParaRPr lang="en-US"/>
+          </a:p>
+        </p:txBody>
+      </p:sp>
+      <p:pic>
+        <p:nvPicPr>
+          <p:cNvPr id="4" name="Grafik 3">
+            <a:extLst>
+              <a:ext uri="{FF2B5EF4-FFF2-40B4-BE49-F238E27FC236}">
+                <a16:creationId xmlns:a16="http://schemas.microsoft.com/office/drawing/2014/main" id="{C212032A-82E2-467F-A20C-1E073F2DDD7B}"/>
+              </a:ext>
+            </a:extLst>
+          </p:cNvPr>
+          <p:cNvPicPr>
+            <a:picLocks noChangeAspect="1"/>
+          </p:cNvPicPr>
+          <p:nvPr/>
+        </p:nvPicPr>
+        <p:blipFill>
+          <a:blip r:embed="rId4"/>
+          <a:stretch>
+            <a:fillRect/>
+          </a:stretch>
+        </p:blipFill>
+        <p:spPr>
+          <a:xfrm>
+            <a:off x="640249" y="933278"/>
+            <a:ext cx="5212080" cy="1980590"/>
+          </a:xfrm>
+          <a:prstGeom prst="rect">
+            <a:avLst/>
+          </a:prstGeom>
+        </p:spPr>
+      </p:pic>
+      <p:sp>
+        <p:nvSpPr>
+          <p:cNvPr id="20" name="Rectangle 19">
+            <a:extLst>
+              <a:ext uri="{FF2B5EF4-FFF2-40B4-BE49-F238E27FC236}">
+                <a16:creationId xmlns:a16="http://schemas.microsoft.com/office/drawing/2014/main" id="{BB93B4BF-AD35-4E52-8131-161C5FB9CDD7}"/>
+              </a:ext>
+              <a:ext uri="{C183D7F6-B498-43B3-948B-1728B52AA6E4}">
+                <adec:decorative xmlns:adec="http://schemas.microsoft.com/office/drawing/2017/decorative" val="1"/>
+              </a:ext>
+            </a:extLst>
+          </p:cNvPr>
+          <p:cNvSpPr>
+            <a:spLocks noGrp="1" noRot="1" noChangeAspect="1" noMove="1" noResize="1" noEditPoints="1" noAdjustHandles="1" noChangeArrowheads="1" noChangeShapeType="1" noTextEdit="1"/>
+          </p:cNvSpPr>
+          <p:nvPr>
+            <p:extLst>
+              <p:ext uri="{386F3935-93C4-4BCD-93E2-E3B085C9AB24}">
+                <p16:designElem xmlns:p16="http://schemas.microsoft.com/office/powerpoint/2015/main" val="1"/>
+              </p:ext>
+            </p:extLst>
+          </p:nvPr>
+        </p:nvSpPr>
+        <p:spPr>
+          <a:xfrm>
+            <a:off x="6176432" y="3527956"/>
+            <a:ext cx="5538555" cy="2849985"/>
+          </a:xfrm>
+          <a:prstGeom prst="rect">
+            <a:avLst/>
+          </a:prstGeom>
+          <a:noFill/>
+          <a:ln>
+            <a:solidFill>
+              <a:schemeClr val="tx1"/>
+            </a:solidFill>
+          </a:ln>
+        </p:spPr>
+        <p:style>
+          <a:lnRef idx="2">
+            <a:schemeClr val="accent1">
+              <a:shade val="50000"/>
+            </a:schemeClr>
+          </a:lnRef>
+          <a:fillRef idx="1">
+            <a:schemeClr val="accent1"/>
+          </a:fillRef>
+          <a:effectRef idx="0">
+            <a:schemeClr val="accent1"/>
+          </a:effectRef>
+          <a:fontRef idx="minor">
+            <a:schemeClr val="lt1"/>
+          </a:fontRef>
+        </p:style>
+        <p:txBody>
+          <a:bodyPr rtlCol="0" anchor="ctr"/>
+          <a:lstStyle/>
+          <a:p>
+            <a:pPr algn="ctr"/>
+            <a:endParaRPr lang="en-US"/>
+          </a:p>
+        </p:txBody>
+      </p:sp>
+      <p:pic>
+        <p:nvPicPr>
+          <p:cNvPr id="7" name="Grafik 6">
+            <a:extLst>
+              <a:ext uri="{FF2B5EF4-FFF2-40B4-BE49-F238E27FC236}">
+                <a16:creationId xmlns:a16="http://schemas.microsoft.com/office/drawing/2014/main" id="{0584D55F-988B-439E-8F80-7CA8F1D14065}"/>
+              </a:ext>
+            </a:extLst>
+          </p:cNvPr>
+          <p:cNvPicPr>
+            <a:picLocks noChangeAspect="1"/>
+          </p:cNvPicPr>
+          <p:nvPr/>
+        </p:nvPicPr>
+        <p:blipFill>
+          <a:blip r:embed="rId5"/>
+          <a:stretch>
+            <a:fillRect/>
+          </a:stretch>
+        </p:blipFill>
+        <p:spPr>
+          <a:xfrm>
+            <a:off x="6339668" y="3972107"/>
+            <a:ext cx="5212080" cy="1961680"/>
+          </a:xfrm>
+          <a:prstGeom prst="rect">
+            <a:avLst/>
+          </a:prstGeom>
+        </p:spPr>
+      </p:pic>
+    </p:spTree>
+    <p:extLst>
+      <p:ext uri="{BB962C8B-B14F-4D97-AF65-F5344CB8AC3E}">
+        <p14:creationId xmlns:p14="http://schemas.microsoft.com/office/powerpoint/2010/main" val="995088628"/>
+      </p:ext>
+    </p:extLst>
+  </p:cSld>
+  <p:clrMapOvr>
+    <a:overrideClrMapping bg1="dk1" tx1="lt1" bg2="dk2" tx2="lt2" accent1="accent1" accent2="accent2" accent3="accent3" accent4="accent4" accent5="accent5" accent6="accent6" hlink="hlink" folHlink="folHlink"/>
+  </p:clrMapOvr>
 </p:sld>
 </file>
 
@@ -29948,7 +30306,7 @@
             <p:ph idx="1"/>
             <p:extLst>
               <p:ext uri="{D42A27DB-BD31-4B8C-83A1-F6EECF244321}">
-                <p14:modId xmlns:p14="http://schemas.microsoft.com/office/powerpoint/2010/main" val="2170336254"/>
+                <p14:modId xmlns:p14="http://schemas.microsoft.com/office/powerpoint/2010/main" val="1338160250"/>
               </p:ext>
             </p:extLst>
           </p:nvPr>
@@ -29977,104 +30335,6 @@
 </file>
 
 <file path=ppt/slides/slide5.xml><?xml version="1.0" encoding="utf-8"?>
-<p:sld xmlns:a="http://schemas.openxmlformats.org/drawingml/2006/main" xmlns:r="http://schemas.openxmlformats.org/officeDocument/2006/relationships" xmlns:p="http://schemas.openxmlformats.org/presentationml/2006/main">
-  <p:cSld>
-    <p:bg>
-      <p:bgPr>
-        <a:solidFill>
-          <a:schemeClr val="tx1"/>
-        </a:solidFill>
-        <a:effectLst/>
-      </p:bgPr>
-    </p:bg>
-    <p:spTree>
-      <p:nvGrpSpPr>
-        <p:cNvPr id="1" name=""/>
-        <p:cNvGrpSpPr/>
-        <p:nvPr/>
-      </p:nvGrpSpPr>
-      <p:grpSpPr>
-        <a:xfrm>
-          <a:off x="0" y="0"/>
-          <a:ext cx="0" cy="0"/>
-          <a:chOff x="0" y="0"/>
-          <a:chExt cx="0" cy="0"/>
-        </a:xfrm>
-      </p:grpSpPr>
-      <p:pic>
-        <p:nvPicPr>
-          <p:cNvPr id="8" name="Grafik 7">
-            <a:extLst>
-              <a:ext uri="{FF2B5EF4-FFF2-40B4-BE49-F238E27FC236}">
-                <a16:creationId xmlns:a16="http://schemas.microsoft.com/office/drawing/2014/main" id="{EDDACB89-ACF6-426A-AC64-E75889BDFB58}"/>
-              </a:ext>
-            </a:extLst>
-          </p:cNvPr>
-          <p:cNvPicPr>
-            <a:picLocks noChangeAspect="1"/>
-          </p:cNvPicPr>
-          <p:nvPr/>
-        </p:nvPicPr>
-        <p:blipFill>
-          <a:blip r:embed="rId2"/>
-          <a:stretch>
-            <a:fillRect/>
-          </a:stretch>
-        </p:blipFill>
-        <p:spPr>
-          <a:xfrm>
-            <a:off x="3064878" y="90349"/>
-            <a:ext cx="6359341" cy="3338651"/>
-          </a:xfrm>
-          <a:prstGeom prst="rect">
-            <a:avLst/>
-          </a:prstGeom>
-        </p:spPr>
-      </p:pic>
-      <p:pic>
-        <p:nvPicPr>
-          <p:cNvPr id="2" name="Grafik 1">
-            <a:extLst>
-              <a:ext uri="{FF2B5EF4-FFF2-40B4-BE49-F238E27FC236}">
-                <a16:creationId xmlns:a16="http://schemas.microsoft.com/office/drawing/2014/main" id="{BCD64FB6-228F-49CB-8290-92F3773CD804}"/>
-              </a:ext>
-            </a:extLst>
-          </p:cNvPr>
-          <p:cNvPicPr>
-            <a:picLocks noChangeAspect="1"/>
-          </p:cNvPicPr>
-          <p:nvPr/>
-        </p:nvPicPr>
-        <p:blipFill>
-          <a:blip r:embed="rId3"/>
-          <a:stretch>
-            <a:fillRect/>
-          </a:stretch>
-        </p:blipFill>
-        <p:spPr>
-          <a:xfrm>
-            <a:off x="3064878" y="3429000"/>
-            <a:ext cx="6359341" cy="3322431"/>
-          </a:xfrm>
-          <a:prstGeom prst="rect">
-            <a:avLst/>
-          </a:prstGeom>
-        </p:spPr>
-      </p:pic>
-    </p:spTree>
-    <p:extLst>
-      <p:ext uri="{BB962C8B-B14F-4D97-AF65-F5344CB8AC3E}">
-        <p14:creationId xmlns:p14="http://schemas.microsoft.com/office/powerpoint/2010/main" val="1120697390"/>
-      </p:ext>
-    </p:extLst>
-  </p:cSld>
-  <p:clrMapOvr>
-    <a:masterClrMapping/>
-  </p:clrMapOvr>
-</p:sld>
-</file>
-
-<file path=ppt/slides/slide6.xml><?xml version="1.0" encoding="utf-8"?>
 <p:sld xmlns:a="http://schemas.openxmlformats.org/drawingml/2006/main" xmlns:r="http://schemas.openxmlformats.org/officeDocument/2006/relationships" xmlns:p="http://schemas.openxmlformats.org/presentationml/2006/main">
   <p:cSld>
     <p:bg>
@@ -30161,10 +30421,10 @@
       </p:sp>
       <p:pic>
         <p:nvPicPr>
-          <p:cNvPr id="4" name="Grafik 3">
+          <p:cNvPr id="2" name="Grafik 1">
             <a:extLst>
               <a:ext uri="{FF2B5EF4-FFF2-40B4-BE49-F238E27FC236}">
-                <a16:creationId xmlns:a16="http://schemas.microsoft.com/office/drawing/2014/main" id="{668972C0-9343-48DA-8912-E11AF6EE87F1}"/>
+                <a16:creationId xmlns:a16="http://schemas.microsoft.com/office/drawing/2014/main" id="{E78B7854-6D4B-42C0-80F2-4D691AA5BD45}"/>
               </a:ext>
             </a:extLst>
           </p:cNvPr>
@@ -30181,8 +30441,8 @@
         </p:blipFill>
         <p:spPr>
           <a:xfrm>
-            <a:off x="3364543" y="59067"/>
-            <a:ext cx="5884831" cy="3148382"/>
+            <a:off x="2865793" y="82485"/>
+            <a:ext cx="6368410" cy="3335013"/>
           </a:xfrm>
           <a:prstGeom prst="rect">
             <a:avLst/>
@@ -30191,10 +30451,10 @@
       </p:pic>
       <p:pic>
         <p:nvPicPr>
-          <p:cNvPr id="5" name="Grafik 4">
+          <p:cNvPr id="3" name="Grafik 2">
             <a:extLst>
               <a:ext uri="{FF2B5EF4-FFF2-40B4-BE49-F238E27FC236}">
-                <a16:creationId xmlns:a16="http://schemas.microsoft.com/office/drawing/2014/main" id="{2FE1595E-538C-42F6-AFFA-81589780F40D}"/>
+                <a16:creationId xmlns:a16="http://schemas.microsoft.com/office/drawing/2014/main" id="{F3506981-C886-4058-B8B9-8BBAE7C481F1}"/>
               </a:ext>
             </a:extLst>
           </p:cNvPr>
@@ -30211,8 +30471,8 @@
         </p:blipFill>
         <p:spPr>
           <a:xfrm>
-            <a:off x="3364543" y="3207448"/>
-            <a:ext cx="5884831" cy="3118958"/>
+            <a:off x="2865793" y="3429000"/>
+            <a:ext cx="6368410" cy="3308445"/>
           </a:xfrm>
           <a:prstGeom prst="rect">
             <a:avLst/>
@@ -30232,7 +30492,7 @@
 </p:sld>
 </file>
 
-<file path=ppt/slides/slide7.xml><?xml version="1.0" encoding="utf-8"?>
+<file path=ppt/slides/slide6.xml><?xml version="1.0" encoding="utf-8"?>
 <p:sld xmlns:a="http://schemas.openxmlformats.org/drawingml/2006/main" xmlns:r="http://schemas.openxmlformats.org/officeDocument/2006/relationships" xmlns:p="http://schemas.openxmlformats.org/presentationml/2006/main">
   <p:cSld>
     <p:spTree>
@@ -30459,7 +30719,7 @@
 </p:sld>
 </file>
 
-<file path=ppt/slides/slide8.xml><?xml version="1.0" encoding="utf-8"?>
+<file path=ppt/slides/slide7.xml><?xml version="1.0" encoding="utf-8"?>
 <p:sld xmlns:a="http://schemas.openxmlformats.org/drawingml/2006/main" xmlns:r="http://schemas.openxmlformats.org/officeDocument/2006/relationships" xmlns:p="http://schemas.openxmlformats.org/presentationml/2006/main">
   <p:cSld>
     <p:spTree>
@@ -30737,7 +30997,7 @@
 </p:sld>
 </file>
 
-<file path=ppt/slides/slide9.xml><?xml version="1.0" encoding="utf-8"?>
+<file path=ppt/slides/slide8.xml><?xml version="1.0" encoding="utf-8"?>
 <p:sld xmlns:a="http://schemas.openxmlformats.org/drawingml/2006/main" xmlns:r="http://schemas.openxmlformats.org/officeDocument/2006/relationships" xmlns:p="http://schemas.openxmlformats.org/presentationml/2006/main">
   <p:cSld>
     <p:spTree>
@@ -31014,6 +31274,95 @@
       </p:par>
     </p:tnLst>
   </p:timing>
+</p:sld>
+</file>
+
+<file path=ppt/slides/slide9.xml><?xml version="1.0" encoding="utf-8"?>
+<p:sld xmlns:a="http://schemas.openxmlformats.org/drawingml/2006/main" xmlns:r="http://schemas.openxmlformats.org/officeDocument/2006/relationships" xmlns:p="http://schemas.openxmlformats.org/presentationml/2006/main">
+  <p:cSld>
+    <p:spTree>
+      <p:nvGrpSpPr>
+        <p:cNvPr id="1" name=""/>
+        <p:cNvGrpSpPr/>
+        <p:nvPr/>
+      </p:nvGrpSpPr>
+      <p:grpSpPr>
+        <a:xfrm>
+          <a:off x="0" y="0"/>
+          <a:ext cx="0" cy="0"/>
+          <a:chOff x="0" y="0"/>
+          <a:chExt cx="0" cy="0"/>
+        </a:xfrm>
+      </p:grpSpPr>
+      <p:sp>
+        <p:nvSpPr>
+          <p:cNvPr id="2" name="Titel 1">
+            <a:extLst>
+              <a:ext uri="{FF2B5EF4-FFF2-40B4-BE49-F238E27FC236}">
+                <a16:creationId xmlns:a16="http://schemas.microsoft.com/office/drawing/2014/main" id="{568F2C59-1472-497B-9097-00D0F5DCA36F}"/>
+              </a:ext>
+            </a:extLst>
+          </p:cNvPr>
+          <p:cNvSpPr>
+            <a:spLocks noGrp="1"/>
+          </p:cNvSpPr>
+          <p:nvPr>
+            <p:ph type="title"/>
+          </p:nvPr>
+        </p:nvSpPr>
+        <p:spPr/>
+        <p:txBody>
+          <a:bodyPr/>
+          <a:lstStyle/>
+          <a:p>
+            <a:r>
+              <a:rPr lang="de-DE" dirty="0"/>
+              <a:t>Progress and </a:t>
+            </a:r>
+            <a:r>
+              <a:rPr lang="de-DE" dirty="0" err="1"/>
+              <a:t>results</a:t>
+            </a:r>
+            <a:endParaRPr lang="en-DE" dirty="0"/>
+          </a:p>
+        </p:txBody>
+      </p:sp>
+      <p:graphicFrame>
+        <p:nvGraphicFramePr>
+          <p:cNvPr id="9" name="Inhaltsplatzhalter 8">
+            <a:extLst>
+              <a:ext uri="{FF2B5EF4-FFF2-40B4-BE49-F238E27FC236}">
+                <a16:creationId xmlns:a16="http://schemas.microsoft.com/office/drawing/2014/main" id="{16C41FA3-7AAB-4273-8481-B68DB56A597A}"/>
+              </a:ext>
+            </a:extLst>
+          </p:cNvPr>
+          <p:cNvGraphicFramePr>
+            <a:graphicFrameLocks noGrp="1"/>
+          </p:cNvGraphicFramePr>
+          <p:nvPr>
+            <p:ph idx="1"/>
+          </p:nvPr>
+        </p:nvGraphicFramePr>
+        <p:xfrm>
+          <a:off x="1371600" y="2286000"/>
+          <a:ext cx="9601200" cy="3581400"/>
+        </p:xfrm>
+        <a:graphic>
+          <a:graphicData uri="http://schemas.openxmlformats.org/drawingml/2006/diagram">
+            <dgm:relIds xmlns:dgm="http://schemas.openxmlformats.org/drawingml/2006/diagram" xmlns:r="http://schemas.openxmlformats.org/officeDocument/2006/relationships" r:dm="rId2" r:lo="rId3" r:qs="rId4" r:cs="rId5"/>
+          </a:graphicData>
+        </a:graphic>
+      </p:graphicFrame>
+    </p:spTree>
+    <p:extLst>
+      <p:ext uri="{BB962C8B-B14F-4D97-AF65-F5344CB8AC3E}">
+        <p14:creationId xmlns:p14="http://schemas.microsoft.com/office/powerpoint/2010/main" val="3695933313"/>
+      </p:ext>
+    </p:extLst>
+  </p:cSld>
+  <p:clrMapOvr>
+    <a:masterClrMapping/>
+  </p:clrMapOvr>
 </p:sld>
 </file>
 

--- a/Project Proposal.pptx
+++ b/Project Proposal.pptx
@@ -5,7 +5,7 @@
     <p:sldMasterId id="2147483683" r:id="rId1"/>
   </p:sldMasterIdLst>
   <p:notesMasterIdLst>
-    <p:notesMasterId r:id="rId17"/>
+    <p:notesMasterId r:id="rId16"/>
   </p:notesMasterIdLst>
   <p:sldIdLst>
     <p:sldId id="256" r:id="rId2"/>
@@ -21,8 +21,7 @@
     <p:sldId id="272" r:id="rId12"/>
     <p:sldId id="269" r:id="rId13"/>
     <p:sldId id="270" r:id="rId14"/>
-    <p:sldId id="266" r:id="rId15"/>
-    <p:sldId id="271" r:id="rId16"/>
+    <p:sldId id="271" r:id="rId15"/>
   </p:sldIdLst>
   <p:sldSz cx="12192000" cy="6858000"/>
   <p:notesSz cx="6858000" cy="9144000"/>
@@ -24070,7 +24069,7 @@
           <a:p>
             <a:fld id="{989649A9-5579-4A1B-BBC7-1D8439B4E68C}" type="slidenum">
               <a:rPr lang="de-DE" smtClean="0"/>
-              <a:t>15</a:t>
+              <a:t>14</a:t>
             </a:fld>
             <a:endParaRPr lang="de-DE"/>
           </a:p>
@@ -29381,244 +29380,6 @@
 <file path=ppt/slides/slide14.xml><?xml version="1.0" encoding="utf-8"?>
 <p:sld xmlns:a="http://schemas.openxmlformats.org/drawingml/2006/main" xmlns:r="http://schemas.openxmlformats.org/officeDocument/2006/relationships" xmlns:p="http://schemas.openxmlformats.org/presentationml/2006/main">
   <p:cSld>
-    <p:spTree>
-      <p:nvGrpSpPr>
-        <p:cNvPr id="1" name=""/>
-        <p:cNvGrpSpPr/>
-        <p:nvPr/>
-      </p:nvGrpSpPr>
-      <p:grpSpPr>
-        <a:xfrm>
-          <a:off x="0" y="0"/>
-          <a:ext cx="0" cy="0"/>
-          <a:chOff x="0" y="0"/>
-          <a:chExt cx="0" cy="0"/>
-        </a:xfrm>
-      </p:grpSpPr>
-      <p:sp>
-        <p:nvSpPr>
-          <p:cNvPr id="2" name="Titel 1">
-            <a:extLst>
-              <a:ext uri="{FF2B5EF4-FFF2-40B4-BE49-F238E27FC236}">
-                <a16:creationId xmlns:a16="http://schemas.microsoft.com/office/drawing/2014/main" id="{02772689-F573-492F-8B9D-09C866AF2AAB}"/>
-              </a:ext>
-            </a:extLst>
-          </p:cNvPr>
-          <p:cNvSpPr>
-            <a:spLocks noGrp="1"/>
-          </p:cNvSpPr>
-          <p:nvPr>
-            <p:ph type="title"/>
-          </p:nvPr>
-        </p:nvSpPr>
-        <p:spPr/>
-        <p:txBody>
-          <a:bodyPr/>
-          <a:lstStyle/>
-          <a:p>
-            <a:r>
-              <a:rPr lang="de-DE" dirty="0" err="1"/>
-              <a:t>Logarythmic</a:t>
-            </a:r>
-            <a:br>
-              <a:rPr lang="de-DE" dirty="0"/>
-            </a:br>
-            <a:r>
-              <a:rPr lang="de-DE" dirty="0" err="1"/>
-              <a:t>scaling</a:t>
-            </a:r>
-            <a:r>
-              <a:rPr lang="de-DE" dirty="0"/>
-              <a:t> or </a:t>
-            </a:r>
-            <a:r>
-              <a:rPr lang="de-DE" dirty="0" err="1"/>
-              <a:t>normalizing</a:t>
-            </a:r>
-            <a:r>
-              <a:rPr lang="de-DE" dirty="0"/>
-              <a:t> ?</a:t>
-            </a:r>
-          </a:p>
-        </p:txBody>
-      </p:sp>
-      <p:sp>
-        <p:nvSpPr>
-          <p:cNvPr id="3" name="Inhaltsplatzhalter 2">
-            <a:extLst>
-              <a:ext uri="{FF2B5EF4-FFF2-40B4-BE49-F238E27FC236}">
-                <a16:creationId xmlns:a16="http://schemas.microsoft.com/office/drawing/2014/main" id="{D19881F5-EBB6-42E0-9A41-BB475736093C}"/>
-              </a:ext>
-            </a:extLst>
-          </p:cNvPr>
-          <p:cNvSpPr>
-            <a:spLocks noGrp="1"/>
-          </p:cNvSpPr>
-          <p:nvPr>
-            <p:ph idx="1"/>
-          </p:nvPr>
-        </p:nvSpPr>
-        <p:spPr/>
-        <p:txBody>
-          <a:bodyPr/>
-          <a:lstStyle/>
-          <a:p>
-            <a:r>
-              <a:rPr lang="de-DE" dirty="0"/>
-              <a:t>Hier kommt ein </a:t>
-            </a:r>
-            <a:r>
-              <a:rPr lang="de-DE" dirty="0" err="1"/>
-              <a:t>bild</a:t>
-            </a:r>
-            <a:r>
-              <a:rPr lang="de-DE" dirty="0"/>
-              <a:t> von diesen hübschen neuen </a:t>
-            </a:r>
-            <a:r>
-              <a:rPr lang="de-DE" dirty="0" err="1"/>
-              <a:t>skrattar</a:t>
-            </a:r>
-            <a:r>
-              <a:rPr lang="de-DE" dirty="0"/>
-              <a:t> Plots hin</a:t>
-            </a:r>
-          </a:p>
-          <a:p>
-            <a:endParaRPr lang="de-DE" dirty="0"/>
-          </a:p>
-          <a:p>
-            <a:r>
-              <a:rPr lang="de-DE" dirty="0"/>
-              <a:t>Das vermutlich erst ans ende</a:t>
-            </a:r>
-          </a:p>
-        </p:txBody>
-      </p:sp>
-      <p:pic>
-        <p:nvPicPr>
-          <p:cNvPr id="5" name="Grafik 4" descr="Neuer Rollstuhl">
-            <a:extLst>
-              <a:ext uri="{FF2B5EF4-FFF2-40B4-BE49-F238E27FC236}">
-                <a16:creationId xmlns:a16="http://schemas.microsoft.com/office/drawing/2014/main" id="{6C08A08D-59BA-4506-84FE-C2620CDEB8EC}"/>
-              </a:ext>
-            </a:extLst>
-          </p:cNvPr>
-          <p:cNvPicPr>
-            <a:picLocks noChangeAspect="1"/>
-          </p:cNvPicPr>
-          <p:nvPr/>
-        </p:nvPicPr>
-        <p:blipFill>
-          <a:blip r:embed="rId2">
-            <a:extLst>
-              <a:ext uri="{96DAC541-7B7A-43D3-8B79-37D633B846F1}">
-                <asvg:svgBlip xmlns:asvg="http://schemas.microsoft.com/office/drawing/2016/SVG/main" r:embed="rId3"/>
-              </a:ext>
-            </a:extLst>
-          </a:blip>
-          <a:stretch>
-            <a:fillRect/>
-          </a:stretch>
-        </p:blipFill>
-        <p:spPr>
-          <a:xfrm>
-            <a:off x="5355056" y="4643401"/>
-            <a:ext cx="914400" cy="914400"/>
-          </a:xfrm>
-          <a:prstGeom prst="rect">
-            <a:avLst/>
-          </a:prstGeom>
-        </p:spPr>
-      </p:pic>
-      <p:pic>
-        <p:nvPicPr>
-          <p:cNvPr id="7" name="Grafik 6" descr="Gesicht mit Schnäuzer ohne Füllung">
-            <a:extLst>
-              <a:ext uri="{FF2B5EF4-FFF2-40B4-BE49-F238E27FC236}">
-                <a16:creationId xmlns:a16="http://schemas.microsoft.com/office/drawing/2014/main" id="{226A3007-1BED-48EF-B9F2-FCA90FEE0447}"/>
-              </a:ext>
-            </a:extLst>
-          </p:cNvPr>
-          <p:cNvPicPr>
-            <a:picLocks noChangeAspect="1"/>
-          </p:cNvPicPr>
-          <p:nvPr/>
-        </p:nvPicPr>
-        <p:blipFill>
-          <a:blip r:embed="rId4">
-            <a:extLst>
-              <a:ext uri="{96DAC541-7B7A-43D3-8B79-37D633B846F1}">
-                <asvg:svgBlip xmlns:asvg="http://schemas.microsoft.com/office/drawing/2016/SVG/main" r:embed="rId5"/>
-              </a:ext>
-            </a:extLst>
-          </a:blip>
-          <a:stretch>
-            <a:fillRect/>
-          </a:stretch>
-        </p:blipFill>
-        <p:spPr>
-          <a:xfrm>
-            <a:off x="4303062" y="4670381"/>
-            <a:ext cx="914400" cy="914400"/>
-          </a:xfrm>
-          <a:prstGeom prst="rect">
-            <a:avLst/>
-          </a:prstGeom>
-        </p:spPr>
-      </p:pic>
-      <p:pic>
-        <p:nvPicPr>
-          <p:cNvPr id="9" name="Grafik 8" descr="Gesicht mit Sonnenbrille ohne Füllung">
-            <a:extLst>
-              <a:ext uri="{FF2B5EF4-FFF2-40B4-BE49-F238E27FC236}">
-                <a16:creationId xmlns:a16="http://schemas.microsoft.com/office/drawing/2014/main" id="{25290B9C-BCB2-49F3-8786-1803E6C946D6}"/>
-              </a:ext>
-            </a:extLst>
-          </p:cNvPr>
-          <p:cNvPicPr>
-            <a:picLocks noChangeAspect="1"/>
-          </p:cNvPicPr>
-          <p:nvPr/>
-        </p:nvPicPr>
-        <p:blipFill>
-          <a:blip r:embed="rId6">
-            <a:extLst>
-              <a:ext uri="{96DAC541-7B7A-43D3-8B79-37D633B846F1}">
-                <asvg:svgBlip xmlns:asvg="http://schemas.microsoft.com/office/drawing/2016/SVG/main" r:embed="rId7"/>
-              </a:ext>
-            </a:extLst>
-          </a:blip>
-          <a:stretch>
-            <a:fillRect/>
-          </a:stretch>
-        </p:blipFill>
-        <p:spPr>
-          <a:xfrm>
-            <a:off x="6723531" y="4670381"/>
-            <a:ext cx="914400" cy="914400"/>
-          </a:xfrm>
-          <a:prstGeom prst="rect">
-            <a:avLst/>
-          </a:prstGeom>
-        </p:spPr>
-      </p:pic>
-    </p:spTree>
-    <p:extLst>
-      <p:ext uri="{BB962C8B-B14F-4D97-AF65-F5344CB8AC3E}">
-        <p14:creationId xmlns:p14="http://schemas.microsoft.com/office/powerpoint/2010/main" val="1316700749"/>
-      </p:ext>
-    </p:extLst>
-  </p:cSld>
-  <p:clrMapOvr>
-    <a:masterClrMapping/>
-  </p:clrMapOvr>
-</p:sld>
-</file>
-
-<file path=ppt/slides/slide15.xml><?xml version="1.0" encoding="utf-8"?>
-<p:sld xmlns:a="http://schemas.openxmlformats.org/drawingml/2006/main" xmlns:r="http://schemas.openxmlformats.org/officeDocument/2006/relationships" xmlns:p="http://schemas.openxmlformats.org/presentationml/2006/main">
-  <p:cSld>
     <p:bg>
       <p:bgPr>
         <a:solidFill>

--- a/Project Proposal.pptx
+++ b/Project Proposal.pptx
@@ -23737,7 +23737,7 @@
           <a:p>
             <a:fld id="{E7E59A38-91BB-4C93-A3BD-B3DAC61A8C6D}" type="datetimeFigureOut">
               <a:rPr lang="de-DE" smtClean="0"/>
-              <a:t>14.05.2019</a:t>
+              <a:t>15.05.2019</a:t>
             </a:fld>
             <a:endParaRPr lang="de-DE"/>
           </a:p>
@@ -24257,7 +24257,7 @@
           <a:p>
             <a:fld id="{4AAD347D-5ACD-4C99-B74B-A9C85AD731AF}" type="datetimeFigureOut">
               <a:rPr lang="en-US" smtClean="0"/>
-              <a:t>5/14/2019</a:t>
+              <a:t>5/15/2019</a:t>
             </a:fld>
             <a:endParaRPr lang="en-US" dirty="0"/>
           </a:p>
@@ -24587,7 +24587,7 @@
           <a:p>
             <a:fld id="{4509A250-FF31-4206-8172-F9D3106AACB1}" type="datetimeFigureOut">
               <a:rPr lang="en-US" smtClean="0"/>
-              <a:t>5/14/2019</a:t>
+              <a:t>5/15/2019</a:t>
             </a:fld>
             <a:endParaRPr lang="en-US" dirty="0"/>
           </a:p>
@@ -24767,7 +24767,7 @@
           <a:p>
             <a:fld id="{4509A250-FF31-4206-8172-F9D3106AACB1}" type="datetimeFigureOut">
               <a:rPr lang="en-US" smtClean="0"/>
-              <a:t>5/14/2019</a:t>
+              <a:t>5/15/2019</a:t>
             </a:fld>
             <a:endParaRPr lang="en-US" dirty="0"/>
           </a:p>
@@ -24937,7 +24937,7 @@
           <a:p>
             <a:fld id="{4509A250-FF31-4206-8172-F9D3106AACB1}" type="datetimeFigureOut">
               <a:rPr lang="en-US" smtClean="0"/>
-              <a:t>5/14/2019</a:t>
+              <a:t>5/15/2019</a:t>
             </a:fld>
             <a:endParaRPr lang="en-US" dirty="0"/>
           </a:p>
@@ -25214,7 +25214,7 @@
           <a:p>
             <a:fld id="{9796027F-7875-4030-9381-8BD8C4F21935}" type="datetimeFigureOut">
               <a:rPr lang="en-US" smtClean="0"/>
-              <a:t>5/14/2019</a:t>
+              <a:t>5/15/2019</a:t>
             </a:fld>
             <a:endParaRPr lang="en-US" dirty="0"/>
           </a:p>
@@ -25608,7 +25608,7 @@
           <a:p>
             <a:fld id="{9796027F-7875-4030-9381-8BD8C4F21935}" type="datetimeFigureOut">
               <a:rPr lang="en-US" smtClean="0"/>
-              <a:t>5/14/2019</a:t>
+              <a:t>5/15/2019</a:t>
             </a:fld>
             <a:endParaRPr lang="en-US" dirty="0"/>
           </a:p>
@@ -26085,7 +26085,7 @@
           <a:p>
             <a:fld id="{9796027F-7875-4030-9381-8BD8C4F21935}" type="datetimeFigureOut">
               <a:rPr lang="en-US" smtClean="0"/>
-              <a:t>5/14/2019</a:t>
+              <a:t>5/15/2019</a:t>
             </a:fld>
             <a:endParaRPr lang="en-US" dirty="0"/>
           </a:p>
@@ -26203,7 +26203,7 @@
           <a:p>
             <a:fld id="{4509A250-FF31-4206-8172-F9D3106AACB1}" type="datetimeFigureOut">
               <a:rPr lang="en-US" smtClean="0"/>
-              <a:t>5/14/2019</a:t>
+              <a:t>5/15/2019</a:t>
             </a:fld>
             <a:endParaRPr lang="en-US" dirty="0"/>
           </a:p>
@@ -26298,7 +26298,7 @@
           <a:p>
             <a:fld id="{4509A250-FF31-4206-8172-F9D3106AACB1}" type="datetimeFigureOut">
               <a:rPr lang="en-US" smtClean="0"/>
-              <a:t>5/14/2019</a:t>
+              <a:t>5/15/2019</a:t>
             </a:fld>
             <a:endParaRPr lang="en-US" dirty="0"/>
           </a:p>
@@ -26644,7 +26644,7 @@
           <a:p>
             <a:fld id="{4509A250-FF31-4206-8172-F9D3106AACB1}" type="datetimeFigureOut">
               <a:rPr lang="en-US" smtClean="0"/>
-              <a:t>5/14/2019</a:t>
+              <a:t>5/15/2019</a:t>
             </a:fld>
             <a:endParaRPr lang="en-US" dirty="0"/>
           </a:p>
@@ -27032,7 +27032,7 @@
           <a:p>
             <a:fld id="{4509A250-FF31-4206-8172-F9D3106AACB1}" type="datetimeFigureOut">
               <a:rPr lang="en-US" smtClean="0"/>
-              <a:t>5/14/2019</a:t>
+              <a:t>5/15/2019</a:t>
             </a:fld>
             <a:endParaRPr lang="en-US" dirty="0"/>
           </a:p>
@@ -27310,7 +27310,7 @@
           <a:p>
             <a:fld id="{4AAD347D-5ACD-4C99-B74B-A9C85AD731AF}" type="datetimeFigureOut">
               <a:rPr lang="en-US" smtClean="0"/>
-              <a:t>5/14/2019</a:t>
+              <a:t>5/15/2019</a:t>
             </a:fld>
             <a:endParaRPr lang="en-US" dirty="0"/>
           </a:p>
@@ -30717,10 +30717,10 @@
       </p:pic>
       <p:pic>
         <p:nvPicPr>
-          <p:cNvPr id="4" name="Grafik 3">
+          <p:cNvPr id="5" name="Grafik 4">
             <a:extLst>
               <a:ext uri="{FF2B5EF4-FFF2-40B4-BE49-F238E27FC236}">
-                <a16:creationId xmlns:a16="http://schemas.microsoft.com/office/drawing/2014/main" id="{2952447A-BDC2-4007-8D08-4DF9AE599F24}"/>
+                <a16:creationId xmlns:a16="http://schemas.microsoft.com/office/drawing/2014/main" id="{644C1AE8-5E7C-42AC-92DF-8F96F8C92620}"/>
               </a:ext>
             </a:extLst>
           </p:cNvPr>
@@ -30737,8 +30737,8 @@
         </p:blipFill>
         <p:spPr>
           <a:xfrm>
-            <a:off x="6701036" y="3752850"/>
-            <a:ext cx="4139244" cy="2652432"/>
+            <a:off x="6962087" y="3497738"/>
+            <a:ext cx="4383461" cy="2958335"/>
           </a:xfrm>
           <a:prstGeom prst="rect">
             <a:avLst/>

--- a/Project Proposal.pptx
+++ b/Project Proposal.pptx
@@ -19,9 +19,9 @@
     <p:sldId id="264" r:id="rId10"/>
     <p:sldId id="265" r:id="rId11"/>
     <p:sldId id="272" r:id="rId12"/>
-    <p:sldId id="269" r:id="rId13"/>
-    <p:sldId id="270" r:id="rId14"/>
-    <p:sldId id="271" r:id="rId15"/>
+    <p:sldId id="273" r:id="rId13"/>
+    <p:sldId id="269" r:id="rId14"/>
+    <p:sldId id="270" r:id="rId15"/>
   </p:sldIdLst>
   <p:sldSz cx="12192000" cy="6858000"/>
   <p:notesSz cx="6858000" cy="9144000"/>
@@ -3703,6 +3703,788 @@
 </file>
 
 <file path=ppt/diagrams/colors5.xml><?xml version="1.0" encoding="utf-8"?>
+<dgm:colorsDef xmlns:dgm="http://schemas.openxmlformats.org/drawingml/2006/diagram" xmlns:a="http://schemas.openxmlformats.org/drawingml/2006/main" uniqueId="urn:microsoft.com/office/officeart/2005/8/colors/colorful5">
+  <dgm:title val=""/>
+  <dgm:desc val=""/>
+  <dgm:catLst>
+    <dgm:cat type="colorful" pri="10500"/>
+  </dgm:catLst>
+  <dgm:styleLbl name="node0">
+    <dgm:fillClrLst meth="repeat">
+      <a:schemeClr val="accent4"/>
+    </dgm:fillClrLst>
+    <dgm:linClrLst meth="repeat">
+      <a:schemeClr val="lt1"/>
+    </dgm:linClrLst>
+    <dgm:effectClrLst/>
+    <dgm:txLinClrLst/>
+    <dgm:txFillClrLst/>
+    <dgm:txEffectClrLst/>
+  </dgm:styleLbl>
+  <dgm:styleLbl name="node1">
+    <dgm:fillClrLst>
+      <a:schemeClr val="accent5"/>
+      <a:schemeClr val="accent6"/>
+    </dgm:fillClrLst>
+    <dgm:linClrLst meth="repeat">
+      <a:schemeClr val="lt1"/>
+    </dgm:linClrLst>
+    <dgm:effectClrLst/>
+    <dgm:txLinClrLst/>
+    <dgm:txFillClrLst/>
+    <dgm:txEffectClrLst/>
+  </dgm:styleLbl>
+  <dgm:styleLbl name="alignNode1">
+    <dgm:fillClrLst>
+      <a:schemeClr val="accent5"/>
+      <a:schemeClr val="accent6"/>
+    </dgm:fillClrLst>
+    <dgm:linClrLst>
+      <a:schemeClr val="accent5"/>
+      <a:schemeClr val="accent6"/>
+    </dgm:linClrLst>
+    <dgm:effectClrLst/>
+    <dgm:txLinClrLst/>
+    <dgm:txFillClrLst/>
+    <dgm:txEffectClrLst/>
+  </dgm:styleLbl>
+  <dgm:styleLbl name="lnNode1">
+    <dgm:fillClrLst>
+      <a:schemeClr val="accent5"/>
+      <a:schemeClr val="accent6"/>
+    </dgm:fillClrLst>
+    <dgm:linClrLst meth="repeat">
+      <a:schemeClr val="lt1"/>
+    </dgm:linClrLst>
+    <dgm:effectClrLst/>
+    <dgm:txLinClrLst/>
+    <dgm:txFillClrLst/>
+    <dgm:txEffectClrLst/>
+  </dgm:styleLbl>
+  <dgm:styleLbl name="vennNode1">
+    <dgm:fillClrLst>
+      <a:schemeClr val="accent5">
+        <a:alpha val="50000"/>
+      </a:schemeClr>
+      <a:schemeClr val="accent6">
+        <a:alpha val="50000"/>
+      </a:schemeClr>
+    </dgm:fillClrLst>
+    <dgm:linClrLst meth="repeat">
+      <a:schemeClr val="lt1"/>
+    </dgm:linClrLst>
+    <dgm:effectClrLst/>
+    <dgm:txLinClrLst/>
+    <dgm:txFillClrLst/>
+    <dgm:txEffectClrLst/>
+  </dgm:styleLbl>
+  <dgm:styleLbl name="node2">
+    <dgm:fillClrLst>
+      <a:schemeClr val="accent6"/>
+    </dgm:fillClrLst>
+    <dgm:linClrLst meth="repeat">
+      <a:schemeClr val="lt1"/>
+    </dgm:linClrLst>
+    <dgm:effectClrLst/>
+    <dgm:txLinClrLst/>
+    <dgm:txFillClrLst/>
+    <dgm:txEffectClrLst/>
+  </dgm:styleLbl>
+  <dgm:styleLbl name="node3">
+    <dgm:fillClrLst>
+      <a:schemeClr val="accent1"/>
+    </dgm:fillClrLst>
+    <dgm:linClrLst meth="repeat">
+      <a:schemeClr val="lt1"/>
+    </dgm:linClrLst>
+    <dgm:effectClrLst/>
+    <dgm:txLinClrLst/>
+    <dgm:txFillClrLst/>
+    <dgm:txEffectClrLst/>
+  </dgm:styleLbl>
+  <dgm:styleLbl name="node4">
+    <dgm:fillClrLst>
+      <a:schemeClr val="accent2"/>
+    </dgm:fillClrLst>
+    <dgm:linClrLst meth="repeat">
+      <a:schemeClr val="lt1"/>
+    </dgm:linClrLst>
+    <dgm:effectClrLst/>
+    <dgm:txLinClrLst/>
+    <dgm:txFillClrLst/>
+    <dgm:txEffectClrLst/>
+  </dgm:styleLbl>
+  <dgm:styleLbl name="fgImgPlace1">
+    <dgm:fillClrLst>
+      <a:schemeClr val="accent5">
+        <a:tint val="50000"/>
+      </a:schemeClr>
+      <a:schemeClr val="accent6">
+        <a:tint val="50000"/>
+      </a:schemeClr>
+    </dgm:fillClrLst>
+    <dgm:linClrLst meth="repeat">
+      <a:schemeClr val="lt1"/>
+    </dgm:linClrLst>
+    <dgm:effectClrLst/>
+    <dgm:txLinClrLst/>
+    <dgm:txFillClrLst meth="repeat">
+      <a:schemeClr val="lt1"/>
+    </dgm:txFillClrLst>
+    <dgm:txEffectClrLst/>
+  </dgm:styleLbl>
+  <dgm:styleLbl name="alignImgPlace1">
+    <dgm:fillClrLst>
+      <a:schemeClr val="accent5">
+        <a:tint val="50000"/>
+      </a:schemeClr>
+      <a:schemeClr val="accent6">
+        <a:tint val="20000"/>
+      </a:schemeClr>
+    </dgm:fillClrLst>
+    <dgm:linClrLst meth="repeat">
+      <a:schemeClr val="lt1"/>
+    </dgm:linClrLst>
+    <dgm:effectClrLst/>
+    <dgm:txLinClrLst/>
+    <dgm:txFillClrLst meth="repeat">
+      <a:schemeClr val="lt1"/>
+    </dgm:txFillClrLst>
+    <dgm:txEffectClrLst/>
+  </dgm:styleLbl>
+  <dgm:styleLbl name="bgImgPlace1">
+    <dgm:fillClrLst>
+      <a:schemeClr val="accent5">
+        <a:tint val="50000"/>
+      </a:schemeClr>
+      <a:schemeClr val="accent6">
+        <a:tint val="20000"/>
+      </a:schemeClr>
+    </dgm:fillClrLst>
+    <dgm:linClrLst meth="repeat">
+      <a:schemeClr val="lt1"/>
+    </dgm:linClrLst>
+    <dgm:effectClrLst/>
+    <dgm:txLinClrLst/>
+    <dgm:txFillClrLst meth="repeat">
+      <a:schemeClr val="lt1"/>
+    </dgm:txFillClrLst>
+    <dgm:txEffectClrLst/>
+  </dgm:styleLbl>
+  <dgm:styleLbl name="sibTrans2D1">
+    <dgm:fillClrLst>
+      <a:schemeClr val="accent5"/>
+      <a:schemeClr val="accent6"/>
+    </dgm:fillClrLst>
+    <dgm:linClrLst meth="repeat">
+      <a:schemeClr val="lt1"/>
+    </dgm:linClrLst>
+    <dgm:effectClrLst/>
+    <dgm:txLinClrLst/>
+    <dgm:txFillClrLst/>
+    <dgm:txEffectClrLst/>
+  </dgm:styleLbl>
+  <dgm:styleLbl name="fgSibTrans2D1">
+    <dgm:fillClrLst>
+      <a:schemeClr val="accent5"/>
+      <a:schemeClr val="accent6"/>
+    </dgm:fillClrLst>
+    <dgm:linClrLst meth="repeat">
+      <a:schemeClr val="lt1"/>
+    </dgm:linClrLst>
+    <dgm:effectClrLst/>
+    <dgm:txLinClrLst/>
+    <dgm:txFillClrLst meth="repeat">
+      <a:schemeClr val="lt1"/>
+    </dgm:txFillClrLst>
+    <dgm:txEffectClrLst/>
+  </dgm:styleLbl>
+  <dgm:styleLbl name="bgSibTrans2D1">
+    <dgm:fillClrLst>
+      <a:schemeClr val="accent5"/>
+      <a:schemeClr val="accent6"/>
+    </dgm:fillClrLst>
+    <dgm:linClrLst meth="repeat">
+      <a:schemeClr val="lt1"/>
+    </dgm:linClrLst>
+    <dgm:effectClrLst/>
+    <dgm:txLinClrLst/>
+    <dgm:txFillClrLst meth="repeat">
+      <a:schemeClr val="lt1"/>
+    </dgm:txFillClrLst>
+    <dgm:txEffectClrLst/>
+  </dgm:styleLbl>
+  <dgm:styleLbl name="sibTrans1D1">
+    <dgm:fillClrLst/>
+    <dgm:linClrLst>
+      <a:schemeClr val="accent5"/>
+      <a:schemeClr val="accent6"/>
+    </dgm:linClrLst>
+    <dgm:effectClrLst/>
+    <dgm:txLinClrLst/>
+    <dgm:txFillClrLst meth="repeat">
+      <a:schemeClr val="tx1"/>
+    </dgm:txFillClrLst>
+    <dgm:txEffectClrLst/>
+  </dgm:styleLbl>
+  <dgm:styleLbl name="callout">
+    <dgm:fillClrLst meth="repeat">
+      <a:schemeClr val="accent5"/>
+    </dgm:fillClrLst>
+    <dgm:linClrLst meth="repeat">
+      <a:schemeClr val="accent5">
+        <a:tint val="50000"/>
+      </a:schemeClr>
+    </dgm:linClrLst>
+    <dgm:effectClrLst/>
+    <dgm:txLinClrLst/>
+    <dgm:txFillClrLst meth="repeat">
+      <a:schemeClr val="tx1"/>
+    </dgm:txFillClrLst>
+    <dgm:txEffectClrLst/>
+  </dgm:styleLbl>
+  <dgm:styleLbl name="asst0">
+    <dgm:fillClrLst meth="repeat">
+      <a:schemeClr val="accent5"/>
+    </dgm:fillClrLst>
+    <dgm:linClrLst meth="repeat">
+      <a:schemeClr val="lt1">
+        <a:shade val="80000"/>
+      </a:schemeClr>
+    </dgm:linClrLst>
+    <dgm:effectClrLst/>
+    <dgm:txLinClrLst/>
+    <dgm:txFillClrLst/>
+    <dgm:txEffectClrLst/>
+  </dgm:styleLbl>
+  <dgm:styleLbl name="asst1">
+    <dgm:fillClrLst meth="repeat">
+      <a:schemeClr val="accent6"/>
+    </dgm:fillClrLst>
+    <dgm:linClrLst meth="repeat">
+      <a:schemeClr val="lt1">
+        <a:shade val="80000"/>
+      </a:schemeClr>
+    </dgm:linClrLst>
+    <dgm:effectClrLst/>
+    <dgm:txLinClrLst/>
+    <dgm:txFillClrLst/>
+    <dgm:txEffectClrLst/>
+  </dgm:styleLbl>
+  <dgm:styleLbl name="asst2">
+    <dgm:fillClrLst>
+      <a:schemeClr val="accent1"/>
+    </dgm:fillClrLst>
+    <dgm:linClrLst meth="repeat">
+      <a:schemeClr val="lt1"/>
+    </dgm:linClrLst>
+    <dgm:effectClrLst/>
+    <dgm:txLinClrLst/>
+    <dgm:txFillClrLst/>
+    <dgm:txEffectClrLst/>
+  </dgm:styleLbl>
+  <dgm:styleLbl name="asst3">
+    <dgm:fillClrLst>
+      <a:schemeClr val="accent2"/>
+    </dgm:fillClrLst>
+    <dgm:linClrLst meth="repeat">
+      <a:schemeClr val="lt1"/>
+    </dgm:linClrLst>
+    <dgm:effectClrLst/>
+    <dgm:txLinClrLst/>
+    <dgm:txFillClrLst/>
+    <dgm:txEffectClrLst/>
+  </dgm:styleLbl>
+  <dgm:styleLbl name="asst4">
+    <dgm:fillClrLst>
+      <a:schemeClr val="accent3"/>
+    </dgm:fillClrLst>
+    <dgm:linClrLst meth="repeat">
+      <a:schemeClr val="lt1"/>
+    </dgm:linClrLst>
+    <dgm:effectClrLst/>
+    <dgm:txLinClrLst/>
+    <dgm:txFillClrLst/>
+    <dgm:txEffectClrLst/>
+  </dgm:styleLbl>
+  <dgm:styleLbl name="parChTrans2D1">
+    <dgm:fillClrLst meth="repeat">
+      <a:schemeClr val="accent5"/>
+    </dgm:fillClrLst>
+    <dgm:linClrLst meth="repeat">
+      <a:schemeClr val="lt1"/>
+    </dgm:linClrLst>
+    <dgm:effectClrLst/>
+    <dgm:txLinClrLst/>
+    <dgm:txFillClrLst meth="repeat">
+      <a:schemeClr val="lt1"/>
+    </dgm:txFillClrLst>
+    <dgm:txEffectClrLst/>
+  </dgm:styleLbl>
+  <dgm:styleLbl name="parChTrans2D2">
+    <dgm:fillClrLst meth="repeat">
+      <a:schemeClr val="accent6"/>
+    </dgm:fillClrLst>
+    <dgm:linClrLst meth="repeat">
+      <a:schemeClr val="lt1"/>
+    </dgm:linClrLst>
+    <dgm:effectClrLst/>
+    <dgm:txLinClrLst/>
+    <dgm:txFillClrLst/>
+    <dgm:txEffectClrLst/>
+  </dgm:styleLbl>
+  <dgm:styleLbl name="parChTrans2D3">
+    <dgm:fillClrLst meth="repeat">
+      <a:schemeClr val="accent6"/>
+    </dgm:fillClrLst>
+    <dgm:linClrLst meth="repeat">
+      <a:schemeClr val="lt1"/>
+    </dgm:linClrLst>
+    <dgm:effectClrLst/>
+    <dgm:txLinClrLst/>
+    <dgm:txFillClrLst/>
+    <dgm:txEffectClrLst/>
+  </dgm:styleLbl>
+  <dgm:styleLbl name="parChTrans2D4">
+    <dgm:fillClrLst meth="repeat">
+      <a:schemeClr val="accent1"/>
+    </dgm:fillClrLst>
+    <dgm:linClrLst meth="repeat">
+      <a:schemeClr val="lt1"/>
+    </dgm:linClrLst>
+    <dgm:effectClrLst/>
+    <dgm:txLinClrLst/>
+    <dgm:txFillClrLst meth="repeat">
+      <a:schemeClr val="lt1"/>
+    </dgm:txFillClrLst>
+    <dgm:txEffectClrLst/>
+  </dgm:styleLbl>
+  <dgm:styleLbl name="parChTrans1D1">
+    <dgm:fillClrLst meth="repeat">
+      <a:schemeClr val="accent5"/>
+    </dgm:fillClrLst>
+    <dgm:linClrLst meth="repeat">
+      <a:schemeClr val="accent5"/>
+    </dgm:linClrLst>
+    <dgm:effectClrLst/>
+    <dgm:txLinClrLst/>
+    <dgm:txFillClrLst meth="repeat">
+      <a:schemeClr val="tx1"/>
+    </dgm:txFillClrLst>
+    <dgm:txEffectClrLst/>
+  </dgm:styleLbl>
+  <dgm:styleLbl name="parChTrans1D2">
+    <dgm:fillClrLst meth="repeat">
+      <a:schemeClr val="accent6">
+        <a:tint val="90000"/>
+      </a:schemeClr>
+    </dgm:fillClrLst>
+    <dgm:linClrLst meth="repeat">
+      <a:schemeClr val="accent6"/>
+    </dgm:linClrLst>
+    <dgm:effectClrLst/>
+    <dgm:txLinClrLst/>
+    <dgm:txFillClrLst meth="repeat">
+      <a:schemeClr val="tx1"/>
+    </dgm:txFillClrLst>
+    <dgm:txEffectClrLst/>
+  </dgm:styleLbl>
+  <dgm:styleLbl name="parChTrans1D3">
+    <dgm:fillClrLst meth="repeat">
+      <a:schemeClr val="accent6">
+        <a:tint val="70000"/>
+      </a:schemeClr>
+    </dgm:fillClrLst>
+    <dgm:linClrLst meth="repeat">
+      <a:schemeClr val="accent1"/>
+    </dgm:linClrLst>
+    <dgm:effectClrLst/>
+    <dgm:txLinClrLst/>
+    <dgm:txFillClrLst meth="repeat">
+      <a:schemeClr val="tx1"/>
+    </dgm:txFillClrLst>
+    <dgm:txEffectClrLst/>
+  </dgm:styleLbl>
+  <dgm:styleLbl name="parChTrans1D4">
+    <dgm:fillClrLst meth="repeat">
+      <a:schemeClr val="accent6">
+        <a:tint val="50000"/>
+      </a:schemeClr>
+    </dgm:fillClrLst>
+    <dgm:linClrLst meth="repeat">
+      <a:schemeClr val="accent2"/>
+    </dgm:linClrLst>
+    <dgm:effectClrLst/>
+    <dgm:txLinClrLst/>
+    <dgm:txFillClrLst meth="repeat">
+      <a:schemeClr val="tx1"/>
+    </dgm:txFillClrLst>
+    <dgm:txEffectClrLst/>
+  </dgm:styleLbl>
+  <dgm:styleLbl name="fgAcc1">
+    <dgm:fillClrLst meth="repeat">
+      <a:schemeClr val="lt1">
+        <a:alpha val="90000"/>
+      </a:schemeClr>
+    </dgm:fillClrLst>
+    <dgm:linClrLst>
+      <a:schemeClr val="accent5"/>
+      <a:schemeClr val="accent6"/>
+    </dgm:linClrLst>
+    <dgm:effectClrLst/>
+    <dgm:txLinClrLst/>
+    <dgm:txFillClrLst meth="repeat">
+      <a:schemeClr val="dk1"/>
+    </dgm:txFillClrLst>
+    <dgm:txEffectClrLst/>
+  </dgm:styleLbl>
+  <dgm:styleLbl name="conFgAcc1">
+    <dgm:fillClrLst meth="repeat">
+      <a:schemeClr val="lt1">
+        <a:alpha val="90000"/>
+      </a:schemeClr>
+    </dgm:fillClrLst>
+    <dgm:linClrLst>
+      <a:schemeClr val="accent5"/>
+      <a:schemeClr val="accent6"/>
+    </dgm:linClrLst>
+    <dgm:effectClrLst/>
+    <dgm:txLinClrLst/>
+    <dgm:txFillClrLst meth="repeat">
+      <a:schemeClr val="dk1"/>
+    </dgm:txFillClrLst>
+    <dgm:txEffectClrLst/>
+  </dgm:styleLbl>
+  <dgm:styleLbl name="alignAcc1">
+    <dgm:fillClrLst meth="repeat">
+      <a:schemeClr val="lt1">
+        <a:alpha val="90000"/>
+      </a:schemeClr>
+    </dgm:fillClrLst>
+    <dgm:linClrLst>
+      <a:schemeClr val="accent5"/>
+      <a:schemeClr val="accent6"/>
+    </dgm:linClrLst>
+    <dgm:effectClrLst/>
+    <dgm:txLinClrLst/>
+    <dgm:txFillClrLst meth="repeat">
+      <a:schemeClr val="dk1"/>
+    </dgm:txFillClrLst>
+    <dgm:txEffectClrLst/>
+  </dgm:styleLbl>
+  <dgm:styleLbl name="trAlignAcc1">
+    <dgm:fillClrLst meth="repeat">
+      <a:schemeClr val="lt1">
+        <a:alpha val="40000"/>
+      </a:schemeClr>
+    </dgm:fillClrLst>
+    <dgm:linClrLst meth="repeat">
+      <a:schemeClr val="accent5"/>
+    </dgm:linClrLst>
+    <dgm:effectClrLst/>
+    <dgm:txLinClrLst/>
+    <dgm:txFillClrLst meth="repeat">
+      <a:schemeClr val="dk1"/>
+    </dgm:txFillClrLst>
+    <dgm:txEffectClrLst/>
+  </dgm:styleLbl>
+  <dgm:styleLbl name="bgAcc1">
+    <dgm:fillClrLst meth="repeat">
+      <a:schemeClr val="lt1">
+        <a:alpha val="90000"/>
+      </a:schemeClr>
+    </dgm:fillClrLst>
+    <dgm:linClrLst>
+      <a:schemeClr val="accent5"/>
+      <a:schemeClr val="accent6"/>
+    </dgm:linClrLst>
+    <dgm:effectClrLst/>
+    <dgm:txLinClrLst/>
+    <dgm:txFillClrLst meth="repeat">
+      <a:schemeClr val="dk1"/>
+    </dgm:txFillClrLst>
+    <dgm:txEffectClrLst/>
+  </dgm:styleLbl>
+  <dgm:styleLbl name="solidFgAcc1">
+    <dgm:fillClrLst meth="repeat">
+      <a:schemeClr val="lt1"/>
+    </dgm:fillClrLst>
+    <dgm:linClrLst>
+      <a:schemeClr val="accent5"/>
+      <a:schemeClr val="accent6"/>
+    </dgm:linClrLst>
+    <dgm:effectClrLst/>
+    <dgm:txLinClrLst/>
+    <dgm:txFillClrLst meth="repeat">
+      <a:schemeClr val="dk1"/>
+    </dgm:txFillClrLst>
+    <dgm:txEffectClrLst/>
+  </dgm:styleLbl>
+  <dgm:styleLbl name="solidAlignAcc1">
+    <dgm:fillClrLst meth="repeat">
+      <a:schemeClr val="lt1"/>
+    </dgm:fillClrLst>
+    <dgm:linClrLst>
+      <a:schemeClr val="accent5"/>
+      <a:schemeClr val="accent6"/>
+    </dgm:linClrLst>
+    <dgm:effectClrLst/>
+    <dgm:txLinClrLst/>
+    <dgm:txFillClrLst meth="repeat">
+      <a:schemeClr val="dk1"/>
+    </dgm:txFillClrLst>
+    <dgm:txEffectClrLst/>
+  </dgm:styleLbl>
+  <dgm:styleLbl name="solidBgAcc1">
+    <dgm:fillClrLst meth="repeat">
+      <a:schemeClr val="lt1"/>
+    </dgm:fillClrLst>
+    <dgm:linClrLst>
+      <a:schemeClr val="accent5"/>
+      <a:schemeClr val="accent6"/>
+    </dgm:linClrLst>
+    <dgm:effectClrLst/>
+    <dgm:txLinClrLst/>
+    <dgm:txFillClrLst meth="repeat">
+      <a:schemeClr val="dk1"/>
+    </dgm:txFillClrLst>
+    <dgm:txEffectClrLst/>
+  </dgm:styleLbl>
+  <dgm:styleLbl name="fgAccFollowNode1">
+    <dgm:fillClrLst>
+      <a:schemeClr val="accent5">
+        <a:tint val="40000"/>
+        <a:alpha val="90000"/>
+      </a:schemeClr>
+      <a:schemeClr val="accent6">
+        <a:tint val="40000"/>
+        <a:alpha val="90000"/>
+      </a:schemeClr>
+    </dgm:fillClrLst>
+    <dgm:linClrLst>
+      <a:schemeClr val="accent5">
+        <a:tint val="40000"/>
+        <a:alpha val="90000"/>
+      </a:schemeClr>
+      <a:schemeClr val="accent5">
+        <a:tint val="40000"/>
+        <a:alpha val="90000"/>
+      </a:schemeClr>
+    </dgm:linClrLst>
+    <dgm:effectClrLst/>
+    <dgm:txLinClrLst/>
+    <dgm:txFillClrLst meth="repeat">
+      <a:schemeClr val="dk1"/>
+    </dgm:txFillClrLst>
+    <dgm:txEffectClrLst/>
+  </dgm:styleLbl>
+  <dgm:styleLbl name="alignAccFollowNode1">
+    <dgm:fillClrLst>
+      <a:schemeClr val="accent5">
+        <a:tint val="40000"/>
+        <a:alpha val="90000"/>
+      </a:schemeClr>
+      <a:schemeClr val="accent6">
+        <a:tint val="40000"/>
+        <a:alpha val="90000"/>
+      </a:schemeClr>
+    </dgm:fillClrLst>
+    <dgm:linClrLst>
+      <a:schemeClr val="accent5">
+        <a:tint val="40000"/>
+        <a:alpha val="90000"/>
+      </a:schemeClr>
+      <a:schemeClr val="accent6">
+        <a:tint val="40000"/>
+        <a:alpha val="90000"/>
+      </a:schemeClr>
+    </dgm:linClrLst>
+    <dgm:effectClrLst/>
+    <dgm:txLinClrLst/>
+    <dgm:txFillClrLst meth="repeat">
+      <a:schemeClr val="dk1"/>
+    </dgm:txFillClrLst>
+    <dgm:txEffectClrLst/>
+  </dgm:styleLbl>
+  <dgm:styleLbl name="bgAccFollowNode1">
+    <dgm:fillClrLst>
+      <a:schemeClr val="accent5">
+        <a:tint val="40000"/>
+        <a:alpha val="90000"/>
+      </a:schemeClr>
+      <a:schemeClr val="accent6">
+        <a:tint val="40000"/>
+        <a:alpha val="90000"/>
+      </a:schemeClr>
+    </dgm:fillClrLst>
+    <dgm:linClrLst>
+      <a:schemeClr val="accent5">
+        <a:tint val="40000"/>
+        <a:alpha val="90000"/>
+      </a:schemeClr>
+      <a:schemeClr val="accent6">
+        <a:tint val="40000"/>
+        <a:alpha val="90000"/>
+      </a:schemeClr>
+    </dgm:linClrLst>
+    <dgm:effectClrLst/>
+    <dgm:txLinClrLst/>
+    <dgm:txFillClrLst meth="repeat">
+      <a:schemeClr val="dk1"/>
+    </dgm:txFillClrLst>
+    <dgm:txEffectClrLst/>
+  </dgm:styleLbl>
+  <dgm:styleLbl name="fgAcc0">
+    <dgm:fillClrLst meth="repeat">
+      <a:schemeClr val="lt1">
+        <a:alpha val="90000"/>
+      </a:schemeClr>
+    </dgm:fillClrLst>
+    <dgm:linClrLst>
+      <a:schemeClr val="accent4"/>
+    </dgm:linClrLst>
+    <dgm:effectClrLst/>
+    <dgm:txLinClrLst/>
+    <dgm:txFillClrLst meth="repeat">
+      <a:schemeClr val="dk1"/>
+    </dgm:txFillClrLst>
+    <dgm:txEffectClrLst/>
+  </dgm:styleLbl>
+  <dgm:styleLbl name="fgAcc2">
+    <dgm:fillClrLst meth="repeat">
+      <a:schemeClr val="lt1">
+        <a:alpha val="90000"/>
+      </a:schemeClr>
+    </dgm:fillClrLst>
+    <dgm:linClrLst>
+      <a:schemeClr val="accent6"/>
+    </dgm:linClrLst>
+    <dgm:effectClrLst/>
+    <dgm:txLinClrLst/>
+    <dgm:txFillClrLst meth="repeat">
+      <a:schemeClr val="dk1"/>
+    </dgm:txFillClrLst>
+    <dgm:txEffectClrLst/>
+  </dgm:styleLbl>
+  <dgm:styleLbl name="fgAcc3">
+    <dgm:fillClrLst meth="repeat">
+      <a:schemeClr val="lt1">
+        <a:alpha val="90000"/>
+      </a:schemeClr>
+    </dgm:fillClrLst>
+    <dgm:linClrLst>
+      <a:schemeClr val="accent1"/>
+    </dgm:linClrLst>
+    <dgm:effectClrLst/>
+    <dgm:txLinClrLst/>
+    <dgm:txFillClrLst meth="repeat">
+      <a:schemeClr val="dk1"/>
+    </dgm:txFillClrLst>
+    <dgm:txEffectClrLst/>
+  </dgm:styleLbl>
+  <dgm:styleLbl name="fgAcc4">
+    <dgm:fillClrLst meth="repeat">
+      <a:schemeClr val="lt1">
+        <a:alpha val="90000"/>
+      </a:schemeClr>
+    </dgm:fillClrLst>
+    <dgm:linClrLst>
+      <a:schemeClr val="accent2"/>
+    </dgm:linClrLst>
+    <dgm:effectClrLst/>
+    <dgm:txLinClrLst/>
+    <dgm:txFillClrLst meth="repeat">
+      <a:schemeClr val="dk1"/>
+    </dgm:txFillClrLst>
+    <dgm:txEffectClrLst/>
+  </dgm:styleLbl>
+  <dgm:styleLbl name="bgShp">
+    <dgm:fillClrLst meth="repeat">
+      <a:schemeClr val="accent5">
+        <a:tint val="40000"/>
+      </a:schemeClr>
+    </dgm:fillClrLst>
+    <dgm:linClrLst meth="repeat">
+      <a:schemeClr val="dk1"/>
+    </dgm:linClrLst>
+    <dgm:effectClrLst/>
+    <dgm:txLinClrLst/>
+    <dgm:txFillClrLst meth="repeat">
+      <a:schemeClr val="dk1"/>
+    </dgm:txFillClrLst>
+    <dgm:txEffectClrLst/>
+  </dgm:styleLbl>
+  <dgm:styleLbl name="dkBgShp">
+    <dgm:fillClrLst meth="repeat">
+      <a:schemeClr val="accent5">
+        <a:shade val="90000"/>
+      </a:schemeClr>
+    </dgm:fillClrLst>
+    <dgm:linClrLst meth="repeat">
+      <a:schemeClr val="dk1"/>
+    </dgm:linClrLst>
+    <dgm:effectClrLst/>
+    <dgm:txLinClrLst/>
+    <dgm:txFillClrLst meth="repeat">
+      <a:schemeClr val="lt1"/>
+    </dgm:txFillClrLst>
+    <dgm:txEffectClrLst/>
+  </dgm:styleLbl>
+  <dgm:styleLbl name="trBgShp">
+    <dgm:fillClrLst meth="repeat">
+      <a:schemeClr val="accent5">
+        <a:tint val="50000"/>
+        <a:alpha val="40000"/>
+      </a:schemeClr>
+    </dgm:fillClrLst>
+    <dgm:linClrLst meth="repeat">
+      <a:schemeClr val="accent5"/>
+    </dgm:linClrLst>
+    <dgm:effectClrLst/>
+    <dgm:txLinClrLst/>
+    <dgm:txFillClrLst meth="repeat">
+      <a:schemeClr val="lt1"/>
+    </dgm:txFillClrLst>
+    <dgm:txEffectClrLst/>
+  </dgm:styleLbl>
+  <dgm:styleLbl name="fgShp">
+    <dgm:fillClrLst meth="repeat">
+      <a:schemeClr val="accent5">
+        <a:tint val="40000"/>
+      </a:schemeClr>
+    </dgm:fillClrLst>
+    <dgm:linClrLst meth="repeat">
+      <a:schemeClr val="lt1"/>
+    </dgm:linClrLst>
+    <dgm:effectClrLst/>
+    <dgm:txLinClrLst/>
+    <dgm:txFillClrLst meth="repeat">
+      <a:schemeClr val="dk1"/>
+    </dgm:txFillClrLst>
+    <dgm:txEffectClrLst/>
+  </dgm:styleLbl>
+  <dgm:styleLbl name="revTx">
+    <dgm:fillClrLst meth="repeat">
+      <a:schemeClr val="lt1">
+        <a:alpha val="0"/>
+      </a:schemeClr>
+    </dgm:fillClrLst>
+    <dgm:linClrLst meth="repeat">
+      <a:schemeClr val="dk1">
+        <a:alpha val="0"/>
+      </a:schemeClr>
+    </dgm:linClrLst>
+    <dgm:effectClrLst/>
+    <dgm:txLinClrLst/>
+    <dgm:txFillClrLst meth="repeat">
+      <a:schemeClr val="tx1"/>
+    </dgm:txFillClrLst>
+    <dgm:txEffectClrLst/>
+  </dgm:styleLbl>
+</dgm:colorsDef>
+</file>
+
+<file path=ppt/diagrams/colors6.xml><?xml version="1.0" encoding="utf-8"?>
 <dgm:colorsDef xmlns:dgm="http://schemas.openxmlformats.org/drawingml/2006/diagram" xmlns:a="http://schemas.openxmlformats.org/drawingml/2006/main" uniqueId="urn:microsoft.com/office/officeart/2018/5/colors/Iconchunking_neutralicontext_colorful1">
   <dgm:title val=""/>
   <dgm:desc val=""/>
@@ -4623,7 +5405,7 @@
 </dgm:colorsDef>
 </file>
 
-<file path=ppt/diagrams/colors6.xml><?xml version="1.0" encoding="utf-8"?>
+<file path=ppt/diagrams/colors7.xml><?xml version="1.0" encoding="utf-8"?>
 <dgm:colorsDef xmlns:dgm="http://schemas.openxmlformats.org/drawingml/2006/diagram" xmlns:a="http://schemas.openxmlformats.org/drawingml/2006/main" uniqueId="urn:microsoft.com/office/officeart/2018/5/colors/Iconchunking_neutralbg_colorful1">
   <dgm:title val=""/>
   <dgm:desc val=""/>
@@ -5510,788 +6292,6 @@
   <dgm:styleLbl name="fgShp">
     <dgm:fillClrLst meth="repeat">
       <a:schemeClr val="accent2">
-        <a:tint val="40000"/>
-      </a:schemeClr>
-    </dgm:fillClrLst>
-    <dgm:linClrLst meth="repeat">
-      <a:schemeClr val="lt1"/>
-    </dgm:linClrLst>
-    <dgm:effectClrLst/>
-    <dgm:txLinClrLst/>
-    <dgm:txFillClrLst meth="repeat">
-      <a:schemeClr val="dk1"/>
-    </dgm:txFillClrLst>
-    <dgm:txEffectClrLst/>
-  </dgm:styleLbl>
-  <dgm:styleLbl name="revTx">
-    <dgm:fillClrLst meth="repeat">
-      <a:schemeClr val="lt1">
-        <a:alpha val="0"/>
-      </a:schemeClr>
-    </dgm:fillClrLst>
-    <dgm:linClrLst meth="repeat">
-      <a:schemeClr val="dk1">
-        <a:alpha val="0"/>
-      </a:schemeClr>
-    </dgm:linClrLst>
-    <dgm:effectClrLst/>
-    <dgm:txLinClrLst/>
-    <dgm:txFillClrLst meth="repeat">
-      <a:schemeClr val="tx1"/>
-    </dgm:txFillClrLst>
-    <dgm:txEffectClrLst/>
-  </dgm:styleLbl>
-</dgm:colorsDef>
-</file>
-
-<file path=ppt/diagrams/colors7.xml><?xml version="1.0" encoding="utf-8"?>
-<dgm:colorsDef xmlns:dgm="http://schemas.openxmlformats.org/drawingml/2006/diagram" xmlns:a="http://schemas.openxmlformats.org/drawingml/2006/main" uniqueId="urn:microsoft.com/office/officeart/2005/8/colors/colorful5">
-  <dgm:title val=""/>
-  <dgm:desc val=""/>
-  <dgm:catLst>
-    <dgm:cat type="colorful" pri="10500"/>
-  </dgm:catLst>
-  <dgm:styleLbl name="node0">
-    <dgm:fillClrLst meth="repeat">
-      <a:schemeClr val="accent4"/>
-    </dgm:fillClrLst>
-    <dgm:linClrLst meth="repeat">
-      <a:schemeClr val="lt1"/>
-    </dgm:linClrLst>
-    <dgm:effectClrLst/>
-    <dgm:txLinClrLst/>
-    <dgm:txFillClrLst/>
-    <dgm:txEffectClrLst/>
-  </dgm:styleLbl>
-  <dgm:styleLbl name="node1">
-    <dgm:fillClrLst>
-      <a:schemeClr val="accent5"/>
-      <a:schemeClr val="accent6"/>
-    </dgm:fillClrLst>
-    <dgm:linClrLst meth="repeat">
-      <a:schemeClr val="lt1"/>
-    </dgm:linClrLst>
-    <dgm:effectClrLst/>
-    <dgm:txLinClrLst/>
-    <dgm:txFillClrLst/>
-    <dgm:txEffectClrLst/>
-  </dgm:styleLbl>
-  <dgm:styleLbl name="alignNode1">
-    <dgm:fillClrLst>
-      <a:schemeClr val="accent5"/>
-      <a:schemeClr val="accent6"/>
-    </dgm:fillClrLst>
-    <dgm:linClrLst>
-      <a:schemeClr val="accent5"/>
-      <a:schemeClr val="accent6"/>
-    </dgm:linClrLst>
-    <dgm:effectClrLst/>
-    <dgm:txLinClrLst/>
-    <dgm:txFillClrLst/>
-    <dgm:txEffectClrLst/>
-  </dgm:styleLbl>
-  <dgm:styleLbl name="lnNode1">
-    <dgm:fillClrLst>
-      <a:schemeClr val="accent5"/>
-      <a:schemeClr val="accent6"/>
-    </dgm:fillClrLst>
-    <dgm:linClrLst meth="repeat">
-      <a:schemeClr val="lt1"/>
-    </dgm:linClrLst>
-    <dgm:effectClrLst/>
-    <dgm:txLinClrLst/>
-    <dgm:txFillClrLst/>
-    <dgm:txEffectClrLst/>
-  </dgm:styleLbl>
-  <dgm:styleLbl name="vennNode1">
-    <dgm:fillClrLst>
-      <a:schemeClr val="accent5">
-        <a:alpha val="50000"/>
-      </a:schemeClr>
-      <a:schemeClr val="accent6">
-        <a:alpha val="50000"/>
-      </a:schemeClr>
-    </dgm:fillClrLst>
-    <dgm:linClrLst meth="repeat">
-      <a:schemeClr val="lt1"/>
-    </dgm:linClrLst>
-    <dgm:effectClrLst/>
-    <dgm:txLinClrLst/>
-    <dgm:txFillClrLst/>
-    <dgm:txEffectClrLst/>
-  </dgm:styleLbl>
-  <dgm:styleLbl name="node2">
-    <dgm:fillClrLst>
-      <a:schemeClr val="accent6"/>
-    </dgm:fillClrLst>
-    <dgm:linClrLst meth="repeat">
-      <a:schemeClr val="lt1"/>
-    </dgm:linClrLst>
-    <dgm:effectClrLst/>
-    <dgm:txLinClrLst/>
-    <dgm:txFillClrLst/>
-    <dgm:txEffectClrLst/>
-  </dgm:styleLbl>
-  <dgm:styleLbl name="node3">
-    <dgm:fillClrLst>
-      <a:schemeClr val="accent1"/>
-    </dgm:fillClrLst>
-    <dgm:linClrLst meth="repeat">
-      <a:schemeClr val="lt1"/>
-    </dgm:linClrLst>
-    <dgm:effectClrLst/>
-    <dgm:txLinClrLst/>
-    <dgm:txFillClrLst/>
-    <dgm:txEffectClrLst/>
-  </dgm:styleLbl>
-  <dgm:styleLbl name="node4">
-    <dgm:fillClrLst>
-      <a:schemeClr val="accent2"/>
-    </dgm:fillClrLst>
-    <dgm:linClrLst meth="repeat">
-      <a:schemeClr val="lt1"/>
-    </dgm:linClrLst>
-    <dgm:effectClrLst/>
-    <dgm:txLinClrLst/>
-    <dgm:txFillClrLst/>
-    <dgm:txEffectClrLst/>
-  </dgm:styleLbl>
-  <dgm:styleLbl name="fgImgPlace1">
-    <dgm:fillClrLst>
-      <a:schemeClr val="accent5">
-        <a:tint val="50000"/>
-      </a:schemeClr>
-      <a:schemeClr val="accent6">
-        <a:tint val="50000"/>
-      </a:schemeClr>
-    </dgm:fillClrLst>
-    <dgm:linClrLst meth="repeat">
-      <a:schemeClr val="lt1"/>
-    </dgm:linClrLst>
-    <dgm:effectClrLst/>
-    <dgm:txLinClrLst/>
-    <dgm:txFillClrLst meth="repeat">
-      <a:schemeClr val="lt1"/>
-    </dgm:txFillClrLst>
-    <dgm:txEffectClrLst/>
-  </dgm:styleLbl>
-  <dgm:styleLbl name="alignImgPlace1">
-    <dgm:fillClrLst>
-      <a:schemeClr val="accent5">
-        <a:tint val="50000"/>
-      </a:schemeClr>
-      <a:schemeClr val="accent6">
-        <a:tint val="20000"/>
-      </a:schemeClr>
-    </dgm:fillClrLst>
-    <dgm:linClrLst meth="repeat">
-      <a:schemeClr val="lt1"/>
-    </dgm:linClrLst>
-    <dgm:effectClrLst/>
-    <dgm:txLinClrLst/>
-    <dgm:txFillClrLst meth="repeat">
-      <a:schemeClr val="lt1"/>
-    </dgm:txFillClrLst>
-    <dgm:txEffectClrLst/>
-  </dgm:styleLbl>
-  <dgm:styleLbl name="bgImgPlace1">
-    <dgm:fillClrLst>
-      <a:schemeClr val="accent5">
-        <a:tint val="50000"/>
-      </a:schemeClr>
-      <a:schemeClr val="accent6">
-        <a:tint val="20000"/>
-      </a:schemeClr>
-    </dgm:fillClrLst>
-    <dgm:linClrLst meth="repeat">
-      <a:schemeClr val="lt1"/>
-    </dgm:linClrLst>
-    <dgm:effectClrLst/>
-    <dgm:txLinClrLst/>
-    <dgm:txFillClrLst meth="repeat">
-      <a:schemeClr val="lt1"/>
-    </dgm:txFillClrLst>
-    <dgm:txEffectClrLst/>
-  </dgm:styleLbl>
-  <dgm:styleLbl name="sibTrans2D1">
-    <dgm:fillClrLst>
-      <a:schemeClr val="accent5"/>
-      <a:schemeClr val="accent6"/>
-    </dgm:fillClrLst>
-    <dgm:linClrLst meth="repeat">
-      <a:schemeClr val="lt1"/>
-    </dgm:linClrLst>
-    <dgm:effectClrLst/>
-    <dgm:txLinClrLst/>
-    <dgm:txFillClrLst/>
-    <dgm:txEffectClrLst/>
-  </dgm:styleLbl>
-  <dgm:styleLbl name="fgSibTrans2D1">
-    <dgm:fillClrLst>
-      <a:schemeClr val="accent5"/>
-      <a:schemeClr val="accent6"/>
-    </dgm:fillClrLst>
-    <dgm:linClrLst meth="repeat">
-      <a:schemeClr val="lt1"/>
-    </dgm:linClrLst>
-    <dgm:effectClrLst/>
-    <dgm:txLinClrLst/>
-    <dgm:txFillClrLst meth="repeat">
-      <a:schemeClr val="lt1"/>
-    </dgm:txFillClrLst>
-    <dgm:txEffectClrLst/>
-  </dgm:styleLbl>
-  <dgm:styleLbl name="bgSibTrans2D1">
-    <dgm:fillClrLst>
-      <a:schemeClr val="accent5"/>
-      <a:schemeClr val="accent6"/>
-    </dgm:fillClrLst>
-    <dgm:linClrLst meth="repeat">
-      <a:schemeClr val="lt1"/>
-    </dgm:linClrLst>
-    <dgm:effectClrLst/>
-    <dgm:txLinClrLst/>
-    <dgm:txFillClrLst meth="repeat">
-      <a:schemeClr val="lt1"/>
-    </dgm:txFillClrLst>
-    <dgm:txEffectClrLst/>
-  </dgm:styleLbl>
-  <dgm:styleLbl name="sibTrans1D1">
-    <dgm:fillClrLst/>
-    <dgm:linClrLst>
-      <a:schemeClr val="accent5"/>
-      <a:schemeClr val="accent6"/>
-    </dgm:linClrLst>
-    <dgm:effectClrLst/>
-    <dgm:txLinClrLst/>
-    <dgm:txFillClrLst meth="repeat">
-      <a:schemeClr val="tx1"/>
-    </dgm:txFillClrLst>
-    <dgm:txEffectClrLst/>
-  </dgm:styleLbl>
-  <dgm:styleLbl name="callout">
-    <dgm:fillClrLst meth="repeat">
-      <a:schemeClr val="accent5"/>
-    </dgm:fillClrLst>
-    <dgm:linClrLst meth="repeat">
-      <a:schemeClr val="accent5">
-        <a:tint val="50000"/>
-      </a:schemeClr>
-    </dgm:linClrLst>
-    <dgm:effectClrLst/>
-    <dgm:txLinClrLst/>
-    <dgm:txFillClrLst meth="repeat">
-      <a:schemeClr val="tx1"/>
-    </dgm:txFillClrLst>
-    <dgm:txEffectClrLst/>
-  </dgm:styleLbl>
-  <dgm:styleLbl name="asst0">
-    <dgm:fillClrLst meth="repeat">
-      <a:schemeClr val="accent5"/>
-    </dgm:fillClrLst>
-    <dgm:linClrLst meth="repeat">
-      <a:schemeClr val="lt1">
-        <a:shade val="80000"/>
-      </a:schemeClr>
-    </dgm:linClrLst>
-    <dgm:effectClrLst/>
-    <dgm:txLinClrLst/>
-    <dgm:txFillClrLst/>
-    <dgm:txEffectClrLst/>
-  </dgm:styleLbl>
-  <dgm:styleLbl name="asst1">
-    <dgm:fillClrLst meth="repeat">
-      <a:schemeClr val="accent6"/>
-    </dgm:fillClrLst>
-    <dgm:linClrLst meth="repeat">
-      <a:schemeClr val="lt1">
-        <a:shade val="80000"/>
-      </a:schemeClr>
-    </dgm:linClrLst>
-    <dgm:effectClrLst/>
-    <dgm:txLinClrLst/>
-    <dgm:txFillClrLst/>
-    <dgm:txEffectClrLst/>
-  </dgm:styleLbl>
-  <dgm:styleLbl name="asst2">
-    <dgm:fillClrLst>
-      <a:schemeClr val="accent1"/>
-    </dgm:fillClrLst>
-    <dgm:linClrLst meth="repeat">
-      <a:schemeClr val="lt1"/>
-    </dgm:linClrLst>
-    <dgm:effectClrLst/>
-    <dgm:txLinClrLst/>
-    <dgm:txFillClrLst/>
-    <dgm:txEffectClrLst/>
-  </dgm:styleLbl>
-  <dgm:styleLbl name="asst3">
-    <dgm:fillClrLst>
-      <a:schemeClr val="accent2"/>
-    </dgm:fillClrLst>
-    <dgm:linClrLst meth="repeat">
-      <a:schemeClr val="lt1"/>
-    </dgm:linClrLst>
-    <dgm:effectClrLst/>
-    <dgm:txLinClrLst/>
-    <dgm:txFillClrLst/>
-    <dgm:txEffectClrLst/>
-  </dgm:styleLbl>
-  <dgm:styleLbl name="asst4">
-    <dgm:fillClrLst>
-      <a:schemeClr val="accent3"/>
-    </dgm:fillClrLst>
-    <dgm:linClrLst meth="repeat">
-      <a:schemeClr val="lt1"/>
-    </dgm:linClrLst>
-    <dgm:effectClrLst/>
-    <dgm:txLinClrLst/>
-    <dgm:txFillClrLst/>
-    <dgm:txEffectClrLst/>
-  </dgm:styleLbl>
-  <dgm:styleLbl name="parChTrans2D1">
-    <dgm:fillClrLst meth="repeat">
-      <a:schemeClr val="accent5"/>
-    </dgm:fillClrLst>
-    <dgm:linClrLst meth="repeat">
-      <a:schemeClr val="lt1"/>
-    </dgm:linClrLst>
-    <dgm:effectClrLst/>
-    <dgm:txLinClrLst/>
-    <dgm:txFillClrLst meth="repeat">
-      <a:schemeClr val="lt1"/>
-    </dgm:txFillClrLst>
-    <dgm:txEffectClrLst/>
-  </dgm:styleLbl>
-  <dgm:styleLbl name="parChTrans2D2">
-    <dgm:fillClrLst meth="repeat">
-      <a:schemeClr val="accent6"/>
-    </dgm:fillClrLst>
-    <dgm:linClrLst meth="repeat">
-      <a:schemeClr val="lt1"/>
-    </dgm:linClrLst>
-    <dgm:effectClrLst/>
-    <dgm:txLinClrLst/>
-    <dgm:txFillClrLst/>
-    <dgm:txEffectClrLst/>
-  </dgm:styleLbl>
-  <dgm:styleLbl name="parChTrans2D3">
-    <dgm:fillClrLst meth="repeat">
-      <a:schemeClr val="accent6"/>
-    </dgm:fillClrLst>
-    <dgm:linClrLst meth="repeat">
-      <a:schemeClr val="lt1"/>
-    </dgm:linClrLst>
-    <dgm:effectClrLst/>
-    <dgm:txLinClrLst/>
-    <dgm:txFillClrLst/>
-    <dgm:txEffectClrLst/>
-  </dgm:styleLbl>
-  <dgm:styleLbl name="parChTrans2D4">
-    <dgm:fillClrLst meth="repeat">
-      <a:schemeClr val="accent1"/>
-    </dgm:fillClrLst>
-    <dgm:linClrLst meth="repeat">
-      <a:schemeClr val="lt1"/>
-    </dgm:linClrLst>
-    <dgm:effectClrLst/>
-    <dgm:txLinClrLst/>
-    <dgm:txFillClrLst meth="repeat">
-      <a:schemeClr val="lt1"/>
-    </dgm:txFillClrLst>
-    <dgm:txEffectClrLst/>
-  </dgm:styleLbl>
-  <dgm:styleLbl name="parChTrans1D1">
-    <dgm:fillClrLst meth="repeat">
-      <a:schemeClr val="accent5"/>
-    </dgm:fillClrLst>
-    <dgm:linClrLst meth="repeat">
-      <a:schemeClr val="accent5"/>
-    </dgm:linClrLst>
-    <dgm:effectClrLst/>
-    <dgm:txLinClrLst/>
-    <dgm:txFillClrLst meth="repeat">
-      <a:schemeClr val="tx1"/>
-    </dgm:txFillClrLst>
-    <dgm:txEffectClrLst/>
-  </dgm:styleLbl>
-  <dgm:styleLbl name="parChTrans1D2">
-    <dgm:fillClrLst meth="repeat">
-      <a:schemeClr val="accent6">
-        <a:tint val="90000"/>
-      </a:schemeClr>
-    </dgm:fillClrLst>
-    <dgm:linClrLst meth="repeat">
-      <a:schemeClr val="accent6"/>
-    </dgm:linClrLst>
-    <dgm:effectClrLst/>
-    <dgm:txLinClrLst/>
-    <dgm:txFillClrLst meth="repeat">
-      <a:schemeClr val="tx1"/>
-    </dgm:txFillClrLst>
-    <dgm:txEffectClrLst/>
-  </dgm:styleLbl>
-  <dgm:styleLbl name="parChTrans1D3">
-    <dgm:fillClrLst meth="repeat">
-      <a:schemeClr val="accent6">
-        <a:tint val="70000"/>
-      </a:schemeClr>
-    </dgm:fillClrLst>
-    <dgm:linClrLst meth="repeat">
-      <a:schemeClr val="accent1"/>
-    </dgm:linClrLst>
-    <dgm:effectClrLst/>
-    <dgm:txLinClrLst/>
-    <dgm:txFillClrLst meth="repeat">
-      <a:schemeClr val="tx1"/>
-    </dgm:txFillClrLst>
-    <dgm:txEffectClrLst/>
-  </dgm:styleLbl>
-  <dgm:styleLbl name="parChTrans1D4">
-    <dgm:fillClrLst meth="repeat">
-      <a:schemeClr val="accent6">
-        <a:tint val="50000"/>
-      </a:schemeClr>
-    </dgm:fillClrLst>
-    <dgm:linClrLst meth="repeat">
-      <a:schemeClr val="accent2"/>
-    </dgm:linClrLst>
-    <dgm:effectClrLst/>
-    <dgm:txLinClrLst/>
-    <dgm:txFillClrLst meth="repeat">
-      <a:schemeClr val="tx1"/>
-    </dgm:txFillClrLst>
-    <dgm:txEffectClrLst/>
-  </dgm:styleLbl>
-  <dgm:styleLbl name="fgAcc1">
-    <dgm:fillClrLst meth="repeat">
-      <a:schemeClr val="lt1">
-        <a:alpha val="90000"/>
-      </a:schemeClr>
-    </dgm:fillClrLst>
-    <dgm:linClrLst>
-      <a:schemeClr val="accent5"/>
-      <a:schemeClr val="accent6"/>
-    </dgm:linClrLst>
-    <dgm:effectClrLst/>
-    <dgm:txLinClrLst/>
-    <dgm:txFillClrLst meth="repeat">
-      <a:schemeClr val="dk1"/>
-    </dgm:txFillClrLst>
-    <dgm:txEffectClrLst/>
-  </dgm:styleLbl>
-  <dgm:styleLbl name="conFgAcc1">
-    <dgm:fillClrLst meth="repeat">
-      <a:schemeClr val="lt1">
-        <a:alpha val="90000"/>
-      </a:schemeClr>
-    </dgm:fillClrLst>
-    <dgm:linClrLst>
-      <a:schemeClr val="accent5"/>
-      <a:schemeClr val="accent6"/>
-    </dgm:linClrLst>
-    <dgm:effectClrLst/>
-    <dgm:txLinClrLst/>
-    <dgm:txFillClrLst meth="repeat">
-      <a:schemeClr val="dk1"/>
-    </dgm:txFillClrLst>
-    <dgm:txEffectClrLst/>
-  </dgm:styleLbl>
-  <dgm:styleLbl name="alignAcc1">
-    <dgm:fillClrLst meth="repeat">
-      <a:schemeClr val="lt1">
-        <a:alpha val="90000"/>
-      </a:schemeClr>
-    </dgm:fillClrLst>
-    <dgm:linClrLst>
-      <a:schemeClr val="accent5"/>
-      <a:schemeClr val="accent6"/>
-    </dgm:linClrLst>
-    <dgm:effectClrLst/>
-    <dgm:txLinClrLst/>
-    <dgm:txFillClrLst meth="repeat">
-      <a:schemeClr val="dk1"/>
-    </dgm:txFillClrLst>
-    <dgm:txEffectClrLst/>
-  </dgm:styleLbl>
-  <dgm:styleLbl name="trAlignAcc1">
-    <dgm:fillClrLst meth="repeat">
-      <a:schemeClr val="lt1">
-        <a:alpha val="40000"/>
-      </a:schemeClr>
-    </dgm:fillClrLst>
-    <dgm:linClrLst meth="repeat">
-      <a:schemeClr val="accent5"/>
-    </dgm:linClrLst>
-    <dgm:effectClrLst/>
-    <dgm:txLinClrLst/>
-    <dgm:txFillClrLst meth="repeat">
-      <a:schemeClr val="dk1"/>
-    </dgm:txFillClrLst>
-    <dgm:txEffectClrLst/>
-  </dgm:styleLbl>
-  <dgm:styleLbl name="bgAcc1">
-    <dgm:fillClrLst meth="repeat">
-      <a:schemeClr val="lt1">
-        <a:alpha val="90000"/>
-      </a:schemeClr>
-    </dgm:fillClrLst>
-    <dgm:linClrLst>
-      <a:schemeClr val="accent5"/>
-      <a:schemeClr val="accent6"/>
-    </dgm:linClrLst>
-    <dgm:effectClrLst/>
-    <dgm:txLinClrLst/>
-    <dgm:txFillClrLst meth="repeat">
-      <a:schemeClr val="dk1"/>
-    </dgm:txFillClrLst>
-    <dgm:txEffectClrLst/>
-  </dgm:styleLbl>
-  <dgm:styleLbl name="solidFgAcc1">
-    <dgm:fillClrLst meth="repeat">
-      <a:schemeClr val="lt1"/>
-    </dgm:fillClrLst>
-    <dgm:linClrLst>
-      <a:schemeClr val="accent5"/>
-      <a:schemeClr val="accent6"/>
-    </dgm:linClrLst>
-    <dgm:effectClrLst/>
-    <dgm:txLinClrLst/>
-    <dgm:txFillClrLst meth="repeat">
-      <a:schemeClr val="dk1"/>
-    </dgm:txFillClrLst>
-    <dgm:txEffectClrLst/>
-  </dgm:styleLbl>
-  <dgm:styleLbl name="solidAlignAcc1">
-    <dgm:fillClrLst meth="repeat">
-      <a:schemeClr val="lt1"/>
-    </dgm:fillClrLst>
-    <dgm:linClrLst>
-      <a:schemeClr val="accent5"/>
-      <a:schemeClr val="accent6"/>
-    </dgm:linClrLst>
-    <dgm:effectClrLst/>
-    <dgm:txLinClrLst/>
-    <dgm:txFillClrLst meth="repeat">
-      <a:schemeClr val="dk1"/>
-    </dgm:txFillClrLst>
-    <dgm:txEffectClrLst/>
-  </dgm:styleLbl>
-  <dgm:styleLbl name="solidBgAcc1">
-    <dgm:fillClrLst meth="repeat">
-      <a:schemeClr val="lt1"/>
-    </dgm:fillClrLst>
-    <dgm:linClrLst>
-      <a:schemeClr val="accent5"/>
-      <a:schemeClr val="accent6"/>
-    </dgm:linClrLst>
-    <dgm:effectClrLst/>
-    <dgm:txLinClrLst/>
-    <dgm:txFillClrLst meth="repeat">
-      <a:schemeClr val="dk1"/>
-    </dgm:txFillClrLst>
-    <dgm:txEffectClrLst/>
-  </dgm:styleLbl>
-  <dgm:styleLbl name="fgAccFollowNode1">
-    <dgm:fillClrLst>
-      <a:schemeClr val="accent5">
-        <a:tint val="40000"/>
-        <a:alpha val="90000"/>
-      </a:schemeClr>
-      <a:schemeClr val="accent6">
-        <a:tint val="40000"/>
-        <a:alpha val="90000"/>
-      </a:schemeClr>
-    </dgm:fillClrLst>
-    <dgm:linClrLst>
-      <a:schemeClr val="accent5">
-        <a:tint val="40000"/>
-        <a:alpha val="90000"/>
-      </a:schemeClr>
-      <a:schemeClr val="accent5">
-        <a:tint val="40000"/>
-        <a:alpha val="90000"/>
-      </a:schemeClr>
-    </dgm:linClrLst>
-    <dgm:effectClrLst/>
-    <dgm:txLinClrLst/>
-    <dgm:txFillClrLst meth="repeat">
-      <a:schemeClr val="dk1"/>
-    </dgm:txFillClrLst>
-    <dgm:txEffectClrLst/>
-  </dgm:styleLbl>
-  <dgm:styleLbl name="alignAccFollowNode1">
-    <dgm:fillClrLst>
-      <a:schemeClr val="accent5">
-        <a:tint val="40000"/>
-        <a:alpha val="90000"/>
-      </a:schemeClr>
-      <a:schemeClr val="accent6">
-        <a:tint val="40000"/>
-        <a:alpha val="90000"/>
-      </a:schemeClr>
-    </dgm:fillClrLst>
-    <dgm:linClrLst>
-      <a:schemeClr val="accent5">
-        <a:tint val="40000"/>
-        <a:alpha val="90000"/>
-      </a:schemeClr>
-      <a:schemeClr val="accent6">
-        <a:tint val="40000"/>
-        <a:alpha val="90000"/>
-      </a:schemeClr>
-    </dgm:linClrLst>
-    <dgm:effectClrLst/>
-    <dgm:txLinClrLst/>
-    <dgm:txFillClrLst meth="repeat">
-      <a:schemeClr val="dk1"/>
-    </dgm:txFillClrLst>
-    <dgm:txEffectClrLst/>
-  </dgm:styleLbl>
-  <dgm:styleLbl name="bgAccFollowNode1">
-    <dgm:fillClrLst>
-      <a:schemeClr val="accent5">
-        <a:tint val="40000"/>
-        <a:alpha val="90000"/>
-      </a:schemeClr>
-      <a:schemeClr val="accent6">
-        <a:tint val="40000"/>
-        <a:alpha val="90000"/>
-      </a:schemeClr>
-    </dgm:fillClrLst>
-    <dgm:linClrLst>
-      <a:schemeClr val="accent5">
-        <a:tint val="40000"/>
-        <a:alpha val="90000"/>
-      </a:schemeClr>
-      <a:schemeClr val="accent6">
-        <a:tint val="40000"/>
-        <a:alpha val="90000"/>
-      </a:schemeClr>
-    </dgm:linClrLst>
-    <dgm:effectClrLst/>
-    <dgm:txLinClrLst/>
-    <dgm:txFillClrLst meth="repeat">
-      <a:schemeClr val="dk1"/>
-    </dgm:txFillClrLst>
-    <dgm:txEffectClrLst/>
-  </dgm:styleLbl>
-  <dgm:styleLbl name="fgAcc0">
-    <dgm:fillClrLst meth="repeat">
-      <a:schemeClr val="lt1">
-        <a:alpha val="90000"/>
-      </a:schemeClr>
-    </dgm:fillClrLst>
-    <dgm:linClrLst>
-      <a:schemeClr val="accent4"/>
-    </dgm:linClrLst>
-    <dgm:effectClrLst/>
-    <dgm:txLinClrLst/>
-    <dgm:txFillClrLst meth="repeat">
-      <a:schemeClr val="dk1"/>
-    </dgm:txFillClrLst>
-    <dgm:txEffectClrLst/>
-  </dgm:styleLbl>
-  <dgm:styleLbl name="fgAcc2">
-    <dgm:fillClrLst meth="repeat">
-      <a:schemeClr val="lt1">
-        <a:alpha val="90000"/>
-      </a:schemeClr>
-    </dgm:fillClrLst>
-    <dgm:linClrLst>
-      <a:schemeClr val="accent6"/>
-    </dgm:linClrLst>
-    <dgm:effectClrLst/>
-    <dgm:txLinClrLst/>
-    <dgm:txFillClrLst meth="repeat">
-      <a:schemeClr val="dk1"/>
-    </dgm:txFillClrLst>
-    <dgm:txEffectClrLst/>
-  </dgm:styleLbl>
-  <dgm:styleLbl name="fgAcc3">
-    <dgm:fillClrLst meth="repeat">
-      <a:schemeClr val="lt1">
-        <a:alpha val="90000"/>
-      </a:schemeClr>
-    </dgm:fillClrLst>
-    <dgm:linClrLst>
-      <a:schemeClr val="accent1"/>
-    </dgm:linClrLst>
-    <dgm:effectClrLst/>
-    <dgm:txLinClrLst/>
-    <dgm:txFillClrLst meth="repeat">
-      <a:schemeClr val="dk1"/>
-    </dgm:txFillClrLst>
-    <dgm:txEffectClrLst/>
-  </dgm:styleLbl>
-  <dgm:styleLbl name="fgAcc4">
-    <dgm:fillClrLst meth="repeat">
-      <a:schemeClr val="lt1">
-        <a:alpha val="90000"/>
-      </a:schemeClr>
-    </dgm:fillClrLst>
-    <dgm:linClrLst>
-      <a:schemeClr val="accent2"/>
-    </dgm:linClrLst>
-    <dgm:effectClrLst/>
-    <dgm:txLinClrLst/>
-    <dgm:txFillClrLst meth="repeat">
-      <a:schemeClr val="dk1"/>
-    </dgm:txFillClrLst>
-    <dgm:txEffectClrLst/>
-  </dgm:styleLbl>
-  <dgm:styleLbl name="bgShp">
-    <dgm:fillClrLst meth="repeat">
-      <a:schemeClr val="accent5">
-        <a:tint val="40000"/>
-      </a:schemeClr>
-    </dgm:fillClrLst>
-    <dgm:linClrLst meth="repeat">
-      <a:schemeClr val="dk1"/>
-    </dgm:linClrLst>
-    <dgm:effectClrLst/>
-    <dgm:txLinClrLst/>
-    <dgm:txFillClrLst meth="repeat">
-      <a:schemeClr val="dk1"/>
-    </dgm:txFillClrLst>
-    <dgm:txEffectClrLst/>
-  </dgm:styleLbl>
-  <dgm:styleLbl name="dkBgShp">
-    <dgm:fillClrLst meth="repeat">
-      <a:schemeClr val="accent5">
-        <a:shade val="90000"/>
-      </a:schemeClr>
-    </dgm:fillClrLst>
-    <dgm:linClrLst meth="repeat">
-      <a:schemeClr val="dk1"/>
-    </dgm:linClrLst>
-    <dgm:effectClrLst/>
-    <dgm:txLinClrLst/>
-    <dgm:txFillClrLst meth="repeat">
-      <a:schemeClr val="lt1"/>
-    </dgm:txFillClrLst>
-    <dgm:txEffectClrLst/>
-  </dgm:styleLbl>
-  <dgm:styleLbl name="trBgShp">
-    <dgm:fillClrLst meth="repeat">
-      <a:schemeClr val="accent5">
-        <a:tint val="50000"/>
-        <a:alpha val="40000"/>
-      </a:schemeClr>
-    </dgm:fillClrLst>
-    <dgm:linClrLst meth="repeat">
-      <a:schemeClr val="accent5"/>
-    </dgm:linClrLst>
-    <dgm:effectClrLst/>
-    <dgm:txLinClrLst/>
-    <dgm:txFillClrLst meth="repeat">
-      <a:schemeClr val="lt1"/>
-    </dgm:txFillClrLst>
-    <dgm:txEffectClrLst/>
-  </dgm:styleLbl>
-  <dgm:styleLbl name="fgShp">
-    <dgm:fillClrLst meth="repeat">
-      <a:schemeClr val="accent5">
         <a:tint val="40000"/>
       </a:schemeClr>
     </dgm:fillClrLst>
@@ -8323,6 +8323,318 @@
 <file path=ppt/diagrams/data5.xml><?xml version="1.0" encoding="utf-8"?>
 <dgm:dataModel xmlns:dgm="http://schemas.openxmlformats.org/drawingml/2006/diagram" xmlns:a="http://schemas.openxmlformats.org/drawingml/2006/main">
   <dgm:ptLst>
+    <dgm:pt modelId="{02F9CAEE-857D-4E3F-8312-AB8FBC9AE9CA}" type="doc">
+      <dgm:prSet loTypeId="urn:microsoft.com/office/officeart/2005/8/layout/vProcess5" loCatId="process" qsTypeId="urn:microsoft.com/office/officeart/2005/8/quickstyle/simple1" qsCatId="simple" csTypeId="urn:microsoft.com/office/officeart/2005/8/colors/colorful5" csCatId="colorful" phldr="1"/>
+      <dgm:spPr/>
+      <dgm:t>
+        <a:bodyPr/>
+        <a:lstStyle/>
+        <a:p>
+          <a:endParaRPr lang="de-DE"/>
+        </a:p>
+      </dgm:t>
+    </dgm:pt>
+    <dgm:pt modelId="{D1452585-D045-43F4-AB51-BDD167692CA3}">
+      <dgm:prSet phldrT="[Text]"/>
+      <dgm:spPr/>
+      <dgm:t>
+        <a:bodyPr/>
+        <a:lstStyle/>
+        <a:p>
+          <a:r>
+            <a:rPr lang="de-DE"/>
+            <a:t>Basic K-means</a:t>
+          </a:r>
+        </a:p>
+      </dgm:t>
+    </dgm:pt>
+    <dgm:pt modelId="{E6D279F3-3345-4248-9537-7F88D714F4B8}" type="parTrans" cxnId="{15A9BE5F-9914-4740-9223-C5C5D97A839F}">
+      <dgm:prSet/>
+      <dgm:spPr/>
+      <dgm:t>
+        <a:bodyPr/>
+        <a:lstStyle/>
+        <a:p>
+          <a:endParaRPr lang="de-DE"/>
+        </a:p>
+      </dgm:t>
+    </dgm:pt>
+    <dgm:pt modelId="{AAAC775E-5AA2-4EE3-86BC-07863C830B07}" type="sibTrans" cxnId="{15A9BE5F-9914-4740-9223-C5C5D97A839F}">
+      <dgm:prSet/>
+      <dgm:spPr/>
+      <dgm:t>
+        <a:bodyPr/>
+        <a:lstStyle/>
+        <a:p>
+          <a:endParaRPr lang="de-DE"/>
+        </a:p>
+      </dgm:t>
+    </dgm:pt>
+    <dgm:pt modelId="{BF4CA065-3E53-4ACA-AE76-A0462DA3000D}">
+      <dgm:prSet phldrT="[Text]"/>
+      <dgm:spPr/>
+      <dgm:t>
+        <a:bodyPr/>
+        <a:lstStyle/>
+        <a:p>
+          <a:r>
+            <a:rPr lang="de-DE" dirty="0" err="1"/>
+            <a:t>Optimization</a:t>
+          </a:r>
+          <a:endParaRPr lang="de-DE" dirty="0"/>
+        </a:p>
+      </dgm:t>
+    </dgm:pt>
+    <dgm:pt modelId="{AB5C326C-A10F-431E-AFC6-E200FBF0C102}" type="parTrans" cxnId="{38DCC982-C651-4FC1-AF52-DF8BBE09CCB3}">
+      <dgm:prSet/>
+      <dgm:spPr/>
+      <dgm:t>
+        <a:bodyPr/>
+        <a:lstStyle/>
+        <a:p>
+          <a:endParaRPr lang="de-DE"/>
+        </a:p>
+      </dgm:t>
+    </dgm:pt>
+    <dgm:pt modelId="{E36A9354-5DD8-45B2-853E-887C66AFE4E9}" type="sibTrans" cxnId="{38DCC982-C651-4FC1-AF52-DF8BBE09CCB3}">
+      <dgm:prSet/>
+      <dgm:spPr/>
+      <dgm:t>
+        <a:bodyPr/>
+        <a:lstStyle/>
+        <a:p>
+          <a:endParaRPr lang="de-DE"/>
+        </a:p>
+      </dgm:t>
+    </dgm:pt>
+    <dgm:pt modelId="{A53521A3-6AF6-4929-931D-3CE8A841275B}">
+      <dgm:prSet phldrT="[Text]"/>
+      <dgm:spPr/>
+      <dgm:t>
+        <a:bodyPr/>
+        <a:lstStyle/>
+        <a:p>
+          <a:r>
+            <a:rPr lang="de-DE" dirty="0"/>
+            <a:t>Mini-batch</a:t>
+          </a:r>
+        </a:p>
+      </dgm:t>
+    </dgm:pt>
+    <dgm:pt modelId="{1A9B3FE8-9F88-4C4E-A72D-439DFB7431F1}" type="parTrans" cxnId="{E5586EE9-0DE5-4276-9E29-7D2E7A816C63}">
+      <dgm:prSet/>
+      <dgm:spPr/>
+      <dgm:t>
+        <a:bodyPr/>
+        <a:lstStyle/>
+        <a:p>
+          <a:endParaRPr lang="de-DE"/>
+        </a:p>
+      </dgm:t>
+    </dgm:pt>
+    <dgm:pt modelId="{63C14E5F-DF1D-403C-8AF5-5D6053E07D8F}" type="sibTrans" cxnId="{E5586EE9-0DE5-4276-9E29-7D2E7A816C63}">
+      <dgm:prSet/>
+      <dgm:spPr/>
+      <dgm:t>
+        <a:bodyPr/>
+        <a:lstStyle/>
+        <a:p>
+          <a:endParaRPr lang="de-DE"/>
+        </a:p>
+      </dgm:t>
+    </dgm:pt>
+    <dgm:pt modelId="{64511F5C-32F7-4C9E-9A3A-604BB64D9925}">
+      <dgm:prSet/>
+      <dgm:spPr/>
+      <dgm:t>
+        <a:bodyPr/>
+        <a:lstStyle/>
+        <a:p>
+          <a:r>
+            <a:rPr lang="de-DE" dirty="0"/>
+            <a:t>K-</a:t>
+          </a:r>
+          <a:r>
+            <a:rPr lang="de-DE" dirty="0" err="1"/>
+            <a:t>means</a:t>
+          </a:r>
+          <a:r>
+            <a:rPr lang="de-DE" dirty="0"/>
+            <a:t> ++</a:t>
+          </a:r>
+        </a:p>
+      </dgm:t>
+    </dgm:pt>
+    <dgm:pt modelId="{2E0D002B-D54D-4F44-9D68-674567AB5E73}" type="parTrans" cxnId="{ABD62767-B6E7-4C6C-8933-814F9952E132}">
+      <dgm:prSet/>
+      <dgm:spPr/>
+      <dgm:t>
+        <a:bodyPr/>
+        <a:lstStyle/>
+        <a:p>
+          <a:endParaRPr lang="de-DE"/>
+        </a:p>
+      </dgm:t>
+    </dgm:pt>
+    <dgm:pt modelId="{972E7A3E-5EC8-4BF0-971D-FC94E2F88E88}" type="sibTrans" cxnId="{ABD62767-B6E7-4C6C-8933-814F9952E132}">
+      <dgm:prSet/>
+      <dgm:spPr/>
+      <dgm:t>
+        <a:bodyPr/>
+        <a:lstStyle/>
+        <a:p>
+          <a:endParaRPr lang="de-DE"/>
+        </a:p>
+      </dgm:t>
+    </dgm:pt>
+    <dgm:pt modelId="{834DA2EA-2256-4B5A-9E17-E09BAE6823C6}" type="pres">
+      <dgm:prSet presAssocID="{02F9CAEE-857D-4E3F-8312-AB8FBC9AE9CA}" presName="outerComposite" presStyleCnt="0">
+        <dgm:presLayoutVars>
+          <dgm:chMax val="5"/>
+          <dgm:dir/>
+          <dgm:resizeHandles val="exact"/>
+        </dgm:presLayoutVars>
+      </dgm:prSet>
+      <dgm:spPr/>
+    </dgm:pt>
+    <dgm:pt modelId="{F066D56C-EBE4-49C7-9C9F-99C12CA52791}" type="pres">
+      <dgm:prSet presAssocID="{02F9CAEE-857D-4E3F-8312-AB8FBC9AE9CA}" presName="dummyMaxCanvas" presStyleCnt="0">
+        <dgm:presLayoutVars/>
+      </dgm:prSet>
+      <dgm:spPr/>
+    </dgm:pt>
+    <dgm:pt modelId="{2CDC0D84-0D0B-4E8A-B22D-6955D57AD621}" type="pres">
+      <dgm:prSet presAssocID="{02F9CAEE-857D-4E3F-8312-AB8FBC9AE9CA}" presName="FourNodes_1" presStyleLbl="node1" presStyleIdx="0" presStyleCnt="4">
+        <dgm:presLayoutVars>
+          <dgm:bulletEnabled val="1"/>
+        </dgm:presLayoutVars>
+      </dgm:prSet>
+      <dgm:spPr/>
+    </dgm:pt>
+    <dgm:pt modelId="{2F700EFD-8ACC-4B71-B6A9-6E49B9902083}" type="pres">
+      <dgm:prSet presAssocID="{02F9CAEE-857D-4E3F-8312-AB8FBC9AE9CA}" presName="FourNodes_2" presStyleLbl="node1" presStyleIdx="1" presStyleCnt="4">
+        <dgm:presLayoutVars>
+          <dgm:bulletEnabled val="1"/>
+        </dgm:presLayoutVars>
+      </dgm:prSet>
+      <dgm:spPr/>
+    </dgm:pt>
+    <dgm:pt modelId="{A970F92C-9372-44CD-8005-C3CBC3C6D09B}" type="pres">
+      <dgm:prSet presAssocID="{02F9CAEE-857D-4E3F-8312-AB8FBC9AE9CA}" presName="FourNodes_3" presStyleLbl="node1" presStyleIdx="2" presStyleCnt="4">
+        <dgm:presLayoutVars>
+          <dgm:bulletEnabled val="1"/>
+        </dgm:presLayoutVars>
+      </dgm:prSet>
+      <dgm:spPr/>
+    </dgm:pt>
+    <dgm:pt modelId="{63E5F04D-6463-48CC-8B14-F6DEFF88A407}" type="pres">
+      <dgm:prSet presAssocID="{02F9CAEE-857D-4E3F-8312-AB8FBC9AE9CA}" presName="FourNodes_4" presStyleLbl="node1" presStyleIdx="3" presStyleCnt="4">
+        <dgm:presLayoutVars>
+          <dgm:bulletEnabled val="1"/>
+        </dgm:presLayoutVars>
+      </dgm:prSet>
+      <dgm:spPr/>
+    </dgm:pt>
+    <dgm:pt modelId="{9B7B63C6-5516-4608-AD9E-5F13932FA9DE}" type="pres">
+      <dgm:prSet presAssocID="{02F9CAEE-857D-4E3F-8312-AB8FBC9AE9CA}" presName="FourConn_1-2" presStyleLbl="fgAccFollowNode1" presStyleIdx="0" presStyleCnt="3">
+        <dgm:presLayoutVars>
+          <dgm:bulletEnabled val="1"/>
+        </dgm:presLayoutVars>
+      </dgm:prSet>
+      <dgm:spPr/>
+    </dgm:pt>
+    <dgm:pt modelId="{196EF17F-455F-401B-AD83-AB7E932F1B32}" type="pres">
+      <dgm:prSet presAssocID="{02F9CAEE-857D-4E3F-8312-AB8FBC9AE9CA}" presName="FourConn_2-3" presStyleLbl="fgAccFollowNode1" presStyleIdx="1" presStyleCnt="3">
+        <dgm:presLayoutVars>
+          <dgm:bulletEnabled val="1"/>
+        </dgm:presLayoutVars>
+      </dgm:prSet>
+      <dgm:spPr/>
+    </dgm:pt>
+    <dgm:pt modelId="{EA0EEBDC-D371-49EF-9837-816E61D74183}" type="pres">
+      <dgm:prSet presAssocID="{02F9CAEE-857D-4E3F-8312-AB8FBC9AE9CA}" presName="FourConn_3-4" presStyleLbl="fgAccFollowNode1" presStyleIdx="2" presStyleCnt="3">
+        <dgm:presLayoutVars>
+          <dgm:bulletEnabled val="1"/>
+        </dgm:presLayoutVars>
+      </dgm:prSet>
+      <dgm:spPr/>
+    </dgm:pt>
+    <dgm:pt modelId="{DB39D30C-EDA4-43F9-B467-1080221B4ED3}" type="pres">
+      <dgm:prSet presAssocID="{02F9CAEE-857D-4E3F-8312-AB8FBC9AE9CA}" presName="FourNodes_1_text" presStyleLbl="node1" presStyleIdx="3" presStyleCnt="4">
+        <dgm:presLayoutVars>
+          <dgm:bulletEnabled val="1"/>
+        </dgm:presLayoutVars>
+      </dgm:prSet>
+      <dgm:spPr/>
+    </dgm:pt>
+    <dgm:pt modelId="{B0BC79E9-7B8B-46F5-B47B-63734DB655BC}" type="pres">
+      <dgm:prSet presAssocID="{02F9CAEE-857D-4E3F-8312-AB8FBC9AE9CA}" presName="FourNodes_2_text" presStyleLbl="node1" presStyleIdx="3" presStyleCnt="4">
+        <dgm:presLayoutVars>
+          <dgm:bulletEnabled val="1"/>
+        </dgm:presLayoutVars>
+      </dgm:prSet>
+      <dgm:spPr/>
+    </dgm:pt>
+    <dgm:pt modelId="{AC47EB1D-0E4E-45CF-BA92-A33500C852C4}" type="pres">
+      <dgm:prSet presAssocID="{02F9CAEE-857D-4E3F-8312-AB8FBC9AE9CA}" presName="FourNodes_3_text" presStyleLbl="node1" presStyleIdx="3" presStyleCnt="4">
+        <dgm:presLayoutVars>
+          <dgm:bulletEnabled val="1"/>
+        </dgm:presLayoutVars>
+      </dgm:prSet>
+      <dgm:spPr/>
+    </dgm:pt>
+    <dgm:pt modelId="{2DBCB018-ACBB-447B-91D6-7C792318C814}" type="pres">
+      <dgm:prSet presAssocID="{02F9CAEE-857D-4E3F-8312-AB8FBC9AE9CA}" presName="FourNodes_4_text" presStyleLbl="node1" presStyleIdx="3" presStyleCnt="4">
+        <dgm:presLayoutVars>
+          <dgm:bulletEnabled val="1"/>
+        </dgm:presLayoutVars>
+      </dgm:prSet>
+      <dgm:spPr/>
+    </dgm:pt>
+  </dgm:ptLst>
+  <dgm:cxnLst>
+    <dgm:cxn modelId="{11511B18-1715-4C26-9D67-E772DC767B4F}" type="presOf" srcId="{D1452585-D045-43F4-AB51-BDD167692CA3}" destId="{DB39D30C-EDA4-43F9-B467-1080221B4ED3}" srcOrd="1" destOrd="0" presId="urn:microsoft.com/office/officeart/2005/8/layout/vProcess5"/>
+    <dgm:cxn modelId="{EAC78923-E13E-475B-805B-A83E1385FAF2}" type="presOf" srcId="{D1452585-D045-43F4-AB51-BDD167692CA3}" destId="{2CDC0D84-0D0B-4E8A-B22D-6955D57AD621}" srcOrd="0" destOrd="0" presId="urn:microsoft.com/office/officeart/2005/8/layout/vProcess5"/>
+    <dgm:cxn modelId="{625E7E3E-E666-42C6-B46C-821195855959}" type="presOf" srcId="{63C14E5F-DF1D-403C-8AF5-5D6053E07D8F}" destId="{EA0EEBDC-D371-49EF-9837-816E61D74183}" srcOrd="0" destOrd="0" presId="urn:microsoft.com/office/officeart/2005/8/layout/vProcess5"/>
+    <dgm:cxn modelId="{15A9BE5F-9914-4740-9223-C5C5D97A839F}" srcId="{02F9CAEE-857D-4E3F-8312-AB8FBC9AE9CA}" destId="{D1452585-D045-43F4-AB51-BDD167692CA3}" srcOrd="0" destOrd="0" parTransId="{E6D279F3-3345-4248-9537-7F88D714F4B8}" sibTransId="{AAAC775E-5AA2-4EE3-86BC-07863C830B07}"/>
+    <dgm:cxn modelId="{ABD62767-B6E7-4C6C-8933-814F9952E132}" srcId="{02F9CAEE-857D-4E3F-8312-AB8FBC9AE9CA}" destId="{64511F5C-32F7-4C9E-9A3A-604BB64D9925}" srcOrd="3" destOrd="0" parTransId="{2E0D002B-D54D-4F44-9D68-674567AB5E73}" sibTransId="{972E7A3E-5EC8-4BF0-971D-FC94E2F88E88}"/>
+    <dgm:cxn modelId="{7EABF84A-4843-48DD-A747-0D70C015AF9E}" type="presOf" srcId="{BF4CA065-3E53-4ACA-AE76-A0462DA3000D}" destId="{2F700EFD-8ACC-4B71-B6A9-6E49B9902083}" srcOrd="0" destOrd="0" presId="urn:microsoft.com/office/officeart/2005/8/layout/vProcess5"/>
+    <dgm:cxn modelId="{12ED1759-7F18-4D7B-8870-8A1A51910B5F}" type="presOf" srcId="{64511F5C-32F7-4C9E-9A3A-604BB64D9925}" destId="{63E5F04D-6463-48CC-8B14-F6DEFF88A407}" srcOrd="0" destOrd="0" presId="urn:microsoft.com/office/officeart/2005/8/layout/vProcess5"/>
+    <dgm:cxn modelId="{EFA38C80-C1B0-4FAE-98EF-1ABA98C8CF76}" type="presOf" srcId="{A53521A3-6AF6-4929-931D-3CE8A841275B}" destId="{A970F92C-9372-44CD-8005-C3CBC3C6D09B}" srcOrd="0" destOrd="0" presId="urn:microsoft.com/office/officeart/2005/8/layout/vProcess5"/>
+    <dgm:cxn modelId="{38DCC982-C651-4FC1-AF52-DF8BBE09CCB3}" srcId="{02F9CAEE-857D-4E3F-8312-AB8FBC9AE9CA}" destId="{BF4CA065-3E53-4ACA-AE76-A0462DA3000D}" srcOrd="1" destOrd="0" parTransId="{AB5C326C-A10F-431E-AFC6-E200FBF0C102}" sibTransId="{E36A9354-5DD8-45B2-853E-887C66AFE4E9}"/>
+    <dgm:cxn modelId="{950D5AB9-1325-4BCB-8F53-C4D4B5DDB77C}" type="presOf" srcId="{BF4CA065-3E53-4ACA-AE76-A0462DA3000D}" destId="{B0BC79E9-7B8B-46F5-B47B-63734DB655BC}" srcOrd="1" destOrd="0" presId="urn:microsoft.com/office/officeart/2005/8/layout/vProcess5"/>
+    <dgm:cxn modelId="{3EB538C4-D953-4B03-82D1-ACA6697A2648}" type="presOf" srcId="{AAAC775E-5AA2-4EE3-86BC-07863C830B07}" destId="{9B7B63C6-5516-4608-AD9E-5F13932FA9DE}" srcOrd="0" destOrd="0" presId="urn:microsoft.com/office/officeart/2005/8/layout/vProcess5"/>
+    <dgm:cxn modelId="{CC2FE2D2-FBE4-4FBF-A5FE-2092FB6CD802}" type="presOf" srcId="{02F9CAEE-857D-4E3F-8312-AB8FBC9AE9CA}" destId="{834DA2EA-2256-4B5A-9E17-E09BAE6823C6}" srcOrd="0" destOrd="0" presId="urn:microsoft.com/office/officeart/2005/8/layout/vProcess5"/>
+    <dgm:cxn modelId="{00C07FD3-5FE7-4DAA-8614-D71C839C5058}" type="presOf" srcId="{A53521A3-6AF6-4929-931D-3CE8A841275B}" destId="{AC47EB1D-0E4E-45CF-BA92-A33500C852C4}" srcOrd="1" destOrd="0" presId="urn:microsoft.com/office/officeart/2005/8/layout/vProcess5"/>
+    <dgm:cxn modelId="{E5586EE9-0DE5-4276-9E29-7D2E7A816C63}" srcId="{02F9CAEE-857D-4E3F-8312-AB8FBC9AE9CA}" destId="{A53521A3-6AF6-4929-931D-3CE8A841275B}" srcOrd="2" destOrd="0" parTransId="{1A9B3FE8-9F88-4C4E-A72D-439DFB7431F1}" sibTransId="{63C14E5F-DF1D-403C-8AF5-5D6053E07D8F}"/>
+    <dgm:cxn modelId="{3CB966EB-05BD-43CF-BD89-D5FDF25D3924}" type="presOf" srcId="{E36A9354-5DD8-45B2-853E-887C66AFE4E9}" destId="{196EF17F-455F-401B-AD83-AB7E932F1B32}" srcOrd="0" destOrd="0" presId="urn:microsoft.com/office/officeart/2005/8/layout/vProcess5"/>
+    <dgm:cxn modelId="{FAA674FF-4D89-4CC6-812F-B1BAAA795F2A}" type="presOf" srcId="{64511F5C-32F7-4C9E-9A3A-604BB64D9925}" destId="{2DBCB018-ACBB-447B-91D6-7C792318C814}" srcOrd="1" destOrd="0" presId="urn:microsoft.com/office/officeart/2005/8/layout/vProcess5"/>
+    <dgm:cxn modelId="{43B76257-9070-47CF-AF98-6FF66B264CD1}" type="presParOf" srcId="{834DA2EA-2256-4B5A-9E17-E09BAE6823C6}" destId="{F066D56C-EBE4-49C7-9C9F-99C12CA52791}" srcOrd="0" destOrd="0" presId="urn:microsoft.com/office/officeart/2005/8/layout/vProcess5"/>
+    <dgm:cxn modelId="{5FF80187-5ADE-4F47-A567-E3DE1FA358B0}" type="presParOf" srcId="{834DA2EA-2256-4B5A-9E17-E09BAE6823C6}" destId="{2CDC0D84-0D0B-4E8A-B22D-6955D57AD621}" srcOrd="1" destOrd="0" presId="urn:microsoft.com/office/officeart/2005/8/layout/vProcess5"/>
+    <dgm:cxn modelId="{13F1C0C2-7BFF-47FE-8014-06C4D5601F02}" type="presParOf" srcId="{834DA2EA-2256-4B5A-9E17-E09BAE6823C6}" destId="{2F700EFD-8ACC-4B71-B6A9-6E49B9902083}" srcOrd="2" destOrd="0" presId="urn:microsoft.com/office/officeart/2005/8/layout/vProcess5"/>
+    <dgm:cxn modelId="{4A1E63CD-4B2B-43E6-A08C-7899B651626D}" type="presParOf" srcId="{834DA2EA-2256-4B5A-9E17-E09BAE6823C6}" destId="{A970F92C-9372-44CD-8005-C3CBC3C6D09B}" srcOrd="3" destOrd="0" presId="urn:microsoft.com/office/officeart/2005/8/layout/vProcess5"/>
+    <dgm:cxn modelId="{692D7746-542B-4E0E-9E5B-CCE140016310}" type="presParOf" srcId="{834DA2EA-2256-4B5A-9E17-E09BAE6823C6}" destId="{63E5F04D-6463-48CC-8B14-F6DEFF88A407}" srcOrd="4" destOrd="0" presId="urn:microsoft.com/office/officeart/2005/8/layout/vProcess5"/>
+    <dgm:cxn modelId="{BFF2015F-81DE-4F66-B115-C98C851B59B7}" type="presParOf" srcId="{834DA2EA-2256-4B5A-9E17-E09BAE6823C6}" destId="{9B7B63C6-5516-4608-AD9E-5F13932FA9DE}" srcOrd="5" destOrd="0" presId="urn:microsoft.com/office/officeart/2005/8/layout/vProcess5"/>
+    <dgm:cxn modelId="{A887D9B1-AF7D-4BFB-82E4-20BE00879503}" type="presParOf" srcId="{834DA2EA-2256-4B5A-9E17-E09BAE6823C6}" destId="{196EF17F-455F-401B-AD83-AB7E932F1B32}" srcOrd="6" destOrd="0" presId="urn:microsoft.com/office/officeart/2005/8/layout/vProcess5"/>
+    <dgm:cxn modelId="{E246CFA9-8491-43C1-938E-86D440EC8B48}" type="presParOf" srcId="{834DA2EA-2256-4B5A-9E17-E09BAE6823C6}" destId="{EA0EEBDC-D371-49EF-9837-816E61D74183}" srcOrd="7" destOrd="0" presId="urn:microsoft.com/office/officeart/2005/8/layout/vProcess5"/>
+    <dgm:cxn modelId="{811E2380-B7AF-4F62-83D3-88D29611F5D8}" type="presParOf" srcId="{834DA2EA-2256-4B5A-9E17-E09BAE6823C6}" destId="{DB39D30C-EDA4-43F9-B467-1080221B4ED3}" srcOrd="8" destOrd="0" presId="urn:microsoft.com/office/officeart/2005/8/layout/vProcess5"/>
+    <dgm:cxn modelId="{CBDB7A6C-9512-4B62-9815-372656CF6BAA}" type="presParOf" srcId="{834DA2EA-2256-4B5A-9E17-E09BAE6823C6}" destId="{B0BC79E9-7B8B-46F5-B47B-63734DB655BC}" srcOrd="9" destOrd="0" presId="urn:microsoft.com/office/officeart/2005/8/layout/vProcess5"/>
+    <dgm:cxn modelId="{269EA505-9ADC-4B2B-8C49-D466C4701D61}" type="presParOf" srcId="{834DA2EA-2256-4B5A-9E17-E09BAE6823C6}" destId="{AC47EB1D-0E4E-45CF-BA92-A33500C852C4}" srcOrd="10" destOrd="0" presId="urn:microsoft.com/office/officeart/2005/8/layout/vProcess5"/>
+    <dgm:cxn modelId="{78973158-D8A9-4ABC-A3FE-A6B6AD4B7BB5}" type="presParOf" srcId="{834DA2EA-2256-4B5A-9E17-E09BAE6823C6}" destId="{2DBCB018-ACBB-447B-91D6-7C792318C814}" srcOrd="11" destOrd="0" presId="urn:microsoft.com/office/officeart/2005/8/layout/vProcess5"/>
+  </dgm:cxnLst>
+  <dgm:bg/>
+  <dgm:whole/>
+  <dgm:extLst>
+    <a:ext uri="http://schemas.microsoft.com/office/drawing/2008/diagram">
+      <dsp:dataModelExt xmlns:dsp="http://schemas.microsoft.com/office/drawing/2008/diagram" relId="rId7" minVer="http://schemas.openxmlformats.org/drawingml/2006/diagram"/>
+    </a:ext>
+  </dgm:extLst>
+</dgm:dataModel>
+</file>
+
+<file path=ppt/diagrams/data6.xml><?xml version="1.0" encoding="utf-8"?>
+<dgm:dataModel xmlns:dgm="http://schemas.openxmlformats.org/drawingml/2006/diagram" xmlns:a="http://schemas.openxmlformats.org/drawingml/2006/main">
+  <dgm:ptLst>
     <dgm:pt modelId="{3A15E596-76C1-4028-885F-A26F08554C05}" type="doc">
       <dgm:prSet loTypeId="urn:microsoft.com/office/officeart/2018/2/layout/IconVerticalSolidList" loCatId="icon" qsTypeId="urn:microsoft.com/office/officeart/2005/8/quickstyle/simple1" qsCatId="simple" csTypeId="urn:microsoft.com/office/officeart/2018/5/colors/Iconchunking_neutralicontext_colorful1" csCatId="colorful" phldr="1"/>
       <dgm:spPr/>
@@ -8335,23 +8647,16 @@
       </dgm:t>
     </dgm:pt>
     <dgm:pt modelId="{7BF36ACB-DD8B-413E-B005-E0842B456D34}">
-      <dgm:prSet/>
+      <dgm:prSet custT="1"/>
       <dgm:spPr/>
       <dgm:t>
         <a:bodyPr/>
         <a:lstStyle/>
         <a:p>
           <a:r>
-            <a:rPr lang="de-DE" baseline="0"/>
-            <a:t>How should we calculate distance?</a:t>
+            <a:rPr lang="en-US" sz="2800" dirty="0"/>
+            <a:t>How can we cluster n-dimensional Data?</a:t>
           </a:r>
-          <a:br>
-            <a:rPr lang="de-DE" baseline="0"/>
-          </a:br>
-          <a:br>
-            <a:rPr lang="de-DE" baseline="0"/>
-          </a:br>
-          <a:endParaRPr lang="en-US"/>
         </a:p>
       </dgm:t>
     </dgm:pt>
@@ -8378,23 +8683,42 @@
       </dgm:t>
     </dgm:pt>
     <dgm:pt modelId="{562D490C-FC85-4887-BB75-118C472FA3C5}">
-      <dgm:prSet/>
+      <dgm:prSet custT="1"/>
       <dgm:spPr/>
       <dgm:t>
         <a:bodyPr/>
         <a:lstStyle/>
         <a:p>
+          <a:endParaRPr lang="de-DE" sz="2800" baseline="0" dirty="0"/>
+        </a:p>
+        <a:p>
           <a:r>
-            <a:rPr lang="de-DE" baseline="0"/>
-            <a:t>Should we pick our centroids from the sample or generate new ones?</a:t>
+            <a:rPr lang="de-DE" sz="2800" baseline="0" dirty="0" err="1"/>
+            <a:t>Distance</a:t>
+          </a:r>
+          <a:r>
+            <a:rPr lang="de-DE" sz="2800" baseline="0" dirty="0"/>
+            <a:t> </a:t>
+          </a:r>
+          <a:r>
+            <a:rPr lang="de-DE" sz="2800" baseline="0" dirty="0" err="1"/>
+            <a:t>computation</a:t>
+          </a:r>
+          <a:r>
+            <a:rPr lang="de-DE" sz="2800" baseline="0" dirty="0"/>
+            <a:t> and initial </a:t>
+          </a:r>
+          <a:r>
+            <a:rPr lang="de-DE" sz="2800" baseline="0" dirty="0" err="1"/>
+            <a:t>centroids</a:t>
           </a:r>
           <a:br>
-            <a:rPr lang="de-DE" baseline="0"/>
+            <a:rPr lang="de-DE" sz="2800" baseline="0" dirty="0"/>
           </a:br>
           <a:br>
-            <a:rPr lang="de-DE" baseline="0"/>
+            <a:rPr lang="de-DE" sz="2800" baseline="0" dirty="0"/>
           </a:br>
-          <a:endParaRPr lang="en-US"/>
+          <a:endParaRPr lang="en-US" sz="2800" dirty="0"/>
         </a:p>
       </dgm:t>
     </dgm:pt>
@@ -8421,17 +8745,41 @@
       </dgm:t>
     </dgm:pt>
     <dgm:pt modelId="{44843757-308A-4AEC-A340-1166A8BE08E6}">
-      <dgm:prSet/>
+      <dgm:prSet custT="1"/>
       <dgm:spPr/>
       <dgm:t>
         <a:bodyPr/>
         <a:lstStyle/>
         <a:p>
           <a:r>
-            <a:rPr lang="de-DE" baseline="0"/>
-            <a:t>Find the optimal value for k</a:t>
+            <a:rPr lang="de-DE" sz="2800" baseline="0" dirty="0"/>
+            <a:t>Find </a:t>
           </a:r>
-          <a:endParaRPr lang="en-US"/>
+          <a:r>
+            <a:rPr lang="de-DE" sz="2800" baseline="0" dirty="0" err="1"/>
+            <a:t>the</a:t>
+          </a:r>
+          <a:r>
+            <a:rPr lang="de-DE" sz="2800" baseline="0" dirty="0"/>
+            <a:t> optimal </a:t>
+          </a:r>
+          <a:r>
+            <a:rPr lang="de-DE" sz="2800" baseline="0" dirty="0" err="1"/>
+            <a:t>value</a:t>
+          </a:r>
+          <a:r>
+            <a:rPr lang="de-DE" sz="2800" baseline="0" dirty="0"/>
+            <a:t> </a:t>
+          </a:r>
+          <a:r>
+            <a:rPr lang="de-DE" sz="2800" baseline="0" dirty="0" err="1"/>
+            <a:t>for</a:t>
+          </a:r>
+          <a:r>
+            <a:rPr lang="de-DE" sz="2800" baseline="0" dirty="0"/>
+            <a:t> k</a:t>
+          </a:r>
+          <a:endParaRPr lang="en-US" sz="2800" dirty="0"/>
         </a:p>
       </dgm:t>
     </dgm:pt>
@@ -8613,7 +8961,7 @@
       <dgm:spPr/>
     </dgm:pt>
     <dgm:pt modelId="{9C7AAA09-BEC3-4597-93FB-981ACC018D34}" type="pres">
-      <dgm:prSet presAssocID="{44843757-308A-4AEC-A340-1166A8BE08E6}" presName="parTx" presStyleLbl="revTx" presStyleIdx="2" presStyleCnt="3">
+      <dgm:prSet presAssocID="{44843757-308A-4AEC-A340-1166A8BE08E6}" presName="parTx" presStyleLbl="revTx" presStyleIdx="2" presStyleCnt="3" custScaleX="97497">
         <dgm:presLayoutVars>
           <dgm:chMax val="0"/>
           <dgm:chPref val="0"/>
@@ -8658,7 +9006,7 @@
 </dgm:dataModel>
 </file>
 
-<file path=ppt/diagrams/data6.xml><?xml version="1.0" encoding="utf-8"?>
+<file path=ppt/diagrams/data7.xml><?xml version="1.0" encoding="utf-8"?>
 <dgm:dataModel xmlns:dgm="http://schemas.openxmlformats.org/drawingml/2006/diagram" xmlns:a="http://schemas.openxmlformats.org/drawingml/2006/main">
   <dgm:ptLst>
     <dgm:pt modelId="{28191BF6-C0E7-4BE1-8563-E5B063082A8E}" type="doc">
@@ -8991,309 +9339,6 @@
   <dgm:extLst>
     <a:ext uri="http://schemas.microsoft.com/office/drawing/2008/diagram">
       <dsp:dataModelExt xmlns:dsp="http://schemas.microsoft.com/office/drawing/2008/diagram" relId="rId6" minVer="http://schemas.openxmlformats.org/drawingml/2006/diagram"/>
-    </a:ext>
-  </dgm:extLst>
-</dgm:dataModel>
-</file>
-
-<file path=ppt/diagrams/data7.xml><?xml version="1.0" encoding="utf-8"?>
-<dgm:dataModel xmlns:dgm="http://schemas.openxmlformats.org/drawingml/2006/diagram" xmlns:a="http://schemas.openxmlformats.org/drawingml/2006/main">
-  <dgm:ptLst>
-    <dgm:pt modelId="{02F9CAEE-857D-4E3F-8312-AB8FBC9AE9CA}" type="doc">
-      <dgm:prSet loTypeId="urn:microsoft.com/office/officeart/2005/8/layout/vProcess5" loCatId="process" qsTypeId="urn:microsoft.com/office/officeart/2005/8/quickstyle/simple1" qsCatId="simple" csTypeId="urn:microsoft.com/office/officeart/2005/8/colors/colorful5" csCatId="colorful" phldr="1"/>
-      <dgm:spPr/>
-      <dgm:t>
-        <a:bodyPr/>
-        <a:lstStyle/>
-        <a:p>
-          <a:endParaRPr lang="de-DE"/>
-        </a:p>
-      </dgm:t>
-    </dgm:pt>
-    <dgm:pt modelId="{D1452585-D045-43F4-AB51-BDD167692CA3}">
-      <dgm:prSet phldrT="[Text]"/>
-      <dgm:spPr/>
-      <dgm:t>
-        <a:bodyPr/>
-        <a:lstStyle/>
-        <a:p>
-          <a:r>
-            <a:rPr lang="de-DE"/>
-            <a:t>Basic K-means</a:t>
-          </a:r>
-        </a:p>
-      </dgm:t>
-    </dgm:pt>
-    <dgm:pt modelId="{E6D279F3-3345-4248-9537-7F88D714F4B8}" type="parTrans" cxnId="{15A9BE5F-9914-4740-9223-C5C5D97A839F}">
-      <dgm:prSet/>
-      <dgm:spPr/>
-      <dgm:t>
-        <a:bodyPr/>
-        <a:lstStyle/>
-        <a:p>
-          <a:endParaRPr lang="de-DE"/>
-        </a:p>
-      </dgm:t>
-    </dgm:pt>
-    <dgm:pt modelId="{AAAC775E-5AA2-4EE3-86BC-07863C830B07}" type="sibTrans" cxnId="{15A9BE5F-9914-4740-9223-C5C5D97A839F}">
-      <dgm:prSet/>
-      <dgm:spPr/>
-      <dgm:t>
-        <a:bodyPr/>
-        <a:lstStyle/>
-        <a:p>
-          <a:endParaRPr lang="de-DE"/>
-        </a:p>
-      </dgm:t>
-    </dgm:pt>
-    <dgm:pt modelId="{BF4CA065-3E53-4ACA-AE76-A0462DA3000D}">
-      <dgm:prSet phldrT="[Text]"/>
-      <dgm:spPr/>
-      <dgm:t>
-        <a:bodyPr/>
-        <a:lstStyle/>
-        <a:p>
-          <a:r>
-            <a:rPr lang="de-DE"/>
-            <a:t>Mini-batch</a:t>
-          </a:r>
-        </a:p>
-      </dgm:t>
-    </dgm:pt>
-    <dgm:pt modelId="{AB5C326C-A10F-431E-AFC6-E200FBF0C102}" type="parTrans" cxnId="{38DCC982-C651-4FC1-AF52-DF8BBE09CCB3}">
-      <dgm:prSet/>
-      <dgm:spPr/>
-      <dgm:t>
-        <a:bodyPr/>
-        <a:lstStyle/>
-        <a:p>
-          <a:endParaRPr lang="de-DE"/>
-        </a:p>
-      </dgm:t>
-    </dgm:pt>
-    <dgm:pt modelId="{E36A9354-5DD8-45B2-853E-887C66AFE4E9}" type="sibTrans" cxnId="{38DCC982-C651-4FC1-AF52-DF8BBE09CCB3}">
-      <dgm:prSet/>
-      <dgm:spPr/>
-      <dgm:t>
-        <a:bodyPr/>
-        <a:lstStyle/>
-        <a:p>
-          <a:endParaRPr lang="de-DE"/>
-        </a:p>
-      </dgm:t>
-    </dgm:pt>
-    <dgm:pt modelId="{A53521A3-6AF6-4929-931D-3CE8A841275B}">
-      <dgm:prSet phldrT="[Text]"/>
-      <dgm:spPr/>
-      <dgm:t>
-        <a:bodyPr/>
-        <a:lstStyle/>
-        <a:p>
-          <a:r>
-            <a:rPr lang="de-DE"/>
-            <a:t>K-means ++</a:t>
-          </a:r>
-        </a:p>
-      </dgm:t>
-    </dgm:pt>
-    <dgm:pt modelId="{1A9B3FE8-9F88-4C4E-A72D-439DFB7431F1}" type="parTrans" cxnId="{E5586EE9-0DE5-4276-9E29-7D2E7A816C63}">
-      <dgm:prSet/>
-      <dgm:spPr/>
-      <dgm:t>
-        <a:bodyPr/>
-        <a:lstStyle/>
-        <a:p>
-          <a:endParaRPr lang="de-DE"/>
-        </a:p>
-      </dgm:t>
-    </dgm:pt>
-    <dgm:pt modelId="{63C14E5F-DF1D-403C-8AF5-5D6053E07D8F}" type="sibTrans" cxnId="{E5586EE9-0DE5-4276-9E29-7D2E7A816C63}">
-      <dgm:prSet/>
-      <dgm:spPr/>
-      <dgm:t>
-        <a:bodyPr/>
-        <a:lstStyle/>
-        <a:p>
-          <a:endParaRPr lang="de-DE"/>
-        </a:p>
-      </dgm:t>
-    </dgm:pt>
-    <dgm:pt modelId="{64511F5C-32F7-4C9E-9A3A-604BB64D9925}">
-      <dgm:prSet/>
-      <dgm:spPr/>
-      <dgm:t>
-        <a:bodyPr/>
-        <a:lstStyle/>
-        <a:p>
-          <a:r>
-            <a:rPr lang="de-DE"/>
-            <a:t>Clean-up duty</a:t>
-          </a:r>
-        </a:p>
-      </dgm:t>
-    </dgm:pt>
-    <dgm:pt modelId="{2E0D002B-D54D-4F44-9D68-674567AB5E73}" type="parTrans" cxnId="{ABD62767-B6E7-4C6C-8933-814F9952E132}">
-      <dgm:prSet/>
-      <dgm:spPr/>
-      <dgm:t>
-        <a:bodyPr/>
-        <a:lstStyle/>
-        <a:p>
-          <a:endParaRPr lang="de-DE"/>
-        </a:p>
-      </dgm:t>
-    </dgm:pt>
-    <dgm:pt modelId="{972E7A3E-5EC8-4BF0-971D-FC94E2F88E88}" type="sibTrans" cxnId="{ABD62767-B6E7-4C6C-8933-814F9952E132}">
-      <dgm:prSet/>
-      <dgm:spPr/>
-      <dgm:t>
-        <a:bodyPr/>
-        <a:lstStyle/>
-        <a:p>
-          <a:endParaRPr lang="de-DE"/>
-        </a:p>
-      </dgm:t>
-    </dgm:pt>
-    <dgm:pt modelId="{834DA2EA-2256-4B5A-9E17-E09BAE6823C6}" type="pres">
-      <dgm:prSet presAssocID="{02F9CAEE-857D-4E3F-8312-AB8FBC9AE9CA}" presName="outerComposite" presStyleCnt="0">
-        <dgm:presLayoutVars>
-          <dgm:chMax val="5"/>
-          <dgm:dir/>
-          <dgm:resizeHandles val="exact"/>
-        </dgm:presLayoutVars>
-      </dgm:prSet>
-      <dgm:spPr/>
-    </dgm:pt>
-    <dgm:pt modelId="{F066D56C-EBE4-49C7-9C9F-99C12CA52791}" type="pres">
-      <dgm:prSet presAssocID="{02F9CAEE-857D-4E3F-8312-AB8FBC9AE9CA}" presName="dummyMaxCanvas" presStyleCnt="0">
-        <dgm:presLayoutVars/>
-      </dgm:prSet>
-      <dgm:spPr/>
-    </dgm:pt>
-    <dgm:pt modelId="{2CDC0D84-0D0B-4E8A-B22D-6955D57AD621}" type="pres">
-      <dgm:prSet presAssocID="{02F9CAEE-857D-4E3F-8312-AB8FBC9AE9CA}" presName="FourNodes_1" presStyleLbl="node1" presStyleIdx="0" presStyleCnt="4">
-        <dgm:presLayoutVars>
-          <dgm:bulletEnabled val="1"/>
-        </dgm:presLayoutVars>
-      </dgm:prSet>
-      <dgm:spPr/>
-    </dgm:pt>
-    <dgm:pt modelId="{2F700EFD-8ACC-4B71-B6A9-6E49B9902083}" type="pres">
-      <dgm:prSet presAssocID="{02F9CAEE-857D-4E3F-8312-AB8FBC9AE9CA}" presName="FourNodes_2" presStyleLbl="node1" presStyleIdx="1" presStyleCnt="4">
-        <dgm:presLayoutVars>
-          <dgm:bulletEnabled val="1"/>
-        </dgm:presLayoutVars>
-      </dgm:prSet>
-      <dgm:spPr/>
-    </dgm:pt>
-    <dgm:pt modelId="{A970F92C-9372-44CD-8005-C3CBC3C6D09B}" type="pres">
-      <dgm:prSet presAssocID="{02F9CAEE-857D-4E3F-8312-AB8FBC9AE9CA}" presName="FourNodes_3" presStyleLbl="node1" presStyleIdx="2" presStyleCnt="4">
-        <dgm:presLayoutVars>
-          <dgm:bulletEnabled val="1"/>
-        </dgm:presLayoutVars>
-      </dgm:prSet>
-      <dgm:spPr/>
-    </dgm:pt>
-    <dgm:pt modelId="{63E5F04D-6463-48CC-8B14-F6DEFF88A407}" type="pres">
-      <dgm:prSet presAssocID="{02F9CAEE-857D-4E3F-8312-AB8FBC9AE9CA}" presName="FourNodes_4" presStyleLbl="node1" presStyleIdx="3" presStyleCnt="4">
-        <dgm:presLayoutVars>
-          <dgm:bulletEnabled val="1"/>
-        </dgm:presLayoutVars>
-      </dgm:prSet>
-      <dgm:spPr/>
-    </dgm:pt>
-    <dgm:pt modelId="{9B7B63C6-5516-4608-AD9E-5F13932FA9DE}" type="pres">
-      <dgm:prSet presAssocID="{02F9CAEE-857D-4E3F-8312-AB8FBC9AE9CA}" presName="FourConn_1-2" presStyleLbl="fgAccFollowNode1" presStyleIdx="0" presStyleCnt="3">
-        <dgm:presLayoutVars>
-          <dgm:bulletEnabled val="1"/>
-        </dgm:presLayoutVars>
-      </dgm:prSet>
-      <dgm:spPr/>
-    </dgm:pt>
-    <dgm:pt modelId="{196EF17F-455F-401B-AD83-AB7E932F1B32}" type="pres">
-      <dgm:prSet presAssocID="{02F9CAEE-857D-4E3F-8312-AB8FBC9AE9CA}" presName="FourConn_2-3" presStyleLbl="fgAccFollowNode1" presStyleIdx="1" presStyleCnt="3">
-        <dgm:presLayoutVars>
-          <dgm:bulletEnabled val="1"/>
-        </dgm:presLayoutVars>
-      </dgm:prSet>
-      <dgm:spPr/>
-    </dgm:pt>
-    <dgm:pt modelId="{EA0EEBDC-D371-49EF-9837-816E61D74183}" type="pres">
-      <dgm:prSet presAssocID="{02F9CAEE-857D-4E3F-8312-AB8FBC9AE9CA}" presName="FourConn_3-4" presStyleLbl="fgAccFollowNode1" presStyleIdx="2" presStyleCnt="3">
-        <dgm:presLayoutVars>
-          <dgm:bulletEnabled val="1"/>
-        </dgm:presLayoutVars>
-      </dgm:prSet>
-      <dgm:spPr/>
-    </dgm:pt>
-    <dgm:pt modelId="{DB39D30C-EDA4-43F9-B467-1080221B4ED3}" type="pres">
-      <dgm:prSet presAssocID="{02F9CAEE-857D-4E3F-8312-AB8FBC9AE9CA}" presName="FourNodes_1_text" presStyleLbl="node1" presStyleIdx="3" presStyleCnt="4">
-        <dgm:presLayoutVars>
-          <dgm:bulletEnabled val="1"/>
-        </dgm:presLayoutVars>
-      </dgm:prSet>
-      <dgm:spPr/>
-    </dgm:pt>
-    <dgm:pt modelId="{B0BC79E9-7B8B-46F5-B47B-63734DB655BC}" type="pres">
-      <dgm:prSet presAssocID="{02F9CAEE-857D-4E3F-8312-AB8FBC9AE9CA}" presName="FourNodes_2_text" presStyleLbl="node1" presStyleIdx="3" presStyleCnt="4">
-        <dgm:presLayoutVars>
-          <dgm:bulletEnabled val="1"/>
-        </dgm:presLayoutVars>
-      </dgm:prSet>
-      <dgm:spPr/>
-    </dgm:pt>
-    <dgm:pt modelId="{AC47EB1D-0E4E-45CF-BA92-A33500C852C4}" type="pres">
-      <dgm:prSet presAssocID="{02F9CAEE-857D-4E3F-8312-AB8FBC9AE9CA}" presName="FourNodes_3_text" presStyleLbl="node1" presStyleIdx="3" presStyleCnt="4">
-        <dgm:presLayoutVars>
-          <dgm:bulletEnabled val="1"/>
-        </dgm:presLayoutVars>
-      </dgm:prSet>
-      <dgm:spPr/>
-    </dgm:pt>
-    <dgm:pt modelId="{2DBCB018-ACBB-447B-91D6-7C792318C814}" type="pres">
-      <dgm:prSet presAssocID="{02F9CAEE-857D-4E3F-8312-AB8FBC9AE9CA}" presName="FourNodes_4_text" presStyleLbl="node1" presStyleIdx="3" presStyleCnt="4">
-        <dgm:presLayoutVars>
-          <dgm:bulletEnabled val="1"/>
-        </dgm:presLayoutVars>
-      </dgm:prSet>
-      <dgm:spPr/>
-    </dgm:pt>
-  </dgm:ptLst>
-  <dgm:cxnLst>
-    <dgm:cxn modelId="{11511B18-1715-4C26-9D67-E772DC767B4F}" type="presOf" srcId="{D1452585-D045-43F4-AB51-BDD167692CA3}" destId="{DB39D30C-EDA4-43F9-B467-1080221B4ED3}" srcOrd="1" destOrd="0" presId="urn:microsoft.com/office/officeart/2005/8/layout/vProcess5"/>
-    <dgm:cxn modelId="{EAC78923-E13E-475B-805B-A83E1385FAF2}" type="presOf" srcId="{D1452585-D045-43F4-AB51-BDD167692CA3}" destId="{2CDC0D84-0D0B-4E8A-B22D-6955D57AD621}" srcOrd="0" destOrd="0" presId="urn:microsoft.com/office/officeart/2005/8/layout/vProcess5"/>
-    <dgm:cxn modelId="{625E7E3E-E666-42C6-B46C-821195855959}" type="presOf" srcId="{63C14E5F-DF1D-403C-8AF5-5D6053E07D8F}" destId="{EA0EEBDC-D371-49EF-9837-816E61D74183}" srcOrd="0" destOrd="0" presId="urn:microsoft.com/office/officeart/2005/8/layout/vProcess5"/>
-    <dgm:cxn modelId="{15A9BE5F-9914-4740-9223-C5C5D97A839F}" srcId="{02F9CAEE-857D-4E3F-8312-AB8FBC9AE9CA}" destId="{D1452585-D045-43F4-AB51-BDD167692CA3}" srcOrd="0" destOrd="0" parTransId="{E6D279F3-3345-4248-9537-7F88D714F4B8}" sibTransId="{AAAC775E-5AA2-4EE3-86BC-07863C830B07}"/>
-    <dgm:cxn modelId="{ABD62767-B6E7-4C6C-8933-814F9952E132}" srcId="{02F9CAEE-857D-4E3F-8312-AB8FBC9AE9CA}" destId="{64511F5C-32F7-4C9E-9A3A-604BB64D9925}" srcOrd="3" destOrd="0" parTransId="{2E0D002B-D54D-4F44-9D68-674567AB5E73}" sibTransId="{972E7A3E-5EC8-4BF0-971D-FC94E2F88E88}"/>
-    <dgm:cxn modelId="{7EABF84A-4843-48DD-A747-0D70C015AF9E}" type="presOf" srcId="{BF4CA065-3E53-4ACA-AE76-A0462DA3000D}" destId="{2F700EFD-8ACC-4B71-B6A9-6E49B9902083}" srcOrd="0" destOrd="0" presId="urn:microsoft.com/office/officeart/2005/8/layout/vProcess5"/>
-    <dgm:cxn modelId="{12ED1759-7F18-4D7B-8870-8A1A51910B5F}" type="presOf" srcId="{64511F5C-32F7-4C9E-9A3A-604BB64D9925}" destId="{63E5F04D-6463-48CC-8B14-F6DEFF88A407}" srcOrd="0" destOrd="0" presId="urn:microsoft.com/office/officeart/2005/8/layout/vProcess5"/>
-    <dgm:cxn modelId="{EFA38C80-C1B0-4FAE-98EF-1ABA98C8CF76}" type="presOf" srcId="{A53521A3-6AF6-4929-931D-3CE8A841275B}" destId="{A970F92C-9372-44CD-8005-C3CBC3C6D09B}" srcOrd="0" destOrd="0" presId="urn:microsoft.com/office/officeart/2005/8/layout/vProcess5"/>
-    <dgm:cxn modelId="{38DCC982-C651-4FC1-AF52-DF8BBE09CCB3}" srcId="{02F9CAEE-857D-4E3F-8312-AB8FBC9AE9CA}" destId="{BF4CA065-3E53-4ACA-AE76-A0462DA3000D}" srcOrd="1" destOrd="0" parTransId="{AB5C326C-A10F-431E-AFC6-E200FBF0C102}" sibTransId="{E36A9354-5DD8-45B2-853E-887C66AFE4E9}"/>
-    <dgm:cxn modelId="{950D5AB9-1325-4BCB-8F53-C4D4B5DDB77C}" type="presOf" srcId="{BF4CA065-3E53-4ACA-AE76-A0462DA3000D}" destId="{B0BC79E9-7B8B-46F5-B47B-63734DB655BC}" srcOrd="1" destOrd="0" presId="urn:microsoft.com/office/officeart/2005/8/layout/vProcess5"/>
-    <dgm:cxn modelId="{3EB538C4-D953-4B03-82D1-ACA6697A2648}" type="presOf" srcId="{AAAC775E-5AA2-4EE3-86BC-07863C830B07}" destId="{9B7B63C6-5516-4608-AD9E-5F13932FA9DE}" srcOrd="0" destOrd="0" presId="urn:microsoft.com/office/officeart/2005/8/layout/vProcess5"/>
-    <dgm:cxn modelId="{CC2FE2D2-FBE4-4FBF-A5FE-2092FB6CD802}" type="presOf" srcId="{02F9CAEE-857D-4E3F-8312-AB8FBC9AE9CA}" destId="{834DA2EA-2256-4B5A-9E17-E09BAE6823C6}" srcOrd="0" destOrd="0" presId="urn:microsoft.com/office/officeart/2005/8/layout/vProcess5"/>
-    <dgm:cxn modelId="{00C07FD3-5FE7-4DAA-8614-D71C839C5058}" type="presOf" srcId="{A53521A3-6AF6-4929-931D-3CE8A841275B}" destId="{AC47EB1D-0E4E-45CF-BA92-A33500C852C4}" srcOrd="1" destOrd="0" presId="urn:microsoft.com/office/officeart/2005/8/layout/vProcess5"/>
-    <dgm:cxn modelId="{E5586EE9-0DE5-4276-9E29-7D2E7A816C63}" srcId="{02F9CAEE-857D-4E3F-8312-AB8FBC9AE9CA}" destId="{A53521A3-6AF6-4929-931D-3CE8A841275B}" srcOrd="2" destOrd="0" parTransId="{1A9B3FE8-9F88-4C4E-A72D-439DFB7431F1}" sibTransId="{63C14E5F-DF1D-403C-8AF5-5D6053E07D8F}"/>
-    <dgm:cxn modelId="{3CB966EB-05BD-43CF-BD89-D5FDF25D3924}" type="presOf" srcId="{E36A9354-5DD8-45B2-853E-887C66AFE4E9}" destId="{196EF17F-455F-401B-AD83-AB7E932F1B32}" srcOrd="0" destOrd="0" presId="urn:microsoft.com/office/officeart/2005/8/layout/vProcess5"/>
-    <dgm:cxn modelId="{FAA674FF-4D89-4CC6-812F-B1BAAA795F2A}" type="presOf" srcId="{64511F5C-32F7-4C9E-9A3A-604BB64D9925}" destId="{2DBCB018-ACBB-447B-91D6-7C792318C814}" srcOrd="1" destOrd="0" presId="urn:microsoft.com/office/officeart/2005/8/layout/vProcess5"/>
-    <dgm:cxn modelId="{43B76257-9070-47CF-AF98-6FF66B264CD1}" type="presParOf" srcId="{834DA2EA-2256-4B5A-9E17-E09BAE6823C6}" destId="{F066D56C-EBE4-49C7-9C9F-99C12CA52791}" srcOrd="0" destOrd="0" presId="urn:microsoft.com/office/officeart/2005/8/layout/vProcess5"/>
-    <dgm:cxn modelId="{5FF80187-5ADE-4F47-A567-E3DE1FA358B0}" type="presParOf" srcId="{834DA2EA-2256-4B5A-9E17-E09BAE6823C6}" destId="{2CDC0D84-0D0B-4E8A-B22D-6955D57AD621}" srcOrd="1" destOrd="0" presId="urn:microsoft.com/office/officeart/2005/8/layout/vProcess5"/>
-    <dgm:cxn modelId="{13F1C0C2-7BFF-47FE-8014-06C4D5601F02}" type="presParOf" srcId="{834DA2EA-2256-4B5A-9E17-E09BAE6823C6}" destId="{2F700EFD-8ACC-4B71-B6A9-6E49B9902083}" srcOrd="2" destOrd="0" presId="urn:microsoft.com/office/officeart/2005/8/layout/vProcess5"/>
-    <dgm:cxn modelId="{4A1E63CD-4B2B-43E6-A08C-7899B651626D}" type="presParOf" srcId="{834DA2EA-2256-4B5A-9E17-E09BAE6823C6}" destId="{A970F92C-9372-44CD-8005-C3CBC3C6D09B}" srcOrd="3" destOrd="0" presId="urn:microsoft.com/office/officeart/2005/8/layout/vProcess5"/>
-    <dgm:cxn modelId="{692D7746-542B-4E0E-9E5B-CCE140016310}" type="presParOf" srcId="{834DA2EA-2256-4B5A-9E17-E09BAE6823C6}" destId="{63E5F04D-6463-48CC-8B14-F6DEFF88A407}" srcOrd="4" destOrd="0" presId="urn:microsoft.com/office/officeart/2005/8/layout/vProcess5"/>
-    <dgm:cxn modelId="{BFF2015F-81DE-4F66-B115-C98C851B59B7}" type="presParOf" srcId="{834DA2EA-2256-4B5A-9E17-E09BAE6823C6}" destId="{9B7B63C6-5516-4608-AD9E-5F13932FA9DE}" srcOrd="5" destOrd="0" presId="urn:microsoft.com/office/officeart/2005/8/layout/vProcess5"/>
-    <dgm:cxn modelId="{A887D9B1-AF7D-4BFB-82E4-20BE00879503}" type="presParOf" srcId="{834DA2EA-2256-4B5A-9E17-E09BAE6823C6}" destId="{196EF17F-455F-401B-AD83-AB7E932F1B32}" srcOrd="6" destOrd="0" presId="urn:microsoft.com/office/officeart/2005/8/layout/vProcess5"/>
-    <dgm:cxn modelId="{E246CFA9-8491-43C1-938E-86D440EC8B48}" type="presParOf" srcId="{834DA2EA-2256-4B5A-9E17-E09BAE6823C6}" destId="{EA0EEBDC-D371-49EF-9837-816E61D74183}" srcOrd="7" destOrd="0" presId="urn:microsoft.com/office/officeart/2005/8/layout/vProcess5"/>
-    <dgm:cxn modelId="{811E2380-B7AF-4F62-83D3-88D29611F5D8}" type="presParOf" srcId="{834DA2EA-2256-4B5A-9E17-E09BAE6823C6}" destId="{DB39D30C-EDA4-43F9-B467-1080221B4ED3}" srcOrd="8" destOrd="0" presId="urn:microsoft.com/office/officeart/2005/8/layout/vProcess5"/>
-    <dgm:cxn modelId="{CBDB7A6C-9512-4B62-9815-372656CF6BAA}" type="presParOf" srcId="{834DA2EA-2256-4B5A-9E17-E09BAE6823C6}" destId="{B0BC79E9-7B8B-46F5-B47B-63734DB655BC}" srcOrd="9" destOrd="0" presId="urn:microsoft.com/office/officeart/2005/8/layout/vProcess5"/>
-    <dgm:cxn modelId="{269EA505-9ADC-4B2B-8C49-D466C4701D61}" type="presParOf" srcId="{834DA2EA-2256-4B5A-9E17-E09BAE6823C6}" destId="{AC47EB1D-0E4E-45CF-BA92-A33500C852C4}" srcOrd="10" destOrd="0" presId="urn:microsoft.com/office/officeart/2005/8/layout/vProcess5"/>
-    <dgm:cxn modelId="{78973158-D8A9-4ABC-A3FE-A6B6AD4B7BB5}" type="presParOf" srcId="{834DA2EA-2256-4B5A-9E17-E09BAE6823C6}" destId="{2DBCB018-ACBB-447B-91D6-7C792318C814}" srcOrd="11" destOrd="0" presId="urn:microsoft.com/office/officeart/2005/8/layout/vProcess5"/>
-  </dgm:cxnLst>
-  <dgm:bg/>
-  <dgm:whole/>
-  <dgm:extLst>
-    <a:ext uri="http://schemas.microsoft.com/office/drawing/2008/diagram">
-      <dsp:dataModelExt xmlns:dsp="http://schemas.microsoft.com/office/drawing/2008/diagram" relId="rId7" minVer="http://schemas.openxmlformats.org/drawingml/2006/diagram"/>
     </a:ext>
   </dgm:extLst>
 </dgm:dataModel>
@@ -11952,6 +11997,580 @@
       <dsp:cNvGrpSpPr/>
     </dsp:nvGrpSpPr>
     <dsp:grpSpPr/>
+    <dsp:sp modelId="{2CDC0D84-0D0B-4E8A-B22D-6955D57AD621}">
+      <dsp:nvSpPr>
+        <dsp:cNvPr id="0" name=""/>
+        <dsp:cNvSpPr/>
+      </dsp:nvSpPr>
+      <dsp:spPr>
+        <a:xfrm>
+          <a:off x="0" y="0"/>
+          <a:ext cx="5204460" cy="1227264"/>
+        </a:xfrm>
+        <a:prstGeom prst="roundRect">
+          <a:avLst>
+            <a:gd name="adj" fmla="val 10000"/>
+          </a:avLst>
+        </a:prstGeom>
+        <a:solidFill>
+          <a:schemeClr val="accent5">
+            <a:hueOff val="0"/>
+            <a:satOff val="0"/>
+            <a:lumOff val="0"/>
+            <a:alphaOff val="0"/>
+          </a:schemeClr>
+        </a:solidFill>
+        <a:ln w="34925" cap="flat" cmpd="sng" algn="in">
+          <a:solidFill>
+            <a:schemeClr val="lt1">
+              <a:hueOff val="0"/>
+              <a:satOff val="0"/>
+              <a:lumOff val="0"/>
+              <a:alphaOff val="0"/>
+            </a:schemeClr>
+          </a:solidFill>
+          <a:prstDash val="solid"/>
+        </a:ln>
+        <a:effectLst/>
+      </dsp:spPr>
+      <dsp:style>
+        <a:lnRef idx="2">
+          <a:scrgbClr r="0" g="0" b="0"/>
+        </a:lnRef>
+        <a:fillRef idx="1">
+          <a:scrgbClr r="0" g="0" b="0"/>
+        </a:fillRef>
+        <a:effectRef idx="0">
+          <a:scrgbClr r="0" g="0" b="0"/>
+        </a:effectRef>
+        <a:fontRef idx="minor">
+          <a:schemeClr val="lt1"/>
+        </a:fontRef>
+      </dsp:style>
+      <dsp:txBody>
+        <a:bodyPr spcFirstLastPara="0" vert="horz" wrap="square" lIns="163830" tIns="163830" rIns="163830" bIns="163830" numCol="1" spcCol="1270" anchor="ctr" anchorCtr="0">
+          <a:noAutofit/>
+        </a:bodyPr>
+        <a:lstStyle/>
+        <a:p>
+          <a:pPr marL="0" lvl="0" indent="0" algn="l" defTabSz="1911350">
+            <a:lnSpc>
+              <a:spcPct val="90000"/>
+            </a:lnSpc>
+            <a:spcBef>
+              <a:spcPct val="0"/>
+            </a:spcBef>
+            <a:spcAft>
+              <a:spcPct val="35000"/>
+            </a:spcAft>
+            <a:buNone/>
+          </a:pPr>
+          <a:r>
+            <a:rPr lang="de-DE" sz="4300" kern="1200"/>
+            <a:t>Basic K-means</a:t>
+          </a:r>
+        </a:p>
+      </dsp:txBody>
+      <dsp:txXfrm>
+        <a:off x="35945" y="35945"/>
+        <a:ext cx="3776442" cy="1155374"/>
+      </dsp:txXfrm>
+    </dsp:sp>
+    <dsp:sp modelId="{2F700EFD-8ACC-4B71-B6A9-6E49B9902083}">
+      <dsp:nvSpPr>
+        <dsp:cNvPr id="0" name=""/>
+        <dsp:cNvSpPr/>
+      </dsp:nvSpPr>
+      <dsp:spPr>
+        <a:xfrm>
+          <a:off x="435873" y="1450403"/>
+          <a:ext cx="5204460" cy="1227264"/>
+        </a:xfrm>
+        <a:prstGeom prst="roundRect">
+          <a:avLst>
+            <a:gd name="adj" fmla="val 10000"/>
+          </a:avLst>
+        </a:prstGeom>
+        <a:solidFill>
+          <a:schemeClr val="accent5">
+            <a:hueOff val="0"/>
+            <a:satOff val="0"/>
+            <a:lumOff val="-2354"/>
+            <a:alphaOff val="0"/>
+          </a:schemeClr>
+        </a:solidFill>
+        <a:ln w="34925" cap="flat" cmpd="sng" algn="in">
+          <a:solidFill>
+            <a:schemeClr val="lt1">
+              <a:hueOff val="0"/>
+              <a:satOff val="0"/>
+              <a:lumOff val="0"/>
+              <a:alphaOff val="0"/>
+            </a:schemeClr>
+          </a:solidFill>
+          <a:prstDash val="solid"/>
+        </a:ln>
+        <a:effectLst/>
+      </dsp:spPr>
+      <dsp:style>
+        <a:lnRef idx="2">
+          <a:scrgbClr r="0" g="0" b="0"/>
+        </a:lnRef>
+        <a:fillRef idx="1">
+          <a:scrgbClr r="0" g="0" b="0"/>
+        </a:fillRef>
+        <a:effectRef idx="0">
+          <a:scrgbClr r="0" g="0" b="0"/>
+        </a:effectRef>
+        <a:fontRef idx="minor">
+          <a:schemeClr val="lt1"/>
+        </a:fontRef>
+      </dsp:style>
+      <dsp:txBody>
+        <a:bodyPr spcFirstLastPara="0" vert="horz" wrap="square" lIns="163830" tIns="163830" rIns="163830" bIns="163830" numCol="1" spcCol="1270" anchor="ctr" anchorCtr="0">
+          <a:noAutofit/>
+        </a:bodyPr>
+        <a:lstStyle/>
+        <a:p>
+          <a:pPr marL="0" lvl="0" indent="0" algn="l" defTabSz="1911350">
+            <a:lnSpc>
+              <a:spcPct val="90000"/>
+            </a:lnSpc>
+            <a:spcBef>
+              <a:spcPct val="0"/>
+            </a:spcBef>
+            <a:spcAft>
+              <a:spcPct val="35000"/>
+            </a:spcAft>
+            <a:buNone/>
+          </a:pPr>
+          <a:r>
+            <a:rPr lang="de-DE" sz="4300" kern="1200" dirty="0" err="1"/>
+            <a:t>Optimization</a:t>
+          </a:r>
+          <a:endParaRPr lang="de-DE" sz="4300" kern="1200" dirty="0"/>
+        </a:p>
+      </dsp:txBody>
+      <dsp:txXfrm>
+        <a:off x="471818" y="1486348"/>
+        <a:ext cx="3898974" cy="1155374"/>
+      </dsp:txXfrm>
+    </dsp:sp>
+    <dsp:sp modelId="{A970F92C-9372-44CD-8005-C3CBC3C6D09B}">
+      <dsp:nvSpPr>
+        <dsp:cNvPr id="0" name=""/>
+        <dsp:cNvSpPr/>
+      </dsp:nvSpPr>
+      <dsp:spPr>
+        <a:xfrm>
+          <a:off x="865241" y="2900807"/>
+          <a:ext cx="5204460" cy="1227264"/>
+        </a:xfrm>
+        <a:prstGeom prst="roundRect">
+          <a:avLst>
+            <a:gd name="adj" fmla="val 10000"/>
+          </a:avLst>
+        </a:prstGeom>
+        <a:solidFill>
+          <a:schemeClr val="accent5">
+            <a:hueOff val="0"/>
+            <a:satOff val="0"/>
+            <a:lumOff val="-4707"/>
+            <a:alphaOff val="0"/>
+          </a:schemeClr>
+        </a:solidFill>
+        <a:ln w="34925" cap="flat" cmpd="sng" algn="in">
+          <a:solidFill>
+            <a:schemeClr val="lt1">
+              <a:hueOff val="0"/>
+              <a:satOff val="0"/>
+              <a:lumOff val="0"/>
+              <a:alphaOff val="0"/>
+            </a:schemeClr>
+          </a:solidFill>
+          <a:prstDash val="solid"/>
+        </a:ln>
+        <a:effectLst/>
+      </dsp:spPr>
+      <dsp:style>
+        <a:lnRef idx="2">
+          <a:scrgbClr r="0" g="0" b="0"/>
+        </a:lnRef>
+        <a:fillRef idx="1">
+          <a:scrgbClr r="0" g="0" b="0"/>
+        </a:fillRef>
+        <a:effectRef idx="0">
+          <a:scrgbClr r="0" g="0" b="0"/>
+        </a:effectRef>
+        <a:fontRef idx="minor">
+          <a:schemeClr val="lt1"/>
+        </a:fontRef>
+      </dsp:style>
+      <dsp:txBody>
+        <a:bodyPr spcFirstLastPara="0" vert="horz" wrap="square" lIns="163830" tIns="163830" rIns="163830" bIns="163830" numCol="1" spcCol="1270" anchor="ctr" anchorCtr="0">
+          <a:noAutofit/>
+        </a:bodyPr>
+        <a:lstStyle/>
+        <a:p>
+          <a:pPr marL="0" lvl="0" indent="0" algn="l" defTabSz="1911350">
+            <a:lnSpc>
+              <a:spcPct val="90000"/>
+            </a:lnSpc>
+            <a:spcBef>
+              <a:spcPct val="0"/>
+            </a:spcBef>
+            <a:spcAft>
+              <a:spcPct val="35000"/>
+            </a:spcAft>
+            <a:buNone/>
+          </a:pPr>
+          <a:r>
+            <a:rPr lang="de-DE" sz="4300" kern="1200" dirty="0"/>
+            <a:t>Mini-batch</a:t>
+          </a:r>
+        </a:p>
+      </dsp:txBody>
+      <dsp:txXfrm>
+        <a:off x="901186" y="2936752"/>
+        <a:ext cx="3905480" cy="1155374"/>
+      </dsp:txXfrm>
+    </dsp:sp>
+    <dsp:sp modelId="{63E5F04D-6463-48CC-8B14-F6DEFF88A407}">
+      <dsp:nvSpPr>
+        <dsp:cNvPr id="0" name=""/>
+        <dsp:cNvSpPr/>
+      </dsp:nvSpPr>
+      <dsp:spPr>
+        <a:xfrm>
+          <a:off x="1301114" y="4351210"/>
+          <a:ext cx="5204460" cy="1227264"/>
+        </a:xfrm>
+        <a:prstGeom prst="roundRect">
+          <a:avLst>
+            <a:gd name="adj" fmla="val 10000"/>
+          </a:avLst>
+        </a:prstGeom>
+        <a:solidFill>
+          <a:schemeClr val="accent5">
+            <a:hueOff val="0"/>
+            <a:satOff val="0"/>
+            <a:lumOff val="-7061"/>
+            <a:alphaOff val="0"/>
+          </a:schemeClr>
+        </a:solidFill>
+        <a:ln w="34925" cap="flat" cmpd="sng" algn="in">
+          <a:solidFill>
+            <a:schemeClr val="lt1">
+              <a:hueOff val="0"/>
+              <a:satOff val="0"/>
+              <a:lumOff val="0"/>
+              <a:alphaOff val="0"/>
+            </a:schemeClr>
+          </a:solidFill>
+          <a:prstDash val="solid"/>
+        </a:ln>
+        <a:effectLst/>
+      </dsp:spPr>
+      <dsp:style>
+        <a:lnRef idx="2">
+          <a:scrgbClr r="0" g="0" b="0"/>
+        </a:lnRef>
+        <a:fillRef idx="1">
+          <a:scrgbClr r="0" g="0" b="0"/>
+        </a:fillRef>
+        <a:effectRef idx="0">
+          <a:scrgbClr r="0" g="0" b="0"/>
+        </a:effectRef>
+        <a:fontRef idx="minor">
+          <a:schemeClr val="lt1"/>
+        </a:fontRef>
+      </dsp:style>
+      <dsp:txBody>
+        <a:bodyPr spcFirstLastPara="0" vert="horz" wrap="square" lIns="163830" tIns="163830" rIns="163830" bIns="163830" numCol="1" spcCol="1270" anchor="ctr" anchorCtr="0">
+          <a:noAutofit/>
+        </a:bodyPr>
+        <a:lstStyle/>
+        <a:p>
+          <a:pPr marL="0" lvl="0" indent="0" algn="l" defTabSz="1911350">
+            <a:lnSpc>
+              <a:spcPct val="90000"/>
+            </a:lnSpc>
+            <a:spcBef>
+              <a:spcPct val="0"/>
+            </a:spcBef>
+            <a:spcAft>
+              <a:spcPct val="35000"/>
+            </a:spcAft>
+            <a:buNone/>
+          </a:pPr>
+          <a:r>
+            <a:rPr lang="de-DE" sz="4300" kern="1200" dirty="0"/>
+            <a:t>K-</a:t>
+          </a:r>
+          <a:r>
+            <a:rPr lang="de-DE" sz="4300" kern="1200" dirty="0" err="1"/>
+            <a:t>means</a:t>
+          </a:r>
+          <a:r>
+            <a:rPr lang="de-DE" sz="4300" kern="1200" dirty="0"/>
+            <a:t> ++</a:t>
+          </a:r>
+        </a:p>
+      </dsp:txBody>
+      <dsp:txXfrm>
+        <a:off x="1337059" y="4387155"/>
+        <a:ext cx="3898974" cy="1155374"/>
+      </dsp:txXfrm>
+    </dsp:sp>
+    <dsp:sp modelId="{9B7B63C6-5516-4608-AD9E-5F13932FA9DE}">
+      <dsp:nvSpPr>
+        <dsp:cNvPr id="0" name=""/>
+        <dsp:cNvSpPr/>
+      </dsp:nvSpPr>
+      <dsp:spPr>
+        <a:xfrm>
+          <a:off x="4406738" y="939973"/>
+          <a:ext cx="797721" cy="797721"/>
+        </a:xfrm>
+        <a:prstGeom prst="downArrow">
+          <a:avLst>
+            <a:gd name="adj1" fmla="val 55000"/>
+            <a:gd name="adj2" fmla="val 45000"/>
+          </a:avLst>
+        </a:prstGeom>
+        <a:solidFill>
+          <a:schemeClr val="accent5">
+            <a:tint val="40000"/>
+            <a:alpha val="90000"/>
+            <a:hueOff val="0"/>
+            <a:satOff val="0"/>
+            <a:lumOff val="0"/>
+            <a:alphaOff val="0"/>
+          </a:schemeClr>
+        </a:solidFill>
+        <a:ln w="34925" cap="flat" cmpd="sng" algn="in">
+          <a:solidFill>
+            <a:schemeClr val="accent5">
+              <a:tint val="40000"/>
+              <a:alpha val="90000"/>
+              <a:hueOff val="0"/>
+              <a:satOff val="0"/>
+              <a:lumOff val="0"/>
+              <a:alphaOff val="0"/>
+            </a:schemeClr>
+          </a:solidFill>
+          <a:prstDash val="solid"/>
+        </a:ln>
+        <a:effectLst/>
+      </dsp:spPr>
+      <dsp:style>
+        <a:lnRef idx="2">
+          <a:scrgbClr r="0" g="0" b="0"/>
+        </a:lnRef>
+        <a:fillRef idx="1">
+          <a:scrgbClr r="0" g="0" b="0"/>
+        </a:fillRef>
+        <a:effectRef idx="0">
+          <a:scrgbClr r="0" g="0" b="0"/>
+        </a:effectRef>
+        <a:fontRef idx="minor"/>
+      </dsp:style>
+      <dsp:txBody>
+        <a:bodyPr spcFirstLastPara="0" vert="horz" wrap="square" lIns="45720" tIns="45720" rIns="45720" bIns="45720" numCol="1" spcCol="1270" anchor="ctr" anchorCtr="0">
+          <a:noAutofit/>
+        </a:bodyPr>
+        <a:lstStyle/>
+        <a:p>
+          <a:pPr marL="0" lvl="0" indent="0" algn="ctr" defTabSz="1600200">
+            <a:lnSpc>
+              <a:spcPct val="90000"/>
+            </a:lnSpc>
+            <a:spcBef>
+              <a:spcPct val="0"/>
+            </a:spcBef>
+            <a:spcAft>
+              <a:spcPct val="35000"/>
+            </a:spcAft>
+            <a:buNone/>
+          </a:pPr>
+          <a:endParaRPr lang="de-DE" sz="3600" kern="1200"/>
+        </a:p>
+      </dsp:txBody>
+      <dsp:txXfrm>
+        <a:off x="4586225" y="939973"/>
+        <a:ext cx="438747" cy="600285"/>
+      </dsp:txXfrm>
+    </dsp:sp>
+    <dsp:sp modelId="{196EF17F-455F-401B-AD83-AB7E932F1B32}">
+      <dsp:nvSpPr>
+        <dsp:cNvPr id="0" name=""/>
+        <dsp:cNvSpPr/>
+      </dsp:nvSpPr>
+      <dsp:spPr>
+        <a:xfrm>
+          <a:off x="4842611" y="2390376"/>
+          <a:ext cx="797721" cy="797721"/>
+        </a:xfrm>
+        <a:prstGeom prst="downArrow">
+          <a:avLst>
+            <a:gd name="adj1" fmla="val 55000"/>
+            <a:gd name="adj2" fmla="val 45000"/>
+          </a:avLst>
+        </a:prstGeom>
+        <a:solidFill>
+          <a:schemeClr val="accent5">
+            <a:tint val="40000"/>
+            <a:alpha val="90000"/>
+            <a:hueOff val="0"/>
+            <a:satOff val="0"/>
+            <a:lumOff val="-460"/>
+            <a:alphaOff val="0"/>
+          </a:schemeClr>
+        </a:solidFill>
+        <a:ln w="34925" cap="flat" cmpd="sng" algn="in">
+          <a:solidFill>
+            <a:schemeClr val="accent5">
+              <a:tint val="40000"/>
+              <a:alpha val="90000"/>
+              <a:hueOff val="0"/>
+              <a:satOff val="0"/>
+              <a:lumOff val="0"/>
+              <a:alphaOff val="0"/>
+            </a:schemeClr>
+          </a:solidFill>
+          <a:prstDash val="solid"/>
+        </a:ln>
+        <a:effectLst/>
+      </dsp:spPr>
+      <dsp:style>
+        <a:lnRef idx="2">
+          <a:scrgbClr r="0" g="0" b="0"/>
+        </a:lnRef>
+        <a:fillRef idx="1">
+          <a:scrgbClr r="0" g="0" b="0"/>
+        </a:fillRef>
+        <a:effectRef idx="0">
+          <a:scrgbClr r="0" g="0" b="0"/>
+        </a:effectRef>
+        <a:fontRef idx="minor"/>
+      </dsp:style>
+      <dsp:txBody>
+        <a:bodyPr spcFirstLastPara="0" vert="horz" wrap="square" lIns="45720" tIns="45720" rIns="45720" bIns="45720" numCol="1" spcCol="1270" anchor="ctr" anchorCtr="0">
+          <a:noAutofit/>
+        </a:bodyPr>
+        <a:lstStyle/>
+        <a:p>
+          <a:pPr marL="0" lvl="0" indent="0" algn="ctr" defTabSz="1600200">
+            <a:lnSpc>
+              <a:spcPct val="90000"/>
+            </a:lnSpc>
+            <a:spcBef>
+              <a:spcPct val="0"/>
+            </a:spcBef>
+            <a:spcAft>
+              <a:spcPct val="35000"/>
+            </a:spcAft>
+            <a:buNone/>
+          </a:pPr>
+          <a:endParaRPr lang="de-DE" sz="3600" kern="1200"/>
+        </a:p>
+      </dsp:txBody>
+      <dsp:txXfrm>
+        <a:off x="5022098" y="2390376"/>
+        <a:ext cx="438747" cy="600285"/>
+      </dsp:txXfrm>
+    </dsp:sp>
+    <dsp:sp modelId="{EA0EEBDC-D371-49EF-9837-816E61D74183}">
+      <dsp:nvSpPr>
+        <dsp:cNvPr id="0" name=""/>
+        <dsp:cNvSpPr/>
+      </dsp:nvSpPr>
+      <dsp:spPr>
+        <a:xfrm>
+          <a:off x="5271979" y="3840780"/>
+          <a:ext cx="797721" cy="797721"/>
+        </a:xfrm>
+        <a:prstGeom prst="downArrow">
+          <a:avLst>
+            <a:gd name="adj1" fmla="val 55000"/>
+            <a:gd name="adj2" fmla="val 45000"/>
+          </a:avLst>
+        </a:prstGeom>
+        <a:solidFill>
+          <a:schemeClr val="accent5">
+            <a:tint val="40000"/>
+            <a:alpha val="90000"/>
+            <a:hueOff val="0"/>
+            <a:satOff val="0"/>
+            <a:lumOff val="-920"/>
+            <a:alphaOff val="0"/>
+          </a:schemeClr>
+        </a:solidFill>
+        <a:ln w="34925" cap="flat" cmpd="sng" algn="in">
+          <a:solidFill>
+            <a:schemeClr val="accent5">
+              <a:tint val="40000"/>
+              <a:alpha val="90000"/>
+              <a:hueOff val="0"/>
+              <a:satOff val="0"/>
+              <a:lumOff val="0"/>
+              <a:alphaOff val="0"/>
+            </a:schemeClr>
+          </a:solidFill>
+          <a:prstDash val="solid"/>
+        </a:ln>
+        <a:effectLst/>
+      </dsp:spPr>
+      <dsp:style>
+        <a:lnRef idx="2">
+          <a:scrgbClr r="0" g="0" b="0"/>
+        </a:lnRef>
+        <a:fillRef idx="1">
+          <a:scrgbClr r="0" g="0" b="0"/>
+        </a:fillRef>
+        <a:effectRef idx="0">
+          <a:scrgbClr r="0" g="0" b="0"/>
+        </a:effectRef>
+        <a:fontRef idx="minor"/>
+      </dsp:style>
+      <dsp:txBody>
+        <a:bodyPr spcFirstLastPara="0" vert="horz" wrap="square" lIns="45720" tIns="45720" rIns="45720" bIns="45720" numCol="1" spcCol="1270" anchor="ctr" anchorCtr="0">
+          <a:noAutofit/>
+        </a:bodyPr>
+        <a:lstStyle/>
+        <a:p>
+          <a:pPr marL="0" lvl="0" indent="0" algn="ctr" defTabSz="1600200">
+            <a:lnSpc>
+              <a:spcPct val="90000"/>
+            </a:lnSpc>
+            <a:spcBef>
+              <a:spcPct val="0"/>
+            </a:spcBef>
+            <a:spcAft>
+              <a:spcPct val="35000"/>
+            </a:spcAft>
+            <a:buNone/>
+          </a:pPr>
+          <a:endParaRPr lang="de-DE" sz="3600" kern="1200"/>
+        </a:p>
+      </dsp:txBody>
+      <dsp:txXfrm>
+        <a:off x="5451466" y="3840780"/>
+        <a:ext cx="438747" cy="600285"/>
+      </dsp:txXfrm>
+    </dsp:sp>
+  </dsp:spTree>
+</dsp:drawing>
+</file>
+
+<file path=ppt/diagrams/drawing6.xml><?xml version="1.0" encoding="utf-8"?>
+<dsp:drawing xmlns:dgm="http://schemas.openxmlformats.org/drawingml/2006/diagram" xmlns:dsp="http://schemas.microsoft.com/office/drawing/2008/diagram" xmlns:a="http://schemas.openxmlformats.org/drawingml/2006/main">
+  <dsp:spTree>
+    <dsp:nvGrpSpPr>
+      <dsp:cNvPr id="0" name=""/>
+      <dsp:cNvGrpSpPr/>
+    </dsp:nvGrpSpPr>
+    <dsp:grpSpPr/>
     <dsp:sp modelId="{EA9759EF-391F-4664-B0DF-17D16378FF33}">
       <dsp:nvSpPr>
         <dsp:cNvPr id="0" name=""/>
@@ -11959,8 +12578,8 @@
       </dsp:nvSpPr>
       <dsp:spPr>
         <a:xfrm>
-          <a:off x="0" y="680"/>
-          <a:ext cx="6506304" cy="1593279"/>
+          <a:off x="0" y="5444"/>
+          <a:ext cx="6506304" cy="1406387"/>
         </a:xfrm>
         <a:prstGeom prst="roundRect">
           <a:avLst>
@@ -12000,8 +12619,8 @@
       </dsp:nvSpPr>
       <dsp:spPr>
         <a:xfrm>
-          <a:off x="481967" y="359168"/>
-          <a:ext cx="876303" cy="876303"/>
+          <a:off x="425432" y="321881"/>
+          <a:ext cx="774269" cy="773513"/>
         </a:xfrm>
         <a:prstGeom prst="rect">
           <a:avLst/>
@@ -12049,8 +12668,8 @@
       </dsp:nvSpPr>
       <dsp:spPr>
         <a:xfrm>
-          <a:off x="1840237" y="680"/>
-          <a:ext cx="4666066" cy="1593279"/>
+          <a:off x="1625133" y="5444"/>
+          <a:ext cx="4274092" cy="1670085"/>
         </a:xfrm>
         <a:prstGeom prst="rect">
           <a:avLst/>
@@ -12074,12 +12693,12 @@
         <a:fontRef idx="minor"/>
       </dsp:style>
       <dsp:txBody>
-        <a:bodyPr spcFirstLastPara="0" vert="horz" wrap="square" lIns="168622" tIns="168622" rIns="168622" bIns="168622" numCol="1" spcCol="1270" anchor="ctr" anchorCtr="0">
+        <a:bodyPr spcFirstLastPara="0" vert="horz" wrap="square" lIns="176751" tIns="176751" rIns="176751" bIns="176751" numCol="1" spcCol="1270" anchor="ctr" anchorCtr="0">
           <a:noAutofit/>
         </a:bodyPr>
         <a:lstStyle/>
         <a:p>
-          <a:pPr marL="0" lvl="0" indent="0" algn="l" defTabSz="977900">
+          <a:pPr marL="0" lvl="0" indent="0" algn="l" defTabSz="1244600">
             <a:lnSpc>
               <a:spcPct val="90000"/>
             </a:lnSpc>
@@ -12092,21 +12711,14 @@
             <a:buNone/>
           </a:pPr>
           <a:r>
-            <a:rPr lang="de-DE" sz="2200" kern="1200" baseline="0"/>
-            <a:t>How should we calculate distance?</a:t>
+            <a:rPr lang="en-US" sz="2800" kern="1200" dirty="0"/>
+            <a:t>How can we cluster n-dimensional Data?</a:t>
           </a:r>
-          <a:br>
-            <a:rPr lang="de-DE" sz="2200" kern="1200" baseline="0"/>
-          </a:br>
-          <a:br>
-            <a:rPr lang="de-DE" sz="2200" kern="1200" baseline="0"/>
-          </a:br>
-          <a:endParaRPr lang="en-US" sz="2200" kern="1200"/>
         </a:p>
       </dsp:txBody>
       <dsp:txXfrm>
-        <a:off x="1840237" y="680"/>
-        <a:ext cx="4666066" cy="1593279"/>
+        <a:off x="1625133" y="5444"/>
+        <a:ext cx="4274092" cy="1670085"/>
       </dsp:txXfrm>
     </dsp:sp>
     <dsp:sp modelId="{2CC8E11E-E726-43BF-B5D4-37E471275F31}">
@@ -12116,8 +12728,8 @@
       </dsp:nvSpPr>
       <dsp:spPr>
         <a:xfrm>
-          <a:off x="0" y="1992280"/>
-          <a:ext cx="6506304" cy="1593279"/>
+          <a:off x="0" y="1953877"/>
+          <a:ext cx="6506304" cy="1406387"/>
         </a:xfrm>
         <a:prstGeom prst="roundRect">
           <a:avLst>
@@ -12157,8 +12769,8 @@
       </dsp:nvSpPr>
       <dsp:spPr>
         <a:xfrm>
-          <a:off x="481967" y="2350768"/>
-          <a:ext cx="876303" cy="876303"/>
+          <a:off x="425432" y="2270314"/>
+          <a:ext cx="774269" cy="773513"/>
         </a:xfrm>
         <a:prstGeom prst="rect">
           <a:avLst/>
@@ -12206,8 +12818,8 @@
       </dsp:nvSpPr>
       <dsp:spPr>
         <a:xfrm>
-          <a:off x="1840237" y="1992280"/>
-          <a:ext cx="4666066" cy="1593279"/>
+          <a:off x="1625133" y="1953877"/>
+          <a:ext cx="4274092" cy="1670085"/>
         </a:xfrm>
         <a:prstGeom prst="rect">
           <a:avLst/>
@@ -12231,12 +12843,27 @@
         <a:fontRef idx="minor"/>
       </dsp:style>
       <dsp:txBody>
-        <a:bodyPr spcFirstLastPara="0" vert="horz" wrap="square" lIns="168622" tIns="168622" rIns="168622" bIns="168622" numCol="1" spcCol="1270" anchor="ctr" anchorCtr="0">
+        <a:bodyPr spcFirstLastPara="0" vert="horz" wrap="square" lIns="176751" tIns="176751" rIns="176751" bIns="176751" numCol="1" spcCol="1270" anchor="ctr" anchorCtr="0">
           <a:noAutofit/>
         </a:bodyPr>
         <a:lstStyle/>
         <a:p>
-          <a:pPr marL="0" lvl="0" indent="0" algn="l" defTabSz="977900">
+          <a:pPr marL="0" lvl="0" indent="0" algn="l" defTabSz="1244600">
+            <a:lnSpc>
+              <a:spcPct val="90000"/>
+            </a:lnSpc>
+            <a:spcBef>
+              <a:spcPct val="0"/>
+            </a:spcBef>
+            <a:spcAft>
+              <a:spcPct val="35000"/>
+            </a:spcAft>
+            <a:buNone/>
+          </a:pPr>
+          <a:endParaRPr lang="de-DE" sz="2800" kern="1200" baseline="0" dirty="0"/>
+        </a:p>
+        <a:p>
+          <a:pPr marL="0" lvl="0" indent="0" algn="l" defTabSz="1244600">
             <a:lnSpc>
               <a:spcPct val="90000"/>
             </a:lnSpc>
@@ -12249,21 +12876,37 @@
             <a:buNone/>
           </a:pPr>
           <a:r>
-            <a:rPr lang="de-DE" sz="2200" kern="1200" baseline="0"/>
-            <a:t>Should we pick our centroids from the sample or generate new ones?</a:t>
+            <a:rPr lang="de-DE" sz="2800" kern="1200" baseline="0" dirty="0" err="1"/>
+            <a:t>Distance</a:t>
+          </a:r>
+          <a:r>
+            <a:rPr lang="de-DE" sz="2800" kern="1200" baseline="0" dirty="0"/>
+            <a:t> </a:t>
+          </a:r>
+          <a:r>
+            <a:rPr lang="de-DE" sz="2800" kern="1200" baseline="0" dirty="0" err="1"/>
+            <a:t>computation</a:t>
+          </a:r>
+          <a:r>
+            <a:rPr lang="de-DE" sz="2800" kern="1200" baseline="0" dirty="0"/>
+            <a:t> and initial </a:t>
+          </a:r>
+          <a:r>
+            <a:rPr lang="de-DE" sz="2800" kern="1200" baseline="0" dirty="0" err="1"/>
+            <a:t>centroids</a:t>
           </a:r>
           <a:br>
-            <a:rPr lang="de-DE" sz="2200" kern="1200" baseline="0"/>
+            <a:rPr lang="de-DE" sz="2800" kern="1200" baseline="0" dirty="0"/>
           </a:br>
           <a:br>
-            <a:rPr lang="de-DE" sz="2200" kern="1200" baseline="0"/>
+            <a:rPr lang="de-DE" sz="2800" kern="1200" baseline="0" dirty="0"/>
           </a:br>
-          <a:endParaRPr lang="en-US" sz="2200" kern="1200"/>
+          <a:endParaRPr lang="en-US" sz="2800" kern="1200" dirty="0"/>
         </a:p>
       </dsp:txBody>
       <dsp:txXfrm>
-        <a:off x="1840237" y="1992280"/>
-        <a:ext cx="4666066" cy="1593279"/>
+        <a:off x="1625133" y="1953877"/>
+        <a:ext cx="4274092" cy="1670085"/>
       </dsp:txXfrm>
     </dsp:sp>
     <dsp:sp modelId="{ABBF0411-4041-4B9E-8016-1DE9E373A891}">
@@ -12273,8 +12916,8 @@
       </dsp:nvSpPr>
       <dsp:spPr>
         <a:xfrm>
-          <a:off x="0" y="3983879"/>
-          <a:ext cx="6506304" cy="1593279"/>
+          <a:off x="0" y="3902310"/>
+          <a:ext cx="6506304" cy="1406387"/>
         </a:xfrm>
         <a:prstGeom prst="roundRect">
           <a:avLst>
@@ -12314,8 +12957,8 @@
       </dsp:nvSpPr>
       <dsp:spPr>
         <a:xfrm>
-          <a:off x="481967" y="4342367"/>
-          <a:ext cx="876303" cy="876303"/>
+          <a:off x="425432" y="4218747"/>
+          <a:ext cx="774269" cy="773513"/>
         </a:xfrm>
         <a:prstGeom prst="rect">
           <a:avLst/>
@@ -12363,8 +13006,8 @@
       </dsp:nvSpPr>
       <dsp:spPr>
         <a:xfrm>
-          <a:off x="1840237" y="3983879"/>
-          <a:ext cx="4666066" cy="1593279"/>
+          <a:off x="1678624" y="3902310"/>
+          <a:ext cx="4167111" cy="1670085"/>
         </a:xfrm>
         <a:prstGeom prst="rect">
           <a:avLst/>
@@ -12388,12 +13031,12 @@
         <a:fontRef idx="minor"/>
       </dsp:style>
       <dsp:txBody>
-        <a:bodyPr spcFirstLastPara="0" vert="horz" wrap="square" lIns="168622" tIns="168622" rIns="168622" bIns="168622" numCol="1" spcCol="1270" anchor="ctr" anchorCtr="0">
+        <a:bodyPr spcFirstLastPara="0" vert="horz" wrap="square" lIns="176751" tIns="176751" rIns="176751" bIns="176751" numCol="1" spcCol="1270" anchor="ctr" anchorCtr="0">
           <a:noAutofit/>
         </a:bodyPr>
         <a:lstStyle/>
         <a:p>
-          <a:pPr marL="0" lvl="0" indent="0" algn="l" defTabSz="977900">
+          <a:pPr marL="0" lvl="0" indent="0" algn="l" defTabSz="1244600">
             <a:lnSpc>
               <a:spcPct val="90000"/>
             </a:lnSpc>
@@ -12406,22 +13049,46 @@
             <a:buNone/>
           </a:pPr>
           <a:r>
-            <a:rPr lang="de-DE" sz="2200" kern="1200" baseline="0"/>
-            <a:t>Find the optimal value for k</a:t>
+            <a:rPr lang="de-DE" sz="2800" kern="1200" baseline="0" dirty="0"/>
+            <a:t>Find </a:t>
           </a:r>
-          <a:endParaRPr lang="en-US" sz="2200" kern="1200"/>
+          <a:r>
+            <a:rPr lang="de-DE" sz="2800" kern="1200" baseline="0" dirty="0" err="1"/>
+            <a:t>the</a:t>
+          </a:r>
+          <a:r>
+            <a:rPr lang="de-DE" sz="2800" kern="1200" baseline="0" dirty="0"/>
+            <a:t> optimal </a:t>
+          </a:r>
+          <a:r>
+            <a:rPr lang="de-DE" sz="2800" kern="1200" baseline="0" dirty="0" err="1"/>
+            <a:t>value</a:t>
+          </a:r>
+          <a:r>
+            <a:rPr lang="de-DE" sz="2800" kern="1200" baseline="0" dirty="0"/>
+            <a:t> </a:t>
+          </a:r>
+          <a:r>
+            <a:rPr lang="de-DE" sz="2800" kern="1200" baseline="0" dirty="0" err="1"/>
+            <a:t>for</a:t>
+          </a:r>
+          <a:r>
+            <a:rPr lang="de-DE" sz="2800" kern="1200" baseline="0" dirty="0"/>
+            <a:t> k</a:t>
+          </a:r>
+          <a:endParaRPr lang="en-US" sz="2800" kern="1200" dirty="0"/>
         </a:p>
       </dsp:txBody>
       <dsp:txXfrm>
-        <a:off x="1840237" y="3983879"/>
-        <a:ext cx="4666066" cy="1593279"/>
+        <a:off x="1678624" y="3902310"/>
+        <a:ext cx="4167111" cy="1670085"/>
       </dsp:txXfrm>
     </dsp:sp>
   </dsp:spTree>
 </dsp:drawing>
 </file>
 
-<file path=ppt/diagrams/drawing6.xml><?xml version="1.0" encoding="utf-8"?>
+<file path=ppt/diagrams/drawing7.xml><?xml version="1.0" encoding="utf-8"?>
 <dsp:drawing xmlns:dgm="http://schemas.openxmlformats.org/drawingml/2006/diagram" xmlns:dsp="http://schemas.microsoft.com/office/drawing/2008/diagram" xmlns:a="http://schemas.openxmlformats.org/drawingml/2006/main">
   <dsp:spTree>
     <dsp:nvGrpSpPr>
@@ -12767,571 +13434,6 @@
       <dsp:txXfrm>
         <a:off x="5178600" y="2639799"/>
         <a:ext cx="4320000" cy="650786"/>
-      </dsp:txXfrm>
-    </dsp:sp>
-  </dsp:spTree>
-</dsp:drawing>
-</file>
-
-<file path=ppt/diagrams/drawing7.xml><?xml version="1.0" encoding="utf-8"?>
-<dsp:drawing xmlns:dgm="http://schemas.openxmlformats.org/drawingml/2006/diagram" xmlns:dsp="http://schemas.microsoft.com/office/drawing/2008/diagram" xmlns:a="http://schemas.openxmlformats.org/drawingml/2006/main">
-  <dsp:spTree>
-    <dsp:nvGrpSpPr>
-      <dsp:cNvPr id="0" name=""/>
-      <dsp:cNvGrpSpPr/>
-    </dsp:nvGrpSpPr>
-    <dsp:grpSpPr/>
-    <dsp:sp modelId="{2CDC0D84-0D0B-4E8A-B22D-6955D57AD621}">
-      <dsp:nvSpPr>
-        <dsp:cNvPr id="0" name=""/>
-        <dsp:cNvSpPr/>
-      </dsp:nvSpPr>
-      <dsp:spPr>
-        <a:xfrm>
-          <a:off x="0" y="0"/>
-          <a:ext cx="5204460" cy="1227264"/>
-        </a:xfrm>
-        <a:prstGeom prst="roundRect">
-          <a:avLst>
-            <a:gd name="adj" fmla="val 10000"/>
-          </a:avLst>
-        </a:prstGeom>
-        <a:solidFill>
-          <a:schemeClr val="accent5">
-            <a:hueOff val="0"/>
-            <a:satOff val="0"/>
-            <a:lumOff val="0"/>
-            <a:alphaOff val="0"/>
-          </a:schemeClr>
-        </a:solidFill>
-        <a:ln w="34925" cap="flat" cmpd="sng" algn="in">
-          <a:solidFill>
-            <a:schemeClr val="lt1">
-              <a:hueOff val="0"/>
-              <a:satOff val="0"/>
-              <a:lumOff val="0"/>
-              <a:alphaOff val="0"/>
-            </a:schemeClr>
-          </a:solidFill>
-          <a:prstDash val="solid"/>
-        </a:ln>
-        <a:effectLst/>
-      </dsp:spPr>
-      <dsp:style>
-        <a:lnRef idx="2">
-          <a:scrgbClr r="0" g="0" b="0"/>
-        </a:lnRef>
-        <a:fillRef idx="1">
-          <a:scrgbClr r="0" g="0" b="0"/>
-        </a:fillRef>
-        <a:effectRef idx="0">
-          <a:scrgbClr r="0" g="0" b="0"/>
-        </a:effectRef>
-        <a:fontRef idx="minor">
-          <a:schemeClr val="lt1"/>
-        </a:fontRef>
-      </dsp:style>
-      <dsp:txBody>
-        <a:bodyPr spcFirstLastPara="0" vert="horz" wrap="square" lIns="163830" tIns="163830" rIns="163830" bIns="163830" numCol="1" spcCol="1270" anchor="ctr" anchorCtr="0">
-          <a:noAutofit/>
-        </a:bodyPr>
-        <a:lstStyle/>
-        <a:p>
-          <a:pPr marL="0" lvl="0" indent="0" algn="l" defTabSz="1911350">
-            <a:lnSpc>
-              <a:spcPct val="90000"/>
-            </a:lnSpc>
-            <a:spcBef>
-              <a:spcPct val="0"/>
-            </a:spcBef>
-            <a:spcAft>
-              <a:spcPct val="35000"/>
-            </a:spcAft>
-            <a:buNone/>
-          </a:pPr>
-          <a:r>
-            <a:rPr lang="de-DE" sz="4300" kern="1200"/>
-            <a:t>Basic K-means</a:t>
-          </a:r>
-        </a:p>
-      </dsp:txBody>
-      <dsp:txXfrm>
-        <a:off x="35945" y="35945"/>
-        <a:ext cx="3776442" cy="1155374"/>
-      </dsp:txXfrm>
-    </dsp:sp>
-    <dsp:sp modelId="{2F700EFD-8ACC-4B71-B6A9-6E49B9902083}">
-      <dsp:nvSpPr>
-        <dsp:cNvPr id="0" name=""/>
-        <dsp:cNvSpPr/>
-      </dsp:nvSpPr>
-      <dsp:spPr>
-        <a:xfrm>
-          <a:off x="435873" y="1450403"/>
-          <a:ext cx="5204460" cy="1227264"/>
-        </a:xfrm>
-        <a:prstGeom prst="roundRect">
-          <a:avLst>
-            <a:gd name="adj" fmla="val 10000"/>
-          </a:avLst>
-        </a:prstGeom>
-        <a:solidFill>
-          <a:schemeClr val="accent5">
-            <a:hueOff val="0"/>
-            <a:satOff val="0"/>
-            <a:lumOff val="-2354"/>
-            <a:alphaOff val="0"/>
-          </a:schemeClr>
-        </a:solidFill>
-        <a:ln w="34925" cap="flat" cmpd="sng" algn="in">
-          <a:solidFill>
-            <a:schemeClr val="lt1">
-              <a:hueOff val="0"/>
-              <a:satOff val="0"/>
-              <a:lumOff val="0"/>
-              <a:alphaOff val="0"/>
-            </a:schemeClr>
-          </a:solidFill>
-          <a:prstDash val="solid"/>
-        </a:ln>
-        <a:effectLst/>
-      </dsp:spPr>
-      <dsp:style>
-        <a:lnRef idx="2">
-          <a:scrgbClr r="0" g="0" b="0"/>
-        </a:lnRef>
-        <a:fillRef idx="1">
-          <a:scrgbClr r="0" g="0" b="0"/>
-        </a:fillRef>
-        <a:effectRef idx="0">
-          <a:scrgbClr r="0" g="0" b="0"/>
-        </a:effectRef>
-        <a:fontRef idx="minor">
-          <a:schemeClr val="lt1"/>
-        </a:fontRef>
-      </dsp:style>
-      <dsp:txBody>
-        <a:bodyPr spcFirstLastPara="0" vert="horz" wrap="square" lIns="163830" tIns="163830" rIns="163830" bIns="163830" numCol="1" spcCol="1270" anchor="ctr" anchorCtr="0">
-          <a:noAutofit/>
-        </a:bodyPr>
-        <a:lstStyle/>
-        <a:p>
-          <a:pPr marL="0" lvl="0" indent="0" algn="l" defTabSz="1911350">
-            <a:lnSpc>
-              <a:spcPct val="90000"/>
-            </a:lnSpc>
-            <a:spcBef>
-              <a:spcPct val="0"/>
-            </a:spcBef>
-            <a:spcAft>
-              <a:spcPct val="35000"/>
-            </a:spcAft>
-            <a:buNone/>
-          </a:pPr>
-          <a:r>
-            <a:rPr lang="de-DE" sz="4300" kern="1200"/>
-            <a:t>Mini-batch</a:t>
-          </a:r>
-        </a:p>
-      </dsp:txBody>
-      <dsp:txXfrm>
-        <a:off x="471818" y="1486348"/>
-        <a:ext cx="3898974" cy="1155374"/>
-      </dsp:txXfrm>
-    </dsp:sp>
-    <dsp:sp modelId="{A970F92C-9372-44CD-8005-C3CBC3C6D09B}">
-      <dsp:nvSpPr>
-        <dsp:cNvPr id="0" name=""/>
-        <dsp:cNvSpPr/>
-      </dsp:nvSpPr>
-      <dsp:spPr>
-        <a:xfrm>
-          <a:off x="865241" y="2900807"/>
-          <a:ext cx="5204460" cy="1227264"/>
-        </a:xfrm>
-        <a:prstGeom prst="roundRect">
-          <a:avLst>
-            <a:gd name="adj" fmla="val 10000"/>
-          </a:avLst>
-        </a:prstGeom>
-        <a:solidFill>
-          <a:schemeClr val="accent5">
-            <a:hueOff val="0"/>
-            <a:satOff val="0"/>
-            <a:lumOff val="-4707"/>
-            <a:alphaOff val="0"/>
-          </a:schemeClr>
-        </a:solidFill>
-        <a:ln w="34925" cap="flat" cmpd="sng" algn="in">
-          <a:solidFill>
-            <a:schemeClr val="lt1">
-              <a:hueOff val="0"/>
-              <a:satOff val="0"/>
-              <a:lumOff val="0"/>
-              <a:alphaOff val="0"/>
-            </a:schemeClr>
-          </a:solidFill>
-          <a:prstDash val="solid"/>
-        </a:ln>
-        <a:effectLst/>
-      </dsp:spPr>
-      <dsp:style>
-        <a:lnRef idx="2">
-          <a:scrgbClr r="0" g="0" b="0"/>
-        </a:lnRef>
-        <a:fillRef idx="1">
-          <a:scrgbClr r="0" g="0" b="0"/>
-        </a:fillRef>
-        <a:effectRef idx="0">
-          <a:scrgbClr r="0" g="0" b="0"/>
-        </a:effectRef>
-        <a:fontRef idx="minor">
-          <a:schemeClr val="lt1"/>
-        </a:fontRef>
-      </dsp:style>
-      <dsp:txBody>
-        <a:bodyPr spcFirstLastPara="0" vert="horz" wrap="square" lIns="163830" tIns="163830" rIns="163830" bIns="163830" numCol="1" spcCol="1270" anchor="ctr" anchorCtr="0">
-          <a:noAutofit/>
-        </a:bodyPr>
-        <a:lstStyle/>
-        <a:p>
-          <a:pPr marL="0" lvl="0" indent="0" algn="l" defTabSz="1911350">
-            <a:lnSpc>
-              <a:spcPct val="90000"/>
-            </a:lnSpc>
-            <a:spcBef>
-              <a:spcPct val="0"/>
-            </a:spcBef>
-            <a:spcAft>
-              <a:spcPct val="35000"/>
-            </a:spcAft>
-            <a:buNone/>
-          </a:pPr>
-          <a:r>
-            <a:rPr lang="de-DE" sz="4300" kern="1200"/>
-            <a:t>K-means ++</a:t>
-          </a:r>
-        </a:p>
-      </dsp:txBody>
-      <dsp:txXfrm>
-        <a:off x="901186" y="2936752"/>
-        <a:ext cx="3905480" cy="1155374"/>
-      </dsp:txXfrm>
-    </dsp:sp>
-    <dsp:sp modelId="{63E5F04D-6463-48CC-8B14-F6DEFF88A407}">
-      <dsp:nvSpPr>
-        <dsp:cNvPr id="0" name=""/>
-        <dsp:cNvSpPr/>
-      </dsp:nvSpPr>
-      <dsp:spPr>
-        <a:xfrm>
-          <a:off x="1301114" y="4351210"/>
-          <a:ext cx="5204460" cy="1227264"/>
-        </a:xfrm>
-        <a:prstGeom prst="roundRect">
-          <a:avLst>
-            <a:gd name="adj" fmla="val 10000"/>
-          </a:avLst>
-        </a:prstGeom>
-        <a:solidFill>
-          <a:schemeClr val="accent5">
-            <a:hueOff val="0"/>
-            <a:satOff val="0"/>
-            <a:lumOff val="-7061"/>
-            <a:alphaOff val="0"/>
-          </a:schemeClr>
-        </a:solidFill>
-        <a:ln w="34925" cap="flat" cmpd="sng" algn="in">
-          <a:solidFill>
-            <a:schemeClr val="lt1">
-              <a:hueOff val="0"/>
-              <a:satOff val="0"/>
-              <a:lumOff val="0"/>
-              <a:alphaOff val="0"/>
-            </a:schemeClr>
-          </a:solidFill>
-          <a:prstDash val="solid"/>
-        </a:ln>
-        <a:effectLst/>
-      </dsp:spPr>
-      <dsp:style>
-        <a:lnRef idx="2">
-          <a:scrgbClr r="0" g="0" b="0"/>
-        </a:lnRef>
-        <a:fillRef idx="1">
-          <a:scrgbClr r="0" g="0" b="0"/>
-        </a:fillRef>
-        <a:effectRef idx="0">
-          <a:scrgbClr r="0" g="0" b="0"/>
-        </a:effectRef>
-        <a:fontRef idx="minor">
-          <a:schemeClr val="lt1"/>
-        </a:fontRef>
-      </dsp:style>
-      <dsp:txBody>
-        <a:bodyPr spcFirstLastPara="0" vert="horz" wrap="square" lIns="163830" tIns="163830" rIns="163830" bIns="163830" numCol="1" spcCol="1270" anchor="ctr" anchorCtr="0">
-          <a:noAutofit/>
-        </a:bodyPr>
-        <a:lstStyle/>
-        <a:p>
-          <a:pPr marL="0" lvl="0" indent="0" algn="l" defTabSz="1911350">
-            <a:lnSpc>
-              <a:spcPct val="90000"/>
-            </a:lnSpc>
-            <a:spcBef>
-              <a:spcPct val="0"/>
-            </a:spcBef>
-            <a:spcAft>
-              <a:spcPct val="35000"/>
-            </a:spcAft>
-            <a:buNone/>
-          </a:pPr>
-          <a:r>
-            <a:rPr lang="de-DE" sz="4300" kern="1200"/>
-            <a:t>Clean-up duty</a:t>
-          </a:r>
-        </a:p>
-      </dsp:txBody>
-      <dsp:txXfrm>
-        <a:off x="1337059" y="4387155"/>
-        <a:ext cx="3898974" cy="1155374"/>
-      </dsp:txXfrm>
-    </dsp:sp>
-    <dsp:sp modelId="{9B7B63C6-5516-4608-AD9E-5F13932FA9DE}">
-      <dsp:nvSpPr>
-        <dsp:cNvPr id="0" name=""/>
-        <dsp:cNvSpPr/>
-      </dsp:nvSpPr>
-      <dsp:spPr>
-        <a:xfrm>
-          <a:off x="4406738" y="939973"/>
-          <a:ext cx="797721" cy="797721"/>
-        </a:xfrm>
-        <a:prstGeom prst="downArrow">
-          <a:avLst>
-            <a:gd name="adj1" fmla="val 55000"/>
-            <a:gd name="adj2" fmla="val 45000"/>
-          </a:avLst>
-        </a:prstGeom>
-        <a:solidFill>
-          <a:schemeClr val="accent5">
-            <a:tint val="40000"/>
-            <a:alpha val="90000"/>
-            <a:hueOff val="0"/>
-            <a:satOff val="0"/>
-            <a:lumOff val="0"/>
-            <a:alphaOff val="0"/>
-          </a:schemeClr>
-        </a:solidFill>
-        <a:ln w="34925" cap="flat" cmpd="sng" algn="in">
-          <a:solidFill>
-            <a:schemeClr val="accent5">
-              <a:tint val="40000"/>
-              <a:alpha val="90000"/>
-              <a:hueOff val="0"/>
-              <a:satOff val="0"/>
-              <a:lumOff val="0"/>
-              <a:alphaOff val="0"/>
-            </a:schemeClr>
-          </a:solidFill>
-          <a:prstDash val="solid"/>
-        </a:ln>
-        <a:effectLst/>
-      </dsp:spPr>
-      <dsp:style>
-        <a:lnRef idx="2">
-          <a:scrgbClr r="0" g="0" b="0"/>
-        </a:lnRef>
-        <a:fillRef idx="1">
-          <a:scrgbClr r="0" g="0" b="0"/>
-        </a:fillRef>
-        <a:effectRef idx="0">
-          <a:scrgbClr r="0" g="0" b="0"/>
-        </a:effectRef>
-        <a:fontRef idx="minor"/>
-      </dsp:style>
-      <dsp:txBody>
-        <a:bodyPr spcFirstLastPara="0" vert="horz" wrap="square" lIns="45720" tIns="45720" rIns="45720" bIns="45720" numCol="1" spcCol="1270" anchor="ctr" anchorCtr="0">
-          <a:noAutofit/>
-        </a:bodyPr>
-        <a:lstStyle/>
-        <a:p>
-          <a:pPr marL="0" lvl="0" indent="0" algn="ctr" defTabSz="1600200">
-            <a:lnSpc>
-              <a:spcPct val="90000"/>
-            </a:lnSpc>
-            <a:spcBef>
-              <a:spcPct val="0"/>
-            </a:spcBef>
-            <a:spcAft>
-              <a:spcPct val="35000"/>
-            </a:spcAft>
-            <a:buNone/>
-          </a:pPr>
-          <a:endParaRPr lang="de-DE" sz="3600" kern="1200"/>
-        </a:p>
-      </dsp:txBody>
-      <dsp:txXfrm>
-        <a:off x="4586225" y="939973"/>
-        <a:ext cx="438747" cy="600285"/>
-      </dsp:txXfrm>
-    </dsp:sp>
-    <dsp:sp modelId="{196EF17F-455F-401B-AD83-AB7E932F1B32}">
-      <dsp:nvSpPr>
-        <dsp:cNvPr id="0" name=""/>
-        <dsp:cNvSpPr/>
-      </dsp:nvSpPr>
-      <dsp:spPr>
-        <a:xfrm>
-          <a:off x="4842611" y="2390376"/>
-          <a:ext cx="797721" cy="797721"/>
-        </a:xfrm>
-        <a:prstGeom prst="downArrow">
-          <a:avLst>
-            <a:gd name="adj1" fmla="val 55000"/>
-            <a:gd name="adj2" fmla="val 45000"/>
-          </a:avLst>
-        </a:prstGeom>
-        <a:solidFill>
-          <a:schemeClr val="accent5">
-            <a:tint val="40000"/>
-            <a:alpha val="90000"/>
-            <a:hueOff val="0"/>
-            <a:satOff val="0"/>
-            <a:lumOff val="-460"/>
-            <a:alphaOff val="0"/>
-          </a:schemeClr>
-        </a:solidFill>
-        <a:ln w="34925" cap="flat" cmpd="sng" algn="in">
-          <a:solidFill>
-            <a:schemeClr val="accent5">
-              <a:tint val="40000"/>
-              <a:alpha val="90000"/>
-              <a:hueOff val="0"/>
-              <a:satOff val="0"/>
-              <a:lumOff val="0"/>
-              <a:alphaOff val="0"/>
-            </a:schemeClr>
-          </a:solidFill>
-          <a:prstDash val="solid"/>
-        </a:ln>
-        <a:effectLst/>
-      </dsp:spPr>
-      <dsp:style>
-        <a:lnRef idx="2">
-          <a:scrgbClr r="0" g="0" b="0"/>
-        </a:lnRef>
-        <a:fillRef idx="1">
-          <a:scrgbClr r="0" g="0" b="0"/>
-        </a:fillRef>
-        <a:effectRef idx="0">
-          <a:scrgbClr r="0" g="0" b="0"/>
-        </a:effectRef>
-        <a:fontRef idx="minor"/>
-      </dsp:style>
-      <dsp:txBody>
-        <a:bodyPr spcFirstLastPara="0" vert="horz" wrap="square" lIns="45720" tIns="45720" rIns="45720" bIns="45720" numCol="1" spcCol="1270" anchor="ctr" anchorCtr="0">
-          <a:noAutofit/>
-        </a:bodyPr>
-        <a:lstStyle/>
-        <a:p>
-          <a:pPr marL="0" lvl="0" indent="0" algn="ctr" defTabSz="1600200">
-            <a:lnSpc>
-              <a:spcPct val="90000"/>
-            </a:lnSpc>
-            <a:spcBef>
-              <a:spcPct val="0"/>
-            </a:spcBef>
-            <a:spcAft>
-              <a:spcPct val="35000"/>
-            </a:spcAft>
-            <a:buNone/>
-          </a:pPr>
-          <a:endParaRPr lang="de-DE" sz="3600" kern="1200"/>
-        </a:p>
-      </dsp:txBody>
-      <dsp:txXfrm>
-        <a:off x="5022098" y="2390376"/>
-        <a:ext cx="438747" cy="600285"/>
-      </dsp:txXfrm>
-    </dsp:sp>
-    <dsp:sp modelId="{EA0EEBDC-D371-49EF-9837-816E61D74183}">
-      <dsp:nvSpPr>
-        <dsp:cNvPr id="0" name=""/>
-        <dsp:cNvSpPr/>
-      </dsp:nvSpPr>
-      <dsp:spPr>
-        <a:xfrm>
-          <a:off x="5271979" y="3840780"/>
-          <a:ext cx="797721" cy="797721"/>
-        </a:xfrm>
-        <a:prstGeom prst="downArrow">
-          <a:avLst>
-            <a:gd name="adj1" fmla="val 55000"/>
-            <a:gd name="adj2" fmla="val 45000"/>
-          </a:avLst>
-        </a:prstGeom>
-        <a:solidFill>
-          <a:schemeClr val="accent5">
-            <a:tint val="40000"/>
-            <a:alpha val="90000"/>
-            <a:hueOff val="0"/>
-            <a:satOff val="0"/>
-            <a:lumOff val="-920"/>
-            <a:alphaOff val="0"/>
-          </a:schemeClr>
-        </a:solidFill>
-        <a:ln w="34925" cap="flat" cmpd="sng" algn="in">
-          <a:solidFill>
-            <a:schemeClr val="accent5">
-              <a:tint val="40000"/>
-              <a:alpha val="90000"/>
-              <a:hueOff val="0"/>
-              <a:satOff val="0"/>
-              <a:lumOff val="0"/>
-              <a:alphaOff val="0"/>
-            </a:schemeClr>
-          </a:solidFill>
-          <a:prstDash val="solid"/>
-        </a:ln>
-        <a:effectLst/>
-      </dsp:spPr>
-      <dsp:style>
-        <a:lnRef idx="2">
-          <a:scrgbClr r="0" g="0" b="0"/>
-        </a:lnRef>
-        <a:fillRef idx="1">
-          <a:scrgbClr r="0" g="0" b="0"/>
-        </a:fillRef>
-        <a:effectRef idx="0">
-          <a:scrgbClr r="0" g="0" b="0"/>
-        </a:effectRef>
-        <a:fontRef idx="minor"/>
-      </dsp:style>
-      <dsp:txBody>
-        <a:bodyPr spcFirstLastPara="0" vert="horz" wrap="square" lIns="45720" tIns="45720" rIns="45720" bIns="45720" numCol="1" spcCol="1270" anchor="ctr" anchorCtr="0">
-          <a:noAutofit/>
-        </a:bodyPr>
-        <a:lstStyle/>
-        <a:p>
-          <a:pPr marL="0" lvl="0" indent="0" algn="ctr" defTabSz="1600200">
-            <a:lnSpc>
-              <a:spcPct val="90000"/>
-            </a:lnSpc>
-            <a:spcBef>
-              <a:spcPct val="0"/>
-            </a:spcBef>
-            <a:spcAft>
-              <a:spcPct val="35000"/>
-            </a:spcAft>
-            <a:buNone/>
-          </a:pPr>
-          <a:endParaRPr lang="de-DE" sz="3600" kern="1200"/>
-        </a:p>
-      </dsp:txBody>
-      <dsp:txXfrm>
-        <a:off x="5451466" y="3840780"/>
-        <a:ext cx="438747" cy="600285"/>
       </dsp:txXfrm>
     </dsp:sp>
   </dsp:spTree>
@@ -14697,501 +14799,6 @@
 </file>
 
 <file path=ppt/diagrams/layout5.xml><?xml version="1.0" encoding="utf-8"?>
-<dgm:layoutDef xmlns:dgm="http://schemas.openxmlformats.org/drawingml/2006/diagram" xmlns:a="http://schemas.openxmlformats.org/drawingml/2006/main" uniqueId="urn:microsoft.com/office/officeart/2018/2/layout/IconVerticalSolidList">
-  <dgm:title val="Icon Vertical Solid List"/>
-  <dgm:desc val="Use to show a series of visuals from top to bottom with Level 1 or Level 1 and Level 2 text grouped in a shape. Works best with icons or small pictures with lengthier descriptions."/>
-  <dgm:catLst>
-    <dgm:cat type="icon" pri="500"/>
-  </dgm:catLst>
-  <dgm:sampData useDef="1">
-    <dgm:dataModel>
-      <dgm:ptLst/>
-      <dgm:bg/>
-      <dgm:whole/>
-    </dgm:dataModel>
-  </dgm:sampData>
-  <dgm:styleData useDef="1">
-    <dgm:dataModel>
-      <dgm:ptLst/>
-      <dgm:bg/>
-      <dgm:whole/>
-    </dgm:dataModel>
-  </dgm:styleData>
-  <dgm:clrData useDef="1">
-    <dgm:dataModel>
-      <dgm:ptLst/>
-      <dgm:bg/>
-      <dgm:whole/>
-    </dgm:dataModel>
-  </dgm:clrData>
-  <dgm:layoutNode name="root">
-    <dgm:varLst>
-      <dgm:dir/>
-      <dgm:resizeHandles val="exact"/>
-    </dgm:varLst>
-    <dgm:choose name="Name0">
-      <dgm:if name="Name1" axis="self" func="var" arg="dir" op="equ" val="norm">
-        <dgm:alg type="lin">
-          <dgm:param type="linDir" val="fromT"/>
-          <dgm:param type="nodeHorzAlign" val="l"/>
-        </dgm:alg>
-      </dgm:if>
-      <dgm:else name="Name2">
-        <dgm:alg type="lin">
-          <dgm:param type="linDir" val="fromT"/>
-          <dgm:param type="nodeHorzAlign" val="r"/>
-        </dgm:alg>
-      </dgm:else>
-    </dgm:choose>
-    <dgm:shape xmlns:r="http://schemas.openxmlformats.org/officeDocument/2006/relationships" r:blip="">
-      <dgm:adjLst/>
-    </dgm:shape>
-    <dgm:presOf/>
-    <dgm:choose name="Name3">
-      <dgm:if name="Name4" axis="ch" ptType="node" func="cnt" op="lte" val="3">
-        <dgm:constrLst>
-          <dgm:constr type="h" for="ch" forName="compNode" refType="h" fact="0.3"/>
-          <dgm:constr type="w" for="ch" forName="compNode" refType="w"/>
-          <dgm:constr type="h" for="ch" forName="sibTrans" refType="h" refFor="ch" refForName="compNode" fact="0.25"/>
-          <dgm:constr type="primFontSz" for="des" forName="parTx" val="25"/>
-          <dgm:constr type="primFontSz" for="des" forName="desTx" refType="primFontSz" refFor="des" refForName="parTx" op="lte" fact="0.75"/>
-          <dgm:constr type="h" for="des" forName="compNode" op="equ"/>
-          <dgm:constr type="h" for="des" forName="bgRect" op="equ"/>
-          <dgm:constr type="h" for="des" forName="iconRect" op="equ"/>
-          <dgm:constr type="w" for="des" forName="iconRect" op="equ"/>
-          <dgm:constr type="h" for="des" forName="spaceRect" op="equ"/>
-          <dgm:constr type="h" for="des" forName="parTx" op="equ"/>
-          <dgm:constr type="h" for="des" forName="desTx" op="equ"/>
-        </dgm:constrLst>
-      </dgm:if>
-      <dgm:if name="Name5" axis="ch" ptType="node" func="cnt" op="lte" val="4">
-        <dgm:constrLst>
-          <dgm:constr type="h" for="ch" forName="compNode" refType="h" fact="0.3"/>
-          <dgm:constr type="w" for="ch" forName="compNode" refType="w"/>
-          <dgm:constr type="h" for="ch" forName="sibTrans" refType="h" refFor="ch" refForName="compNode" fact="0.25"/>
-          <dgm:constr type="primFontSz" for="des" forName="parTx" val="22"/>
-          <dgm:constr type="primFontSz" for="des" forName="desTx" refType="primFontSz" refFor="des" refForName="parTx" op="lte" fact="0.75"/>
-          <dgm:constr type="h" for="des" forName="compNode" op="equ"/>
-          <dgm:constr type="h" for="des" forName="bgRect" op="equ"/>
-          <dgm:constr type="h" for="des" forName="iconRect" op="equ"/>
-          <dgm:constr type="w" for="des" forName="iconRect" op="equ"/>
-          <dgm:constr type="h" for="des" forName="spaceRect" op="equ"/>
-          <dgm:constr type="h" for="des" forName="parTx" op="equ"/>
-          <dgm:constr type="h" for="des" forName="desTx" op="equ"/>
-        </dgm:constrLst>
-      </dgm:if>
-      <dgm:if name="Name6" axis="ch" ptType="node" func="cnt" op="lte" val="6">
-        <dgm:constrLst>
-          <dgm:constr type="h" for="ch" forName="compNode" refType="h" fact="0.3"/>
-          <dgm:constr type="w" for="ch" forName="compNode" refType="w"/>
-          <dgm:constr type="h" for="ch" forName="sibTrans" refType="h" refFor="ch" refForName="compNode" fact="0.25"/>
-          <dgm:constr type="primFontSz" for="des" forName="parTx" val="19"/>
-          <dgm:constr type="primFontSz" for="des" forName="desTx" refType="primFontSz" refFor="des" refForName="parTx" op="lte" fact="0.75"/>
-          <dgm:constr type="h" for="des" forName="compNode" op="equ"/>
-          <dgm:constr type="h" for="des" forName="bgRect" op="equ"/>
-          <dgm:constr type="h" for="des" forName="iconRect" op="equ"/>
-          <dgm:constr type="w" for="des" forName="iconRect" op="equ"/>
-          <dgm:constr type="h" for="des" forName="spaceRect" op="equ"/>
-          <dgm:constr type="h" for="des" forName="parTx" op="equ"/>
-          <dgm:constr type="h" for="des" forName="desTx" op="equ"/>
-        </dgm:constrLst>
-      </dgm:if>
-      <dgm:else name="Name7">
-        <dgm:constrLst>
-          <dgm:constr type="h" for="ch" forName="compNode" refType="h" fact="0.3"/>
-          <dgm:constr type="w" for="ch" forName="compNode" refType="w"/>
-          <dgm:constr type="h" for="ch" forName="sibTrans" refType="h" refFor="ch" refForName="compNode" fact="0.25"/>
-          <dgm:constr type="primFontSz" for="des" forName="parTx" val="16"/>
-          <dgm:constr type="primFontSz" for="des" forName="desTx" refType="primFontSz" refFor="des" refForName="parTx" op="lte" fact="0.75"/>
-          <dgm:constr type="h" for="des" forName="compNode" op="equ"/>
-          <dgm:constr type="h" for="des" forName="bgRect" op="equ"/>
-          <dgm:constr type="h" for="des" forName="iconRect" op="equ"/>
-          <dgm:constr type="w" for="des" forName="iconRect" op="equ"/>
-          <dgm:constr type="h" for="des" forName="spaceRect" op="equ"/>
-          <dgm:constr type="h" for="des" forName="parTx" op="equ"/>
-          <dgm:constr type="h" for="des" forName="desTx" op="equ"/>
-        </dgm:constrLst>
-      </dgm:else>
-    </dgm:choose>
-    <dgm:ruleLst>
-      <dgm:rule type="h" for="ch" forName="compNode" val="0" fact="NaN" max="NaN"/>
-    </dgm:ruleLst>
-    <dgm:forEach name="Name8" axis="ch" ptType="node">
-      <dgm:layoutNode name="compNode">
-        <dgm:alg type="composite"/>
-        <dgm:shape xmlns:r="http://schemas.openxmlformats.org/officeDocument/2006/relationships" r:blip="">
-          <dgm:adjLst/>
-        </dgm:shape>
-        <dgm:presOf axis="self"/>
-        <dgm:choose name="Name9">
-          <dgm:if name="Name10" axis="ch" ptType="node" func="cnt" op="gte" val="1">
-            <dgm:constrLst>
-              <dgm:constr type="w" for="ch" forName="bgRect" refType="w"/>
-              <dgm:constr type="h" for="ch" forName="bgRect" refType="h"/>
-              <dgm:constr type="l" for="ch" forName="bgRect"/>
-              <dgm:constr type="t" for="ch" forName="bgRect"/>
-              <dgm:constr type="h" for="ch" forName="iconRect" refType="h" fact="0.55"/>
-              <dgm:constr type="w" for="ch" forName="iconRect" refType="h" refFor="ch" refForName="iconRect"/>
-              <dgm:constr type="l" for="ch" forName="iconRect" refType="h" refFor="ch" refForName="iconRect" fact="0.55"/>
-              <dgm:constr type="ctrY" for="ch" forName="iconRect" refType="ctrY" refFor="ch" refForName="bgRect"/>
-              <dgm:constr type="w" for="ch" forName="spaceRect" refType="l" refFor="ch" refForName="iconRect"/>
-              <dgm:constr type="h" for="ch" forName="spaceRect" refType="h"/>
-              <dgm:constr type="l" for="ch" forName="spaceRect" refType="r" refFor="ch" refForName="iconRect"/>
-              <dgm:constr type="t" for="ch" forName="spaceRect"/>
-              <dgm:constr type="w" for="ch" forName="parTx" refType="w" fact="0.45"/>
-              <dgm:constr type="h" for="ch" forName="parTx" refType="h"/>
-              <dgm:constr type="l" for="ch" forName="parTx" refType="r" refFor="ch" refForName="spaceRect"/>
-              <dgm:constr type="t" for="ch" forName="parTx"/>
-              <dgm:constr type="h" for="ch" forName="desTx" refType="h"/>
-              <dgm:constr type="l" for="ch" forName="desTx" refType="r" refFor="ch" refForName="parTx"/>
-              <dgm:constr type="t" for="ch" forName="desTx"/>
-            </dgm:constrLst>
-          </dgm:if>
-          <dgm:else name="Name11">
-            <dgm:constrLst>
-              <dgm:constr type="w" for="ch" forName="bgRect" refType="w"/>
-              <dgm:constr type="h" for="ch" forName="bgRect" refType="h"/>
-              <dgm:constr type="l" for="ch" forName="bgRect"/>
-              <dgm:constr type="t" for="ch" forName="bgRect"/>
-              <dgm:constr type="h" for="ch" forName="iconRect" refType="h" fact="0.55"/>
-              <dgm:constr type="w" for="ch" forName="iconRect" refType="h" refFor="ch" refForName="iconRect"/>
-              <dgm:constr type="l" for="ch" forName="iconRect" refType="h" refFor="ch" refForName="iconRect" fact="0.55"/>
-              <dgm:constr type="ctrY" for="ch" forName="iconRect" refType="ctrY" refFor="ch" refForName="bgRect"/>
-              <dgm:constr type="w" for="ch" forName="spaceRect" refType="l" refFor="ch" refForName="iconRect"/>
-              <dgm:constr type="h" for="ch" forName="spaceRect" refType="h"/>
-              <dgm:constr type="l" for="ch" forName="spaceRect" refType="r" refFor="ch" refForName="iconRect"/>
-              <dgm:constr type="t" for="ch" forName="spaceRect"/>
-              <dgm:constr type="h" for="ch" forName="parTx" refType="h"/>
-              <dgm:constr type="l" for="ch" forName="parTx" refType="r" refFor="ch" refForName="spaceRect"/>
-              <dgm:constr type="t" for="ch" forName="parTx"/>
-            </dgm:constrLst>
-          </dgm:else>
-        </dgm:choose>
-        <dgm:ruleLst>
-          <dgm:rule type="h" val="INF" fact="NaN" max="NaN"/>
-        </dgm:ruleLst>
-        <dgm:layoutNode name="bgRect" styleLbl="bgShp">
-          <dgm:alg type="sp"/>
-          <dgm:shape xmlns:r="http://schemas.openxmlformats.org/officeDocument/2006/relationships" type="roundRect" r:blip="">
-            <dgm:adjLst>
-              <dgm:adj idx="1" val="0.1"/>
-            </dgm:adjLst>
-          </dgm:shape>
-          <dgm:presOf/>
-          <dgm:constrLst/>
-          <dgm:ruleLst/>
-        </dgm:layoutNode>
-        <dgm:layoutNode name="iconRect" styleLbl="node1">
-          <dgm:alg type="sp"/>
-          <dgm:shape xmlns:r="http://schemas.openxmlformats.org/officeDocument/2006/relationships" type="rect" r:blip="" blipPhldr="1">
-            <dgm:adjLst/>
-          </dgm:shape>
-          <dgm:presOf/>
-          <dgm:constrLst/>
-          <dgm:ruleLst/>
-        </dgm:layoutNode>
-        <dgm:layoutNode name="spaceRect">
-          <dgm:alg type="sp"/>
-          <dgm:shape xmlns:r="http://schemas.openxmlformats.org/officeDocument/2006/relationships" r:blip="">
-            <dgm:adjLst/>
-          </dgm:shape>
-          <dgm:presOf/>
-          <dgm:constrLst/>
-          <dgm:ruleLst/>
-        </dgm:layoutNode>
-        <dgm:layoutNode name="parTx" styleLbl="revTx">
-          <dgm:varLst>
-            <dgm:chMax val="0"/>
-            <dgm:chPref val="0"/>
-          </dgm:varLst>
-          <dgm:alg type="tx">
-            <dgm:param type="txAnchorVert" val="mid"/>
-            <dgm:param type="parTxLTRAlign" val="l"/>
-            <dgm:param type="shpTxLTRAlignCh" val="l"/>
-            <dgm:param type="parTxRTLAlign" val="r"/>
-            <dgm:param type="shpTxRTLAlignCh" val="r"/>
-          </dgm:alg>
-          <dgm:shape xmlns:r="http://schemas.openxmlformats.org/officeDocument/2006/relationships" type="rect" r:blip="">
-            <dgm:adjLst/>
-          </dgm:shape>
-          <dgm:presOf axis="self" ptType="node"/>
-          <dgm:constrLst>
-            <dgm:constr type="lMarg" refType="h" fact="0.3"/>
-            <dgm:constr type="rMarg" refType="h" fact="0.3"/>
-            <dgm:constr type="tMarg" refType="h" fact="0.3"/>
-            <dgm:constr type="bMarg" refType="h" fact="0.3"/>
-          </dgm:constrLst>
-          <dgm:ruleLst>
-            <dgm:rule type="primFontSz" val="14" fact="NaN" max="NaN"/>
-            <dgm:rule type="h" val="INF" fact="NaN" max="NaN"/>
-          </dgm:ruleLst>
-        </dgm:layoutNode>
-        <dgm:choose name="Name12">
-          <dgm:if name="Name13" axis="ch" ptType="node" func="cnt" op="gte" val="1">
-            <dgm:layoutNode name="desTx" styleLbl="revTx">
-              <dgm:varLst/>
-              <dgm:alg type="tx">
-                <dgm:param type="txAnchorVertCh" val="mid"/>
-                <dgm:param type="parTxLTRAlign" val="l"/>
-                <dgm:param type="shpTxLTRAlignCh" val="l"/>
-                <dgm:param type="parTxRTLAlign" val="r"/>
-                <dgm:param type="shpTxRTLAlignCh" val="r"/>
-                <dgm:param type="stBulletLvl" val="0"/>
-              </dgm:alg>
-              <dgm:shape xmlns:r="http://schemas.openxmlformats.org/officeDocument/2006/relationships" type="rect" r:blip="">
-                <dgm:adjLst/>
-              </dgm:shape>
-              <dgm:presOf axis="des" ptType="node"/>
-              <dgm:constrLst>
-                <dgm:constr type="primFontSz" val="18"/>
-                <dgm:constr type="secFontSz" refType="primFontSz"/>
-                <dgm:constr type="lMarg" refType="h" fact="0.3"/>
-                <dgm:constr type="rMarg" refType="h" fact="0.3"/>
-                <dgm:constr type="tMarg" refType="h" fact="0.3"/>
-                <dgm:constr type="bMarg" refType="h" fact="0.3"/>
-              </dgm:constrLst>
-              <dgm:ruleLst>
-                <dgm:rule type="primFontSz" val="11" fact="NaN" max="NaN"/>
-              </dgm:ruleLst>
-            </dgm:layoutNode>
-          </dgm:if>
-          <dgm:else name="Name14"/>
-        </dgm:choose>
-      </dgm:layoutNode>
-      <dgm:forEach name="Name15" axis="followSib" ptType="sibTrans" cnt="1">
-        <dgm:layoutNode name="sibTrans">
-          <dgm:alg type="sp"/>
-          <dgm:shape xmlns:r="http://schemas.openxmlformats.org/officeDocument/2006/relationships" r:blip="">
-            <dgm:adjLst/>
-          </dgm:shape>
-          <dgm:presOf axis="self"/>
-          <dgm:constrLst/>
-          <dgm:ruleLst/>
-        </dgm:layoutNode>
-      </dgm:forEach>
-    </dgm:forEach>
-  </dgm:layoutNode>
-  <dgm:extLst>
-    <a:ext uri="{68A01E43-0DF5-4B5B-8FA6-DAF915123BFB}">
-      <dgm1612:lstStyle xmlns:dgm1612="http://schemas.microsoft.com/office/drawing/2016/12/diagram">
-        <a:lvl1pPr>
-          <a:lnSpc>
-            <a:spcPct val="100000"/>
-          </a:lnSpc>
-        </a:lvl1pPr>
-        <a:lvl2pPr>
-          <a:lnSpc>
-            <a:spcPct val="100000"/>
-          </a:lnSpc>
-        </a:lvl2pPr>
-      </dgm1612:lstStyle>
-    </a:ext>
-  </dgm:extLst>
-</dgm:layoutDef>
-</file>
-
-<file path=ppt/diagrams/layout6.xml><?xml version="1.0" encoding="utf-8"?>
-<dgm:layoutDef xmlns:dgm="http://schemas.openxmlformats.org/drawingml/2006/diagram" xmlns:a="http://schemas.openxmlformats.org/drawingml/2006/main" uniqueId="urn:microsoft.com/office/officeart/2018/5/layout/CenteredIconLabelDescriptionList">
-  <dgm:title val="Centered Icon Label Description List"/>
-  <dgm:desc val="Use to show non-sequential or grouped chunks of information. The placeholder holds an icon or small picture, and corresponding text boxes show Level 1 and Level 2 text respectively. Works well for minimal Level 1 text accompanied by lengthier Level two text."/>
-  <dgm:catLst>
-    <dgm:cat type="icon" pri="500"/>
-  </dgm:catLst>
-  <dgm:sampData useDef="1">
-    <dgm:dataModel>
-      <dgm:ptLst/>
-      <dgm:bg/>
-      <dgm:whole/>
-    </dgm:dataModel>
-  </dgm:sampData>
-  <dgm:styleData useDef="1">
-    <dgm:dataModel>
-      <dgm:ptLst/>
-      <dgm:bg/>
-      <dgm:whole/>
-    </dgm:dataModel>
-  </dgm:styleData>
-  <dgm:clrData useDef="1">
-    <dgm:dataModel>
-      <dgm:ptLst/>
-      <dgm:bg/>
-      <dgm:whole/>
-    </dgm:dataModel>
-  </dgm:clrData>
-  <dgm:layoutNode name="root">
-    <dgm:varLst>
-      <dgm:dir/>
-      <dgm:resizeHandles val="exact"/>
-    </dgm:varLst>
-    <dgm:choose name="Name0">
-      <dgm:if name="Name1" axis="self" func="var" arg="dir" op="equ" val="norm">
-        <dgm:alg type="lin"/>
-      </dgm:if>
-      <dgm:else name="Name2">
-        <dgm:alg type="lin">
-          <dgm:param type="linDir" val="fromR"/>
-        </dgm:alg>
-      </dgm:else>
-    </dgm:choose>
-    <dgm:shape xmlns:r="http://schemas.openxmlformats.org/officeDocument/2006/relationships" r:blip="">
-      <dgm:adjLst/>
-    </dgm:shape>
-    <dgm:presOf/>
-    <dgm:constrLst>
-      <dgm:constr type="h" for="ch" forName="compNode" refType="h" fact="0.45"/>
-      <dgm:constr type="w" for="ch" forName="compNode" val="120"/>
-      <dgm:constr type="w" for="ch" forName="sibTrans" refType="w" refFor="ch" refForName="compNode" fact="0.175"/>
-      <dgm:constr type="primFontSz" for="des" forName="parTx" val="36"/>
-      <dgm:constr type="primFontSz" for="des" forName="desTx" refType="primFontSz" refFor="des" refForName="parTx" op="lte" fact="0.75"/>
-      <dgm:constr type="h" for="des" forName="compNode" op="equ"/>
-      <dgm:constr type="h" for="des" forName="iconRect" op="equ"/>
-      <dgm:constr type="w" for="des" forName="iconRect" op="equ"/>
-      <dgm:constr type="h" for="des" forName="iconSpace" op="equ"/>
-      <dgm:constr type="h" for="des" forName="parTx" op="equ"/>
-      <dgm:constr type="h" for="des" forName="txSpace" op="equ"/>
-      <dgm:constr type="h" for="des" forName="desTx" op="equ"/>
-    </dgm:constrLst>
-    <dgm:ruleLst>
-      <dgm:rule type="w" for="ch" forName="compNode" val="0" fact="NaN" max="NaN"/>
-    </dgm:ruleLst>
-    <dgm:forEach name="Name3" axis="ch" ptType="node">
-      <dgm:layoutNode name="compNode">
-        <dgm:alg type="composite"/>
-        <dgm:shape xmlns:r="http://schemas.openxmlformats.org/officeDocument/2006/relationships" r:blip="">
-          <dgm:adjLst/>
-        </dgm:shape>
-        <dgm:presOf axis="self"/>
-        <dgm:constrLst>
-          <dgm:constr type="w" for="ch" forName="iconRect" refType="w" fact="0.35"/>
-          <dgm:constr type="h" for="ch" forName="iconRect" refType="w" refFor="ch" refForName="iconRect"/>
-          <dgm:constr type="ctrX" for="ch" forName="iconRect" refType="w" fact="0.5"/>
-          <dgm:constr type="t" for="ch" forName="iconRect"/>
-          <dgm:constr type="w" for="ch" forName="iconSpace" refType="w"/>
-          <dgm:constr type="h" for="ch" forName="iconSpace" refType="h" fact="0.043"/>
-          <dgm:constr type="l" for="ch" forName="iconSpace"/>
-          <dgm:constr type="t" for="ch" forName="iconSpace" refType="b" refFor="ch" refForName="iconRect"/>
-          <dgm:constr type="w" for="ch" forName="parTx" refType="w"/>
-          <dgm:constr type="h" for="ch" forName="parTx" refType="w" fact="0.15"/>
-          <dgm:constr type="l" for="ch" forName="parTx"/>
-          <dgm:constr type="t" for="ch" forName="parTx" refType="b" refFor="ch" refForName="iconSpace"/>
-          <dgm:constr type="h" for="ch" forName="txSpace" refType="h" fact="0.02"/>
-          <dgm:constr type="w" for="ch" forName="txSpace" refType="w"/>
-          <dgm:constr type="l" for="ch" forName="txSpace"/>
-          <dgm:constr type="t" for="ch" forName="txSpace" refType="b" refFor="ch" refForName="parTx"/>
-          <dgm:constr type="w" for="ch" forName="desTx" refType="w"/>
-          <dgm:constr type="l" for="ch" forName="desTx"/>
-          <dgm:constr type="t" for="ch" forName="desTx" refType="b" refFor="ch" refForName="txSpace"/>
-        </dgm:constrLst>
-        <dgm:ruleLst>
-          <dgm:rule type="h" val="INF" fact="NaN" max="NaN"/>
-        </dgm:ruleLst>
-        <dgm:layoutNode name="iconRect" styleLbl="node1">
-          <dgm:alg type="sp"/>
-          <dgm:shape xmlns:r="http://schemas.openxmlformats.org/officeDocument/2006/relationships" type="rect" r:blip="" blipPhldr="1">
-            <dgm:adjLst/>
-          </dgm:shape>
-          <dgm:presOf/>
-          <dgm:constrLst/>
-          <dgm:ruleLst/>
-        </dgm:layoutNode>
-        <dgm:layoutNode name="iconSpace">
-          <dgm:alg type="sp"/>
-          <dgm:shape xmlns:r="http://schemas.openxmlformats.org/officeDocument/2006/relationships" r:blip="">
-            <dgm:adjLst/>
-          </dgm:shape>
-          <dgm:presOf/>
-          <dgm:constrLst/>
-          <dgm:ruleLst/>
-        </dgm:layoutNode>
-        <dgm:layoutNode name="parTx" styleLbl="revTx">
-          <dgm:varLst>
-            <dgm:chMax val="0"/>
-            <dgm:chPref val="0"/>
-          </dgm:varLst>
-          <dgm:alg type="tx">
-            <dgm:param type="txAnchorVert" val="t"/>
-          </dgm:alg>
-          <dgm:shape xmlns:r="http://schemas.openxmlformats.org/officeDocument/2006/relationships" type="rect" r:blip="">
-            <dgm:adjLst/>
-          </dgm:shape>
-          <dgm:presOf axis="self" ptType="node"/>
-          <dgm:constrLst>
-            <dgm:constr type="lMarg"/>
-            <dgm:constr type="rMarg"/>
-            <dgm:constr type="tMarg"/>
-            <dgm:constr type="bMarg"/>
-          </dgm:constrLst>
-          <dgm:ruleLst>
-            <dgm:rule type="primFontSz" val="14" fact="NaN" max="NaN"/>
-            <dgm:rule type="h" val="INF" fact="NaN" max="NaN"/>
-          </dgm:ruleLst>
-        </dgm:layoutNode>
-        <dgm:layoutNode name="txSpace">
-          <dgm:alg type="sp"/>
-          <dgm:shape xmlns:r="http://schemas.openxmlformats.org/officeDocument/2006/relationships" r:blip="">
-            <dgm:adjLst/>
-          </dgm:shape>
-          <dgm:presOf/>
-          <dgm:constrLst/>
-          <dgm:ruleLst/>
-        </dgm:layoutNode>
-        <dgm:layoutNode name="desTx" styleLbl="revTx">
-          <dgm:varLst/>
-          <dgm:alg type="tx">
-            <dgm:param type="stBulletLvl" val="0"/>
-            <dgm:param type="txAnchorVert" val="t"/>
-          </dgm:alg>
-          <dgm:shape xmlns:r="http://schemas.openxmlformats.org/officeDocument/2006/relationships" type="rect" r:blip="">
-            <dgm:adjLst/>
-          </dgm:shape>
-          <dgm:presOf axis="des" ptType="node"/>
-          <dgm:constrLst>
-            <dgm:constr type="secFontSz" refType="primFontSz"/>
-            <dgm:constr type="lMarg"/>
-            <dgm:constr type="rMarg"/>
-            <dgm:constr type="tMarg"/>
-            <dgm:constr type="bMarg"/>
-          </dgm:constrLst>
-          <dgm:ruleLst>
-            <dgm:rule type="primFontSz" val="NaN" fact="NaN" max="17"/>
-            <dgm:rule type="h" val="INF" fact="NaN" max="NaN"/>
-          </dgm:ruleLst>
-        </dgm:layoutNode>
-      </dgm:layoutNode>
-      <dgm:forEach name="Name4" axis="followSib" ptType="sibTrans" cnt="1">
-        <dgm:layoutNode name="sibTrans">
-          <dgm:alg type="sp"/>
-          <dgm:shape xmlns:r="http://schemas.openxmlformats.org/officeDocument/2006/relationships" r:blip="">
-            <dgm:adjLst/>
-          </dgm:shape>
-          <dgm:presOf axis="self"/>
-          <dgm:constrLst/>
-          <dgm:ruleLst/>
-        </dgm:layoutNode>
-      </dgm:forEach>
-    </dgm:forEach>
-  </dgm:layoutNode>
-  <dgm:extLst>
-    <a:ext uri="{68A01E43-0DF5-4B5B-8FA6-DAF915123BFB}">
-      <dgm1612:lstStyle xmlns:dgm1612="http://schemas.microsoft.com/office/drawing/2016/12/diagram">
-        <a:lvl1pPr>
-          <a:lnSpc>
-            <a:spcPct val="100000"/>
-          </a:lnSpc>
-          <a:defRPr b="1"/>
-        </a:lvl1pPr>
-        <a:lvl2pPr>
-          <a:lnSpc>
-            <a:spcPct val="100000"/>
-          </a:lnSpc>
-        </a:lvl2pPr>
-      </dgm1612:lstStyle>
-    </a:ext>
-  </dgm:extLst>
-</dgm:layoutDef>
-</file>
-
-<file path=ppt/diagrams/layout7.xml><?xml version="1.0" encoding="utf-8"?>
 <dgm:layoutDef xmlns:dgm="http://schemas.openxmlformats.org/drawingml/2006/diagram" xmlns:a="http://schemas.openxmlformats.org/drawingml/2006/main" uniqueId="urn:microsoft.com/office/officeart/2005/8/layout/vProcess5">
   <dgm:title val=""/>
   <dgm:desc val=""/>
@@ -16417,6 +16024,501 @@
 </dgm:layoutDef>
 </file>
 
+<file path=ppt/diagrams/layout6.xml><?xml version="1.0" encoding="utf-8"?>
+<dgm:layoutDef xmlns:dgm="http://schemas.openxmlformats.org/drawingml/2006/diagram" xmlns:a="http://schemas.openxmlformats.org/drawingml/2006/main" uniqueId="urn:microsoft.com/office/officeart/2018/2/layout/IconVerticalSolidList">
+  <dgm:title val="Icon Vertical Solid List"/>
+  <dgm:desc val="Use to show a series of visuals from top to bottom with Level 1 or Level 1 and Level 2 text grouped in a shape. Works best with icons or small pictures with lengthier descriptions."/>
+  <dgm:catLst>
+    <dgm:cat type="icon" pri="500"/>
+  </dgm:catLst>
+  <dgm:sampData useDef="1">
+    <dgm:dataModel>
+      <dgm:ptLst/>
+      <dgm:bg/>
+      <dgm:whole/>
+    </dgm:dataModel>
+  </dgm:sampData>
+  <dgm:styleData useDef="1">
+    <dgm:dataModel>
+      <dgm:ptLst/>
+      <dgm:bg/>
+      <dgm:whole/>
+    </dgm:dataModel>
+  </dgm:styleData>
+  <dgm:clrData useDef="1">
+    <dgm:dataModel>
+      <dgm:ptLst/>
+      <dgm:bg/>
+      <dgm:whole/>
+    </dgm:dataModel>
+  </dgm:clrData>
+  <dgm:layoutNode name="root">
+    <dgm:varLst>
+      <dgm:dir/>
+      <dgm:resizeHandles val="exact"/>
+    </dgm:varLst>
+    <dgm:choose name="Name0">
+      <dgm:if name="Name1" axis="self" func="var" arg="dir" op="equ" val="norm">
+        <dgm:alg type="lin">
+          <dgm:param type="linDir" val="fromT"/>
+          <dgm:param type="nodeHorzAlign" val="l"/>
+        </dgm:alg>
+      </dgm:if>
+      <dgm:else name="Name2">
+        <dgm:alg type="lin">
+          <dgm:param type="linDir" val="fromT"/>
+          <dgm:param type="nodeHorzAlign" val="r"/>
+        </dgm:alg>
+      </dgm:else>
+    </dgm:choose>
+    <dgm:shape xmlns:r="http://schemas.openxmlformats.org/officeDocument/2006/relationships" r:blip="">
+      <dgm:adjLst/>
+    </dgm:shape>
+    <dgm:presOf/>
+    <dgm:choose name="Name3">
+      <dgm:if name="Name4" axis="ch" ptType="node" func="cnt" op="lte" val="3">
+        <dgm:constrLst>
+          <dgm:constr type="h" for="ch" forName="compNode" refType="h" fact="0.3"/>
+          <dgm:constr type="w" for="ch" forName="compNode" refType="w"/>
+          <dgm:constr type="h" for="ch" forName="sibTrans" refType="h" refFor="ch" refForName="compNode" fact="0.25"/>
+          <dgm:constr type="primFontSz" for="des" forName="parTx" val="25"/>
+          <dgm:constr type="primFontSz" for="des" forName="desTx" refType="primFontSz" refFor="des" refForName="parTx" op="lte" fact="0.75"/>
+          <dgm:constr type="h" for="des" forName="compNode" op="equ"/>
+          <dgm:constr type="h" for="des" forName="bgRect" op="equ"/>
+          <dgm:constr type="h" for="des" forName="iconRect" op="equ"/>
+          <dgm:constr type="w" for="des" forName="iconRect" op="equ"/>
+          <dgm:constr type="h" for="des" forName="spaceRect" op="equ"/>
+          <dgm:constr type="h" for="des" forName="parTx" op="equ"/>
+          <dgm:constr type="h" for="des" forName="desTx" op="equ"/>
+        </dgm:constrLst>
+      </dgm:if>
+      <dgm:if name="Name5" axis="ch" ptType="node" func="cnt" op="lte" val="4">
+        <dgm:constrLst>
+          <dgm:constr type="h" for="ch" forName="compNode" refType="h" fact="0.3"/>
+          <dgm:constr type="w" for="ch" forName="compNode" refType="w"/>
+          <dgm:constr type="h" for="ch" forName="sibTrans" refType="h" refFor="ch" refForName="compNode" fact="0.25"/>
+          <dgm:constr type="primFontSz" for="des" forName="parTx" val="22"/>
+          <dgm:constr type="primFontSz" for="des" forName="desTx" refType="primFontSz" refFor="des" refForName="parTx" op="lte" fact="0.75"/>
+          <dgm:constr type="h" for="des" forName="compNode" op="equ"/>
+          <dgm:constr type="h" for="des" forName="bgRect" op="equ"/>
+          <dgm:constr type="h" for="des" forName="iconRect" op="equ"/>
+          <dgm:constr type="w" for="des" forName="iconRect" op="equ"/>
+          <dgm:constr type="h" for="des" forName="spaceRect" op="equ"/>
+          <dgm:constr type="h" for="des" forName="parTx" op="equ"/>
+          <dgm:constr type="h" for="des" forName="desTx" op="equ"/>
+        </dgm:constrLst>
+      </dgm:if>
+      <dgm:if name="Name6" axis="ch" ptType="node" func="cnt" op="lte" val="6">
+        <dgm:constrLst>
+          <dgm:constr type="h" for="ch" forName="compNode" refType="h" fact="0.3"/>
+          <dgm:constr type="w" for="ch" forName="compNode" refType="w"/>
+          <dgm:constr type="h" for="ch" forName="sibTrans" refType="h" refFor="ch" refForName="compNode" fact="0.25"/>
+          <dgm:constr type="primFontSz" for="des" forName="parTx" val="19"/>
+          <dgm:constr type="primFontSz" for="des" forName="desTx" refType="primFontSz" refFor="des" refForName="parTx" op="lte" fact="0.75"/>
+          <dgm:constr type="h" for="des" forName="compNode" op="equ"/>
+          <dgm:constr type="h" for="des" forName="bgRect" op="equ"/>
+          <dgm:constr type="h" for="des" forName="iconRect" op="equ"/>
+          <dgm:constr type="w" for="des" forName="iconRect" op="equ"/>
+          <dgm:constr type="h" for="des" forName="spaceRect" op="equ"/>
+          <dgm:constr type="h" for="des" forName="parTx" op="equ"/>
+          <dgm:constr type="h" for="des" forName="desTx" op="equ"/>
+        </dgm:constrLst>
+      </dgm:if>
+      <dgm:else name="Name7">
+        <dgm:constrLst>
+          <dgm:constr type="h" for="ch" forName="compNode" refType="h" fact="0.3"/>
+          <dgm:constr type="w" for="ch" forName="compNode" refType="w"/>
+          <dgm:constr type="h" for="ch" forName="sibTrans" refType="h" refFor="ch" refForName="compNode" fact="0.25"/>
+          <dgm:constr type="primFontSz" for="des" forName="parTx" val="16"/>
+          <dgm:constr type="primFontSz" for="des" forName="desTx" refType="primFontSz" refFor="des" refForName="parTx" op="lte" fact="0.75"/>
+          <dgm:constr type="h" for="des" forName="compNode" op="equ"/>
+          <dgm:constr type="h" for="des" forName="bgRect" op="equ"/>
+          <dgm:constr type="h" for="des" forName="iconRect" op="equ"/>
+          <dgm:constr type="w" for="des" forName="iconRect" op="equ"/>
+          <dgm:constr type="h" for="des" forName="spaceRect" op="equ"/>
+          <dgm:constr type="h" for="des" forName="parTx" op="equ"/>
+          <dgm:constr type="h" for="des" forName="desTx" op="equ"/>
+        </dgm:constrLst>
+      </dgm:else>
+    </dgm:choose>
+    <dgm:ruleLst>
+      <dgm:rule type="h" for="ch" forName="compNode" val="0" fact="NaN" max="NaN"/>
+    </dgm:ruleLst>
+    <dgm:forEach name="Name8" axis="ch" ptType="node">
+      <dgm:layoutNode name="compNode">
+        <dgm:alg type="composite"/>
+        <dgm:shape xmlns:r="http://schemas.openxmlformats.org/officeDocument/2006/relationships" r:blip="">
+          <dgm:adjLst/>
+        </dgm:shape>
+        <dgm:presOf axis="self"/>
+        <dgm:choose name="Name9">
+          <dgm:if name="Name10" axis="ch" ptType="node" func="cnt" op="gte" val="1">
+            <dgm:constrLst>
+              <dgm:constr type="w" for="ch" forName="bgRect" refType="w"/>
+              <dgm:constr type="h" for="ch" forName="bgRect" refType="h"/>
+              <dgm:constr type="l" for="ch" forName="bgRect"/>
+              <dgm:constr type="t" for="ch" forName="bgRect"/>
+              <dgm:constr type="h" for="ch" forName="iconRect" refType="h" fact="0.55"/>
+              <dgm:constr type="w" for="ch" forName="iconRect" refType="h" refFor="ch" refForName="iconRect"/>
+              <dgm:constr type="l" for="ch" forName="iconRect" refType="h" refFor="ch" refForName="iconRect" fact="0.55"/>
+              <dgm:constr type="ctrY" for="ch" forName="iconRect" refType="ctrY" refFor="ch" refForName="bgRect"/>
+              <dgm:constr type="w" for="ch" forName="spaceRect" refType="l" refFor="ch" refForName="iconRect"/>
+              <dgm:constr type="h" for="ch" forName="spaceRect" refType="h"/>
+              <dgm:constr type="l" for="ch" forName="spaceRect" refType="r" refFor="ch" refForName="iconRect"/>
+              <dgm:constr type="t" for="ch" forName="spaceRect"/>
+              <dgm:constr type="w" for="ch" forName="parTx" refType="w" fact="0.45"/>
+              <dgm:constr type="h" for="ch" forName="parTx" refType="h"/>
+              <dgm:constr type="l" for="ch" forName="parTx" refType="r" refFor="ch" refForName="spaceRect"/>
+              <dgm:constr type="t" for="ch" forName="parTx"/>
+              <dgm:constr type="h" for="ch" forName="desTx" refType="h"/>
+              <dgm:constr type="l" for="ch" forName="desTx" refType="r" refFor="ch" refForName="parTx"/>
+              <dgm:constr type="t" for="ch" forName="desTx"/>
+            </dgm:constrLst>
+          </dgm:if>
+          <dgm:else name="Name11">
+            <dgm:constrLst>
+              <dgm:constr type="w" for="ch" forName="bgRect" refType="w"/>
+              <dgm:constr type="h" for="ch" forName="bgRect" refType="h"/>
+              <dgm:constr type="l" for="ch" forName="bgRect"/>
+              <dgm:constr type="t" for="ch" forName="bgRect"/>
+              <dgm:constr type="h" for="ch" forName="iconRect" refType="h" fact="0.55"/>
+              <dgm:constr type="w" for="ch" forName="iconRect" refType="h" refFor="ch" refForName="iconRect"/>
+              <dgm:constr type="l" for="ch" forName="iconRect" refType="h" refFor="ch" refForName="iconRect" fact="0.55"/>
+              <dgm:constr type="ctrY" for="ch" forName="iconRect" refType="ctrY" refFor="ch" refForName="bgRect"/>
+              <dgm:constr type="w" for="ch" forName="spaceRect" refType="l" refFor="ch" refForName="iconRect"/>
+              <dgm:constr type="h" for="ch" forName="spaceRect" refType="h"/>
+              <dgm:constr type="l" for="ch" forName="spaceRect" refType="r" refFor="ch" refForName="iconRect"/>
+              <dgm:constr type="t" for="ch" forName="spaceRect"/>
+              <dgm:constr type="h" for="ch" forName="parTx" refType="h"/>
+              <dgm:constr type="l" for="ch" forName="parTx" refType="r" refFor="ch" refForName="spaceRect"/>
+              <dgm:constr type="t" for="ch" forName="parTx"/>
+            </dgm:constrLst>
+          </dgm:else>
+        </dgm:choose>
+        <dgm:ruleLst>
+          <dgm:rule type="h" val="INF" fact="NaN" max="NaN"/>
+        </dgm:ruleLst>
+        <dgm:layoutNode name="bgRect" styleLbl="bgShp">
+          <dgm:alg type="sp"/>
+          <dgm:shape xmlns:r="http://schemas.openxmlformats.org/officeDocument/2006/relationships" type="roundRect" r:blip="">
+            <dgm:adjLst>
+              <dgm:adj idx="1" val="0.1"/>
+            </dgm:adjLst>
+          </dgm:shape>
+          <dgm:presOf/>
+          <dgm:constrLst/>
+          <dgm:ruleLst/>
+        </dgm:layoutNode>
+        <dgm:layoutNode name="iconRect" styleLbl="node1">
+          <dgm:alg type="sp"/>
+          <dgm:shape xmlns:r="http://schemas.openxmlformats.org/officeDocument/2006/relationships" type="rect" r:blip="" blipPhldr="1">
+            <dgm:adjLst/>
+          </dgm:shape>
+          <dgm:presOf/>
+          <dgm:constrLst/>
+          <dgm:ruleLst/>
+        </dgm:layoutNode>
+        <dgm:layoutNode name="spaceRect">
+          <dgm:alg type="sp"/>
+          <dgm:shape xmlns:r="http://schemas.openxmlformats.org/officeDocument/2006/relationships" r:blip="">
+            <dgm:adjLst/>
+          </dgm:shape>
+          <dgm:presOf/>
+          <dgm:constrLst/>
+          <dgm:ruleLst/>
+        </dgm:layoutNode>
+        <dgm:layoutNode name="parTx" styleLbl="revTx">
+          <dgm:varLst>
+            <dgm:chMax val="0"/>
+            <dgm:chPref val="0"/>
+          </dgm:varLst>
+          <dgm:alg type="tx">
+            <dgm:param type="txAnchorVert" val="mid"/>
+            <dgm:param type="parTxLTRAlign" val="l"/>
+            <dgm:param type="shpTxLTRAlignCh" val="l"/>
+            <dgm:param type="parTxRTLAlign" val="r"/>
+            <dgm:param type="shpTxRTLAlignCh" val="r"/>
+          </dgm:alg>
+          <dgm:shape xmlns:r="http://schemas.openxmlformats.org/officeDocument/2006/relationships" type="rect" r:blip="">
+            <dgm:adjLst/>
+          </dgm:shape>
+          <dgm:presOf axis="self" ptType="node"/>
+          <dgm:constrLst>
+            <dgm:constr type="lMarg" refType="h" fact="0.3"/>
+            <dgm:constr type="rMarg" refType="h" fact="0.3"/>
+            <dgm:constr type="tMarg" refType="h" fact="0.3"/>
+            <dgm:constr type="bMarg" refType="h" fact="0.3"/>
+          </dgm:constrLst>
+          <dgm:ruleLst>
+            <dgm:rule type="primFontSz" val="14" fact="NaN" max="NaN"/>
+            <dgm:rule type="h" val="INF" fact="NaN" max="NaN"/>
+          </dgm:ruleLst>
+        </dgm:layoutNode>
+        <dgm:choose name="Name12">
+          <dgm:if name="Name13" axis="ch" ptType="node" func="cnt" op="gte" val="1">
+            <dgm:layoutNode name="desTx" styleLbl="revTx">
+              <dgm:varLst/>
+              <dgm:alg type="tx">
+                <dgm:param type="txAnchorVertCh" val="mid"/>
+                <dgm:param type="parTxLTRAlign" val="l"/>
+                <dgm:param type="shpTxLTRAlignCh" val="l"/>
+                <dgm:param type="parTxRTLAlign" val="r"/>
+                <dgm:param type="shpTxRTLAlignCh" val="r"/>
+                <dgm:param type="stBulletLvl" val="0"/>
+              </dgm:alg>
+              <dgm:shape xmlns:r="http://schemas.openxmlformats.org/officeDocument/2006/relationships" type="rect" r:blip="">
+                <dgm:adjLst/>
+              </dgm:shape>
+              <dgm:presOf axis="des" ptType="node"/>
+              <dgm:constrLst>
+                <dgm:constr type="primFontSz" val="18"/>
+                <dgm:constr type="secFontSz" refType="primFontSz"/>
+                <dgm:constr type="lMarg" refType="h" fact="0.3"/>
+                <dgm:constr type="rMarg" refType="h" fact="0.3"/>
+                <dgm:constr type="tMarg" refType="h" fact="0.3"/>
+                <dgm:constr type="bMarg" refType="h" fact="0.3"/>
+              </dgm:constrLst>
+              <dgm:ruleLst>
+                <dgm:rule type="primFontSz" val="11" fact="NaN" max="NaN"/>
+              </dgm:ruleLst>
+            </dgm:layoutNode>
+          </dgm:if>
+          <dgm:else name="Name14"/>
+        </dgm:choose>
+      </dgm:layoutNode>
+      <dgm:forEach name="Name15" axis="followSib" ptType="sibTrans" cnt="1">
+        <dgm:layoutNode name="sibTrans">
+          <dgm:alg type="sp"/>
+          <dgm:shape xmlns:r="http://schemas.openxmlformats.org/officeDocument/2006/relationships" r:blip="">
+            <dgm:adjLst/>
+          </dgm:shape>
+          <dgm:presOf axis="self"/>
+          <dgm:constrLst/>
+          <dgm:ruleLst/>
+        </dgm:layoutNode>
+      </dgm:forEach>
+    </dgm:forEach>
+  </dgm:layoutNode>
+  <dgm:extLst>
+    <a:ext uri="{68A01E43-0DF5-4B5B-8FA6-DAF915123BFB}">
+      <dgm1612:lstStyle xmlns:dgm1612="http://schemas.microsoft.com/office/drawing/2016/12/diagram">
+        <a:lvl1pPr>
+          <a:lnSpc>
+            <a:spcPct val="100000"/>
+          </a:lnSpc>
+        </a:lvl1pPr>
+        <a:lvl2pPr>
+          <a:lnSpc>
+            <a:spcPct val="100000"/>
+          </a:lnSpc>
+        </a:lvl2pPr>
+      </dgm1612:lstStyle>
+    </a:ext>
+  </dgm:extLst>
+</dgm:layoutDef>
+</file>
+
+<file path=ppt/diagrams/layout7.xml><?xml version="1.0" encoding="utf-8"?>
+<dgm:layoutDef xmlns:dgm="http://schemas.openxmlformats.org/drawingml/2006/diagram" xmlns:a="http://schemas.openxmlformats.org/drawingml/2006/main" uniqueId="urn:microsoft.com/office/officeart/2018/5/layout/CenteredIconLabelDescriptionList">
+  <dgm:title val="Centered Icon Label Description List"/>
+  <dgm:desc val="Use to show non-sequential or grouped chunks of information. The placeholder holds an icon or small picture, and corresponding text boxes show Level 1 and Level 2 text respectively. Works well for minimal Level 1 text accompanied by lengthier Level two text."/>
+  <dgm:catLst>
+    <dgm:cat type="icon" pri="500"/>
+  </dgm:catLst>
+  <dgm:sampData useDef="1">
+    <dgm:dataModel>
+      <dgm:ptLst/>
+      <dgm:bg/>
+      <dgm:whole/>
+    </dgm:dataModel>
+  </dgm:sampData>
+  <dgm:styleData useDef="1">
+    <dgm:dataModel>
+      <dgm:ptLst/>
+      <dgm:bg/>
+      <dgm:whole/>
+    </dgm:dataModel>
+  </dgm:styleData>
+  <dgm:clrData useDef="1">
+    <dgm:dataModel>
+      <dgm:ptLst/>
+      <dgm:bg/>
+      <dgm:whole/>
+    </dgm:dataModel>
+  </dgm:clrData>
+  <dgm:layoutNode name="root">
+    <dgm:varLst>
+      <dgm:dir/>
+      <dgm:resizeHandles val="exact"/>
+    </dgm:varLst>
+    <dgm:choose name="Name0">
+      <dgm:if name="Name1" axis="self" func="var" arg="dir" op="equ" val="norm">
+        <dgm:alg type="lin"/>
+      </dgm:if>
+      <dgm:else name="Name2">
+        <dgm:alg type="lin">
+          <dgm:param type="linDir" val="fromR"/>
+        </dgm:alg>
+      </dgm:else>
+    </dgm:choose>
+    <dgm:shape xmlns:r="http://schemas.openxmlformats.org/officeDocument/2006/relationships" r:blip="">
+      <dgm:adjLst/>
+    </dgm:shape>
+    <dgm:presOf/>
+    <dgm:constrLst>
+      <dgm:constr type="h" for="ch" forName="compNode" refType="h" fact="0.45"/>
+      <dgm:constr type="w" for="ch" forName="compNode" val="120"/>
+      <dgm:constr type="w" for="ch" forName="sibTrans" refType="w" refFor="ch" refForName="compNode" fact="0.175"/>
+      <dgm:constr type="primFontSz" for="des" forName="parTx" val="36"/>
+      <dgm:constr type="primFontSz" for="des" forName="desTx" refType="primFontSz" refFor="des" refForName="parTx" op="lte" fact="0.75"/>
+      <dgm:constr type="h" for="des" forName="compNode" op="equ"/>
+      <dgm:constr type="h" for="des" forName="iconRect" op="equ"/>
+      <dgm:constr type="w" for="des" forName="iconRect" op="equ"/>
+      <dgm:constr type="h" for="des" forName="iconSpace" op="equ"/>
+      <dgm:constr type="h" for="des" forName="parTx" op="equ"/>
+      <dgm:constr type="h" for="des" forName="txSpace" op="equ"/>
+      <dgm:constr type="h" for="des" forName="desTx" op="equ"/>
+    </dgm:constrLst>
+    <dgm:ruleLst>
+      <dgm:rule type="w" for="ch" forName="compNode" val="0" fact="NaN" max="NaN"/>
+    </dgm:ruleLst>
+    <dgm:forEach name="Name3" axis="ch" ptType="node">
+      <dgm:layoutNode name="compNode">
+        <dgm:alg type="composite"/>
+        <dgm:shape xmlns:r="http://schemas.openxmlformats.org/officeDocument/2006/relationships" r:blip="">
+          <dgm:adjLst/>
+        </dgm:shape>
+        <dgm:presOf axis="self"/>
+        <dgm:constrLst>
+          <dgm:constr type="w" for="ch" forName="iconRect" refType="w" fact="0.35"/>
+          <dgm:constr type="h" for="ch" forName="iconRect" refType="w" refFor="ch" refForName="iconRect"/>
+          <dgm:constr type="ctrX" for="ch" forName="iconRect" refType="w" fact="0.5"/>
+          <dgm:constr type="t" for="ch" forName="iconRect"/>
+          <dgm:constr type="w" for="ch" forName="iconSpace" refType="w"/>
+          <dgm:constr type="h" for="ch" forName="iconSpace" refType="h" fact="0.043"/>
+          <dgm:constr type="l" for="ch" forName="iconSpace"/>
+          <dgm:constr type="t" for="ch" forName="iconSpace" refType="b" refFor="ch" refForName="iconRect"/>
+          <dgm:constr type="w" for="ch" forName="parTx" refType="w"/>
+          <dgm:constr type="h" for="ch" forName="parTx" refType="w" fact="0.15"/>
+          <dgm:constr type="l" for="ch" forName="parTx"/>
+          <dgm:constr type="t" for="ch" forName="parTx" refType="b" refFor="ch" refForName="iconSpace"/>
+          <dgm:constr type="h" for="ch" forName="txSpace" refType="h" fact="0.02"/>
+          <dgm:constr type="w" for="ch" forName="txSpace" refType="w"/>
+          <dgm:constr type="l" for="ch" forName="txSpace"/>
+          <dgm:constr type="t" for="ch" forName="txSpace" refType="b" refFor="ch" refForName="parTx"/>
+          <dgm:constr type="w" for="ch" forName="desTx" refType="w"/>
+          <dgm:constr type="l" for="ch" forName="desTx"/>
+          <dgm:constr type="t" for="ch" forName="desTx" refType="b" refFor="ch" refForName="txSpace"/>
+        </dgm:constrLst>
+        <dgm:ruleLst>
+          <dgm:rule type="h" val="INF" fact="NaN" max="NaN"/>
+        </dgm:ruleLst>
+        <dgm:layoutNode name="iconRect" styleLbl="node1">
+          <dgm:alg type="sp"/>
+          <dgm:shape xmlns:r="http://schemas.openxmlformats.org/officeDocument/2006/relationships" type="rect" r:blip="" blipPhldr="1">
+            <dgm:adjLst/>
+          </dgm:shape>
+          <dgm:presOf/>
+          <dgm:constrLst/>
+          <dgm:ruleLst/>
+        </dgm:layoutNode>
+        <dgm:layoutNode name="iconSpace">
+          <dgm:alg type="sp"/>
+          <dgm:shape xmlns:r="http://schemas.openxmlformats.org/officeDocument/2006/relationships" r:blip="">
+            <dgm:adjLst/>
+          </dgm:shape>
+          <dgm:presOf/>
+          <dgm:constrLst/>
+          <dgm:ruleLst/>
+        </dgm:layoutNode>
+        <dgm:layoutNode name="parTx" styleLbl="revTx">
+          <dgm:varLst>
+            <dgm:chMax val="0"/>
+            <dgm:chPref val="0"/>
+          </dgm:varLst>
+          <dgm:alg type="tx">
+            <dgm:param type="txAnchorVert" val="t"/>
+          </dgm:alg>
+          <dgm:shape xmlns:r="http://schemas.openxmlformats.org/officeDocument/2006/relationships" type="rect" r:blip="">
+            <dgm:adjLst/>
+          </dgm:shape>
+          <dgm:presOf axis="self" ptType="node"/>
+          <dgm:constrLst>
+            <dgm:constr type="lMarg"/>
+            <dgm:constr type="rMarg"/>
+            <dgm:constr type="tMarg"/>
+            <dgm:constr type="bMarg"/>
+          </dgm:constrLst>
+          <dgm:ruleLst>
+            <dgm:rule type="primFontSz" val="14" fact="NaN" max="NaN"/>
+            <dgm:rule type="h" val="INF" fact="NaN" max="NaN"/>
+          </dgm:ruleLst>
+        </dgm:layoutNode>
+        <dgm:layoutNode name="txSpace">
+          <dgm:alg type="sp"/>
+          <dgm:shape xmlns:r="http://schemas.openxmlformats.org/officeDocument/2006/relationships" r:blip="">
+            <dgm:adjLst/>
+          </dgm:shape>
+          <dgm:presOf/>
+          <dgm:constrLst/>
+          <dgm:ruleLst/>
+        </dgm:layoutNode>
+        <dgm:layoutNode name="desTx" styleLbl="revTx">
+          <dgm:varLst/>
+          <dgm:alg type="tx">
+            <dgm:param type="stBulletLvl" val="0"/>
+            <dgm:param type="txAnchorVert" val="t"/>
+          </dgm:alg>
+          <dgm:shape xmlns:r="http://schemas.openxmlformats.org/officeDocument/2006/relationships" type="rect" r:blip="">
+            <dgm:adjLst/>
+          </dgm:shape>
+          <dgm:presOf axis="des" ptType="node"/>
+          <dgm:constrLst>
+            <dgm:constr type="secFontSz" refType="primFontSz"/>
+            <dgm:constr type="lMarg"/>
+            <dgm:constr type="rMarg"/>
+            <dgm:constr type="tMarg"/>
+            <dgm:constr type="bMarg"/>
+          </dgm:constrLst>
+          <dgm:ruleLst>
+            <dgm:rule type="primFontSz" val="NaN" fact="NaN" max="17"/>
+            <dgm:rule type="h" val="INF" fact="NaN" max="NaN"/>
+          </dgm:ruleLst>
+        </dgm:layoutNode>
+      </dgm:layoutNode>
+      <dgm:forEach name="Name4" axis="followSib" ptType="sibTrans" cnt="1">
+        <dgm:layoutNode name="sibTrans">
+          <dgm:alg type="sp"/>
+          <dgm:shape xmlns:r="http://schemas.openxmlformats.org/officeDocument/2006/relationships" r:blip="">
+            <dgm:adjLst/>
+          </dgm:shape>
+          <dgm:presOf axis="self"/>
+          <dgm:constrLst/>
+          <dgm:ruleLst/>
+        </dgm:layoutNode>
+      </dgm:forEach>
+    </dgm:forEach>
+  </dgm:layoutNode>
+  <dgm:extLst>
+    <a:ext uri="{68A01E43-0DF5-4B5B-8FA6-DAF915123BFB}">
+      <dgm1612:lstStyle xmlns:dgm1612="http://schemas.microsoft.com/office/drawing/2016/12/diagram">
+        <a:lvl1pPr>
+          <a:lnSpc>
+            <a:spcPct val="100000"/>
+          </a:lnSpc>
+          <a:defRPr b="1"/>
+        </a:lvl1pPr>
+        <a:lvl2pPr>
+          <a:lnSpc>
+            <a:spcPct val="100000"/>
+          </a:lnSpc>
+        </a:lvl2pPr>
+      </dgm1612:lstStyle>
+    </a:ext>
+  </dgm:extLst>
+</dgm:layoutDef>
+</file>
+
 <file path=ppt/diagrams/quickStyle1.xml><?xml version="1.0" encoding="utf-8"?>
 <dgm:styleDef xmlns:dgm="http://schemas.openxmlformats.org/drawingml/2006/diagram" xmlns:a="http://schemas.openxmlformats.org/drawingml/2006/main" uniqueId="urn:microsoft.com/office/officeart/2005/8/quickstyle/simple1">
   <dgm:title val=""/>
@@ -24069,7 +24171,7 @@
           <a:p>
             <a:fld id="{989649A9-5579-4A1B-BBC7-1D8439B4E68C}" type="slidenum">
               <a:rPr lang="de-DE" smtClean="0"/>
-              <a:t>14</a:t>
+              <a:t>12</a:t>
             </a:fld>
             <a:endParaRPr lang="de-DE"/>
           </a:p>
@@ -29105,289 +29207,6 @@
 <file path=ppt/slides/slide12.xml><?xml version="1.0" encoding="utf-8"?>
 <p:sld xmlns:a="http://schemas.openxmlformats.org/drawingml/2006/main" xmlns:r="http://schemas.openxmlformats.org/officeDocument/2006/relationships" xmlns:p="http://schemas.openxmlformats.org/presentationml/2006/main">
   <p:cSld>
-    <p:bg>
-      <p:bgPr>
-        <a:solidFill>
-          <a:schemeClr val="bg2"/>
-        </a:solidFill>
-        <a:effectLst/>
-      </p:bgPr>
-    </p:bg>
-    <p:spTree>
-      <p:nvGrpSpPr>
-        <p:cNvPr id="1" name=""/>
-        <p:cNvGrpSpPr/>
-        <p:nvPr/>
-      </p:nvGrpSpPr>
-      <p:grpSpPr>
-        <a:xfrm>
-          <a:off x="0" y="0"/>
-          <a:ext cx="0" cy="0"/>
-          <a:chOff x="0" y="0"/>
-          <a:chExt cx="0" cy="0"/>
-        </a:xfrm>
-      </p:grpSpPr>
-      <p:sp useBgFill="1">
-        <p:nvSpPr>
-          <p:cNvPr id="10" name="Rectangle 9">
-            <a:extLst>
-              <a:ext uri="{FF2B5EF4-FFF2-40B4-BE49-F238E27FC236}">
-                <a16:creationId xmlns:a16="http://schemas.microsoft.com/office/drawing/2014/main" id="{30BC9609-A8AF-411F-A9E0-C3B93C8945CA}"/>
-              </a:ext>
-              <a:ext uri="{C183D7F6-B498-43B3-948B-1728B52AA6E4}">
-                <adec:decorative xmlns:adec="http://schemas.microsoft.com/office/drawing/2017/decorative" val="1"/>
-              </a:ext>
-            </a:extLst>
-          </p:cNvPr>
-          <p:cNvSpPr>
-            <a:spLocks noGrp="1" noRot="1" noChangeAspect="1" noMove="1" noResize="1" noEditPoints="1" noAdjustHandles="1" noChangeArrowheads="1" noChangeShapeType="1" noTextEdit="1"/>
-          </p:cNvSpPr>
-          <p:nvPr>
-            <p:extLst>
-              <p:ext uri="{386F3935-93C4-4BCD-93E2-E3B085C9AB24}">
-                <p16:designElem xmlns:p16="http://schemas.microsoft.com/office/powerpoint/2015/main" val="1"/>
-              </p:ext>
-            </p:extLst>
-          </p:nvPr>
-        </p:nvSpPr>
-        <p:spPr>
-          <a:xfrm>
-            <a:off x="0" y="0"/>
-            <a:ext cx="12192000" cy="6858000"/>
-          </a:xfrm>
-          <a:prstGeom prst="rect">
-            <a:avLst/>
-          </a:prstGeom>
-          <a:ln>
-            <a:noFill/>
-          </a:ln>
-        </p:spPr>
-        <p:style>
-          <a:lnRef idx="2">
-            <a:schemeClr val="accent1">
-              <a:shade val="50000"/>
-            </a:schemeClr>
-          </a:lnRef>
-          <a:fillRef idx="1">
-            <a:schemeClr val="accent1"/>
-          </a:fillRef>
-          <a:effectRef idx="0">
-            <a:schemeClr val="accent1"/>
-          </a:effectRef>
-          <a:fontRef idx="minor">
-            <a:schemeClr val="lt1"/>
-          </a:fontRef>
-        </p:style>
-        <p:txBody>
-          <a:bodyPr rtlCol="0" anchor="ctr"/>
-          <a:lstStyle/>
-          <a:p>
-            <a:pPr algn="ctr"/>
-            <a:endParaRPr lang="en-US"/>
-          </a:p>
-        </p:txBody>
-      </p:sp>
-      <p:sp>
-        <p:nvSpPr>
-          <p:cNvPr id="2" name="Titel 1">
-            <a:extLst>
-              <a:ext uri="{FF2B5EF4-FFF2-40B4-BE49-F238E27FC236}">
-                <a16:creationId xmlns:a16="http://schemas.microsoft.com/office/drawing/2014/main" id="{26B5257E-9570-43C0-B652-AD8ED2BF2F53}"/>
-              </a:ext>
-            </a:extLst>
-          </p:cNvPr>
-          <p:cNvSpPr>
-            <a:spLocks noGrp="1"/>
-          </p:cNvSpPr>
-          <p:nvPr>
-            <p:ph type="title"/>
-          </p:nvPr>
-        </p:nvSpPr>
-        <p:spPr>
-          <a:xfrm>
-            <a:off x="640080" y="639704"/>
-            <a:ext cx="3931920" cy="5577840"/>
-          </a:xfrm>
-        </p:spPr>
-        <p:txBody>
-          <a:bodyPr anchor="ctr">
-            <a:normAutofit/>
-          </a:bodyPr>
-          <a:lstStyle/>
-          <a:p>
-            <a:pPr algn="ctr"/>
-            <a:r>
-              <a:rPr lang="de-DE" sz="5400" b="1" dirty="0" err="1"/>
-              <a:t>Optimization</a:t>
-            </a:r>
-            <a:endParaRPr lang="de-DE" sz="5400" b="1" dirty="0"/>
-          </a:p>
-        </p:txBody>
-      </p:sp>
-      <p:graphicFrame>
-        <p:nvGraphicFramePr>
-          <p:cNvPr id="16" name="Inhaltsplatzhalter 2">
-            <a:extLst>
-              <a:ext uri="{FF2B5EF4-FFF2-40B4-BE49-F238E27FC236}">
-                <a16:creationId xmlns:a16="http://schemas.microsoft.com/office/drawing/2014/main" id="{03722DF8-6892-4887-AE41-EE30FAD3A88C}"/>
-              </a:ext>
-            </a:extLst>
-          </p:cNvPr>
-          <p:cNvGraphicFramePr>
-            <a:graphicFrameLocks noGrp="1"/>
-          </p:cNvGraphicFramePr>
-          <p:nvPr>
-            <p:ph idx="1"/>
-            <p:extLst>
-              <p:ext uri="{D42A27DB-BD31-4B8C-83A1-F6EECF244321}">
-                <p14:modId xmlns:p14="http://schemas.microsoft.com/office/powerpoint/2010/main" val="2437742803"/>
-              </p:ext>
-            </p:extLst>
-          </p:nvPr>
-        </p:nvGraphicFramePr>
-        <p:xfrm>
-          <a:off x="4901472" y="639705"/>
-          <a:ext cx="6506304" cy="5577840"/>
-        </p:xfrm>
-        <a:graphic>
-          <a:graphicData uri="http://schemas.openxmlformats.org/drawingml/2006/diagram">
-            <dgm:relIds xmlns:dgm="http://schemas.openxmlformats.org/drawingml/2006/diagram" xmlns:r="http://schemas.openxmlformats.org/officeDocument/2006/relationships" r:dm="rId2" r:lo="rId3" r:qs="rId4" r:cs="rId5"/>
-          </a:graphicData>
-        </a:graphic>
-      </p:graphicFrame>
-    </p:spTree>
-    <p:extLst>
-      <p:ext uri="{BB962C8B-B14F-4D97-AF65-F5344CB8AC3E}">
-        <p14:creationId xmlns:p14="http://schemas.microsoft.com/office/powerpoint/2010/main" val="1223809904"/>
-      </p:ext>
-    </p:extLst>
-  </p:cSld>
-  <p:clrMapOvr>
-    <a:masterClrMapping/>
-  </p:clrMapOvr>
-</p:sld>
-</file>
-
-<file path=ppt/slides/slide13.xml><?xml version="1.0" encoding="utf-8"?>
-<p:sld xmlns:a="http://schemas.openxmlformats.org/drawingml/2006/main" xmlns:r="http://schemas.openxmlformats.org/officeDocument/2006/relationships" xmlns:p="http://schemas.openxmlformats.org/presentationml/2006/main">
-  <p:cSld>
-    <p:bg>
-      <p:bgPr>
-        <a:solidFill>
-          <a:schemeClr val="bg2"/>
-        </a:solidFill>
-        <a:effectLst/>
-      </p:bgPr>
-    </p:bg>
-    <p:spTree>
-      <p:nvGrpSpPr>
-        <p:cNvPr id="1" name=""/>
-        <p:cNvGrpSpPr/>
-        <p:nvPr/>
-      </p:nvGrpSpPr>
-      <p:grpSpPr>
-        <a:xfrm>
-          <a:off x="0" y="0"/>
-          <a:ext cx="0" cy="0"/>
-          <a:chOff x="0" y="0"/>
-          <a:chExt cx="0" cy="0"/>
-        </a:xfrm>
-      </p:grpSpPr>
-      <p:sp>
-        <p:nvSpPr>
-          <p:cNvPr id="2" name="Titel 1">
-            <a:extLst>
-              <a:ext uri="{FF2B5EF4-FFF2-40B4-BE49-F238E27FC236}">
-                <a16:creationId xmlns:a16="http://schemas.microsoft.com/office/drawing/2014/main" id="{FBD825E8-3C4E-48AC-ACC5-08F36C04823C}"/>
-              </a:ext>
-            </a:extLst>
-          </p:cNvPr>
-          <p:cNvSpPr>
-            <a:spLocks noGrp="1"/>
-          </p:cNvSpPr>
-          <p:nvPr>
-            <p:ph type="title"/>
-          </p:nvPr>
-        </p:nvSpPr>
-        <p:spPr>
-          <a:xfrm>
-            <a:off x="1371600" y="685800"/>
-            <a:ext cx="9601200" cy="1485900"/>
-          </a:xfrm>
-        </p:spPr>
-        <p:txBody>
-          <a:bodyPr>
-            <a:normAutofit/>
-          </a:bodyPr>
-          <a:lstStyle/>
-          <a:p>
-            <a:r>
-              <a:rPr lang="de-DE" b="1" dirty="0"/>
-              <a:t>Future </a:t>
-            </a:r>
-            <a:r>
-              <a:rPr lang="de-DE" b="1" dirty="0" err="1"/>
-              <a:t>tasks</a:t>
-            </a:r>
-            <a:endParaRPr lang="de-DE" b="1" dirty="0"/>
-          </a:p>
-        </p:txBody>
-      </p:sp>
-      <p:graphicFrame>
-        <p:nvGraphicFramePr>
-          <p:cNvPr id="4" name="Inhaltsplatzhalter 3">
-            <a:extLst>
-              <a:ext uri="{FF2B5EF4-FFF2-40B4-BE49-F238E27FC236}">
-                <a16:creationId xmlns:a16="http://schemas.microsoft.com/office/drawing/2014/main" id="{DC1CBD75-63C1-4426-8E73-4D28F12ECD09}"/>
-              </a:ext>
-            </a:extLst>
-          </p:cNvPr>
-          <p:cNvGraphicFramePr>
-            <a:graphicFrameLocks noGrp="1"/>
-          </p:cNvGraphicFramePr>
-          <p:nvPr>
-            <p:ph idx="1"/>
-            <p:extLst>
-              <p:ext uri="{D42A27DB-BD31-4B8C-83A1-F6EECF244321}">
-                <p14:modId xmlns:p14="http://schemas.microsoft.com/office/powerpoint/2010/main" val="1263295876"/>
-              </p:ext>
-            </p:extLst>
-          </p:nvPr>
-        </p:nvGraphicFramePr>
-        <p:xfrm>
-          <a:off x="1371600" y="2286000"/>
-          <a:ext cx="9601200" cy="3581400"/>
-        </p:xfrm>
-        <a:graphic>
-          <a:graphicData uri="http://schemas.openxmlformats.org/drawingml/2006/diagram">
-            <dgm:relIds xmlns:dgm="http://schemas.openxmlformats.org/drawingml/2006/diagram" xmlns:r="http://schemas.openxmlformats.org/officeDocument/2006/relationships" r:dm="rId2" r:lo="rId3" r:qs="rId4" r:cs="rId5"/>
-          </a:graphicData>
-        </a:graphic>
-      </p:graphicFrame>
-    </p:spTree>
-    <p:extLst>
-      <p:ext uri="{BB962C8B-B14F-4D97-AF65-F5344CB8AC3E}">
-        <p14:creationId xmlns:p14="http://schemas.microsoft.com/office/powerpoint/2010/main" val="3005775996"/>
-      </p:ext>
-    </p:extLst>
-  </p:cSld>
-  <p:clrMapOvr>
-    <a:masterClrMapping/>
-  </p:clrMapOvr>
-</p:sld>
-</file>
-
-<file path=ppt/slides/slide14.xml><?xml version="1.0" encoding="utf-8"?>
-<p:sld xmlns:a="http://schemas.openxmlformats.org/drawingml/2006/main" xmlns:r="http://schemas.openxmlformats.org/officeDocument/2006/relationships" xmlns:p="http://schemas.openxmlformats.org/presentationml/2006/main">
-  <p:cSld>
-    <p:bg>
-      <p:bgPr>
-        <a:solidFill>
-          <a:schemeClr val="bg2"/>
-        </a:solidFill>
-        <a:effectLst/>
-      </p:bgPr>
-    </p:bg>
     <p:spTree>
       <p:nvGrpSpPr>
         <p:cNvPr id="1" name=""/>
@@ -29481,11 +29300,7 @@
           </p:cNvGraphicFramePr>
           <p:nvPr>
             <p:ph idx="4294967295"/>
-            <p:extLst>
-              <p:ext uri="{D42A27DB-BD31-4B8C-83A1-F6EECF244321}">
-                <p14:modId xmlns:p14="http://schemas.microsoft.com/office/powerpoint/2010/main" val="1469500377"/>
-              </p:ext>
-            </p:extLst>
+            <p:extLst/>
           </p:nvPr>
         </p:nvGraphicFramePr>
         <p:xfrm>
@@ -29685,7 +29500,210 @@
     </p:spTree>
     <p:extLst>
       <p:ext uri="{BB962C8B-B14F-4D97-AF65-F5344CB8AC3E}">
-        <p14:creationId xmlns:p14="http://schemas.microsoft.com/office/powerpoint/2010/main" val="2729755648"/>
+        <p14:creationId xmlns:p14="http://schemas.microsoft.com/office/powerpoint/2010/main" val="2669718368"/>
+      </p:ext>
+    </p:extLst>
+  </p:cSld>
+  <p:clrMapOvr>
+    <a:masterClrMapping/>
+  </p:clrMapOvr>
+</p:sld>
+</file>
+
+<file path=ppt/slides/slide13.xml><?xml version="1.0" encoding="utf-8"?>
+<p:sld xmlns:a="http://schemas.openxmlformats.org/drawingml/2006/main" xmlns:r="http://schemas.openxmlformats.org/officeDocument/2006/relationships" xmlns:p="http://schemas.openxmlformats.org/presentationml/2006/main">
+  <p:cSld>
+    <p:spTree>
+      <p:nvGrpSpPr>
+        <p:cNvPr id="1" name=""/>
+        <p:cNvGrpSpPr/>
+        <p:nvPr/>
+      </p:nvGrpSpPr>
+      <p:grpSpPr>
+        <a:xfrm>
+          <a:off x="0" y="0"/>
+          <a:ext cx="0" cy="0"/>
+          <a:chOff x="0" y="0"/>
+          <a:chExt cx="0" cy="0"/>
+        </a:xfrm>
+      </p:grpSpPr>
+      <p:sp>
+        <p:nvSpPr>
+          <p:cNvPr id="2" name="Titel 1">
+            <a:extLst>
+              <a:ext uri="{FF2B5EF4-FFF2-40B4-BE49-F238E27FC236}">
+                <a16:creationId xmlns:a16="http://schemas.microsoft.com/office/drawing/2014/main" id="{26B5257E-9570-43C0-B652-AD8ED2BF2F53}"/>
+              </a:ext>
+            </a:extLst>
+          </p:cNvPr>
+          <p:cNvSpPr>
+            <a:spLocks noGrp="1"/>
+          </p:cNvSpPr>
+          <p:nvPr>
+            <p:ph type="title"/>
+          </p:nvPr>
+        </p:nvSpPr>
+        <p:spPr>
+          <a:xfrm>
+            <a:off x="640080" y="639704"/>
+            <a:ext cx="3931920" cy="5577840"/>
+          </a:xfrm>
+        </p:spPr>
+        <p:txBody>
+          <a:bodyPr anchor="ctr">
+            <a:normAutofit/>
+          </a:bodyPr>
+          <a:lstStyle/>
+          <a:p>
+            <a:pPr algn="ctr"/>
+            <a:r>
+              <a:rPr lang="de-DE" sz="5400" b="1"/>
+              <a:t>Optimization</a:t>
+            </a:r>
+            <a:endParaRPr lang="de-DE" sz="5400" b="1" dirty="0"/>
+          </a:p>
+        </p:txBody>
+      </p:sp>
+      <p:graphicFrame>
+        <p:nvGraphicFramePr>
+          <p:cNvPr id="16" name="Inhaltsplatzhalter 2">
+            <a:extLst>
+              <a:ext uri="{FF2B5EF4-FFF2-40B4-BE49-F238E27FC236}">
+                <a16:creationId xmlns:a16="http://schemas.microsoft.com/office/drawing/2014/main" id="{03722DF8-6892-4887-AE41-EE30FAD3A88C}"/>
+              </a:ext>
+            </a:extLst>
+          </p:cNvPr>
+          <p:cNvGraphicFramePr>
+            <a:graphicFrameLocks noGrp="1"/>
+          </p:cNvGraphicFramePr>
+          <p:nvPr>
+            <p:ph idx="1"/>
+            <p:extLst/>
+          </p:nvPr>
+        </p:nvGraphicFramePr>
+        <p:xfrm>
+          <a:off x="4901472" y="639705"/>
+          <a:ext cx="6506304" cy="5577840"/>
+        </p:xfrm>
+        <a:graphic>
+          <a:graphicData uri="http://schemas.openxmlformats.org/drawingml/2006/diagram">
+            <dgm:relIds xmlns:dgm="http://schemas.openxmlformats.org/drawingml/2006/diagram" xmlns:r="http://schemas.openxmlformats.org/officeDocument/2006/relationships" r:dm="rId2" r:lo="rId3" r:qs="rId4" r:cs="rId5"/>
+          </a:graphicData>
+        </a:graphic>
+      </p:graphicFrame>
+    </p:spTree>
+    <p:extLst>
+      <p:ext uri="{BB962C8B-B14F-4D97-AF65-F5344CB8AC3E}">
+        <p14:creationId xmlns:p14="http://schemas.microsoft.com/office/powerpoint/2010/main" val="1223809904"/>
+      </p:ext>
+    </p:extLst>
+  </p:cSld>
+  <p:clrMapOvr>
+    <a:masterClrMapping/>
+  </p:clrMapOvr>
+</p:sld>
+</file>
+
+<file path=ppt/slides/slide14.xml><?xml version="1.0" encoding="utf-8"?>
+<p:sld xmlns:a="http://schemas.openxmlformats.org/drawingml/2006/main" xmlns:r="http://schemas.openxmlformats.org/officeDocument/2006/relationships" xmlns:p="http://schemas.openxmlformats.org/presentationml/2006/main">
+  <p:cSld>
+    <p:bg>
+      <p:bgPr>
+        <a:solidFill>
+          <a:schemeClr val="bg2"/>
+        </a:solidFill>
+        <a:effectLst/>
+      </p:bgPr>
+    </p:bg>
+    <p:spTree>
+      <p:nvGrpSpPr>
+        <p:cNvPr id="1" name=""/>
+        <p:cNvGrpSpPr/>
+        <p:nvPr/>
+      </p:nvGrpSpPr>
+      <p:grpSpPr>
+        <a:xfrm>
+          <a:off x="0" y="0"/>
+          <a:ext cx="0" cy="0"/>
+          <a:chOff x="0" y="0"/>
+          <a:chExt cx="0" cy="0"/>
+        </a:xfrm>
+      </p:grpSpPr>
+      <p:sp>
+        <p:nvSpPr>
+          <p:cNvPr id="2" name="Titel 1">
+            <a:extLst>
+              <a:ext uri="{FF2B5EF4-FFF2-40B4-BE49-F238E27FC236}">
+                <a16:creationId xmlns:a16="http://schemas.microsoft.com/office/drawing/2014/main" id="{FBD825E8-3C4E-48AC-ACC5-08F36C04823C}"/>
+              </a:ext>
+            </a:extLst>
+          </p:cNvPr>
+          <p:cNvSpPr>
+            <a:spLocks noGrp="1"/>
+          </p:cNvSpPr>
+          <p:nvPr>
+            <p:ph type="title"/>
+          </p:nvPr>
+        </p:nvSpPr>
+        <p:spPr>
+          <a:xfrm>
+            <a:off x="1371600" y="685800"/>
+            <a:ext cx="9601200" cy="1485900"/>
+          </a:xfrm>
+        </p:spPr>
+        <p:txBody>
+          <a:bodyPr>
+            <a:normAutofit/>
+          </a:bodyPr>
+          <a:lstStyle/>
+          <a:p>
+            <a:r>
+              <a:rPr lang="de-DE" b="1" dirty="0"/>
+              <a:t>Future </a:t>
+            </a:r>
+            <a:r>
+              <a:rPr lang="de-DE" b="1" dirty="0" err="1"/>
+              <a:t>tasks</a:t>
+            </a:r>
+            <a:endParaRPr lang="de-DE" b="1" dirty="0"/>
+          </a:p>
+        </p:txBody>
+      </p:sp>
+      <p:graphicFrame>
+        <p:nvGraphicFramePr>
+          <p:cNvPr id="4" name="Inhaltsplatzhalter 3">
+            <a:extLst>
+              <a:ext uri="{FF2B5EF4-FFF2-40B4-BE49-F238E27FC236}">
+                <a16:creationId xmlns:a16="http://schemas.microsoft.com/office/drawing/2014/main" id="{DC1CBD75-63C1-4426-8E73-4D28F12ECD09}"/>
+              </a:ext>
+            </a:extLst>
+          </p:cNvPr>
+          <p:cNvGraphicFramePr>
+            <a:graphicFrameLocks noGrp="1"/>
+          </p:cNvGraphicFramePr>
+          <p:nvPr>
+            <p:ph idx="1"/>
+            <p:extLst>
+              <p:ext uri="{D42A27DB-BD31-4B8C-83A1-F6EECF244321}">
+                <p14:modId xmlns:p14="http://schemas.microsoft.com/office/powerpoint/2010/main" val="1263295876"/>
+              </p:ext>
+            </p:extLst>
+          </p:nvPr>
+        </p:nvGraphicFramePr>
+        <p:xfrm>
+          <a:off x="1371600" y="2286000"/>
+          <a:ext cx="9601200" cy="3581400"/>
+        </p:xfrm>
+        <a:graphic>
+          <a:graphicData uri="http://schemas.openxmlformats.org/drawingml/2006/diagram">
+            <dgm:relIds xmlns:dgm="http://schemas.openxmlformats.org/drawingml/2006/diagram" xmlns:r="http://schemas.openxmlformats.org/officeDocument/2006/relationships" r:dm="rId2" r:lo="rId3" r:qs="rId4" r:cs="rId5"/>
+          </a:graphicData>
+        </a:graphic>
+      </p:graphicFrame>
+    </p:spTree>
+    <p:extLst>
+      <p:ext uri="{BB962C8B-B14F-4D97-AF65-F5344CB8AC3E}">
+        <p14:creationId xmlns:p14="http://schemas.microsoft.com/office/powerpoint/2010/main" val="3005775996"/>
       </p:ext>
     </p:extLst>
   </p:cSld>
